--- a/temp_solar/簡報.pptx
+++ b/temp_solar/簡報.pptx
@@ -104,7 +104,41 @@
       </a:defRPr>
     </a:lvl9pPr>
   </p:defaultTextStyle>
+  <p:extLst>
+    <p:ext uri="{EFAFB233-063F-42B5-8137-9DF3F51BA10A}">
+      <p15:sldGuideLst xmlns:p15="http://schemas.microsoft.com/office/powerpoint/2012/main"/>
+    </p:ext>
+  </p:extLst>
 </p:presentation>
+</file>
+
+<file path=ppt/changesInfos/changesInfo1.xml><?xml version="1.0" encoding="utf-8"?>
+<pc:chgInfo xmlns:a="http://schemas.openxmlformats.org/drawingml/2006/main" xmlns:r="http://schemas.openxmlformats.org/officeDocument/2006/relationships" xmlns:ac="http://schemas.microsoft.com/office/drawing/2013/main/command" xmlns:pc="http://schemas.microsoft.com/office/powerpoint/2013/main/command">
+  <pc:docChgLst>
+    <pc:chgData name="Lanvis Wei" userId="c4087bf9e86b8004" providerId="LiveId" clId="{12E56520-5880-4261-AD8D-C1FEB301CE45}"/>
+    <pc:docChg chg="modSld">
+      <pc:chgData name="Lanvis Wei" userId="c4087bf9e86b8004" providerId="LiveId" clId="{12E56520-5880-4261-AD8D-C1FEB301CE45}" dt="2024-07-18T02:21:30.023" v="7" actId="1038"/>
+      <pc:docMkLst>
+        <pc:docMk/>
+      </pc:docMkLst>
+      <pc:sldChg chg="modSp mod">
+        <pc:chgData name="Lanvis Wei" userId="c4087bf9e86b8004" providerId="LiveId" clId="{12E56520-5880-4261-AD8D-C1FEB301CE45}" dt="2024-07-18T02:21:30.023" v="7" actId="1038"/>
+        <pc:sldMkLst>
+          <pc:docMk/>
+          <pc:sldMk cId="712729559" sldId="256"/>
+        </pc:sldMkLst>
+        <pc:spChg chg="mod">
+          <ac:chgData name="Lanvis Wei" userId="c4087bf9e86b8004" providerId="LiveId" clId="{12E56520-5880-4261-AD8D-C1FEB301CE45}" dt="2024-07-18T02:21:30.023" v="7" actId="1038"/>
+          <ac:spMkLst>
+            <pc:docMk/>
+            <pc:sldMk cId="712729559" sldId="256"/>
+            <ac:spMk id="35" creationId="{5ABE3304-63CF-F456-374D-79755CCB2421}"/>
+          </ac:spMkLst>
+        </pc:spChg>
+      </pc:sldChg>
+    </pc:docChg>
+  </pc:docChgLst>
+</pc:chgInfo>
 </file>
 
 <file path=ppt/slideLayouts/slideLayout1.xml><?xml version="1.0" encoding="utf-8"?>
@@ -6385,7 +6419,7 @@
         </p:nvSpPr>
         <p:spPr>
           <a:xfrm>
-            <a:off x="5378877" y="5617811"/>
+            <a:off x="2710690" y="2965210"/>
             <a:ext cx="1164101" cy="276999"/>
           </a:xfrm>
           <a:prstGeom prst="rect">

--- a/temp_solar/簡報.pptx
+++ b/temp_solar/簡報.pptx
@@ -6,6 +6,7 @@
   </p:sldMasterIdLst>
   <p:sldIdLst>
     <p:sldId id="256" r:id="rId2"/>
+    <p:sldId id="257" r:id="rId3"/>
   </p:sldIdLst>
   <p:sldSz cx="12192000" cy="6858000"/>
   <p:notesSz cx="6858000" cy="9144000"/>
@@ -116,13 +117,13 @@
 <pc:chgInfo xmlns:a="http://schemas.openxmlformats.org/drawingml/2006/main" xmlns:r="http://schemas.openxmlformats.org/officeDocument/2006/relationships" xmlns:ac="http://schemas.microsoft.com/office/drawing/2013/main/command" xmlns:pc="http://schemas.microsoft.com/office/powerpoint/2013/main/command">
   <pc:docChgLst>
     <pc:chgData name="Lanvis Wei" userId="c4087bf9e86b8004" providerId="LiveId" clId="{12E56520-5880-4261-AD8D-C1FEB301CE45}"/>
-    <pc:docChg chg="modSld">
-      <pc:chgData name="Lanvis Wei" userId="c4087bf9e86b8004" providerId="LiveId" clId="{12E56520-5880-4261-AD8D-C1FEB301CE45}" dt="2024-07-18T02:21:30.023" v="7" actId="1038"/>
+    <pc:docChg chg="undo redo custSel addSld modSld">
+      <pc:chgData name="Lanvis Wei" userId="c4087bf9e86b8004" providerId="LiveId" clId="{12E56520-5880-4261-AD8D-C1FEB301CE45}" dt="2024-07-18T07:30:29.735" v="727" actId="1076"/>
       <pc:docMkLst>
         <pc:docMk/>
       </pc:docMkLst>
-      <pc:sldChg chg="modSp mod">
-        <pc:chgData name="Lanvis Wei" userId="c4087bf9e86b8004" providerId="LiveId" clId="{12E56520-5880-4261-AD8D-C1FEB301CE45}" dt="2024-07-18T02:21:30.023" v="7" actId="1038"/>
+      <pc:sldChg chg="addSp delSp modSp mod">
+        <pc:chgData name="Lanvis Wei" userId="c4087bf9e86b8004" providerId="LiveId" clId="{12E56520-5880-4261-AD8D-C1FEB301CE45}" dt="2024-07-18T07:06:33.364" v="580" actId="14100"/>
         <pc:sldMkLst>
           <pc:docMk/>
           <pc:sldMk cId="712729559" sldId="256"/>
@@ -135,6 +136,485 @@
             <ac:spMk id="35" creationId="{5ABE3304-63CF-F456-374D-79755CCB2421}"/>
           </ac:spMkLst>
         </pc:spChg>
+        <pc:graphicFrameChg chg="add del mod modGraphic">
+          <ac:chgData name="Lanvis Wei" userId="c4087bf9e86b8004" providerId="LiveId" clId="{12E56520-5880-4261-AD8D-C1FEB301CE45}" dt="2024-07-18T07:06:33.364" v="580" actId="14100"/>
+          <ac:graphicFrameMkLst>
+            <pc:docMk/>
+            <pc:sldMk cId="712729559" sldId="256"/>
+            <ac:graphicFrameMk id="9" creationId="{4792F4D9-F2AB-6BFF-C4EB-02A26FBD472F}"/>
+          </ac:graphicFrameMkLst>
+        </pc:graphicFrameChg>
+        <pc:picChg chg="add del mod">
+          <ac:chgData name="Lanvis Wei" userId="c4087bf9e86b8004" providerId="LiveId" clId="{12E56520-5880-4261-AD8D-C1FEB301CE45}" dt="2024-07-18T07:06:23.818" v="578" actId="14100"/>
+          <ac:picMkLst>
+            <pc:docMk/>
+            <pc:sldMk cId="712729559" sldId="256"/>
+            <ac:picMk id="8" creationId="{964A9FE9-9BEC-BD63-6852-B2B837EF6517}"/>
+          </ac:picMkLst>
+        </pc:picChg>
+      </pc:sldChg>
+      <pc:sldChg chg="addSp delSp modSp new mod">
+        <pc:chgData name="Lanvis Wei" userId="c4087bf9e86b8004" providerId="LiveId" clId="{12E56520-5880-4261-AD8D-C1FEB301CE45}" dt="2024-07-18T07:30:29.735" v="727" actId="1076"/>
+        <pc:sldMkLst>
+          <pc:docMk/>
+          <pc:sldMk cId="3629564587" sldId="257"/>
+        </pc:sldMkLst>
+        <pc:spChg chg="del">
+          <ac:chgData name="Lanvis Wei" userId="c4087bf9e86b8004" providerId="LiveId" clId="{12E56520-5880-4261-AD8D-C1FEB301CE45}" dt="2024-07-18T06:15:37.942" v="11" actId="478"/>
+          <ac:spMkLst>
+            <pc:docMk/>
+            <pc:sldMk cId="3629564587" sldId="257"/>
+            <ac:spMk id="2" creationId="{0F90FE71-3670-FD59-165A-0690A9AB6FF5}"/>
+          </ac:spMkLst>
+        </pc:spChg>
+        <pc:spChg chg="del">
+          <ac:chgData name="Lanvis Wei" userId="c4087bf9e86b8004" providerId="LiveId" clId="{12E56520-5880-4261-AD8D-C1FEB301CE45}" dt="2024-07-18T06:15:41.867" v="12" actId="478"/>
+          <ac:spMkLst>
+            <pc:docMk/>
+            <pc:sldMk cId="3629564587" sldId="257"/>
+            <ac:spMk id="3" creationId="{4E5BFD0A-B8AB-8C42-B1DE-0169D0D37334}"/>
+          </ac:spMkLst>
+        </pc:spChg>
+        <pc:spChg chg="add del mod">
+          <ac:chgData name="Lanvis Wei" userId="c4087bf9e86b8004" providerId="LiveId" clId="{12E56520-5880-4261-AD8D-C1FEB301CE45}" dt="2024-07-18T06:23:14.094" v="122" actId="11529"/>
+          <ac:spMkLst>
+            <pc:docMk/>
+            <pc:sldMk cId="3629564587" sldId="257"/>
+            <ac:spMk id="6" creationId="{A23E6791-9141-75D7-9DC3-A5FAECC8EE3C}"/>
+          </ac:spMkLst>
+        </pc:spChg>
+        <pc:spChg chg="add mod">
+          <ac:chgData name="Lanvis Wei" userId="c4087bf9e86b8004" providerId="LiveId" clId="{12E56520-5880-4261-AD8D-C1FEB301CE45}" dt="2024-07-18T06:23:10.050" v="115" actId="1076"/>
+          <ac:spMkLst>
+            <pc:docMk/>
+            <pc:sldMk cId="3629564587" sldId="257"/>
+            <ac:spMk id="7" creationId="{9E9AF67B-C3AC-22B0-45C7-31D80E5A76FE}"/>
+          </ac:spMkLst>
+        </pc:spChg>
+        <pc:spChg chg="add mod">
+          <ac:chgData name="Lanvis Wei" userId="c4087bf9e86b8004" providerId="LiveId" clId="{12E56520-5880-4261-AD8D-C1FEB301CE45}" dt="2024-07-18T06:23:09.143" v="113" actId="1076"/>
+          <ac:spMkLst>
+            <pc:docMk/>
+            <pc:sldMk cId="3629564587" sldId="257"/>
+            <ac:spMk id="8" creationId="{521339E0-37D1-9072-6B98-1BC6C31AD8B4}"/>
+          </ac:spMkLst>
+        </pc:spChg>
+        <pc:spChg chg="add mod">
+          <ac:chgData name="Lanvis Wei" userId="c4087bf9e86b8004" providerId="LiveId" clId="{12E56520-5880-4261-AD8D-C1FEB301CE45}" dt="2024-07-18T06:19:34.304" v="44"/>
+          <ac:spMkLst>
+            <pc:docMk/>
+            <pc:sldMk cId="3629564587" sldId="257"/>
+            <ac:spMk id="9" creationId="{F3580A6E-74E7-98ED-A8B7-321EC692B0FF}"/>
+          </ac:spMkLst>
+        </pc:spChg>
+        <pc:spChg chg="add mod">
+          <ac:chgData name="Lanvis Wei" userId="c4087bf9e86b8004" providerId="LiveId" clId="{12E56520-5880-4261-AD8D-C1FEB301CE45}" dt="2024-07-18T06:19:40.191" v="45"/>
+          <ac:spMkLst>
+            <pc:docMk/>
+            <pc:sldMk cId="3629564587" sldId="257"/>
+            <ac:spMk id="10" creationId="{3E72F0DD-51D0-F3F7-8B6F-E2F03963AC11}"/>
+          </ac:spMkLst>
+        </pc:spChg>
+        <pc:spChg chg="add mod ord">
+          <ac:chgData name="Lanvis Wei" userId="c4087bf9e86b8004" providerId="LiveId" clId="{12E56520-5880-4261-AD8D-C1FEB301CE45}" dt="2024-07-18T06:23:08.205" v="111" actId="1076"/>
+          <ac:spMkLst>
+            <pc:docMk/>
+            <pc:sldMk cId="3629564587" sldId="257"/>
+            <ac:spMk id="11" creationId="{8E3B6E2E-FD7C-220A-BFE2-6B109DA09588}"/>
+          </ac:spMkLst>
+        </pc:spChg>
+        <pc:spChg chg="add del mod">
+          <ac:chgData name="Lanvis Wei" userId="c4087bf9e86b8004" providerId="LiveId" clId="{12E56520-5880-4261-AD8D-C1FEB301CE45}" dt="2024-07-18T06:50:16.078" v="216" actId="11529"/>
+          <ac:spMkLst>
+            <pc:docMk/>
+            <pc:sldMk cId="3629564587" sldId="257"/>
+            <ac:spMk id="12" creationId="{67582411-F4EE-DFB5-2F5F-FC617C1929DA}"/>
+          </ac:spMkLst>
+        </pc:spChg>
+        <pc:spChg chg="add del mod">
+          <ac:chgData name="Lanvis Wei" userId="c4087bf9e86b8004" providerId="LiveId" clId="{12E56520-5880-4261-AD8D-C1FEB301CE45}" dt="2024-07-18T07:30:29.735" v="727" actId="1076"/>
+          <ac:spMkLst>
+            <pc:docMk/>
+            <pc:sldMk cId="3629564587" sldId="257"/>
+            <ac:spMk id="20" creationId="{28FBE5F2-A886-8EAD-67B0-5C36460B8C3D}"/>
+          </ac:spMkLst>
+        </pc:spChg>
+        <pc:spChg chg="mod">
+          <ac:chgData name="Lanvis Wei" userId="c4087bf9e86b8004" providerId="LiveId" clId="{12E56520-5880-4261-AD8D-C1FEB301CE45}" dt="2024-07-18T07:29:35.362" v="721" actId="1076"/>
+          <ac:spMkLst>
+            <pc:docMk/>
+            <pc:sldMk cId="3629564587" sldId="257"/>
+            <ac:spMk id="22" creationId="{68EA2866-E574-A66E-306D-F9FCFDCE83D2}"/>
+          </ac:spMkLst>
+        </pc:spChg>
+        <pc:spChg chg="add del mod">
+          <ac:chgData name="Lanvis Wei" userId="c4087bf9e86b8004" providerId="LiveId" clId="{12E56520-5880-4261-AD8D-C1FEB301CE45}" dt="2024-07-18T07:08:40.980" v="601" actId="478"/>
+          <ac:spMkLst>
+            <pc:docMk/>
+            <pc:sldMk cId="3629564587" sldId="257"/>
+            <ac:spMk id="23" creationId="{E4602F8E-7D17-050E-C58A-884A1ECF3017}"/>
+          </ac:spMkLst>
+        </pc:spChg>
+        <pc:spChg chg="del mod">
+          <ac:chgData name="Lanvis Wei" userId="c4087bf9e86b8004" providerId="LiveId" clId="{12E56520-5880-4261-AD8D-C1FEB301CE45}" dt="2024-07-18T07:08:52.406" v="602" actId="478"/>
+          <ac:spMkLst>
+            <pc:docMk/>
+            <pc:sldMk cId="3629564587" sldId="257"/>
+            <ac:spMk id="24" creationId="{C6B71D44-2E8F-A21C-6CE1-30A7BB3B4EEE}"/>
+          </ac:spMkLst>
+        </pc:spChg>
+        <pc:spChg chg="del mod">
+          <ac:chgData name="Lanvis Wei" userId="c4087bf9e86b8004" providerId="LiveId" clId="{12E56520-5880-4261-AD8D-C1FEB301CE45}" dt="2024-07-18T07:09:22.335" v="608" actId="478"/>
+          <ac:spMkLst>
+            <pc:docMk/>
+            <pc:sldMk cId="3629564587" sldId="257"/>
+            <ac:spMk id="26" creationId="{FEE21036-7618-758D-32E7-A1131E107FA2}"/>
+          </ac:spMkLst>
+        </pc:spChg>
+        <pc:spChg chg="add del mod">
+          <ac:chgData name="Lanvis Wei" userId="c4087bf9e86b8004" providerId="LiveId" clId="{12E56520-5880-4261-AD8D-C1FEB301CE45}" dt="2024-07-18T07:08:33.559" v="600" actId="478"/>
+          <ac:spMkLst>
+            <pc:docMk/>
+            <pc:sldMk cId="3629564587" sldId="257"/>
+            <ac:spMk id="27" creationId="{E6650070-0758-D95A-B876-EDE1AFED79C1}"/>
+          </ac:spMkLst>
+        </pc:spChg>
+        <pc:spChg chg="del mod">
+          <ac:chgData name="Lanvis Wei" userId="c4087bf9e86b8004" providerId="LiveId" clId="{12E56520-5880-4261-AD8D-C1FEB301CE45}" dt="2024-07-18T07:09:09.061" v="605" actId="478"/>
+          <ac:spMkLst>
+            <pc:docMk/>
+            <pc:sldMk cId="3629564587" sldId="257"/>
+            <ac:spMk id="28" creationId="{381A0DE3-AD86-AC40-54DC-0091ABE5CE68}"/>
+          </ac:spMkLst>
+        </pc:spChg>
+        <pc:spChg chg="del mod">
+          <ac:chgData name="Lanvis Wei" userId="c4087bf9e86b8004" providerId="LiveId" clId="{12E56520-5880-4261-AD8D-C1FEB301CE45}" dt="2024-07-18T07:08:31.302" v="599" actId="478"/>
+          <ac:spMkLst>
+            <pc:docMk/>
+            <pc:sldMk cId="3629564587" sldId="257"/>
+            <ac:spMk id="30" creationId="{35982DF3-2C67-D4DD-13AF-D09037CBE353}"/>
+          </ac:spMkLst>
+        </pc:spChg>
+        <pc:spChg chg="add del mod">
+          <ac:chgData name="Lanvis Wei" userId="c4087bf9e86b8004" providerId="LiveId" clId="{12E56520-5880-4261-AD8D-C1FEB301CE45}" dt="2024-07-18T07:08:17.272" v="596" actId="478"/>
+          <ac:spMkLst>
+            <pc:docMk/>
+            <pc:sldMk cId="3629564587" sldId="257"/>
+            <ac:spMk id="31" creationId="{7FEF0A3D-8512-821D-9CEF-AB0F8531197B}"/>
+          </ac:spMkLst>
+        </pc:spChg>
+        <pc:spChg chg="del mod">
+          <ac:chgData name="Lanvis Wei" userId="c4087bf9e86b8004" providerId="LiveId" clId="{12E56520-5880-4261-AD8D-C1FEB301CE45}" dt="2024-07-18T07:08:00.762" v="590" actId="478"/>
+          <ac:spMkLst>
+            <pc:docMk/>
+            <pc:sldMk cId="3629564587" sldId="257"/>
+            <ac:spMk id="32" creationId="{3A797855-7DE0-0F8D-524A-7F6E3035E2E9}"/>
+          </ac:spMkLst>
+        </pc:spChg>
+        <pc:spChg chg="del mod">
+          <ac:chgData name="Lanvis Wei" userId="c4087bf9e86b8004" providerId="LiveId" clId="{12E56520-5880-4261-AD8D-C1FEB301CE45}" dt="2024-07-18T07:08:14.377" v="595" actId="478"/>
+          <ac:spMkLst>
+            <pc:docMk/>
+            <pc:sldMk cId="3629564587" sldId="257"/>
+            <ac:spMk id="34" creationId="{6BD76F8D-3431-2E52-7788-4DE99ABC8C3F}"/>
+          </ac:spMkLst>
+        </pc:spChg>
+        <pc:spChg chg="del mod">
+          <ac:chgData name="Lanvis Wei" userId="c4087bf9e86b8004" providerId="LiveId" clId="{12E56520-5880-4261-AD8D-C1FEB301CE45}" dt="2024-07-18T07:08:10.834" v="594" actId="478"/>
+          <ac:spMkLst>
+            <pc:docMk/>
+            <pc:sldMk cId="3629564587" sldId="257"/>
+            <ac:spMk id="35" creationId="{092F6C89-EBD5-2FBD-929C-17BD4EAF48B6}"/>
+          </ac:spMkLst>
+        </pc:spChg>
+        <pc:spChg chg="mod">
+          <ac:chgData name="Lanvis Wei" userId="c4087bf9e86b8004" providerId="LiveId" clId="{12E56520-5880-4261-AD8D-C1FEB301CE45}" dt="2024-07-18T07:24:40.087" v="701" actId="165"/>
+          <ac:spMkLst>
+            <pc:docMk/>
+            <pc:sldMk cId="3629564587" sldId="257"/>
+            <ac:spMk id="36" creationId="{33F097D9-4B7B-78B5-E1A3-145F1C075D0B}"/>
+          </ac:spMkLst>
+        </pc:spChg>
+        <pc:spChg chg="mod">
+          <ac:chgData name="Lanvis Wei" userId="c4087bf9e86b8004" providerId="LiveId" clId="{12E56520-5880-4261-AD8D-C1FEB301CE45}" dt="2024-07-18T07:24:40.087" v="701" actId="165"/>
+          <ac:spMkLst>
+            <pc:docMk/>
+            <pc:sldMk cId="3629564587" sldId="257"/>
+            <ac:spMk id="37" creationId="{A5B4E23C-CC0A-DD8D-8FE5-E4245805527C}"/>
+          </ac:spMkLst>
+        </pc:spChg>
+        <pc:spChg chg="mod">
+          <ac:chgData name="Lanvis Wei" userId="c4087bf9e86b8004" providerId="LiveId" clId="{12E56520-5880-4261-AD8D-C1FEB301CE45}" dt="2024-07-18T07:24:40.087" v="701" actId="165"/>
+          <ac:spMkLst>
+            <pc:docMk/>
+            <pc:sldMk cId="3629564587" sldId="257"/>
+            <ac:spMk id="38" creationId="{EF4706A5-C9D1-4F60-6814-6EF85C16B556}"/>
+          </ac:spMkLst>
+        </pc:spChg>
+        <pc:spChg chg="mod">
+          <ac:chgData name="Lanvis Wei" userId="c4087bf9e86b8004" providerId="LiveId" clId="{12E56520-5880-4261-AD8D-C1FEB301CE45}" dt="2024-07-18T07:28:03.725" v="715" actId="207"/>
+          <ac:spMkLst>
+            <pc:docMk/>
+            <pc:sldMk cId="3629564587" sldId="257"/>
+            <ac:spMk id="39" creationId="{D5E5E82E-D8F9-CF64-56D2-7CA4DE848CE9}"/>
+          </ac:spMkLst>
+        </pc:spChg>
+        <pc:spChg chg="mod">
+          <ac:chgData name="Lanvis Wei" userId="c4087bf9e86b8004" providerId="LiveId" clId="{12E56520-5880-4261-AD8D-C1FEB301CE45}" dt="2024-07-18T07:24:40.087" v="701" actId="165"/>
+          <ac:spMkLst>
+            <pc:docMk/>
+            <pc:sldMk cId="3629564587" sldId="257"/>
+            <ac:spMk id="40" creationId="{8B87B70F-FD7A-ED0B-43CE-42C27F4D67C6}"/>
+          </ac:spMkLst>
+        </pc:spChg>
+        <pc:spChg chg="mod">
+          <ac:chgData name="Lanvis Wei" userId="c4087bf9e86b8004" providerId="LiveId" clId="{12E56520-5880-4261-AD8D-C1FEB301CE45}" dt="2024-07-18T07:24:40.087" v="701" actId="165"/>
+          <ac:spMkLst>
+            <pc:docMk/>
+            <pc:sldMk cId="3629564587" sldId="257"/>
+            <ac:spMk id="41" creationId="{E6A3AB82-6E87-FE06-5F2E-AA99AF350D57}"/>
+          </ac:spMkLst>
+        </pc:spChg>
+        <pc:spChg chg="mod">
+          <ac:chgData name="Lanvis Wei" userId="c4087bf9e86b8004" providerId="LiveId" clId="{12E56520-5880-4261-AD8D-C1FEB301CE45}" dt="2024-07-18T07:24:40.087" v="701" actId="165"/>
+          <ac:spMkLst>
+            <pc:docMk/>
+            <pc:sldMk cId="3629564587" sldId="257"/>
+            <ac:spMk id="42" creationId="{F0958A05-B844-5251-3354-A947D8CB6681}"/>
+          </ac:spMkLst>
+        </pc:spChg>
+        <pc:spChg chg="del mod topLvl">
+          <ac:chgData name="Lanvis Wei" userId="c4087bf9e86b8004" providerId="LiveId" clId="{12E56520-5880-4261-AD8D-C1FEB301CE45}" dt="2024-07-18T07:15:57.312" v="656" actId="478"/>
+          <ac:spMkLst>
+            <pc:docMk/>
+            <pc:sldMk cId="3629564587" sldId="257"/>
+            <ac:spMk id="44" creationId="{9BF25712-4A3F-2158-8935-D6F786886F0D}"/>
+          </ac:spMkLst>
+        </pc:spChg>
+        <pc:spChg chg="mod">
+          <ac:chgData name="Lanvis Wei" userId="c4087bf9e86b8004" providerId="LiveId" clId="{12E56520-5880-4261-AD8D-C1FEB301CE45}" dt="2024-07-18T07:24:40.087" v="701" actId="165"/>
+          <ac:spMkLst>
+            <pc:docMk/>
+            <pc:sldMk cId="3629564587" sldId="257"/>
+            <ac:spMk id="46" creationId="{D44440B1-5476-BD7B-FB8E-71296221D9E1}"/>
+          </ac:spMkLst>
+        </pc:spChg>
+        <pc:spChg chg="mod">
+          <ac:chgData name="Lanvis Wei" userId="c4087bf9e86b8004" providerId="LiveId" clId="{12E56520-5880-4261-AD8D-C1FEB301CE45}" dt="2024-07-18T07:24:40.087" v="701" actId="165"/>
+          <ac:spMkLst>
+            <pc:docMk/>
+            <pc:sldMk cId="3629564587" sldId="257"/>
+            <ac:spMk id="47" creationId="{72367E5D-B6AD-28BF-ABCA-A02638C77F4C}"/>
+          </ac:spMkLst>
+        </pc:spChg>
+        <pc:spChg chg="mod">
+          <ac:chgData name="Lanvis Wei" userId="c4087bf9e86b8004" providerId="LiveId" clId="{12E56520-5880-4261-AD8D-C1FEB301CE45}" dt="2024-07-18T07:24:40.087" v="701" actId="165"/>
+          <ac:spMkLst>
+            <pc:docMk/>
+            <pc:sldMk cId="3629564587" sldId="257"/>
+            <ac:spMk id="48" creationId="{476300C1-3641-B258-AF45-B88BF1432929}"/>
+          </ac:spMkLst>
+        </pc:spChg>
+        <pc:spChg chg="add del mod">
+          <ac:chgData name="Lanvis Wei" userId="c4087bf9e86b8004" providerId="LiveId" clId="{12E56520-5880-4261-AD8D-C1FEB301CE45}" dt="2024-07-18T06:57:02.272" v="549" actId="478"/>
+          <ac:spMkLst>
+            <pc:docMk/>
+            <pc:sldMk cId="3629564587" sldId="257"/>
+            <ac:spMk id="49" creationId="{B96740BD-D633-7511-1097-9DE8205A19A8}"/>
+          </ac:spMkLst>
+        </pc:spChg>
+        <pc:spChg chg="add del mod">
+          <ac:chgData name="Lanvis Wei" userId="c4087bf9e86b8004" providerId="LiveId" clId="{12E56520-5880-4261-AD8D-C1FEB301CE45}" dt="2024-07-18T06:56:57.854" v="548" actId="478"/>
+          <ac:spMkLst>
+            <pc:docMk/>
+            <pc:sldMk cId="3629564587" sldId="257"/>
+            <ac:spMk id="50" creationId="{2AB876D3-6913-42AF-6BF4-8B47B05C9E08}"/>
+          </ac:spMkLst>
+        </pc:spChg>
+        <pc:spChg chg="add mod">
+          <ac:chgData name="Lanvis Wei" userId="c4087bf9e86b8004" providerId="LiveId" clId="{12E56520-5880-4261-AD8D-C1FEB301CE45}" dt="2024-07-18T06:57:18.998" v="550"/>
+          <ac:spMkLst>
+            <pc:docMk/>
+            <pc:sldMk cId="3629564587" sldId="257"/>
+            <ac:spMk id="51" creationId="{7EF28400-220F-3E15-EF5D-6CC0F0C8209E}"/>
+          </ac:spMkLst>
+        </pc:spChg>
+        <pc:spChg chg="add mod">
+          <ac:chgData name="Lanvis Wei" userId="c4087bf9e86b8004" providerId="LiveId" clId="{12E56520-5880-4261-AD8D-C1FEB301CE45}" dt="2024-07-18T07:20:12.932" v="697" actId="1076"/>
+          <ac:spMkLst>
+            <pc:docMk/>
+            <pc:sldMk cId="3629564587" sldId="257"/>
+            <ac:spMk id="56" creationId="{7F72BE2B-E7E7-B027-131B-9B344B76268F}"/>
+          </ac:spMkLst>
+        </pc:spChg>
+        <pc:grpChg chg="add del mod">
+          <ac:chgData name="Lanvis Wei" userId="c4087bf9e86b8004" providerId="LiveId" clId="{12E56520-5880-4261-AD8D-C1FEB301CE45}" dt="2024-07-18T07:14:47.338" v="646" actId="165"/>
+          <ac:grpSpMkLst>
+            <pc:docMk/>
+            <pc:sldMk cId="3629564587" sldId="257"/>
+            <ac:grpSpMk id="13" creationId="{74255127-F0FD-C628-3C00-7E00DF9179E5}"/>
+          </ac:grpSpMkLst>
+        </pc:grpChg>
+        <pc:grpChg chg="del mod topLvl">
+          <ac:chgData name="Lanvis Wei" userId="c4087bf9e86b8004" providerId="LiveId" clId="{12E56520-5880-4261-AD8D-C1FEB301CE45}" dt="2024-07-18T07:15:11.390" v="649" actId="165"/>
+          <ac:grpSpMkLst>
+            <pc:docMk/>
+            <pc:sldMk cId="3629564587" sldId="257"/>
+            <ac:grpSpMk id="14" creationId="{A5A4D6AE-2743-03E0-9C1E-0A972E0E2455}"/>
+          </ac:grpSpMkLst>
+        </pc:grpChg>
+        <pc:grpChg chg="mod topLvl">
+          <ac:chgData name="Lanvis Wei" userId="c4087bf9e86b8004" providerId="LiveId" clId="{12E56520-5880-4261-AD8D-C1FEB301CE45}" dt="2024-07-18T07:27:37.610" v="712" actId="1076"/>
+          <ac:grpSpMkLst>
+            <pc:docMk/>
+            <pc:sldMk cId="3629564587" sldId="257"/>
+            <ac:grpSpMk id="15" creationId="{E02A1AEE-05A1-3C1A-C076-052707EA7CB3}"/>
+          </ac:grpSpMkLst>
+        </pc:grpChg>
+        <pc:grpChg chg="del mod">
+          <ac:chgData name="Lanvis Wei" userId="c4087bf9e86b8004" providerId="LiveId" clId="{12E56520-5880-4261-AD8D-C1FEB301CE45}" dt="2024-07-18T07:08:10.834" v="594" actId="478"/>
+          <ac:grpSpMkLst>
+            <pc:docMk/>
+            <pc:sldMk cId="3629564587" sldId="257"/>
+            <ac:grpSpMk id="16" creationId="{C2984904-CBAA-F777-CE12-D353E8F02863}"/>
+          </ac:grpSpMkLst>
+        </pc:grpChg>
+        <pc:grpChg chg="del mod">
+          <ac:chgData name="Lanvis Wei" userId="c4087bf9e86b8004" providerId="LiveId" clId="{12E56520-5880-4261-AD8D-C1FEB301CE45}" dt="2024-07-18T07:08:31.302" v="599" actId="478"/>
+          <ac:grpSpMkLst>
+            <pc:docMk/>
+            <pc:sldMk cId="3629564587" sldId="257"/>
+            <ac:grpSpMk id="17" creationId="{D5DED0B3-E84D-46D1-DE21-D4AEE27512D5}"/>
+          </ac:grpSpMkLst>
+        </pc:grpChg>
+        <pc:grpChg chg="del mod">
+          <ac:chgData name="Lanvis Wei" userId="c4087bf9e86b8004" providerId="LiveId" clId="{12E56520-5880-4261-AD8D-C1FEB301CE45}" dt="2024-07-18T07:09:11.822" v="606" actId="478"/>
+          <ac:grpSpMkLst>
+            <pc:docMk/>
+            <pc:sldMk cId="3629564587" sldId="257"/>
+            <ac:grpSpMk id="18" creationId="{D0D04939-5A71-FB49-8D89-5A758FB1EA8C}"/>
+          </ac:grpSpMkLst>
+        </pc:grpChg>
+        <pc:grpChg chg="mod topLvl">
+          <ac:chgData name="Lanvis Wei" userId="c4087bf9e86b8004" providerId="LiveId" clId="{12E56520-5880-4261-AD8D-C1FEB301CE45}" dt="2024-07-18T07:30:13.439" v="726" actId="1076"/>
+          <ac:grpSpMkLst>
+            <pc:docMk/>
+            <pc:sldMk cId="3629564587" sldId="257"/>
+            <ac:grpSpMk id="19" creationId="{AC51B941-A4BE-3964-DCBF-2B4B1EB85EC6}"/>
+          </ac:grpSpMkLst>
+        </pc:grpChg>
+        <pc:grpChg chg="mod topLvl">
+          <ac:chgData name="Lanvis Wei" userId="c4087bf9e86b8004" providerId="LiveId" clId="{12E56520-5880-4261-AD8D-C1FEB301CE45}" dt="2024-07-18T07:24:40.087" v="701" actId="165"/>
+          <ac:grpSpMkLst>
+            <pc:docMk/>
+            <pc:sldMk cId="3629564587" sldId="257"/>
+            <ac:grpSpMk id="43" creationId="{520EBE1C-11DF-EF97-097D-55925C20857C}"/>
+          </ac:grpSpMkLst>
+        </pc:grpChg>
+        <pc:grpChg chg="mod">
+          <ac:chgData name="Lanvis Wei" userId="c4087bf9e86b8004" providerId="LiveId" clId="{12E56520-5880-4261-AD8D-C1FEB301CE45}" dt="2024-07-18T07:24:40.087" v="701" actId="165"/>
+          <ac:grpSpMkLst>
+            <pc:docMk/>
+            <pc:sldMk cId="3629564587" sldId="257"/>
+            <ac:grpSpMk id="45" creationId="{3B827767-4FDB-21CD-9974-B7F17C1DCF64}"/>
+          </ac:grpSpMkLst>
+        </pc:grpChg>
+        <pc:grpChg chg="add del mod">
+          <ac:chgData name="Lanvis Wei" userId="c4087bf9e86b8004" providerId="LiveId" clId="{12E56520-5880-4261-AD8D-C1FEB301CE45}" dt="2024-07-18T07:24:40.087" v="701" actId="165"/>
+          <ac:grpSpMkLst>
+            <pc:docMk/>
+            <pc:sldMk cId="3629564587" sldId="257"/>
+            <ac:grpSpMk id="55" creationId="{F23C9104-9BAB-28FE-10EE-9D006ABE9D2D}"/>
+          </ac:grpSpMkLst>
+        </pc:grpChg>
+        <pc:grpChg chg="add mod">
+          <ac:chgData name="Lanvis Wei" userId="c4087bf9e86b8004" providerId="LiveId" clId="{12E56520-5880-4261-AD8D-C1FEB301CE45}" dt="2024-07-18T07:18:39.673" v="679" actId="164"/>
+          <ac:grpSpMkLst>
+            <pc:docMk/>
+            <pc:sldMk cId="3629564587" sldId="257"/>
+            <ac:grpSpMk id="59" creationId="{807DB017-F220-8CFB-4D7B-109FB987A899}"/>
+          </ac:grpSpMkLst>
+        </pc:grpChg>
+        <pc:graphicFrameChg chg="add del mod ord modGraphic">
+          <ac:chgData name="Lanvis Wei" userId="c4087bf9e86b8004" providerId="LiveId" clId="{12E56520-5880-4261-AD8D-C1FEB301CE45}" dt="2024-07-18T06:51:54.383" v="219" actId="478"/>
+          <ac:graphicFrameMkLst>
+            <pc:docMk/>
+            <pc:sldMk cId="3629564587" sldId="257"/>
+            <ac:graphicFrameMk id="5" creationId="{715A591A-4F6E-F62E-554F-6A2E7F79ECA9}"/>
+          </ac:graphicFrameMkLst>
+        </pc:graphicFrameChg>
+        <pc:graphicFrameChg chg="add del mod modGraphic">
+          <ac:chgData name="Lanvis Wei" userId="c4087bf9e86b8004" providerId="LiveId" clId="{12E56520-5880-4261-AD8D-C1FEB301CE45}" dt="2024-07-18T07:01:09.294" v="563" actId="478"/>
+          <ac:graphicFrameMkLst>
+            <pc:docMk/>
+            <pc:sldMk cId="3629564587" sldId="257"/>
+            <ac:graphicFrameMk id="52" creationId="{2236D2D9-A845-5CA9-822B-D60AE5598E3F}"/>
+          </ac:graphicFrameMkLst>
+        </pc:graphicFrameChg>
+        <pc:graphicFrameChg chg="add del mod modGraphic">
+          <ac:chgData name="Lanvis Wei" userId="c4087bf9e86b8004" providerId="LiveId" clId="{12E56520-5880-4261-AD8D-C1FEB301CE45}" dt="2024-07-18T07:18:00.646" v="669" actId="478"/>
+          <ac:graphicFrameMkLst>
+            <pc:docMk/>
+            <pc:sldMk cId="3629564587" sldId="257"/>
+            <ac:graphicFrameMk id="54" creationId="{818E3385-DB4F-4B57-40FE-144EA556E4AE}"/>
+          </ac:graphicFrameMkLst>
+        </pc:graphicFrameChg>
+        <pc:picChg chg="add del mod modCrop">
+          <ac:chgData name="Lanvis Wei" userId="c4087bf9e86b8004" providerId="LiveId" clId="{12E56520-5880-4261-AD8D-C1FEB301CE45}" dt="2024-07-18T07:06:02.697" v="576" actId="478"/>
+          <ac:picMkLst>
+            <pc:docMk/>
+            <pc:sldMk cId="3629564587" sldId="257"/>
+            <ac:picMk id="4" creationId="{248D769A-F539-3617-D917-6974A06F3984}"/>
+          </ac:picMkLst>
+        </pc:picChg>
+        <pc:picChg chg="add del mod">
+          <ac:chgData name="Lanvis Wei" userId="c4087bf9e86b8004" providerId="LiveId" clId="{12E56520-5880-4261-AD8D-C1FEB301CE45}" dt="2024-07-18T07:18:02.613" v="670" actId="478"/>
+          <ac:picMkLst>
+            <pc:docMk/>
+            <pc:sldMk cId="3629564587" sldId="257"/>
+            <ac:picMk id="53" creationId="{B8F51DBE-3F95-E9C8-3161-1817E31B7287}"/>
+          </ac:picMkLst>
+        </pc:picChg>
+        <pc:cxnChg chg="mod">
+          <ac:chgData name="Lanvis Wei" userId="c4087bf9e86b8004" providerId="LiveId" clId="{12E56520-5880-4261-AD8D-C1FEB301CE45}" dt="2024-07-18T07:29:46.305" v="723" actId="1076"/>
+          <ac:cxnSpMkLst>
+            <pc:docMk/>
+            <pc:sldMk cId="3629564587" sldId="257"/>
+            <ac:cxnSpMk id="21" creationId="{2145E8E4-CFBF-11E6-DD11-1E6CB03379FB}"/>
+          </ac:cxnSpMkLst>
+        </pc:cxnChg>
+        <pc:cxnChg chg="del mod">
+          <ac:chgData name="Lanvis Wei" userId="c4087bf9e86b8004" providerId="LiveId" clId="{12E56520-5880-4261-AD8D-C1FEB301CE45}" dt="2024-07-18T07:09:11.822" v="606" actId="478"/>
+          <ac:cxnSpMkLst>
+            <pc:docMk/>
+            <pc:sldMk cId="3629564587" sldId="257"/>
+            <ac:cxnSpMk id="25" creationId="{FCE89065-64F3-EEBD-CFA9-FBEB7F1EE6EB}"/>
+          </ac:cxnSpMkLst>
+        </pc:cxnChg>
+        <pc:cxnChg chg="del mod">
+          <ac:chgData name="Lanvis Wei" userId="c4087bf9e86b8004" providerId="LiveId" clId="{12E56520-5880-4261-AD8D-C1FEB301CE45}" dt="2024-07-18T07:08:24.352" v="597" actId="478"/>
+          <ac:cxnSpMkLst>
+            <pc:docMk/>
+            <pc:sldMk cId="3629564587" sldId="257"/>
+            <ac:cxnSpMk id="29" creationId="{8DC47B87-4D59-408C-8776-5AA3DD14ABAC}"/>
+          </ac:cxnSpMkLst>
+        </pc:cxnChg>
+        <pc:cxnChg chg="del mod">
+          <ac:chgData name="Lanvis Wei" userId="c4087bf9e86b8004" providerId="LiveId" clId="{12E56520-5880-4261-AD8D-C1FEB301CE45}" dt="2024-07-18T07:08:05.012" v="591" actId="478"/>
+          <ac:cxnSpMkLst>
+            <pc:docMk/>
+            <pc:sldMk cId="3629564587" sldId="257"/>
+            <ac:cxnSpMk id="33" creationId="{772E23A7-2FC4-80C7-438B-E274A889F14C}"/>
+          </ac:cxnSpMkLst>
+        </pc:cxnChg>
+        <pc:cxnChg chg="add mod">
+          <ac:chgData name="Lanvis Wei" userId="c4087bf9e86b8004" providerId="LiveId" clId="{12E56520-5880-4261-AD8D-C1FEB301CE45}" dt="2024-07-18T07:19:36.380" v="687" actId="1076"/>
+          <ac:cxnSpMkLst>
+            <pc:docMk/>
+            <pc:sldMk cId="3629564587" sldId="257"/>
+            <ac:cxnSpMk id="57" creationId="{7BC92922-FACD-26F8-1F9A-2A32832F0D3F}"/>
+          </ac:cxnSpMkLst>
+        </pc:cxnChg>
       </pc:sldChg>
     </pc:docChg>
   </pc:docChgLst>
@@ -3405,13 +3885,13 @@
           <p:nvPr>
             <p:extLst>
               <p:ext uri="{D42A27DB-BD31-4B8C-83A1-F6EECF244321}">
-                <p14:modId xmlns:p14="http://schemas.microsoft.com/office/powerpoint/2010/main" val="2254643093"/>
+                <p14:modId xmlns:p14="http://schemas.microsoft.com/office/powerpoint/2010/main" val="755193784"/>
               </p:ext>
             </p:extLst>
           </p:nvPr>
         </p:nvGraphicFramePr>
         <p:xfrm>
-          <a:off x="4251960" y="-1"/>
+          <a:off x="4251959" y="-1"/>
           <a:ext cx="7940037" cy="6857998"/>
         </p:xfrm>
         <a:graphic>
@@ -6512,6 +6992,941 @@
     <p:extLst>
       <p:ext uri="{BB962C8B-B14F-4D97-AF65-F5344CB8AC3E}">
         <p14:creationId xmlns:p14="http://schemas.microsoft.com/office/powerpoint/2010/main" val="712729559"/>
+      </p:ext>
+    </p:extLst>
+  </p:cSld>
+  <p:clrMapOvr>
+    <a:masterClrMapping/>
+  </p:clrMapOvr>
+</p:sld>
+</file>
+
+<file path=ppt/slides/slide2.xml><?xml version="1.0" encoding="utf-8"?>
+<p:sld xmlns:a="http://schemas.openxmlformats.org/drawingml/2006/main" xmlns:r="http://schemas.openxmlformats.org/officeDocument/2006/relationships" xmlns:p="http://schemas.openxmlformats.org/presentationml/2006/main">
+  <p:cSld>
+    <p:spTree>
+      <p:nvGrpSpPr>
+        <p:cNvPr id="1" name=""/>
+        <p:cNvGrpSpPr/>
+        <p:nvPr/>
+      </p:nvGrpSpPr>
+      <p:grpSpPr>
+        <a:xfrm>
+          <a:off x="0" y="0"/>
+          <a:ext cx="0" cy="0"/>
+          <a:chOff x="0" y="0"/>
+          <a:chExt cx="0" cy="0"/>
+        </a:xfrm>
+      </p:grpSpPr>
+      <p:grpSp>
+        <p:nvGrpSpPr>
+          <p:cNvPr id="43" name="群組 42">
+            <a:extLst>
+              <a:ext uri="{FF2B5EF4-FFF2-40B4-BE49-F238E27FC236}">
+                <a16:creationId xmlns:a16="http://schemas.microsoft.com/office/drawing/2014/main" id="{520EBE1C-11DF-EF97-097D-55925C20857C}"/>
+              </a:ext>
+            </a:extLst>
+          </p:cNvPr>
+          <p:cNvGrpSpPr/>
+          <p:nvPr/>
+        </p:nvGrpSpPr>
+        <p:grpSpPr>
+          <a:xfrm>
+            <a:off x="1404681" y="1093736"/>
+            <a:ext cx="1613902" cy="1613902"/>
+            <a:chOff x="1276314" y="759880"/>
+            <a:chExt cx="3106616" cy="3106616"/>
+          </a:xfrm>
+        </p:grpSpPr>
+        <p:grpSp>
+          <p:nvGrpSpPr>
+            <p:cNvPr id="45" name="群組 44">
+              <a:extLst>
+                <a:ext uri="{FF2B5EF4-FFF2-40B4-BE49-F238E27FC236}">
+                  <a16:creationId xmlns:a16="http://schemas.microsoft.com/office/drawing/2014/main" id="{3B827767-4FDB-21CD-9974-B7F17C1DCF64}"/>
+                </a:ext>
+              </a:extLst>
+            </p:cNvPr>
+            <p:cNvGrpSpPr/>
+            <p:nvPr/>
+          </p:nvGrpSpPr>
+          <p:grpSpPr>
+            <a:xfrm>
+              <a:off x="1276314" y="759880"/>
+              <a:ext cx="3106616" cy="3106616"/>
+              <a:chOff x="1514103" y="938728"/>
+              <a:chExt cx="2467708" cy="2467708"/>
+            </a:xfrm>
+          </p:grpSpPr>
+          <p:sp>
+            <p:nvSpPr>
+              <p:cNvPr id="47" name="弧形 46">
+                <a:extLst>
+                  <a:ext uri="{FF2B5EF4-FFF2-40B4-BE49-F238E27FC236}">
+                    <a16:creationId xmlns:a16="http://schemas.microsoft.com/office/drawing/2014/main" id="{72367E5D-B6AD-28BF-ABCA-A02638C77F4C}"/>
+                  </a:ext>
+                </a:extLst>
+              </p:cNvPr>
+              <p:cNvSpPr/>
+              <p:nvPr/>
+            </p:nvSpPr>
+            <p:spPr>
+              <a:xfrm rot="17787797">
+                <a:off x="1514103" y="938728"/>
+                <a:ext cx="2467708" cy="2467708"/>
+              </a:xfrm>
+              <a:prstGeom prst="arc">
+                <a:avLst>
+                  <a:gd name="adj1" fmla="val 16200000"/>
+                  <a:gd name="adj2" fmla="val 13045664"/>
+                </a:avLst>
+              </a:prstGeom>
+              <a:ln w="9525">
+                <a:solidFill>
+                  <a:schemeClr val="tx1">
+                    <a:lumMod val="65000"/>
+                    <a:lumOff val="35000"/>
+                  </a:schemeClr>
+                </a:solidFill>
+              </a:ln>
+            </p:spPr>
+            <p:style>
+              <a:lnRef idx="3">
+                <a:schemeClr val="accent3"/>
+              </a:lnRef>
+              <a:fillRef idx="0">
+                <a:schemeClr val="accent3"/>
+              </a:fillRef>
+              <a:effectRef idx="2">
+                <a:schemeClr val="accent3"/>
+              </a:effectRef>
+              <a:fontRef idx="minor">
+                <a:schemeClr val="tx1"/>
+              </a:fontRef>
+            </p:style>
+            <p:txBody>
+              <a:bodyPr rtlCol="0" anchor="ctr"/>
+              <a:lstStyle/>
+              <a:p>
+                <a:pPr algn="ctr"/>
+                <a:endParaRPr lang="zh-TW" altLang="en-US" dirty="0"/>
+              </a:p>
+            </p:txBody>
+          </p:sp>
+          <p:sp>
+            <p:nvSpPr>
+              <p:cNvPr id="48" name="橢圓 47">
+                <a:extLst>
+                  <a:ext uri="{FF2B5EF4-FFF2-40B4-BE49-F238E27FC236}">
+                    <a16:creationId xmlns:a16="http://schemas.microsoft.com/office/drawing/2014/main" id="{476300C1-3641-B258-AF45-B88BF1432929}"/>
+                  </a:ext>
+                </a:extLst>
+              </p:cNvPr>
+              <p:cNvSpPr/>
+              <p:nvPr/>
+            </p:nvSpPr>
+            <p:spPr>
+              <a:xfrm>
+                <a:off x="1618836" y="1590103"/>
+                <a:ext cx="55052" cy="55052"/>
+              </a:xfrm>
+              <a:prstGeom prst="ellipse">
+                <a:avLst/>
+              </a:prstGeom>
+              <a:solidFill>
+                <a:schemeClr val="bg2">
+                  <a:lumMod val="50000"/>
+                </a:schemeClr>
+              </a:solidFill>
+              <a:ln>
+                <a:noFill/>
+              </a:ln>
+            </p:spPr>
+            <p:style>
+              <a:lnRef idx="2">
+                <a:schemeClr val="accent1">
+                  <a:shade val="15000"/>
+                </a:schemeClr>
+              </a:lnRef>
+              <a:fillRef idx="1">
+                <a:schemeClr val="accent1"/>
+              </a:fillRef>
+              <a:effectRef idx="0">
+                <a:schemeClr val="accent1"/>
+              </a:effectRef>
+              <a:fontRef idx="minor">
+                <a:schemeClr val="lt1"/>
+              </a:fontRef>
+            </p:style>
+            <p:txBody>
+              <a:bodyPr rtlCol="0" anchor="ctr"/>
+              <a:lstStyle/>
+              <a:p>
+                <a:pPr algn="ctr"/>
+                <a:endParaRPr lang="zh-TW" altLang="en-US"/>
+              </a:p>
+            </p:txBody>
+          </p:sp>
+        </p:grpSp>
+        <p:sp>
+          <p:nvSpPr>
+            <p:cNvPr id="46" name="橢圓 45">
+              <a:extLst>
+                <a:ext uri="{FF2B5EF4-FFF2-40B4-BE49-F238E27FC236}">
+                  <a16:creationId xmlns:a16="http://schemas.microsoft.com/office/drawing/2014/main" id="{D44440B1-5476-BD7B-FB8E-71296221D9E1}"/>
+                </a:ext>
+              </a:extLst>
+            </p:cNvPr>
+            <p:cNvSpPr/>
+            <p:nvPr/>
+          </p:nvSpPr>
+          <p:spPr>
+            <a:xfrm>
+              <a:off x="1408162" y="2953264"/>
+              <a:ext cx="69305" cy="69305"/>
+            </a:xfrm>
+            <a:prstGeom prst="ellipse">
+              <a:avLst/>
+            </a:prstGeom>
+            <a:solidFill>
+              <a:schemeClr val="bg2">
+                <a:lumMod val="50000"/>
+              </a:schemeClr>
+            </a:solidFill>
+            <a:ln>
+              <a:noFill/>
+            </a:ln>
+          </p:spPr>
+          <p:style>
+            <a:lnRef idx="2">
+              <a:schemeClr val="accent1">
+                <a:shade val="15000"/>
+              </a:schemeClr>
+            </a:lnRef>
+            <a:fillRef idx="1">
+              <a:schemeClr val="accent1"/>
+            </a:fillRef>
+            <a:effectRef idx="0">
+              <a:schemeClr val="accent1"/>
+            </a:effectRef>
+            <a:fontRef idx="minor">
+              <a:schemeClr val="lt1"/>
+            </a:fontRef>
+          </p:style>
+          <p:txBody>
+            <a:bodyPr rtlCol="0" anchor="ctr"/>
+            <a:lstStyle/>
+            <a:p>
+              <a:pPr algn="ctr"/>
+              <a:endParaRPr lang="zh-TW" altLang="en-US" dirty="0"/>
+            </a:p>
+          </p:txBody>
+        </p:sp>
+      </p:grpSp>
+      <p:grpSp>
+        <p:nvGrpSpPr>
+          <p:cNvPr id="15" name="群組 14">
+            <a:extLst>
+              <a:ext uri="{FF2B5EF4-FFF2-40B4-BE49-F238E27FC236}">
+                <a16:creationId xmlns:a16="http://schemas.microsoft.com/office/drawing/2014/main" id="{E02A1AEE-05A1-3C1A-C076-052707EA7CB3}"/>
+              </a:ext>
+            </a:extLst>
+          </p:cNvPr>
+          <p:cNvGrpSpPr/>
+          <p:nvPr/>
+        </p:nvGrpSpPr>
+        <p:grpSpPr>
+          <a:xfrm>
+            <a:off x="591351" y="308165"/>
+            <a:ext cx="2380727" cy="2611820"/>
+            <a:chOff x="2270326" y="1361858"/>
+            <a:chExt cx="3576074" cy="3923197"/>
+          </a:xfrm>
+        </p:grpSpPr>
+        <p:sp>
+          <p:nvSpPr>
+            <p:cNvPr id="36" name="橢圓 35">
+              <a:extLst>
+                <a:ext uri="{FF2B5EF4-FFF2-40B4-BE49-F238E27FC236}">
+                  <a16:creationId xmlns:a16="http://schemas.microsoft.com/office/drawing/2014/main" id="{33F097D9-4B7B-78B5-E1A3-145F1C075D0B}"/>
+                </a:ext>
+              </a:extLst>
+            </p:cNvPr>
+            <p:cNvSpPr/>
+            <p:nvPr/>
+          </p:nvSpPr>
+          <p:spPr>
+            <a:xfrm>
+              <a:off x="3387969" y="2638641"/>
+              <a:ext cx="281353" cy="281353"/>
+            </a:xfrm>
+            <a:prstGeom prst="ellipse">
+              <a:avLst/>
+            </a:prstGeom>
+            <a:solidFill>
+              <a:schemeClr val="accent1">
+                <a:lumMod val="20000"/>
+                <a:lumOff val="80000"/>
+              </a:schemeClr>
+            </a:solidFill>
+            <a:ln>
+              <a:noFill/>
+            </a:ln>
+          </p:spPr>
+          <p:style>
+            <a:lnRef idx="2">
+              <a:schemeClr val="accent1">
+                <a:shade val="15000"/>
+              </a:schemeClr>
+            </a:lnRef>
+            <a:fillRef idx="1">
+              <a:schemeClr val="accent1"/>
+            </a:fillRef>
+            <a:effectRef idx="0">
+              <a:schemeClr val="accent1"/>
+            </a:effectRef>
+            <a:fontRef idx="minor">
+              <a:schemeClr val="lt1"/>
+            </a:fontRef>
+          </p:style>
+          <p:txBody>
+            <a:bodyPr rtlCol="0" anchor="ctr"/>
+            <a:lstStyle/>
+            <a:p>
+              <a:pPr algn="ctr"/>
+              <a:endParaRPr lang="zh-TW" altLang="en-US"/>
+            </a:p>
+          </p:txBody>
+        </p:sp>
+        <p:sp>
+          <p:nvSpPr>
+            <p:cNvPr id="37" name="橢圓 36">
+              <a:extLst>
+                <a:ext uri="{FF2B5EF4-FFF2-40B4-BE49-F238E27FC236}">
+                  <a16:creationId xmlns:a16="http://schemas.microsoft.com/office/drawing/2014/main" id="{A5B4E23C-CC0A-DD8D-8FE5-E4245805527C}"/>
+                </a:ext>
+              </a:extLst>
+            </p:cNvPr>
+            <p:cNvSpPr/>
+            <p:nvPr/>
+          </p:nvSpPr>
+          <p:spPr>
+            <a:xfrm>
+              <a:off x="2824610" y="1361858"/>
+              <a:ext cx="746313" cy="746313"/>
+            </a:xfrm>
+            <a:prstGeom prst="ellipse">
+              <a:avLst/>
+            </a:prstGeom>
+            <a:solidFill>
+              <a:schemeClr val="tx1">
+                <a:lumMod val="65000"/>
+                <a:lumOff val="35000"/>
+              </a:schemeClr>
+            </a:solidFill>
+            <a:ln>
+              <a:noFill/>
+            </a:ln>
+          </p:spPr>
+          <p:style>
+            <a:lnRef idx="2">
+              <a:schemeClr val="accent1">
+                <a:shade val="15000"/>
+              </a:schemeClr>
+            </a:lnRef>
+            <a:fillRef idx="1">
+              <a:schemeClr val="accent1"/>
+            </a:fillRef>
+            <a:effectRef idx="0">
+              <a:schemeClr val="accent1"/>
+            </a:effectRef>
+            <a:fontRef idx="minor">
+              <a:schemeClr val="lt1"/>
+            </a:fontRef>
+          </p:style>
+          <p:txBody>
+            <a:bodyPr rtlCol="0" anchor="ctr"/>
+            <a:lstStyle/>
+            <a:p>
+              <a:pPr algn="ctr"/>
+              <a:endParaRPr lang="zh-TW" altLang="en-US"/>
+            </a:p>
+          </p:txBody>
+        </p:sp>
+        <p:sp>
+          <p:nvSpPr>
+            <p:cNvPr id="38" name="橢圓 37">
+              <a:extLst>
+                <a:ext uri="{FF2B5EF4-FFF2-40B4-BE49-F238E27FC236}">
+                  <a16:creationId xmlns:a16="http://schemas.microsoft.com/office/drawing/2014/main" id="{EF4706A5-C9D1-4F60-6814-6EF85C16B556}"/>
+                </a:ext>
+              </a:extLst>
+            </p:cNvPr>
+            <p:cNvSpPr/>
+            <p:nvPr/>
+          </p:nvSpPr>
+          <p:spPr>
+            <a:xfrm>
+              <a:off x="5321302" y="2058377"/>
+              <a:ext cx="70339" cy="70339"/>
+            </a:xfrm>
+            <a:prstGeom prst="ellipse">
+              <a:avLst/>
+            </a:prstGeom>
+            <a:solidFill>
+              <a:schemeClr val="bg2">
+                <a:lumMod val="75000"/>
+              </a:schemeClr>
+            </a:solidFill>
+            <a:ln>
+              <a:noFill/>
+            </a:ln>
+          </p:spPr>
+          <p:style>
+            <a:lnRef idx="2">
+              <a:schemeClr val="accent1">
+                <a:shade val="15000"/>
+              </a:schemeClr>
+            </a:lnRef>
+            <a:fillRef idx="1">
+              <a:schemeClr val="accent1"/>
+            </a:fillRef>
+            <a:effectRef idx="0">
+              <a:schemeClr val="accent1"/>
+            </a:effectRef>
+            <a:fontRef idx="minor">
+              <a:schemeClr val="lt1"/>
+            </a:fontRef>
+          </p:style>
+          <p:txBody>
+            <a:bodyPr rtlCol="0" anchor="ctr"/>
+            <a:lstStyle/>
+            <a:p>
+              <a:pPr algn="ctr"/>
+              <a:endParaRPr lang="zh-TW" altLang="en-US"/>
+            </a:p>
+          </p:txBody>
+        </p:sp>
+        <p:sp>
+          <p:nvSpPr>
+            <p:cNvPr id="39" name="橢圓 38">
+              <a:extLst>
+                <a:ext uri="{FF2B5EF4-FFF2-40B4-BE49-F238E27FC236}">
+                  <a16:creationId xmlns:a16="http://schemas.microsoft.com/office/drawing/2014/main" id="{D5E5E82E-D8F9-CF64-56D2-7CA4DE848CE9}"/>
+                </a:ext>
+              </a:extLst>
+            </p:cNvPr>
+            <p:cNvSpPr/>
+            <p:nvPr/>
+          </p:nvSpPr>
+          <p:spPr>
+            <a:xfrm>
+              <a:off x="3594911" y="2628229"/>
+              <a:ext cx="2251489" cy="2251489"/>
+            </a:xfrm>
+            <a:prstGeom prst="ellipse">
+              <a:avLst/>
+            </a:prstGeom>
+            <a:solidFill>
+              <a:schemeClr val="tx2">
+                <a:lumMod val="40000"/>
+                <a:lumOff val="60000"/>
+              </a:schemeClr>
+            </a:solidFill>
+            <a:ln>
+              <a:noFill/>
+            </a:ln>
+          </p:spPr>
+          <p:style>
+            <a:lnRef idx="2">
+              <a:schemeClr val="accent1">
+                <a:shade val="15000"/>
+              </a:schemeClr>
+            </a:lnRef>
+            <a:fillRef idx="1">
+              <a:schemeClr val="accent1"/>
+            </a:fillRef>
+            <a:effectRef idx="0">
+              <a:schemeClr val="accent1"/>
+            </a:effectRef>
+            <a:fontRef idx="minor">
+              <a:schemeClr val="lt1"/>
+            </a:fontRef>
+          </p:style>
+          <p:txBody>
+            <a:bodyPr rtlCol="0" anchor="ctr"/>
+            <a:lstStyle/>
+            <a:p>
+              <a:pPr algn="ctr"/>
+              <a:endParaRPr lang="zh-TW" altLang="en-US" dirty="0"/>
+            </a:p>
+          </p:txBody>
+        </p:sp>
+        <p:sp>
+          <p:nvSpPr>
+            <p:cNvPr id="40" name="橢圓 39">
+              <a:extLst>
+                <a:ext uri="{FF2B5EF4-FFF2-40B4-BE49-F238E27FC236}">
+                  <a16:creationId xmlns:a16="http://schemas.microsoft.com/office/drawing/2014/main" id="{8B87B70F-FD7A-ED0B-43CE-42C27F4D67C6}"/>
+                </a:ext>
+              </a:extLst>
+            </p:cNvPr>
+            <p:cNvSpPr/>
+            <p:nvPr/>
+          </p:nvSpPr>
+          <p:spPr>
+            <a:xfrm>
+              <a:off x="3057090" y="4411827"/>
+              <a:ext cx="171084" cy="171084"/>
+            </a:xfrm>
+            <a:prstGeom prst="ellipse">
+              <a:avLst/>
+            </a:prstGeom>
+            <a:solidFill>
+              <a:schemeClr val="tx1">
+                <a:lumMod val="85000"/>
+                <a:lumOff val="15000"/>
+              </a:schemeClr>
+            </a:solidFill>
+            <a:ln>
+              <a:noFill/>
+            </a:ln>
+          </p:spPr>
+          <p:style>
+            <a:lnRef idx="2">
+              <a:schemeClr val="accent1">
+                <a:shade val="15000"/>
+              </a:schemeClr>
+            </a:lnRef>
+            <a:fillRef idx="1">
+              <a:schemeClr val="accent1"/>
+            </a:fillRef>
+            <a:effectRef idx="0">
+              <a:schemeClr val="accent1"/>
+            </a:effectRef>
+            <a:fontRef idx="minor">
+              <a:schemeClr val="lt1"/>
+            </a:fontRef>
+          </p:style>
+          <p:txBody>
+            <a:bodyPr rtlCol="0" anchor="ctr"/>
+            <a:lstStyle/>
+            <a:p>
+              <a:pPr algn="ctr"/>
+              <a:endParaRPr lang="zh-TW" altLang="en-US"/>
+            </a:p>
+          </p:txBody>
+        </p:sp>
+        <p:sp>
+          <p:nvSpPr>
+            <p:cNvPr id="41" name="橢圓 40">
+              <a:extLst>
+                <a:ext uri="{FF2B5EF4-FFF2-40B4-BE49-F238E27FC236}">
+                  <a16:creationId xmlns:a16="http://schemas.microsoft.com/office/drawing/2014/main" id="{E6A3AB82-6E87-FE06-5F2E-AA99AF350D57}"/>
+                </a:ext>
+              </a:extLst>
+            </p:cNvPr>
+            <p:cNvSpPr/>
+            <p:nvPr/>
+          </p:nvSpPr>
+          <p:spPr>
+            <a:xfrm>
+              <a:off x="2707073" y="5012792"/>
+              <a:ext cx="272263" cy="272263"/>
+            </a:xfrm>
+            <a:prstGeom prst="ellipse">
+              <a:avLst/>
+            </a:prstGeom>
+            <a:solidFill>
+              <a:schemeClr val="bg1">
+                <a:lumMod val="85000"/>
+              </a:schemeClr>
+            </a:solidFill>
+            <a:ln>
+              <a:noFill/>
+            </a:ln>
+          </p:spPr>
+          <p:style>
+            <a:lnRef idx="2">
+              <a:schemeClr val="accent1">
+                <a:shade val="15000"/>
+              </a:schemeClr>
+            </a:lnRef>
+            <a:fillRef idx="1">
+              <a:schemeClr val="accent1"/>
+            </a:fillRef>
+            <a:effectRef idx="0">
+              <a:schemeClr val="accent1"/>
+            </a:effectRef>
+            <a:fontRef idx="minor">
+              <a:schemeClr val="lt1"/>
+            </a:fontRef>
+          </p:style>
+          <p:txBody>
+            <a:bodyPr rtlCol="0" anchor="ctr"/>
+            <a:lstStyle/>
+            <a:p>
+              <a:pPr algn="ctr"/>
+              <a:endParaRPr lang="zh-TW" altLang="en-US"/>
+            </a:p>
+          </p:txBody>
+        </p:sp>
+        <p:sp>
+          <p:nvSpPr>
+            <p:cNvPr id="42" name="橢圓 41">
+              <a:extLst>
+                <a:ext uri="{FF2B5EF4-FFF2-40B4-BE49-F238E27FC236}">
+                  <a16:creationId xmlns:a16="http://schemas.microsoft.com/office/drawing/2014/main" id="{F0958A05-B844-5251-3354-A947D8CB6681}"/>
+                </a:ext>
+              </a:extLst>
+            </p:cNvPr>
+            <p:cNvSpPr/>
+            <p:nvPr/>
+          </p:nvSpPr>
+          <p:spPr>
+            <a:xfrm>
+              <a:off x="2270326" y="2352973"/>
+              <a:ext cx="377772" cy="377772"/>
+            </a:xfrm>
+            <a:prstGeom prst="ellipse">
+              <a:avLst/>
+            </a:prstGeom>
+            <a:solidFill>
+              <a:schemeClr val="tx1">
+                <a:lumMod val="50000"/>
+                <a:lumOff val="50000"/>
+              </a:schemeClr>
+            </a:solidFill>
+            <a:ln>
+              <a:noFill/>
+            </a:ln>
+          </p:spPr>
+          <p:style>
+            <a:lnRef idx="2">
+              <a:schemeClr val="accent1">
+                <a:shade val="15000"/>
+              </a:schemeClr>
+            </a:lnRef>
+            <a:fillRef idx="1">
+              <a:schemeClr val="accent1"/>
+            </a:fillRef>
+            <a:effectRef idx="0">
+              <a:schemeClr val="accent1"/>
+            </a:effectRef>
+            <a:fontRef idx="minor">
+              <a:schemeClr val="lt1"/>
+            </a:fontRef>
+          </p:style>
+          <p:txBody>
+            <a:bodyPr rtlCol="0" anchor="ctr"/>
+            <a:lstStyle/>
+            <a:p>
+              <a:pPr algn="ctr"/>
+              <a:endParaRPr lang="zh-TW" altLang="en-US"/>
+            </a:p>
+          </p:txBody>
+        </p:sp>
+      </p:grpSp>
+      <p:grpSp>
+        <p:nvGrpSpPr>
+          <p:cNvPr id="19" name="群組 18">
+            <a:extLst>
+              <a:ext uri="{FF2B5EF4-FFF2-40B4-BE49-F238E27FC236}">
+                <a16:creationId xmlns:a16="http://schemas.microsoft.com/office/drawing/2014/main" id="{AC51B941-A4BE-3964-DCBF-2B4B1EB85EC6}"/>
+              </a:ext>
+            </a:extLst>
+          </p:cNvPr>
+          <p:cNvGrpSpPr/>
+          <p:nvPr/>
+        </p:nvGrpSpPr>
+        <p:grpSpPr>
+          <a:xfrm>
+            <a:off x="1646950" y="1186257"/>
+            <a:ext cx="3035036" cy="607065"/>
+            <a:chOff x="6250368" y="5482696"/>
+            <a:chExt cx="4558907" cy="911868"/>
+          </a:xfrm>
+        </p:grpSpPr>
+        <p:sp>
+          <p:nvSpPr>
+            <p:cNvPr id="20" name="橢圓 19">
+              <a:hlinkClick r:id="rId2" action="ppaction://hlinksldjump"/>
+              <a:extLst>
+                <a:ext uri="{FF2B5EF4-FFF2-40B4-BE49-F238E27FC236}">
+                  <a16:creationId xmlns:a16="http://schemas.microsoft.com/office/drawing/2014/main" id="{28FBE5F2-A886-8EAD-67B0-5C36460B8C3D}"/>
+                </a:ext>
+              </a:extLst>
+            </p:cNvPr>
+            <p:cNvSpPr/>
+            <p:nvPr/>
+          </p:nvSpPr>
+          <p:spPr>
+            <a:xfrm>
+              <a:off x="6250368" y="5748167"/>
+              <a:ext cx="646397" cy="646397"/>
+            </a:xfrm>
+            <a:prstGeom prst="ellipse">
+              <a:avLst/>
+            </a:prstGeom>
+            <a:solidFill>
+              <a:schemeClr val="tx2">
+                <a:lumMod val="75000"/>
+              </a:schemeClr>
+            </a:solidFill>
+            <a:ln>
+              <a:noFill/>
+            </a:ln>
+            <a:effectLst>
+              <a:outerShdw blurRad="50800" dist="38100" dir="2700000" algn="tl" rotWithShape="0">
+                <a:prstClr val="black">
+                  <a:alpha val="40000"/>
+                </a:prstClr>
+              </a:outerShdw>
+            </a:effectLst>
+          </p:spPr>
+          <p:style>
+            <a:lnRef idx="2">
+              <a:schemeClr val="accent1">
+                <a:shade val="15000"/>
+              </a:schemeClr>
+            </a:lnRef>
+            <a:fillRef idx="1">
+              <a:schemeClr val="accent1"/>
+            </a:fillRef>
+            <a:effectRef idx="0">
+              <a:schemeClr val="accent1"/>
+            </a:effectRef>
+            <a:fontRef idx="minor">
+              <a:schemeClr val="lt1"/>
+            </a:fontRef>
+          </p:style>
+          <p:txBody>
+            <a:bodyPr rtlCol="0" anchor="ctr"/>
+            <a:lstStyle/>
+            <a:p>
+              <a:pPr algn="ctr"/>
+              <a:endParaRPr lang="zh-TW" altLang="en-US" dirty="0">
+                <a:latin typeface="臺灣道路體 1.0 Regular" panose="020B0506020000000000" pitchFamily="34" charset="-120"/>
+                <a:ea typeface="臺灣道路體 1.0 Regular" panose="020B0506020000000000" pitchFamily="34" charset="-120"/>
+              </a:endParaRPr>
+            </a:p>
+          </p:txBody>
+        </p:sp>
+        <p:cxnSp>
+          <p:nvCxnSpPr>
+            <p:cNvPr id="21" name="直線接點 20">
+              <a:extLst>
+                <a:ext uri="{FF2B5EF4-FFF2-40B4-BE49-F238E27FC236}">
+                  <a16:creationId xmlns:a16="http://schemas.microsoft.com/office/drawing/2014/main" id="{2145E8E4-CFBF-11E6-DD11-1E6CB03379FB}"/>
+                </a:ext>
+              </a:extLst>
+            </p:cNvPr>
+            <p:cNvCxnSpPr>
+              <a:cxnSpLocks/>
+            </p:cNvCxnSpPr>
+            <p:nvPr/>
+          </p:nvCxnSpPr>
+          <p:spPr>
+            <a:xfrm>
+              <a:off x="7834165" y="5602276"/>
+              <a:ext cx="2855529" cy="0"/>
+            </a:xfrm>
+            <a:prstGeom prst="line">
+              <a:avLst/>
+            </a:prstGeom>
+            <a:ln>
+              <a:solidFill>
+                <a:schemeClr val="accent3"/>
+              </a:solidFill>
+            </a:ln>
+          </p:spPr>
+          <p:style>
+            <a:lnRef idx="1">
+              <a:schemeClr val="accent1"/>
+            </a:lnRef>
+            <a:fillRef idx="0">
+              <a:schemeClr val="accent1"/>
+            </a:fillRef>
+            <a:effectRef idx="0">
+              <a:schemeClr val="accent1"/>
+            </a:effectRef>
+            <a:fontRef idx="minor">
+              <a:schemeClr val="tx1"/>
+            </a:fontRef>
+          </p:style>
+        </p:cxnSp>
+        <p:sp>
+          <p:nvSpPr>
+            <p:cNvPr id="22" name="橢圓 21">
+              <a:extLst>
+                <a:ext uri="{FF2B5EF4-FFF2-40B4-BE49-F238E27FC236}">
+                  <a16:creationId xmlns:a16="http://schemas.microsoft.com/office/drawing/2014/main" id="{68EA2866-E574-A66E-306D-F9FCFDCE83D2}"/>
+                </a:ext>
+              </a:extLst>
+            </p:cNvPr>
+            <p:cNvSpPr/>
+            <p:nvPr/>
+          </p:nvSpPr>
+          <p:spPr>
+            <a:xfrm>
+              <a:off x="10570113" y="5482696"/>
+              <a:ext cx="239162" cy="239162"/>
+            </a:xfrm>
+            <a:prstGeom prst="ellipse">
+              <a:avLst/>
+            </a:prstGeom>
+            <a:solidFill>
+              <a:schemeClr val="accent3"/>
+            </a:solidFill>
+            <a:ln>
+              <a:noFill/>
+            </a:ln>
+          </p:spPr>
+          <p:style>
+            <a:lnRef idx="2">
+              <a:schemeClr val="accent1">
+                <a:shade val="15000"/>
+              </a:schemeClr>
+            </a:lnRef>
+            <a:fillRef idx="1">
+              <a:schemeClr val="accent1"/>
+            </a:fillRef>
+            <a:effectRef idx="0">
+              <a:schemeClr val="accent1"/>
+            </a:effectRef>
+            <a:fontRef idx="minor">
+              <a:schemeClr val="lt1"/>
+            </a:fontRef>
+          </p:style>
+          <p:txBody>
+            <a:bodyPr rtlCol="0" anchor="ctr"/>
+            <a:lstStyle/>
+            <a:p>
+              <a:pPr algn="ctr"/>
+              <a:endParaRPr lang="zh-TW" altLang="en-US" dirty="0"/>
+            </a:p>
+          </p:txBody>
+        </p:sp>
+      </p:grpSp>
+      <p:sp>
+        <p:nvSpPr>
+          <p:cNvPr id="56" name="橢圓 55">
+            <a:hlinkClick r:id="rId2" action="ppaction://hlinksldjump"/>
+            <a:extLst>
+              <a:ext uri="{FF2B5EF4-FFF2-40B4-BE49-F238E27FC236}">
+                <a16:creationId xmlns:a16="http://schemas.microsoft.com/office/drawing/2014/main" id="{7F72BE2B-E7E7-B027-131B-9B344B76268F}"/>
+              </a:ext>
+            </a:extLst>
+          </p:cNvPr>
+          <p:cNvSpPr/>
+          <p:nvPr/>
+        </p:nvSpPr>
+        <p:spPr>
+          <a:xfrm>
+            <a:off x="11607749" y="6359054"/>
+            <a:ext cx="430331" cy="430331"/>
+          </a:xfrm>
+          <a:prstGeom prst="ellipse">
+            <a:avLst/>
+          </a:prstGeom>
+          <a:solidFill>
+            <a:schemeClr val="tx2">
+              <a:lumMod val="75000"/>
+            </a:schemeClr>
+          </a:solidFill>
+          <a:ln>
+            <a:noFill/>
+          </a:ln>
+          <a:effectLst>
+            <a:outerShdw blurRad="50800" dist="38100" dir="2700000" algn="tl" rotWithShape="0">
+              <a:prstClr val="black">
+                <a:alpha val="40000"/>
+              </a:prstClr>
+            </a:outerShdw>
+          </a:effectLst>
+        </p:spPr>
+        <p:style>
+          <a:lnRef idx="2">
+            <a:schemeClr val="accent1">
+              <a:shade val="15000"/>
+            </a:schemeClr>
+          </a:lnRef>
+          <a:fillRef idx="1">
+            <a:schemeClr val="accent1"/>
+          </a:fillRef>
+          <a:effectRef idx="0">
+            <a:schemeClr val="accent1"/>
+          </a:effectRef>
+          <a:fontRef idx="minor">
+            <a:schemeClr val="lt1"/>
+          </a:fontRef>
+        </p:style>
+        <p:txBody>
+          <a:bodyPr rtlCol="0" anchor="ctr"/>
+          <a:lstStyle/>
+          <a:p>
+            <a:pPr algn="ctr"/>
+            <a:r>
+              <a:rPr lang="en-US" altLang="zh-TW" sz="1200" dirty="0">
+                <a:latin typeface="臺灣道路體 1.0 Regular" panose="020B0506020000000000" pitchFamily="34" charset="-120"/>
+                <a:ea typeface="臺灣道路體 1.0 Regular" panose="020B0506020000000000" pitchFamily="34" charset="-120"/>
+              </a:rPr>
+              <a:t>01</a:t>
+            </a:r>
+            <a:endParaRPr lang="zh-TW" altLang="en-US" sz="1200" dirty="0">
+              <a:latin typeface="臺灣道路體 1.0 Regular" panose="020B0506020000000000" pitchFamily="34" charset="-120"/>
+              <a:ea typeface="臺灣道路體 1.0 Regular" panose="020B0506020000000000" pitchFamily="34" charset="-120"/>
+            </a:endParaRPr>
+          </a:p>
+        </p:txBody>
+      </p:sp>
+      <p:cxnSp>
+        <p:nvCxnSpPr>
+          <p:cNvPr id="57" name="直線接點 56">
+            <a:extLst>
+              <a:ext uri="{FF2B5EF4-FFF2-40B4-BE49-F238E27FC236}">
+                <a16:creationId xmlns:a16="http://schemas.microsoft.com/office/drawing/2014/main" id="{7BC92922-FACD-26F8-1F9A-2A32832F0D3F}"/>
+              </a:ext>
+            </a:extLst>
+          </p:cNvPr>
+          <p:cNvCxnSpPr>
+            <a:cxnSpLocks/>
+          </p:cNvCxnSpPr>
+          <p:nvPr/>
+        </p:nvCxnSpPr>
+        <p:spPr>
+          <a:xfrm flipV="1">
+            <a:off x="10430294" y="6574219"/>
+            <a:ext cx="1177455" cy="1"/>
+          </a:xfrm>
+          <a:prstGeom prst="line">
+            <a:avLst/>
+          </a:prstGeom>
+          <a:ln>
+            <a:solidFill>
+              <a:schemeClr val="accent3"/>
+            </a:solidFill>
+          </a:ln>
+        </p:spPr>
+        <p:style>
+          <a:lnRef idx="1">
+            <a:schemeClr val="accent1"/>
+          </a:lnRef>
+          <a:fillRef idx="0">
+            <a:schemeClr val="accent1"/>
+          </a:fillRef>
+          <a:effectRef idx="0">
+            <a:schemeClr val="accent1"/>
+          </a:effectRef>
+          <a:fontRef idx="minor">
+            <a:schemeClr val="tx1"/>
+          </a:fontRef>
+        </p:style>
+      </p:cxnSp>
+    </p:spTree>
+    <p:extLst>
+      <p:ext uri="{BB962C8B-B14F-4D97-AF65-F5344CB8AC3E}">
+        <p14:creationId xmlns:p14="http://schemas.microsoft.com/office/powerpoint/2010/main" val="3629564587"/>
       </p:ext>
     </p:extLst>
   </p:cSld>

--- a/temp_solar/簡報.pptx
+++ b/temp_solar/簡報.pptx
@@ -16,6 +16,7 @@
     <p:sldId id="264" r:id="rId10"/>
     <p:sldId id="265" r:id="rId11"/>
     <p:sldId id="266" r:id="rId12"/>
+    <p:sldId id="267" r:id="rId13"/>
   </p:sldIdLst>
   <p:sldSz cx="12192000" cy="6858000"/>
   <p:notesSz cx="6858000" cy="9144000"/>
@@ -127,12 +128,12 @@
   <pc:docChgLst>
     <pc:chgData name="Lanvis Wei" userId="c4087bf9e86b8004" providerId="LiveId" clId="{12E56520-5880-4261-AD8D-C1FEB301CE45}"/>
     <pc:docChg chg="undo redo custSel addSld modSld">
-      <pc:chgData name="Lanvis Wei" userId="c4087bf9e86b8004" providerId="LiveId" clId="{12E56520-5880-4261-AD8D-C1FEB301CE45}" dt="2024-07-26T00:53:25.818" v="3180" actId="14100"/>
+      <pc:chgData name="Lanvis Wei" userId="c4087bf9e86b8004" providerId="LiveId" clId="{12E56520-5880-4261-AD8D-C1FEB301CE45}" dt="2024-07-26T08:44:21.911" v="5281" actId="164"/>
       <pc:docMkLst>
         <pc:docMk/>
       </pc:docMkLst>
       <pc:sldChg chg="addSp delSp modSp mod">
-        <pc:chgData name="Lanvis Wei" userId="c4087bf9e86b8004" providerId="LiveId" clId="{12E56520-5880-4261-AD8D-C1FEB301CE45}" dt="2024-07-23T01:04:52.035" v="962" actId="1076"/>
+        <pc:chgData name="Lanvis Wei" userId="c4087bf9e86b8004" providerId="LiveId" clId="{12E56520-5880-4261-AD8D-C1FEB301CE45}" dt="2024-07-26T07:26:23.690" v="3389" actId="1076"/>
         <pc:sldMkLst>
           <pc:docMk/>
           <pc:sldMk cId="712729559" sldId="256"/>
@@ -146,7 +147,7 @@
           </ac:spMkLst>
         </pc:spChg>
         <pc:spChg chg="mod">
-          <ac:chgData name="Lanvis Wei" userId="c4087bf9e86b8004" providerId="LiveId" clId="{12E56520-5880-4261-AD8D-C1FEB301CE45}" dt="2024-07-23T01:04:30.420" v="960" actId="1076"/>
+          <ac:chgData name="Lanvis Wei" userId="c4087bf9e86b8004" providerId="LiveId" clId="{12E56520-5880-4261-AD8D-C1FEB301CE45}" dt="2024-07-26T07:26:23.690" v="3389" actId="1076"/>
           <ac:spMkLst>
             <pc:docMk/>
             <pc:sldMk cId="712729559" sldId="256"/>
@@ -171,7 +172,7 @@
         </pc:picChg>
       </pc:sldChg>
       <pc:sldChg chg="addSp delSp modSp new mod">
-        <pc:chgData name="Lanvis Wei" userId="c4087bf9e86b8004" providerId="LiveId" clId="{12E56520-5880-4261-AD8D-C1FEB301CE45}" dt="2024-07-23T03:29:41.860" v="3151" actId="255"/>
+        <pc:chgData name="Lanvis Wei" userId="c4087bf9e86b8004" providerId="LiveId" clId="{12E56520-5880-4261-AD8D-C1FEB301CE45}" dt="2024-07-26T07:29:07.648" v="3424" actId="1076"/>
         <pc:sldMkLst>
           <pc:docMk/>
           <pc:sldMk cId="3629564587" sldId="257"/>
@@ -216,6 +217,14 @@
             <ac:spMk id="5" creationId="{3489B920-6BDA-D3D7-8FC0-EECC1F0EF7EF}"/>
           </ac:spMkLst>
         </pc:spChg>
+        <pc:spChg chg="add mod">
+          <ac:chgData name="Lanvis Wei" userId="c4087bf9e86b8004" providerId="LiveId" clId="{12E56520-5880-4261-AD8D-C1FEB301CE45}" dt="2024-07-26T07:28:53.345" v="3421" actId="164"/>
+          <ac:spMkLst>
+            <pc:docMk/>
+            <pc:sldMk cId="3629564587" sldId="257"/>
+            <ac:spMk id="6" creationId="{2F655F43-7BF6-F9DA-4239-1EFA831A4832}"/>
+          </ac:spMkLst>
+        </pc:spChg>
         <pc:spChg chg="add del mod">
           <ac:chgData name="Lanvis Wei" userId="c4087bf9e86b8004" providerId="LiveId" clId="{12E56520-5880-4261-AD8D-C1FEB301CE45}" dt="2024-07-18T06:23:14.094" v="122" actId="11529"/>
           <ac:spMkLst>
@@ -232,8 +241,8 @@
             <ac:spMk id="7" creationId="{9E9AF67B-C3AC-22B0-45C7-31D80E5A76FE}"/>
           </ac:spMkLst>
         </pc:spChg>
-        <pc:spChg chg="add mod">
-          <ac:chgData name="Lanvis Wei" userId="c4087bf9e86b8004" providerId="LiveId" clId="{12E56520-5880-4261-AD8D-C1FEB301CE45}" dt="2024-07-23T01:14:04.229" v="1031" actId="1076"/>
+        <pc:spChg chg="add del mod">
+          <ac:chgData name="Lanvis Wei" userId="c4087bf9e86b8004" providerId="LiveId" clId="{12E56520-5880-4261-AD8D-C1FEB301CE45}" dt="2024-07-26T07:28:44.894" v="3420" actId="478"/>
           <ac:spMkLst>
             <pc:docMk/>
             <pc:sldMk cId="3629564587" sldId="257"/>
@@ -296,8 +305,8 @@
             <ac:spMk id="12" creationId="{67582411-F4EE-DFB5-2F5F-FC617C1929DA}"/>
           </ac:spMkLst>
         </pc:spChg>
-        <pc:spChg chg="add mod">
-          <ac:chgData name="Lanvis Wei" userId="c4087bf9e86b8004" providerId="LiveId" clId="{12E56520-5880-4261-AD8D-C1FEB301CE45}" dt="2024-07-23T03:29:41.860" v="3151" actId="255"/>
+        <pc:spChg chg="add mod ord">
+          <ac:chgData name="Lanvis Wei" userId="c4087bf9e86b8004" providerId="LiveId" clId="{12E56520-5880-4261-AD8D-C1FEB301CE45}" dt="2024-07-26T07:28:56.834" v="3423" actId="1076"/>
           <ac:spMkLst>
             <pc:docMk/>
             <pc:sldMk cId="3629564587" sldId="257"/>
@@ -313,7 +322,7 @@
           </ac:spMkLst>
         </pc:spChg>
         <pc:spChg chg="add mod">
-          <ac:chgData name="Lanvis Wei" userId="c4087bf9e86b8004" providerId="LiveId" clId="{12E56520-5880-4261-AD8D-C1FEB301CE45}" dt="2024-07-23T01:49:19.204" v="2377" actId="1076"/>
+          <ac:chgData name="Lanvis Wei" userId="c4087bf9e86b8004" providerId="LiveId" clId="{12E56520-5880-4261-AD8D-C1FEB301CE45}" dt="2024-07-26T07:28:53.345" v="3421" actId="164"/>
           <ac:spMkLst>
             <pc:docMk/>
             <pc:sldMk cId="3629564587" sldId="257"/>
@@ -321,7 +330,7 @@
           </ac:spMkLst>
         </pc:spChg>
         <pc:spChg chg="add mod">
-          <ac:chgData name="Lanvis Wei" userId="c4087bf9e86b8004" providerId="LiveId" clId="{12E56520-5880-4261-AD8D-C1FEB301CE45}" dt="2024-07-23T01:49:16.053" v="2376" actId="1076"/>
+          <ac:chgData name="Lanvis Wei" userId="c4087bf9e86b8004" providerId="LiveId" clId="{12E56520-5880-4261-AD8D-C1FEB301CE45}" dt="2024-07-26T07:28:53.345" v="3421" actId="164"/>
           <ac:spMkLst>
             <pc:docMk/>
             <pc:sldMk cId="3629564587" sldId="257"/>
@@ -345,7 +354,7 @@
           </ac:spMkLst>
         </pc:spChg>
         <pc:spChg chg="add mod">
-          <ac:chgData name="Lanvis Wei" userId="c4087bf9e86b8004" providerId="LiveId" clId="{12E56520-5880-4261-AD8D-C1FEB301CE45}" dt="2024-07-23T01:49:32.823" v="2381" actId="14100"/>
+          <ac:chgData name="Lanvis Wei" userId="c4087bf9e86b8004" providerId="LiveId" clId="{12E56520-5880-4261-AD8D-C1FEB301CE45}" dt="2024-07-26T07:28:53.345" v="3421" actId="164"/>
           <ac:spMkLst>
             <pc:docMk/>
             <pc:sldMk cId="3629564587" sldId="257"/>
@@ -561,7 +570,15 @@
           </ac:grpSpMkLst>
         </pc:grpChg>
         <pc:grpChg chg="add mod">
-          <ac:chgData name="Lanvis Wei" userId="c4087bf9e86b8004" providerId="LiveId" clId="{12E56520-5880-4261-AD8D-C1FEB301CE45}" dt="2024-07-23T01:48:27.404" v="2366" actId="14100"/>
+          <ac:chgData name="Lanvis Wei" userId="c4087bf9e86b8004" providerId="LiveId" clId="{12E56520-5880-4261-AD8D-C1FEB301CE45}" dt="2024-07-26T07:29:07.648" v="3424" actId="1076"/>
+          <ac:grpSpMkLst>
+            <pc:docMk/>
+            <pc:sldMk cId="3629564587" sldId="257"/>
+            <ac:grpSpMk id="8" creationId="{5367B4B7-F67F-3781-6335-C68801EC54D7}"/>
+          </ac:grpSpMkLst>
+        </pc:grpChg>
+        <pc:grpChg chg="add mod">
+          <ac:chgData name="Lanvis Wei" userId="c4087bf9e86b8004" providerId="LiveId" clId="{12E56520-5880-4261-AD8D-C1FEB301CE45}" dt="2024-07-26T07:28:53.345" v="3421" actId="164"/>
           <ac:grpSpMkLst>
             <pc:docMk/>
             <pc:sldMk cId="3629564587" sldId="257"/>
@@ -738,7 +755,7 @@
         </pc:cxnChg>
       </pc:sldChg>
       <pc:sldChg chg="addSp delSp modSp add mod">
-        <pc:chgData name="Lanvis Wei" userId="c4087bf9e86b8004" providerId="LiveId" clId="{12E56520-5880-4261-AD8D-C1FEB301CE45}" dt="2024-07-23T03:30:12.442" v="3155" actId="1076"/>
+        <pc:chgData name="Lanvis Wei" userId="c4087bf9e86b8004" providerId="LiveId" clId="{12E56520-5880-4261-AD8D-C1FEB301CE45}" dt="2024-07-26T07:49:22.561" v="4220" actId="207"/>
         <pc:sldMkLst>
           <pc:docMk/>
           <pc:sldMk cId="967469328" sldId="258"/>
@@ -751,6 +768,22 @@
             <ac:spMk id="5" creationId="{3489B920-6BDA-D3D7-8FC0-EECC1F0EF7EF}"/>
           </ac:spMkLst>
         </pc:spChg>
+        <pc:spChg chg="add mod">
+          <ac:chgData name="Lanvis Wei" userId="c4087bf9e86b8004" providerId="LiveId" clId="{12E56520-5880-4261-AD8D-C1FEB301CE45}" dt="2024-07-26T07:40:35.161" v="3944" actId="1076"/>
+          <ac:spMkLst>
+            <pc:docMk/>
+            <pc:sldMk cId="967469328" sldId="258"/>
+            <ac:spMk id="5" creationId="{42C0A13A-8376-1123-507F-D5B047A3C2A1}"/>
+          </ac:spMkLst>
+        </pc:spChg>
+        <pc:spChg chg="add mod">
+          <ac:chgData name="Lanvis Wei" userId="c4087bf9e86b8004" providerId="LiveId" clId="{12E56520-5880-4261-AD8D-C1FEB301CE45}" dt="2024-07-26T07:49:22.561" v="4220" actId="207"/>
+          <ac:spMkLst>
+            <pc:docMk/>
+            <pc:sldMk cId="967469328" sldId="258"/>
+            <ac:spMk id="6" creationId="{959BE303-813A-ED42-8D74-F012754DC3AD}"/>
+          </ac:spMkLst>
+        </pc:spChg>
         <pc:spChg chg="del">
           <ac:chgData name="Lanvis Wei" userId="c4087bf9e86b8004" providerId="LiveId" clId="{12E56520-5880-4261-AD8D-C1FEB301CE45}" dt="2024-07-23T01:03:40.747" v="947" actId="478"/>
           <ac:spMkLst>
@@ -809,11 +842,19 @@
         </pc:picChg>
       </pc:sldChg>
       <pc:sldChg chg="addSp delSp modSp add mod">
-        <pc:chgData name="Lanvis Wei" userId="c4087bf9e86b8004" providerId="LiveId" clId="{12E56520-5880-4261-AD8D-C1FEB301CE45}" dt="2024-07-23T03:30:22.750" v="3156" actId="255"/>
+        <pc:chgData name="Lanvis Wei" userId="c4087bf9e86b8004" providerId="LiveId" clId="{12E56520-5880-4261-AD8D-C1FEB301CE45}" dt="2024-07-26T07:56:05.478" v="4834" actId="20577"/>
         <pc:sldMkLst>
           <pc:docMk/>
           <pc:sldMk cId="936893293" sldId="259"/>
         </pc:sldMkLst>
+        <pc:spChg chg="add mod">
+          <ac:chgData name="Lanvis Wei" userId="c4087bf9e86b8004" providerId="LiveId" clId="{12E56520-5880-4261-AD8D-C1FEB301CE45}" dt="2024-07-26T07:56:05.478" v="4834" actId="20577"/>
+          <ac:spMkLst>
+            <pc:docMk/>
+            <pc:sldMk cId="936893293" sldId="259"/>
+            <ac:spMk id="5" creationId="{C1EBCAE3-E1C4-5189-6556-55EE08F846CA}"/>
+          </ac:spMkLst>
+        </pc:spChg>
         <pc:spChg chg="add del">
           <ac:chgData name="Lanvis Wei" userId="c4087bf9e86b8004" providerId="LiveId" clId="{12E56520-5880-4261-AD8D-C1FEB301CE45}" dt="2024-07-23T01:18:06.880" v="1205" actId="22"/>
           <ac:spMkLst>
@@ -911,7 +952,7 @@
           </ac:picMkLst>
         </pc:picChg>
         <pc:picChg chg="add mod">
-          <ac:chgData name="Lanvis Wei" userId="c4087bf9e86b8004" providerId="LiveId" clId="{12E56520-5880-4261-AD8D-C1FEB301CE45}" dt="2024-07-23T01:17:59.174" v="1203" actId="1076"/>
+          <ac:chgData name="Lanvis Wei" userId="c4087bf9e86b8004" providerId="LiveId" clId="{12E56520-5880-4261-AD8D-C1FEB301CE45}" dt="2024-07-26T07:49:55.584" v="4254" actId="1036"/>
           <ac:picMkLst>
             <pc:docMk/>
             <pc:sldMk cId="936893293" sldId="259"/>
@@ -920,49 +961,113 @@
         </pc:picChg>
       </pc:sldChg>
       <pc:sldChg chg="addSp delSp modSp add mod">
-        <pc:chgData name="Lanvis Wei" userId="c4087bf9e86b8004" providerId="LiveId" clId="{12E56520-5880-4261-AD8D-C1FEB301CE45}" dt="2024-07-23T03:30:31.171" v="3157" actId="255"/>
+        <pc:chgData name="Lanvis Wei" userId="c4087bf9e86b8004" providerId="LiveId" clId="{12E56520-5880-4261-AD8D-C1FEB301CE45}" dt="2024-07-26T08:44:21.911" v="5281" actId="164"/>
         <pc:sldMkLst>
           <pc:docMk/>
           <pc:sldMk cId="3549658592" sldId="260"/>
         </pc:sldMkLst>
-        <pc:spChg chg="add mod">
-          <ac:chgData name="Lanvis Wei" userId="c4087bf9e86b8004" providerId="LiveId" clId="{12E56520-5880-4261-AD8D-C1FEB301CE45}" dt="2024-07-23T03:30:31.171" v="3157" actId="255"/>
+        <pc:spChg chg="add del mod">
+          <ac:chgData name="Lanvis Wei" userId="c4087bf9e86b8004" providerId="LiveId" clId="{12E56520-5880-4261-AD8D-C1FEB301CE45}" dt="2024-07-26T07:59:58.975" v="4863" actId="21"/>
           <ac:spMkLst>
             <pc:docMk/>
             <pc:sldMk cId="3549658592" sldId="260"/>
             <ac:spMk id="6" creationId="{B8EE9979-FF60-906E-1BA3-3C4967585020}"/>
           </ac:spMkLst>
         </pc:spChg>
-        <pc:spChg chg="add mod">
-          <ac:chgData name="Lanvis Wei" userId="c4087bf9e86b8004" providerId="LiveId" clId="{12E56520-5880-4261-AD8D-C1FEB301CE45}" dt="2024-07-23T01:30:06.335" v="1584" actId="1037"/>
+        <pc:spChg chg="add del mod">
+          <ac:chgData name="Lanvis Wei" userId="c4087bf9e86b8004" providerId="LiveId" clId="{12E56520-5880-4261-AD8D-C1FEB301CE45}" dt="2024-07-26T07:59:58.975" v="4863" actId="21"/>
           <ac:spMkLst>
             <pc:docMk/>
             <pc:sldMk cId="3549658592" sldId="260"/>
             <ac:spMk id="7" creationId="{11907B05-F0D2-E390-D37B-91C1C2395CA7}"/>
           </ac:spMkLst>
         </pc:spChg>
-        <pc:spChg chg="add mod">
-          <ac:chgData name="Lanvis Wei" userId="c4087bf9e86b8004" providerId="LiveId" clId="{12E56520-5880-4261-AD8D-C1FEB301CE45}" dt="2024-07-23T01:30:32.550" v="1620" actId="1076"/>
+        <pc:spChg chg="add del mod">
+          <ac:chgData name="Lanvis Wei" userId="c4087bf9e86b8004" providerId="LiveId" clId="{12E56520-5880-4261-AD8D-C1FEB301CE45}" dt="2024-07-26T07:59:58.975" v="4863" actId="21"/>
           <ac:spMkLst>
             <pc:docMk/>
             <pc:sldMk cId="3549658592" sldId="260"/>
             <ac:spMk id="8" creationId="{9F797539-DB66-B378-6D7B-78DC51D4457A}"/>
           </ac:spMkLst>
         </pc:spChg>
-        <pc:spChg chg="add mod">
-          <ac:chgData name="Lanvis Wei" userId="c4087bf9e86b8004" providerId="LiveId" clId="{12E56520-5880-4261-AD8D-C1FEB301CE45}" dt="2024-07-23T01:30:16.384" v="1608" actId="1037"/>
+        <pc:spChg chg="add del mod">
+          <ac:chgData name="Lanvis Wei" userId="c4087bf9e86b8004" providerId="LiveId" clId="{12E56520-5880-4261-AD8D-C1FEB301CE45}" dt="2024-07-26T07:59:58.975" v="4863" actId="21"/>
           <ac:spMkLst>
             <pc:docMk/>
             <pc:sldMk cId="3549658592" sldId="260"/>
             <ac:spMk id="9" creationId="{CF177D7A-5408-D370-623F-199933A86088}"/>
           </ac:spMkLst>
         </pc:spChg>
-        <pc:spChg chg="add mod">
-          <ac:chgData name="Lanvis Wei" userId="c4087bf9e86b8004" providerId="LiveId" clId="{12E56520-5880-4261-AD8D-C1FEB301CE45}" dt="2024-07-23T01:30:27.402" v="1619" actId="1035"/>
+        <pc:spChg chg="add del mod">
+          <ac:chgData name="Lanvis Wei" userId="c4087bf9e86b8004" providerId="LiveId" clId="{12E56520-5880-4261-AD8D-C1FEB301CE45}" dt="2024-07-26T07:59:58.975" v="4863" actId="21"/>
           <ac:spMkLst>
             <pc:docMk/>
             <pc:sldMk cId="3549658592" sldId="260"/>
             <ac:spMk id="11" creationId="{FEF61F49-14D3-8FC8-5BF6-F42965CD409E}"/>
+          </ac:spMkLst>
+        </pc:spChg>
+        <pc:spChg chg="add mod">
+          <ac:chgData name="Lanvis Wei" userId="c4087bf9e86b8004" providerId="LiveId" clId="{12E56520-5880-4261-AD8D-C1FEB301CE45}" dt="2024-07-26T08:11:40.784" v="4940" actId="20577"/>
+          <ac:spMkLst>
+            <pc:docMk/>
+            <pc:sldMk cId="3549658592" sldId="260"/>
+            <ac:spMk id="27" creationId="{8740D96B-036A-1541-01A5-D37C5481F956}"/>
+          </ac:spMkLst>
+        </pc:spChg>
+        <pc:spChg chg="add mod">
+          <ac:chgData name="Lanvis Wei" userId="c4087bf9e86b8004" providerId="LiveId" clId="{12E56520-5880-4261-AD8D-C1FEB301CE45}" dt="2024-07-26T08:34:39.600" v="5207" actId="121"/>
+          <ac:spMkLst>
+            <pc:docMk/>
+            <pc:sldMk cId="3549658592" sldId="260"/>
+            <ac:spMk id="28" creationId="{89E5EB42-64CC-271E-E015-A802528CADDF}"/>
+          </ac:spMkLst>
+        </pc:spChg>
+        <pc:spChg chg="add mod">
+          <ac:chgData name="Lanvis Wei" userId="c4087bf9e86b8004" providerId="LiveId" clId="{12E56520-5880-4261-AD8D-C1FEB301CE45}" dt="2024-07-26T08:14:03.024" v="4967"/>
+          <ac:spMkLst>
+            <pc:docMk/>
+            <pc:sldMk cId="3549658592" sldId="260"/>
+            <ac:spMk id="29" creationId="{9F277BCB-D7F2-1C11-593F-42D7A1DCE768}"/>
+          </ac:spMkLst>
+        </pc:spChg>
+        <pc:spChg chg="add mod">
+          <ac:chgData name="Lanvis Wei" userId="c4087bf9e86b8004" providerId="LiveId" clId="{12E56520-5880-4261-AD8D-C1FEB301CE45}" dt="2024-07-26T08:34:39.600" v="5207" actId="121"/>
+          <ac:spMkLst>
+            <pc:docMk/>
+            <pc:sldMk cId="3549658592" sldId="260"/>
+            <ac:spMk id="30" creationId="{1BE81BCB-2D02-DC4F-E15F-E12F731E5B94}"/>
+          </ac:spMkLst>
+        </pc:spChg>
+        <pc:spChg chg="add mod">
+          <ac:chgData name="Lanvis Wei" userId="c4087bf9e86b8004" providerId="LiveId" clId="{12E56520-5880-4261-AD8D-C1FEB301CE45}" dt="2024-07-26T08:34:39.600" v="5207" actId="121"/>
+          <ac:spMkLst>
+            <pc:docMk/>
+            <pc:sldMk cId="3549658592" sldId="260"/>
+            <ac:spMk id="31" creationId="{A9CC3C13-40DC-9FDE-BE79-029E0CA5B4E7}"/>
+          </ac:spMkLst>
+        </pc:spChg>
+        <pc:spChg chg="add mod">
+          <ac:chgData name="Lanvis Wei" userId="c4087bf9e86b8004" providerId="LiveId" clId="{12E56520-5880-4261-AD8D-C1FEB301CE45}" dt="2024-07-26T08:15:43.353" v="4997"/>
+          <ac:spMkLst>
+            <pc:docMk/>
+            <pc:sldMk cId="3549658592" sldId="260"/>
+            <ac:spMk id="32" creationId="{7352EC68-EA4F-BBF3-5061-2D09804147E0}"/>
+          </ac:spMkLst>
+        </pc:spChg>
+        <pc:spChg chg="add mod topLvl">
+          <ac:chgData name="Lanvis Wei" userId="c4087bf9e86b8004" providerId="LiveId" clId="{12E56520-5880-4261-AD8D-C1FEB301CE45}" dt="2024-07-26T08:34:39.600" v="5207" actId="121"/>
+          <ac:spMkLst>
+            <pc:docMk/>
+            <pc:sldMk cId="3549658592" sldId="260"/>
+            <ac:spMk id="49" creationId="{A8015845-B7DF-2CD4-B73A-E3A75975306B}"/>
+          </ac:spMkLst>
+        </pc:spChg>
+        <pc:spChg chg="add mod">
+          <ac:chgData name="Lanvis Wei" userId="c4087bf9e86b8004" providerId="LiveId" clId="{12E56520-5880-4261-AD8D-C1FEB301CE45}" dt="2024-07-26T08:34:39.600" v="5207" actId="121"/>
+          <ac:spMkLst>
+            <pc:docMk/>
+            <pc:sldMk cId="3549658592" sldId="260"/>
+            <ac:spMk id="52" creationId="{8F95A5C8-DE63-A78F-1E6D-ADACA5217F66}"/>
           </ac:spMkLst>
         </pc:spChg>
         <pc:spChg chg="mod">
@@ -973,8 +1078,144 @@
             <ac:spMk id="56" creationId="{7F72BE2B-E7E7-B027-131B-9B344B76268F}"/>
           </ac:spMkLst>
         </pc:spChg>
-        <pc:picChg chg="add mod">
-          <ac:chgData name="Lanvis Wei" userId="c4087bf9e86b8004" providerId="LiveId" clId="{12E56520-5880-4261-AD8D-C1FEB301CE45}" dt="2024-07-23T01:30:09.625" v="1586" actId="1076"/>
+        <pc:spChg chg="add mod">
+          <ac:chgData name="Lanvis Wei" userId="c4087bf9e86b8004" providerId="LiveId" clId="{12E56520-5880-4261-AD8D-C1FEB301CE45}" dt="2024-07-26T08:34:39.600" v="5207" actId="121"/>
+          <ac:spMkLst>
+            <pc:docMk/>
+            <pc:sldMk cId="3549658592" sldId="260"/>
+            <ac:spMk id="63" creationId="{16ABC231-1CAE-3B09-553D-024E77A1C3E0}"/>
+          </ac:spMkLst>
+        </pc:spChg>
+        <pc:spChg chg="mod topLvl">
+          <ac:chgData name="Lanvis Wei" userId="c4087bf9e86b8004" providerId="LiveId" clId="{12E56520-5880-4261-AD8D-C1FEB301CE45}" dt="2024-07-26T08:41:18.976" v="5247" actId="14100"/>
+          <ac:spMkLst>
+            <pc:docMk/>
+            <pc:sldMk cId="3549658592" sldId="260"/>
+            <ac:spMk id="79" creationId="{00EC7D42-7E62-3BE0-0C48-35B61079B5BA}"/>
+          </ac:spMkLst>
+        </pc:spChg>
+        <pc:spChg chg="add mod">
+          <ac:chgData name="Lanvis Wei" userId="c4087bf9e86b8004" providerId="LiveId" clId="{12E56520-5880-4261-AD8D-C1FEB301CE45}" dt="2024-07-26T08:36:42.357" v="5220" actId="164"/>
+          <ac:spMkLst>
+            <pc:docMk/>
+            <pc:sldMk cId="3549658592" sldId="260"/>
+            <ac:spMk id="81" creationId="{2F45F74F-B1FE-97B7-11A6-9930453AE981}"/>
+          </ac:spMkLst>
+        </pc:spChg>
+        <pc:spChg chg="add mod">
+          <ac:chgData name="Lanvis Wei" userId="c4087bf9e86b8004" providerId="LiveId" clId="{12E56520-5880-4261-AD8D-C1FEB301CE45}" dt="2024-07-26T08:44:21.911" v="5281" actId="164"/>
+          <ac:spMkLst>
+            <pc:docMk/>
+            <pc:sldMk cId="3549658592" sldId="260"/>
+            <ac:spMk id="82" creationId="{17BC8F2A-4865-FD1C-18BC-D6E4B8BE238B}"/>
+          </ac:spMkLst>
+        </pc:spChg>
+        <pc:spChg chg="add mod">
+          <ac:chgData name="Lanvis Wei" userId="c4087bf9e86b8004" providerId="LiveId" clId="{12E56520-5880-4261-AD8D-C1FEB301CE45}" dt="2024-07-26T08:44:19.733" v="5280" actId="164"/>
+          <ac:spMkLst>
+            <pc:docMk/>
+            <pc:sldMk cId="3549658592" sldId="260"/>
+            <ac:spMk id="106" creationId="{7286D1A9-374A-F4FB-DED2-0715F3302248}"/>
+          </ac:spMkLst>
+        </pc:spChg>
+        <pc:grpChg chg="add mod">
+          <ac:chgData name="Lanvis Wei" userId="c4087bf9e86b8004" providerId="LiveId" clId="{12E56520-5880-4261-AD8D-C1FEB301CE45}" dt="2024-07-26T08:35:03.664" v="5209" actId="1076"/>
+          <ac:grpSpMkLst>
+            <pc:docMk/>
+            <pc:sldMk cId="3549658592" sldId="260"/>
+            <ac:grpSpMk id="66" creationId="{786B20FD-8B43-6D78-8208-9EF95C3BFAAD}"/>
+          </ac:grpSpMkLst>
+        </pc:grpChg>
+        <pc:grpChg chg="add mod">
+          <ac:chgData name="Lanvis Wei" userId="c4087bf9e86b8004" providerId="LiveId" clId="{12E56520-5880-4261-AD8D-C1FEB301CE45}" dt="2024-07-26T08:34:24.984" v="5206" actId="1076"/>
+          <ac:grpSpMkLst>
+            <pc:docMk/>
+            <pc:sldMk cId="3549658592" sldId="260"/>
+            <ac:grpSpMk id="67" creationId="{C0A0228C-DF3A-BAEF-697F-700E9E6F9621}"/>
+          </ac:grpSpMkLst>
+        </pc:grpChg>
+        <pc:grpChg chg="add mod">
+          <ac:chgData name="Lanvis Wei" userId="c4087bf9e86b8004" providerId="LiveId" clId="{12E56520-5880-4261-AD8D-C1FEB301CE45}" dt="2024-07-26T08:34:14.318" v="5205" actId="1076"/>
+          <ac:grpSpMkLst>
+            <pc:docMk/>
+            <pc:sldMk cId="3549658592" sldId="260"/>
+            <ac:grpSpMk id="68" creationId="{34C386B1-5169-3148-7723-9562B19F9BEB}"/>
+          </ac:grpSpMkLst>
+        </pc:grpChg>
+        <pc:grpChg chg="add mod">
+          <ac:chgData name="Lanvis Wei" userId="c4087bf9e86b8004" providerId="LiveId" clId="{12E56520-5880-4261-AD8D-C1FEB301CE45}" dt="2024-07-26T08:35:33.070" v="5212" actId="1076"/>
+          <ac:grpSpMkLst>
+            <pc:docMk/>
+            <pc:sldMk cId="3549658592" sldId="260"/>
+            <ac:grpSpMk id="69" creationId="{D1F96C13-1840-D660-7378-5DD1D6540459}"/>
+          </ac:grpSpMkLst>
+        </pc:grpChg>
+        <pc:grpChg chg="add mod">
+          <ac:chgData name="Lanvis Wei" userId="c4087bf9e86b8004" providerId="LiveId" clId="{12E56520-5880-4261-AD8D-C1FEB301CE45}" dt="2024-07-26T08:35:33.070" v="5212" actId="1076"/>
+          <ac:grpSpMkLst>
+            <pc:docMk/>
+            <pc:sldMk cId="3549658592" sldId="260"/>
+            <ac:grpSpMk id="70" creationId="{6BB4D6B1-B910-2C55-E6F5-75420A49E5EB}"/>
+          </ac:grpSpMkLst>
+        </pc:grpChg>
+        <pc:grpChg chg="add del mod">
+          <ac:chgData name="Lanvis Wei" userId="c4087bf9e86b8004" providerId="LiveId" clId="{12E56520-5880-4261-AD8D-C1FEB301CE45}" dt="2024-07-26T08:32:33.070" v="5187" actId="478"/>
+          <ac:grpSpMkLst>
+            <pc:docMk/>
+            <pc:sldMk cId="3549658592" sldId="260"/>
+            <ac:grpSpMk id="77" creationId="{325AE448-19CA-F808-EF9C-D918DF48BEA4}"/>
+          </ac:grpSpMkLst>
+        </pc:grpChg>
+        <pc:grpChg chg="add del mod">
+          <ac:chgData name="Lanvis Wei" userId="c4087bf9e86b8004" providerId="LiveId" clId="{12E56520-5880-4261-AD8D-C1FEB301CE45}" dt="2024-07-26T08:31:20.684" v="5160" actId="478"/>
+          <ac:grpSpMkLst>
+            <pc:docMk/>
+            <pc:sldMk cId="3549658592" sldId="260"/>
+            <ac:grpSpMk id="78" creationId="{19B5456C-88A8-5B42-3582-948EC1598773}"/>
+          </ac:grpSpMkLst>
+        </pc:grpChg>
+        <pc:grpChg chg="add mod">
+          <ac:chgData name="Lanvis Wei" userId="c4087bf9e86b8004" providerId="LiveId" clId="{12E56520-5880-4261-AD8D-C1FEB301CE45}" dt="2024-07-26T08:33:57.625" v="5200" actId="1076"/>
+          <ac:grpSpMkLst>
+            <pc:docMk/>
+            <pc:sldMk cId="3549658592" sldId="260"/>
+            <ac:grpSpMk id="85" creationId="{455A60E6-944F-B761-6782-97838E86034E}"/>
+          </ac:grpSpMkLst>
+        </pc:grpChg>
+        <pc:grpChg chg="add mod">
+          <ac:chgData name="Lanvis Wei" userId="c4087bf9e86b8004" providerId="LiveId" clId="{12E56520-5880-4261-AD8D-C1FEB301CE45}" dt="2024-07-26T08:41:28.785" v="5248" actId="1076"/>
+          <ac:grpSpMkLst>
+            <pc:docMk/>
+            <pc:sldMk cId="3549658592" sldId="260"/>
+            <ac:grpSpMk id="86" creationId="{F6BED08B-9772-2F70-1BED-A5DE05C8B639}"/>
+          </ac:grpSpMkLst>
+        </pc:grpChg>
+        <pc:grpChg chg="add mod">
+          <ac:chgData name="Lanvis Wei" userId="c4087bf9e86b8004" providerId="LiveId" clId="{12E56520-5880-4261-AD8D-C1FEB301CE45}" dt="2024-07-26T08:39:53.965" v="5234" actId="1076"/>
+          <ac:grpSpMkLst>
+            <pc:docMk/>
+            <pc:sldMk cId="3549658592" sldId="260"/>
+            <ac:grpSpMk id="101" creationId="{20751770-396F-46B5-B957-EC2BFFFA6730}"/>
+          </ac:grpSpMkLst>
+        </pc:grpChg>
+        <pc:grpChg chg="add mod">
+          <ac:chgData name="Lanvis Wei" userId="c4087bf9e86b8004" providerId="LiveId" clId="{12E56520-5880-4261-AD8D-C1FEB301CE45}" dt="2024-07-26T08:44:19.733" v="5280" actId="164"/>
+          <ac:grpSpMkLst>
+            <pc:docMk/>
+            <pc:sldMk cId="3549658592" sldId="260"/>
+            <ac:grpSpMk id="113" creationId="{C4B89AFC-D5F6-DFC7-97BF-122C0F95D66D}"/>
+          </ac:grpSpMkLst>
+        </pc:grpChg>
+        <pc:grpChg chg="add mod">
+          <ac:chgData name="Lanvis Wei" userId="c4087bf9e86b8004" providerId="LiveId" clId="{12E56520-5880-4261-AD8D-C1FEB301CE45}" dt="2024-07-26T08:44:21.911" v="5281" actId="164"/>
+          <ac:grpSpMkLst>
+            <pc:docMk/>
+            <pc:sldMk cId="3549658592" sldId="260"/>
+            <ac:grpSpMk id="114" creationId="{1C601C18-4850-58B5-E6F4-B72880487B6F}"/>
+          </ac:grpSpMkLst>
+        </pc:grpChg>
+        <pc:picChg chg="add del mod">
+          <ac:chgData name="Lanvis Wei" userId="c4087bf9e86b8004" providerId="LiveId" clId="{12E56520-5880-4261-AD8D-C1FEB301CE45}" dt="2024-07-26T07:59:58.975" v="4863" actId="21"/>
           <ac:picMkLst>
             <pc:docMk/>
             <pc:sldMk cId="3549658592" sldId="260"/>
@@ -989,6 +1230,46 @@
             <ac:picMk id="10" creationId="{B7E855B7-8351-8BE6-2694-62D2F348A5D6}"/>
           </ac:picMkLst>
         </pc:picChg>
+        <pc:picChg chg="add mod">
+          <ac:chgData name="Lanvis Wei" userId="c4087bf9e86b8004" providerId="LiveId" clId="{12E56520-5880-4261-AD8D-C1FEB301CE45}" dt="2024-07-26T08:28:11.269" v="5127" actId="164"/>
+          <ac:picMkLst>
+            <pc:docMk/>
+            <pc:sldMk cId="3549658592" sldId="260"/>
+            <ac:picMk id="12" creationId="{B974B6DC-0513-6F87-5636-A6CF530D6C7F}"/>
+          </ac:picMkLst>
+        </pc:picChg>
+        <pc:picChg chg="add mod">
+          <ac:chgData name="Lanvis Wei" userId="c4087bf9e86b8004" providerId="LiveId" clId="{12E56520-5880-4261-AD8D-C1FEB301CE45}" dt="2024-07-26T08:28:21.091" v="5130" actId="164"/>
+          <ac:picMkLst>
+            <pc:docMk/>
+            <pc:sldMk cId="3549658592" sldId="260"/>
+            <ac:picMk id="14" creationId="{E2150FF4-F029-4470-7237-A9B287B2F2C0}"/>
+          </ac:picMkLst>
+        </pc:picChg>
+        <pc:picChg chg="add mod">
+          <ac:chgData name="Lanvis Wei" userId="c4087bf9e86b8004" providerId="LiveId" clId="{12E56520-5880-4261-AD8D-C1FEB301CE45}" dt="2024-07-26T08:28:34.927" v="5134" actId="164"/>
+          <ac:picMkLst>
+            <pc:docMk/>
+            <pc:sldMk cId="3549658592" sldId="260"/>
+            <ac:picMk id="17" creationId="{B04D5FE8-F6C6-5826-1815-5337DECA0E0A}"/>
+          </ac:picMkLst>
+        </pc:picChg>
+        <pc:picChg chg="add mod">
+          <ac:chgData name="Lanvis Wei" userId="c4087bf9e86b8004" providerId="LiveId" clId="{12E56520-5880-4261-AD8D-C1FEB301CE45}" dt="2024-07-26T08:29:02.084" v="5141" actId="164"/>
+          <ac:picMkLst>
+            <pc:docMk/>
+            <pc:sldMk cId="3549658592" sldId="260"/>
+            <ac:picMk id="19" creationId="{CDEFD09B-0D1A-C2A8-9A60-637C4BCAAC63}"/>
+          </ac:picMkLst>
+        </pc:picChg>
+        <pc:picChg chg="add mod">
+          <ac:chgData name="Lanvis Wei" userId="c4087bf9e86b8004" providerId="LiveId" clId="{12E56520-5880-4261-AD8D-C1FEB301CE45}" dt="2024-07-26T08:28:59.614" v="5140" actId="164"/>
+          <ac:picMkLst>
+            <pc:docMk/>
+            <pc:sldMk cId="3549658592" sldId="260"/>
+            <ac:picMk id="24" creationId="{AB70CB63-565F-8E0F-CE96-2BB6363CE6F9}"/>
+          </ac:picMkLst>
+        </pc:picChg>
         <pc:picChg chg="add del mod">
           <ac:chgData name="Lanvis Wei" userId="c4087bf9e86b8004" providerId="LiveId" clId="{12E56520-5880-4261-AD8D-C1FEB301CE45}" dt="2024-07-23T01:15:21.313" v="1162" actId="21"/>
           <ac:picMkLst>
@@ -997,19 +1278,235 @@
             <ac:picMk id="24" creationId="{C48B40E8-B6C8-AAD2-97B2-4ABA2BB1FD17}"/>
           </ac:picMkLst>
         </pc:picChg>
+        <pc:picChg chg="add mod">
+          <ac:chgData name="Lanvis Wei" userId="c4087bf9e86b8004" providerId="LiveId" clId="{12E56520-5880-4261-AD8D-C1FEB301CE45}" dt="2024-07-26T08:33:37.989" v="5198" actId="164"/>
+          <ac:picMkLst>
+            <pc:docMk/>
+            <pc:sldMk cId="3549658592" sldId="260"/>
+            <ac:picMk id="26" creationId="{F0BD3574-8AF9-FB67-8DC9-44EA6D3CA52C}"/>
+          </ac:picMkLst>
+        </pc:picChg>
+        <pc:picChg chg="add del mod">
+          <ac:chgData name="Lanvis Wei" userId="c4087bf9e86b8004" providerId="LiveId" clId="{12E56520-5880-4261-AD8D-C1FEB301CE45}" dt="2024-07-26T08:29:35.581" v="5144" actId="478"/>
+          <ac:picMkLst>
+            <pc:docMk/>
+            <pc:sldMk cId="3549658592" sldId="260"/>
+            <ac:picMk id="72" creationId="{F103506B-2C53-4585-B34C-545D337BB0E8}"/>
+          </ac:picMkLst>
+        </pc:picChg>
+        <pc:picChg chg="add del mod">
+          <ac:chgData name="Lanvis Wei" userId="c4087bf9e86b8004" providerId="LiveId" clId="{12E56520-5880-4261-AD8D-C1FEB301CE45}" dt="2024-07-26T08:29:47.393" v="5150" actId="478"/>
+          <ac:picMkLst>
+            <pc:docMk/>
+            <pc:sldMk cId="3549658592" sldId="260"/>
+            <ac:picMk id="74" creationId="{0DEE4678-3B92-9D0C-5D25-2BBCC09CE25E}"/>
+          </ac:picMkLst>
+        </pc:picChg>
+        <pc:picChg chg="add del mod topLvl">
+          <ac:chgData name="Lanvis Wei" userId="c4087bf9e86b8004" providerId="LiveId" clId="{12E56520-5880-4261-AD8D-C1FEB301CE45}" dt="2024-07-26T08:32:33.070" v="5187" actId="478"/>
+          <ac:picMkLst>
+            <pc:docMk/>
+            <pc:sldMk cId="3549658592" sldId="260"/>
+            <ac:picMk id="76" creationId="{8CF35A97-87C7-23FC-4C44-98B3BC3BB049}"/>
+          </ac:picMkLst>
+        </pc:picChg>
+        <pc:picChg chg="del mod topLvl">
+          <ac:chgData name="Lanvis Wei" userId="c4087bf9e86b8004" providerId="LiveId" clId="{12E56520-5880-4261-AD8D-C1FEB301CE45}" dt="2024-07-26T08:31:20.684" v="5160" actId="478"/>
+          <ac:picMkLst>
+            <pc:docMk/>
+            <pc:sldMk cId="3549658592" sldId="260"/>
+            <ac:picMk id="80" creationId="{646CCBFB-A11D-A087-1C36-4D8ECE213E7A}"/>
+          </ac:picMkLst>
+        </pc:picChg>
+        <pc:picChg chg="add mod">
+          <ac:chgData name="Lanvis Wei" userId="c4087bf9e86b8004" providerId="LiveId" clId="{12E56520-5880-4261-AD8D-C1FEB301CE45}" dt="2024-07-26T08:33:03.679" v="5192" actId="164"/>
+          <ac:picMkLst>
+            <pc:docMk/>
+            <pc:sldMk cId="3549658592" sldId="260"/>
+            <ac:picMk id="84" creationId="{8E472FFA-DA29-A360-0ECF-79A9F0827594}"/>
+          </ac:picMkLst>
+        </pc:picChg>
+        <pc:picChg chg="add mod">
+          <ac:chgData name="Lanvis Wei" userId="c4087bf9e86b8004" providerId="LiveId" clId="{12E56520-5880-4261-AD8D-C1FEB301CE45}" dt="2024-07-26T08:36:42.357" v="5220" actId="164"/>
+          <ac:picMkLst>
+            <pc:docMk/>
+            <pc:sldMk cId="3549658592" sldId="260"/>
+            <ac:picMk id="100" creationId="{95E59A15-F491-252B-F4FA-ED0BF68D8D5A}"/>
+          </ac:picMkLst>
+        </pc:picChg>
+        <pc:picChg chg="add mod">
+          <ac:chgData name="Lanvis Wei" userId="c4087bf9e86b8004" providerId="LiveId" clId="{12E56520-5880-4261-AD8D-C1FEB301CE45}" dt="2024-07-26T08:44:19.733" v="5280" actId="164"/>
+          <ac:picMkLst>
+            <pc:docMk/>
+            <pc:sldMk cId="3549658592" sldId="260"/>
+            <ac:picMk id="108" creationId="{10C482E1-91EB-3F43-2981-F5024A838A46}"/>
+          </ac:picMkLst>
+        </pc:picChg>
+        <pc:picChg chg="add del mod">
+          <ac:chgData name="Lanvis Wei" userId="c4087bf9e86b8004" providerId="LiveId" clId="{12E56520-5880-4261-AD8D-C1FEB301CE45}" dt="2024-07-26T08:44:00.705" v="5276" actId="478"/>
+          <ac:picMkLst>
+            <pc:docMk/>
+            <pc:sldMk cId="3549658592" sldId="260"/>
+            <ac:picMk id="110" creationId="{AD8F99F0-ED2F-83F4-6945-B1B4AB92DAC5}"/>
+          </ac:picMkLst>
+        </pc:picChg>
+        <pc:picChg chg="add mod">
+          <ac:chgData name="Lanvis Wei" userId="c4087bf9e86b8004" providerId="LiveId" clId="{12E56520-5880-4261-AD8D-C1FEB301CE45}" dt="2024-07-26T08:44:21.911" v="5281" actId="164"/>
+          <ac:picMkLst>
+            <pc:docMk/>
+            <pc:sldMk cId="3549658592" sldId="260"/>
+            <ac:picMk id="112" creationId="{0B3CDB50-FD58-CAAC-30F9-DE8494DB03CF}"/>
+          </ac:picMkLst>
+        </pc:picChg>
+        <pc:cxnChg chg="add del mod">
+          <ac:chgData name="Lanvis Wei" userId="c4087bf9e86b8004" providerId="LiveId" clId="{12E56520-5880-4261-AD8D-C1FEB301CE45}" dt="2024-07-26T08:24:05.165" v="5067" actId="478"/>
+          <ac:cxnSpMkLst>
+            <pc:docMk/>
+            <pc:sldMk cId="3549658592" sldId="260"/>
+            <ac:cxnSpMk id="34" creationId="{F81C4C76-87E3-9E50-0B69-26279BEEBDCC}"/>
+          </ac:cxnSpMkLst>
+        </pc:cxnChg>
+        <pc:cxnChg chg="add del mod">
+          <ac:chgData name="Lanvis Wei" userId="c4087bf9e86b8004" providerId="LiveId" clId="{12E56520-5880-4261-AD8D-C1FEB301CE45}" dt="2024-07-26T08:27:35.060" v="5122" actId="478"/>
+          <ac:cxnSpMkLst>
+            <pc:docMk/>
+            <pc:sldMk cId="3549658592" sldId="260"/>
+            <ac:cxnSpMk id="44" creationId="{8BC8CEC2-4A14-E451-F8F3-95AE66EBECF4}"/>
+          </ac:cxnSpMkLst>
+        </pc:cxnChg>
+        <pc:cxnChg chg="add del mod">
+          <ac:chgData name="Lanvis Wei" userId="c4087bf9e86b8004" providerId="LiveId" clId="{12E56520-5880-4261-AD8D-C1FEB301CE45}" dt="2024-07-26T08:27:37.814" v="5123" actId="478"/>
+          <ac:cxnSpMkLst>
+            <pc:docMk/>
+            <pc:sldMk cId="3549658592" sldId="260"/>
+            <ac:cxnSpMk id="51" creationId="{AEA91E82-61E3-AF73-BEDB-529EBC08F346}"/>
+          </ac:cxnSpMkLst>
+        </pc:cxnChg>
+        <pc:cxnChg chg="add del mod">
+          <ac:chgData name="Lanvis Wei" userId="c4087bf9e86b8004" providerId="LiveId" clId="{12E56520-5880-4261-AD8D-C1FEB301CE45}" dt="2024-07-26T08:27:32.529" v="5121" actId="478"/>
+          <ac:cxnSpMkLst>
+            <pc:docMk/>
+            <pc:sldMk cId="3549658592" sldId="260"/>
+            <ac:cxnSpMk id="59" creationId="{82A0F229-16A4-52E2-A768-B05904E7B1A8}"/>
+          </ac:cxnSpMkLst>
+        </pc:cxnChg>
+        <pc:cxnChg chg="add del mod">
+          <ac:chgData name="Lanvis Wei" userId="c4087bf9e86b8004" providerId="LiveId" clId="{12E56520-5880-4261-AD8D-C1FEB301CE45}" dt="2024-07-26T08:27:40.084" v="5124" actId="478"/>
+          <ac:cxnSpMkLst>
+            <pc:docMk/>
+            <pc:sldMk cId="3549658592" sldId="260"/>
+            <ac:cxnSpMk id="65" creationId="{1132A655-609C-5B1E-9664-B15F76C6158C}"/>
+          </ac:cxnSpMkLst>
+        </pc:cxnChg>
+        <pc:cxnChg chg="add mod">
+          <ac:chgData name="Lanvis Wei" userId="c4087bf9e86b8004" providerId="LiveId" clId="{12E56520-5880-4261-AD8D-C1FEB301CE45}" dt="2024-07-26T08:35:03.664" v="5209" actId="1076"/>
+          <ac:cxnSpMkLst>
+            <pc:docMk/>
+            <pc:sldMk cId="3549658592" sldId="260"/>
+            <ac:cxnSpMk id="88" creationId="{6DC0D594-E8DC-D107-0655-D672FD7ECD05}"/>
+          </ac:cxnSpMkLst>
+        </pc:cxnChg>
+        <pc:cxnChg chg="add">
+          <ac:chgData name="Lanvis Wei" userId="c4087bf9e86b8004" providerId="LiveId" clId="{12E56520-5880-4261-AD8D-C1FEB301CE45}" dt="2024-07-26T08:35:09.406" v="5210" actId="11529"/>
+          <ac:cxnSpMkLst>
+            <pc:docMk/>
+            <pc:sldMk cId="3549658592" sldId="260"/>
+            <ac:cxnSpMk id="90" creationId="{5ED36B2E-E7EB-5C48-FF78-8F96A049611C}"/>
+          </ac:cxnSpMkLst>
+        </pc:cxnChg>
+        <pc:cxnChg chg="add">
+          <ac:chgData name="Lanvis Wei" userId="c4087bf9e86b8004" providerId="LiveId" clId="{12E56520-5880-4261-AD8D-C1FEB301CE45}" dt="2024-07-26T08:35:18.991" v="5211" actId="11529"/>
+          <ac:cxnSpMkLst>
+            <pc:docMk/>
+            <pc:sldMk cId="3549658592" sldId="260"/>
+            <ac:cxnSpMk id="92" creationId="{AF03ED9A-1110-68F5-2895-250A1213DB32}"/>
+          </ac:cxnSpMkLst>
+        </pc:cxnChg>
+        <pc:cxnChg chg="add del mod">
+          <ac:chgData name="Lanvis Wei" userId="c4087bf9e86b8004" providerId="LiveId" clId="{12E56520-5880-4261-AD8D-C1FEB301CE45}" dt="2024-07-26T08:35:41.622" v="5214" actId="11529"/>
+          <ac:cxnSpMkLst>
+            <pc:docMk/>
+            <pc:sldMk cId="3549658592" sldId="260"/>
+            <ac:cxnSpMk id="94" creationId="{E1A586B9-A685-6105-17C9-F8121694E77B}"/>
+          </ac:cxnSpMkLst>
+        </pc:cxnChg>
+        <pc:cxnChg chg="add">
+          <ac:chgData name="Lanvis Wei" userId="c4087bf9e86b8004" providerId="LiveId" clId="{12E56520-5880-4261-AD8D-C1FEB301CE45}" dt="2024-07-26T08:35:48.661" v="5215" actId="11529"/>
+          <ac:cxnSpMkLst>
+            <pc:docMk/>
+            <pc:sldMk cId="3549658592" sldId="260"/>
+            <ac:cxnSpMk id="96" creationId="{8E5C8D1A-E45D-E018-B85A-DB39FC44B87B}"/>
+          </ac:cxnSpMkLst>
+        </pc:cxnChg>
+        <pc:cxnChg chg="add">
+          <ac:chgData name="Lanvis Wei" userId="c4087bf9e86b8004" providerId="LiveId" clId="{12E56520-5880-4261-AD8D-C1FEB301CE45}" dt="2024-07-26T08:35:54.670" v="5216" actId="11529"/>
+          <ac:cxnSpMkLst>
+            <pc:docMk/>
+            <pc:sldMk cId="3549658592" sldId="260"/>
+            <ac:cxnSpMk id="98" creationId="{5E1C615F-3C42-DE8E-CB9B-D1176F204942}"/>
+          </ac:cxnSpMkLst>
+        </pc:cxnChg>
+        <pc:cxnChg chg="add mod">
+          <ac:chgData name="Lanvis Wei" userId="c4087bf9e86b8004" providerId="LiveId" clId="{12E56520-5880-4261-AD8D-C1FEB301CE45}" dt="2024-07-26T08:40:00.696" v="5236" actId="14100"/>
+          <ac:cxnSpMkLst>
+            <pc:docMk/>
+            <pc:sldMk cId="3549658592" sldId="260"/>
+            <ac:cxnSpMk id="103" creationId="{596F8C8E-57E6-F5E8-B35C-6A2F3485416A}"/>
+          </ac:cxnSpMkLst>
+        </pc:cxnChg>
       </pc:sldChg>
       <pc:sldChg chg="addSp delSp modSp add mod">
-        <pc:chgData name="Lanvis Wei" userId="c4087bf9e86b8004" providerId="LiveId" clId="{12E56520-5880-4261-AD8D-C1FEB301CE45}" dt="2024-07-23T03:30:39.407" v="3158" actId="255"/>
+        <pc:chgData name="Lanvis Wei" userId="c4087bf9e86b8004" providerId="LiveId" clId="{12E56520-5880-4261-AD8D-C1FEB301CE45}" dt="2024-07-26T08:00:00.405" v="4864"/>
         <pc:sldMkLst>
           <pc:docMk/>
           <pc:sldMk cId="2957372574" sldId="261"/>
         </pc:sldMkLst>
-        <pc:spChg chg="add mod">
-          <ac:chgData name="Lanvis Wei" userId="c4087bf9e86b8004" providerId="LiveId" clId="{12E56520-5880-4261-AD8D-C1FEB301CE45}" dt="2024-07-23T03:30:39.407" v="3158" actId="255"/>
+        <pc:spChg chg="add del mod">
+          <ac:chgData name="Lanvis Wei" userId="c4087bf9e86b8004" providerId="LiveId" clId="{12E56520-5880-4261-AD8D-C1FEB301CE45}" dt="2024-07-26T07:59:43.027" v="4859" actId="21"/>
           <ac:spMkLst>
             <pc:docMk/>
             <pc:sldMk cId="2957372574" sldId="261"/>
             <ac:spMk id="5" creationId="{C5F77B63-57A0-E280-01C1-380A976B3B64}"/>
+          </ac:spMkLst>
+        </pc:spChg>
+        <pc:spChg chg="add mod">
+          <ac:chgData name="Lanvis Wei" userId="c4087bf9e86b8004" providerId="LiveId" clId="{12E56520-5880-4261-AD8D-C1FEB301CE45}" dt="2024-07-26T08:00:00.405" v="4864"/>
+          <ac:spMkLst>
+            <pc:docMk/>
+            <pc:sldMk cId="2957372574" sldId="261"/>
+            <ac:spMk id="9" creationId="{B8EE9979-FF60-906E-1BA3-3C4967585020}"/>
+          </ac:spMkLst>
+        </pc:spChg>
+        <pc:spChg chg="add mod">
+          <ac:chgData name="Lanvis Wei" userId="c4087bf9e86b8004" providerId="LiveId" clId="{12E56520-5880-4261-AD8D-C1FEB301CE45}" dt="2024-07-26T08:00:00.405" v="4864"/>
+          <ac:spMkLst>
+            <pc:docMk/>
+            <pc:sldMk cId="2957372574" sldId="261"/>
+            <ac:spMk id="10" creationId="{11907B05-F0D2-E390-D37B-91C1C2395CA7}"/>
+          </ac:spMkLst>
+        </pc:spChg>
+        <pc:spChg chg="add mod">
+          <ac:chgData name="Lanvis Wei" userId="c4087bf9e86b8004" providerId="LiveId" clId="{12E56520-5880-4261-AD8D-C1FEB301CE45}" dt="2024-07-26T08:00:00.405" v="4864"/>
+          <ac:spMkLst>
+            <pc:docMk/>
+            <pc:sldMk cId="2957372574" sldId="261"/>
+            <ac:spMk id="11" creationId="{9F797539-DB66-B378-6D7B-78DC51D4457A}"/>
+          </ac:spMkLst>
+        </pc:spChg>
+        <pc:spChg chg="add mod">
+          <ac:chgData name="Lanvis Wei" userId="c4087bf9e86b8004" providerId="LiveId" clId="{12E56520-5880-4261-AD8D-C1FEB301CE45}" dt="2024-07-26T08:00:00.405" v="4864"/>
+          <ac:spMkLst>
+            <pc:docMk/>
+            <pc:sldMk cId="2957372574" sldId="261"/>
+            <ac:spMk id="12" creationId="{CF177D7A-5408-D370-623F-199933A86088}"/>
+          </ac:spMkLst>
+        </pc:spChg>
+        <pc:spChg chg="add mod">
+          <ac:chgData name="Lanvis Wei" userId="c4087bf9e86b8004" providerId="LiveId" clId="{12E56520-5880-4261-AD8D-C1FEB301CE45}" dt="2024-07-26T08:00:00.405" v="4864"/>
+          <ac:spMkLst>
+            <pc:docMk/>
+            <pc:sldMk cId="2957372574" sldId="261"/>
+            <ac:spMk id="13" creationId="{FEF61F49-14D3-8FC8-5BF6-F42965CD409E}"/>
           </ac:spMkLst>
         </pc:spChg>
         <pc:spChg chg="mod">
@@ -1020,8 +1517,8 @@
             <ac:spMk id="56" creationId="{7F72BE2B-E7E7-B027-131B-9B344B76268F}"/>
           </ac:spMkLst>
         </pc:spChg>
-        <pc:picChg chg="add mod">
-          <ac:chgData name="Lanvis Wei" userId="c4087bf9e86b8004" providerId="LiveId" clId="{12E56520-5880-4261-AD8D-C1FEB301CE45}" dt="2024-07-23T01:17:35.918" v="1190" actId="1076"/>
+        <pc:picChg chg="add del mod">
+          <ac:chgData name="Lanvis Wei" userId="c4087bf9e86b8004" providerId="LiveId" clId="{12E56520-5880-4261-AD8D-C1FEB301CE45}" dt="2024-07-26T07:59:43.027" v="4859" actId="21"/>
           <ac:picMkLst>
             <pc:docMk/>
             <pc:sldMk cId="2957372574" sldId="261"/>
@@ -1029,7 +1526,15 @@
           </ac:picMkLst>
         </pc:picChg>
         <pc:picChg chg="add mod">
-          <ac:chgData name="Lanvis Wei" userId="c4087bf9e86b8004" providerId="LiveId" clId="{12E56520-5880-4261-AD8D-C1FEB301CE45}" dt="2024-07-23T01:17:47.329" v="1201" actId="1037"/>
+          <ac:chgData name="Lanvis Wei" userId="c4087bf9e86b8004" providerId="LiveId" clId="{12E56520-5880-4261-AD8D-C1FEB301CE45}" dt="2024-07-26T08:00:00.405" v="4864"/>
+          <ac:picMkLst>
+            <pc:docMk/>
+            <pc:sldMk cId="2957372574" sldId="261"/>
+            <ac:picMk id="7" creationId="{B7E855B7-8351-8BE6-2694-62D2F348A5D6}"/>
+          </ac:picMkLst>
+        </pc:picChg>
+        <pc:picChg chg="add del mod">
+          <ac:chgData name="Lanvis Wei" userId="c4087bf9e86b8004" providerId="LiveId" clId="{12E56520-5880-4261-AD8D-C1FEB301CE45}" dt="2024-07-26T07:59:43.027" v="4859" actId="21"/>
           <ac:picMkLst>
             <pc:docMk/>
             <pc:sldMk cId="2957372574" sldId="261"/>
@@ -1046,41 +1551,49 @@
         </pc:picChg>
       </pc:sldChg>
       <pc:sldChg chg="addSp delSp modSp add mod">
-        <pc:chgData name="Lanvis Wei" userId="c4087bf9e86b8004" providerId="LiveId" clId="{12E56520-5880-4261-AD8D-C1FEB301CE45}" dt="2024-07-23T03:30:48.601" v="3164" actId="404"/>
+        <pc:chgData name="Lanvis Wei" userId="c4087bf9e86b8004" providerId="LiveId" clId="{12E56520-5880-4261-AD8D-C1FEB301CE45}" dt="2024-07-26T07:59:44.689" v="4860"/>
         <pc:sldMkLst>
           <pc:docMk/>
           <pc:sldMk cId="2487096523" sldId="262"/>
         </pc:sldMkLst>
-        <pc:spChg chg="add mod">
-          <ac:chgData name="Lanvis Wei" userId="c4087bf9e86b8004" providerId="LiveId" clId="{12E56520-5880-4261-AD8D-C1FEB301CE45}" dt="2024-07-23T03:30:48.601" v="3164" actId="404"/>
+        <pc:spChg chg="add del mod">
+          <ac:chgData name="Lanvis Wei" userId="c4087bf9e86b8004" providerId="LiveId" clId="{12E56520-5880-4261-AD8D-C1FEB301CE45}" dt="2024-07-26T07:59:25.629" v="4855" actId="21"/>
           <ac:spMkLst>
             <pc:docMk/>
             <pc:sldMk cId="2487096523" sldId="262"/>
             <ac:spMk id="5" creationId="{80430037-1AEF-3506-5491-0743630E42AD}"/>
           </ac:spMkLst>
         </pc:spChg>
-        <pc:spChg chg="add mod">
-          <ac:chgData name="Lanvis Wei" userId="c4087bf9e86b8004" providerId="LiveId" clId="{12E56520-5880-4261-AD8D-C1FEB301CE45}" dt="2024-07-23T01:27:29.639" v="1520" actId="1076"/>
+        <pc:spChg chg="add del mod">
+          <ac:chgData name="Lanvis Wei" userId="c4087bf9e86b8004" providerId="LiveId" clId="{12E56520-5880-4261-AD8D-C1FEB301CE45}" dt="2024-07-26T07:59:25.629" v="4855" actId="21"/>
           <ac:spMkLst>
             <pc:docMk/>
             <pc:sldMk cId="2487096523" sldId="262"/>
             <ac:spMk id="6" creationId="{B8372D8D-3BD3-C079-0B77-29CE763AD5DC}"/>
           </ac:spMkLst>
         </pc:spChg>
-        <pc:spChg chg="add mod">
-          <ac:chgData name="Lanvis Wei" userId="c4087bf9e86b8004" providerId="LiveId" clId="{12E56520-5880-4261-AD8D-C1FEB301CE45}" dt="2024-07-23T01:28:42.841" v="1558" actId="14100"/>
+        <pc:spChg chg="add del mod">
+          <ac:chgData name="Lanvis Wei" userId="c4087bf9e86b8004" providerId="LiveId" clId="{12E56520-5880-4261-AD8D-C1FEB301CE45}" dt="2024-07-26T07:59:25.629" v="4855" actId="21"/>
           <ac:spMkLst>
             <pc:docMk/>
             <pc:sldMk cId="2487096523" sldId="262"/>
             <ac:spMk id="7" creationId="{4CE6C39B-8B16-BAE3-2532-B974460612E4}"/>
           </ac:spMkLst>
         </pc:spChg>
-        <pc:spChg chg="add mod">
-          <ac:chgData name="Lanvis Wei" userId="c4087bf9e86b8004" providerId="LiveId" clId="{12E56520-5880-4261-AD8D-C1FEB301CE45}" dt="2024-07-23T01:28:55.183" v="1561" actId="207"/>
+        <pc:spChg chg="add del mod">
+          <ac:chgData name="Lanvis Wei" userId="c4087bf9e86b8004" providerId="LiveId" clId="{12E56520-5880-4261-AD8D-C1FEB301CE45}" dt="2024-07-26T07:59:25.629" v="4855" actId="21"/>
           <ac:spMkLst>
             <pc:docMk/>
             <pc:sldMk cId="2487096523" sldId="262"/>
             <ac:spMk id="8" creationId="{C2E636AE-5E98-04EE-3329-5EB0F6C6DD97}"/>
+          </ac:spMkLst>
+        </pc:spChg>
+        <pc:spChg chg="add mod">
+          <ac:chgData name="Lanvis Wei" userId="c4087bf9e86b8004" providerId="LiveId" clId="{12E56520-5880-4261-AD8D-C1FEB301CE45}" dt="2024-07-26T07:59:44.689" v="4860"/>
+          <ac:spMkLst>
+            <pc:docMk/>
+            <pc:sldMk cId="2487096523" sldId="262"/>
+            <ac:spMk id="11" creationId="{C5F77B63-57A0-E280-01C1-380A976B3B64}"/>
           </ac:spMkLst>
         </pc:spChg>
         <pc:spChg chg="mod">
@@ -1091,6 +1604,22 @@
             <ac:spMk id="56" creationId="{7F72BE2B-E7E7-B027-131B-9B344B76268F}"/>
           </ac:spMkLst>
         </pc:spChg>
+        <pc:picChg chg="add mod">
+          <ac:chgData name="Lanvis Wei" userId="c4087bf9e86b8004" providerId="LiveId" clId="{12E56520-5880-4261-AD8D-C1FEB301CE45}" dt="2024-07-26T07:59:44.689" v="4860"/>
+          <ac:picMkLst>
+            <pc:docMk/>
+            <pc:sldMk cId="2487096523" sldId="262"/>
+            <ac:picMk id="9" creationId="{136E7D61-1695-E992-A860-0DF632004313}"/>
+          </ac:picMkLst>
+        </pc:picChg>
+        <pc:picChg chg="add mod">
+          <ac:chgData name="Lanvis Wei" userId="c4087bf9e86b8004" providerId="LiveId" clId="{12E56520-5880-4261-AD8D-C1FEB301CE45}" dt="2024-07-26T07:59:44.689" v="4860"/>
+          <ac:picMkLst>
+            <pc:docMk/>
+            <pc:sldMk cId="2487096523" sldId="262"/>
+            <ac:picMk id="10" creationId="{3573DCCB-895E-5BC5-83B4-DC674949AF6A}"/>
+          </ac:picMkLst>
+        </pc:picChg>
         <pc:picChg chg="del">
           <ac:chgData name="Lanvis Wei" userId="c4087bf9e86b8004" providerId="LiveId" clId="{12E56520-5880-4261-AD8D-C1FEB301CE45}" dt="2024-07-23T01:12:44.197" v="1012" actId="478"/>
           <ac:picMkLst>
@@ -1099,8 +1628,8 @@
             <ac:picMk id="12" creationId="{7D360BE3-D5C0-F5ED-2D80-E1BF6CF7933C}"/>
           </ac:picMkLst>
         </pc:picChg>
-        <pc:picChg chg="add mod">
-          <ac:chgData name="Lanvis Wei" userId="c4087bf9e86b8004" providerId="LiveId" clId="{12E56520-5880-4261-AD8D-C1FEB301CE45}" dt="2024-07-23T01:20:59.938" v="1339" actId="1076"/>
+        <pc:picChg chg="add del mod">
+          <ac:chgData name="Lanvis Wei" userId="c4087bf9e86b8004" providerId="LiveId" clId="{12E56520-5880-4261-AD8D-C1FEB301CE45}" dt="2024-07-26T07:59:25.629" v="4855" actId="21"/>
           <ac:picMkLst>
             <pc:docMk/>
             <pc:sldMk cId="2487096523" sldId="262"/>
@@ -1109,11 +1638,19 @@
         </pc:picChg>
       </pc:sldChg>
       <pc:sldChg chg="addSp delSp modSp add mod">
-        <pc:chgData name="Lanvis Wei" userId="c4087bf9e86b8004" providerId="LiveId" clId="{12E56520-5880-4261-AD8D-C1FEB301CE45}" dt="2024-07-23T03:31:11.986" v="3168" actId="403"/>
+        <pc:chgData name="Lanvis Wei" userId="c4087bf9e86b8004" providerId="LiveId" clId="{12E56520-5880-4261-AD8D-C1FEB301CE45}" dt="2024-07-26T07:59:31.704" v="4856"/>
         <pc:sldMkLst>
           <pc:docMk/>
           <pc:sldMk cId="12666163" sldId="263"/>
         </pc:sldMkLst>
+        <pc:spChg chg="add mod">
+          <ac:chgData name="Lanvis Wei" userId="c4087bf9e86b8004" providerId="LiveId" clId="{12E56520-5880-4261-AD8D-C1FEB301CE45}" dt="2024-07-26T07:59:31.704" v="4856"/>
+          <ac:spMkLst>
+            <pc:docMk/>
+            <pc:sldMk cId="12666163" sldId="263"/>
+            <ac:spMk id="5" creationId="{80430037-1AEF-3506-5491-0743630E42AD}"/>
+          </ac:spMkLst>
+        </pc:spChg>
         <pc:spChg chg="add del">
           <ac:chgData name="Lanvis Wei" userId="c4087bf9e86b8004" providerId="LiveId" clId="{12E56520-5880-4261-AD8D-C1FEB301CE45}" dt="2024-07-23T01:20:11.187" v="1322" actId="22"/>
           <ac:spMkLst>
@@ -1123,35 +1660,59 @@
           </ac:spMkLst>
         </pc:spChg>
         <pc:spChg chg="add mod">
-          <ac:chgData name="Lanvis Wei" userId="c4087bf9e86b8004" providerId="LiveId" clId="{12E56520-5880-4261-AD8D-C1FEB301CE45}" dt="2024-07-23T03:31:11.986" v="3168" actId="403"/>
+          <ac:chgData name="Lanvis Wei" userId="c4087bf9e86b8004" providerId="LiveId" clId="{12E56520-5880-4261-AD8D-C1FEB301CE45}" dt="2024-07-26T07:59:31.704" v="4856"/>
+          <ac:spMkLst>
+            <pc:docMk/>
+            <pc:sldMk cId="12666163" sldId="263"/>
+            <ac:spMk id="6" creationId="{B8372D8D-3BD3-C079-0B77-29CE763AD5DC}"/>
+          </ac:spMkLst>
+        </pc:spChg>
+        <pc:spChg chg="add del mod">
+          <ac:chgData name="Lanvis Wei" userId="c4087bf9e86b8004" providerId="LiveId" clId="{12E56520-5880-4261-AD8D-C1FEB301CE45}" dt="2024-07-26T07:59:09.237" v="4851" actId="21"/>
           <ac:spMkLst>
             <pc:docMk/>
             <pc:sldMk cId="12666163" sldId="263"/>
             <ac:spMk id="7" creationId="{1A54BE5A-D6A2-B951-DB0E-B7D23FB324C0}"/>
           </ac:spMkLst>
         </pc:spChg>
-        <pc:spChg chg="add mod">
-          <ac:chgData name="Lanvis Wei" userId="c4087bf9e86b8004" providerId="LiveId" clId="{12E56520-5880-4261-AD8D-C1FEB301CE45}" dt="2024-07-23T01:27:35.578" v="1521"/>
+        <pc:spChg chg="add del mod">
+          <ac:chgData name="Lanvis Wei" userId="c4087bf9e86b8004" providerId="LiveId" clId="{12E56520-5880-4261-AD8D-C1FEB301CE45}" dt="2024-07-26T07:59:09.237" v="4851" actId="21"/>
           <ac:spMkLst>
             <pc:docMk/>
             <pc:sldMk cId="12666163" sldId="263"/>
             <ac:spMk id="8" creationId="{2348C760-3C7C-079F-84B4-DAE52EECB567}"/>
           </ac:spMkLst>
         </pc:spChg>
-        <pc:spChg chg="add mod">
-          <ac:chgData name="Lanvis Wei" userId="c4087bf9e86b8004" providerId="LiveId" clId="{12E56520-5880-4261-AD8D-C1FEB301CE45}" dt="2024-07-23T01:29:00.415" v="1562"/>
+        <pc:spChg chg="add del mod">
+          <ac:chgData name="Lanvis Wei" userId="c4087bf9e86b8004" providerId="LiveId" clId="{12E56520-5880-4261-AD8D-C1FEB301CE45}" dt="2024-07-26T07:59:09.237" v="4851" actId="21"/>
           <ac:spMkLst>
             <pc:docMk/>
             <pc:sldMk cId="12666163" sldId="263"/>
             <ac:spMk id="9" creationId="{9B51772A-8A37-6011-AADF-4F457F41A490}"/>
           </ac:spMkLst>
         </pc:spChg>
-        <pc:spChg chg="add mod">
-          <ac:chgData name="Lanvis Wei" userId="c4087bf9e86b8004" providerId="LiveId" clId="{12E56520-5880-4261-AD8D-C1FEB301CE45}" dt="2024-07-23T01:29:00.415" v="1562"/>
+        <pc:spChg chg="add del mod">
+          <ac:chgData name="Lanvis Wei" userId="c4087bf9e86b8004" providerId="LiveId" clId="{12E56520-5880-4261-AD8D-C1FEB301CE45}" dt="2024-07-26T07:59:09.237" v="4851" actId="21"/>
           <ac:spMkLst>
             <pc:docMk/>
             <pc:sldMk cId="12666163" sldId="263"/>
             <ac:spMk id="10" creationId="{0E0411C5-8D50-F344-60A4-13C4A40EF43A}"/>
+          </ac:spMkLst>
+        </pc:spChg>
+        <pc:spChg chg="add mod">
+          <ac:chgData name="Lanvis Wei" userId="c4087bf9e86b8004" providerId="LiveId" clId="{12E56520-5880-4261-AD8D-C1FEB301CE45}" dt="2024-07-26T07:59:31.704" v="4856"/>
+          <ac:spMkLst>
+            <pc:docMk/>
+            <pc:sldMk cId="12666163" sldId="263"/>
+            <ac:spMk id="11" creationId="{4CE6C39B-8B16-BAE3-2532-B974460612E4}"/>
+          </ac:spMkLst>
+        </pc:spChg>
+        <pc:spChg chg="add mod">
+          <ac:chgData name="Lanvis Wei" userId="c4087bf9e86b8004" providerId="LiveId" clId="{12E56520-5880-4261-AD8D-C1FEB301CE45}" dt="2024-07-26T07:59:31.704" v="4856"/>
+          <ac:spMkLst>
+            <pc:docMk/>
+            <pc:sldMk cId="12666163" sldId="263"/>
+            <ac:spMk id="12" creationId="{C2E636AE-5E98-04EE-3329-5EB0F6C6DD97}"/>
           </ac:spMkLst>
         </pc:spChg>
         <pc:spChg chg="mod">
@@ -1170,35 +1731,59 @@
             <ac:picMk id="12" creationId="{7D360BE3-D5C0-F5ED-2D80-E1BF6CF7933C}"/>
           </ac:picMkLst>
         </pc:picChg>
-        <pc:picChg chg="add mod">
-          <ac:chgData name="Lanvis Wei" userId="c4087bf9e86b8004" providerId="LiveId" clId="{12E56520-5880-4261-AD8D-C1FEB301CE45}" dt="2024-07-23T01:20:44.536" v="1338" actId="1076"/>
+        <pc:picChg chg="add del mod">
+          <ac:chgData name="Lanvis Wei" userId="c4087bf9e86b8004" providerId="LiveId" clId="{12E56520-5880-4261-AD8D-C1FEB301CE45}" dt="2024-07-26T07:59:09.237" v="4851" actId="21"/>
           <ac:picMkLst>
             <pc:docMk/>
             <pc:sldMk cId="12666163" sldId="263"/>
             <ac:picMk id="17" creationId="{CD9B1534-1E7D-0CA0-337D-D041994B585E}"/>
           </ac:picMkLst>
         </pc:picChg>
+        <pc:picChg chg="add mod">
+          <ac:chgData name="Lanvis Wei" userId="c4087bf9e86b8004" providerId="LiveId" clId="{12E56520-5880-4261-AD8D-C1FEB301CE45}" dt="2024-07-26T07:59:31.704" v="4856"/>
+          <ac:picMkLst>
+            <pc:docMk/>
+            <pc:sldMk cId="12666163" sldId="263"/>
+            <ac:picMk id="19" creationId="{5FD7F3A5-F325-8BFF-DEC3-BCBBE8F92F40}"/>
+          </ac:picMkLst>
+        </pc:picChg>
       </pc:sldChg>
       <pc:sldChg chg="addSp delSp modSp add mod">
-        <pc:chgData name="Lanvis Wei" userId="c4087bf9e86b8004" providerId="LiveId" clId="{12E56520-5880-4261-AD8D-C1FEB301CE45}" dt="2024-07-23T03:31:19.050" v="3170" actId="403"/>
+        <pc:chgData name="Lanvis Wei" userId="c4087bf9e86b8004" providerId="LiveId" clId="{12E56520-5880-4261-AD8D-C1FEB301CE45}" dt="2024-07-26T07:59:10.850" v="4852"/>
         <pc:sldMkLst>
           <pc:docMk/>
           <pc:sldMk cId="4079667276" sldId="264"/>
         </pc:sldMkLst>
-        <pc:spChg chg="add mod">
-          <ac:chgData name="Lanvis Wei" userId="c4087bf9e86b8004" providerId="LiveId" clId="{12E56520-5880-4261-AD8D-C1FEB301CE45}" dt="2024-07-23T03:31:19.050" v="3170" actId="403"/>
+        <pc:spChg chg="add del mod">
+          <ac:chgData name="Lanvis Wei" userId="c4087bf9e86b8004" providerId="LiveId" clId="{12E56520-5880-4261-AD8D-C1FEB301CE45}" dt="2024-07-26T07:58:56.421" v="4850" actId="478"/>
           <ac:spMkLst>
             <pc:docMk/>
             <pc:sldMk cId="4079667276" sldId="264"/>
             <ac:spMk id="5" creationId="{8152CE11-2251-F8AF-90EA-2D74605C3D2F}"/>
           </ac:spMkLst>
         </pc:spChg>
-        <pc:spChg chg="add mod">
-          <ac:chgData name="Lanvis Wei" userId="c4087bf9e86b8004" providerId="LiveId" clId="{12E56520-5880-4261-AD8D-C1FEB301CE45}" dt="2024-07-23T01:41:36.835" v="2247" actId="1076"/>
+        <pc:spChg chg="add del mod">
+          <ac:chgData name="Lanvis Wei" userId="c4087bf9e86b8004" providerId="LiveId" clId="{12E56520-5880-4261-AD8D-C1FEB301CE45}" dt="2024-07-26T07:58:56.421" v="4850" actId="478"/>
           <ac:spMkLst>
             <pc:docMk/>
             <pc:sldMk cId="4079667276" sldId="264"/>
             <ac:spMk id="6" creationId="{22847864-D103-E8B1-9FCF-FA43455DD53C}"/>
+          </ac:spMkLst>
+        </pc:spChg>
+        <pc:spChg chg="add mod">
+          <ac:chgData name="Lanvis Wei" userId="c4087bf9e86b8004" providerId="LiveId" clId="{12E56520-5880-4261-AD8D-C1FEB301CE45}" dt="2024-07-26T07:59:10.850" v="4852"/>
+          <ac:spMkLst>
+            <pc:docMk/>
+            <pc:sldMk cId="4079667276" sldId="264"/>
+            <ac:spMk id="7" creationId="{1A54BE5A-D6A2-B951-DB0E-B7D23FB324C0}"/>
+          </ac:spMkLst>
+        </pc:spChg>
+        <pc:spChg chg="add mod">
+          <ac:chgData name="Lanvis Wei" userId="c4087bf9e86b8004" providerId="LiveId" clId="{12E56520-5880-4261-AD8D-C1FEB301CE45}" dt="2024-07-26T07:59:10.850" v="4852"/>
+          <ac:spMkLst>
+            <pc:docMk/>
+            <pc:sldMk cId="4079667276" sldId="264"/>
+            <ac:spMk id="8" creationId="{2348C760-3C7C-079F-84B4-DAE52EECB567}"/>
           </ac:spMkLst>
         </pc:spChg>
         <pc:spChg chg="add del">
@@ -1209,6 +1794,22 @@
             <ac:spMk id="8" creationId="{EAB40019-7F86-6630-2676-E7C5322D155C}"/>
           </ac:spMkLst>
         </pc:spChg>
+        <pc:spChg chg="add mod">
+          <ac:chgData name="Lanvis Wei" userId="c4087bf9e86b8004" providerId="LiveId" clId="{12E56520-5880-4261-AD8D-C1FEB301CE45}" dt="2024-07-26T07:59:10.850" v="4852"/>
+          <ac:spMkLst>
+            <pc:docMk/>
+            <pc:sldMk cId="4079667276" sldId="264"/>
+            <ac:spMk id="9" creationId="{9B51772A-8A37-6011-AADF-4F457F41A490}"/>
+          </ac:spMkLst>
+        </pc:spChg>
+        <pc:spChg chg="add mod">
+          <ac:chgData name="Lanvis Wei" userId="c4087bf9e86b8004" providerId="LiveId" clId="{12E56520-5880-4261-AD8D-C1FEB301CE45}" dt="2024-07-26T07:59:10.850" v="4852"/>
+          <ac:spMkLst>
+            <pc:docMk/>
+            <pc:sldMk cId="4079667276" sldId="264"/>
+            <ac:spMk id="10" creationId="{0E0411C5-8D50-F344-60A4-13C4A40EF43A}"/>
+          </ac:spMkLst>
+        </pc:spChg>
         <pc:spChg chg="add del mod">
           <ac:chgData name="Lanvis Wei" userId="c4087bf9e86b8004" providerId="LiveId" clId="{12E56520-5880-4261-AD8D-C1FEB301CE45}" dt="2024-07-23T01:41:53.330" v="2254"/>
           <ac:spMkLst>
@@ -1217,8 +1818,8 @@
             <ac:spMk id="10" creationId="{38B4D08F-6D30-FB06-9A20-08FDBC58FFF5}"/>
           </ac:spMkLst>
         </pc:spChg>
-        <pc:spChg chg="add mod">
-          <ac:chgData name="Lanvis Wei" userId="c4087bf9e86b8004" providerId="LiveId" clId="{12E56520-5880-4261-AD8D-C1FEB301CE45}" dt="2024-07-23T01:41:58.871" v="2255" actId="14100"/>
+        <pc:spChg chg="add del mod">
+          <ac:chgData name="Lanvis Wei" userId="c4087bf9e86b8004" providerId="LiveId" clId="{12E56520-5880-4261-AD8D-C1FEB301CE45}" dt="2024-07-26T07:58:56.421" v="4850" actId="478"/>
           <ac:spMkLst>
             <pc:docMk/>
             <pc:sldMk cId="4079667276" sldId="264"/>
@@ -1250,7 +1851,15 @@
           </ac:picMkLst>
         </pc:picChg>
         <pc:picChg chg="add mod">
-          <ac:chgData name="Lanvis Wei" userId="c4087bf9e86b8004" providerId="LiveId" clId="{12E56520-5880-4261-AD8D-C1FEB301CE45}" dt="2024-07-23T01:21:40.966" v="1342" actId="1076"/>
+          <ac:chgData name="Lanvis Wei" userId="c4087bf9e86b8004" providerId="LiveId" clId="{12E56520-5880-4261-AD8D-C1FEB301CE45}" dt="2024-07-26T07:59:10.850" v="4852"/>
+          <ac:picMkLst>
+            <pc:docMk/>
+            <pc:sldMk cId="4079667276" sldId="264"/>
+            <ac:picMk id="17" creationId="{CD9B1534-1E7D-0CA0-337D-D041994B585E}"/>
+          </ac:picMkLst>
+        </pc:picChg>
+        <pc:picChg chg="add del mod">
+          <ac:chgData name="Lanvis Wei" userId="c4087bf9e86b8004" providerId="LiveId" clId="{12E56520-5880-4261-AD8D-C1FEB301CE45}" dt="2024-07-26T07:58:56.421" v="4850" actId="478"/>
           <ac:picMkLst>
             <pc:docMk/>
             <pc:sldMk cId="4079667276" sldId="264"/>
@@ -1259,17 +1868,25 @@
         </pc:picChg>
       </pc:sldChg>
       <pc:sldChg chg="addSp delSp modSp add mod">
-        <pc:chgData name="Lanvis Wei" userId="c4087bf9e86b8004" providerId="LiveId" clId="{12E56520-5880-4261-AD8D-C1FEB301CE45}" dt="2024-07-23T03:31:24.165" v="3172" actId="403"/>
+        <pc:chgData name="Lanvis Wei" userId="c4087bf9e86b8004" providerId="LiveId" clId="{12E56520-5880-4261-AD8D-C1FEB301CE45}" dt="2024-07-26T07:58:41.011" v="4849" actId="20577"/>
         <pc:sldMkLst>
           <pc:docMk/>
           <pc:sldMk cId="3760386326" sldId="265"/>
         </pc:sldMkLst>
-        <pc:spChg chg="add mod">
-          <ac:chgData name="Lanvis Wei" userId="c4087bf9e86b8004" providerId="LiveId" clId="{12E56520-5880-4261-AD8D-C1FEB301CE45}" dt="2024-07-23T03:31:24.165" v="3172" actId="403"/>
+        <pc:spChg chg="add del mod">
+          <ac:chgData name="Lanvis Wei" userId="c4087bf9e86b8004" providerId="LiveId" clId="{12E56520-5880-4261-AD8D-C1FEB301CE45}" dt="2024-07-26T07:58:08.931" v="4838" actId="21"/>
           <ac:spMkLst>
             <pc:docMk/>
             <pc:sldMk cId="3760386326" sldId="265"/>
             <ac:spMk id="5" creationId="{1AE86616-94F6-3138-20EE-1F61DA8FEC05}"/>
+          </ac:spMkLst>
+        </pc:spChg>
+        <pc:spChg chg="add mod">
+          <ac:chgData name="Lanvis Wei" userId="c4087bf9e86b8004" providerId="LiveId" clId="{12E56520-5880-4261-AD8D-C1FEB301CE45}" dt="2024-07-26T07:58:41.011" v="4849" actId="20577"/>
+          <ac:spMkLst>
+            <pc:docMk/>
+            <pc:sldMk cId="3760386326" sldId="265"/>
+            <ac:spMk id="6" creationId="{44BFC6EE-0511-E347-D883-8A9646EE63A1}"/>
           </ac:spMkLst>
         </pc:spChg>
         <pc:spChg chg="add del mod">
@@ -1280,6 +1897,30 @@
             <ac:spMk id="16" creationId="{4CA9D837-FED5-A59D-9BDE-ACE960571630}"/>
           </ac:spMkLst>
         </pc:spChg>
+        <pc:spChg chg="mod">
+          <ac:chgData name="Lanvis Wei" userId="c4087bf9e86b8004" providerId="LiveId" clId="{12E56520-5880-4261-AD8D-C1FEB301CE45}" dt="2024-07-26T07:58:36.356" v="4845"/>
+          <ac:spMkLst>
+            <pc:docMk/>
+            <pc:sldMk cId="3760386326" sldId="265"/>
+            <ac:spMk id="16" creationId="{6395D77F-4980-DD39-D4E0-C29D6584BC34}"/>
+          </ac:spMkLst>
+        </pc:spChg>
+        <pc:spChg chg="mod">
+          <ac:chgData name="Lanvis Wei" userId="c4087bf9e86b8004" providerId="LiveId" clId="{12E56520-5880-4261-AD8D-C1FEB301CE45}" dt="2024-07-26T07:58:36.356" v="4845"/>
+          <ac:spMkLst>
+            <pc:docMk/>
+            <pc:sldMk cId="3760386326" sldId="265"/>
+            <ac:spMk id="17" creationId="{5F92E1FE-87ED-5171-9E9A-D3EA1A0CEF75}"/>
+          </ac:spMkLst>
+        </pc:spChg>
+        <pc:spChg chg="mod">
+          <ac:chgData name="Lanvis Wei" userId="c4087bf9e86b8004" providerId="LiveId" clId="{12E56520-5880-4261-AD8D-C1FEB301CE45}" dt="2024-07-26T07:58:36.356" v="4845"/>
+          <ac:spMkLst>
+            <pc:docMk/>
+            <pc:sldMk cId="3760386326" sldId="265"/>
+            <ac:spMk id="18" creationId="{66A93F9F-0C92-8863-609B-B9BF344E18EB}"/>
+          </ac:spMkLst>
+        </pc:spChg>
         <pc:spChg chg="add del mod">
           <ac:chgData name="Lanvis Wei" userId="c4087bf9e86b8004" providerId="LiveId" clId="{12E56520-5880-4261-AD8D-C1FEB301CE45}" dt="2024-07-23T01:50:46.189" v="2426"/>
           <ac:spMkLst>
@@ -1288,8 +1929,8 @@
             <ac:spMk id="18" creationId="{7AF412E8-7790-C008-756A-036E26919D86}"/>
           </ac:spMkLst>
         </pc:spChg>
-        <pc:spChg chg="add mod">
-          <ac:chgData name="Lanvis Wei" userId="c4087bf9e86b8004" providerId="LiveId" clId="{12E56520-5880-4261-AD8D-C1FEB301CE45}" dt="2024-07-23T01:50:40.775" v="2424" actId="20577"/>
+        <pc:spChg chg="add del mod">
+          <ac:chgData name="Lanvis Wei" userId="c4087bf9e86b8004" providerId="LiveId" clId="{12E56520-5880-4261-AD8D-C1FEB301CE45}" dt="2024-07-26T07:58:08.931" v="4838" actId="21"/>
           <ac:spMkLst>
             <pc:docMk/>
             <pc:sldMk cId="3760386326" sldId="265"/>
@@ -1297,31 +1938,183 @@
           </ac:spMkLst>
         </pc:spChg>
         <pc:spChg chg="mod">
-          <ac:chgData name="Lanvis Wei" userId="c4087bf9e86b8004" providerId="LiveId" clId="{12E56520-5880-4261-AD8D-C1FEB301CE45}" dt="2024-07-23T01:13:33.153" v="1026" actId="20577"/>
+          <ac:chgData name="Lanvis Wei" userId="c4087bf9e86b8004" providerId="LiveId" clId="{12E56520-5880-4261-AD8D-C1FEB301CE45}" dt="2024-07-26T07:58:36.356" v="4845"/>
+          <ac:spMkLst>
+            <pc:docMk/>
+            <pc:sldMk cId="3760386326" sldId="265"/>
+            <ac:spMk id="23" creationId="{9D782905-10EB-9F46-0029-3DF62A4084C8}"/>
+          </ac:spMkLst>
+        </pc:spChg>
+        <pc:spChg chg="mod">
+          <ac:chgData name="Lanvis Wei" userId="c4087bf9e86b8004" providerId="LiveId" clId="{12E56520-5880-4261-AD8D-C1FEB301CE45}" dt="2024-07-26T07:58:36.356" v="4845"/>
+          <ac:spMkLst>
+            <pc:docMk/>
+            <pc:sldMk cId="3760386326" sldId="265"/>
+            <ac:spMk id="24" creationId="{603AC88B-D055-8FF3-2F3A-DB46D035CF78}"/>
+          </ac:spMkLst>
+        </pc:spChg>
+        <pc:spChg chg="mod">
+          <ac:chgData name="Lanvis Wei" userId="c4087bf9e86b8004" providerId="LiveId" clId="{12E56520-5880-4261-AD8D-C1FEB301CE45}" dt="2024-07-26T07:58:36.356" v="4845"/>
+          <ac:spMkLst>
+            <pc:docMk/>
+            <pc:sldMk cId="3760386326" sldId="265"/>
+            <ac:spMk id="25" creationId="{48885D19-EE2B-53D8-B3A6-40C2E9E3A4EE}"/>
+          </ac:spMkLst>
+        </pc:spChg>
+        <pc:spChg chg="mod">
+          <ac:chgData name="Lanvis Wei" userId="c4087bf9e86b8004" providerId="LiveId" clId="{12E56520-5880-4261-AD8D-C1FEB301CE45}" dt="2024-07-26T07:58:36.356" v="4845"/>
+          <ac:spMkLst>
+            <pc:docMk/>
+            <pc:sldMk cId="3760386326" sldId="265"/>
+            <ac:spMk id="26" creationId="{C26055E7-12EA-6024-556C-056010452F2F}"/>
+          </ac:spMkLst>
+        </pc:spChg>
+        <pc:spChg chg="mod">
+          <ac:chgData name="Lanvis Wei" userId="c4087bf9e86b8004" providerId="LiveId" clId="{12E56520-5880-4261-AD8D-C1FEB301CE45}" dt="2024-07-26T07:58:36.356" v="4845"/>
+          <ac:spMkLst>
+            <pc:docMk/>
+            <pc:sldMk cId="3760386326" sldId="265"/>
+            <ac:spMk id="27" creationId="{C98F0288-9B35-59E5-5748-D6BE6E3B0BCA}"/>
+          </ac:spMkLst>
+        </pc:spChg>
+        <pc:spChg chg="mod">
+          <ac:chgData name="Lanvis Wei" userId="c4087bf9e86b8004" providerId="LiveId" clId="{12E56520-5880-4261-AD8D-C1FEB301CE45}" dt="2024-07-26T07:58:36.356" v="4845"/>
+          <ac:spMkLst>
+            <pc:docMk/>
+            <pc:sldMk cId="3760386326" sldId="265"/>
+            <ac:spMk id="28" creationId="{D71B28B2-B9D8-EDB2-B186-BD5DE5F475B2}"/>
+          </ac:spMkLst>
+        </pc:spChg>
+        <pc:spChg chg="mod">
+          <ac:chgData name="Lanvis Wei" userId="c4087bf9e86b8004" providerId="LiveId" clId="{12E56520-5880-4261-AD8D-C1FEB301CE45}" dt="2024-07-26T07:58:36.356" v="4845"/>
+          <ac:spMkLst>
+            <pc:docMk/>
+            <pc:sldMk cId="3760386326" sldId="265"/>
+            <ac:spMk id="29" creationId="{460D1FEA-D63D-07A5-2849-40333D78EFA3}"/>
+          </ac:spMkLst>
+        </pc:spChg>
+        <pc:spChg chg="mod">
+          <ac:chgData name="Lanvis Wei" userId="c4087bf9e86b8004" providerId="LiveId" clId="{12E56520-5880-4261-AD8D-C1FEB301CE45}" dt="2024-07-26T07:58:36.356" v="4845"/>
+          <ac:spMkLst>
+            <pc:docMk/>
+            <pc:sldMk cId="3760386326" sldId="265"/>
+            <ac:spMk id="30" creationId="{A7F4EF6C-DD1F-9CA1-1039-DC77C6BA66C1}"/>
+          </ac:spMkLst>
+        </pc:spChg>
+        <pc:spChg chg="mod">
+          <ac:chgData name="Lanvis Wei" userId="c4087bf9e86b8004" providerId="LiveId" clId="{12E56520-5880-4261-AD8D-C1FEB301CE45}" dt="2024-07-26T07:58:36.356" v="4845"/>
+          <ac:spMkLst>
+            <pc:docMk/>
+            <pc:sldMk cId="3760386326" sldId="265"/>
+            <ac:spMk id="32" creationId="{BCC0455B-FDE9-5735-19A6-34BB0161E0C7}"/>
+          </ac:spMkLst>
+        </pc:spChg>
+        <pc:spChg chg="mod">
+          <ac:chgData name="Lanvis Wei" userId="c4087bf9e86b8004" providerId="LiveId" clId="{12E56520-5880-4261-AD8D-C1FEB301CE45}" dt="2024-07-26T07:58:36.356" v="4845"/>
+          <ac:spMkLst>
+            <pc:docMk/>
+            <pc:sldMk cId="3760386326" sldId="265"/>
+            <ac:spMk id="33" creationId="{CD527EBC-0081-A0E6-2DAD-93C94E3E4238}"/>
+          </ac:spMkLst>
+        </pc:spChg>
+        <pc:spChg chg="mod">
+          <ac:chgData name="Lanvis Wei" userId="c4087bf9e86b8004" providerId="LiveId" clId="{12E56520-5880-4261-AD8D-C1FEB301CE45}" dt="2024-07-26T07:58:36.356" v="4845"/>
+          <ac:spMkLst>
+            <pc:docMk/>
+            <pc:sldMk cId="3760386326" sldId="265"/>
+            <ac:spMk id="34" creationId="{AF86DB49-B842-03B5-3B6A-FD0CD41A3BC7}"/>
+          </ac:spMkLst>
+        </pc:spChg>
+        <pc:spChg chg="add mod">
+          <ac:chgData name="Lanvis Wei" userId="c4087bf9e86b8004" providerId="LiveId" clId="{12E56520-5880-4261-AD8D-C1FEB301CE45}" dt="2024-07-26T07:58:36.356" v="4845"/>
+          <ac:spMkLst>
+            <pc:docMk/>
+            <pc:sldMk cId="3760386326" sldId="265"/>
+            <ac:spMk id="44" creationId="{88F7C146-7E0D-3117-0D2E-7133C0C85F9B}"/>
+          </ac:spMkLst>
+        </pc:spChg>
+        <pc:spChg chg="add mod">
+          <ac:chgData name="Lanvis Wei" userId="c4087bf9e86b8004" providerId="LiveId" clId="{12E56520-5880-4261-AD8D-C1FEB301CE45}" dt="2024-07-26T07:58:36.356" v="4845"/>
+          <ac:spMkLst>
+            <pc:docMk/>
+            <pc:sldMk cId="3760386326" sldId="265"/>
+            <ac:spMk id="49" creationId="{4C3FB225-FD03-4654-123F-A3C31AD03D7C}"/>
+          </ac:spMkLst>
+        </pc:spChg>
+        <pc:spChg chg="add mod">
+          <ac:chgData name="Lanvis Wei" userId="c4087bf9e86b8004" providerId="LiveId" clId="{12E56520-5880-4261-AD8D-C1FEB301CE45}" dt="2024-07-26T07:58:36.356" v="4845"/>
+          <ac:spMkLst>
+            <pc:docMk/>
+            <pc:sldMk cId="3760386326" sldId="265"/>
+            <ac:spMk id="50" creationId="{FDC340F0-A26D-108C-5CD0-95AD16862FBE}"/>
+          </ac:spMkLst>
+        </pc:spChg>
+        <pc:spChg chg="del mod">
+          <ac:chgData name="Lanvis Wei" userId="c4087bf9e86b8004" providerId="LiveId" clId="{12E56520-5880-4261-AD8D-C1FEB301CE45}" dt="2024-07-26T07:58:08.931" v="4838" actId="21"/>
           <ac:spMkLst>
             <pc:docMk/>
             <pc:sldMk cId="3760386326" sldId="265"/>
             <ac:spMk id="56" creationId="{7F72BE2B-E7E7-B027-131B-9B344B76268F}"/>
           </ac:spMkLst>
         </pc:spChg>
-        <pc:picChg chg="add mod">
-          <ac:chgData name="Lanvis Wei" userId="c4087bf9e86b8004" providerId="LiveId" clId="{12E56520-5880-4261-AD8D-C1FEB301CE45}" dt="2024-07-23T01:43:51.535" v="2325" actId="1076"/>
+        <pc:grpChg chg="del">
+          <ac:chgData name="Lanvis Wei" userId="c4087bf9e86b8004" providerId="LiveId" clId="{12E56520-5880-4261-AD8D-C1FEB301CE45}" dt="2024-07-26T07:58:08.931" v="4838" actId="21"/>
+          <ac:grpSpMkLst>
+            <pc:docMk/>
+            <pc:sldMk cId="3760386326" sldId="265"/>
+            <ac:grpSpMk id="4" creationId="{41A7E255-B053-A8AA-273A-8D5B91FFBF66}"/>
+          </ac:grpSpMkLst>
+        </pc:grpChg>
+        <pc:grpChg chg="add mod">
+          <ac:chgData name="Lanvis Wei" userId="c4087bf9e86b8004" providerId="LiveId" clId="{12E56520-5880-4261-AD8D-C1FEB301CE45}" dt="2024-07-26T07:58:36.356" v="4845"/>
+          <ac:grpSpMkLst>
+            <pc:docMk/>
+            <pc:sldMk cId="3760386326" sldId="265"/>
+            <ac:grpSpMk id="10" creationId="{7ADFB569-3F96-F48D-822E-0053B65C937C}"/>
+          </ac:grpSpMkLst>
+        </pc:grpChg>
+        <pc:grpChg chg="mod">
+          <ac:chgData name="Lanvis Wei" userId="c4087bf9e86b8004" providerId="LiveId" clId="{12E56520-5880-4261-AD8D-C1FEB301CE45}" dt="2024-07-26T07:58:36.356" v="4845"/>
+          <ac:grpSpMkLst>
+            <pc:docMk/>
+            <pc:sldMk cId="3760386326" sldId="265"/>
+            <ac:grpSpMk id="12" creationId="{FE12C8A3-A456-A03E-0039-125229E0F9CF}"/>
+          </ac:grpSpMkLst>
+        </pc:grpChg>
+        <pc:grpChg chg="mod">
+          <ac:chgData name="Lanvis Wei" userId="c4087bf9e86b8004" providerId="LiveId" clId="{12E56520-5880-4261-AD8D-C1FEB301CE45}" dt="2024-07-26T07:58:36.356" v="4845"/>
+          <ac:grpSpMkLst>
+            <pc:docMk/>
+            <pc:sldMk cId="3760386326" sldId="265"/>
+            <ac:grpSpMk id="13" creationId="{EA1636CE-DEF0-A42C-E870-5A6FAE3157CF}"/>
+          </ac:grpSpMkLst>
+        </pc:grpChg>
+        <pc:grpChg chg="mod">
+          <ac:chgData name="Lanvis Wei" userId="c4087bf9e86b8004" providerId="LiveId" clId="{12E56520-5880-4261-AD8D-C1FEB301CE45}" dt="2024-07-26T07:58:36.356" v="4845"/>
+          <ac:grpSpMkLst>
+            <pc:docMk/>
+            <pc:sldMk cId="3760386326" sldId="265"/>
+            <ac:grpSpMk id="31" creationId="{E6659C23-25D4-8629-AED6-DA346C032EE5}"/>
+          </ac:grpSpMkLst>
+        </pc:grpChg>
+        <pc:picChg chg="add del mod">
+          <ac:chgData name="Lanvis Wei" userId="c4087bf9e86b8004" providerId="LiveId" clId="{12E56520-5880-4261-AD8D-C1FEB301CE45}" dt="2024-07-26T07:58:08.931" v="4838" actId="21"/>
           <ac:picMkLst>
             <pc:docMk/>
             <pc:sldMk cId="3760386326" sldId="265"/>
             <ac:picMk id="7" creationId="{93C84BB0-693A-F73C-A755-011159FD9D50}"/>
           </ac:picMkLst>
         </pc:picChg>
-        <pc:picChg chg="add mod">
-          <ac:chgData name="Lanvis Wei" userId="c4087bf9e86b8004" providerId="LiveId" clId="{12E56520-5880-4261-AD8D-C1FEB301CE45}" dt="2024-07-23T01:44:08.212" v="2329" actId="1076"/>
+        <pc:picChg chg="add del mod">
+          <ac:chgData name="Lanvis Wei" userId="c4087bf9e86b8004" providerId="LiveId" clId="{12E56520-5880-4261-AD8D-C1FEB301CE45}" dt="2024-07-26T07:58:08.931" v="4838" actId="21"/>
           <ac:picMkLst>
             <pc:docMk/>
             <pc:sldMk cId="3760386326" sldId="265"/>
             <ac:picMk id="9" creationId="{EA24D344-7956-9328-78B3-ACC92D345A19}"/>
           </ac:picMkLst>
         </pc:picChg>
-        <pc:picChg chg="add mod">
-          <ac:chgData name="Lanvis Wei" userId="c4087bf9e86b8004" providerId="LiveId" clId="{12E56520-5880-4261-AD8D-C1FEB301CE45}" dt="2024-07-23T01:44:04.798" v="2328" actId="1076"/>
+        <pc:picChg chg="add del mod">
+          <ac:chgData name="Lanvis Wei" userId="c4087bf9e86b8004" providerId="LiveId" clId="{12E56520-5880-4261-AD8D-C1FEB301CE45}" dt="2024-07-26T07:58:08.931" v="4838" actId="21"/>
           <ac:picMkLst>
             <pc:docMk/>
             <pc:sldMk cId="3760386326" sldId="265"/>
@@ -1344,13 +2137,53 @@
             <ac:picMk id="24" creationId="{C48B40E8-B6C8-AAD2-97B2-4ABA2BB1FD17}"/>
           </ac:picMkLst>
         </pc:picChg>
+        <pc:picChg chg="add mod">
+          <ac:chgData name="Lanvis Wei" userId="c4087bf9e86b8004" providerId="LiveId" clId="{12E56520-5880-4261-AD8D-C1FEB301CE45}" dt="2024-07-26T07:58:36.356" v="4845"/>
+          <ac:picMkLst>
+            <pc:docMk/>
+            <pc:sldMk cId="3760386326" sldId="265"/>
+            <ac:picMk id="35" creationId="{68E16964-E8B9-A937-FB95-832FB1FAE53D}"/>
+          </ac:picMkLst>
+        </pc:picChg>
+        <pc:cxnChg chg="add mod">
+          <ac:chgData name="Lanvis Wei" userId="c4087bf9e86b8004" providerId="LiveId" clId="{12E56520-5880-4261-AD8D-C1FEB301CE45}" dt="2024-07-26T07:58:36.356" v="4845"/>
+          <ac:cxnSpMkLst>
+            <pc:docMk/>
+            <pc:sldMk cId="3760386326" sldId="265"/>
+            <ac:cxnSpMk id="8" creationId="{FA3EB65F-E73C-EE7E-72D3-AE3659373BD9}"/>
+          </ac:cxnSpMkLst>
+        </pc:cxnChg>
+        <pc:cxnChg chg="mod">
+          <ac:chgData name="Lanvis Wei" userId="c4087bf9e86b8004" providerId="LiveId" clId="{12E56520-5880-4261-AD8D-C1FEB301CE45}" dt="2024-07-26T07:58:36.356" v="4845"/>
+          <ac:cxnSpMkLst>
+            <pc:docMk/>
+            <pc:sldMk cId="3760386326" sldId="265"/>
+            <ac:cxnSpMk id="14" creationId="{9C07AD5F-8427-ED45-14CA-D5A40D3B3FCC}"/>
+          </ac:cxnSpMkLst>
+        </pc:cxnChg>
+        <pc:cxnChg chg="del">
+          <ac:chgData name="Lanvis Wei" userId="c4087bf9e86b8004" providerId="LiveId" clId="{12E56520-5880-4261-AD8D-C1FEB301CE45}" dt="2024-07-26T07:58:08.931" v="4838" actId="21"/>
+          <ac:cxnSpMkLst>
+            <pc:docMk/>
+            <pc:sldMk cId="3760386326" sldId="265"/>
+            <ac:cxnSpMk id="57" creationId="{7BC92922-FACD-26F8-1F9A-2A32832F0D3F}"/>
+          </ac:cxnSpMkLst>
+        </pc:cxnChg>
       </pc:sldChg>
       <pc:sldChg chg="addSp delSp modSp add mod">
-        <pc:chgData name="Lanvis Wei" userId="c4087bf9e86b8004" providerId="LiveId" clId="{12E56520-5880-4261-AD8D-C1FEB301CE45}" dt="2024-07-26T00:53:25.818" v="3180" actId="14100"/>
+        <pc:chgData name="Lanvis Wei" userId="c4087bf9e86b8004" providerId="LiveId" clId="{12E56520-5880-4261-AD8D-C1FEB301CE45}" dt="2024-07-26T07:58:23.822" v="4844" actId="20577"/>
         <pc:sldMkLst>
           <pc:docMk/>
           <pc:sldMk cId="1886454542" sldId="266"/>
         </pc:sldMkLst>
+        <pc:spChg chg="add mod">
+          <ac:chgData name="Lanvis Wei" userId="c4087bf9e86b8004" providerId="LiveId" clId="{12E56520-5880-4261-AD8D-C1FEB301CE45}" dt="2024-07-26T07:58:23.822" v="4844" actId="20577"/>
+          <ac:spMkLst>
+            <pc:docMk/>
+            <pc:sldMk cId="1886454542" sldId="266"/>
+            <ac:spMk id="5" creationId="{7F72BE2B-E7E7-B027-131B-9B344B76268F}"/>
+          </ac:spMkLst>
+        </pc:spChg>
         <pc:spChg chg="add del mod">
           <ac:chgData name="Lanvis Wei" userId="c4087bf9e86b8004" providerId="LiveId" clId="{12E56520-5880-4261-AD8D-C1FEB301CE45}" dt="2024-07-23T01:59:34.093" v="3140"/>
           <ac:spMkLst>
@@ -1359,16 +2192,16 @@
             <ac:spMk id="6" creationId="{97B54D04-4976-A757-D462-66805377C02D}"/>
           </ac:spMkLst>
         </pc:spChg>
-        <pc:spChg chg="add mod">
-          <ac:chgData name="Lanvis Wei" userId="c4087bf9e86b8004" providerId="LiveId" clId="{12E56520-5880-4261-AD8D-C1FEB301CE45}" dt="2024-07-23T03:31:31.942" v="3174" actId="403"/>
+        <pc:spChg chg="add del mod">
+          <ac:chgData name="Lanvis Wei" userId="c4087bf9e86b8004" providerId="LiveId" clId="{12E56520-5880-4261-AD8D-C1FEB301CE45}" dt="2024-07-26T07:58:14.996" v="4839" actId="478"/>
           <ac:spMkLst>
             <pc:docMk/>
             <pc:sldMk cId="1886454542" sldId="266"/>
             <ac:spMk id="7" creationId="{E5F047AE-4DDA-07D6-ABE1-BE1166055DDE}"/>
           </ac:spMkLst>
         </pc:spChg>
-        <pc:spChg chg="add mod">
-          <ac:chgData name="Lanvis Wei" userId="c4087bf9e86b8004" providerId="LiveId" clId="{12E56520-5880-4261-AD8D-C1FEB301CE45}" dt="2024-07-26T00:53:25.818" v="3180" actId="14100"/>
+        <pc:spChg chg="add del mod">
+          <ac:chgData name="Lanvis Wei" userId="c4087bf9e86b8004" providerId="LiveId" clId="{12E56520-5880-4261-AD8D-C1FEB301CE45}" dt="2024-07-26T07:58:14.996" v="4839" actId="478"/>
           <ac:spMkLst>
             <pc:docMk/>
             <pc:sldMk cId="1886454542" sldId="266"/>
@@ -1376,10 +2209,241 @@
           </ac:spMkLst>
         </pc:spChg>
         <pc:spChg chg="mod">
-          <ac:chgData name="Lanvis Wei" userId="c4087bf9e86b8004" providerId="LiveId" clId="{12E56520-5880-4261-AD8D-C1FEB301CE45}" dt="2024-07-23T01:13:40.817" v="1030" actId="20577"/>
+          <ac:chgData name="Lanvis Wei" userId="c4087bf9e86b8004" providerId="LiveId" clId="{12E56520-5880-4261-AD8D-C1FEB301CE45}" dt="2024-07-26T07:58:16.171" v="4840"/>
           <ac:spMkLst>
             <pc:docMk/>
             <pc:sldMk cId="1886454542" sldId="266"/>
+            <ac:spMk id="13" creationId="{68EA2866-E574-A66E-306D-F9FCFDCE83D2}"/>
+          </ac:spMkLst>
+        </pc:spChg>
+        <pc:spChg chg="mod">
+          <ac:chgData name="Lanvis Wei" userId="c4087bf9e86b8004" providerId="LiveId" clId="{12E56520-5880-4261-AD8D-C1FEB301CE45}" dt="2024-07-26T07:58:16.171" v="4840"/>
+          <ac:spMkLst>
+            <pc:docMk/>
+            <pc:sldMk cId="1886454542" sldId="266"/>
+            <ac:spMk id="14" creationId="{C6443E66-320E-9429-4B43-27F7561BCB60}"/>
+          </ac:spMkLst>
+        </pc:spChg>
+        <pc:spChg chg="mod">
+          <ac:chgData name="Lanvis Wei" userId="c4087bf9e86b8004" providerId="LiveId" clId="{12E56520-5880-4261-AD8D-C1FEB301CE45}" dt="2024-07-26T07:58:16.171" v="4840"/>
+          <ac:spMkLst>
+            <pc:docMk/>
+            <pc:sldMk cId="1886454542" sldId="266"/>
+            <ac:spMk id="16" creationId="{15C92FD1-5285-A907-4D3F-13574418D3AC}"/>
+          </ac:spMkLst>
+        </pc:spChg>
+        <pc:spChg chg="mod">
+          <ac:chgData name="Lanvis Wei" userId="c4087bf9e86b8004" providerId="LiveId" clId="{12E56520-5880-4261-AD8D-C1FEB301CE45}" dt="2024-07-26T07:58:16.171" v="4840"/>
+          <ac:spMkLst>
+            <pc:docMk/>
+            <pc:sldMk cId="1886454542" sldId="266"/>
+            <ac:spMk id="17" creationId="{28FBE5F2-A886-8EAD-67B0-5C36460B8C3D}"/>
+          </ac:spMkLst>
+        </pc:spChg>
+        <pc:spChg chg="mod">
+          <ac:chgData name="Lanvis Wei" userId="c4087bf9e86b8004" providerId="LiveId" clId="{12E56520-5880-4261-AD8D-C1FEB301CE45}" dt="2024-07-26T07:58:16.171" v="4840"/>
+          <ac:spMkLst>
+            <pc:docMk/>
+            <pc:sldMk cId="1886454542" sldId="266"/>
+            <ac:spMk id="18" creationId="{33F097D9-4B7B-78B5-E1A3-145F1C075D0B}"/>
+          </ac:spMkLst>
+        </pc:spChg>
+        <pc:spChg chg="mod">
+          <ac:chgData name="Lanvis Wei" userId="c4087bf9e86b8004" providerId="LiveId" clId="{12E56520-5880-4261-AD8D-C1FEB301CE45}" dt="2024-07-26T07:58:16.171" v="4840"/>
+          <ac:spMkLst>
+            <pc:docMk/>
+            <pc:sldMk cId="1886454542" sldId="266"/>
+            <ac:spMk id="19" creationId="{A5B4E23C-CC0A-DD8D-8FE5-E4245805527C}"/>
+          </ac:spMkLst>
+        </pc:spChg>
+        <pc:spChg chg="mod">
+          <ac:chgData name="Lanvis Wei" userId="c4087bf9e86b8004" providerId="LiveId" clId="{12E56520-5880-4261-AD8D-C1FEB301CE45}" dt="2024-07-26T07:58:16.171" v="4840"/>
+          <ac:spMkLst>
+            <pc:docMk/>
+            <pc:sldMk cId="1886454542" sldId="266"/>
+            <ac:spMk id="23" creationId="{EF4706A5-C9D1-4F60-6814-6EF85C16B556}"/>
+          </ac:spMkLst>
+        </pc:spChg>
+        <pc:spChg chg="mod">
+          <ac:chgData name="Lanvis Wei" userId="c4087bf9e86b8004" providerId="LiveId" clId="{12E56520-5880-4261-AD8D-C1FEB301CE45}" dt="2024-07-26T07:58:16.171" v="4840"/>
+          <ac:spMkLst>
+            <pc:docMk/>
+            <pc:sldMk cId="1886454542" sldId="266"/>
+            <ac:spMk id="24" creationId="{D5E5E82E-D8F9-CF64-56D2-7CA4DE848CE9}"/>
+          </ac:spMkLst>
+        </pc:spChg>
+        <pc:spChg chg="mod">
+          <ac:chgData name="Lanvis Wei" userId="c4087bf9e86b8004" providerId="LiveId" clId="{12E56520-5880-4261-AD8D-C1FEB301CE45}" dt="2024-07-26T07:58:16.171" v="4840"/>
+          <ac:spMkLst>
+            <pc:docMk/>
+            <pc:sldMk cId="1886454542" sldId="266"/>
+            <ac:spMk id="25" creationId="{8B87B70F-FD7A-ED0B-43CE-42C27F4D67C6}"/>
+          </ac:spMkLst>
+        </pc:spChg>
+        <pc:spChg chg="mod">
+          <ac:chgData name="Lanvis Wei" userId="c4087bf9e86b8004" providerId="LiveId" clId="{12E56520-5880-4261-AD8D-C1FEB301CE45}" dt="2024-07-26T07:58:16.171" v="4840"/>
+          <ac:spMkLst>
+            <pc:docMk/>
+            <pc:sldMk cId="1886454542" sldId="266"/>
+            <ac:spMk id="26" creationId="{E6A3AB82-6E87-FE06-5F2E-AA99AF350D57}"/>
+          </ac:spMkLst>
+        </pc:spChg>
+        <pc:spChg chg="mod">
+          <ac:chgData name="Lanvis Wei" userId="c4087bf9e86b8004" providerId="LiveId" clId="{12E56520-5880-4261-AD8D-C1FEB301CE45}" dt="2024-07-26T07:58:16.171" v="4840"/>
+          <ac:spMkLst>
+            <pc:docMk/>
+            <pc:sldMk cId="1886454542" sldId="266"/>
+            <ac:spMk id="27" creationId="{F0958A05-B844-5251-3354-A947D8CB6681}"/>
+          </ac:spMkLst>
+        </pc:spChg>
+        <pc:spChg chg="mod">
+          <ac:chgData name="Lanvis Wei" userId="c4087bf9e86b8004" providerId="LiveId" clId="{12E56520-5880-4261-AD8D-C1FEB301CE45}" dt="2024-07-26T07:58:16.171" v="4840"/>
+          <ac:spMkLst>
+            <pc:docMk/>
+            <pc:sldMk cId="1886454542" sldId="266"/>
+            <ac:spMk id="29" creationId="{D44440B1-5476-BD7B-FB8E-71296221D9E1}"/>
+          </ac:spMkLst>
+        </pc:spChg>
+        <pc:spChg chg="mod">
+          <ac:chgData name="Lanvis Wei" userId="c4087bf9e86b8004" providerId="LiveId" clId="{12E56520-5880-4261-AD8D-C1FEB301CE45}" dt="2024-07-26T07:58:16.171" v="4840"/>
+          <ac:spMkLst>
+            <pc:docMk/>
+            <pc:sldMk cId="1886454542" sldId="266"/>
+            <ac:spMk id="30" creationId="{72367E5D-B6AD-28BF-ABCA-A02638C77F4C}"/>
+          </ac:spMkLst>
+        </pc:spChg>
+        <pc:spChg chg="mod">
+          <ac:chgData name="Lanvis Wei" userId="c4087bf9e86b8004" providerId="LiveId" clId="{12E56520-5880-4261-AD8D-C1FEB301CE45}" dt="2024-07-26T07:58:16.171" v="4840"/>
+          <ac:spMkLst>
+            <pc:docMk/>
+            <pc:sldMk cId="1886454542" sldId="266"/>
+            <ac:spMk id="31" creationId="{476300C1-3641-B258-AF45-B88BF1432929}"/>
+          </ac:spMkLst>
+        </pc:spChg>
+        <pc:spChg chg="add mod">
+          <ac:chgData name="Lanvis Wei" userId="c4087bf9e86b8004" providerId="LiveId" clId="{12E56520-5880-4261-AD8D-C1FEB301CE45}" dt="2024-07-26T07:58:16.171" v="4840"/>
+          <ac:spMkLst>
+            <pc:docMk/>
+            <pc:sldMk cId="1886454542" sldId="266"/>
+            <ac:spMk id="32" creationId="{1AE86616-94F6-3138-20EE-1F61DA8FEC05}"/>
+          </ac:spMkLst>
+        </pc:spChg>
+        <pc:spChg chg="add mod">
+          <ac:chgData name="Lanvis Wei" userId="c4087bf9e86b8004" providerId="LiveId" clId="{12E56520-5880-4261-AD8D-C1FEB301CE45}" dt="2024-07-26T07:58:16.171" v="4840"/>
+          <ac:spMkLst>
+            <pc:docMk/>
+            <pc:sldMk cId="1886454542" sldId="266"/>
+            <ac:spMk id="44" creationId="{A8249EEA-6A43-54A1-532B-DE4E5D5CE9CE}"/>
+          </ac:spMkLst>
+        </pc:spChg>
+        <pc:spChg chg="del mod">
+          <ac:chgData name="Lanvis Wei" userId="c4087bf9e86b8004" providerId="LiveId" clId="{12E56520-5880-4261-AD8D-C1FEB301CE45}" dt="2024-07-26T07:58:14.996" v="4839" actId="478"/>
+          <ac:spMkLst>
+            <pc:docMk/>
+            <pc:sldMk cId="1886454542" sldId="266"/>
+            <ac:spMk id="56" creationId="{7F72BE2B-E7E7-B027-131B-9B344B76268F}"/>
+          </ac:spMkLst>
+        </pc:spChg>
+        <pc:grpChg chg="del">
+          <ac:chgData name="Lanvis Wei" userId="c4087bf9e86b8004" providerId="LiveId" clId="{12E56520-5880-4261-AD8D-C1FEB301CE45}" dt="2024-07-26T07:58:14.996" v="4839" actId="478"/>
+          <ac:grpSpMkLst>
+            <pc:docMk/>
+            <pc:sldMk cId="1886454542" sldId="266"/>
+            <ac:grpSpMk id="4" creationId="{41A7E255-B053-A8AA-273A-8D5B91FFBF66}"/>
+          </ac:grpSpMkLst>
+        </pc:grpChg>
+        <pc:grpChg chg="add mod">
+          <ac:chgData name="Lanvis Wei" userId="c4087bf9e86b8004" providerId="LiveId" clId="{12E56520-5880-4261-AD8D-C1FEB301CE45}" dt="2024-07-26T07:58:16.171" v="4840"/>
+          <ac:grpSpMkLst>
+            <pc:docMk/>
+            <pc:sldMk cId="1886454542" sldId="266"/>
+            <ac:grpSpMk id="9" creationId="{41A7E255-B053-A8AA-273A-8D5B91FFBF66}"/>
+          </ac:grpSpMkLst>
+        </pc:grpChg>
+        <pc:grpChg chg="mod">
+          <ac:chgData name="Lanvis Wei" userId="c4087bf9e86b8004" providerId="LiveId" clId="{12E56520-5880-4261-AD8D-C1FEB301CE45}" dt="2024-07-26T07:58:16.171" v="4840"/>
+          <ac:grpSpMkLst>
+            <pc:docMk/>
+            <pc:sldMk cId="1886454542" sldId="266"/>
+            <ac:grpSpMk id="10" creationId="{520EBE1C-11DF-EF97-097D-55925C20857C}"/>
+          </ac:grpSpMkLst>
+        </pc:grpChg>
+        <pc:grpChg chg="mod">
+          <ac:chgData name="Lanvis Wei" userId="c4087bf9e86b8004" providerId="LiveId" clId="{12E56520-5880-4261-AD8D-C1FEB301CE45}" dt="2024-07-26T07:58:16.171" v="4840"/>
+          <ac:grpSpMkLst>
+            <pc:docMk/>
+            <pc:sldMk cId="1886454542" sldId="266"/>
+            <ac:grpSpMk id="11" creationId="{E02A1AEE-05A1-3C1A-C076-052707EA7CB3}"/>
+          </ac:grpSpMkLst>
+        </pc:grpChg>
+        <pc:grpChg chg="mod">
+          <ac:chgData name="Lanvis Wei" userId="c4087bf9e86b8004" providerId="LiveId" clId="{12E56520-5880-4261-AD8D-C1FEB301CE45}" dt="2024-07-26T07:58:16.171" v="4840"/>
+          <ac:grpSpMkLst>
+            <pc:docMk/>
+            <pc:sldMk cId="1886454542" sldId="266"/>
+            <ac:grpSpMk id="28" creationId="{3B827767-4FDB-21CD-9974-B7F17C1DCF64}"/>
+          </ac:grpSpMkLst>
+        </pc:grpChg>
+        <pc:picChg chg="add mod">
+          <ac:chgData name="Lanvis Wei" userId="c4087bf9e86b8004" providerId="LiveId" clId="{12E56520-5880-4261-AD8D-C1FEB301CE45}" dt="2024-07-26T07:58:16.171" v="4840"/>
+          <ac:picMkLst>
+            <pc:docMk/>
+            <pc:sldMk cId="1886454542" sldId="266"/>
+            <ac:picMk id="33" creationId="{93C84BB0-693A-F73C-A755-011159FD9D50}"/>
+          </ac:picMkLst>
+        </pc:picChg>
+        <pc:picChg chg="add mod">
+          <ac:chgData name="Lanvis Wei" userId="c4087bf9e86b8004" providerId="LiveId" clId="{12E56520-5880-4261-AD8D-C1FEB301CE45}" dt="2024-07-26T07:58:16.171" v="4840"/>
+          <ac:picMkLst>
+            <pc:docMk/>
+            <pc:sldMk cId="1886454542" sldId="266"/>
+            <ac:picMk id="34" creationId="{EA24D344-7956-9328-78B3-ACC92D345A19}"/>
+          </ac:picMkLst>
+        </pc:picChg>
+        <pc:picChg chg="add mod">
+          <ac:chgData name="Lanvis Wei" userId="c4087bf9e86b8004" providerId="LiveId" clId="{12E56520-5880-4261-AD8D-C1FEB301CE45}" dt="2024-07-26T07:58:16.171" v="4840"/>
+          <ac:picMkLst>
+            <pc:docMk/>
+            <pc:sldMk cId="1886454542" sldId="266"/>
+            <ac:picMk id="35" creationId="{4818C7FF-7EF2-955B-40E1-21196A4DAB68}"/>
+          </ac:picMkLst>
+        </pc:picChg>
+        <pc:cxnChg chg="add mod">
+          <ac:chgData name="Lanvis Wei" userId="c4087bf9e86b8004" providerId="LiveId" clId="{12E56520-5880-4261-AD8D-C1FEB301CE45}" dt="2024-07-26T07:58:16.171" v="4840"/>
+          <ac:cxnSpMkLst>
+            <pc:docMk/>
+            <pc:sldMk cId="1886454542" sldId="266"/>
+            <ac:cxnSpMk id="6" creationId="{7BC92922-FACD-26F8-1F9A-2A32832F0D3F}"/>
+          </ac:cxnSpMkLst>
+        </pc:cxnChg>
+        <pc:cxnChg chg="mod">
+          <ac:chgData name="Lanvis Wei" userId="c4087bf9e86b8004" providerId="LiveId" clId="{12E56520-5880-4261-AD8D-C1FEB301CE45}" dt="2024-07-26T07:58:16.171" v="4840"/>
+          <ac:cxnSpMkLst>
+            <pc:docMk/>
+            <pc:sldMk cId="1886454542" sldId="266"/>
+            <ac:cxnSpMk id="12" creationId="{2145E8E4-CFBF-11E6-DD11-1E6CB03379FB}"/>
+          </ac:cxnSpMkLst>
+        </pc:cxnChg>
+        <pc:cxnChg chg="del">
+          <ac:chgData name="Lanvis Wei" userId="c4087bf9e86b8004" providerId="LiveId" clId="{12E56520-5880-4261-AD8D-C1FEB301CE45}" dt="2024-07-26T07:58:14.996" v="4839" actId="478"/>
+          <ac:cxnSpMkLst>
+            <pc:docMk/>
+            <pc:sldMk cId="1886454542" sldId="266"/>
+            <ac:cxnSpMk id="57" creationId="{7BC92922-FACD-26F8-1F9A-2A32832F0D3F}"/>
+          </ac:cxnSpMkLst>
+        </pc:cxnChg>
+      </pc:sldChg>
+      <pc:sldChg chg="modSp add mod">
+        <pc:chgData name="Lanvis Wei" userId="c4087bf9e86b8004" providerId="LiveId" clId="{12E56520-5880-4261-AD8D-C1FEB301CE45}" dt="2024-07-26T07:57:54.687" v="4837" actId="20577"/>
+        <pc:sldMkLst>
+          <pc:docMk/>
+          <pc:sldMk cId="4003829335" sldId="267"/>
+        </pc:sldMkLst>
+        <pc:spChg chg="mod">
+          <ac:chgData name="Lanvis Wei" userId="c4087bf9e86b8004" providerId="LiveId" clId="{12E56520-5880-4261-AD8D-C1FEB301CE45}" dt="2024-07-26T07:57:54.687" v="4837" actId="20577"/>
+          <ac:spMkLst>
+            <pc:docMk/>
+            <pc:sldMk cId="4003829335" sldId="267"/>
             <ac:spMk id="56" creationId="{7F72BE2B-E7E7-B027-131B-9B344B76268F}"/>
           </ac:spMkLst>
         </pc:spChg>
@@ -7727,8 +8791,8 @@
         </p:nvSpPr>
         <p:spPr>
           <a:xfrm>
-            <a:off x="1111180" y="2719899"/>
-            <a:ext cx="2459328" cy="276999"/>
+            <a:off x="2572206" y="2719899"/>
+            <a:ext cx="1890261" cy="276999"/>
           </a:xfrm>
           <a:prstGeom prst="rect">
             <a:avLst/>
@@ -7747,12 +8811,43 @@
                 <a:latin typeface="臺灣道路體 1.0 Regular" panose="020B0506020000000000" pitchFamily="34" charset="-120"/>
                 <a:ea typeface="臺灣道路體 1.0 Regular" panose="020B0506020000000000" pitchFamily="34" charset="-120"/>
               </a:rPr>
-              <a:t>-Python, Machine Learning, Window and Web viewer.</a:t>
+              <a:t>-</a:t>
             </a:r>
-            <a:endParaRPr lang="zh-TW" altLang="en-US" sz="1200" dirty="0">
-              <a:latin typeface="臺灣道路體 1.0 Regular" panose="020B0506020000000000" pitchFamily="34" charset="-120"/>
-              <a:ea typeface="臺灣道路體 1.0 Regular" panose="020B0506020000000000" pitchFamily="34" charset="-120"/>
-            </a:endParaRPr>
+            <a:r>
+              <a:rPr lang="zh-TW" altLang="en-US" sz="1200" dirty="0">
+                <a:latin typeface="臺灣道路體 1.0 Regular" panose="020B0506020000000000" pitchFamily="34" charset="-120"/>
+                <a:ea typeface="臺灣道路體 1.0 Regular" panose="020B0506020000000000" pitchFamily="34" charset="-120"/>
+              </a:rPr>
+              <a:t>溫度趨勢以及太陽能系統</a:t>
+            </a:r>
+            <a:r>
+              <a:rPr lang="en-US" altLang="zh-TW" sz="1200" dirty="0">
+                <a:latin typeface="臺灣道路體 1.0 Regular" panose="020B0506020000000000" pitchFamily="34" charset="-120"/>
+                <a:ea typeface="臺灣道路體 1.0 Regular" panose="020B0506020000000000" pitchFamily="34" charset="-120"/>
+              </a:rPr>
+              <a:t>(</a:t>
+            </a:r>
+            <a:r>
+              <a:rPr lang="zh-TW" altLang="en-US" sz="1200" dirty="0">
+                <a:latin typeface="臺灣道路體 1.0 Regular" panose="020B0506020000000000" pitchFamily="34" charset="-120"/>
+                <a:ea typeface="臺灣道路體 1.0 Regular" panose="020B0506020000000000" pitchFamily="34" charset="-120"/>
+              </a:rPr>
+              <a:t>私人電廠</a:t>
+            </a:r>
+            <a:r>
+              <a:rPr lang="en-US" altLang="zh-TW" sz="1200" dirty="0">
+                <a:latin typeface="臺灣道路體 1.0 Regular" panose="020B0506020000000000" pitchFamily="34" charset="-120"/>
+                <a:ea typeface="臺灣道路體 1.0 Regular" panose="020B0506020000000000" pitchFamily="34" charset="-120"/>
+              </a:rPr>
+              <a:t>)</a:t>
+            </a:r>
+            <a:r>
+              <a:rPr lang="zh-TW" altLang="en-US" sz="1200" dirty="0">
+                <a:latin typeface="臺灣道路體 1.0 Regular" panose="020B0506020000000000" pitchFamily="34" charset="-120"/>
+                <a:ea typeface="臺灣道路體 1.0 Regular" panose="020B0506020000000000" pitchFamily="34" charset="-120"/>
+              </a:rPr>
+              <a:t>建置評估</a:t>
+            </a:r>
           </a:p>
         </p:txBody>
       </p:sp>
@@ -7788,7 +8883,1349 @@
       </p:grpSpPr>
       <p:sp>
         <p:nvSpPr>
-          <p:cNvPr id="56" name="橢圓 55">
+          <p:cNvPr id="6" name="橢圓 5">
+            <a:hlinkClick r:id="rId2" action="ppaction://hlinksldjump"/>
+            <a:extLst>
+              <a:ext uri="{FF2B5EF4-FFF2-40B4-BE49-F238E27FC236}">
+                <a16:creationId xmlns:a16="http://schemas.microsoft.com/office/drawing/2014/main" id="{44BFC6EE-0511-E347-D883-8A9646EE63A1}"/>
+              </a:ext>
+            </a:extLst>
+          </p:cNvPr>
+          <p:cNvSpPr/>
+          <p:nvPr/>
+        </p:nvSpPr>
+        <p:spPr>
+          <a:xfrm>
+            <a:off x="11607749" y="6359054"/>
+            <a:ext cx="430331" cy="430331"/>
+          </a:xfrm>
+          <a:prstGeom prst="ellipse">
+            <a:avLst/>
+          </a:prstGeom>
+          <a:solidFill>
+            <a:schemeClr val="tx2">
+              <a:lumMod val="75000"/>
+            </a:schemeClr>
+          </a:solidFill>
+          <a:ln>
+            <a:noFill/>
+          </a:ln>
+          <a:effectLst>
+            <a:outerShdw blurRad="50800" dist="38100" dir="2700000" algn="tl" rotWithShape="0">
+              <a:prstClr val="black">
+                <a:alpha val="40000"/>
+              </a:prstClr>
+            </a:outerShdw>
+          </a:effectLst>
+        </p:spPr>
+        <p:style>
+          <a:lnRef idx="2">
+            <a:schemeClr val="accent1">
+              <a:shade val="15000"/>
+            </a:schemeClr>
+          </a:lnRef>
+          <a:fillRef idx="1">
+            <a:schemeClr val="accent1"/>
+          </a:fillRef>
+          <a:effectRef idx="0">
+            <a:schemeClr val="accent1"/>
+          </a:effectRef>
+          <a:fontRef idx="minor">
+            <a:schemeClr val="lt1"/>
+          </a:fontRef>
+        </p:style>
+        <p:txBody>
+          <a:bodyPr rtlCol="0" anchor="ctr"/>
+          <a:lstStyle/>
+          <a:p>
+            <a:pPr algn="ctr"/>
+            <a:r>
+              <a:rPr lang="en-US" altLang="zh-TW" sz="1200" dirty="0">
+                <a:latin typeface="臺灣道路體 1.0 Regular" panose="020B0506020000000000" pitchFamily="34" charset="-120"/>
+                <a:ea typeface="臺灣道路體 1.0 Regular" panose="020B0506020000000000" pitchFamily="34" charset="-120"/>
+              </a:rPr>
+              <a:t>09</a:t>
+            </a:r>
+          </a:p>
+        </p:txBody>
+      </p:sp>
+      <p:cxnSp>
+        <p:nvCxnSpPr>
+          <p:cNvPr id="8" name="直線接點 7">
+            <a:extLst>
+              <a:ext uri="{FF2B5EF4-FFF2-40B4-BE49-F238E27FC236}">
+                <a16:creationId xmlns:a16="http://schemas.microsoft.com/office/drawing/2014/main" id="{FA3EB65F-E73C-EE7E-72D3-AE3659373BD9}"/>
+              </a:ext>
+            </a:extLst>
+          </p:cNvPr>
+          <p:cNvCxnSpPr>
+            <a:cxnSpLocks/>
+          </p:cNvCxnSpPr>
+          <p:nvPr/>
+        </p:nvCxnSpPr>
+        <p:spPr>
+          <a:xfrm flipV="1">
+            <a:off x="10430294" y="6574219"/>
+            <a:ext cx="1177455" cy="1"/>
+          </a:xfrm>
+          <a:prstGeom prst="line">
+            <a:avLst/>
+          </a:prstGeom>
+          <a:ln>
+            <a:solidFill>
+              <a:schemeClr val="accent3"/>
+            </a:solidFill>
+          </a:ln>
+        </p:spPr>
+        <p:style>
+          <a:lnRef idx="1">
+            <a:schemeClr val="accent1"/>
+          </a:lnRef>
+          <a:fillRef idx="0">
+            <a:schemeClr val="accent1"/>
+          </a:fillRef>
+          <a:effectRef idx="0">
+            <a:schemeClr val="accent1"/>
+          </a:effectRef>
+          <a:fontRef idx="minor">
+            <a:schemeClr val="tx1"/>
+          </a:fontRef>
+        </p:style>
+      </p:cxnSp>
+      <p:grpSp>
+        <p:nvGrpSpPr>
+          <p:cNvPr id="10" name="群組 9">
+            <a:extLst>
+              <a:ext uri="{FF2B5EF4-FFF2-40B4-BE49-F238E27FC236}">
+                <a16:creationId xmlns:a16="http://schemas.microsoft.com/office/drawing/2014/main" id="{7ADFB569-3F96-F48D-822E-0053B65C937C}"/>
+              </a:ext>
+            </a:extLst>
+          </p:cNvPr>
+          <p:cNvGrpSpPr/>
+          <p:nvPr/>
+        </p:nvGrpSpPr>
+        <p:grpSpPr>
+          <a:xfrm>
+            <a:off x="243333" y="260399"/>
+            <a:ext cx="2790779" cy="1936892"/>
+            <a:chOff x="591351" y="308165"/>
+            <a:chExt cx="4090635" cy="2839035"/>
+          </a:xfrm>
+        </p:grpSpPr>
+        <p:grpSp>
+          <p:nvGrpSpPr>
+            <p:cNvPr id="12" name="群組 11">
+              <a:extLst>
+                <a:ext uri="{FF2B5EF4-FFF2-40B4-BE49-F238E27FC236}">
+                  <a16:creationId xmlns:a16="http://schemas.microsoft.com/office/drawing/2014/main" id="{FE12C8A3-A456-A03E-0039-125229E0F9CF}"/>
+                </a:ext>
+              </a:extLst>
+            </p:cNvPr>
+            <p:cNvGrpSpPr/>
+            <p:nvPr/>
+          </p:nvGrpSpPr>
+          <p:grpSpPr>
+            <a:xfrm>
+              <a:off x="1404681" y="1093736"/>
+              <a:ext cx="1613902" cy="1613902"/>
+              <a:chOff x="1276314" y="759880"/>
+              <a:chExt cx="3106616" cy="3106616"/>
+            </a:xfrm>
+          </p:grpSpPr>
+          <p:grpSp>
+            <p:nvGrpSpPr>
+              <p:cNvPr id="31" name="群組 30">
+                <a:extLst>
+                  <a:ext uri="{FF2B5EF4-FFF2-40B4-BE49-F238E27FC236}">
+                    <a16:creationId xmlns:a16="http://schemas.microsoft.com/office/drawing/2014/main" id="{E6659C23-25D4-8629-AED6-DA346C032EE5}"/>
+                  </a:ext>
+                </a:extLst>
+              </p:cNvPr>
+              <p:cNvGrpSpPr/>
+              <p:nvPr/>
+            </p:nvGrpSpPr>
+            <p:grpSpPr>
+              <a:xfrm>
+                <a:off x="1276314" y="759880"/>
+                <a:ext cx="3106616" cy="3106616"/>
+                <a:chOff x="1514103" y="938728"/>
+                <a:chExt cx="2467708" cy="2467708"/>
+              </a:xfrm>
+            </p:grpSpPr>
+            <p:sp>
+              <p:nvSpPr>
+                <p:cNvPr id="33" name="弧形 32">
+                  <a:extLst>
+                    <a:ext uri="{FF2B5EF4-FFF2-40B4-BE49-F238E27FC236}">
+                      <a16:creationId xmlns:a16="http://schemas.microsoft.com/office/drawing/2014/main" id="{CD527EBC-0081-A0E6-2DAD-93C94E3E4238}"/>
+                    </a:ext>
+                  </a:extLst>
+                </p:cNvPr>
+                <p:cNvSpPr/>
+                <p:nvPr/>
+              </p:nvSpPr>
+              <p:spPr>
+                <a:xfrm rot="17787797">
+                  <a:off x="1514103" y="938728"/>
+                  <a:ext cx="2467708" cy="2467708"/>
+                </a:xfrm>
+                <a:prstGeom prst="arc">
+                  <a:avLst>
+                    <a:gd name="adj1" fmla="val 16200000"/>
+                    <a:gd name="adj2" fmla="val 13045664"/>
+                  </a:avLst>
+                </a:prstGeom>
+                <a:ln w="9525">
+                  <a:solidFill>
+                    <a:schemeClr val="tx1">
+                      <a:lumMod val="65000"/>
+                      <a:lumOff val="35000"/>
+                    </a:schemeClr>
+                  </a:solidFill>
+                </a:ln>
+              </p:spPr>
+              <p:style>
+                <a:lnRef idx="3">
+                  <a:schemeClr val="accent3"/>
+                </a:lnRef>
+                <a:fillRef idx="0">
+                  <a:schemeClr val="accent3"/>
+                </a:fillRef>
+                <a:effectRef idx="2">
+                  <a:schemeClr val="accent3"/>
+                </a:effectRef>
+                <a:fontRef idx="minor">
+                  <a:schemeClr val="tx1"/>
+                </a:fontRef>
+              </p:style>
+              <p:txBody>
+                <a:bodyPr rtlCol="0" anchor="ctr"/>
+                <a:lstStyle/>
+                <a:p>
+                  <a:pPr algn="ctr"/>
+                  <a:endParaRPr lang="zh-TW" altLang="en-US" dirty="0"/>
+                </a:p>
+              </p:txBody>
+            </p:sp>
+            <p:sp>
+              <p:nvSpPr>
+                <p:cNvPr id="34" name="橢圓 33">
+                  <a:extLst>
+                    <a:ext uri="{FF2B5EF4-FFF2-40B4-BE49-F238E27FC236}">
+                      <a16:creationId xmlns:a16="http://schemas.microsoft.com/office/drawing/2014/main" id="{AF86DB49-B842-03B5-3B6A-FD0CD41A3BC7}"/>
+                    </a:ext>
+                  </a:extLst>
+                </p:cNvPr>
+                <p:cNvSpPr/>
+                <p:nvPr/>
+              </p:nvSpPr>
+              <p:spPr>
+                <a:xfrm>
+                  <a:off x="1618836" y="1590103"/>
+                  <a:ext cx="55052" cy="55052"/>
+                </a:xfrm>
+                <a:prstGeom prst="ellipse">
+                  <a:avLst/>
+                </a:prstGeom>
+                <a:solidFill>
+                  <a:schemeClr val="bg2">
+                    <a:lumMod val="50000"/>
+                  </a:schemeClr>
+                </a:solidFill>
+                <a:ln>
+                  <a:noFill/>
+                </a:ln>
+              </p:spPr>
+              <p:style>
+                <a:lnRef idx="2">
+                  <a:schemeClr val="accent1">
+                    <a:shade val="15000"/>
+                  </a:schemeClr>
+                </a:lnRef>
+                <a:fillRef idx="1">
+                  <a:schemeClr val="accent1"/>
+                </a:fillRef>
+                <a:effectRef idx="0">
+                  <a:schemeClr val="accent1"/>
+                </a:effectRef>
+                <a:fontRef idx="minor">
+                  <a:schemeClr val="lt1"/>
+                </a:fontRef>
+              </p:style>
+              <p:txBody>
+                <a:bodyPr rtlCol="0" anchor="ctr"/>
+                <a:lstStyle/>
+                <a:p>
+                  <a:pPr algn="ctr"/>
+                  <a:endParaRPr lang="zh-TW" altLang="en-US"/>
+                </a:p>
+              </p:txBody>
+            </p:sp>
+          </p:grpSp>
+          <p:sp>
+            <p:nvSpPr>
+              <p:cNvPr id="32" name="橢圓 31">
+                <a:extLst>
+                  <a:ext uri="{FF2B5EF4-FFF2-40B4-BE49-F238E27FC236}">
+                    <a16:creationId xmlns:a16="http://schemas.microsoft.com/office/drawing/2014/main" id="{BCC0455B-FDE9-5735-19A6-34BB0161E0C7}"/>
+                  </a:ext>
+                </a:extLst>
+              </p:cNvPr>
+              <p:cNvSpPr/>
+              <p:nvPr/>
+            </p:nvSpPr>
+            <p:spPr>
+              <a:xfrm>
+                <a:off x="1408162" y="2953264"/>
+                <a:ext cx="69305" cy="69305"/>
+              </a:xfrm>
+              <a:prstGeom prst="ellipse">
+                <a:avLst/>
+              </a:prstGeom>
+              <a:solidFill>
+                <a:schemeClr val="bg2">
+                  <a:lumMod val="50000"/>
+                </a:schemeClr>
+              </a:solidFill>
+              <a:ln>
+                <a:noFill/>
+              </a:ln>
+            </p:spPr>
+            <p:style>
+              <a:lnRef idx="2">
+                <a:schemeClr val="accent1">
+                  <a:shade val="15000"/>
+                </a:schemeClr>
+              </a:lnRef>
+              <a:fillRef idx="1">
+                <a:schemeClr val="accent1"/>
+              </a:fillRef>
+              <a:effectRef idx="0">
+                <a:schemeClr val="accent1"/>
+              </a:effectRef>
+              <a:fontRef idx="minor">
+                <a:schemeClr val="lt1"/>
+              </a:fontRef>
+            </p:style>
+            <p:txBody>
+              <a:bodyPr rtlCol="0" anchor="ctr"/>
+              <a:lstStyle/>
+              <a:p>
+                <a:pPr algn="ctr"/>
+                <a:endParaRPr lang="zh-TW" altLang="en-US" dirty="0"/>
+              </a:p>
+            </p:txBody>
+          </p:sp>
+        </p:grpSp>
+        <p:grpSp>
+          <p:nvGrpSpPr>
+            <p:cNvPr id="13" name="群組 12">
+              <a:extLst>
+                <a:ext uri="{FF2B5EF4-FFF2-40B4-BE49-F238E27FC236}">
+                  <a16:creationId xmlns:a16="http://schemas.microsoft.com/office/drawing/2014/main" id="{EA1636CE-DEF0-A42C-E870-5A6FAE3157CF}"/>
+                </a:ext>
+              </a:extLst>
+            </p:cNvPr>
+            <p:cNvGrpSpPr/>
+            <p:nvPr/>
+          </p:nvGrpSpPr>
+          <p:grpSpPr>
+            <a:xfrm>
+              <a:off x="591351" y="308165"/>
+              <a:ext cx="2380727" cy="2611820"/>
+              <a:chOff x="2270326" y="1361858"/>
+              <a:chExt cx="3576074" cy="3923197"/>
+            </a:xfrm>
+          </p:grpSpPr>
+          <p:sp>
+            <p:nvSpPr>
+              <p:cNvPr id="24" name="橢圓 23">
+                <a:extLst>
+                  <a:ext uri="{FF2B5EF4-FFF2-40B4-BE49-F238E27FC236}">
+                    <a16:creationId xmlns:a16="http://schemas.microsoft.com/office/drawing/2014/main" id="{603AC88B-D055-8FF3-2F3A-DB46D035CF78}"/>
+                  </a:ext>
+                </a:extLst>
+              </p:cNvPr>
+              <p:cNvSpPr/>
+              <p:nvPr/>
+            </p:nvSpPr>
+            <p:spPr>
+              <a:xfrm>
+                <a:off x="3387969" y="2638641"/>
+                <a:ext cx="281353" cy="281353"/>
+              </a:xfrm>
+              <a:prstGeom prst="ellipse">
+                <a:avLst/>
+              </a:prstGeom>
+              <a:solidFill>
+                <a:schemeClr val="accent1">
+                  <a:lumMod val="20000"/>
+                  <a:lumOff val="80000"/>
+                </a:schemeClr>
+              </a:solidFill>
+              <a:ln>
+                <a:noFill/>
+              </a:ln>
+            </p:spPr>
+            <p:style>
+              <a:lnRef idx="2">
+                <a:schemeClr val="accent1">
+                  <a:shade val="15000"/>
+                </a:schemeClr>
+              </a:lnRef>
+              <a:fillRef idx="1">
+                <a:schemeClr val="accent1"/>
+              </a:fillRef>
+              <a:effectRef idx="0">
+                <a:schemeClr val="accent1"/>
+              </a:effectRef>
+              <a:fontRef idx="minor">
+                <a:schemeClr val="lt1"/>
+              </a:fontRef>
+            </p:style>
+            <p:txBody>
+              <a:bodyPr rtlCol="0" anchor="ctr"/>
+              <a:lstStyle/>
+              <a:p>
+                <a:pPr algn="ctr"/>
+                <a:endParaRPr lang="zh-TW" altLang="en-US"/>
+              </a:p>
+            </p:txBody>
+          </p:sp>
+          <p:sp>
+            <p:nvSpPr>
+              <p:cNvPr id="25" name="橢圓 24">
+                <a:extLst>
+                  <a:ext uri="{FF2B5EF4-FFF2-40B4-BE49-F238E27FC236}">
+                    <a16:creationId xmlns:a16="http://schemas.microsoft.com/office/drawing/2014/main" id="{48885D19-EE2B-53D8-B3A6-40C2E9E3A4EE}"/>
+                  </a:ext>
+                </a:extLst>
+              </p:cNvPr>
+              <p:cNvSpPr/>
+              <p:nvPr/>
+            </p:nvSpPr>
+            <p:spPr>
+              <a:xfrm>
+                <a:off x="2824610" y="1361858"/>
+                <a:ext cx="746313" cy="746313"/>
+              </a:xfrm>
+              <a:prstGeom prst="ellipse">
+                <a:avLst/>
+              </a:prstGeom>
+              <a:solidFill>
+                <a:schemeClr val="tx1">
+                  <a:lumMod val="65000"/>
+                  <a:lumOff val="35000"/>
+                </a:schemeClr>
+              </a:solidFill>
+              <a:ln>
+                <a:noFill/>
+              </a:ln>
+            </p:spPr>
+            <p:style>
+              <a:lnRef idx="2">
+                <a:schemeClr val="accent1">
+                  <a:shade val="15000"/>
+                </a:schemeClr>
+              </a:lnRef>
+              <a:fillRef idx="1">
+                <a:schemeClr val="accent1"/>
+              </a:fillRef>
+              <a:effectRef idx="0">
+                <a:schemeClr val="accent1"/>
+              </a:effectRef>
+              <a:fontRef idx="minor">
+                <a:schemeClr val="lt1"/>
+              </a:fontRef>
+            </p:style>
+            <p:txBody>
+              <a:bodyPr rtlCol="0" anchor="ctr"/>
+              <a:lstStyle/>
+              <a:p>
+                <a:pPr algn="ctr"/>
+                <a:endParaRPr lang="zh-TW" altLang="en-US"/>
+              </a:p>
+            </p:txBody>
+          </p:sp>
+          <p:sp>
+            <p:nvSpPr>
+              <p:cNvPr id="26" name="橢圓 25">
+                <a:extLst>
+                  <a:ext uri="{FF2B5EF4-FFF2-40B4-BE49-F238E27FC236}">
+                    <a16:creationId xmlns:a16="http://schemas.microsoft.com/office/drawing/2014/main" id="{C26055E7-12EA-6024-556C-056010452F2F}"/>
+                  </a:ext>
+                </a:extLst>
+              </p:cNvPr>
+              <p:cNvSpPr/>
+              <p:nvPr/>
+            </p:nvSpPr>
+            <p:spPr>
+              <a:xfrm>
+                <a:off x="5321302" y="2058377"/>
+                <a:ext cx="70339" cy="70339"/>
+              </a:xfrm>
+              <a:prstGeom prst="ellipse">
+                <a:avLst/>
+              </a:prstGeom>
+              <a:solidFill>
+                <a:schemeClr val="bg2">
+                  <a:lumMod val="75000"/>
+                </a:schemeClr>
+              </a:solidFill>
+              <a:ln>
+                <a:noFill/>
+              </a:ln>
+            </p:spPr>
+            <p:style>
+              <a:lnRef idx="2">
+                <a:schemeClr val="accent1">
+                  <a:shade val="15000"/>
+                </a:schemeClr>
+              </a:lnRef>
+              <a:fillRef idx="1">
+                <a:schemeClr val="accent1"/>
+              </a:fillRef>
+              <a:effectRef idx="0">
+                <a:schemeClr val="accent1"/>
+              </a:effectRef>
+              <a:fontRef idx="minor">
+                <a:schemeClr val="lt1"/>
+              </a:fontRef>
+            </p:style>
+            <p:txBody>
+              <a:bodyPr rtlCol="0" anchor="ctr"/>
+              <a:lstStyle/>
+              <a:p>
+                <a:pPr algn="ctr"/>
+                <a:endParaRPr lang="zh-TW" altLang="en-US"/>
+              </a:p>
+            </p:txBody>
+          </p:sp>
+          <p:sp>
+            <p:nvSpPr>
+              <p:cNvPr id="27" name="橢圓 26">
+                <a:extLst>
+                  <a:ext uri="{FF2B5EF4-FFF2-40B4-BE49-F238E27FC236}">
+                    <a16:creationId xmlns:a16="http://schemas.microsoft.com/office/drawing/2014/main" id="{C98F0288-9B35-59E5-5748-D6BE6E3B0BCA}"/>
+                  </a:ext>
+                </a:extLst>
+              </p:cNvPr>
+              <p:cNvSpPr/>
+              <p:nvPr/>
+            </p:nvSpPr>
+            <p:spPr>
+              <a:xfrm>
+                <a:off x="3594911" y="2628229"/>
+                <a:ext cx="2251489" cy="2251489"/>
+              </a:xfrm>
+              <a:prstGeom prst="ellipse">
+                <a:avLst/>
+              </a:prstGeom>
+              <a:solidFill>
+                <a:schemeClr val="tx2">
+                  <a:lumMod val="40000"/>
+                  <a:lumOff val="60000"/>
+                  <a:alpha val="41000"/>
+                </a:schemeClr>
+              </a:solidFill>
+              <a:ln>
+                <a:noFill/>
+              </a:ln>
+            </p:spPr>
+            <p:style>
+              <a:lnRef idx="2">
+                <a:schemeClr val="accent1">
+                  <a:shade val="15000"/>
+                </a:schemeClr>
+              </a:lnRef>
+              <a:fillRef idx="1">
+                <a:schemeClr val="accent1"/>
+              </a:fillRef>
+              <a:effectRef idx="0">
+                <a:schemeClr val="accent1"/>
+              </a:effectRef>
+              <a:fontRef idx="minor">
+                <a:schemeClr val="lt1"/>
+              </a:fontRef>
+            </p:style>
+            <p:txBody>
+              <a:bodyPr rtlCol="0" anchor="ctr"/>
+              <a:lstStyle/>
+              <a:p>
+                <a:pPr algn="ctr"/>
+                <a:endParaRPr lang="zh-TW" altLang="en-US" dirty="0"/>
+              </a:p>
+            </p:txBody>
+          </p:sp>
+          <p:sp>
+            <p:nvSpPr>
+              <p:cNvPr id="28" name="橢圓 27">
+                <a:extLst>
+                  <a:ext uri="{FF2B5EF4-FFF2-40B4-BE49-F238E27FC236}">
+                    <a16:creationId xmlns:a16="http://schemas.microsoft.com/office/drawing/2014/main" id="{D71B28B2-B9D8-EDB2-B186-BD5DE5F475B2}"/>
+                  </a:ext>
+                </a:extLst>
+              </p:cNvPr>
+              <p:cNvSpPr/>
+              <p:nvPr/>
+            </p:nvSpPr>
+            <p:spPr>
+              <a:xfrm>
+                <a:off x="3057090" y="4411827"/>
+                <a:ext cx="171084" cy="171084"/>
+              </a:xfrm>
+              <a:prstGeom prst="ellipse">
+                <a:avLst/>
+              </a:prstGeom>
+              <a:solidFill>
+                <a:schemeClr val="tx1">
+                  <a:lumMod val="85000"/>
+                  <a:lumOff val="15000"/>
+                </a:schemeClr>
+              </a:solidFill>
+              <a:ln>
+                <a:noFill/>
+              </a:ln>
+            </p:spPr>
+            <p:style>
+              <a:lnRef idx="2">
+                <a:schemeClr val="accent1">
+                  <a:shade val="15000"/>
+                </a:schemeClr>
+              </a:lnRef>
+              <a:fillRef idx="1">
+                <a:schemeClr val="accent1"/>
+              </a:fillRef>
+              <a:effectRef idx="0">
+                <a:schemeClr val="accent1"/>
+              </a:effectRef>
+              <a:fontRef idx="minor">
+                <a:schemeClr val="lt1"/>
+              </a:fontRef>
+            </p:style>
+            <p:txBody>
+              <a:bodyPr rtlCol="0" anchor="ctr"/>
+              <a:lstStyle/>
+              <a:p>
+                <a:pPr algn="ctr"/>
+                <a:endParaRPr lang="zh-TW" altLang="en-US"/>
+              </a:p>
+            </p:txBody>
+          </p:sp>
+          <p:sp>
+            <p:nvSpPr>
+              <p:cNvPr id="29" name="橢圓 28">
+                <a:extLst>
+                  <a:ext uri="{FF2B5EF4-FFF2-40B4-BE49-F238E27FC236}">
+                    <a16:creationId xmlns:a16="http://schemas.microsoft.com/office/drawing/2014/main" id="{460D1FEA-D63D-07A5-2849-40333D78EFA3}"/>
+                  </a:ext>
+                </a:extLst>
+              </p:cNvPr>
+              <p:cNvSpPr/>
+              <p:nvPr/>
+            </p:nvSpPr>
+            <p:spPr>
+              <a:xfrm>
+                <a:off x="2707073" y="5012792"/>
+                <a:ext cx="272263" cy="272263"/>
+              </a:xfrm>
+              <a:prstGeom prst="ellipse">
+                <a:avLst/>
+              </a:prstGeom>
+              <a:solidFill>
+                <a:schemeClr val="bg1">
+                  <a:lumMod val="85000"/>
+                </a:schemeClr>
+              </a:solidFill>
+              <a:ln>
+                <a:noFill/>
+              </a:ln>
+            </p:spPr>
+            <p:style>
+              <a:lnRef idx="2">
+                <a:schemeClr val="accent1">
+                  <a:shade val="15000"/>
+                </a:schemeClr>
+              </a:lnRef>
+              <a:fillRef idx="1">
+                <a:schemeClr val="accent1"/>
+              </a:fillRef>
+              <a:effectRef idx="0">
+                <a:schemeClr val="accent1"/>
+              </a:effectRef>
+              <a:fontRef idx="minor">
+                <a:schemeClr val="lt1"/>
+              </a:fontRef>
+            </p:style>
+            <p:txBody>
+              <a:bodyPr rtlCol="0" anchor="ctr"/>
+              <a:lstStyle/>
+              <a:p>
+                <a:pPr algn="ctr"/>
+                <a:endParaRPr lang="zh-TW" altLang="en-US"/>
+              </a:p>
+            </p:txBody>
+          </p:sp>
+          <p:sp>
+            <p:nvSpPr>
+              <p:cNvPr id="30" name="橢圓 29">
+                <a:extLst>
+                  <a:ext uri="{FF2B5EF4-FFF2-40B4-BE49-F238E27FC236}">
+                    <a16:creationId xmlns:a16="http://schemas.microsoft.com/office/drawing/2014/main" id="{A7F4EF6C-DD1F-9CA1-1039-DC77C6BA66C1}"/>
+                  </a:ext>
+                </a:extLst>
+              </p:cNvPr>
+              <p:cNvSpPr/>
+              <p:nvPr/>
+            </p:nvSpPr>
+            <p:spPr>
+              <a:xfrm>
+                <a:off x="2270326" y="2352973"/>
+                <a:ext cx="377772" cy="377772"/>
+              </a:xfrm>
+              <a:prstGeom prst="ellipse">
+                <a:avLst/>
+              </a:prstGeom>
+              <a:solidFill>
+                <a:schemeClr val="tx1">
+                  <a:lumMod val="50000"/>
+                  <a:lumOff val="50000"/>
+                </a:schemeClr>
+              </a:solidFill>
+              <a:ln>
+                <a:noFill/>
+              </a:ln>
+            </p:spPr>
+            <p:style>
+              <a:lnRef idx="2">
+                <a:schemeClr val="accent1">
+                  <a:shade val="15000"/>
+                </a:schemeClr>
+              </a:lnRef>
+              <a:fillRef idx="1">
+                <a:schemeClr val="accent1"/>
+              </a:fillRef>
+              <a:effectRef idx="0">
+                <a:schemeClr val="accent1"/>
+              </a:effectRef>
+              <a:fontRef idx="minor">
+                <a:schemeClr val="lt1"/>
+              </a:fontRef>
+            </p:style>
+            <p:txBody>
+              <a:bodyPr rtlCol="0" anchor="ctr"/>
+              <a:lstStyle/>
+              <a:p>
+                <a:pPr algn="ctr"/>
+                <a:endParaRPr lang="zh-TW" altLang="en-US"/>
+              </a:p>
+            </p:txBody>
+          </p:sp>
+        </p:grpSp>
+        <p:cxnSp>
+          <p:nvCxnSpPr>
+            <p:cNvPr id="14" name="直線接點 13">
+              <a:extLst>
+                <a:ext uri="{FF2B5EF4-FFF2-40B4-BE49-F238E27FC236}">
+                  <a16:creationId xmlns:a16="http://schemas.microsoft.com/office/drawing/2014/main" id="{9C07AD5F-8427-ED45-14CA-D5A40D3B3FCC}"/>
+                </a:ext>
+              </a:extLst>
+            </p:cNvPr>
+            <p:cNvCxnSpPr>
+              <a:cxnSpLocks/>
+            </p:cNvCxnSpPr>
+            <p:nvPr/>
+          </p:nvCxnSpPr>
+          <p:spPr>
+            <a:xfrm>
+              <a:off x="2701343" y="1265866"/>
+              <a:ext cx="1901033" cy="0"/>
+            </a:xfrm>
+            <a:prstGeom prst="line">
+              <a:avLst/>
+            </a:prstGeom>
+            <a:ln>
+              <a:solidFill>
+                <a:schemeClr val="accent3"/>
+              </a:solidFill>
+            </a:ln>
+          </p:spPr>
+          <p:style>
+            <a:lnRef idx="1">
+              <a:schemeClr val="accent1"/>
+            </a:lnRef>
+            <a:fillRef idx="0">
+              <a:schemeClr val="accent1"/>
+            </a:fillRef>
+            <a:effectRef idx="0">
+              <a:schemeClr val="accent1"/>
+            </a:effectRef>
+            <a:fontRef idx="minor">
+              <a:schemeClr val="tx1"/>
+            </a:fontRef>
+          </p:style>
+        </p:cxnSp>
+        <p:sp>
+          <p:nvSpPr>
+            <p:cNvPr id="16" name="橢圓 15">
+              <a:extLst>
+                <a:ext uri="{FF2B5EF4-FFF2-40B4-BE49-F238E27FC236}">
+                  <a16:creationId xmlns:a16="http://schemas.microsoft.com/office/drawing/2014/main" id="{6395D77F-4980-DD39-D4E0-C29D6584BC34}"/>
+                </a:ext>
+              </a:extLst>
+            </p:cNvPr>
+            <p:cNvSpPr/>
+            <p:nvPr/>
+          </p:nvSpPr>
+          <p:spPr>
+            <a:xfrm>
+              <a:off x="4522767" y="1186257"/>
+              <a:ext cx="159219" cy="159219"/>
+            </a:xfrm>
+            <a:prstGeom prst="ellipse">
+              <a:avLst/>
+            </a:prstGeom>
+            <a:solidFill>
+              <a:schemeClr val="accent3"/>
+            </a:solidFill>
+            <a:ln>
+              <a:noFill/>
+            </a:ln>
+          </p:spPr>
+          <p:style>
+            <a:lnRef idx="2">
+              <a:schemeClr val="accent1">
+                <a:shade val="15000"/>
+              </a:schemeClr>
+            </a:lnRef>
+            <a:fillRef idx="1">
+              <a:schemeClr val="accent1"/>
+            </a:fillRef>
+            <a:effectRef idx="0">
+              <a:schemeClr val="accent1"/>
+            </a:effectRef>
+            <a:fontRef idx="minor">
+              <a:schemeClr val="lt1"/>
+            </a:fontRef>
+          </p:style>
+          <p:txBody>
+            <a:bodyPr rtlCol="0" anchor="ctr"/>
+            <a:lstStyle/>
+            <a:p>
+              <a:pPr algn="ctr"/>
+              <a:endParaRPr lang="zh-TW" altLang="en-US" dirty="0"/>
+            </a:p>
+          </p:txBody>
+        </p:sp>
+        <p:sp>
+          <p:nvSpPr>
+            <p:cNvPr id="17" name="橢圓 16">
+              <a:extLst>
+                <a:ext uri="{FF2B5EF4-FFF2-40B4-BE49-F238E27FC236}">
+                  <a16:creationId xmlns:a16="http://schemas.microsoft.com/office/drawing/2014/main" id="{5F92E1FE-87ED-5171-9E9A-D3EA1A0CEF75}"/>
+                </a:ext>
+              </a:extLst>
+            </p:cNvPr>
+            <p:cNvSpPr/>
+            <p:nvPr/>
+          </p:nvSpPr>
+          <p:spPr>
+            <a:xfrm>
+              <a:off x="3129111" y="2818166"/>
+              <a:ext cx="329034" cy="329034"/>
+            </a:xfrm>
+            <a:prstGeom prst="ellipse">
+              <a:avLst/>
+            </a:prstGeom>
+            <a:solidFill>
+              <a:schemeClr val="tx2">
+                <a:lumMod val="40000"/>
+                <a:lumOff val="60000"/>
+                <a:alpha val="57000"/>
+              </a:schemeClr>
+            </a:solidFill>
+            <a:ln>
+              <a:noFill/>
+            </a:ln>
+          </p:spPr>
+          <p:style>
+            <a:lnRef idx="2">
+              <a:schemeClr val="accent1">
+                <a:shade val="15000"/>
+              </a:schemeClr>
+            </a:lnRef>
+            <a:fillRef idx="1">
+              <a:schemeClr val="accent1"/>
+            </a:fillRef>
+            <a:effectRef idx="0">
+              <a:schemeClr val="accent1"/>
+            </a:effectRef>
+            <a:fontRef idx="minor">
+              <a:schemeClr val="lt1"/>
+            </a:fontRef>
+          </p:style>
+          <p:txBody>
+            <a:bodyPr rtlCol="0" anchor="ctr"/>
+            <a:lstStyle/>
+            <a:p>
+              <a:pPr algn="ctr"/>
+              <a:endParaRPr lang="zh-TW" altLang="en-US" dirty="0"/>
+            </a:p>
+          </p:txBody>
+        </p:sp>
+        <p:sp>
+          <p:nvSpPr>
+            <p:cNvPr id="18" name="橢圓 17">
+              <a:extLst>
+                <a:ext uri="{FF2B5EF4-FFF2-40B4-BE49-F238E27FC236}">
+                  <a16:creationId xmlns:a16="http://schemas.microsoft.com/office/drawing/2014/main" id="{66A93F9F-0C92-8863-609B-B9BF344E18EB}"/>
+                </a:ext>
+              </a:extLst>
+            </p:cNvPr>
+            <p:cNvSpPr/>
+            <p:nvPr/>
+          </p:nvSpPr>
+          <p:spPr>
+            <a:xfrm>
+              <a:off x="2491589" y="2320554"/>
+              <a:ext cx="444213" cy="444213"/>
+            </a:xfrm>
+            <a:prstGeom prst="ellipse">
+              <a:avLst/>
+            </a:prstGeom>
+            <a:solidFill>
+              <a:schemeClr val="tx2">
+                <a:lumMod val="40000"/>
+                <a:lumOff val="60000"/>
+                <a:alpha val="57000"/>
+              </a:schemeClr>
+            </a:solidFill>
+            <a:ln>
+              <a:noFill/>
+            </a:ln>
+          </p:spPr>
+          <p:style>
+            <a:lnRef idx="2">
+              <a:schemeClr val="accent1">
+                <a:shade val="15000"/>
+              </a:schemeClr>
+            </a:lnRef>
+            <a:fillRef idx="1">
+              <a:schemeClr val="accent1"/>
+            </a:fillRef>
+            <a:effectRef idx="0">
+              <a:schemeClr val="accent1"/>
+            </a:effectRef>
+            <a:fontRef idx="minor">
+              <a:schemeClr val="lt1"/>
+            </a:fontRef>
+          </p:style>
+          <p:txBody>
+            <a:bodyPr rtlCol="0" anchor="ctr"/>
+            <a:lstStyle/>
+            <a:p>
+              <a:pPr algn="ctr"/>
+              <a:endParaRPr lang="zh-TW" altLang="en-US" dirty="0"/>
+            </a:p>
+          </p:txBody>
+        </p:sp>
+        <p:sp>
+          <p:nvSpPr>
+            <p:cNvPr id="23" name="橢圓 22">
+              <a:hlinkClick r:id="rId2" action="ppaction://hlinksldjump"/>
+              <a:extLst>
+                <a:ext uri="{FF2B5EF4-FFF2-40B4-BE49-F238E27FC236}">
+                  <a16:creationId xmlns:a16="http://schemas.microsoft.com/office/drawing/2014/main" id="{9D782905-10EB-9F46-0029-3DF62A4084C8}"/>
+                </a:ext>
+              </a:extLst>
+            </p:cNvPr>
+            <p:cNvSpPr/>
+            <p:nvPr/>
+          </p:nvSpPr>
+          <p:spPr>
+            <a:xfrm>
+              <a:off x="1646950" y="1362991"/>
+              <a:ext cx="430331" cy="430331"/>
+            </a:xfrm>
+            <a:prstGeom prst="ellipse">
+              <a:avLst/>
+            </a:prstGeom>
+            <a:solidFill>
+              <a:schemeClr val="tx2">
+                <a:lumMod val="75000"/>
+              </a:schemeClr>
+            </a:solidFill>
+            <a:ln>
+              <a:noFill/>
+            </a:ln>
+            <a:effectLst>
+              <a:outerShdw blurRad="50800" dist="38100" dir="2700000" algn="tl" rotWithShape="0">
+                <a:prstClr val="black">
+                  <a:alpha val="40000"/>
+                </a:prstClr>
+              </a:outerShdw>
+            </a:effectLst>
+          </p:spPr>
+          <p:style>
+            <a:lnRef idx="2">
+              <a:schemeClr val="accent1">
+                <a:shade val="15000"/>
+              </a:schemeClr>
+            </a:lnRef>
+            <a:fillRef idx="1">
+              <a:schemeClr val="accent1"/>
+            </a:fillRef>
+            <a:effectRef idx="0">
+              <a:schemeClr val="accent1"/>
+            </a:effectRef>
+            <a:fontRef idx="minor">
+              <a:schemeClr val="lt1"/>
+            </a:fontRef>
+          </p:style>
+          <p:txBody>
+            <a:bodyPr rtlCol="0" anchor="ctr"/>
+            <a:lstStyle/>
+            <a:p>
+              <a:pPr algn="ctr"/>
+              <a:endParaRPr lang="zh-TW" altLang="en-US" u="sng" dirty="0">
+                <a:latin typeface="臺灣道路體 1.0 Regular" panose="020B0506020000000000" pitchFamily="34" charset="-120"/>
+                <a:ea typeface="臺灣道路體 1.0 Regular" panose="020B0506020000000000" pitchFamily="34" charset="-120"/>
+              </a:endParaRPr>
+            </a:p>
+          </p:txBody>
+        </p:sp>
+      </p:grpSp>
+      <p:pic>
+        <p:nvPicPr>
+          <p:cNvPr id="35" name="圖片 34">
+            <a:extLst>
+              <a:ext uri="{FF2B5EF4-FFF2-40B4-BE49-F238E27FC236}">
+                <a16:creationId xmlns:a16="http://schemas.microsoft.com/office/drawing/2014/main" id="{68E16964-E8B9-A937-FB95-832FB1FAE53D}"/>
+              </a:ext>
+            </a:extLst>
+          </p:cNvPr>
+          <p:cNvPicPr>
+            <a:picLocks noChangeAspect="1"/>
+          </p:cNvPicPr>
+          <p:nvPr/>
+        </p:nvPicPr>
+        <p:blipFill>
+          <a:blip r:embed="rId3">
+            <a:extLst>
+              <a:ext uri="{28A0092B-C50C-407E-A947-70E740481C1C}">
+                <a14:useLocalDpi xmlns:a14="http://schemas.microsoft.com/office/drawing/2010/main" val="0"/>
+              </a:ext>
+            </a:extLst>
+          </a:blip>
+          <a:stretch>
+            <a:fillRect/>
+          </a:stretch>
+        </p:blipFill>
+        <p:spPr>
+          <a:xfrm>
+            <a:off x="3881168" y="1273626"/>
+            <a:ext cx="5221234" cy="4133096"/>
+          </a:xfrm>
+          <a:prstGeom prst="rect">
+            <a:avLst/>
+          </a:prstGeom>
+        </p:spPr>
+      </p:pic>
+      <p:sp>
+        <p:nvSpPr>
+          <p:cNvPr id="44" name="文字方塊 43">
+            <a:extLst>
+              <a:ext uri="{FF2B5EF4-FFF2-40B4-BE49-F238E27FC236}">
+                <a16:creationId xmlns:a16="http://schemas.microsoft.com/office/drawing/2014/main" id="{88F7C146-7E0D-3117-0D2E-7133C0C85F9B}"/>
+              </a:ext>
+            </a:extLst>
+          </p:cNvPr>
+          <p:cNvSpPr txBox="1"/>
+          <p:nvPr/>
+        </p:nvSpPr>
+        <p:spPr>
+          <a:xfrm>
+            <a:off x="3047432" y="710554"/>
+            <a:ext cx="6097136" cy="461665"/>
+          </a:xfrm>
+          <a:prstGeom prst="rect">
+            <a:avLst/>
+          </a:prstGeom>
+          <a:noFill/>
+        </p:spPr>
+        <p:txBody>
+          <a:bodyPr wrap="square">
+            <a:spAutoFit/>
+          </a:bodyPr>
+          <a:lstStyle/>
+          <a:p>
+            <a:r>
+              <a:rPr lang="zh-TW" altLang="en-US" sz="2400" dirty="0">
+                <a:latin typeface="臺灣道路體 1.0 Regular" panose="020B0506020000000000" pitchFamily="34" charset="-120"/>
+                <a:ea typeface="臺灣道路體 1.0 Regular" panose="020B0506020000000000" pitchFamily="34" charset="-120"/>
+              </a:rPr>
+              <a:t>線性回歸預測圖</a:t>
+            </a:r>
+            <a:endParaRPr lang="en-US" altLang="zh-TW" sz="2400" dirty="0">
+              <a:latin typeface="臺灣道路體 1.0 Regular" panose="020B0506020000000000" pitchFamily="34" charset="-120"/>
+              <a:ea typeface="臺灣道路體 1.0 Regular" panose="020B0506020000000000" pitchFamily="34" charset="-120"/>
+            </a:endParaRPr>
+          </a:p>
+        </p:txBody>
+      </p:sp>
+      <p:sp>
+        <p:nvSpPr>
+          <p:cNvPr id="49" name="矩形: 圓角 48">
+            <a:extLst>
+              <a:ext uri="{FF2B5EF4-FFF2-40B4-BE49-F238E27FC236}">
+                <a16:creationId xmlns:a16="http://schemas.microsoft.com/office/drawing/2014/main" id="{4C3FB225-FD03-4654-123F-A3C31AD03D7C}"/>
+              </a:ext>
+            </a:extLst>
+          </p:cNvPr>
+          <p:cNvSpPr/>
+          <p:nvPr/>
+        </p:nvSpPr>
+        <p:spPr>
+          <a:xfrm>
+            <a:off x="9330120" y="1501119"/>
+            <a:ext cx="1908811" cy="958655"/>
+          </a:xfrm>
+          <a:prstGeom prst="roundRect">
+            <a:avLst/>
+          </a:prstGeom>
+          <a:solidFill>
+            <a:schemeClr val="tx1">
+              <a:lumMod val="95000"/>
+              <a:lumOff val="5000"/>
+              <a:alpha val="62000"/>
+            </a:schemeClr>
+          </a:solidFill>
+          <a:ln>
+            <a:noFill/>
+          </a:ln>
+        </p:spPr>
+        <p:style>
+          <a:lnRef idx="2">
+            <a:schemeClr val="accent1">
+              <a:shade val="15000"/>
+            </a:schemeClr>
+          </a:lnRef>
+          <a:fillRef idx="1">
+            <a:schemeClr val="accent1"/>
+          </a:fillRef>
+          <a:effectRef idx="0">
+            <a:schemeClr val="accent1"/>
+          </a:effectRef>
+          <a:fontRef idx="minor">
+            <a:schemeClr val="lt1"/>
+          </a:fontRef>
+        </p:style>
+        <p:txBody>
+          <a:bodyPr rtlCol="0" anchor="ctr"/>
+          <a:lstStyle/>
+          <a:p>
+            <a:pPr algn="just"/>
+            <a:r>
+              <a:rPr lang="en-US" altLang="zh-TW" sz="1400" dirty="0">
+                <a:latin typeface="臺灣道路體 1.0 Regular" panose="020B0506020000000000" pitchFamily="34" charset="-120"/>
+                <a:ea typeface="臺灣道路體 1.0 Regular" panose="020B0506020000000000" pitchFamily="34" charset="-120"/>
+              </a:rPr>
+              <a:t>2010-2015</a:t>
+            </a:r>
+            <a:r>
+              <a:rPr lang="zh-TW" altLang="en-US" sz="1400" dirty="0">
+                <a:latin typeface="臺灣道路體 1.0 Regular" panose="020B0506020000000000" pitchFamily="34" charset="-120"/>
+                <a:ea typeface="臺灣道路體 1.0 Regular" panose="020B0506020000000000" pitchFamily="34" charset="-120"/>
+              </a:rPr>
+              <a:t>區間無論日射量及日照時數均為低點，</a:t>
+            </a:r>
+            <a:r>
+              <a:rPr lang="en-US" altLang="zh-TW" sz="1400" dirty="0">
+                <a:latin typeface="臺灣道路體 1.0 Regular" panose="020B0506020000000000" pitchFamily="34" charset="-120"/>
+                <a:ea typeface="臺灣道路體 1.0 Regular" panose="020B0506020000000000" pitchFamily="34" charset="-120"/>
+              </a:rPr>
+              <a:t>2020-</a:t>
+            </a:r>
+            <a:r>
+              <a:rPr lang="zh-TW" altLang="en-US" sz="1400" dirty="0">
+                <a:latin typeface="臺灣道路體 1.0 Regular" panose="020B0506020000000000" pitchFamily="34" charset="-120"/>
+                <a:ea typeface="臺灣道路體 1.0 Regular" panose="020B0506020000000000" pitchFamily="34" charset="-120"/>
+              </a:rPr>
+              <a:t>至今區間大幅度上升，上下值有非常顯著的區間</a:t>
+            </a:r>
+            <a:r>
+              <a:rPr lang="en-US" altLang="zh-TW" sz="1400" dirty="0">
+                <a:latin typeface="臺灣道路體 1.0 Regular" panose="020B0506020000000000" pitchFamily="34" charset="-120"/>
+                <a:ea typeface="臺灣道路體 1.0 Regular" panose="020B0506020000000000" pitchFamily="34" charset="-120"/>
+              </a:rPr>
+              <a:t>(</a:t>
+            </a:r>
+            <a:r>
+              <a:rPr lang="zh-TW" altLang="en-US" sz="1400" dirty="0">
+                <a:latin typeface="臺灣道路體 1.0 Regular" panose="020B0506020000000000" pitchFamily="34" charset="-120"/>
+                <a:ea typeface="臺灣道路體 1.0 Regular" panose="020B0506020000000000" pitchFamily="34" charset="-120"/>
+              </a:rPr>
+              <a:t>離散</a:t>
+            </a:r>
+            <a:r>
+              <a:rPr lang="en-US" altLang="zh-TW" sz="1400" dirty="0">
+                <a:latin typeface="臺灣道路體 1.0 Regular" panose="020B0506020000000000" pitchFamily="34" charset="-120"/>
+                <a:ea typeface="臺灣道路體 1.0 Regular" panose="020B0506020000000000" pitchFamily="34" charset="-120"/>
+              </a:rPr>
+              <a:t>)</a:t>
+            </a:r>
+            <a:r>
+              <a:rPr lang="zh-TW" altLang="en-US" sz="1400" dirty="0">
+                <a:latin typeface="臺灣道路體 1.0 Regular" panose="020B0506020000000000" pitchFamily="34" charset="-120"/>
+                <a:ea typeface="臺灣道路體 1.0 Regular" panose="020B0506020000000000" pitchFamily="34" charset="-120"/>
+              </a:rPr>
+              <a:t>，由折線圖及盒鬚圖標示可看出。</a:t>
+            </a:r>
+          </a:p>
+        </p:txBody>
+      </p:sp>
+      <p:sp>
+        <p:nvSpPr>
+          <p:cNvPr id="50" name="矩形: 圓角 49">
+            <a:extLst>
+              <a:ext uri="{FF2B5EF4-FFF2-40B4-BE49-F238E27FC236}">
+                <a16:creationId xmlns:a16="http://schemas.microsoft.com/office/drawing/2014/main" id="{FDC340F0-A26D-108C-5CD0-95AD16862FBE}"/>
+              </a:ext>
+            </a:extLst>
+          </p:cNvPr>
+          <p:cNvSpPr/>
+          <p:nvPr/>
+        </p:nvSpPr>
+        <p:spPr>
+          <a:xfrm>
+            <a:off x="9330120" y="2654031"/>
+            <a:ext cx="1908811" cy="655552"/>
+          </a:xfrm>
+          <a:prstGeom prst="roundRect">
+            <a:avLst/>
+          </a:prstGeom>
+          <a:solidFill>
+            <a:srgbClr val="C00000">
+              <a:alpha val="62000"/>
+            </a:srgbClr>
+          </a:solidFill>
+          <a:ln>
+            <a:noFill/>
+          </a:ln>
+        </p:spPr>
+        <p:style>
+          <a:lnRef idx="2">
+            <a:schemeClr val="accent1">
+              <a:shade val="15000"/>
+            </a:schemeClr>
+          </a:lnRef>
+          <a:fillRef idx="1">
+            <a:schemeClr val="accent1"/>
+          </a:fillRef>
+          <a:effectRef idx="0">
+            <a:schemeClr val="accent1"/>
+          </a:effectRef>
+          <a:fontRef idx="minor">
+            <a:schemeClr val="lt1"/>
+          </a:fontRef>
+        </p:style>
+        <p:txBody>
+          <a:bodyPr rtlCol="0" anchor="ctr"/>
+          <a:lstStyle/>
+          <a:p>
+            <a:r>
+              <a:rPr lang="zh-TW" altLang="en-US" sz="1400" dirty="0">
+                <a:latin typeface="臺灣道路體 1.0 Regular" panose="020B0506020000000000" pitchFamily="34" charset="-120"/>
+                <a:ea typeface="臺灣道路體 1.0 Regular" panose="020B0506020000000000" pitchFamily="34" charset="-120"/>
+              </a:rPr>
+              <a:t>故雖然</a:t>
+            </a:r>
+            <a:r>
+              <a:rPr lang="en-US" altLang="zh-TW" sz="1400" dirty="0">
+                <a:latin typeface="臺灣道路體 1.0 Regular" panose="020B0506020000000000" pitchFamily="34" charset="-120"/>
+                <a:ea typeface="臺灣道路體 1.0 Regular" panose="020B0506020000000000" pitchFamily="34" charset="-120"/>
+              </a:rPr>
+              <a:t>R</a:t>
+            </a:r>
+            <a:r>
+              <a:rPr lang="en-US" altLang="zh-TW" sz="1400" baseline="30000" dirty="0">
+                <a:latin typeface="臺灣道路體 1.0 Regular" panose="020B0506020000000000" pitchFamily="34" charset="-120"/>
+                <a:ea typeface="臺灣道路體 1.0 Regular" panose="020B0506020000000000" pitchFamily="34" charset="-120"/>
+              </a:rPr>
+              <a:t>2</a:t>
+            </a:r>
+            <a:r>
+              <a:rPr lang="zh-TW" altLang="en-US" sz="1400" dirty="0">
+                <a:latin typeface="臺灣道路體 1.0 Regular" panose="020B0506020000000000" pitchFamily="34" charset="-120"/>
+                <a:ea typeface="臺灣道路體 1.0 Regular" panose="020B0506020000000000" pitchFamily="34" charset="-120"/>
+              </a:rPr>
+              <a:t>預測值為</a:t>
+            </a:r>
+            <a:r>
+              <a:rPr lang="en-US" altLang="zh-TW" sz="1400" dirty="0">
+                <a:latin typeface="臺灣道路體 1.0 Regular" panose="020B0506020000000000" pitchFamily="34" charset="-120"/>
+                <a:ea typeface="臺灣道路體 1.0 Regular" panose="020B0506020000000000" pitchFamily="34" charset="-120"/>
+              </a:rPr>
+              <a:t>0.71</a:t>
+            </a:r>
+            <a:r>
+              <a:rPr lang="zh-TW" altLang="en-US" sz="1400" dirty="0">
+                <a:latin typeface="臺灣道路體 1.0 Regular" panose="020B0506020000000000" pitchFamily="34" charset="-120"/>
+                <a:ea typeface="臺灣道路體 1.0 Regular" panose="020B0506020000000000" pitchFamily="34" charset="-120"/>
+              </a:rPr>
+              <a:t>相當有可信度，但因上下值離散造成</a:t>
+            </a:r>
+            <a:r>
+              <a:rPr lang="en-US" altLang="zh-TW" sz="1400" dirty="0">
+                <a:latin typeface="臺灣道路體 1.0 Regular" panose="020B0506020000000000" pitchFamily="34" charset="-120"/>
+                <a:ea typeface="臺灣道路體 1.0 Regular" panose="020B0506020000000000" pitchFamily="34" charset="-120"/>
+              </a:rPr>
+              <a:t>MSE</a:t>
+            </a:r>
+            <a:r>
+              <a:rPr lang="zh-TW" altLang="en-US" sz="1400" dirty="0">
+                <a:latin typeface="臺灣道路體 1.0 Regular" panose="020B0506020000000000" pitchFamily="34" charset="-120"/>
+                <a:ea typeface="臺灣道路體 1.0 Regular" panose="020B0506020000000000" pitchFamily="34" charset="-120"/>
+              </a:rPr>
+              <a:t>數值極高。</a:t>
+            </a:r>
+            <a:endParaRPr lang="zh-TW" altLang="en-US" sz="1400" dirty="0"/>
+          </a:p>
+        </p:txBody>
+      </p:sp>
+    </p:spTree>
+    <p:extLst>
+      <p:ext uri="{BB962C8B-B14F-4D97-AF65-F5344CB8AC3E}">
+        <p14:creationId xmlns:p14="http://schemas.microsoft.com/office/powerpoint/2010/main" val="3760386326"/>
+      </p:ext>
+    </p:extLst>
+  </p:cSld>
+  <p:clrMapOvr>
+    <a:masterClrMapping/>
+  </p:clrMapOvr>
+</p:sld>
+</file>
+
+<file path=ppt/slides/slide11.xml><?xml version="1.0" encoding="utf-8"?>
+<p:sld xmlns:a="http://schemas.openxmlformats.org/drawingml/2006/main" xmlns:r="http://schemas.openxmlformats.org/officeDocument/2006/relationships" xmlns:p="http://schemas.openxmlformats.org/presentationml/2006/main">
+  <p:cSld>
+    <p:spTree>
+      <p:nvGrpSpPr>
+        <p:cNvPr id="1" name=""/>
+        <p:cNvGrpSpPr/>
+        <p:nvPr/>
+      </p:nvGrpSpPr>
+      <p:grpSpPr>
+        <a:xfrm>
+          <a:off x="0" y="0"/>
+          <a:ext cx="0" cy="0"/>
+          <a:chOff x="0" y="0"/>
+          <a:chExt cx="0" cy="0"/>
+        </a:xfrm>
+      </p:grpSpPr>
+      <p:sp>
+        <p:nvSpPr>
+          <p:cNvPr id="5" name="橢圓 4">
             <a:hlinkClick r:id="rId2" action="ppaction://hlinksldjump"/>
             <a:extLst>
               <a:ext uri="{FF2B5EF4-FFF2-40B4-BE49-F238E27FC236}">
@@ -7849,7 +10286,7 @@
                 <a:latin typeface="臺灣道路體 1.0 Regular" panose="020B0506020000000000" pitchFamily="34" charset="-120"/>
                 <a:ea typeface="臺灣道路體 1.0 Regular" panose="020B0506020000000000" pitchFamily="34" charset="-120"/>
               </a:rPr>
-              <a:t>09</a:t>
+              <a:t>10</a:t>
             </a:r>
             <a:endParaRPr lang="zh-TW" altLang="en-US" sz="1200" dirty="0">
               <a:latin typeface="臺灣道路體 1.0 Regular" panose="020B0506020000000000" pitchFamily="34" charset="-120"/>
@@ -7860,7 +10297,7 @@
       </p:sp>
       <p:cxnSp>
         <p:nvCxnSpPr>
-          <p:cNvPr id="57" name="直線接點 56">
+          <p:cNvPr id="6" name="直線接點 5">
             <a:extLst>
               <a:ext uri="{FF2B5EF4-FFF2-40B4-BE49-F238E27FC236}">
                 <a16:creationId xmlns:a16="http://schemas.microsoft.com/office/drawing/2014/main" id="{7BC92922-FACD-26F8-1F9A-2A32832F0D3F}"/>
@@ -7903,7 +10340,7 @@
       </p:cxnSp>
       <p:grpSp>
         <p:nvGrpSpPr>
-          <p:cNvPr id="4" name="群組 3">
+          <p:cNvPr id="9" name="群組 8">
             <a:extLst>
               <a:ext uri="{FF2B5EF4-FFF2-40B4-BE49-F238E27FC236}">
                 <a16:creationId xmlns:a16="http://schemas.microsoft.com/office/drawing/2014/main" id="{41A7E255-B053-A8AA-273A-8D5B91FFBF66}"/>
@@ -7923,7 +10360,7 @@
         </p:grpSpPr>
         <p:grpSp>
           <p:nvGrpSpPr>
-            <p:cNvPr id="43" name="群組 42">
+            <p:cNvPr id="10" name="群組 9">
               <a:extLst>
                 <a:ext uri="{FF2B5EF4-FFF2-40B4-BE49-F238E27FC236}">
                   <a16:creationId xmlns:a16="http://schemas.microsoft.com/office/drawing/2014/main" id="{520EBE1C-11DF-EF97-097D-55925C20857C}"/>
@@ -7943,7 +10380,7 @@
           </p:grpSpPr>
           <p:grpSp>
             <p:nvGrpSpPr>
-              <p:cNvPr id="45" name="群組 44">
+              <p:cNvPr id="28" name="群組 27">
                 <a:extLst>
                   <a:ext uri="{FF2B5EF4-FFF2-40B4-BE49-F238E27FC236}">
                     <a16:creationId xmlns:a16="http://schemas.microsoft.com/office/drawing/2014/main" id="{3B827767-4FDB-21CD-9974-B7F17C1DCF64}"/>
@@ -7963,7 +10400,7 @@
             </p:grpSpPr>
             <p:sp>
               <p:nvSpPr>
-                <p:cNvPr id="47" name="弧形 46">
+                <p:cNvPr id="30" name="弧形 29">
                   <a:extLst>
                     <a:ext uri="{FF2B5EF4-FFF2-40B4-BE49-F238E27FC236}">
                       <a16:creationId xmlns:a16="http://schemas.microsoft.com/office/drawing/2014/main" id="{72367E5D-B6AD-28BF-ABCA-A02638C77F4C}"/>
@@ -8018,7 +10455,7 @@
             </p:sp>
             <p:sp>
               <p:nvSpPr>
-                <p:cNvPr id="48" name="橢圓 47">
+                <p:cNvPr id="31" name="橢圓 30">
                   <a:extLst>
                     <a:ext uri="{FF2B5EF4-FFF2-40B4-BE49-F238E27FC236}">
                       <a16:creationId xmlns:a16="http://schemas.microsoft.com/office/drawing/2014/main" id="{476300C1-3641-B258-AF45-B88BF1432929}"/>
@@ -8073,7 +10510,7 @@
           </p:grpSp>
           <p:sp>
             <p:nvSpPr>
-              <p:cNvPr id="46" name="橢圓 45">
+              <p:cNvPr id="29" name="橢圓 28">
                 <a:extLst>
                   <a:ext uri="{FF2B5EF4-FFF2-40B4-BE49-F238E27FC236}">
                     <a16:creationId xmlns:a16="http://schemas.microsoft.com/office/drawing/2014/main" id="{D44440B1-5476-BD7B-FB8E-71296221D9E1}"/>
@@ -8128,7 +10565,7 @@
         </p:grpSp>
         <p:grpSp>
           <p:nvGrpSpPr>
-            <p:cNvPr id="15" name="群組 14">
+            <p:cNvPr id="11" name="群組 10">
               <a:extLst>
                 <a:ext uri="{FF2B5EF4-FFF2-40B4-BE49-F238E27FC236}">
                   <a16:creationId xmlns:a16="http://schemas.microsoft.com/office/drawing/2014/main" id="{E02A1AEE-05A1-3C1A-C076-052707EA7CB3}"/>
@@ -8148,7 +10585,7 @@
           </p:grpSpPr>
           <p:sp>
             <p:nvSpPr>
-              <p:cNvPr id="36" name="橢圓 35">
+              <p:cNvPr id="18" name="橢圓 17">
                 <a:extLst>
                   <a:ext uri="{FF2B5EF4-FFF2-40B4-BE49-F238E27FC236}">
                     <a16:creationId xmlns:a16="http://schemas.microsoft.com/office/drawing/2014/main" id="{33F097D9-4B7B-78B5-E1A3-145F1C075D0B}"/>
@@ -8203,7 +10640,7 @@
           </p:sp>
           <p:sp>
             <p:nvSpPr>
-              <p:cNvPr id="37" name="橢圓 36">
+              <p:cNvPr id="19" name="橢圓 18">
                 <a:extLst>
                   <a:ext uri="{FF2B5EF4-FFF2-40B4-BE49-F238E27FC236}">
                     <a16:creationId xmlns:a16="http://schemas.microsoft.com/office/drawing/2014/main" id="{A5B4E23C-CC0A-DD8D-8FE5-E4245805527C}"/>
@@ -8258,7 +10695,7 @@
           </p:sp>
           <p:sp>
             <p:nvSpPr>
-              <p:cNvPr id="38" name="橢圓 37">
+              <p:cNvPr id="23" name="橢圓 22">
                 <a:extLst>
                   <a:ext uri="{FF2B5EF4-FFF2-40B4-BE49-F238E27FC236}">
                     <a16:creationId xmlns:a16="http://schemas.microsoft.com/office/drawing/2014/main" id="{EF4706A5-C9D1-4F60-6814-6EF85C16B556}"/>
@@ -8312,7 +10749,7 @@
           </p:sp>
           <p:sp>
             <p:nvSpPr>
-              <p:cNvPr id="39" name="橢圓 38">
+              <p:cNvPr id="24" name="橢圓 23">
                 <a:extLst>
                   <a:ext uri="{FF2B5EF4-FFF2-40B4-BE49-F238E27FC236}">
                     <a16:creationId xmlns:a16="http://schemas.microsoft.com/office/drawing/2014/main" id="{D5E5E82E-D8F9-CF64-56D2-7CA4DE848CE9}"/>
@@ -8368,7 +10805,7 @@
           </p:sp>
           <p:sp>
             <p:nvSpPr>
-              <p:cNvPr id="40" name="橢圓 39">
+              <p:cNvPr id="25" name="橢圓 24">
                 <a:extLst>
                   <a:ext uri="{FF2B5EF4-FFF2-40B4-BE49-F238E27FC236}">
                     <a16:creationId xmlns:a16="http://schemas.microsoft.com/office/drawing/2014/main" id="{8B87B70F-FD7A-ED0B-43CE-42C27F4D67C6}"/>
@@ -8423,7 +10860,7 @@
           </p:sp>
           <p:sp>
             <p:nvSpPr>
-              <p:cNvPr id="41" name="橢圓 40">
+              <p:cNvPr id="26" name="橢圓 25">
                 <a:extLst>
                   <a:ext uri="{FF2B5EF4-FFF2-40B4-BE49-F238E27FC236}">
                     <a16:creationId xmlns:a16="http://schemas.microsoft.com/office/drawing/2014/main" id="{E6A3AB82-6E87-FE06-5F2E-AA99AF350D57}"/>
@@ -8477,7 +10914,7 @@
           </p:sp>
           <p:sp>
             <p:nvSpPr>
-              <p:cNvPr id="42" name="橢圓 41">
+              <p:cNvPr id="27" name="橢圓 26">
                 <a:extLst>
                   <a:ext uri="{FF2B5EF4-FFF2-40B4-BE49-F238E27FC236}">
                     <a16:creationId xmlns:a16="http://schemas.microsoft.com/office/drawing/2014/main" id="{F0958A05-B844-5251-3354-A947D8CB6681}"/>
@@ -8533,7 +10970,7 @@
         </p:grpSp>
         <p:cxnSp>
           <p:nvCxnSpPr>
-            <p:cNvPr id="21" name="直線接點 20">
+            <p:cNvPr id="12" name="直線接點 11">
               <a:extLst>
                 <a:ext uri="{FF2B5EF4-FFF2-40B4-BE49-F238E27FC236}">
                   <a16:creationId xmlns:a16="http://schemas.microsoft.com/office/drawing/2014/main" id="{2145E8E4-CFBF-11E6-DD11-1E6CB03379FB}"/>
@@ -8576,7 +11013,7 @@
         </p:cxnSp>
         <p:sp>
           <p:nvSpPr>
-            <p:cNvPr id="22" name="橢圓 21">
+            <p:cNvPr id="13" name="橢圓 12">
               <a:extLst>
                 <a:ext uri="{FF2B5EF4-FFF2-40B4-BE49-F238E27FC236}">
                   <a16:creationId xmlns:a16="http://schemas.microsoft.com/office/drawing/2014/main" id="{68EA2866-E574-A66E-306D-F9FCFDCE83D2}"/>
@@ -8628,7 +11065,7 @@
         </p:sp>
         <p:sp>
           <p:nvSpPr>
-            <p:cNvPr id="2" name="橢圓 1">
+            <p:cNvPr id="14" name="橢圓 13">
               <a:extLst>
                 <a:ext uri="{FF2B5EF4-FFF2-40B4-BE49-F238E27FC236}">
                   <a16:creationId xmlns:a16="http://schemas.microsoft.com/office/drawing/2014/main" id="{C6443E66-320E-9429-4B43-27F7561BCB60}"/>
@@ -8684,7 +11121,7 @@
         </p:sp>
         <p:sp>
           <p:nvSpPr>
-            <p:cNvPr id="3" name="橢圓 2">
+            <p:cNvPr id="16" name="橢圓 15">
               <a:extLst>
                 <a:ext uri="{FF2B5EF4-FFF2-40B4-BE49-F238E27FC236}">
                   <a16:creationId xmlns:a16="http://schemas.microsoft.com/office/drawing/2014/main" id="{15C92FD1-5285-A907-4D3F-13574418D3AC}"/>
@@ -8740,7 +11177,7 @@
         </p:sp>
         <p:sp>
           <p:nvSpPr>
-            <p:cNvPr id="20" name="橢圓 19">
+            <p:cNvPr id="17" name="橢圓 16">
               <a:hlinkClick r:id="rId2" action="ppaction://hlinksldjump"/>
               <a:extLst>
                 <a:ext uri="{FF2B5EF4-FFF2-40B4-BE49-F238E27FC236}">
@@ -8806,7 +11243,7 @@
       </p:grpSp>
       <p:sp>
         <p:nvSpPr>
-          <p:cNvPr id="5" name="文字方塊 4">
+          <p:cNvPr id="32" name="文字方塊 31">
             <a:extLst>
               <a:ext uri="{FF2B5EF4-FFF2-40B4-BE49-F238E27FC236}">
                 <a16:creationId xmlns:a16="http://schemas.microsoft.com/office/drawing/2014/main" id="{1AE86616-94F6-3138-20EE-1F61DA8FEC05}"/>
@@ -8848,7 +11285,7 @@
       </p:sp>
       <p:pic>
         <p:nvPicPr>
-          <p:cNvPr id="7" name="圖片 6">
+          <p:cNvPr id="33" name="圖片 32">
             <a:extLst>
               <a:ext uri="{FF2B5EF4-FFF2-40B4-BE49-F238E27FC236}">
                 <a16:creationId xmlns:a16="http://schemas.microsoft.com/office/drawing/2014/main" id="{93C84BB0-693A-F73C-A755-011159FD9D50}"/>
@@ -8884,7 +11321,7 @@
       </p:pic>
       <p:pic>
         <p:nvPicPr>
-          <p:cNvPr id="9" name="圖片 8">
+          <p:cNvPr id="34" name="圖片 33">
             <a:extLst>
               <a:ext uri="{FF2B5EF4-FFF2-40B4-BE49-F238E27FC236}">
                 <a16:creationId xmlns:a16="http://schemas.microsoft.com/office/drawing/2014/main" id="{EA24D344-7956-9328-78B3-ACC92D345A19}"/>
@@ -8920,7 +11357,7 @@
       </p:pic>
       <p:pic>
         <p:nvPicPr>
-          <p:cNvPr id="11" name="圖片 10">
+          <p:cNvPr id="35" name="圖片 34">
             <a:extLst>
               <a:ext uri="{FF2B5EF4-FFF2-40B4-BE49-F238E27FC236}">
                 <a16:creationId xmlns:a16="http://schemas.microsoft.com/office/drawing/2014/main" id="{4818C7FF-7EF2-955B-40E1-21196A4DAB68}"/>
@@ -8956,7 +11393,7 @@
       </p:pic>
       <p:sp>
         <p:nvSpPr>
-          <p:cNvPr id="19" name="矩形: 圓角 18">
+          <p:cNvPr id="44" name="矩形: 圓角 43">
             <a:extLst>
               <a:ext uri="{FF2B5EF4-FFF2-40B4-BE49-F238E27FC236}">
                 <a16:creationId xmlns:a16="http://schemas.microsoft.com/office/drawing/2014/main" id="{A8249EEA-6A43-54A1-532B-DE4E5D5CE9CE}"/>
@@ -9038,7 +11475,7 @@
     </p:spTree>
     <p:extLst>
       <p:ext uri="{BB962C8B-B14F-4D97-AF65-F5344CB8AC3E}">
-        <p14:creationId xmlns:p14="http://schemas.microsoft.com/office/powerpoint/2010/main" val="3760386326"/>
+        <p14:creationId xmlns:p14="http://schemas.microsoft.com/office/powerpoint/2010/main" val="1886454542"/>
       </p:ext>
     </p:extLst>
   </p:cSld>
@@ -9048,7 +11485,7 @@
 </p:sld>
 </file>
 
-<file path=ppt/slides/slide11.xml><?xml version="1.0" encoding="utf-8"?>
+<file path=ppt/slides/slide12.xml><?xml version="1.0" encoding="utf-8"?>
 <p:sld xmlns:a="http://schemas.openxmlformats.org/drawingml/2006/main" xmlns:r="http://schemas.openxmlformats.org/officeDocument/2006/relationships" xmlns:p="http://schemas.openxmlformats.org/presentationml/2006/main">
   <p:cSld>
     <p:spTree>
@@ -9128,7 +11565,7 @@
                 <a:latin typeface="臺灣道路體 1.0 Regular" panose="020B0506020000000000" pitchFamily="34" charset="-120"/>
                 <a:ea typeface="臺灣道路體 1.0 Regular" panose="020B0506020000000000" pitchFamily="34" charset="-120"/>
               </a:rPr>
-              <a:t>10</a:t>
+              <a:t>11</a:t>
             </a:r>
             <a:endParaRPr lang="zh-TW" altLang="en-US" sz="1200" dirty="0">
               <a:latin typeface="臺灣道路體 1.0 Regular" panose="020B0506020000000000" pitchFamily="34" charset="-120"/>
@@ -10295,7 +12732,7 @@
     </p:spTree>
     <p:extLst>
       <p:ext uri="{BB962C8B-B14F-4D97-AF65-F5344CB8AC3E}">
-        <p14:creationId xmlns:p14="http://schemas.microsoft.com/office/powerpoint/2010/main" val="1886454542"/>
+        <p14:creationId xmlns:p14="http://schemas.microsoft.com/office/powerpoint/2010/main" val="4003829335"/>
       </p:ext>
     </p:extLst>
   </p:cSld>
@@ -10322,6 +12759,95 @@
           <a:chExt cx="0" cy="0"/>
         </a:xfrm>
       </p:grpSpPr>
+      <p:sp>
+        <p:nvSpPr>
+          <p:cNvPr id="13" name="文字方塊 12">
+            <a:extLst>
+              <a:ext uri="{FF2B5EF4-FFF2-40B4-BE49-F238E27FC236}">
+                <a16:creationId xmlns:a16="http://schemas.microsoft.com/office/drawing/2014/main" id="{1C80E89D-C095-655A-5B3D-AD232C103B06}"/>
+              </a:ext>
+            </a:extLst>
+          </p:cNvPr>
+          <p:cNvSpPr txBox="1"/>
+          <p:nvPr/>
+        </p:nvSpPr>
+        <p:spPr>
+          <a:xfrm>
+            <a:off x="3047432" y="710554"/>
+            <a:ext cx="5613159" cy="1569660"/>
+          </a:xfrm>
+          <a:prstGeom prst="rect">
+            <a:avLst/>
+          </a:prstGeom>
+          <a:noFill/>
+        </p:spPr>
+        <p:txBody>
+          <a:bodyPr wrap="square">
+            <a:spAutoFit/>
+          </a:bodyPr>
+          <a:lstStyle/>
+          <a:p>
+            <a:r>
+              <a:rPr lang="zh-TW" altLang="en-US" sz="2400" dirty="0">
+                <a:latin typeface="臺灣道路體 1.0 Regular" panose="020B0506020000000000" pitchFamily="34" charset="-120"/>
+                <a:ea typeface="臺灣道路體 1.0 Regular" panose="020B0506020000000000" pitchFamily="34" charset="-120"/>
+              </a:rPr>
+              <a:t>本專案目的：</a:t>
+            </a:r>
+            <a:endParaRPr lang="en-US" altLang="zh-TW" sz="2400" dirty="0">
+              <a:latin typeface="臺灣道路體 1.0 Regular" panose="020B0506020000000000" pitchFamily="34" charset="-120"/>
+              <a:ea typeface="臺灣道路體 1.0 Regular" panose="020B0506020000000000" pitchFamily="34" charset="-120"/>
+            </a:endParaRPr>
+          </a:p>
+          <a:p>
+            <a:pPr marL="342900" indent="-342900">
+              <a:buFont typeface="Arial" panose="020B0604020202020204" pitchFamily="34" charset="0"/>
+              <a:buChar char="•"/>
+            </a:pPr>
+            <a:r>
+              <a:rPr lang="zh-TW" altLang="en-US" sz="2400" dirty="0">
+                <a:latin typeface="臺灣道路體 1.0 Regular" panose="020B0506020000000000" pitchFamily="34" charset="-120"/>
+                <a:ea typeface="臺灣道路體 1.0 Regular" panose="020B0506020000000000" pitchFamily="34" charset="-120"/>
+              </a:rPr>
+              <a:t>評估日射量</a:t>
+            </a:r>
+            <a:endParaRPr lang="en-US" altLang="zh-TW" sz="2400" dirty="0">
+              <a:latin typeface="臺灣道路體 1.0 Regular" panose="020B0506020000000000" pitchFamily="34" charset="-120"/>
+              <a:ea typeface="臺灣道路體 1.0 Regular" panose="020B0506020000000000" pitchFamily="34" charset="-120"/>
+            </a:endParaRPr>
+          </a:p>
+          <a:p>
+            <a:pPr marL="342900" indent="-342900">
+              <a:buFont typeface="Arial" panose="020B0604020202020204" pitchFamily="34" charset="0"/>
+              <a:buChar char="•"/>
+            </a:pPr>
+            <a:r>
+              <a:rPr lang="zh-TW" altLang="en-US" sz="2400" dirty="0">
+                <a:latin typeface="臺灣道路體 1.0 Regular" panose="020B0506020000000000" pitchFamily="34" charset="-120"/>
+                <a:ea typeface="臺灣道路體 1.0 Regular" panose="020B0506020000000000" pitchFamily="34" charset="-120"/>
+              </a:rPr>
+              <a:t>預測溫度變化</a:t>
+            </a:r>
+            <a:endParaRPr lang="en-US" altLang="zh-TW" sz="2400" dirty="0">
+              <a:latin typeface="臺灣道路體 1.0 Regular" panose="020B0506020000000000" pitchFamily="34" charset="-120"/>
+              <a:ea typeface="臺灣道路體 1.0 Regular" panose="020B0506020000000000" pitchFamily="34" charset="-120"/>
+            </a:endParaRPr>
+          </a:p>
+          <a:p>
+            <a:pPr marL="342900" indent="-342900">
+              <a:buFont typeface="Arial" panose="020B0604020202020204" pitchFamily="34" charset="0"/>
+              <a:buChar char="•"/>
+            </a:pPr>
+            <a:r>
+              <a:rPr lang="zh-TW" altLang="en-US" sz="2400" dirty="0">
+                <a:latin typeface="臺灣道路體 1.0 Regular" panose="020B0506020000000000" pitchFamily="34" charset="-120"/>
+                <a:ea typeface="臺灣道路體 1.0 Regular" panose="020B0506020000000000" pitchFamily="34" charset="-120"/>
+              </a:rPr>
+              <a:t>以日射量評估是否適合設置太陽能系統。</a:t>
+            </a:r>
+          </a:p>
+        </p:txBody>
+      </p:sp>
       <p:sp>
         <p:nvSpPr>
           <p:cNvPr id="56" name="橢圓 55">
@@ -11340,64 +13866,12 @@
           </p:txBody>
         </p:sp>
       </p:grpSp>
-      <p:sp>
-        <p:nvSpPr>
-          <p:cNvPr id="7" name="文字方塊 6">
+      <p:grpSp>
+        <p:nvGrpSpPr>
+          <p:cNvPr id="8" name="群組 7">
             <a:extLst>
               <a:ext uri="{FF2B5EF4-FFF2-40B4-BE49-F238E27FC236}">
-                <a16:creationId xmlns:a16="http://schemas.microsoft.com/office/drawing/2014/main" id="{B1269B4F-2F41-8F7D-B5A5-46BAF3561D29}"/>
-              </a:ext>
-            </a:extLst>
-          </p:cNvPr>
-          <p:cNvSpPr txBox="1"/>
-          <p:nvPr/>
-        </p:nvSpPr>
-        <p:spPr>
-          <a:xfrm>
-            <a:off x="3034112" y="1884996"/>
-            <a:ext cx="582872" cy="400110"/>
-          </a:xfrm>
-          <a:prstGeom prst="rect">
-            <a:avLst/>
-          </a:prstGeom>
-          <a:noFill/>
-        </p:spPr>
-        <p:txBody>
-          <a:bodyPr wrap="square">
-            <a:spAutoFit/>
-          </a:bodyPr>
-          <a:lstStyle/>
-          <a:p>
-            <a:r>
-              <a:rPr lang="en-US" altLang="zh-TW" sz="2000" b="1" dirty="0">
-                <a:solidFill>
-                  <a:schemeClr val="tx1">
-                    <a:lumMod val="95000"/>
-                    <a:lumOff val="5000"/>
-                  </a:schemeClr>
-                </a:solidFill>
-                <a:latin typeface="臺灣道路體 1.0 Regular" panose="020B0506020000000000" pitchFamily="34" charset="-120"/>
-                <a:ea typeface="臺灣道路體 1.0 Regular" panose="020B0506020000000000" pitchFamily="34" charset="-120"/>
-              </a:rPr>
-              <a:t>ESH</a:t>
-            </a:r>
-            <a:endParaRPr lang="zh-TW" altLang="en-US" sz="2000" b="1" dirty="0">
-              <a:solidFill>
-                <a:schemeClr val="tx1">
-                  <a:lumMod val="95000"/>
-                  <a:lumOff val="5000"/>
-                </a:schemeClr>
-              </a:solidFill>
-            </a:endParaRPr>
-          </a:p>
-        </p:txBody>
-      </p:sp>
-      <p:grpSp>
-        <p:nvGrpSpPr>
-          <p:cNvPr id="12" name="群組 11">
-            <a:extLst>
-              <a:ext uri="{FF2B5EF4-FFF2-40B4-BE49-F238E27FC236}">
-                <a16:creationId xmlns:a16="http://schemas.microsoft.com/office/drawing/2014/main" id="{9A4D9923-092F-64C1-24DC-92F518ECFE52}"/>
+                <a16:creationId xmlns:a16="http://schemas.microsoft.com/office/drawing/2014/main" id="{5367B4B7-F67F-3781-6335-C68801EC54D7}"/>
               </a:ext>
             </a:extLst>
           </p:cNvPr>
@@ -11406,502 +13880,640 @@
         </p:nvGrpSpPr>
         <p:grpSpPr>
           <a:xfrm>
-            <a:off x="3616984" y="2278335"/>
-            <a:ext cx="6097136" cy="1165581"/>
-            <a:chOff x="3016098" y="1460999"/>
-            <a:chExt cx="6097136" cy="1227609"/>
+            <a:off x="3034112" y="2610315"/>
+            <a:ext cx="6255041" cy="3310535"/>
+            <a:chOff x="3616984" y="2278335"/>
+            <a:chExt cx="6255041" cy="3310535"/>
           </a:xfrm>
         </p:grpSpPr>
-        <p:sp>
-          <p:nvSpPr>
-            <p:cNvPr id="5" name="文字方塊 4">
+        <p:grpSp>
+          <p:nvGrpSpPr>
+            <p:cNvPr id="12" name="群組 11">
               <a:extLst>
                 <a:ext uri="{FF2B5EF4-FFF2-40B4-BE49-F238E27FC236}">
-                  <a16:creationId xmlns:a16="http://schemas.microsoft.com/office/drawing/2014/main" id="{3489B920-6BDA-D3D7-8FC0-EECC1F0EF7EF}"/>
+                  <a16:creationId xmlns:a16="http://schemas.microsoft.com/office/drawing/2014/main" id="{9A4D9923-092F-64C1-24DC-92F518ECFE52}"/>
                 </a:ext>
               </a:extLst>
             </p:cNvPr>
-            <p:cNvSpPr txBox="1"/>
+            <p:cNvGrpSpPr/>
+            <p:nvPr/>
+          </p:nvGrpSpPr>
+          <p:grpSpPr>
+            <a:xfrm>
+              <a:off x="3616984" y="2278335"/>
+              <a:ext cx="6097136" cy="1165581"/>
+              <a:chOff x="3016098" y="1460999"/>
+              <a:chExt cx="6097136" cy="1227609"/>
+            </a:xfrm>
+          </p:grpSpPr>
+          <p:sp>
+            <p:nvSpPr>
+              <p:cNvPr id="5" name="文字方塊 4">
+                <a:extLst>
+                  <a:ext uri="{FF2B5EF4-FFF2-40B4-BE49-F238E27FC236}">
+                    <a16:creationId xmlns:a16="http://schemas.microsoft.com/office/drawing/2014/main" id="{3489B920-6BDA-D3D7-8FC0-EECC1F0EF7EF}"/>
+                  </a:ext>
+                </a:extLst>
+              </p:cNvPr>
+              <p:cNvSpPr txBox="1"/>
+              <p:nvPr/>
+            </p:nvSpPr>
+            <p:spPr>
+              <a:xfrm>
+                <a:off x="3016098" y="1460999"/>
+                <a:ext cx="4713150" cy="369332"/>
+              </a:xfrm>
+              <a:prstGeom prst="rect">
+                <a:avLst/>
+              </a:prstGeom>
+              <a:noFill/>
+            </p:spPr>
+            <p:txBody>
+              <a:bodyPr wrap="none" rtlCol="0">
+                <a:spAutoFit/>
+              </a:bodyPr>
+              <a:lstStyle/>
+              <a:p>
+                <a:r>
+                  <a:rPr lang="zh-TW" altLang="en-US" dirty="0">
+                    <a:solidFill>
+                      <a:schemeClr val="tx1">
+                        <a:lumMod val="95000"/>
+                        <a:lumOff val="5000"/>
+                      </a:schemeClr>
+                    </a:solidFill>
+                    <a:latin typeface="臺灣道路體 1.0 Regular" panose="020B0506020000000000" pitchFamily="34" charset="-120"/>
+                    <a:ea typeface="臺灣道路體 1.0 Regular" panose="020B0506020000000000" pitchFamily="34" charset="-120"/>
+                  </a:rPr>
+                  <a:t>等效日射小時（</a:t>
+                </a:r>
+                <a:r>
+                  <a:rPr lang="en-US" altLang="zh-TW" dirty="0">
+                    <a:solidFill>
+                      <a:schemeClr val="tx1">
+                        <a:lumMod val="95000"/>
+                        <a:lumOff val="5000"/>
+                      </a:schemeClr>
+                    </a:solidFill>
+                    <a:latin typeface="臺灣道路體 1.0 Regular" panose="020B0506020000000000" pitchFamily="34" charset="-120"/>
+                    <a:ea typeface="臺灣道路體 1.0 Regular" panose="020B0506020000000000" pitchFamily="34" charset="-120"/>
+                  </a:rPr>
+                  <a:t>Equivalent Sun Hours, ESH</a:t>
+                </a:r>
+                <a:r>
+                  <a:rPr lang="zh-TW" altLang="en-US" dirty="0">
+                    <a:solidFill>
+                      <a:schemeClr val="tx1">
+                        <a:lumMod val="95000"/>
+                        <a:lumOff val="5000"/>
+                      </a:schemeClr>
+                    </a:solidFill>
+                    <a:latin typeface="臺灣道路體 1.0 Regular" panose="020B0506020000000000" pitchFamily="34" charset="-120"/>
+                    <a:ea typeface="臺灣道路體 1.0 Regular" panose="020B0506020000000000" pitchFamily="34" charset="-120"/>
+                  </a:rPr>
+                  <a:t>）是太陽能系統設計相關的重要概念。</a:t>
+                </a:r>
+              </a:p>
+            </p:txBody>
+          </p:sp>
+          <p:sp>
+            <p:nvSpPr>
+              <p:cNvPr id="9" name="文字方塊 8">
+                <a:extLst>
+                  <a:ext uri="{FF2B5EF4-FFF2-40B4-BE49-F238E27FC236}">
+                    <a16:creationId xmlns:a16="http://schemas.microsoft.com/office/drawing/2014/main" id="{081A13B1-788E-704D-7E93-DD9F16DA746A}"/>
+                  </a:ext>
+                </a:extLst>
+              </p:cNvPr>
+              <p:cNvSpPr txBox="1"/>
+              <p:nvPr/>
+            </p:nvSpPr>
+            <p:spPr>
+              <a:xfrm>
+                <a:off x="3016098" y="2042277"/>
+                <a:ext cx="6097136" cy="646331"/>
+              </a:xfrm>
+              <a:prstGeom prst="rect">
+                <a:avLst/>
+              </a:prstGeom>
+              <a:noFill/>
+            </p:spPr>
+            <p:txBody>
+              <a:bodyPr wrap="square">
+                <a:spAutoFit/>
+              </a:bodyPr>
+              <a:lstStyle/>
+              <a:p>
+                <a:r>
+                  <a:rPr lang="zh-TW" altLang="en-US" dirty="0">
+                    <a:solidFill>
+                      <a:schemeClr val="tx1">
+                        <a:lumMod val="95000"/>
+                        <a:lumOff val="5000"/>
+                      </a:schemeClr>
+                    </a:solidFill>
+                    <a:latin typeface="臺灣道路體 1.0 Regular" panose="020B0506020000000000" pitchFamily="34" charset="-120"/>
+                    <a:ea typeface="臺灣道路體 1.0 Regular" panose="020B0506020000000000" pitchFamily="34" charset="-120"/>
+                  </a:rPr>
+                  <a:t>等效日射小時表示一天內太陽能輻射量轉化為在1千瓦每平方公尺（1kW/m²）條件下工作的總時間。這個指標有助於評估太陽能系統在特定地區的性能。等效日射小時的計算公式如下：</a:t>
+                </a:r>
+              </a:p>
+            </p:txBody>
+          </p:sp>
+        </p:grpSp>
+        <p:sp>
+          <p:nvSpPr>
+            <p:cNvPr id="17" name="矩形: 圓角 16">
+              <a:extLst>
+                <a:ext uri="{FF2B5EF4-FFF2-40B4-BE49-F238E27FC236}">
+                  <a16:creationId xmlns:a16="http://schemas.microsoft.com/office/drawing/2014/main" id="{3E1ADE0F-4246-315C-4B0D-8CEF9E59D93C}"/>
+                </a:ext>
+              </a:extLst>
+            </p:cNvPr>
+            <p:cNvSpPr/>
             <p:nvPr/>
           </p:nvSpPr>
           <p:spPr>
             <a:xfrm>
-              <a:off x="3016098" y="1460999"/>
-              <a:ext cx="4713150" cy="369332"/>
+              <a:off x="3678397" y="4269390"/>
+              <a:ext cx="4094001" cy="494006"/>
             </a:xfrm>
-            <a:prstGeom prst="rect">
+            <a:prstGeom prst="roundRect">
               <a:avLst/>
             </a:prstGeom>
-            <a:noFill/>
+            <a:solidFill>
+              <a:srgbClr val="C00000">
+                <a:alpha val="34000"/>
+              </a:srgbClr>
+            </a:solidFill>
+            <a:ln>
+              <a:noFill/>
+            </a:ln>
           </p:spPr>
+          <p:style>
+            <a:lnRef idx="2">
+              <a:schemeClr val="accent1">
+                <a:shade val="15000"/>
+              </a:schemeClr>
+            </a:lnRef>
+            <a:fillRef idx="1">
+              <a:schemeClr val="accent1"/>
+            </a:fillRef>
+            <a:effectRef idx="0">
+              <a:schemeClr val="accent1"/>
+            </a:effectRef>
+            <a:fontRef idx="minor">
+              <a:schemeClr val="lt1"/>
+            </a:fontRef>
+          </p:style>
           <p:txBody>
-            <a:bodyPr wrap="none" rtlCol="0">
-              <a:spAutoFit/>
-            </a:bodyPr>
+            <a:bodyPr rtlCol="0" anchor="ctr"/>
             <a:lstStyle/>
             <a:p>
               <a:r>
                 <a:rPr lang="zh-TW" altLang="en-US" dirty="0">
-                  <a:solidFill>
-                    <a:schemeClr val="tx1">
-                      <a:lumMod val="95000"/>
-                      <a:lumOff val="5000"/>
-                    </a:schemeClr>
-                  </a:solidFill>
                   <a:latin typeface="臺灣道路體 1.0 Regular" panose="020B0506020000000000" pitchFamily="34" charset="-120"/>
                   <a:ea typeface="臺灣道路體 1.0 Regular" panose="020B0506020000000000" pitchFamily="34" charset="-120"/>
                 </a:rPr>
-                <a:t>等效日射小時（</a:t>
-              </a:r>
-              <a:r>
-                <a:rPr lang="en-US" altLang="zh-TW" dirty="0">
-                  <a:solidFill>
-                    <a:schemeClr val="tx1">
-                      <a:lumMod val="95000"/>
-                      <a:lumOff val="5000"/>
-                    </a:schemeClr>
-                  </a:solidFill>
-                  <a:latin typeface="臺灣道路體 1.0 Regular" panose="020B0506020000000000" pitchFamily="34" charset="-120"/>
-                  <a:ea typeface="臺灣道路體 1.0 Regular" panose="020B0506020000000000" pitchFamily="34" charset="-120"/>
-                </a:rPr>
-                <a:t>Equivalent Sun Hours, ESH</a:t>
-              </a:r>
-              <a:r>
-                <a:rPr lang="zh-TW" altLang="en-US" dirty="0">
-                  <a:solidFill>
-                    <a:schemeClr val="tx1">
-                      <a:lumMod val="95000"/>
-                      <a:lumOff val="5000"/>
-                    </a:schemeClr>
-                  </a:solidFill>
-                  <a:latin typeface="臺灣道路體 1.0 Regular" panose="020B0506020000000000" pitchFamily="34" charset="-120"/>
-                  <a:ea typeface="臺灣道路體 1.0 Regular" panose="020B0506020000000000" pitchFamily="34" charset="-120"/>
-                </a:rPr>
-                <a:t>）是太陽能系統設計相關的重要概念。</a:t>
+                <a:t>MJ/m² 轉換為kW/m² 的公式：1 MJ/m² = 0.2778 kW/m²</a:t>
               </a:r>
             </a:p>
           </p:txBody>
         </p:sp>
         <p:sp>
           <p:nvSpPr>
-            <p:cNvPr id="9" name="文字方塊 8">
+            <p:cNvPr id="18" name="矩形: 圓角 17">
               <a:extLst>
                 <a:ext uri="{FF2B5EF4-FFF2-40B4-BE49-F238E27FC236}">
-                  <a16:creationId xmlns:a16="http://schemas.microsoft.com/office/drawing/2014/main" id="{081A13B1-788E-704D-7E93-DD9F16DA746A}"/>
+                  <a16:creationId xmlns:a16="http://schemas.microsoft.com/office/drawing/2014/main" id="{FC1A2E12-E008-072D-777D-42E4331D608D}"/>
                 </a:ext>
               </a:extLst>
             </p:cNvPr>
-            <p:cNvSpPr txBox="1"/>
+            <p:cNvSpPr/>
             <p:nvPr/>
           </p:nvSpPr>
           <p:spPr>
             <a:xfrm>
-              <a:off x="3016098" y="2042277"/>
-              <a:ext cx="6097136" cy="646331"/>
+              <a:off x="3678398" y="3685149"/>
+              <a:ext cx="4094001" cy="494006"/>
             </a:xfrm>
-            <a:prstGeom prst="rect">
+            <a:prstGeom prst="roundRect">
               <a:avLst/>
             </a:prstGeom>
-            <a:noFill/>
+            <a:solidFill>
+              <a:srgbClr val="C00000">
+                <a:alpha val="34000"/>
+              </a:srgbClr>
+            </a:solidFill>
+            <a:ln>
+              <a:noFill/>
+            </a:ln>
           </p:spPr>
+          <p:style>
+            <a:lnRef idx="2">
+              <a:schemeClr val="accent1">
+                <a:shade val="15000"/>
+              </a:schemeClr>
+            </a:lnRef>
+            <a:fillRef idx="1">
+              <a:schemeClr val="accent1"/>
+            </a:fillRef>
+            <a:effectRef idx="0">
+              <a:schemeClr val="accent1"/>
+            </a:effectRef>
+            <a:fontRef idx="minor">
+              <a:schemeClr val="lt1"/>
+            </a:fontRef>
+          </p:style>
           <p:txBody>
-            <a:bodyPr wrap="square">
-              <a:spAutoFit/>
-            </a:bodyPr>
+            <a:bodyPr rtlCol="0" anchor="ctr"/>
             <a:lstStyle/>
             <a:p>
               <a:r>
                 <a:rPr lang="zh-TW" altLang="en-US" dirty="0">
                   <a:solidFill>
-                    <a:schemeClr val="tx1">
-                      <a:lumMod val="95000"/>
-                      <a:lumOff val="5000"/>
-                    </a:schemeClr>
+                    <a:schemeClr val="bg1"/>
                   </a:solidFill>
                   <a:latin typeface="臺灣道路體 1.0 Regular" panose="020B0506020000000000" pitchFamily="34" charset="-120"/>
                   <a:ea typeface="臺灣道路體 1.0 Regular" panose="020B0506020000000000" pitchFamily="34" charset="-120"/>
                 </a:rPr>
-                <a:t>等效日射小時表示一天內太陽能輻射量轉化為在1千瓦每平方公尺（1kW/m²）條件下工作的總時間。這個指標有助於評估太陽能系統在特定地區的性能。等效日射小時的計算公式如下：</a:t>
+                <a:t>ESH = DailySolarIrradiation (kWh/m²/day) / (1kW/m²)</a:t>
+              </a:r>
+              <a:endParaRPr lang="en-US" altLang="zh-TW" dirty="0">
+                <a:solidFill>
+                  <a:schemeClr val="bg1"/>
+                </a:solidFill>
+                <a:latin typeface="臺灣道路體 1.0 Regular" panose="020B0506020000000000" pitchFamily="34" charset="-120"/>
+                <a:ea typeface="臺灣道路體 1.0 Regular" panose="020B0506020000000000" pitchFamily="34" charset="-120"/>
+              </a:endParaRPr>
+            </a:p>
+          </p:txBody>
+        </p:sp>
+        <p:sp>
+          <p:nvSpPr>
+            <p:cNvPr id="23" name="矩形: 圓角 22">
+              <a:extLst>
+                <a:ext uri="{FF2B5EF4-FFF2-40B4-BE49-F238E27FC236}">
+                  <a16:creationId xmlns:a16="http://schemas.microsoft.com/office/drawing/2014/main" id="{3C9BA4DF-2B98-1DF8-295B-6DE0EB84AEED}"/>
+                </a:ext>
+              </a:extLst>
+            </p:cNvPr>
+            <p:cNvSpPr/>
+            <p:nvPr/>
+          </p:nvSpPr>
+          <p:spPr>
+            <a:xfrm>
+              <a:off x="3678397" y="4853631"/>
+              <a:ext cx="4094001" cy="735239"/>
+            </a:xfrm>
+            <a:prstGeom prst="roundRect">
+              <a:avLst/>
+            </a:prstGeom>
+            <a:solidFill>
+              <a:schemeClr val="tx1">
+                <a:alpha val="34000"/>
+              </a:schemeClr>
+            </a:solidFill>
+            <a:ln>
+              <a:noFill/>
+            </a:ln>
+          </p:spPr>
+          <p:style>
+            <a:lnRef idx="2">
+              <a:schemeClr val="accent1">
+                <a:shade val="15000"/>
+              </a:schemeClr>
+            </a:lnRef>
+            <a:fillRef idx="1">
+              <a:schemeClr val="accent1"/>
+            </a:fillRef>
+            <a:effectRef idx="0">
+              <a:schemeClr val="accent1"/>
+            </a:effectRef>
+            <a:fontRef idx="minor">
+              <a:schemeClr val="lt1"/>
+            </a:fontRef>
+          </p:style>
+          <p:txBody>
+            <a:bodyPr rtlCol="0" anchor="ctr"/>
+            <a:lstStyle/>
+            <a:p>
+              <a:r>
+                <a:rPr lang="en-US" altLang="zh-TW" sz="1800" dirty="0">
+                  <a:solidFill>
+                    <a:schemeClr val="bg1"/>
+                  </a:solidFill>
+                  <a:latin typeface="臺灣道路體 1.0 Regular" panose="020B0506020000000000" pitchFamily="34" charset="-120"/>
+                  <a:ea typeface="臺灣道路體 1.0 Regular" panose="020B0506020000000000" pitchFamily="34" charset="-120"/>
+                </a:rPr>
+                <a:t>Ex. </a:t>
+              </a:r>
+              <a:r>
+                <a:rPr lang="zh-TW" altLang="en-US" sz="1800" dirty="0">
+                  <a:solidFill>
+                    <a:schemeClr val="bg1"/>
+                  </a:solidFill>
+                  <a:latin typeface="臺灣道路體 1.0 Regular" panose="020B0506020000000000" pitchFamily="34" charset="-120"/>
+                  <a:ea typeface="臺灣道路體 1.0 Regular" panose="020B0506020000000000" pitchFamily="34" charset="-120"/>
+                </a:rPr>
+                <a:t>如果你有一塊 </a:t>
+              </a:r>
+              <a:r>
+                <a:rPr lang="en-US" altLang="zh-TW" sz="1800" dirty="0">
+                  <a:solidFill>
+                    <a:schemeClr val="bg1"/>
+                  </a:solidFill>
+                  <a:latin typeface="臺灣道路體 1.0 Regular" panose="020B0506020000000000" pitchFamily="34" charset="-120"/>
+                  <a:ea typeface="臺灣道路體 1.0 Regular" panose="020B0506020000000000" pitchFamily="34" charset="-120"/>
+                </a:rPr>
+                <a:t>200 </a:t>
+              </a:r>
+              <a:r>
+                <a:rPr lang="zh-TW" altLang="en-US" sz="1800" dirty="0">
+                  <a:solidFill>
+                    <a:schemeClr val="bg1"/>
+                  </a:solidFill>
+                  <a:latin typeface="臺灣道路體 1.0 Regular" panose="020B0506020000000000" pitchFamily="34" charset="-120"/>
+                  <a:ea typeface="臺灣道路體 1.0 Regular" panose="020B0506020000000000" pitchFamily="34" charset="-120"/>
+                </a:rPr>
+                <a:t>瓦的太陽能板，而你所在位置的 </a:t>
+              </a:r>
+              <a:r>
+                <a:rPr lang="en-US" altLang="zh-TW" sz="1800" dirty="0">
+                  <a:solidFill>
+                    <a:schemeClr val="bg1"/>
+                  </a:solidFill>
+                  <a:latin typeface="臺灣道路體 1.0 Regular" panose="020B0506020000000000" pitchFamily="34" charset="-120"/>
+                  <a:ea typeface="臺灣道路體 1.0 Regular" panose="020B0506020000000000" pitchFamily="34" charset="-120"/>
+                </a:rPr>
+                <a:t>ESH </a:t>
+              </a:r>
+              <a:r>
+                <a:rPr lang="zh-TW" altLang="en-US" sz="1800" dirty="0">
+                  <a:solidFill>
+                    <a:schemeClr val="bg1"/>
+                  </a:solidFill>
+                  <a:latin typeface="臺灣道路體 1.0 Regular" panose="020B0506020000000000" pitchFamily="34" charset="-120"/>
+                  <a:ea typeface="臺灣道路體 1.0 Regular" panose="020B0506020000000000" pitchFamily="34" charset="-120"/>
+                </a:rPr>
+                <a:t>為 </a:t>
+              </a:r>
+              <a:r>
+                <a:rPr lang="en-US" altLang="zh-TW" sz="1800" dirty="0">
+                  <a:solidFill>
+                    <a:schemeClr val="bg1"/>
+                  </a:solidFill>
+                  <a:latin typeface="臺灣道路體 1.0 Regular" panose="020B0506020000000000" pitchFamily="34" charset="-120"/>
+                  <a:ea typeface="臺灣道路體 1.0 Regular" panose="020B0506020000000000" pitchFamily="34" charset="-120"/>
+                </a:rPr>
+                <a:t>5 </a:t>
+              </a:r>
+              <a:r>
+                <a:rPr lang="zh-TW" altLang="en-US" sz="1800" dirty="0">
+                  <a:solidFill>
+                    <a:schemeClr val="bg1"/>
+                  </a:solidFill>
+                  <a:latin typeface="臺灣道路體 1.0 Regular" panose="020B0506020000000000" pitchFamily="34" charset="-120"/>
+                  <a:ea typeface="臺灣道路體 1.0 Regular" panose="020B0506020000000000" pitchFamily="34" charset="-120"/>
+                </a:rPr>
+                <a:t>小時，每日能量產出</a:t>
+              </a:r>
+              <a:r>
+                <a:rPr lang="en-US" altLang="zh-TW" sz="1800" dirty="0">
+                  <a:solidFill>
+                    <a:schemeClr val="bg1"/>
+                  </a:solidFill>
+                  <a:latin typeface="臺灣道路體 1.0 Regular" panose="020B0506020000000000" pitchFamily="34" charset="-120"/>
+                  <a:ea typeface="臺灣道路體 1.0 Regular" panose="020B0506020000000000" pitchFamily="34" charset="-120"/>
+                </a:rPr>
+                <a:t>=200 W×5 </a:t>
+              </a:r>
+              <a:r>
+                <a:rPr lang="zh-TW" altLang="en-US" sz="1800" dirty="0">
+                  <a:solidFill>
+                    <a:schemeClr val="bg1"/>
+                  </a:solidFill>
+                  <a:latin typeface="臺灣道路體 1.0 Regular" panose="020B0506020000000000" pitchFamily="34" charset="-120"/>
+                  <a:ea typeface="臺灣道路體 1.0 Regular" panose="020B0506020000000000" pitchFamily="34" charset="-120"/>
+                </a:rPr>
+                <a:t>小時</a:t>
+              </a:r>
+              <a:r>
+                <a:rPr lang="en-US" altLang="zh-TW" sz="1800" dirty="0">
+                  <a:solidFill>
+                    <a:schemeClr val="bg1"/>
+                  </a:solidFill>
+                  <a:latin typeface="臺灣道路體 1.0 Regular" panose="020B0506020000000000" pitchFamily="34" charset="-120"/>
+                  <a:ea typeface="臺灣道路體 1.0 Regular" panose="020B0506020000000000" pitchFamily="34" charset="-120"/>
+                </a:rPr>
+                <a:t>=1000 </a:t>
+              </a:r>
+              <a:r>
+                <a:rPr lang="en-US" altLang="zh-TW" sz="1800" dirty="0" err="1">
+                  <a:solidFill>
+                    <a:schemeClr val="bg1"/>
+                  </a:solidFill>
+                  <a:latin typeface="臺灣道路體 1.0 Regular" panose="020B0506020000000000" pitchFamily="34" charset="-120"/>
+                  <a:ea typeface="臺灣道路體 1.0 Regular" panose="020B0506020000000000" pitchFamily="34" charset="-120"/>
+                </a:rPr>
+                <a:t>Wh</a:t>
+              </a:r>
+              <a:r>
+                <a:rPr lang="en-US" altLang="zh-TW" sz="1800" dirty="0">
+                  <a:solidFill>
+                    <a:schemeClr val="bg1"/>
+                  </a:solidFill>
+                  <a:latin typeface="臺灣道路體 1.0 Regular" panose="020B0506020000000000" pitchFamily="34" charset="-120"/>
+                  <a:ea typeface="臺灣道路體 1.0 Regular" panose="020B0506020000000000" pitchFamily="34" charset="-120"/>
+                </a:rPr>
+                <a:t> </a:t>
+              </a:r>
+              <a:r>
+                <a:rPr lang="zh-TW" altLang="en-US" sz="1800" dirty="0">
+                  <a:solidFill>
+                    <a:schemeClr val="bg1"/>
+                  </a:solidFill>
+                  <a:latin typeface="臺灣道路體 1.0 Regular" panose="020B0506020000000000" pitchFamily="34" charset="-120"/>
+                  <a:ea typeface="臺灣道路體 1.0 Regular" panose="020B0506020000000000" pitchFamily="34" charset="-120"/>
+                </a:rPr>
+                <a:t>或 </a:t>
+              </a:r>
+              <a:r>
+                <a:rPr lang="en-US" altLang="zh-TW" sz="1800" dirty="0">
+                  <a:solidFill>
+                    <a:schemeClr val="bg1"/>
+                  </a:solidFill>
+                  <a:latin typeface="臺灣道路體 1.0 Regular" panose="020B0506020000000000" pitchFamily="34" charset="-120"/>
+                  <a:ea typeface="臺灣道路體 1.0 Regular" panose="020B0506020000000000" pitchFamily="34" charset="-120"/>
+                </a:rPr>
+                <a:t>1 kWh</a:t>
+              </a:r>
+              <a:endParaRPr lang="zh-TW" altLang="en-US" sz="1800" dirty="0">
+                <a:solidFill>
+                  <a:schemeClr val="bg1"/>
+                </a:solidFill>
+                <a:latin typeface="臺灣道路體 1.0 Regular" panose="020B0506020000000000" pitchFamily="34" charset="-120"/>
+                <a:ea typeface="臺灣道路體 1.0 Regular" panose="020B0506020000000000" pitchFamily="34" charset="-120"/>
+              </a:endParaRPr>
+            </a:p>
+          </p:txBody>
+        </p:sp>
+        <p:sp>
+          <p:nvSpPr>
+            <p:cNvPr id="6" name="矩形: 圓角 5">
+              <a:extLst>
+                <a:ext uri="{FF2B5EF4-FFF2-40B4-BE49-F238E27FC236}">
+                  <a16:creationId xmlns:a16="http://schemas.microsoft.com/office/drawing/2014/main" id="{2F655F43-7BF6-F9DA-4239-1EFA831A4832}"/>
+                </a:ext>
+              </a:extLst>
+            </p:cNvPr>
+            <p:cNvSpPr/>
+            <p:nvPr/>
+          </p:nvSpPr>
+          <p:spPr>
+            <a:xfrm>
+              <a:off x="7944080" y="3685148"/>
+              <a:ext cx="1927945" cy="1416790"/>
+            </a:xfrm>
+            <a:prstGeom prst="roundRect">
+              <a:avLst>
+                <a:gd name="adj" fmla="val 7623"/>
+              </a:avLst>
+            </a:prstGeom>
+            <a:solidFill>
+              <a:srgbClr val="C00000">
+                <a:alpha val="34000"/>
+              </a:srgbClr>
+            </a:solidFill>
+            <a:ln>
+              <a:noFill/>
+            </a:ln>
+          </p:spPr>
+          <p:style>
+            <a:lnRef idx="2">
+              <a:schemeClr val="accent1">
+                <a:shade val="15000"/>
+              </a:schemeClr>
+            </a:lnRef>
+            <a:fillRef idx="1">
+              <a:schemeClr val="accent1"/>
+            </a:fillRef>
+            <a:effectRef idx="0">
+              <a:schemeClr val="accent1"/>
+            </a:effectRef>
+            <a:fontRef idx="minor">
+              <a:schemeClr val="lt1"/>
+            </a:fontRef>
+          </p:style>
+          <p:txBody>
+            <a:bodyPr rtlCol="0" anchor="ctr"/>
+            <a:lstStyle/>
+            <a:p>
+              <a:r>
+                <a:rPr lang="en-US" altLang="zh-TW" dirty="0">
+                  <a:latin typeface="臺灣道路體 1.0 Regular" panose="020B0506020000000000" pitchFamily="34" charset="-120"/>
+                  <a:ea typeface="臺灣道路體 1.0 Regular" panose="020B0506020000000000" pitchFamily="34" charset="-120"/>
+                </a:rPr>
+                <a:t>P=</a:t>
+              </a:r>
+              <a:r>
+                <a:rPr lang="en-US" altLang="zh-TW" dirty="0" err="1">
+                  <a:latin typeface="臺灣道路體 1.0 Regular" panose="020B0506020000000000" pitchFamily="34" charset="-120"/>
+                  <a:ea typeface="臺灣道路體 1.0 Regular" panose="020B0506020000000000" pitchFamily="34" charset="-120"/>
+                </a:rPr>
+                <a:t>Sx</a:t>
+              </a:r>
+              <a:r>
+                <a:rPr lang="el-GR" altLang="zh-TW" dirty="0">
+                  <a:latin typeface="臺灣道路體 1.0 Regular" panose="020B0506020000000000" pitchFamily="34" charset="-120"/>
+                  <a:ea typeface="臺灣道路體 1.0 Regular" panose="020B0506020000000000" pitchFamily="34" charset="-120"/>
+                </a:rPr>
+                <a:t>η×</a:t>
+              </a:r>
+              <a:r>
+                <a:rPr lang="en-US" altLang="zh-TW" dirty="0">
+                  <a:latin typeface="臺灣道路體 1.0 Regular" panose="020B0506020000000000" pitchFamily="34" charset="-120"/>
+                  <a:ea typeface="臺灣道路體 1.0 Regular" panose="020B0506020000000000" pitchFamily="34" charset="-120"/>
+                </a:rPr>
+                <a:t>ESH/E </a:t>
+              </a:r>
+            </a:p>
+            <a:p>
+              <a:r>
+                <a:rPr lang="en-US" altLang="zh-TW" dirty="0">
+                  <a:latin typeface="臺灣道路體 1.0 Regular" panose="020B0506020000000000" pitchFamily="34" charset="-120"/>
+                  <a:ea typeface="臺灣道路體 1.0 Regular" panose="020B0506020000000000" pitchFamily="34" charset="-120"/>
+                </a:rPr>
+                <a:t>S</a:t>
+              </a:r>
+              <a:r>
+                <a:rPr lang="zh-TW" altLang="en-US" dirty="0">
+                  <a:latin typeface="臺灣道路體 1.0 Regular" panose="020B0506020000000000" pitchFamily="34" charset="-120"/>
+                  <a:ea typeface="臺灣道路體 1.0 Regular" panose="020B0506020000000000" pitchFamily="34" charset="-120"/>
+                </a:rPr>
+                <a:t>：系統容量</a:t>
+              </a:r>
+              <a:r>
+                <a:rPr lang="en-US" altLang="zh-TW" dirty="0">
+                  <a:latin typeface="臺灣道路體 1.0 Regular" panose="020B0506020000000000" pitchFamily="34" charset="-120"/>
+                  <a:ea typeface="臺灣道路體 1.0 Regular" panose="020B0506020000000000" pitchFamily="34" charset="-120"/>
+                </a:rPr>
+                <a:t>(KW)</a:t>
+              </a:r>
+            </a:p>
+            <a:p>
+              <a:r>
+                <a:rPr lang="en-US" altLang="zh-TW" dirty="0">
+                  <a:latin typeface="臺灣道路體 1.0 Regular" panose="020B0506020000000000" pitchFamily="34" charset="-120"/>
+                  <a:ea typeface="臺灣道路體 1.0 Regular" panose="020B0506020000000000" pitchFamily="34" charset="-120"/>
+                </a:rPr>
+                <a:t>E</a:t>
+              </a:r>
+              <a:r>
+                <a:rPr lang="zh-TW" altLang="en-US" dirty="0">
+                  <a:latin typeface="臺灣道路體 1.0 Regular" panose="020B0506020000000000" pitchFamily="34" charset="-120"/>
+                  <a:ea typeface="臺灣道路體 1.0 Regular" panose="020B0506020000000000" pitchFamily="34" charset="-120"/>
+                </a:rPr>
+                <a:t>：每日能量需求（</a:t>
+              </a:r>
+              <a:r>
+                <a:rPr lang="en-US" altLang="zh-TW" dirty="0">
+                  <a:latin typeface="臺灣道路體 1.0 Regular" panose="020B0506020000000000" pitchFamily="34" charset="-120"/>
+                  <a:ea typeface="臺灣道路體 1.0 Regular" panose="020B0506020000000000" pitchFamily="34" charset="-120"/>
+                </a:rPr>
+                <a:t>kWh/day</a:t>
+              </a:r>
+              <a:r>
+                <a:rPr lang="zh-TW" altLang="en-US" dirty="0">
+                  <a:latin typeface="臺灣道路體 1.0 Regular" panose="020B0506020000000000" pitchFamily="34" charset="-120"/>
+                  <a:ea typeface="臺灣道路體 1.0 Regular" panose="020B0506020000000000" pitchFamily="34" charset="-120"/>
+                </a:rPr>
+                <a:t>）</a:t>
+              </a:r>
+              <a:endParaRPr lang="en-US" altLang="zh-TW" dirty="0">
+                <a:latin typeface="臺灣道路體 1.0 Regular" panose="020B0506020000000000" pitchFamily="34" charset="-120"/>
+                <a:ea typeface="臺灣道路體 1.0 Regular" panose="020B0506020000000000" pitchFamily="34" charset="-120"/>
+              </a:endParaRPr>
+            </a:p>
+            <a:p>
+              <a:r>
+                <a:rPr lang="el-GR" altLang="zh-TW" dirty="0">
+                  <a:latin typeface="臺灣道路體 1.0 Regular" panose="020B0506020000000000" pitchFamily="34" charset="-120"/>
+                  <a:ea typeface="臺灣道路體 1.0 Regular" panose="020B0506020000000000" pitchFamily="34" charset="-120"/>
+                </a:rPr>
+                <a:t>η</a:t>
+              </a:r>
+              <a:r>
+                <a:rPr lang="zh-TW" altLang="en-US" dirty="0">
+                  <a:latin typeface="臺灣道路體 1.0 Regular" panose="020B0506020000000000" pitchFamily="34" charset="-120"/>
+                  <a:ea typeface="臺灣道路體 1.0 Regular" panose="020B0506020000000000" pitchFamily="34" charset="-120"/>
+                </a:rPr>
+                <a:t>：是系統效率</a:t>
               </a:r>
             </a:p>
           </p:txBody>
         </p:sp>
       </p:grpSp>
-      <p:sp>
-        <p:nvSpPr>
-          <p:cNvPr id="13" name="文字方塊 12">
-            <a:extLst>
-              <a:ext uri="{FF2B5EF4-FFF2-40B4-BE49-F238E27FC236}">
-                <a16:creationId xmlns:a16="http://schemas.microsoft.com/office/drawing/2014/main" id="{1C80E89D-C095-655A-5B3D-AD232C103B06}"/>
-              </a:ext>
-            </a:extLst>
-          </p:cNvPr>
-          <p:cNvSpPr txBox="1"/>
-          <p:nvPr/>
-        </p:nvSpPr>
-        <p:spPr>
-          <a:xfrm>
-            <a:off x="3047432" y="710554"/>
-            <a:ext cx="6097136" cy="461665"/>
-          </a:xfrm>
-          <a:prstGeom prst="rect">
-            <a:avLst/>
-          </a:prstGeom>
-          <a:noFill/>
-        </p:spPr>
-        <p:txBody>
-          <a:bodyPr wrap="square">
-            <a:spAutoFit/>
-          </a:bodyPr>
-          <a:lstStyle/>
-          <a:p>
-            <a:r>
-              <a:rPr lang="zh-TW" altLang="en-US" sz="2400" dirty="0">
-                <a:latin typeface="臺灣道路體 1.0 Regular" panose="020B0506020000000000" pitchFamily="34" charset="-120"/>
-                <a:ea typeface="臺灣道路體 1.0 Regular" panose="020B0506020000000000" pitchFamily="34" charset="-120"/>
-              </a:rPr>
-              <a:t>本專案評估日照及溫度變化，並以日設量評估是否適合設置太陽能系統。</a:t>
-            </a:r>
-          </a:p>
-        </p:txBody>
-      </p:sp>
-      <p:sp>
-        <p:nvSpPr>
-          <p:cNvPr id="17" name="矩形: 圓角 16">
-            <a:extLst>
-              <a:ext uri="{FF2B5EF4-FFF2-40B4-BE49-F238E27FC236}">
-                <a16:creationId xmlns:a16="http://schemas.microsoft.com/office/drawing/2014/main" id="{3E1ADE0F-4246-315C-4B0D-8CEF9E59D93C}"/>
-              </a:ext>
-            </a:extLst>
-          </p:cNvPr>
-          <p:cNvSpPr/>
-          <p:nvPr/>
-        </p:nvSpPr>
-        <p:spPr>
-          <a:xfrm>
-            <a:off x="3678397" y="4269390"/>
-            <a:ext cx="4094001" cy="494006"/>
-          </a:xfrm>
-          <a:prstGeom prst="roundRect">
-            <a:avLst/>
-          </a:prstGeom>
-          <a:solidFill>
-            <a:srgbClr val="C00000">
-              <a:alpha val="34000"/>
-            </a:srgbClr>
-          </a:solidFill>
-          <a:ln>
-            <a:noFill/>
-          </a:ln>
-        </p:spPr>
-        <p:style>
-          <a:lnRef idx="2">
-            <a:schemeClr val="accent1">
-              <a:shade val="15000"/>
-            </a:schemeClr>
-          </a:lnRef>
-          <a:fillRef idx="1">
-            <a:schemeClr val="accent1"/>
-          </a:fillRef>
-          <a:effectRef idx="0">
-            <a:schemeClr val="accent1"/>
-          </a:effectRef>
-          <a:fontRef idx="minor">
-            <a:schemeClr val="lt1"/>
-          </a:fontRef>
-        </p:style>
-        <p:txBody>
-          <a:bodyPr rtlCol="0" anchor="ctr"/>
-          <a:lstStyle/>
-          <a:p>
-            <a:r>
-              <a:rPr lang="zh-TW" altLang="en-US" dirty="0">
-                <a:latin typeface="臺灣道路體 1.0 Regular" panose="020B0506020000000000" pitchFamily="34" charset="-120"/>
-                <a:ea typeface="臺灣道路體 1.0 Regular" panose="020B0506020000000000" pitchFamily="34" charset="-120"/>
-              </a:rPr>
-              <a:t>MJ/m² 轉換為kW/m² 的公式：1 MJ/m² = 0.2778 kW/m²</a:t>
-            </a:r>
-          </a:p>
-        </p:txBody>
-      </p:sp>
-      <p:sp>
-        <p:nvSpPr>
-          <p:cNvPr id="18" name="矩形: 圓角 17">
-            <a:extLst>
-              <a:ext uri="{FF2B5EF4-FFF2-40B4-BE49-F238E27FC236}">
-                <a16:creationId xmlns:a16="http://schemas.microsoft.com/office/drawing/2014/main" id="{FC1A2E12-E008-072D-777D-42E4331D608D}"/>
-              </a:ext>
-            </a:extLst>
-          </p:cNvPr>
-          <p:cNvSpPr/>
-          <p:nvPr/>
-        </p:nvSpPr>
-        <p:spPr>
-          <a:xfrm>
-            <a:off x="3678398" y="3685149"/>
-            <a:ext cx="4094001" cy="494006"/>
-          </a:xfrm>
-          <a:prstGeom prst="roundRect">
-            <a:avLst/>
-          </a:prstGeom>
-          <a:solidFill>
-            <a:srgbClr val="C00000">
-              <a:alpha val="34000"/>
-            </a:srgbClr>
-          </a:solidFill>
-          <a:ln>
-            <a:noFill/>
-          </a:ln>
-        </p:spPr>
-        <p:style>
-          <a:lnRef idx="2">
-            <a:schemeClr val="accent1">
-              <a:shade val="15000"/>
-            </a:schemeClr>
-          </a:lnRef>
-          <a:fillRef idx="1">
-            <a:schemeClr val="accent1"/>
-          </a:fillRef>
-          <a:effectRef idx="0">
-            <a:schemeClr val="accent1"/>
-          </a:effectRef>
-          <a:fontRef idx="minor">
-            <a:schemeClr val="lt1"/>
-          </a:fontRef>
-        </p:style>
-        <p:txBody>
-          <a:bodyPr rtlCol="0" anchor="ctr"/>
-          <a:lstStyle/>
-          <a:p>
-            <a:r>
-              <a:rPr lang="zh-TW" altLang="en-US" dirty="0">
-                <a:solidFill>
-                  <a:schemeClr val="bg1"/>
-                </a:solidFill>
-                <a:latin typeface="臺灣道路體 1.0 Regular" panose="020B0506020000000000" pitchFamily="34" charset="-120"/>
-                <a:ea typeface="臺灣道路體 1.0 Regular" panose="020B0506020000000000" pitchFamily="34" charset="-120"/>
-              </a:rPr>
-              <a:t>ESH = DailySolarIrradiation (kWh/m²/day) / (1kW/m²)</a:t>
-            </a:r>
-            <a:endParaRPr lang="en-US" altLang="zh-TW" dirty="0">
-              <a:solidFill>
-                <a:schemeClr val="bg1"/>
-              </a:solidFill>
-              <a:latin typeface="臺灣道路體 1.0 Regular" panose="020B0506020000000000" pitchFamily="34" charset="-120"/>
-              <a:ea typeface="臺灣道路體 1.0 Regular" panose="020B0506020000000000" pitchFamily="34" charset="-120"/>
-            </a:endParaRPr>
-          </a:p>
-        </p:txBody>
-      </p:sp>
-      <p:sp>
-        <p:nvSpPr>
-          <p:cNvPr id="23" name="矩形: 圓角 22">
-            <a:extLst>
-              <a:ext uri="{FF2B5EF4-FFF2-40B4-BE49-F238E27FC236}">
-                <a16:creationId xmlns:a16="http://schemas.microsoft.com/office/drawing/2014/main" id="{3C9BA4DF-2B98-1DF8-295B-6DE0EB84AEED}"/>
-              </a:ext>
-            </a:extLst>
-          </p:cNvPr>
-          <p:cNvSpPr/>
-          <p:nvPr/>
-        </p:nvSpPr>
-        <p:spPr>
-          <a:xfrm>
-            <a:off x="3678397" y="4853631"/>
-            <a:ext cx="4094001" cy="735239"/>
-          </a:xfrm>
-          <a:prstGeom prst="roundRect">
-            <a:avLst/>
-          </a:prstGeom>
-          <a:solidFill>
-            <a:schemeClr val="tx1">
-              <a:alpha val="34000"/>
-            </a:schemeClr>
-          </a:solidFill>
-          <a:ln>
-            <a:noFill/>
-          </a:ln>
-        </p:spPr>
-        <p:style>
-          <a:lnRef idx="2">
-            <a:schemeClr val="accent1">
-              <a:shade val="15000"/>
-            </a:schemeClr>
-          </a:lnRef>
-          <a:fillRef idx="1">
-            <a:schemeClr val="accent1"/>
-          </a:fillRef>
-          <a:effectRef idx="0">
-            <a:schemeClr val="accent1"/>
-          </a:effectRef>
-          <a:fontRef idx="minor">
-            <a:schemeClr val="lt1"/>
-          </a:fontRef>
-        </p:style>
-        <p:txBody>
-          <a:bodyPr rtlCol="0" anchor="ctr"/>
-          <a:lstStyle/>
-          <a:p>
-            <a:r>
-              <a:rPr lang="en-US" altLang="zh-TW" sz="1800" dirty="0">
-                <a:solidFill>
-                  <a:schemeClr val="bg1"/>
-                </a:solidFill>
-                <a:latin typeface="臺灣道路體 1.0 Regular" panose="020B0506020000000000" pitchFamily="34" charset="-120"/>
-                <a:ea typeface="臺灣道路體 1.0 Regular" panose="020B0506020000000000" pitchFamily="34" charset="-120"/>
-              </a:rPr>
-              <a:t>Ex. </a:t>
-            </a:r>
-            <a:r>
-              <a:rPr lang="zh-TW" altLang="en-US" sz="1800" dirty="0">
-                <a:solidFill>
-                  <a:schemeClr val="bg1"/>
-                </a:solidFill>
-                <a:latin typeface="臺灣道路體 1.0 Regular" panose="020B0506020000000000" pitchFamily="34" charset="-120"/>
-                <a:ea typeface="臺灣道路體 1.0 Regular" panose="020B0506020000000000" pitchFamily="34" charset="-120"/>
-              </a:rPr>
-              <a:t>如果你有一塊 </a:t>
-            </a:r>
-            <a:r>
-              <a:rPr lang="en-US" altLang="zh-TW" sz="1800" dirty="0">
-                <a:solidFill>
-                  <a:schemeClr val="bg1"/>
-                </a:solidFill>
-                <a:latin typeface="臺灣道路體 1.0 Regular" panose="020B0506020000000000" pitchFamily="34" charset="-120"/>
-                <a:ea typeface="臺灣道路體 1.0 Regular" panose="020B0506020000000000" pitchFamily="34" charset="-120"/>
-              </a:rPr>
-              <a:t>200 </a:t>
-            </a:r>
-            <a:r>
-              <a:rPr lang="zh-TW" altLang="en-US" sz="1800" dirty="0">
-                <a:solidFill>
-                  <a:schemeClr val="bg1"/>
-                </a:solidFill>
-                <a:latin typeface="臺灣道路體 1.0 Regular" panose="020B0506020000000000" pitchFamily="34" charset="-120"/>
-                <a:ea typeface="臺灣道路體 1.0 Regular" panose="020B0506020000000000" pitchFamily="34" charset="-120"/>
-              </a:rPr>
-              <a:t>瓦的太陽能板，而你所在位置的 </a:t>
-            </a:r>
-            <a:r>
-              <a:rPr lang="en-US" altLang="zh-TW" sz="1800" dirty="0">
-                <a:solidFill>
-                  <a:schemeClr val="bg1"/>
-                </a:solidFill>
-                <a:latin typeface="臺灣道路體 1.0 Regular" panose="020B0506020000000000" pitchFamily="34" charset="-120"/>
-                <a:ea typeface="臺灣道路體 1.0 Regular" panose="020B0506020000000000" pitchFamily="34" charset="-120"/>
-              </a:rPr>
-              <a:t>ESH </a:t>
-            </a:r>
-            <a:r>
-              <a:rPr lang="zh-TW" altLang="en-US" sz="1800" dirty="0">
-                <a:solidFill>
-                  <a:schemeClr val="bg1"/>
-                </a:solidFill>
-                <a:latin typeface="臺灣道路體 1.0 Regular" panose="020B0506020000000000" pitchFamily="34" charset="-120"/>
-                <a:ea typeface="臺灣道路體 1.0 Regular" panose="020B0506020000000000" pitchFamily="34" charset="-120"/>
-              </a:rPr>
-              <a:t>為 </a:t>
-            </a:r>
-            <a:r>
-              <a:rPr lang="en-US" altLang="zh-TW" sz="1800" dirty="0">
-                <a:solidFill>
-                  <a:schemeClr val="bg1"/>
-                </a:solidFill>
-                <a:latin typeface="臺灣道路體 1.0 Regular" panose="020B0506020000000000" pitchFamily="34" charset="-120"/>
-                <a:ea typeface="臺灣道路體 1.0 Regular" panose="020B0506020000000000" pitchFamily="34" charset="-120"/>
-              </a:rPr>
-              <a:t>5 </a:t>
-            </a:r>
-            <a:r>
-              <a:rPr lang="zh-TW" altLang="en-US" sz="1800" dirty="0">
-                <a:solidFill>
-                  <a:schemeClr val="bg1"/>
-                </a:solidFill>
-                <a:latin typeface="臺灣道路體 1.0 Regular" panose="020B0506020000000000" pitchFamily="34" charset="-120"/>
-                <a:ea typeface="臺灣道路體 1.0 Regular" panose="020B0506020000000000" pitchFamily="34" charset="-120"/>
-              </a:rPr>
-              <a:t>小時，每日能量產出</a:t>
-            </a:r>
-            <a:r>
-              <a:rPr lang="en-US" altLang="zh-TW" sz="1800" dirty="0">
-                <a:solidFill>
-                  <a:schemeClr val="bg1"/>
-                </a:solidFill>
-                <a:latin typeface="臺灣道路體 1.0 Regular" panose="020B0506020000000000" pitchFamily="34" charset="-120"/>
-                <a:ea typeface="臺灣道路體 1.0 Regular" panose="020B0506020000000000" pitchFamily="34" charset="-120"/>
-              </a:rPr>
-              <a:t>=200 W×5 </a:t>
-            </a:r>
-            <a:r>
-              <a:rPr lang="zh-TW" altLang="en-US" sz="1800" dirty="0">
-                <a:solidFill>
-                  <a:schemeClr val="bg1"/>
-                </a:solidFill>
-                <a:latin typeface="臺灣道路體 1.0 Regular" panose="020B0506020000000000" pitchFamily="34" charset="-120"/>
-                <a:ea typeface="臺灣道路體 1.0 Regular" panose="020B0506020000000000" pitchFamily="34" charset="-120"/>
-              </a:rPr>
-              <a:t>小時</a:t>
-            </a:r>
-            <a:r>
-              <a:rPr lang="en-US" altLang="zh-TW" sz="1800" dirty="0">
-                <a:solidFill>
-                  <a:schemeClr val="bg1"/>
-                </a:solidFill>
-                <a:latin typeface="臺灣道路體 1.0 Regular" panose="020B0506020000000000" pitchFamily="34" charset="-120"/>
-                <a:ea typeface="臺灣道路體 1.0 Regular" panose="020B0506020000000000" pitchFamily="34" charset="-120"/>
-              </a:rPr>
-              <a:t>=1000 </a:t>
-            </a:r>
-            <a:r>
-              <a:rPr lang="en-US" altLang="zh-TW" sz="1800" dirty="0" err="1">
-                <a:solidFill>
-                  <a:schemeClr val="bg1"/>
-                </a:solidFill>
-                <a:latin typeface="臺灣道路體 1.0 Regular" panose="020B0506020000000000" pitchFamily="34" charset="-120"/>
-                <a:ea typeface="臺灣道路體 1.0 Regular" panose="020B0506020000000000" pitchFamily="34" charset="-120"/>
-              </a:rPr>
-              <a:t>Wh</a:t>
-            </a:r>
-            <a:r>
-              <a:rPr lang="en-US" altLang="zh-TW" sz="1800" dirty="0">
-                <a:solidFill>
-                  <a:schemeClr val="bg1"/>
-                </a:solidFill>
-                <a:latin typeface="臺灣道路體 1.0 Regular" panose="020B0506020000000000" pitchFamily="34" charset="-120"/>
-                <a:ea typeface="臺灣道路體 1.0 Regular" panose="020B0506020000000000" pitchFamily="34" charset="-120"/>
-              </a:rPr>
-              <a:t> </a:t>
-            </a:r>
-            <a:r>
-              <a:rPr lang="zh-TW" altLang="en-US" sz="1800" dirty="0">
-                <a:solidFill>
-                  <a:schemeClr val="bg1"/>
-                </a:solidFill>
-                <a:latin typeface="臺灣道路體 1.0 Regular" panose="020B0506020000000000" pitchFamily="34" charset="-120"/>
-                <a:ea typeface="臺灣道路體 1.0 Regular" panose="020B0506020000000000" pitchFamily="34" charset="-120"/>
-              </a:rPr>
-              <a:t>或 </a:t>
-            </a:r>
-            <a:r>
-              <a:rPr lang="en-US" altLang="zh-TW" sz="1800" dirty="0">
-                <a:solidFill>
-                  <a:schemeClr val="bg1"/>
-                </a:solidFill>
-                <a:latin typeface="臺灣道路體 1.0 Regular" panose="020B0506020000000000" pitchFamily="34" charset="-120"/>
-                <a:ea typeface="臺灣道路體 1.0 Regular" panose="020B0506020000000000" pitchFamily="34" charset="-120"/>
-              </a:rPr>
-              <a:t>1 kWh</a:t>
-            </a:r>
-            <a:endParaRPr lang="zh-TW" altLang="en-US" sz="1800" dirty="0">
-              <a:solidFill>
-                <a:schemeClr val="bg1"/>
-              </a:solidFill>
-              <a:latin typeface="臺灣道路體 1.0 Regular" panose="020B0506020000000000" pitchFamily="34" charset="-120"/>
-              <a:ea typeface="臺灣道路體 1.0 Regular" panose="020B0506020000000000" pitchFamily="34" charset="-120"/>
-            </a:endParaRPr>
-          </a:p>
-        </p:txBody>
-      </p:sp>
     </p:spTree>
     <p:extLst>
       <p:ext uri="{BB962C8B-B14F-4D97-AF65-F5344CB8AC3E}">
@@ -12983,8 +15595,20 @@
                 <a:latin typeface="臺灣道路體 1.0 Regular" panose="020B0506020000000000" pitchFamily="34" charset="-120"/>
                 <a:ea typeface="臺灣道路體 1.0 Regular" panose="020B0506020000000000" pitchFamily="34" charset="-120"/>
               </a:rPr>
-              <a:t>資料來源：交通部中央氣象署 首頁&gt;生活&gt;農業&gt;農業觀測&gt;全部觀測網月資料</a:t>
+              <a:t>資料來源：交通部中央氣象署 首頁&gt;生活&gt;農業&gt;農業觀測&gt;</a:t>
             </a:r>
+            <a:r>
+              <a:rPr lang="zh-TW" altLang="en-US" sz="2400" dirty="0">
+                <a:latin typeface="臺灣道路體 1.0 Regular" panose="020B0506020000000000" pitchFamily="34" charset="-120"/>
+                <a:ea typeface="臺灣道路體 1.0 Regular" panose="020B0506020000000000" pitchFamily="34" charset="-120"/>
+                <a:hlinkClick r:id="rId3"/>
+              </a:rPr>
+              <a:t>全部觀測網月資料</a:t>
+            </a:r>
+            <a:endParaRPr lang="zh-TW" altLang="en-US" sz="2400" dirty="0">
+              <a:latin typeface="臺灣道路體 1.0 Regular" panose="020B0506020000000000" pitchFamily="34" charset="-120"/>
+              <a:ea typeface="臺灣道路體 1.0 Regular" panose="020B0506020000000000" pitchFamily="34" charset="-120"/>
+            </a:endParaRPr>
           </a:p>
         </p:txBody>
       </p:sp>
@@ -13044,7 +15668,7 @@
           <p:nvPr/>
         </p:nvPicPr>
         <p:blipFill>
-          <a:blip r:embed="rId3"/>
+          <a:blip r:embed="rId4"/>
           <a:stretch>
             <a:fillRect/>
           </a:stretch>
@@ -13059,6 +15683,352 @@
           </a:prstGeom>
         </p:spPr>
       </p:pic>
+      <p:sp>
+        <p:nvSpPr>
+          <p:cNvPr id="5" name="矩形: 圓角 4">
+            <a:extLst>
+              <a:ext uri="{FF2B5EF4-FFF2-40B4-BE49-F238E27FC236}">
+                <a16:creationId xmlns:a16="http://schemas.microsoft.com/office/drawing/2014/main" id="{42C0A13A-8376-1123-507F-D5B047A3C2A1}"/>
+              </a:ext>
+            </a:extLst>
+          </p:cNvPr>
+          <p:cNvSpPr/>
+          <p:nvPr/>
+        </p:nvSpPr>
+        <p:spPr>
+          <a:xfrm>
+            <a:off x="1842802" y="3256325"/>
+            <a:ext cx="2226128" cy="2081912"/>
+          </a:xfrm>
+          <a:prstGeom prst="roundRect">
+            <a:avLst>
+              <a:gd name="adj" fmla="val 7313"/>
+            </a:avLst>
+          </a:prstGeom>
+          <a:solidFill>
+            <a:schemeClr val="tx1">
+              <a:alpha val="34000"/>
+            </a:schemeClr>
+          </a:solidFill>
+          <a:ln>
+            <a:noFill/>
+          </a:ln>
+        </p:spPr>
+        <p:style>
+          <a:lnRef idx="2">
+            <a:schemeClr val="accent1">
+              <a:shade val="15000"/>
+            </a:schemeClr>
+          </a:lnRef>
+          <a:fillRef idx="1">
+            <a:schemeClr val="accent1"/>
+          </a:fillRef>
+          <a:effectRef idx="0">
+            <a:schemeClr val="accent1"/>
+          </a:effectRef>
+          <a:fontRef idx="minor">
+            <a:schemeClr val="lt1"/>
+          </a:fontRef>
+        </p:style>
+        <p:txBody>
+          <a:bodyPr rtlCol="0" anchor="ctr"/>
+          <a:lstStyle/>
+          <a:p>
+            <a:pPr algn="just"/>
+            <a:r>
+              <a:rPr lang="zh-TW" altLang="en-US" sz="1600" dirty="0">
+                <a:solidFill>
+                  <a:schemeClr val="bg1"/>
+                </a:solidFill>
+                <a:latin typeface="臺灣道路體 1.0 Regular" panose="020B0506020000000000" pitchFamily="34" charset="-120"/>
+                <a:ea typeface="臺灣道路體 1.0 Regular" panose="020B0506020000000000" pitchFamily="34" charset="-120"/>
+              </a:rPr>
+              <a:t>本來是要用，</a:t>
+            </a:r>
+            <a:r>
+              <a:rPr lang="en-US" altLang="zh-TW" sz="1600" dirty="0">
+                <a:solidFill>
+                  <a:schemeClr val="bg1"/>
+                </a:solidFill>
+                <a:latin typeface="臺灣道路體 1.0 Regular" panose="020B0506020000000000" pitchFamily="34" charset="-120"/>
+                <a:ea typeface="臺灣道路體 1.0 Regular" panose="020B0506020000000000" pitchFamily="34" charset="-120"/>
+                <a:hlinkClick r:id="rId5"/>
+              </a:rPr>
+              <a:t>https://data.gov.tw/</a:t>
+            </a:r>
+            <a:r>
+              <a:rPr lang="zh-TW" altLang="en-US" sz="1600" dirty="0">
+                <a:solidFill>
+                  <a:schemeClr val="bg1"/>
+                </a:solidFill>
+                <a:latin typeface="臺灣道路體 1.0 Regular" panose="020B0506020000000000" pitchFamily="34" charset="-120"/>
+                <a:ea typeface="臺灣道路體 1.0 Regular" panose="020B0506020000000000" pitchFamily="34" charset="-120"/>
+              </a:rPr>
+              <a:t>的日射量資料，</a:t>
+            </a:r>
+            <a:r>
+              <a:rPr lang="en-US" altLang="zh-TW" sz="1600" dirty="0">
+                <a:solidFill>
+                  <a:schemeClr val="bg1"/>
+                </a:solidFill>
+                <a:latin typeface="臺灣道路體 1.0 Regular" panose="020B0506020000000000" pitchFamily="34" charset="-120"/>
+                <a:ea typeface="臺灣道路體 1.0 Regular" panose="020B0506020000000000" pitchFamily="34" charset="-120"/>
+              </a:rPr>
+              <a:t>But, data.gov.tw</a:t>
+            </a:r>
+            <a:r>
+              <a:rPr lang="zh-TW" altLang="en-US" sz="1600" dirty="0">
+                <a:solidFill>
+                  <a:schemeClr val="bg1"/>
+                </a:solidFill>
+                <a:latin typeface="臺灣道路體 1.0 Regular" panose="020B0506020000000000" pitchFamily="34" charset="-120"/>
+                <a:ea typeface="臺灣道路體 1.0 Regular" panose="020B0506020000000000" pitchFamily="34" charset="-120"/>
+              </a:rPr>
+              <a:t>僅提供即時資料，去電聯絡中央氣象署：</a:t>
+            </a:r>
+            <a:r>
+              <a:rPr lang="en-US" altLang="zh-TW" sz="1600" dirty="0">
+                <a:solidFill>
+                  <a:schemeClr val="bg1"/>
+                </a:solidFill>
+                <a:latin typeface="臺灣道路體 1.0 Regular" panose="020B0506020000000000" pitchFamily="34" charset="-120"/>
+                <a:ea typeface="臺灣道路體 1.0 Regular" panose="020B0506020000000000" pitchFamily="34" charset="-120"/>
+              </a:rPr>
+              <a:t>”</a:t>
+            </a:r>
+            <a:r>
+              <a:rPr lang="zh-TW" altLang="en-US" sz="1600" dirty="0">
+                <a:solidFill>
+                  <a:schemeClr val="bg1"/>
+                </a:solidFill>
+                <a:latin typeface="臺灣道路體 1.0 Regular" panose="020B0506020000000000" pitchFamily="34" charset="-120"/>
+                <a:ea typeface="臺灣道路體 1.0 Regular" panose="020B0506020000000000" pitchFamily="34" charset="-120"/>
+              </a:rPr>
+              <a:t>喔喔，年度資料要用買的喔</a:t>
+            </a:r>
+            <a:r>
+              <a:rPr lang="en-US" altLang="zh-TW" sz="1600" dirty="0">
+                <a:solidFill>
+                  <a:schemeClr val="bg1"/>
+                </a:solidFill>
+                <a:latin typeface="臺灣道路體 1.0 Regular" panose="020B0506020000000000" pitchFamily="34" charset="-120"/>
+                <a:ea typeface="臺灣道路體 1.0 Regular" panose="020B0506020000000000" pitchFamily="34" charset="-120"/>
+              </a:rPr>
+              <a:t>!”</a:t>
+            </a:r>
+          </a:p>
+          <a:p>
+            <a:pPr algn="just"/>
+            <a:endParaRPr lang="en-US" altLang="zh-TW" sz="1600" dirty="0">
+              <a:solidFill>
+                <a:schemeClr val="bg1"/>
+              </a:solidFill>
+              <a:latin typeface="臺灣道路體 1.0 Regular" panose="020B0506020000000000" pitchFamily="34" charset="-120"/>
+              <a:ea typeface="臺灣道路體 1.0 Regular" panose="020B0506020000000000" pitchFamily="34" charset="-120"/>
+            </a:endParaRPr>
+          </a:p>
+          <a:p>
+            <a:pPr algn="just"/>
+            <a:r>
+              <a:rPr lang="zh-TW" altLang="en-US" sz="1600" dirty="0">
+                <a:solidFill>
+                  <a:schemeClr val="bg1"/>
+                </a:solidFill>
+                <a:latin typeface="臺灣道路體 1.0 Regular" panose="020B0506020000000000" pitchFamily="34" charset="-120"/>
+                <a:ea typeface="臺灣道路體 1.0 Regular" panose="020B0506020000000000" pitchFamily="34" charset="-120"/>
+              </a:rPr>
+              <a:t>而各農改所都有這些觀測數據。</a:t>
+            </a:r>
+            <a:br>
+              <a:rPr lang="en-US" altLang="zh-TW" sz="1600" dirty="0">
+                <a:solidFill>
+                  <a:schemeClr val="bg1"/>
+                </a:solidFill>
+                <a:latin typeface="臺灣道路體 1.0 Regular" panose="020B0506020000000000" pitchFamily="34" charset="-120"/>
+                <a:ea typeface="臺灣道路體 1.0 Regular" panose="020B0506020000000000" pitchFamily="34" charset="-120"/>
+              </a:rPr>
+            </a:br>
+            <a:br>
+              <a:rPr lang="en-US" altLang="zh-TW" sz="1600" dirty="0">
+                <a:solidFill>
+                  <a:schemeClr val="bg1"/>
+                </a:solidFill>
+                <a:latin typeface="臺灣道路體 1.0 Regular" panose="020B0506020000000000" pitchFamily="34" charset="-120"/>
+                <a:ea typeface="臺灣道路體 1.0 Regular" panose="020B0506020000000000" pitchFamily="34" charset="-120"/>
+              </a:rPr>
+            </a:br>
+            <a:r>
+              <a:rPr lang="zh-TW" altLang="en-US" sz="1600" dirty="0">
+                <a:solidFill>
+                  <a:schemeClr val="bg1"/>
+                </a:solidFill>
+                <a:latin typeface="臺灣道路體 1.0 Regular" panose="020B0506020000000000" pitchFamily="34" charset="-120"/>
+                <a:ea typeface="臺灣道路體 1.0 Regular" panose="020B0506020000000000" pitchFamily="34" charset="-120"/>
+              </a:rPr>
+              <a:t>所以改成收集各觀測所的月資料。</a:t>
+            </a:r>
+          </a:p>
+        </p:txBody>
+      </p:sp>
+      <p:sp>
+        <p:nvSpPr>
+          <p:cNvPr id="6" name="矩形: 圓角 5">
+            <a:extLst>
+              <a:ext uri="{FF2B5EF4-FFF2-40B4-BE49-F238E27FC236}">
+                <a16:creationId xmlns:a16="http://schemas.microsoft.com/office/drawing/2014/main" id="{959BE303-813A-ED42-8D74-F012754DC3AD}"/>
+              </a:ext>
+            </a:extLst>
+          </p:cNvPr>
+          <p:cNvSpPr/>
+          <p:nvPr/>
+        </p:nvSpPr>
+        <p:spPr>
+          <a:xfrm>
+            <a:off x="9486574" y="3764066"/>
+            <a:ext cx="2226128" cy="1374166"/>
+          </a:xfrm>
+          <a:prstGeom prst="roundRect">
+            <a:avLst>
+              <a:gd name="adj" fmla="val 7313"/>
+            </a:avLst>
+          </a:prstGeom>
+          <a:solidFill>
+            <a:schemeClr val="tx1">
+              <a:alpha val="34000"/>
+            </a:schemeClr>
+          </a:solidFill>
+          <a:ln>
+            <a:noFill/>
+          </a:ln>
+        </p:spPr>
+        <p:style>
+          <a:lnRef idx="2">
+            <a:schemeClr val="accent1">
+              <a:shade val="15000"/>
+            </a:schemeClr>
+          </a:lnRef>
+          <a:fillRef idx="1">
+            <a:schemeClr val="accent1"/>
+          </a:fillRef>
+          <a:effectRef idx="0">
+            <a:schemeClr val="accent1"/>
+          </a:effectRef>
+          <a:fontRef idx="minor">
+            <a:schemeClr val="lt1"/>
+          </a:fontRef>
+        </p:style>
+        <p:txBody>
+          <a:bodyPr rtlCol="0" anchor="ctr"/>
+          <a:lstStyle/>
+          <a:p>
+            <a:pPr algn="just"/>
+            <a:r>
+              <a:rPr lang="zh-TW" altLang="en-US" sz="1600" dirty="0">
+                <a:solidFill>
+                  <a:schemeClr val="bg1"/>
+                </a:solidFill>
+                <a:latin typeface="臺灣道路體 1.0 Regular" panose="020B0506020000000000" pitchFamily="34" charset="-120"/>
+                <a:ea typeface="臺灣道路體 1.0 Regular" panose="020B0506020000000000" pitchFamily="34" charset="-120"/>
+              </a:rPr>
+              <a:t>使用</a:t>
+            </a:r>
+            <a:r>
+              <a:rPr lang="en-US" altLang="zh-TW" sz="1600" dirty="0">
+                <a:solidFill>
+                  <a:schemeClr val="bg1"/>
+                </a:solidFill>
+                <a:latin typeface="臺灣道路體 1.0 Regular" panose="020B0506020000000000" pitchFamily="34" charset="-120"/>
+                <a:ea typeface="臺灣道路體 1.0 Regular" panose="020B0506020000000000" pitchFamily="34" charset="-120"/>
+              </a:rPr>
+              <a:t>python</a:t>
+            </a:r>
+            <a:r>
+              <a:rPr lang="zh-TW" altLang="en-US" sz="1600" dirty="0">
+                <a:solidFill>
+                  <a:schemeClr val="bg1"/>
+                </a:solidFill>
+                <a:latin typeface="臺灣道路體 1.0 Regular" panose="020B0506020000000000" pitchFamily="34" charset="-120"/>
+                <a:ea typeface="臺灣道路體 1.0 Regular" panose="020B0506020000000000" pitchFamily="34" charset="-120"/>
+              </a:rPr>
+              <a:t>的</a:t>
+            </a:r>
+            <a:r>
+              <a:rPr lang="en-US" altLang="zh-TW" sz="1600" dirty="0">
+                <a:solidFill>
+                  <a:schemeClr val="accent5">
+                    <a:lumMod val="75000"/>
+                  </a:schemeClr>
+                </a:solidFill>
+                <a:latin typeface="臺灣道路體 1.0 Regular" panose="020B0506020000000000" pitchFamily="34" charset="-120"/>
+                <a:ea typeface="臺灣道路體 1.0 Regular" panose="020B0506020000000000" pitchFamily="34" charset="-120"/>
+              </a:rPr>
+              <a:t>selenium</a:t>
+            </a:r>
+            <a:r>
+              <a:rPr lang="zh-TW" altLang="en-US" sz="1600" dirty="0">
+                <a:solidFill>
+                  <a:schemeClr val="bg1"/>
+                </a:solidFill>
+                <a:latin typeface="臺灣道路體 1.0 Regular" panose="020B0506020000000000" pitchFamily="34" charset="-120"/>
+                <a:ea typeface="臺灣道路體 1.0 Regular" panose="020B0506020000000000" pitchFamily="34" charset="-120"/>
+              </a:rPr>
+              <a:t>套件，</a:t>
+            </a:r>
+            <a:endParaRPr lang="en-US" altLang="zh-TW" sz="1600" dirty="0">
+              <a:solidFill>
+                <a:schemeClr val="bg1"/>
+              </a:solidFill>
+              <a:latin typeface="臺灣道路體 1.0 Regular" panose="020B0506020000000000" pitchFamily="34" charset="-120"/>
+              <a:ea typeface="臺灣道路體 1.0 Regular" panose="020B0506020000000000" pitchFamily="34" charset="-120"/>
+            </a:endParaRPr>
+          </a:p>
+          <a:p>
+            <a:pPr algn="just"/>
+            <a:endParaRPr lang="en-US" altLang="zh-TW" sz="1600" dirty="0">
+              <a:solidFill>
+                <a:schemeClr val="bg1"/>
+              </a:solidFill>
+              <a:latin typeface="臺灣道路體 1.0 Regular" panose="020B0506020000000000" pitchFamily="34" charset="-120"/>
+              <a:ea typeface="臺灣道路體 1.0 Regular" panose="020B0506020000000000" pitchFamily="34" charset="-120"/>
+            </a:endParaRPr>
+          </a:p>
+          <a:p>
+            <a:pPr algn="just"/>
+            <a:r>
+              <a:rPr lang="zh-TW" altLang="en-US" sz="1600" dirty="0">
+                <a:solidFill>
+                  <a:schemeClr val="bg1"/>
+                </a:solidFill>
+                <a:latin typeface="臺灣道路體 1.0 Regular" panose="020B0506020000000000" pitchFamily="34" charset="-120"/>
+                <a:ea typeface="臺灣道路體 1.0 Regular" panose="020B0506020000000000" pitchFamily="34" charset="-120"/>
+              </a:rPr>
+              <a:t>並安裝</a:t>
+            </a:r>
+            <a:r>
+              <a:rPr lang="en-US" altLang="zh-TW" sz="1600" dirty="0" err="1">
+                <a:solidFill>
+                  <a:schemeClr val="accent5">
+                    <a:lumMod val="75000"/>
+                  </a:schemeClr>
+                </a:solidFill>
+                <a:latin typeface="臺灣道路體 1.0 Regular" panose="020B0506020000000000" pitchFamily="34" charset="-120"/>
+                <a:ea typeface="臺灣道路體 1.0 Regular" panose="020B0506020000000000" pitchFamily="34" charset="-120"/>
+              </a:rPr>
+              <a:t>ChromeDriver</a:t>
+            </a:r>
+            <a:r>
+              <a:rPr lang="zh-TW" altLang="en-US" sz="1600" dirty="0">
+                <a:solidFill>
+                  <a:schemeClr val="bg1"/>
+                </a:solidFill>
+                <a:latin typeface="臺灣道路體 1.0 Regular" panose="020B0506020000000000" pitchFamily="34" charset="-120"/>
+                <a:ea typeface="臺灣道路體 1.0 Regular" panose="020B0506020000000000" pitchFamily="34" charset="-120"/>
+              </a:rPr>
+              <a:t>以虛擬瀏覽器，抓取網頁資料。</a:t>
+            </a:r>
+          </a:p>
+        </p:txBody>
+      </p:sp>
     </p:spTree>
     <p:extLst>
       <p:ext uri="{BB962C8B-B14F-4D97-AF65-F5344CB8AC3E}">
@@ -13232,7 +16202,7 @@
         </p:blipFill>
         <p:spPr>
           <a:xfrm>
-            <a:off x="678379" y="2463821"/>
+            <a:off x="678379" y="2859864"/>
             <a:ext cx="10562943" cy="3240729"/>
           </a:xfrm>
           <a:prstGeom prst="rect">
@@ -14177,6 +17147,381 @@
                 <a:ea typeface="臺灣道路體 1.0 Regular" panose="020B0506020000000000" pitchFamily="34" charset="-120"/>
               </a:rPr>
               <a:t>統計摘要</a:t>
+            </a:r>
+          </a:p>
+        </p:txBody>
+      </p:sp>
+      <p:sp>
+        <p:nvSpPr>
+          <p:cNvPr id="5" name="矩形: 圓角 4">
+            <a:extLst>
+              <a:ext uri="{FF2B5EF4-FFF2-40B4-BE49-F238E27FC236}">
+                <a16:creationId xmlns:a16="http://schemas.microsoft.com/office/drawing/2014/main" id="{C1EBCAE3-E1C4-5189-6556-55EE08F846CA}"/>
+              </a:ext>
+            </a:extLst>
+          </p:cNvPr>
+          <p:cNvSpPr/>
+          <p:nvPr/>
+        </p:nvSpPr>
+        <p:spPr>
+          <a:xfrm>
+            <a:off x="2925487" y="1552497"/>
+            <a:ext cx="8251159" cy="919961"/>
+          </a:xfrm>
+          <a:prstGeom prst="roundRect">
+            <a:avLst>
+              <a:gd name="adj" fmla="val 7313"/>
+            </a:avLst>
+          </a:prstGeom>
+          <a:solidFill>
+            <a:schemeClr val="tx1">
+              <a:alpha val="34000"/>
+            </a:schemeClr>
+          </a:solidFill>
+          <a:ln>
+            <a:noFill/>
+          </a:ln>
+        </p:spPr>
+        <p:style>
+          <a:lnRef idx="2">
+            <a:schemeClr val="accent1">
+              <a:shade val="15000"/>
+            </a:schemeClr>
+          </a:lnRef>
+          <a:fillRef idx="1">
+            <a:schemeClr val="accent1"/>
+          </a:fillRef>
+          <a:effectRef idx="0">
+            <a:schemeClr val="accent1"/>
+          </a:effectRef>
+          <a:fontRef idx="minor">
+            <a:schemeClr val="lt1"/>
+          </a:fontRef>
+        </p:style>
+        <p:txBody>
+          <a:bodyPr rtlCol="0" anchor="ctr"/>
+          <a:lstStyle/>
+          <a:p>
+            <a:pPr algn="just"/>
+            <a:r>
+              <a:rPr lang="zh-TW" altLang="en-US" sz="1600" dirty="0">
+                <a:solidFill>
+                  <a:schemeClr val="accent5">
+                    <a:lumMod val="75000"/>
+                  </a:schemeClr>
+                </a:solidFill>
+                <a:latin typeface="臺灣道路體 1.0 Regular" panose="020B0506020000000000" pitchFamily="34" charset="-120"/>
+                <a:ea typeface="臺灣道路體 1.0 Regular" panose="020B0506020000000000" pitchFamily="34" charset="-120"/>
+              </a:rPr>
+              <a:t>篩選數據</a:t>
+            </a:r>
+            <a:r>
+              <a:rPr lang="en-US" altLang="zh-TW" sz="1600" dirty="0">
+                <a:solidFill>
+                  <a:schemeClr val="bg1"/>
+                </a:solidFill>
+                <a:latin typeface="臺灣道路體 1.0 Regular" panose="020B0506020000000000" pitchFamily="34" charset="-120"/>
+                <a:ea typeface="臺灣道路體 1.0 Regular" panose="020B0506020000000000" pitchFamily="34" charset="-120"/>
+              </a:rPr>
+              <a:t>(ex. </a:t>
+            </a:r>
+            <a:r>
+              <a:rPr lang="zh-TW" altLang="en-US" sz="1600" dirty="0">
+                <a:solidFill>
+                  <a:schemeClr val="bg1"/>
+                </a:solidFill>
+                <a:latin typeface="臺灣道路體 1.0 Regular" panose="020B0506020000000000" pitchFamily="34" charset="-120"/>
+                <a:ea typeface="臺灣道路體 1.0 Regular" panose="020B0506020000000000" pitchFamily="34" charset="-120"/>
+              </a:rPr>
+              <a:t>風向就不用了。</a:t>
+            </a:r>
+            <a:r>
+              <a:rPr lang="en-US" altLang="zh-TW" sz="1600" dirty="0">
+                <a:solidFill>
+                  <a:schemeClr val="bg1"/>
+                </a:solidFill>
+                <a:latin typeface="臺灣道路體 1.0 Regular" panose="020B0506020000000000" pitchFamily="34" charset="-120"/>
+                <a:ea typeface="臺灣道路體 1.0 Regular" panose="020B0506020000000000" pitchFamily="34" charset="-120"/>
+              </a:rPr>
+              <a:t>)</a:t>
+            </a:r>
+            <a:r>
+              <a:rPr lang="zh-TW" altLang="en-US" sz="1600" dirty="0">
+                <a:solidFill>
+                  <a:schemeClr val="bg1"/>
+                </a:solidFill>
+                <a:latin typeface="臺灣道路體 1.0 Regular" panose="020B0506020000000000" pitchFamily="34" charset="-120"/>
+                <a:ea typeface="臺灣道路體 1.0 Regular" panose="020B0506020000000000" pitchFamily="34" charset="-120"/>
+              </a:rPr>
+              <a:t>，</a:t>
+            </a:r>
+            <a:r>
+              <a:rPr lang="zh-TW" altLang="en-US" sz="1600" dirty="0">
+                <a:solidFill>
+                  <a:schemeClr val="accent5">
+                    <a:lumMod val="75000"/>
+                  </a:schemeClr>
+                </a:solidFill>
+                <a:latin typeface="臺灣道路體 1.0 Regular" panose="020B0506020000000000" pitchFamily="34" charset="-120"/>
+                <a:ea typeface="臺灣道路體 1.0 Regular" panose="020B0506020000000000" pitchFamily="34" charset="-120"/>
+              </a:rPr>
+              <a:t>補上資料年月份</a:t>
+            </a:r>
+            <a:r>
+              <a:rPr lang="en-US" altLang="zh-TW" sz="1600" dirty="0">
+                <a:solidFill>
+                  <a:schemeClr val="bg1"/>
+                </a:solidFill>
+                <a:latin typeface="臺灣道路體 1.0 Regular" panose="020B0506020000000000" pitchFamily="34" charset="-120"/>
+                <a:ea typeface="臺灣道路體 1.0 Regular" panose="020B0506020000000000" pitchFamily="34" charset="-120"/>
+              </a:rPr>
+              <a:t>(from 1999/01 to 2024/05.)</a:t>
+            </a:r>
+            <a:r>
+              <a:rPr lang="zh-TW" altLang="en-US" sz="1600" dirty="0">
+                <a:solidFill>
+                  <a:schemeClr val="bg1"/>
+                </a:solidFill>
+                <a:latin typeface="臺灣道路體 1.0 Regular" panose="020B0506020000000000" pitchFamily="34" charset="-120"/>
+                <a:ea typeface="臺灣道路體 1.0 Regular" panose="020B0506020000000000" pitchFamily="34" charset="-120"/>
+              </a:rPr>
+              <a:t>，</a:t>
+            </a:r>
+            <a:r>
+              <a:rPr lang="zh-TW" altLang="en-US" sz="1600" dirty="0">
+                <a:solidFill>
+                  <a:schemeClr val="accent5">
+                    <a:lumMod val="75000"/>
+                  </a:schemeClr>
+                </a:solidFill>
+                <a:latin typeface="臺灣道路體 1.0 Regular" panose="020B0506020000000000" pitchFamily="34" charset="-120"/>
+                <a:ea typeface="臺灣道路體 1.0 Regular" panose="020B0506020000000000" pitchFamily="34" charset="-120"/>
+              </a:rPr>
+              <a:t>去除空值</a:t>
+            </a:r>
+            <a:r>
+              <a:rPr lang="en-US" altLang="zh-TW" sz="1600" dirty="0">
+                <a:solidFill>
+                  <a:schemeClr val="bg1"/>
+                </a:solidFill>
+                <a:latin typeface="臺灣道路體 1.0 Regular" panose="020B0506020000000000" pitchFamily="34" charset="-120"/>
+                <a:ea typeface="臺灣道路體 1.0 Regular" panose="020B0506020000000000" pitchFamily="34" charset="-120"/>
+              </a:rPr>
+              <a:t>(</a:t>
+            </a:r>
+            <a:r>
+              <a:rPr lang="zh-TW" altLang="en-US" sz="1600" dirty="0">
+                <a:solidFill>
+                  <a:schemeClr val="bg1"/>
+                </a:solidFill>
+                <a:latin typeface="臺灣道路體 1.0 Regular" panose="020B0506020000000000" pitchFamily="34" charset="-120"/>
+                <a:ea typeface="臺灣道路體 1.0 Regular" panose="020B0506020000000000" pitchFamily="34" charset="-120"/>
+              </a:rPr>
+              <a:t>各所維修時缺值，故障實缺值，或是無設置觀測設備缺值。</a:t>
+            </a:r>
+            <a:r>
+              <a:rPr lang="en-US" altLang="zh-TW" sz="1600" dirty="0">
+                <a:solidFill>
+                  <a:schemeClr val="bg1"/>
+                </a:solidFill>
+                <a:latin typeface="臺灣道路體 1.0 Regular" panose="020B0506020000000000" pitchFamily="34" charset="-120"/>
+                <a:ea typeface="臺灣道路體 1.0 Regular" panose="020B0506020000000000" pitchFamily="34" charset="-120"/>
+              </a:rPr>
+              <a:t>)</a:t>
+            </a:r>
+            <a:r>
+              <a:rPr lang="zh-TW" altLang="en-US" sz="1600" dirty="0">
+                <a:solidFill>
+                  <a:schemeClr val="bg1"/>
+                </a:solidFill>
+                <a:latin typeface="臺灣道路體 1.0 Regular" panose="020B0506020000000000" pitchFamily="34" charset="-120"/>
+                <a:ea typeface="臺灣道路體 1.0 Regular" panose="020B0506020000000000" pitchFamily="34" charset="-120"/>
+              </a:rPr>
+              <a:t>，</a:t>
+            </a:r>
+            <a:r>
+              <a:rPr lang="zh-TW" altLang="en-US" sz="1600" dirty="0">
+                <a:solidFill>
+                  <a:schemeClr val="accent5">
+                    <a:lumMod val="75000"/>
+                  </a:schemeClr>
+                </a:solidFill>
+                <a:latin typeface="臺灣道路體 1.0 Regular" panose="020B0506020000000000" pitchFamily="34" charset="-120"/>
+                <a:ea typeface="臺灣道路體 1.0 Regular" panose="020B0506020000000000" pitchFamily="34" charset="-120"/>
+              </a:rPr>
+              <a:t>去除異常值</a:t>
+            </a:r>
+            <a:r>
+              <a:rPr lang="en-US" altLang="zh-TW" sz="1600" dirty="0">
+                <a:solidFill>
+                  <a:schemeClr val="bg1"/>
+                </a:solidFill>
+                <a:latin typeface="臺灣道路體 1.0 Regular" panose="020B0506020000000000" pitchFamily="34" charset="-120"/>
+                <a:ea typeface="臺灣道路體 1.0 Regular" panose="020B0506020000000000" pitchFamily="34" charset="-120"/>
+              </a:rPr>
+              <a:t>(</a:t>
+            </a:r>
+            <a:r>
+              <a:rPr lang="zh-TW" altLang="en-US" sz="1600" dirty="0">
+                <a:solidFill>
+                  <a:schemeClr val="bg1"/>
+                </a:solidFill>
+                <a:latin typeface="臺灣道路體 1.0 Regular" panose="020B0506020000000000" pitchFamily="34" charset="-120"/>
+                <a:ea typeface="臺灣道路體 1.0 Regular" panose="020B0506020000000000" pitchFamily="34" charset="-120"/>
+              </a:rPr>
+              <a:t>最低溫度</a:t>
+            </a:r>
+            <a:r>
+              <a:rPr lang="en-US" altLang="zh-TW" sz="1600" dirty="0">
+                <a:solidFill>
+                  <a:schemeClr val="bg1"/>
+                </a:solidFill>
+                <a:latin typeface="臺灣道路體 1.0 Regular" panose="020B0506020000000000" pitchFamily="34" charset="-120"/>
+                <a:ea typeface="臺灣道路體 1.0 Regular" panose="020B0506020000000000" pitchFamily="34" charset="-120"/>
+              </a:rPr>
+              <a:t>-23</a:t>
+            </a:r>
+            <a:r>
+              <a:rPr lang="zh-TW" altLang="en-US" sz="1600" dirty="0">
+                <a:solidFill>
+                  <a:schemeClr val="bg1"/>
+                </a:solidFill>
+                <a:latin typeface="臺灣道路體 1.0 Regular" panose="020B0506020000000000" pitchFamily="34" charset="-120"/>
+                <a:ea typeface="臺灣道路體 1.0 Regular" panose="020B0506020000000000" pitchFamily="34" charset="-120"/>
+              </a:rPr>
+              <a:t>度</a:t>
+            </a:r>
+            <a:r>
+              <a:rPr lang="en-US" altLang="zh-TW" sz="1600" dirty="0">
+                <a:solidFill>
+                  <a:schemeClr val="bg1"/>
+                </a:solidFill>
+                <a:latin typeface="臺灣道路體 1.0 Regular" panose="020B0506020000000000" pitchFamily="34" charset="-120"/>
+                <a:ea typeface="臺灣道路體 1.0 Regular" panose="020B0506020000000000" pitchFamily="34" charset="-120"/>
+              </a:rPr>
+              <a:t>C</a:t>
+            </a:r>
+            <a:r>
+              <a:rPr lang="zh-TW" altLang="en-US" sz="1600" dirty="0">
+                <a:solidFill>
+                  <a:schemeClr val="bg1"/>
+                </a:solidFill>
+                <a:latin typeface="臺灣道路體 1.0 Regular" panose="020B0506020000000000" pitchFamily="34" charset="-120"/>
+                <a:ea typeface="臺灣道路體 1.0 Regular" panose="020B0506020000000000" pitchFamily="34" charset="-120"/>
+              </a:rPr>
+              <a:t>，最高溫度</a:t>
+            </a:r>
+            <a:r>
+              <a:rPr lang="en-US" altLang="zh-TW" sz="1600" dirty="0">
+                <a:solidFill>
+                  <a:schemeClr val="bg1"/>
+                </a:solidFill>
+                <a:latin typeface="臺灣道路體 1.0 Regular" panose="020B0506020000000000" pitchFamily="34" charset="-120"/>
+                <a:ea typeface="臺灣道路體 1.0 Regular" panose="020B0506020000000000" pitchFamily="34" charset="-120"/>
+              </a:rPr>
+              <a:t>237</a:t>
+            </a:r>
+            <a:r>
+              <a:rPr lang="zh-TW" altLang="en-US" sz="1600" dirty="0">
+                <a:solidFill>
+                  <a:schemeClr val="bg1"/>
+                </a:solidFill>
+                <a:latin typeface="臺灣道路體 1.0 Regular" panose="020B0506020000000000" pitchFamily="34" charset="-120"/>
+                <a:ea typeface="臺灣道路體 1.0 Regular" panose="020B0506020000000000" pitchFamily="34" charset="-120"/>
+              </a:rPr>
+              <a:t>度</a:t>
+            </a:r>
+            <a:r>
+              <a:rPr lang="en-US" altLang="zh-TW" sz="1600" dirty="0">
+                <a:solidFill>
+                  <a:schemeClr val="bg1"/>
+                </a:solidFill>
+                <a:latin typeface="臺灣道路體 1.0 Regular" panose="020B0506020000000000" pitchFamily="34" charset="-120"/>
+                <a:ea typeface="臺灣道路體 1.0 Regular" panose="020B0506020000000000" pitchFamily="34" charset="-120"/>
+              </a:rPr>
+              <a:t>C</a:t>
+            </a:r>
+            <a:r>
+              <a:rPr lang="zh-TW" altLang="en-US" sz="1600" dirty="0">
+                <a:solidFill>
+                  <a:schemeClr val="bg1"/>
+                </a:solidFill>
+                <a:latin typeface="臺灣道路體 1.0 Regular" panose="020B0506020000000000" pitchFamily="34" charset="-120"/>
+                <a:ea typeface="臺灣道路體 1.0 Regular" panose="020B0506020000000000" pitchFamily="34" charset="-120"/>
+              </a:rPr>
+              <a:t>。</a:t>
+            </a:r>
+            <a:r>
+              <a:rPr lang="en-US" altLang="zh-TW" sz="1600" dirty="0">
+                <a:solidFill>
+                  <a:schemeClr val="bg1"/>
+                </a:solidFill>
+                <a:latin typeface="臺灣道路體 1.0 Regular" panose="020B0506020000000000" pitchFamily="34" charset="-120"/>
+                <a:ea typeface="臺灣道路體 1.0 Regular" panose="020B0506020000000000" pitchFamily="34" charset="-120"/>
+              </a:rPr>
+              <a:t>)</a:t>
+            </a:r>
+            <a:r>
+              <a:rPr lang="zh-TW" altLang="en-US" sz="1600" dirty="0">
+                <a:solidFill>
+                  <a:schemeClr val="bg1"/>
+                </a:solidFill>
+                <a:latin typeface="臺灣道路體 1.0 Regular" panose="020B0506020000000000" pitchFamily="34" charset="-120"/>
+                <a:ea typeface="臺灣道路體 1.0 Regular" panose="020B0506020000000000" pitchFamily="34" charset="-120"/>
+              </a:rPr>
+              <a:t>，</a:t>
+            </a:r>
+            <a:r>
+              <a:rPr lang="zh-TW" altLang="en-US" sz="1600" dirty="0">
+                <a:solidFill>
+                  <a:schemeClr val="accent5">
+                    <a:lumMod val="75000"/>
+                  </a:schemeClr>
+                </a:solidFill>
+                <a:latin typeface="臺灣道路體 1.0 Regular" panose="020B0506020000000000" pitchFamily="34" charset="-120"/>
+                <a:ea typeface="臺灣道路體 1.0 Regular" panose="020B0506020000000000" pitchFamily="34" charset="-120"/>
+              </a:rPr>
+              <a:t>增加及修正行政區區域</a:t>
+            </a:r>
+            <a:r>
+              <a:rPr lang="en-US" altLang="zh-TW" sz="1600" dirty="0">
+                <a:solidFill>
+                  <a:schemeClr val="bg1"/>
+                </a:solidFill>
+                <a:latin typeface="臺灣道路體 1.0 Regular" panose="020B0506020000000000" pitchFamily="34" charset="-120"/>
+                <a:ea typeface="臺灣道路體 1.0 Regular" panose="020B0506020000000000" pitchFamily="34" charset="-120"/>
+              </a:rPr>
+              <a:t>(</a:t>
+            </a:r>
+            <a:r>
+              <a:rPr lang="zh-TW" altLang="en-US" sz="1600" dirty="0">
+                <a:solidFill>
+                  <a:schemeClr val="bg1"/>
+                </a:solidFill>
+                <a:latin typeface="臺灣道路體 1.0 Regular" panose="020B0506020000000000" pitchFamily="34" charset="-120"/>
+                <a:ea typeface="臺灣道路體 1.0 Regular" panose="020B0506020000000000" pitchFamily="34" charset="-120"/>
+              </a:rPr>
+              <a:t>臺中市統一改為台中市</a:t>
+            </a:r>
+            <a:r>
+              <a:rPr lang="en-US" altLang="zh-TW" sz="1600" dirty="0">
+                <a:solidFill>
+                  <a:schemeClr val="bg1"/>
+                </a:solidFill>
+                <a:latin typeface="臺灣道路體 1.0 Regular" panose="020B0506020000000000" pitchFamily="34" charset="-120"/>
+                <a:ea typeface="臺灣道路體 1.0 Regular" panose="020B0506020000000000" pitchFamily="34" charset="-120"/>
+              </a:rPr>
+              <a:t>)</a:t>
+            </a:r>
+            <a:r>
+              <a:rPr lang="zh-TW" altLang="en-US" sz="1600" dirty="0">
+                <a:solidFill>
+                  <a:schemeClr val="bg1"/>
+                </a:solidFill>
+                <a:latin typeface="臺灣道路體 1.0 Regular" panose="020B0506020000000000" pitchFamily="34" charset="-120"/>
+                <a:ea typeface="臺灣道路體 1.0 Regular" panose="020B0506020000000000" pitchFamily="34" charset="-120"/>
+              </a:rPr>
+              <a:t>。</a:t>
             </a:r>
           </a:p>
         </p:txBody>
@@ -15229,48 +18574,12 @@
           </p:txBody>
         </p:sp>
       </p:grpSp>
-      <p:pic>
-        <p:nvPicPr>
-          <p:cNvPr id="5" name="圖片 4">
+      <p:sp>
+        <p:nvSpPr>
+          <p:cNvPr id="27" name="文字方塊 26">
             <a:extLst>
               <a:ext uri="{FF2B5EF4-FFF2-40B4-BE49-F238E27FC236}">
-                <a16:creationId xmlns:a16="http://schemas.microsoft.com/office/drawing/2014/main" id="{B7E855B7-8351-8BE6-2694-62D2F348A5D6}"/>
-              </a:ext>
-            </a:extLst>
-          </p:cNvPr>
-          <p:cNvPicPr>
-            <a:picLocks noChangeAspect="1"/>
-          </p:cNvPicPr>
-          <p:nvPr/>
-        </p:nvPicPr>
-        <p:blipFill>
-          <a:blip r:embed="rId3">
-            <a:extLst>
-              <a:ext uri="{28A0092B-C50C-407E-A947-70E740481C1C}">
-                <a14:useLocalDpi xmlns:a14="http://schemas.microsoft.com/office/drawing/2010/main" val="0"/>
-              </a:ext>
-            </a:extLst>
-          </a:blip>
-          <a:stretch>
-            <a:fillRect/>
-          </a:stretch>
-        </p:blipFill>
-        <p:spPr>
-          <a:xfrm>
-            <a:off x="3563279" y="1598297"/>
-            <a:ext cx="5868408" cy="4476006"/>
-          </a:xfrm>
-          <a:prstGeom prst="rect">
-            <a:avLst/>
-          </a:prstGeom>
-        </p:spPr>
-      </p:pic>
-      <p:sp>
-        <p:nvSpPr>
-          <p:cNvPr id="6" name="文字方塊 5">
-            <a:extLst>
-              <a:ext uri="{FF2B5EF4-FFF2-40B4-BE49-F238E27FC236}">
-                <a16:creationId xmlns:a16="http://schemas.microsoft.com/office/drawing/2014/main" id="{B8EE9979-FF60-906E-1BA3-3C4967585020}"/>
+                <a16:creationId xmlns:a16="http://schemas.microsoft.com/office/drawing/2014/main" id="{8740D96B-036A-1541-01A5-D37C5481F956}"/>
               </a:ext>
             </a:extLst>
           </p:cNvPr>
@@ -15298,231 +18607,1547 @@
                 <a:latin typeface="臺灣道路體 1.0 Regular" panose="020B0506020000000000" pitchFamily="34" charset="-120"/>
                 <a:ea typeface="臺灣道路體 1.0 Regular" panose="020B0506020000000000" pitchFamily="34" charset="-120"/>
               </a:rPr>
-              <a:t>盒鬚圖</a:t>
+              <a:t>機械學習流程圖</a:t>
             </a:r>
-            <a:endParaRPr lang="en-US" altLang="zh-TW" sz="2400" dirty="0">
-              <a:latin typeface="臺灣道路體 1.0 Regular" panose="020B0506020000000000" pitchFamily="34" charset="-120"/>
-              <a:ea typeface="臺灣道路體 1.0 Regular" panose="020B0506020000000000" pitchFamily="34" charset="-120"/>
-            </a:endParaRPr>
           </a:p>
         </p:txBody>
       </p:sp>
-      <p:sp>
-        <p:nvSpPr>
-          <p:cNvPr id="7" name="矩形: 圓角 6">
+      <p:grpSp>
+        <p:nvGrpSpPr>
+          <p:cNvPr id="66" name="群組 65">
             <a:extLst>
               <a:ext uri="{FF2B5EF4-FFF2-40B4-BE49-F238E27FC236}">
-                <a16:creationId xmlns:a16="http://schemas.microsoft.com/office/drawing/2014/main" id="{11907B05-F0D2-E390-D37B-91C1C2395CA7}"/>
+                <a16:creationId xmlns:a16="http://schemas.microsoft.com/office/drawing/2014/main" id="{786B20FD-8B43-6D78-8208-9EF95C3BFAAD}"/>
               </a:ext>
             </a:extLst>
           </p:cNvPr>
-          <p:cNvSpPr/>
+          <p:cNvGrpSpPr/>
           <p:nvPr/>
-        </p:nvSpPr>
+        </p:nvGrpSpPr>
+        <p:grpSpPr>
+          <a:xfrm>
+            <a:off x="2113293" y="2499338"/>
+            <a:ext cx="1813879" cy="368722"/>
+            <a:chOff x="519465" y="4176357"/>
+            <a:chExt cx="1813879" cy="368722"/>
+          </a:xfrm>
+        </p:grpSpPr>
+        <p:pic>
+          <p:nvPicPr>
+            <p:cNvPr id="12" name="圖形 11">
+              <a:extLst>
+                <a:ext uri="{FF2B5EF4-FFF2-40B4-BE49-F238E27FC236}">
+                  <a16:creationId xmlns:a16="http://schemas.microsoft.com/office/drawing/2014/main" id="{B974B6DC-0513-6F87-5636-A6CF530D6C7F}"/>
+                </a:ext>
+              </a:extLst>
+            </p:cNvPr>
+            <p:cNvPicPr>
+              <a:picLocks noChangeAspect="1"/>
+            </p:cNvPicPr>
+            <p:nvPr/>
+          </p:nvPicPr>
+          <p:blipFill>
+            <a:blip r:embed="rId3">
+              <a:extLst>
+                <a:ext uri="{96DAC541-7B7A-43D3-8B79-37D633B846F1}">
+                  <asvg:svgBlip xmlns:asvg="http://schemas.microsoft.com/office/drawing/2016/SVG/main" r:embed="rId4"/>
+                </a:ext>
+              </a:extLst>
+            </a:blip>
+            <a:stretch>
+              <a:fillRect/>
+            </a:stretch>
+          </p:blipFill>
+          <p:spPr>
+            <a:xfrm>
+              <a:off x="519465" y="4185079"/>
+              <a:ext cx="360000" cy="360000"/>
+            </a:xfrm>
+            <a:prstGeom prst="rect">
+              <a:avLst/>
+            </a:prstGeom>
+          </p:spPr>
+        </p:pic>
+        <p:sp>
+          <p:nvSpPr>
+            <p:cNvPr id="28" name="矩形: 圓角 27">
+              <a:extLst>
+                <a:ext uri="{FF2B5EF4-FFF2-40B4-BE49-F238E27FC236}">
+                  <a16:creationId xmlns:a16="http://schemas.microsoft.com/office/drawing/2014/main" id="{89E5EB42-64CC-271E-E015-A802528CADDF}"/>
+                </a:ext>
+              </a:extLst>
+            </p:cNvPr>
+            <p:cNvSpPr/>
+            <p:nvPr/>
+          </p:nvSpPr>
+          <p:spPr>
+            <a:xfrm>
+              <a:off x="533344" y="4176357"/>
+              <a:ext cx="1800000" cy="360000"/>
+            </a:xfrm>
+            <a:prstGeom prst="roundRect">
+              <a:avLst>
+                <a:gd name="adj" fmla="val 7313"/>
+              </a:avLst>
+            </a:prstGeom>
+            <a:solidFill>
+              <a:schemeClr val="tx1">
+                <a:alpha val="34000"/>
+              </a:schemeClr>
+            </a:solidFill>
+            <a:ln>
+              <a:noFill/>
+            </a:ln>
+          </p:spPr>
+          <p:style>
+            <a:lnRef idx="2">
+              <a:schemeClr val="accent1">
+                <a:shade val="15000"/>
+              </a:schemeClr>
+            </a:lnRef>
+            <a:fillRef idx="1">
+              <a:schemeClr val="accent1"/>
+            </a:fillRef>
+            <a:effectRef idx="0">
+              <a:schemeClr val="accent1"/>
+            </a:effectRef>
+            <a:fontRef idx="minor">
+              <a:schemeClr val="lt1"/>
+            </a:fontRef>
+          </p:style>
+          <p:txBody>
+            <a:bodyPr rtlCol="0" anchor="ctr"/>
+            <a:lstStyle/>
+            <a:p>
+              <a:pPr algn="r"/>
+              <a:r>
+                <a:rPr lang="en-US" altLang="zh-TW" sz="1600" dirty="0">
+                  <a:solidFill>
+                    <a:schemeClr val="bg1"/>
+                  </a:solidFill>
+                  <a:latin typeface="臺灣道路體 1.0 Regular" panose="020B0506020000000000" pitchFamily="34" charset="-120"/>
+                  <a:ea typeface="臺灣道路體 1.0 Regular" panose="020B0506020000000000" pitchFamily="34" charset="-120"/>
+                </a:rPr>
+                <a:t>Raw Data</a:t>
+              </a:r>
+              <a:endParaRPr lang="zh-TW" altLang="en-US" sz="1600" dirty="0">
+                <a:solidFill>
+                  <a:schemeClr val="bg1"/>
+                </a:solidFill>
+                <a:latin typeface="臺灣道路體 1.0 Regular" panose="020B0506020000000000" pitchFamily="34" charset="-120"/>
+                <a:ea typeface="臺灣道路體 1.0 Regular" panose="020B0506020000000000" pitchFamily="34" charset="-120"/>
+              </a:endParaRPr>
+            </a:p>
+          </p:txBody>
+        </p:sp>
+      </p:grpSp>
+      <p:grpSp>
+        <p:nvGrpSpPr>
+          <p:cNvPr id="67" name="群組 66">
+            <a:extLst>
+              <a:ext uri="{FF2B5EF4-FFF2-40B4-BE49-F238E27FC236}">
+                <a16:creationId xmlns:a16="http://schemas.microsoft.com/office/drawing/2014/main" id="{C0A0228C-DF3A-BAEF-697F-700E9E6F9621}"/>
+              </a:ext>
+            </a:extLst>
+          </p:cNvPr>
+          <p:cNvGrpSpPr/>
+          <p:nvPr/>
+        </p:nvGrpSpPr>
+        <p:grpSpPr>
+          <a:xfrm>
+            <a:off x="2127172" y="3090505"/>
+            <a:ext cx="1800000" cy="360000"/>
+            <a:chOff x="2418233" y="4784711"/>
+            <a:chExt cx="1800000" cy="360000"/>
+          </a:xfrm>
+        </p:grpSpPr>
+        <p:pic>
+          <p:nvPicPr>
+            <p:cNvPr id="14" name="圖片 13">
+              <a:extLst>
+                <a:ext uri="{FF2B5EF4-FFF2-40B4-BE49-F238E27FC236}">
+                  <a16:creationId xmlns:a16="http://schemas.microsoft.com/office/drawing/2014/main" id="{E2150FF4-F029-4470-7237-A9B287B2F2C0}"/>
+                </a:ext>
+              </a:extLst>
+            </p:cNvPr>
+            <p:cNvPicPr>
+              <a:picLocks noChangeAspect="1"/>
+            </p:cNvPicPr>
+            <p:nvPr/>
+          </p:nvPicPr>
+          <p:blipFill>
+            <a:blip r:embed="rId5">
+              <a:extLst>
+                <a:ext uri="{28A0092B-C50C-407E-A947-70E740481C1C}">
+                  <a14:useLocalDpi xmlns:a14="http://schemas.microsoft.com/office/drawing/2010/main" val="0"/>
+                </a:ext>
+              </a:extLst>
+            </a:blip>
+            <a:stretch>
+              <a:fillRect/>
+            </a:stretch>
+          </p:blipFill>
+          <p:spPr>
+            <a:xfrm>
+              <a:off x="2425751" y="4784711"/>
+              <a:ext cx="360000" cy="360000"/>
+            </a:xfrm>
+            <a:prstGeom prst="rect">
+              <a:avLst/>
+            </a:prstGeom>
+          </p:spPr>
+        </p:pic>
+        <p:sp>
+          <p:nvSpPr>
+            <p:cNvPr id="30" name="矩形: 圓角 29">
+              <a:extLst>
+                <a:ext uri="{FF2B5EF4-FFF2-40B4-BE49-F238E27FC236}">
+                  <a16:creationId xmlns:a16="http://schemas.microsoft.com/office/drawing/2014/main" id="{1BE81BCB-2D02-DC4F-E15F-E12F731E5B94}"/>
+                </a:ext>
+              </a:extLst>
+            </p:cNvPr>
+            <p:cNvSpPr/>
+            <p:nvPr/>
+          </p:nvSpPr>
+          <p:spPr>
+            <a:xfrm>
+              <a:off x="2418233" y="4784711"/>
+              <a:ext cx="1800000" cy="360000"/>
+            </a:xfrm>
+            <a:prstGeom prst="roundRect">
+              <a:avLst>
+                <a:gd name="adj" fmla="val 7313"/>
+              </a:avLst>
+            </a:prstGeom>
+            <a:solidFill>
+              <a:schemeClr val="tx1">
+                <a:alpha val="34000"/>
+              </a:schemeClr>
+            </a:solidFill>
+            <a:ln>
+              <a:noFill/>
+            </a:ln>
+          </p:spPr>
+          <p:style>
+            <a:lnRef idx="2">
+              <a:schemeClr val="accent1">
+                <a:shade val="15000"/>
+              </a:schemeClr>
+            </a:lnRef>
+            <a:fillRef idx="1">
+              <a:schemeClr val="accent1"/>
+            </a:fillRef>
+            <a:effectRef idx="0">
+              <a:schemeClr val="accent1"/>
+            </a:effectRef>
+            <a:fontRef idx="minor">
+              <a:schemeClr val="lt1"/>
+            </a:fontRef>
+          </p:style>
+          <p:txBody>
+            <a:bodyPr rtlCol="0" anchor="ctr"/>
+            <a:lstStyle/>
+            <a:p>
+              <a:pPr algn="r"/>
+              <a:r>
+                <a:rPr lang="en-US" altLang="zh-TW" sz="1600" dirty="0">
+                  <a:solidFill>
+                    <a:schemeClr val="bg1"/>
+                  </a:solidFill>
+                  <a:latin typeface="臺灣道路體 1.0 Regular" panose="020B0506020000000000" pitchFamily="34" charset="-120"/>
+                  <a:ea typeface="臺灣道路體 1.0 Regular" panose="020B0506020000000000" pitchFamily="34" charset="-120"/>
+                </a:rPr>
+                <a:t>Data clean &amp; EDA</a:t>
+              </a:r>
+              <a:endParaRPr lang="zh-TW" altLang="en-US" sz="1600" dirty="0">
+                <a:solidFill>
+                  <a:schemeClr val="bg1"/>
+                </a:solidFill>
+                <a:latin typeface="臺灣道路體 1.0 Regular" panose="020B0506020000000000" pitchFamily="34" charset="-120"/>
+                <a:ea typeface="臺灣道路體 1.0 Regular" panose="020B0506020000000000" pitchFamily="34" charset="-120"/>
+              </a:endParaRPr>
+            </a:p>
+          </p:txBody>
+        </p:sp>
+      </p:grpSp>
+      <p:grpSp>
+        <p:nvGrpSpPr>
+          <p:cNvPr id="68" name="群組 67">
+            <a:extLst>
+              <a:ext uri="{FF2B5EF4-FFF2-40B4-BE49-F238E27FC236}">
+                <a16:creationId xmlns:a16="http://schemas.microsoft.com/office/drawing/2014/main" id="{34C386B1-5169-3148-7723-9562B19F9BEB}"/>
+              </a:ext>
+            </a:extLst>
+          </p:cNvPr>
+          <p:cNvGrpSpPr/>
+          <p:nvPr/>
+        </p:nvGrpSpPr>
+        <p:grpSpPr>
+          <a:xfrm>
+            <a:off x="2116250" y="3741727"/>
+            <a:ext cx="1810922" cy="360000"/>
+            <a:chOff x="4781510" y="4164749"/>
+            <a:chExt cx="1810922" cy="360000"/>
+          </a:xfrm>
+        </p:grpSpPr>
+        <p:pic>
+          <p:nvPicPr>
+            <p:cNvPr id="17" name="圖片 16">
+              <a:extLst>
+                <a:ext uri="{FF2B5EF4-FFF2-40B4-BE49-F238E27FC236}">
+                  <a16:creationId xmlns:a16="http://schemas.microsoft.com/office/drawing/2014/main" id="{B04D5FE8-F6C6-5826-1815-5337DECA0E0A}"/>
+                </a:ext>
+              </a:extLst>
+            </p:cNvPr>
+            <p:cNvPicPr>
+              <a:picLocks noChangeAspect="1"/>
+            </p:cNvPicPr>
+            <p:nvPr/>
+          </p:nvPicPr>
+          <p:blipFill>
+            <a:blip r:embed="rId6">
+              <a:extLst>
+                <a:ext uri="{28A0092B-C50C-407E-A947-70E740481C1C}">
+                  <a14:useLocalDpi xmlns:a14="http://schemas.microsoft.com/office/drawing/2010/main" val="0"/>
+                </a:ext>
+              </a:extLst>
+            </a:blip>
+            <a:stretch>
+              <a:fillRect/>
+            </a:stretch>
+          </p:blipFill>
+          <p:spPr>
+            <a:xfrm>
+              <a:off x="4781510" y="4164749"/>
+              <a:ext cx="360000" cy="360000"/>
+            </a:xfrm>
+            <a:prstGeom prst="rect">
+              <a:avLst/>
+            </a:prstGeom>
+          </p:spPr>
+        </p:pic>
+        <p:sp>
+          <p:nvSpPr>
+            <p:cNvPr id="31" name="矩形: 圓角 30">
+              <a:extLst>
+                <a:ext uri="{FF2B5EF4-FFF2-40B4-BE49-F238E27FC236}">
+                  <a16:creationId xmlns:a16="http://schemas.microsoft.com/office/drawing/2014/main" id="{A9CC3C13-40DC-9FDE-BE79-029E0CA5B4E7}"/>
+                </a:ext>
+              </a:extLst>
+            </p:cNvPr>
+            <p:cNvSpPr/>
+            <p:nvPr/>
+          </p:nvSpPr>
+          <p:spPr>
+            <a:xfrm>
+              <a:off x="4792432" y="4164749"/>
+              <a:ext cx="1800000" cy="360000"/>
+            </a:xfrm>
+            <a:prstGeom prst="roundRect">
+              <a:avLst>
+                <a:gd name="adj" fmla="val 7313"/>
+              </a:avLst>
+            </a:prstGeom>
+            <a:solidFill>
+              <a:schemeClr val="tx1">
+                <a:alpha val="34000"/>
+              </a:schemeClr>
+            </a:solidFill>
+            <a:ln>
+              <a:noFill/>
+            </a:ln>
+          </p:spPr>
+          <p:style>
+            <a:lnRef idx="2">
+              <a:schemeClr val="accent1">
+                <a:shade val="15000"/>
+              </a:schemeClr>
+            </a:lnRef>
+            <a:fillRef idx="1">
+              <a:schemeClr val="accent1"/>
+            </a:fillRef>
+            <a:effectRef idx="0">
+              <a:schemeClr val="accent1"/>
+            </a:effectRef>
+            <a:fontRef idx="minor">
+              <a:schemeClr val="lt1"/>
+            </a:fontRef>
+          </p:style>
+          <p:txBody>
+            <a:bodyPr rtlCol="0" anchor="ctr"/>
+            <a:lstStyle/>
+            <a:p>
+              <a:pPr algn="r"/>
+              <a:r>
+                <a:rPr lang="en-US" altLang="zh-TW" sz="1600" dirty="0">
+                  <a:solidFill>
+                    <a:schemeClr val="bg1"/>
+                  </a:solidFill>
+                  <a:latin typeface="臺灣道路體 1.0 Regular" panose="020B0506020000000000" pitchFamily="34" charset="-120"/>
+                  <a:ea typeface="臺灣道路體 1.0 Regular" panose="020B0506020000000000" pitchFamily="34" charset="-120"/>
+                </a:rPr>
+                <a:t>Feature Engineering</a:t>
+              </a:r>
+              <a:endParaRPr lang="zh-TW" altLang="en-US" sz="1600" dirty="0">
+                <a:solidFill>
+                  <a:schemeClr val="bg1"/>
+                </a:solidFill>
+                <a:latin typeface="臺灣道路體 1.0 Regular" panose="020B0506020000000000" pitchFamily="34" charset="-120"/>
+                <a:ea typeface="臺灣道路體 1.0 Regular" panose="020B0506020000000000" pitchFamily="34" charset="-120"/>
+              </a:endParaRPr>
+            </a:p>
+          </p:txBody>
+        </p:sp>
+      </p:grpSp>
+      <p:grpSp>
+        <p:nvGrpSpPr>
+          <p:cNvPr id="69" name="群組 68">
+            <a:extLst>
+              <a:ext uri="{FF2B5EF4-FFF2-40B4-BE49-F238E27FC236}">
+                <a16:creationId xmlns:a16="http://schemas.microsoft.com/office/drawing/2014/main" id="{D1F96C13-1840-D660-7378-5DD1D6540459}"/>
+              </a:ext>
+            </a:extLst>
+          </p:cNvPr>
+          <p:cNvGrpSpPr/>
+          <p:nvPr/>
+        </p:nvGrpSpPr>
+        <p:grpSpPr>
+          <a:xfrm>
+            <a:off x="4460233" y="4118726"/>
+            <a:ext cx="1800000" cy="370025"/>
+            <a:chOff x="5652257" y="2934378"/>
+            <a:chExt cx="1800000" cy="370025"/>
+          </a:xfrm>
+        </p:grpSpPr>
+        <p:pic>
+          <p:nvPicPr>
+            <p:cNvPr id="24" name="圖片 23">
+              <a:extLst>
+                <a:ext uri="{FF2B5EF4-FFF2-40B4-BE49-F238E27FC236}">
+                  <a16:creationId xmlns:a16="http://schemas.microsoft.com/office/drawing/2014/main" id="{AB70CB63-565F-8E0F-CE96-2BB6363CE6F9}"/>
+                </a:ext>
+              </a:extLst>
+            </p:cNvPr>
+            <p:cNvPicPr>
+              <a:picLocks noChangeAspect="1"/>
+            </p:cNvPicPr>
+            <p:nvPr/>
+          </p:nvPicPr>
+          <p:blipFill>
+            <a:blip r:embed="rId7">
+              <a:extLst>
+                <a:ext uri="{28A0092B-C50C-407E-A947-70E740481C1C}">
+                  <a14:useLocalDpi xmlns:a14="http://schemas.microsoft.com/office/drawing/2010/main" val="0"/>
+                </a:ext>
+              </a:extLst>
+            </a:blip>
+            <a:stretch>
+              <a:fillRect/>
+            </a:stretch>
+          </p:blipFill>
+          <p:spPr>
+            <a:xfrm>
+              <a:off x="5653357" y="2944403"/>
+              <a:ext cx="360000" cy="360000"/>
+            </a:xfrm>
+            <a:prstGeom prst="rect">
+              <a:avLst/>
+            </a:prstGeom>
+          </p:spPr>
+        </p:pic>
+        <p:sp>
+          <p:nvSpPr>
+            <p:cNvPr id="52" name="矩形: 圓角 51">
+              <a:extLst>
+                <a:ext uri="{FF2B5EF4-FFF2-40B4-BE49-F238E27FC236}">
+                  <a16:creationId xmlns:a16="http://schemas.microsoft.com/office/drawing/2014/main" id="{8F95A5C8-DE63-A78F-1E6D-ADACA5217F66}"/>
+                </a:ext>
+              </a:extLst>
+            </p:cNvPr>
+            <p:cNvSpPr/>
+            <p:nvPr/>
+          </p:nvSpPr>
+          <p:spPr>
+            <a:xfrm>
+              <a:off x="5652257" y="2934378"/>
+              <a:ext cx="1800000" cy="360000"/>
+            </a:xfrm>
+            <a:prstGeom prst="roundRect">
+              <a:avLst>
+                <a:gd name="adj" fmla="val 7313"/>
+              </a:avLst>
+            </a:prstGeom>
+            <a:solidFill>
+              <a:schemeClr val="tx1">
+                <a:alpha val="34000"/>
+              </a:schemeClr>
+            </a:solidFill>
+            <a:ln>
+              <a:noFill/>
+            </a:ln>
+          </p:spPr>
+          <p:style>
+            <a:lnRef idx="2">
+              <a:schemeClr val="accent1">
+                <a:shade val="15000"/>
+              </a:schemeClr>
+            </a:lnRef>
+            <a:fillRef idx="1">
+              <a:schemeClr val="accent1"/>
+            </a:fillRef>
+            <a:effectRef idx="0">
+              <a:schemeClr val="accent1"/>
+            </a:effectRef>
+            <a:fontRef idx="minor">
+              <a:schemeClr val="lt1"/>
+            </a:fontRef>
+          </p:style>
+          <p:txBody>
+            <a:bodyPr rtlCol="0" anchor="ctr"/>
+            <a:lstStyle/>
+            <a:p>
+              <a:pPr algn="r"/>
+              <a:r>
+                <a:rPr lang="en-US" altLang="zh-TW" sz="1600" dirty="0">
+                  <a:solidFill>
+                    <a:schemeClr val="bg1"/>
+                  </a:solidFill>
+                  <a:latin typeface="臺灣道路體 1.0 Regular" panose="020B0506020000000000" pitchFamily="34" charset="-120"/>
+                  <a:ea typeface="臺灣道路體 1.0 Regular" panose="020B0506020000000000" pitchFamily="34" charset="-120"/>
+                </a:rPr>
+                <a:t>Training Data</a:t>
+              </a:r>
+              <a:endParaRPr lang="zh-TW" altLang="en-US" sz="1600" dirty="0">
+                <a:solidFill>
+                  <a:schemeClr val="bg1"/>
+                </a:solidFill>
+                <a:latin typeface="臺灣道路體 1.0 Regular" panose="020B0506020000000000" pitchFamily="34" charset="-120"/>
+                <a:ea typeface="臺灣道路體 1.0 Regular" panose="020B0506020000000000" pitchFamily="34" charset="-120"/>
+              </a:endParaRPr>
+            </a:p>
+          </p:txBody>
+        </p:sp>
+      </p:grpSp>
+      <p:grpSp>
+        <p:nvGrpSpPr>
+          <p:cNvPr id="70" name="群組 69">
+            <a:extLst>
+              <a:ext uri="{FF2B5EF4-FFF2-40B4-BE49-F238E27FC236}">
+                <a16:creationId xmlns:a16="http://schemas.microsoft.com/office/drawing/2014/main" id="{6BB4D6B1-B910-2C55-E6F5-75420A49E5EB}"/>
+              </a:ext>
+            </a:extLst>
+          </p:cNvPr>
+          <p:cNvGrpSpPr/>
+          <p:nvPr/>
+        </p:nvGrpSpPr>
+        <p:grpSpPr>
+          <a:xfrm>
+            <a:off x="4460842" y="4526827"/>
+            <a:ext cx="1800000" cy="370025"/>
+            <a:chOff x="5652257" y="3418975"/>
+            <a:chExt cx="1800000" cy="370025"/>
+          </a:xfrm>
+        </p:grpSpPr>
+        <p:pic>
+          <p:nvPicPr>
+            <p:cNvPr id="19" name="圖片 18">
+              <a:extLst>
+                <a:ext uri="{FF2B5EF4-FFF2-40B4-BE49-F238E27FC236}">
+                  <a16:creationId xmlns:a16="http://schemas.microsoft.com/office/drawing/2014/main" id="{CDEFD09B-0D1A-C2A8-9A60-637C4BCAAC63}"/>
+                </a:ext>
+              </a:extLst>
+            </p:cNvPr>
+            <p:cNvPicPr>
+              <a:picLocks noChangeAspect="1"/>
+            </p:cNvPicPr>
+            <p:nvPr/>
+          </p:nvPicPr>
+          <p:blipFill>
+            <a:blip r:embed="rId8">
+              <a:extLst>
+                <a:ext uri="{28A0092B-C50C-407E-A947-70E740481C1C}">
+                  <a14:useLocalDpi xmlns:a14="http://schemas.microsoft.com/office/drawing/2010/main" val="0"/>
+                </a:ext>
+              </a:extLst>
+            </a:blip>
+            <a:stretch>
+              <a:fillRect/>
+            </a:stretch>
+          </p:blipFill>
+          <p:spPr>
+            <a:xfrm>
+              <a:off x="5652257" y="3429000"/>
+              <a:ext cx="360000" cy="360000"/>
+            </a:xfrm>
+            <a:prstGeom prst="rect">
+              <a:avLst/>
+            </a:prstGeom>
+          </p:spPr>
+        </p:pic>
+        <p:sp>
+          <p:nvSpPr>
+            <p:cNvPr id="63" name="矩形: 圓角 62">
+              <a:extLst>
+                <a:ext uri="{FF2B5EF4-FFF2-40B4-BE49-F238E27FC236}">
+                  <a16:creationId xmlns:a16="http://schemas.microsoft.com/office/drawing/2014/main" id="{16ABC231-1CAE-3B09-553D-024E77A1C3E0}"/>
+                </a:ext>
+              </a:extLst>
+            </p:cNvPr>
+            <p:cNvSpPr/>
+            <p:nvPr/>
+          </p:nvSpPr>
+          <p:spPr>
+            <a:xfrm>
+              <a:off x="5652257" y="3418975"/>
+              <a:ext cx="1800000" cy="360000"/>
+            </a:xfrm>
+            <a:prstGeom prst="roundRect">
+              <a:avLst>
+                <a:gd name="adj" fmla="val 7313"/>
+              </a:avLst>
+            </a:prstGeom>
+            <a:solidFill>
+              <a:schemeClr val="tx1">
+                <a:alpha val="34000"/>
+              </a:schemeClr>
+            </a:solidFill>
+            <a:ln>
+              <a:noFill/>
+            </a:ln>
+          </p:spPr>
+          <p:style>
+            <a:lnRef idx="2">
+              <a:schemeClr val="accent1">
+                <a:shade val="15000"/>
+              </a:schemeClr>
+            </a:lnRef>
+            <a:fillRef idx="1">
+              <a:schemeClr val="accent1"/>
+            </a:fillRef>
+            <a:effectRef idx="0">
+              <a:schemeClr val="accent1"/>
+            </a:effectRef>
+            <a:fontRef idx="minor">
+              <a:schemeClr val="lt1"/>
+            </a:fontRef>
+          </p:style>
+          <p:txBody>
+            <a:bodyPr rtlCol="0" anchor="ctr"/>
+            <a:lstStyle/>
+            <a:p>
+              <a:pPr algn="r"/>
+              <a:r>
+                <a:rPr lang="en-US" altLang="zh-TW" sz="1600" dirty="0">
+                  <a:solidFill>
+                    <a:schemeClr val="bg1"/>
+                  </a:solidFill>
+                  <a:latin typeface="臺灣道路體 1.0 Regular" panose="020B0506020000000000" pitchFamily="34" charset="-120"/>
+                  <a:ea typeface="臺灣道路體 1.0 Regular" panose="020B0506020000000000" pitchFamily="34" charset="-120"/>
+                </a:rPr>
+                <a:t>Test Data</a:t>
+              </a:r>
+              <a:endParaRPr lang="zh-TW" altLang="en-US" sz="1600" dirty="0">
+                <a:solidFill>
+                  <a:schemeClr val="bg1"/>
+                </a:solidFill>
+                <a:latin typeface="臺灣道路體 1.0 Regular" panose="020B0506020000000000" pitchFamily="34" charset="-120"/>
+                <a:ea typeface="臺灣道路體 1.0 Regular" panose="020B0506020000000000" pitchFamily="34" charset="-120"/>
+              </a:endParaRPr>
+            </a:p>
+          </p:txBody>
+        </p:sp>
+      </p:grpSp>
+      <p:grpSp>
+        <p:nvGrpSpPr>
+          <p:cNvPr id="86" name="群組 85">
+            <a:extLst>
+              <a:ext uri="{FF2B5EF4-FFF2-40B4-BE49-F238E27FC236}">
+                <a16:creationId xmlns:a16="http://schemas.microsoft.com/office/drawing/2014/main" id="{F6BED08B-9772-2F70-1BED-A5DE05C8B639}"/>
+              </a:ext>
+            </a:extLst>
+          </p:cNvPr>
+          <p:cNvGrpSpPr/>
+          <p:nvPr/>
+        </p:nvGrpSpPr>
+        <p:grpSpPr>
+          <a:xfrm>
+            <a:off x="5356943" y="3034570"/>
+            <a:ext cx="1070063" cy="360000"/>
+            <a:chOff x="6812651" y="4054162"/>
+            <a:chExt cx="1070063" cy="360000"/>
+          </a:xfrm>
+        </p:grpSpPr>
+        <p:pic>
+          <p:nvPicPr>
+            <p:cNvPr id="26" name="圖片 25">
+              <a:extLst>
+                <a:ext uri="{FF2B5EF4-FFF2-40B4-BE49-F238E27FC236}">
+                  <a16:creationId xmlns:a16="http://schemas.microsoft.com/office/drawing/2014/main" id="{F0BD3574-8AF9-FB67-8DC9-44EA6D3CA52C}"/>
+                </a:ext>
+              </a:extLst>
+            </p:cNvPr>
+            <p:cNvPicPr>
+              <a:picLocks noChangeAspect="1"/>
+            </p:cNvPicPr>
+            <p:nvPr/>
+          </p:nvPicPr>
+          <p:blipFill>
+            <a:blip r:embed="rId9">
+              <a:extLst>
+                <a:ext uri="{28A0092B-C50C-407E-A947-70E740481C1C}">
+                  <a14:useLocalDpi xmlns:a14="http://schemas.microsoft.com/office/drawing/2010/main" val="0"/>
+                </a:ext>
+              </a:extLst>
+            </a:blip>
+            <a:stretch>
+              <a:fillRect/>
+            </a:stretch>
+          </p:blipFill>
+          <p:spPr>
+            <a:xfrm>
+              <a:off x="6812651" y="4054162"/>
+              <a:ext cx="360000" cy="360000"/>
+            </a:xfrm>
+            <a:prstGeom prst="rect">
+              <a:avLst/>
+            </a:prstGeom>
+          </p:spPr>
+        </p:pic>
+        <p:sp>
+          <p:nvSpPr>
+            <p:cNvPr id="79" name="矩形: 圓角 78">
+              <a:extLst>
+                <a:ext uri="{FF2B5EF4-FFF2-40B4-BE49-F238E27FC236}">
+                  <a16:creationId xmlns:a16="http://schemas.microsoft.com/office/drawing/2014/main" id="{00EC7D42-7E62-3BE0-0C48-35B61079B5BA}"/>
+                </a:ext>
+              </a:extLst>
+            </p:cNvPr>
+            <p:cNvSpPr/>
+            <p:nvPr/>
+          </p:nvSpPr>
+          <p:spPr>
+            <a:xfrm>
+              <a:off x="6812651" y="4054162"/>
+              <a:ext cx="1070063" cy="360000"/>
+            </a:xfrm>
+            <a:prstGeom prst="roundRect">
+              <a:avLst>
+                <a:gd name="adj" fmla="val 7313"/>
+              </a:avLst>
+            </a:prstGeom>
+            <a:solidFill>
+              <a:schemeClr val="accent2">
+                <a:alpha val="34000"/>
+              </a:schemeClr>
+            </a:solidFill>
+            <a:ln>
+              <a:noFill/>
+            </a:ln>
+          </p:spPr>
+          <p:style>
+            <a:lnRef idx="2">
+              <a:schemeClr val="accent1">
+                <a:shade val="15000"/>
+              </a:schemeClr>
+            </a:lnRef>
+            <a:fillRef idx="1">
+              <a:schemeClr val="accent1"/>
+            </a:fillRef>
+            <a:effectRef idx="0">
+              <a:schemeClr val="accent1"/>
+            </a:effectRef>
+            <a:fontRef idx="minor">
+              <a:schemeClr val="lt1"/>
+            </a:fontRef>
+          </p:style>
+          <p:txBody>
+            <a:bodyPr rtlCol="0" anchor="ctr"/>
+            <a:lstStyle/>
+            <a:p>
+              <a:pPr algn="r"/>
+              <a:r>
+                <a:rPr lang="en-US" altLang="zh-TW" sz="1600" dirty="0">
+                  <a:solidFill>
+                    <a:schemeClr val="bg1"/>
+                  </a:solidFill>
+                  <a:latin typeface="臺灣道路體 1.0 Regular" panose="020B0506020000000000" pitchFamily="34" charset="-120"/>
+                  <a:ea typeface="臺灣道路體 1.0 Regular" panose="020B0506020000000000" pitchFamily="34" charset="-120"/>
+                </a:rPr>
+                <a:t>Algorithm</a:t>
+              </a:r>
+              <a:endParaRPr lang="zh-TW" altLang="en-US" sz="1600" dirty="0">
+                <a:solidFill>
+                  <a:schemeClr val="bg1"/>
+                </a:solidFill>
+                <a:latin typeface="臺灣道路體 1.0 Regular" panose="020B0506020000000000" pitchFamily="34" charset="-120"/>
+                <a:ea typeface="臺灣道路體 1.0 Regular" panose="020B0506020000000000" pitchFamily="34" charset="-120"/>
+              </a:endParaRPr>
+            </a:p>
+          </p:txBody>
+        </p:sp>
+      </p:grpSp>
+      <p:grpSp>
+        <p:nvGrpSpPr>
+          <p:cNvPr id="85" name="群組 84">
+            <a:extLst>
+              <a:ext uri="{FF2B5EF4-FFF2-40B4-BE49-F238E27FC236}">
+                <a16:creationId xmlns:a16="http://schemas.microsoft.com/office/drawing/2014/main" id="{455A60E6-944F-B761-6782-97838E86034E}"/>
+              </a:ext>
+            </a:extLst>
+          </p:cNvPr>
+          <p:cNvGrpSpPr/>
+          <p:nvPr/>
+        </p:nvGrpSpPr>
+        <p:grpSpPr>
+          <a:xfrm>
+            <a:off x="2127172" y="4314479"/>
+            <a:ext cx="1800000" cy="369693"/>
+            <a:chOff x="2127172" y="3777897"/>
+            <a:chExt cx="1800000" cy="369693"/>
+          </a:xfrm>
+        </p:grpSpPr>
+        <p:sp>
+          <p:nvSpPr>
+            <p:cNvPr id="49" name="矩形: 圓角 48">
+              <a:extLst>
+                <a:ext uri="{FF2B5EF4-FFF2-40B4-BE49-F238E27FC236}">
+                  <a16:creationId xmlns:a16="http://schemas.microsoft.com/office/drawing/2014/main" id="{A8015845-B7DF-2CD4-B73A-E3A75975306B}"/>
+                </a:ext>
+              </a:extLst>
+            </p:cNvPr>
+            <p:cNvSpPr/>
+            <p:nvPr/>
+          </p:nvSpPr>
+          <p:spPr>
+            <a:xfrm>
+              <a:off x="2127172" y="3787590"/>
+              <a:ext cx="1800000" cy="360000"/>
+            </a:xfrm>
+            <a:prstGeom prst="roundRect">
+              <a:avLst>
+                <a:gd name="adj" fmla="val 7313"/>
+              </a:avLst>
+            </a:prstGeom>
+            <a:solidFill>
+              <a:schemeClr val="tx1">
+                <a:alpha val="34000"/>
+              </a:schemeClr>
+            </a:solidFill>
+            <a:ln>
+              <a:noFill/>
+            </a:ln>
+          </p:spPr>
+          <p:style>
+            <a:lnRef idx="2">
+              <a:schemeClr val="accent1">
+                <a:shade val="15000"/>
+              </a:schemeClr>
+            </a:lnRef>
+            <a:fillRef idx="1">
+              <a:schemeClr val="accent1"/>
+            </a:fillRef>
+            <a:effectRef idx="0">
+              <a:schemeClr val="accent1"/>
+            </a:effectRef>
+            <a:fontRef idx="minor">
+              <a:schemeClr val="lt1"/>
+            </a:fontRef>
+          </p:style>
+          <p:txBody>
+            <a:bodyPr rtlCol="0" anchor="ctr"/>
+            <a:lstStyle/>
+            <a:p>
+              <a:pPr algn="r"/>
+              <a:r>
+                <a:rPr lang="en-US" altLang="zh-TW" sz="1600" dirty="0">
+                  <a:solidFill>
+                    <a:schemeClr val="bg1"/>
+                  </a:solidFill>
+                  <a:latin typeface="臺灣道路體 1.0 Regular" panose="020B0506020000000000" pitchFamily="34" charset="-120"/>
+                  <a:ea typeface="臺灣道路體 1.0 Regular" panose="020B0506020000000000" pitchFamily="34" charset="-120"/>
+                </a:rPr>
+                <a:t>Data Partitioning</a:t>
+              </a:r>
+              <a:endParaRPr lang="zh-TW" altLang="en-US" sz="1600" dirty="0">
+                <a:solidFill>
+                  <a:schemeClr val="bg1"/>
+                </a:solidFill>
+                <a:latin typeface="臺灣道路體 1.0 Regular" panose="020B0506020000000000" pitchFamily="34" charset="-120"/>
+                <a:ea typeface="臺灣道路體 1.0 Regular" panose="020B0506020000000000" pitchFamily="34" charset="-120"/>
+              </a:endParaRPr>
+            </a:p>
+          </p:txBody>
+        </p:sp>
+        <p:pic>
+          <p:nvPicPr>
+            <p:cNvPr id="84" name="圖形 83">
+              <a:extLst>
+                <a:ext uri="{FF2B5EF4-FFF2-40B4-BE49-F238E27FC236}">
+                  <a16:creationId xmlns:a16="http://schemas.microsoft.com/office/drawing/2014/main" id="{8E472FFA-DA29-A360-0ECF-79A9F0827594}"/>
+                </a:ext>
+              </a:extLst>
+            </p:cNvPr>
+            <p:cNvPicPr>
+              <a:picLocks noChangeAspect="1"/>
+            </p:cNvPicPr>
+            <p:nvPr/>
+          </p:nvPicPr>
+          <p:blipFill>
+            <a:blip r:embed="rId10">
+              <a:extLst>
+                <a:ext uri="{96DAC541-7B7A-43D3-8B79-37D633B846F1}">
+                  <asvg:svgBlip xmlns:asvg="http://schemas.microsoft.com/office/drawing/2016/SVG/main" r:embed="rId11"/>
+                </a:ext>
+              </a:extLst>
+            </a:blip>
+            <a:stretch>
+              <a:fillRect/>
+            </a:stretch>
+          </p:blipFill>
+          <p:spPr>
+            <a:xfrm>
+              <a:off x="2134111" y="3777897"/>
+              <a:ext cx="360000" cy="360000"/>
+            </a:xfrm>
+            <a:prstGeom prst="rect">
+              <a:avLst/>
+            </a:prstGeom>
+          </p:spPr>
+        </p:pic>
+      </p:grpSp>
+      <p:cxnSp>
+        <p:nvCxnSpPr>
+          <p:cNvPr id="88" name="直線單箭頭接點 87">
+            <a:extLst>
+              <a:ext uri="{FF2B5EF4-FFF2-40B4-BE49-F238E27FC236}">
+                <a16:creationId xmlns:a16="http://schemas.microsoft.com/office/drawing/2014/main" id="{6DC0D594-E8DC-D107-0655-D672FD7ECD05}"/>
+              </a:ext>
+            </a:extLst>
+          </p:cNvPr>
+          <p:cNvCxnSpPr>
+            <a:stCxn id="28" idx="2"/>
+            <a:endCxn id="30" idx="0"/>
+          </p:cNvCxnSpPr>
+          <p:nvPr/>
+        </p:nvCxnSpPr>
         <p:spPr>
           <a:xfrm>
-            <a:off x="7519916" y="3767308"/>
-            <a:ext cx="375313" cy="233520"/>
+            <a:off x="3027172" y="2859338"/>
+            <a:ext cx="0" cy="231167"/>
           </a:xfrm>
-          <a:prstGeom prst="roundRect">
+          <a:prstGeom prst="straightConnector1">
             <a:avLst/>
           </a:prstGeom>
-          <a:solidFill>
-            <a:srgbClr val="C00000">
-              <a:alpha val="34000"/>
-            </a:srgbClr>
-          </a:solidFill>
           <a:ln>
-            <a:noFill/>
+            <a:tailEnd type="triangle"/>
           </a:ln>
         </p:spPr>
         <p:style>
-          <a:lnRef idx="2">
-            <a:schemeClr val="accent1">
-              <a:shade val="15000"/>
-            </a:schemeClr>
+          <a:lnRef idx="1">
+            <a:schemeClr val="accent1"/>
           </a:lnRef>
-          <a:fillRef idx="1">
+          <a:fillRef idx="0">
             <a:schemeClr val="accent1"/>
           </a:fillRef>
           <a:effectRef idx="0">
             <a:schemeClr val="accent1"/>
           </a:effectRef>
           <a:fontRef idx="minor">
-            <a:schemeClr val="lt1"/>
+            <a:schemeClr val="tx1"/>
           </a:fontRef>
         </p:style>
-        <p:txBody>
-          <a:bodyPr rtlCol="0" anchor="ctr"/>
-          <a:lstStyle/>
-          <a:p>
-            <a:pPr algn="ctr"/>
-            <a:endParaRPr lang="zh-TW" altLang="en-US"/>
-          </a:p>
-        </p:txBody>
-      </p:sp>
-      <p:sp>
-        <p:nvSpPr>
-          <p:cNvPr id="8" name="矩形: 圓角 7">
+      </p:cxnSp>
+      <p:cxnSp>
+        <p:nvCxnSpPr>
+          <p:cNvPr id="90" name="直線單箭頭接點 89">
             <a:extLst>
               <a:ext uri="{FF2B5EF4-FFF2-40B4-BE49-F238E27FC236}">
-                <a16:creationId xmlns:a16="http://schemas.microsoft.com/office/drawing/2014/main" id="{9F797539-DB66-B378-6D7B-78DC51D4457A}"/>
+                <a16:creationId xmlns:a16="http://schemas.microsoft.com/office/drawing/2014/main" id="{5ED36B2E-E7EB-5C48-FF78-8F96A049611C}"/>
               </a:ext>
             </a:extLst>
           </p:cNvPr>
-          <p:cNvSpPr/>
+          <p:cNvCxnSpPr>
+            <a:stCxn id="30" idx="2"/>
+            <a:endCxn id="31" idx="0"/>
+          </p:cNvCxnSpPr>
           <p:nvPr/>
-        </p:nvSpPr>
+        </p:nvCxnSpPr>
         <p:spPr>
           <a:xfrm>
-            <a:off x="8641306" y="5079254"/>
-            <a:ext cx="375313" cy="233520"/>
+            <a:off x="3027172" y="3450505"/>
+            <a:ext cx="0" cy="291222"/>
           </a:xfrm>
-          <a:prstGeom prst="roundRect">
+          <a:prstGeom prst="straightConnector1">
             <a:avLst/>
           </a:prstGeom>
-          <a:solidFill>
-            <a:schemeClr val="accent1">
-              <a:alpha val="34000"/>
-            </a:schemeClr>
-          </a:solidFill>
           <a:ln>
-            <a:noFill/>
+            <a:tailEnd type="triangle"/>
           </a:ln>
         </p:spPr>
         <p:style>
-          <a:lnRef idx="2">
-            <a:schemeClr val="accent1">
-              <a:shade val="15000"/>
-            </a:schemeClr>
+          <a:lnRef idx="1">
+            <a:schemeClr val="accent1"/>
           </a:lnRef>
-          <a:fillRef idx="1">
+          <a:fillRef idx="0">
             <a:schemeClr val="accent1"/>
           </a:fillRef>
           <a:effectRef idx="0">
             <a:schemeClr val="accent1"/>
           </a:effectRef>
           <a:fontRef idx="minor">
-            <a:schemeClr val="lt1"/>
+            <a:schemeClr val="tx1"/>
           </a:fontRef>
         </p:style>
-        <p:txBody>
-          <a:bodyPr rtlCol="0" anchor="ctr"/>
-          <a:lstStyle/>
-          <a:p>
-            <a:pPr algn="ctr"/>
-            <a:endParaRPr lang="zh-TW" altLang="en-US"/>
-          </a:p>
-        </p:txBody>
-      </p:sp>
-      <p:sp>
-        <p:nvSpPr>
-          <p:cNvPr id="9" name="矩形: 圓角 8">
+      </p:cxnSp>
+      <p:cxnSp>
+        <p:nvCxnSpPr>
+          <p:cNvPr id="92" name="直線單箭頭接點 91">
             <a:extLst>
               <a:ext uri="{FF2B5EF4-FFF2-40B4-BE49-F238E27FC236}">
-                <a16:creationId xmlns:a16="http://schemas.microsoft.com/office/drawing/2014/main" id="{CF177D7A-5408-D370-623F-199933A86088}"/>
+                <a16:creationId xmlns:a16="http://schemas.microsoft.com/office/drawing/2014/main" id="{AF03ED9A-1110-68F5-2895-250A1213DB32}"/>
               </a:ext>
             </a:extLst>
           </p:cNvPr>
-          <p:cNvSpPr/>
+          <p:cNvCxnSpPr>
+            <a:stCxn id="31" idx="2"/>
+            <a:endCxn id="49" idx="0"/>
+          </p:cNvCxnSpPr>
           <p:nvPr/>
-        </p:nvSpPr>
+        </p:nvCxnSpPr>
         <p:spPr>
           <a:xfrm>
-            <a:off x="8641307" y="1826331"/>
-            <a:ext cx="375313" cy="233520"/>
+            <a:off x="3027172" y="4101727"/>
+            <a:ext cx="0" cy="222445"/>
           </a:xfrm>
-          <a:prstGeom prst="roundRect">
+          <a:prstGeom prst="straightConnector1">
             <a:avLst/>
           </a:prstGeom>
-          <a:solidFill>
-            <a:srgbClr val="C00000">
-              <a:alpha val="34000"/>
-            </a:srgbClr>
-          </a:solidFill>
           <a:ln>
-            <a:noFill/>
+            <a:tailEnd type="triangle"/>
           </a:ln>
         </p:spPr>
         <p:style>
-          <a:lnRef idx="2">
-            <a:schemeClr val="accent1">
-              <a:shade val="15000"/>
-            </a:schemeClr>
+          <a:lnRef idx="1">
+            <a:schemeClr val="accent1"/>
           </a:lnRef>
-          <a:fillRef idx="1">
+          <a:fillRef idx="0">
             <a:schemeClr val="accent1"/>
           </a:fillRef>
           <a:effectRef idx="0">
             <a:schemeClr val="accent1"/>
           </a:effectRef>
           <a:fontRef idx="minor">
-            <a:schemeClr val="lt1"/>
+            <a:schemeClr val="tx1"/>
           </a:fontRef>
         </p:style>
-        <p:txBody>
-          <a:bodyPr rtlCol="0" anchor="ctr"/>
-          <a:lstStyle/>
-          <a:p>
-            <a:pPr algn="ctr"/>
-            <a:endParaRPr lang="zh-TW" altLang="en-US"/>
-          </a:p>
-        </p:txBody>
-      </p:sp>
-      <p:sp>
-        <p:nvSpPr>
-          <p:cNvPr id="11" name="矩形: 圓角 10">
+      </p:cxnSp>
+      <p:cxnSp>
+        <p:nvCxnSpPr>
+          <p:cNvPr id="96" name="直線單箭頭接點 95">
             <a:extLst>
               <a:ext uri="{FF2B5EF4-FFF2-40B4-BE49-F238E27FC236}">
-                <a16:creationId xmlns:a16="http://schemas.microsoft.com/office/drawing/2014/main" id="{FEF61F49-14D3-8FC8-5BF6-F42965CD409E}"/>
+                <a16:creationId xmlns:a16="http://schemas.microsoft.com/office/drawing/2014/main" id="{8E5C8D1A-E45D-E018-B85A-DB39FC44B87B}"/>
               </a:ext>
             </a:extLst>
           </p:cNvPr>
-          <p:cNvSpPr/>
+          <p:cNvCxnSpPr>
+            <a:stCxn id="49" idx="3"/>
+            <a:endCxn id="52" idx="1"/>
+          </p:cNvCxnSpPr>
           <p:nvPr/>
-        </p:nvSpPr>
+        </p:nvCxnSpPr>
         <p:spPr>
-          <a:xfrm>
-            <a:off x="7519916" y="5079254"/>
-            <a:ext cx="375313" cy="233520"/>
+          <a:xfrm flipV="1">
+            <a:off x="3927172" y="4298726"/>
+            <a:ext cx="533061" cy="205446"/>
           </a:xfrm>
-          <a:prstGeom prst="roundRect">
+          <a:prstGeom prst="straightConnector1">
             <a:avLst/>
           </a:prstGeom>
-          <a:solidFill>
-            <a:schemeClr val="accent1">
-              <a:alpha val="34000"/>
-            </a:schemeClr>
-          </a:solidFill>
           <a:ln>
-            <a:noFill/>
+            <a:tailEnd type="triangle"/>
           </a:ln>
         </p:spPr>
         <p:style>
-          <a:lnRef idx="2">
-            <a:schemeClr val="accent1">
-              <a:shade val="15000"/>
-            </a:schemeClr>
+          <a:lnRef idx="1">
+            <a:schemeClr val="accent1"/>
           </a:lnRef>
-          <a:fillRef idx="1">
+          <a:fillRef idx="0">
             <a:schemeClr val="accent1"/>
           </a:fillRef>
           <a:effectRef idx="0">
             <a:schemeClr val="accent1"/>
           </a:effectRef>
           <a:fontRef idx="minor">
-            <a:schemeClr val="lt1"/>
+            <a:schemeClr val="tx1"/>
           </a:fontRef>
         </p:style>
-        <p:txBody>
-          <a:bodyPr rtlCol="0" anchor="ctr"/>
-          <a:lstStyle/>
-          <a:p>
-            <a:pPr algn="ctr"/>
-            <a:endParaRPr lang="zh-TW" altLang="en-US"/>
-          </a:p>
-        </p:txBody>
-      </p:sp>
+      </p:cxnSp>
+      <p:cxnSp>
+        <p:nvCxnSpPr>
+          <p:cNvPr id="98" name="直線單箭頭接點 97">
+            <a:extLst>
+              <a:ext uri="{FF2B5EF4-FFF2-40B4-BE49-F238E27FC236}">
+                <a16:creationId xmlns:a16="http://schemas.microsoft.com/office/drawing/2014/main" id="{5E1C615F-3C42-DE8E-CB9B-D1176F204942}"/>
+              </a:ext>
+            </a:extLst>
+          </p:cNvPr>
+          <p:cNvCxnSpPr>
+            <a:stCxn id="49" idx="3"/>
+            <a:endCxn id="63" idx="1"/>
+          </p:cNvCxnSpPr>
+          <p:nvPr/>
+        </p:nvCxnSpPr>
+        <p:spPr>
+          <a:xfrm>
+            <a:off x="3927172" y="4504172"/>
+            <a:ext cx="533670" cy="202655"/>
+          </a:xfrm>
+          <a:prstGeom prst="straightConnector1">
+            <a:avLst/>
+          </a:prstGeom>
+          <a:ln>
+            <a:tailEnd type="triangle"/>
+          </a:ln>
+        </p:spPr>
+        <p:style>
+          <a:lnRef idx="1">
+            <a:schemeClr val="accent1"/>
+          </a:lnRef>
+          <a:fillRef idx="0">
+            <a:schemeClr val="accent1"/>
+          </a:fillRef>
+          <a:effectRef idx="0">
+            <a:schemeClr val="accent1"/>
+          </a:effectRef>
+          <a:fontRef idx="minor">
+            <a:schemeClr val="tx1"/>
+          </a:fontRef>
+        </p:style>
+      </p:cxnSp>
+      <p:grpSp>
+        <p:nvGrpSpPr>
+          <p:cNvPr id="101" name="群組 100">
+            <a:extLst>
+              <a:ext uri="{FF2B5EF4-FFF2-40B4-BE49-F238E27FC236}">
+                <a16:creationId xmlns:a16="http://schemas.microsoft.com/office/drawing/2014/main" id="{20751770-396F-46B5-B957-EC2BFFFA6730}"/>
+              </a:ext>
+            </a:extLst>
+          </p:cNvPr>
+          <p:cNvGrpSpPr/>
+          <p:nvPr/>
+        </p:nvGrpSpPr>
+        <p:grpSpPr>
+          <a:xfrm>
+            <a:off x="4458262" y="1771362"/>
+            <a:ext cx="1801971" cy="360000"/>
+            <a:chOff x="7988937" y="2948689"/>
+            <a:chExt cx="1801971" cy="360000"/>
+          </a:xfrm>
+        </p:grpSpPr>
+        <p:sp>
+          <p:nvSpPr>
+            <p:cNvPr id="81" name="矩形: 圓角 80">
+              <a:extLst>
+                <a:ext uri="{FF2B5EF4-FFF2-40B4-BE49-F238E27FC236}">
+                  <a16:creationId xmlns:a16="http://schemas.microsoft.com/office/drawing/2014/main" id="{2F45F74F-B1FE-97B7-11A6-9930453AE981}"/>
+                </a:ext>
+              </a:extLst>
+            </p:cNvPr>
+            <p:cNvSpPr/>
+            <p:nvPr/>
+          </p:nvSpPr>
+          <p:spPr>
+            <a:xfrm>
+              <a:off x="7990908" y="2948689"/>
+              <a:ext cx="1800000" cy="360000"/>
+            </a:xfrm>
+            <a:prstGeom prst="roundRect">
+              <a:avLst>
+                <a:gd name="adj" fmla="val 7313"/>
+              </a:avLst>
+            </a:prstGeom>
+            <a:solidFill>
+              <a:schemeClr val="tx1">
+                <a:alpha val="34000"/>
+              </a:schemeClr>
+            </a:solidFill>
+            <a:ln>
+              <a:noFill/>
+            </a:ln>
+          </p:spPr>
+          <p:style>
+            <a:lnRef idx="2">
+              <a:schemeClr val="accent1">
+                <a:shade val="15000"/>
+              </a:schemeClr>
+            </a:lnRef>
+            <a:fillRef idx="1">
+              <a:schemeClr val="accent1"/>
+            </a:fillRef>
+            <a:effectRef idx="0">
+              <a:schemeClr val="accent1"/>
+            </a:effectRef>
+            <a:fontRef idx="minor">
+              <a:schemeClr val="lt1"/>
+            </a:fontRef>
+          </p:style>
+          <p:txBody>
+            <a:bodyPr rtlCol="0" anchor="ctr"/>
+            <a:lstStyle/>
+            <a:p>
+              <a:pPr algn="r"/>
+              <a:r>
+                <a:rPr lang="en-US" altLang="zh-TW" sz="1600" dirty="0">
+                  <a:solidFill>
+                    <a:schemeClr val="bg1"/>
+                  </a:solidFill>
+                  <a:latin typeface="臺灣道路體 1.0 Regular" panose="020B0506020000000000" pitchFamily="34" charset="-120"/>
+                  <a:ea typeface="臺灣道路體 1.0 Regular" panose="020B0506020000000000" pitchFamily="34" charset="-120"/>
+                </a:rPr>
+                <a:t>Model Training</a:t>
+              </a:r>
+            </a:p>
+          </p:txBody>
+        </p:sp>
+        <p:pic>
+          <p:nvPicPr>
+            <p:cNvPr id="100" name="圖形 99">
+              <a:extLst>
+                <a:ext uri="{FF2B5EF4-FFF2-40B4-BE49-F238E27FC236}">
+                  <a16:creationId xmlns:a16="http://schemas.microsoft.com/office/drawing/2014/main" id="{95E59A15-F491-252B-F4FA-ED0BF68D8D5A}"/>
+                </a:ext>
+              </a:extLst>
+            </p:cNvPr>
+            <p:cNvPicPr>
+              <a:picLocks noChangeAspect="1"/>
+            </p:cNvPicPr>
+            <p:nvPr/>
+          </p:nvPicPr>
+          <p:blipFill>
+            <a:blip r:embed="rId12">
+              <a:extLst>
+                <a:ext uri="{96DAC541-7B7A-43D3-8B79-37D633B846F1}">
+                  <asvg:svgBlip xmlns:asvg="http://schemas.microsoft.com/office/drawing/2016/SVG/main" r:embed="rId13"/>
+                </a:ext>
+              </a:extLst>
+            </a:blip>
+            <a:stretch>
+              <a:fillRect/>
+            </a:stretch>
+          </p:blipFill>
+          <p:spPr>
+            <a:xfrm>
+              <a:off x="7988937" y="2948689"/>
+              <a:ext cx="360000" cy="360000"/>
+            </a:xfrm>
+            <a:prstGeom prst="rect">
+              <a:avLst/>
+            </a:prstGeom>
+          </p:spPr>
+        </p:pic>
+      </p:grpSp>
+      <p:cxnSp>
+        <p:nvCxnSpPr>
+          <p:cNvPr id="103" name="直線單箭頭接點 102">
+            <a:extLst>
+              <a:ext uri="{FF2B5EF4-FFF2-40B4-BE49-F238E27FC236}">
+                <a16:creationId xmlns:a16="http://schemas.microsoft.com/office/drawing/2014/main" id="{596F8C8E-57E6-F5E8-B35C-6A2F3485416A}"/>
+              </a:ext>
+            </a:extLst>
+          </p:cNvPr>
+          <p:cNvCxnSpPr>
+            <a:cxnSpLocks/>
+            <a:stCxn id="52" idx="0"/>
+            <a:endCxn id="81" idx="2"/>
+          </p:cNvCxnSpPr>
+          <p:nvPr/>
+        </p:nvCxnSpPr>
+        <p:spPr>
+          <a:xfrm flipV="1">
+            <a:off x="5360233" y="2131362"/>
+            <a:ext cx="0" cy="1987364"/>
+          </a:xfrm>
+          <a:prstGeom prst="straightConnector1">
+            <a:avLst/>
+          </a:prstGeom>
+          <a:ln>
+            <a:tailEnd type="triangle"/>
+          </a:ln>
+        </p:spPr>
+        <p:style>
+          <a:lnRef idx="1">
+            <a:schemeClr val="accent1"/>
+          </a:lnRef>
+          <a:fillRef idx="0">
+            <a:schemeClr val="accent1"/>
+          </a:fillRef>
+          <a:effectRef idx="0">
+            <a:schemeClr val="accent1"/>
+          </a:effectRef>
+          <a:fontRef idx="minor">
+            <a:schemeClr val="tx1"/>
+          </a:fontRef>
+        </p:style>
+      </p:cxnSp>
+      <p:grpSp>
+        <p:nvGrpSpPr>
+          <p:cNvPr id="113" name="群組 112">
+            <a:extLst>
+              <a:ext uri="{FF2B5EF4-FFF2-40B4-BE49-F238E27FC236}">
+                <a16:creationId xmlns:a16="http://schemas.microsoft.com/office/drawing/2014/main" id="{C4B89AFC-D5F6-DFC7-97BF-122C0F95D66D}"/>
+              </a:ext>
+            </a:extLst>
+          </p:cNvPr>
+          <p:cNvGrpSpPr/>
+          <p:nvPr/>
+        </p:nvGrpSpPr>
+        <p:grpSpPr>
+          <a:xfrm>
+            <a:off x="4450420" y="5427883"/>
+            <a:ext cx="1806523" cy="363100"/>
+            <a:chOff x="4450420" y="5427883"/>
+            <a:chExt cx="1806523" cy="363100"/>
+          </a:xfrm>
+        </p:grpSpPr>
+        <p:sp>
+          <p:nvSpPr>
+            <p:cNvPr id="106" name="矩形: 圓角 105">
+              <a:extLst>
+                <a:ext uri="{FF2B5EF4-FFF2-40B4-BE49-F238E27FC236}">
+                  <a16:creationId xmlns:a16="http://schemas.microsoft.com/office/drawing/2014/main" id="{7286D1A9-374A-F4FB-DED2-0715F3302248}"/>
+                </a:ext>
+              </a:extLst>
+            </p:cNvPr>
+            <p:cNvSpPr/>
+            <p:nvPr/>
+          </p:nvSpPr>
+          <p:spPr>
+            <a:xfrm>
+              <a:off x="4456943" y="5430983"/>
+              <a:ext cx="1800000" cy="360000"/>
+            </a:xfrm>
+            <a:prstGeom prst="roundRect">
+              <a:avLst>
+                <a:gd name="adj" fmla="val 7313"/>
+              </a:avLst>
+            </a:prstGeom>
+            <a:solidFill>
+              <a:schemeClr val="tx1">
+                <a:alpha val="34000"/>
+              </a:schemeClr>
+            </a:solidFill>
+            <a:ln>
+              <a:noFill/>
+            </a:ln>
+          </p:spPr>
+          <p:style>
+            <a:lnRef idx="2">
+              <a:schemeClr val="accent1">
+                <a:shade val="15000"/>
+              </a:schemeClr>
+            </a:lnRef>
+            <a:fillRef idx="1">
+              <a:schemeClr val="accent1"/>
+            </a:fillRef>
+            <a:effectRef idx="0">
+              <a:schemeClr val="accent1"/>
+            </a:effectRef>
+            <a:fontRef idx="minor">
+              <a:schemeClr val="lt1"/>
+            </a:fontRef>
+          </p:style>
+          <p:txBody>
+            <a:bodyPr rtlCol="0" anchor="ctr"/>
+            <a:lstStyle/>
+            <a:p>
+              <a:pPr algn="r"/>
+              <a:r>
+                <a:rPr lang="en-US" altLang="zh-TW" sz="1600" dirty="0">
+                  <a:solidFill>
+                    <a:schemeClr val="bg1"/>
+                  </a:solidFill>
+                  <a:latin typeface="臺灣道路體 1.0 Regular" panose="020B0506020000000000" pitchFamily="34" charset="-120"/>
+                  <a:ea typeface="臺灣道路體 1.0 Regular" panose="020B0506020000000000" pitchFamily="34" charset="-120"/>
+                </a:rPr>
+                <a:t>Model Scoring</a:t>
+              </a:r>
+              <a:endParaRPr lang="zh-TW" altLang="en-US" sz="1600" dirty="0">
+                <a:solidFill>
+                  <a:schemeClr val="bg1"/>
+                </a:solidFill>
+                <a:latin typeface="臺灣道路體 1.0 Regular" panose="020B0506020000000000" pitchFamily="34" charset="-120"/>
+                <a:ea typeface="臺灣道路體 1.0 Regular" panose="020B0506020000000000" pitchFamily="34" charset="-120"/>
+              </a:endParaRPr>
+            </a:p>
+          </p:txBody>
+        </p:sp>
+        <p:pic>
+          <p:nvPicPr>
+            <p:cNvPr id="108" name="圖形 107">
+              <a:extLst>
+                <a:ext uri="{FF2B5EF4-FFF2-40B4-BE49-F238E27FC236}">
+                  <a16:creationId xmlns:a16="http://schemas.microsoft.com/office/drawing/2014/main" id="{10C482E1-91EB-3F43-2981-F5024A838A46}"/>
+                </a:ext>
+              </a:extLst>
+            </p:cNvPr>
+            <p:cNvPicPr>
+              <a:picLocks noChangeAspect="1"/>
+            </p:cNvPicPr>
+            <p:nvPr/>
+          </p:nvPicPr>
+          <p:blipFill>
+            <a:blip r:embed="rId14">
+              <a:extLst>
+                <a:ext uri="{96DAC541-7B7A-43D3-8B79-37D633B846F1}">
+                  <asvg:svgBlip xmlns:asvg="http://schemas.microsoft.com/office/drawing/2016/SVG/main" r:embed="rId15"/>
+                </a:ext>
+              </a:extLst>
+            </a:blip>
+            <a:stretch>
+              <a:fillRect/>
+            </a:stretch>
+          </p:blipFill>
+          <p:spPr>
+            <a:xfrm>
+              <a:off x="4450420" y="5427883"/>
+              <a:ext cx="360000" cy="360000"/>
+            </a:xfrm>
+            <a:prstGeom prst="rect">
+              <a:avLst/>
+            </a:prstGeom>
+          </p:spPr>
+        </p:pic>
+      </p:grpSp>
+      <p:grpSp>
+        <p:nvGrpSpPr>
+          <p:cNvPr id="114" name="群組 113">
+            <a:extLst>
+              <a:ext uri="{FF2B5EF4-FFF2-40B4-BE49-F238E27FC236}">
+                <a16:creationId xmlns:a16="http://schemas.microsoft.com/office/drawing/2014/main" id="{1C601C18-4850-58B5-E6F4-B72880487B6F}"/>
+              </a:ext>
+            </a:extLst>
+          </p:cNvPr>
+          <p:cNvGrpSpPr/>
+          <p:nvPr/>
+        </p:nvGrpSpPr>
+        <p:grpSpPr>
+          <a:xfrm>
+            <a:off x="6921920" y="5420704"/>
+            <a:ext cx="1800000" cy="370279"/>
+            <a:chOff x="6921920" y="5420704"/>
+            <a:chExt cx="1800000" cy="370279"/>
+          </a:xfrm>
+        </p:grpSpPr>
+        <p:sp>
+          <p:nvSpPr>
+            <p:cNvPr id="82" name="矩形: 圓角 81">
+              <a:extLst>
+                <a:ext uri="{FF2B5EF4-FFF2-40B4-BE49-F238E27FC236}">
+                  <a16:creationId xmlns:a16="http://schemas.microsoft.com/office/drawing/2014/main" id="{17BC8F2A-4865-FD1C-18BC-D6E4B8BE238B}"/>
+                </a:ext>
+              </a:extLst>
+            </p:cNvPr>
+            <p:cNvSpPr/>
+            <p:nvPr/>
+          </p:nvSpPr>
+          <p:spPr>
+            <a:xfrm>
+              <a:off x="6921920" y="5430983"/>
+              <a:ext cx="1800000" cy="360000"/>
+            </a:xfrm>
+            <a:prstGeom prst="roundRect">
+              <a:avLst>
+                <a:gd name="adj" fmla="val 7313"/>
+              </a:avLst>
+            </a:prstGeom>
+            <a:solidFill>
+              <a:schemeClr val="tx1">
+                <a:alpha val="34000"/>
+              </a:schemeClr>
+            </a:solidFill>
+            <a:ln>
+              <a:noFill/>
+            </a:ln>
+          </p:spPr>
+          <p:style>
+            <a:lnRef idx="2">
+              <a:schemeClr val="accent1">
+                <a:shade val="15000"/>
+              </a:schemeClr>
+            </a:lnRef>
+            <a:fillRef idx="1">
+              <a:schemeClr val="accent1"/>
+            </a:fillRef>
+            <a:effectRef idx="0">
+              <a:schemeClr val="accent1"/>
+            </a:effectRef>
+            <a:fontRef idx="minor">
+              <a:schemeClr val="lt1"/>
+            </a:fontRef>
+          </p:style>
+          <p:txBody>
+            <a:bodyPr rtlCol="0" anchor="ctr"/>
+            <a:lstStyle/>
+            <a:p>
+              <a:pPr algn="r"/>
+              <a:r>
+                <a:rPr lang="en-US" altLang="zh-TW" sz="1600" dirty="0">
+                  <a:solidFill>
+                    <a:schemeClr val="bg1"/>
+                  </a:solidFill>
+                  <a:latin typeface="臺灣道路體 1.0 Regular" panose="020B0506020000000000" pitchFamily="34" charset="-120"/>
+                  <a:ea typeface="臺灣道路體 1.0 Regular" panose="020B0506020000000000" pitchFamily="34" charset="-120"/>
+                </a:rPr>
+                <a:t>Model Validation</a:t>
+              </a:r>
+              <a:endParaRPr lang="zh-TW" altLang="en-US" sz="1600" dirty="0">
+                <a:solidFill>
+                  <a:schemeClr val="bg1"/>
+                </a:solidFill>
+                <a:latin typeface="臺灣道路體 1.0 Regular" panose="020B0506020000000000" pitchFamily="34" charset="-120"/>
+                <a:ea typeface="臺灣道路體 1.0 Regular" panose="020B0506020000000000" pitchFamily="34" charset="-120"/>
+              </a:endParaRPr>
+            </a:p>
+          </p:txBody>
+        </p:sp>
+        <p:pic>
+          <p:nvPicPr>
+            <p:cNvPr id="112" name="圖形 111">
+              <a:extLst>
+                <a:ext uri="{FF2B5EF4-FFF2-40B4-BE49-F238E27FC236}">
+                  <a16:creationId xmlns:a16="http://schemas.microsoft.com/office/drawing/2014/main" id="{0B3CDB50-FD58-CAAC-30F9-DE8494DB03CF}"/>
+                </a:ext>
+              </a:extLst>
+            </p:cNvPr>
+            <p:cNvPicPr>
+              <a:picLocks noChangeAspect="1"/>
+            </p:cNvPicPr>
+            <p:nvPr/>
+          </p:nvPicPr>
+          <p:blipFill>
+            <a:blip r:embed="rId16">
+              <a:extLst>
+                <a:ext uri="{96DAC541-7B7A-43D3-8B79-37D633B846F1}">
+                  <asvg:svgBlip xmlns:asvg="http://schemas.microsoft.com/office/drawing/2016/SVG/main" r:embed="rId17"/>
+                </a:ext>
+              </a:extLst>
+            </a:blip>
+            <a:stretch>
+              <a:fillRect/>
+            </a:stretch>
+          </p:blipFill>
+          <p:spPr>
+            <a:xfrm>
+              <a:off x="6921920" y="5420704"/>
+              <a:ext cx="360000" cy="360000"/>
+            </a:xfrm>
+            <a:prstGeom prst="rect">
+              <a:avLst/>
+            </a:prstGeom>
+          </p:spPr>
+        </p:pic>
+      </p:grpSp>
     </p:spTree>
     <p:extLst>
       <p:ext uri="{BB962C8B-B14F-4D97-AF65-F5344CB8AC3E}">
@@ -16573,10 +21198,10 @@
       </p:grpSp>
       <p:pic>
         <p:nvPicPr>
-          <p:cNvPr id="6" name="圖片 5">
+          <p:cNvPr id="7" name="圖片 6">
             <a:extLst>
               <a:ext uri="{FF2B5EF4-FFF2-40B4-BE49-F238E27FC236}">
-                <a16:creationId xmlns:a16="http://schemas.microsoft.com/office/drawing/2014/main" id="{136E7D61-1695-E992-A860-0DF632004313}"/>
+                <a16:creationId xmlns:a16="http://schemas.microsoft.com/office/drawing/2014/main" id="{B7E855B7-8351-8BE6-2694-62D2F348A5D6}"/>
               </a:ext>
             </a:extLst>
           </p:cNvPr>
@@ -16599,44 +21224,8 @@
         </p:blipFill>
         <p:spPr>
           <a:xfrm>
-            <a:off x="6411295" y="2449648"/>
-            <a:ext cx="5411619" cy="3399447"/>
-          </a:xfrm>
-          <a:prstGeom prst="rect">
-            <a:avLst/>
-          </a:prstGeom>
-        </p:spPr>
-      </p:pic>
-      <p:pic>
-        <p:nvPicPr>
-          <p:cNvPr id="8" name="圖片 7">
-            <a:extLst>
-              <a:ext uri="{FF2B5EF4-FFF2-40B4-BE49-F238E27FC236}">
-                <a16:creationId xmlns:a16="http://schemas.microsoft.com/office/drawing/2014/main" id="{3573DCCB-895E-5BC5-83B4-DC674949AF6A}"/>
-              </a:ext>
-            </a:extLst>
-          </p:cNvPr>
-          <p:cNvPicPr>
-            <a:picLocks noChangeAspect="1"/>
-          </p:cNvPicPr>
-          <p:nvPr/>
-        </p:nvPicPr>
-        <p:blipFill>
-          <a:blip r:embed="rId4">
-            <a:extLst>
-              <a:ext uri="{28A0092B-C50C-407E-A947-70E740481C1C}">
-                <a14:useLocalDpi xmlns:a14="http://schemas.microsoft.com/office/drawing/2010/main" val="0"/>
-              </a:ext>
-            </a:extLst>
-          </a:blip>
-          <a:stretch>
-            <a:fillRect/>
-          </a:stretch>
-        </p:blipFill>
-        <p:spPr>
-          <a:xfrm>
-            <a:off x="718043" y="2466833"/>
-            <a:ext cx="5411619" cy="3382262"/>
+            <a:off x="3563279" y="1598297"/>
+            <a:ext cx="5868408" cy="4476006"/>
           </a:xfrm>
           <a:prstGeom prst="rect">
             <a:avLst/>
@@ -16645,10 +21234,10 @@
       </p:pic>
       <p:sp>
         <p:nvSpPr>
-          <p:cNvPr id="5" name="文字方塊 4">
+          <p:cNvPr id="9" name="文字方塊 8">
             <a:extLst>
               <a:ext uri="{FF2B5EF4-FFF2-40B4-BE49-F238E27FC236}">
-                <a16:creationId xmlns:a16="http://schemas.microsoft.com/office/drawing/2014/main" id="{C5F77B63-57A0-E280-01C1-380A976B3B64}"/>
+                <a16:creationId xmlns:a16="http://schemas.microsoft.com/office/drawing/2014/main" id="{B8EE9979-FF60-906E-1BA3-3C4967585020}"/>
               </a:ext>
             </a:extLst>
           </p:cNvPr>
@@ -16676,12 +21265,228 @@
                 <a:latin typeface="臺灣道路體 1.0 Regular" panose="020B0506020000000000" pitchFamily="34" charset="-120"/>
                 <a:ea typeface="臺灣道路體 1.0 Regular" panose="020B0506020000000000" pitchFamily="34" charset="-120"/>
               </a:rPr>
-              <a:t>常態分佈圖</a:t>
+              <a:t>盒鬚圖</a:t>
             </a:r>
             <a:endParaRPr lang="en-US" altLang="zh-TW" sz="2400" dirty="0">
               <a:latin typeface="臺灣道路體 1.0 Regular" panose="020B0506020000000000" pitchFamily="34" charset="-120"/>
               <a:ea typeface="臺灣道路體 1.0 Regular" panose="020B0506020000000000" pitchFamily="34" charset="-120"/>
             </a:endParaRPr>
+          </a:p>
+        </p:txBody>
+      </p:sp>
+      <p:sp>
+        <p:nvSpPr>
+          <p:cNvPr id="10" name="矩形: 圓角 9">
+            <a:extLst>
+              <a:ext uri="{FF2B5EF4-FFF2-40B4-BE49-F238E27FC236}">
+                <a16:creationId xmlns:a16="http://schemas.microsoft.com/office/drawing/2014/main" id="{11907B05-F0D2-E390-D37B-91C1C2395CA7}"/>
+              </a:ext>
+            </a:extLst>
+          </p:cNvPr>
+          <p:cNvSpPr/>
+          <p:nvPr/>
+        </p:nvSpPr>
+        <p:spPr>
+          <a:xfrm>
+            <a:off x="7519916" y="3767308"/>
+            <a:ext cx="375313" cy="233520"/>
+          </a:xfrm>
+          <a:prstGeom prst="roundRect">
+            <a:avLst/>
+          </a:prstGeom>
+          <a:solidFill>
+            <a:srgbClr val="C00000">
+              <a:alpha val="34000"/>
+            </a:srgbClr>
+          </a:solidFill>
+          <a:ln>
+            <a:noFill/>
+          </a:ln>
+        </p:spPr>
+        <p:style>
+          <a:lnRef idx="2">
+            <a:schemeClr val="accent1">
+              <a:shade val="15000"/>
+            </a:schemeClr>
+          </a:lnRef>
+          <a:fillRef idx="1">
+            <a:schemeClr val="accent1"/>
+          </a:fillRef>
+          <a:effectRef idx="0">
+            <a:schemeClr val="accent1"/>
+          </a:effectRef>
+          <a:fontRef idx="minor">
+            <a:schemeClr val="lt1"/>
+          </a:fontRef>
+        </p:style>
+        <p:txBody>
+          <a:bodyPr rtlCol="0" anchor="ctr"/>
+          <a:lstStyle/>
+          <a:p>
+            <a:pPr algn="ctr"/>
+            <a:endParaRPr lang="zh-TW" altLang="en-US"/>
+          </a:p>
+        </p:txBody>
+      </p:sp>
+      <p:sp>
+        <p:nvSpPr>
+          <p:cNvPr id="11" name="矩形: 圓角 10">
+            <a:extLst>
+              <a:ext uri="{FF2B5EF4-FFF2-40B4-BE49-F238E27FC236}">
+                <a16:creationId xmlns:a16="http://schemas.microsoft.com/office/drawing/2014/main" id="{9F797539-DB66-B378-6D7B-78DC51D4457A}"/>
+              </a:ext>
+            </a:extLst>
+          </p:cNvPr>
+          <p:cNvSpPr/>
+          <p:nvPr/>
+        </p:nvSpPr>
+        <p:spPr>
+          <a:xfrm>
+            <a:off x="8641306" y="5079254"/>
+            <a:ext cx="375313" cy="233520"/>
+          </a:xfrm>
+          <a:prstGeom prst="roundRect">
+            <a:avLst/>
+          </a:prstGeom>
+          <a:solidFill>
+            <a:schemeClr val="accent1">
+              <a:alpha val="34000"/>
+            </a:schemeClr>
+          </a:solidFill>
+          <a:ln>
+            <a:noFill/>
+          </a:ln>
+        </p:spPr>
+        <p:style>
+          <a:lnRef idx="2">
+            <a:schemeClr val="accent1">
+              <a:shade val="15000"/>
+            </a:schemeClr>
+          </a:lnRef>
+          <a:fillRef idx="1">
+            <a:schemeClr val="accent1"/>
+          </a:fillRef>
+          <a:effectRef idx="0">
+            <a:schemeClr val="accent1"/>
+          </a:effectRef>
+          <a:fontRef idx="minor">
+            <a:schemeClr val="lt1"/>
+          </a:fontRef>
+        </p:style>
+        <p:txBody>
+          <a:bodyPr rtlCol="0" anchor="ctr"/>
+          <a:lstStyle/>
+          <a:p>
+            <a:pPr algn="ctr"/>
+            <a:endParaRPr lang="zh-TW" altLang="en-US"/>
+          </a:p>
+        </p:txBody>
+      </p:sp>
+      <p:sp>
+        <p:nvSpPr>
+          <p:cNvPr id="12" name="矩形: 圓角 11">
+            <a:extLst>
+              <a:ext uri="{FF2B5EF4-FFF2-40B4-BE49-F238E27FC236}">
+                <a16:creationId xmlns:a16="http://schemas.microsoft.com/office/drawing/2014/main" id="{CF177D7A-5408-D370-623F-199933A86088}"/>
+              </a:ext>
+            </a:extLst>
+          </p:cNvPr>
+          <p:cNvSpPr/>
+          <p:nvPr/>
+        </p:nvSpPr>
+        <p:spPr>
+          <a:xfrm>
+            <a:off x="8641307" y="1826331"/>
+            <a:ext cx="375313" cy="233520"/>
+          </a:xfrm>
+          <a:prstGeom prst="roundRect">
+            <a:avLst/>
+          </a:prstGeom>
+          <a:solidFill>
+            <a:srgbClr val="C00000">
+              <a:alpha val="34000"/>
+            </a:srgbClr>
+          </a:solidFill>
+          <a:ln>
+            <a:noFill/>
+          </a:ln>
+        </p:spPr>
+        <p:style>
+          <a:lnRef idx="2">
+            <a:schemeClr val="accent1">
+              <a:shade val="15000"/>
+            </a:schemeClr>
+          </a:lnRef>
+          <a:fillRef idx="1">
+            <a:schemeClr val="accent1"/>
+          </a:fillRef>
+          <a:effectRef idx="0">
+            <a:schemeClr val="accent1"/>
+          </a:effectRef>
+          <a:fontRef idx="minor">
+            <a:schemeClr val="lt1"/>
+          </a:fontRef>
+        </p:style>
+        <p:txBody>
+          <a:bodyPr rtlCol="0" anchor="ctr"/>
+          <a:lstStyle/>
+          <a:p>
+            <a:pPr algn="ctr"/>
+            <a:endParaRPr lang="zh-TW" altLang="en-US"/>
+          </a:p>
+        </p:txBody>
+      </p:sp>
+      <p:sp>
+        <p:nvSpPr>
+          <p:cNvPr id="13" name="矩形: 圓角 12">
+            <a:extLst>
+              <a:ext uri="{FF2B5EF4-FFF2-40B4-BE49-F238E27FC236}">
+                <a16:creationId xmlns:a16="http://schemas.microsoft.com/office/drawing/2014/main" id="{FEF61F49-14D3-8FC8-5BF6-F42965CD409E}"/>
+              </a:ext>
+            </a:extLst>
+          </p:cNvPr>
+          <p:cNvSpPr/>
+          <p:nvPr/>
+        </p:nvSpPr>
+        <p:spPr>
+          <a:xfrm>
+            <a:off x="7519916" y="5079254"/>
+            <a:ext cx="375313" cy="233520"/>
+          </a:xfrm>
+          <a:prstGeom prst="roundRect">
+            <a:avLst/>
+          </a:prstGeom>
+          <a:solidFill>
+            <a:schemeClr val="accent1">
+              <a:alpha val="34000"/>
+            </a:schemeClr>
+          </a:solidFill>
+          <a:ln>
+            <a:noFill/>
+          </a:ln>
+        </p:spPr>
+        <p:style>
+          <a:lnRef idx="2">
+            <a:schemeClr val="accent1">
+              <a:shade val="15000"/>
+            </a:schemeClr>
+          </a:lnRef>
+          <a:fillRef idx="1">
+            <a:schemeClr val="accent1"/>
+          </a:fillRef>
+          <a:effectRef idx="0">
+            <a:schemeClr val="accent1"/>
+          </a:effectRef>
+          <a:fontRef idx="minor">
+            <a:schemeClr val="lt1"/>
+          </a:fontRef>
+        </p:style>
+        <p:txBody>
+          <a:bodyPr rtlCol="0" anchor="ctr"/>
+          <a:lstStyle/>
+          <a:p>
+            <a:pPr algn="ctr"/>
+            <a:endParaRPr lang="zh-TW" altLang="en-US"/>
           </a:p>
         </p:txBody>
       </p:sp>
@@ -16779,6 +21584,1168 @@
                 <a:ea typeface="臺灣道路體 1.0 Regular" panose="020B0506020000000000" pitchFamily="34" charset="-120"/>
               </a:rPr>
               <a:t>06</a:t>
+            </a:r>
+            <a:endParaRPr lang="zh-TW" altLang="en-US" sz="1200" dirty="0">
+              <a:latin typeface="臺灣道路體 1.0 Regular" panose="020B0506020000000000" pitchFamily="34" charset="-120"/>
+              <a:ea typeface="臺灣道路體 1.0 Regular" panose="020B0506020000000000" pitchFamily="34" charset="-120"/>
+            </a:endParaRPr>
+          </a:p>
+        </p:txBody>
+      </p:sp>
+      <p:cxnSp>
+        <p:nvCxnSpPr>
+          <p:cNvPr id="57" name="直線接點 56">
+            <a:extLst>
+              <a:ext uri="{FF2B5EF4-FFF2-40B4-BE49-F238E27FC236}">
+                <a16:creationId xmlns:a16="http://schemas.microsoft.com/office/drawing/2014/main" id="{7BC92922-FACD-26F8-1F9A-2A32832F0D3F}"/>
+              </a:ext>
+            </a:extLst>
+          </p:cNvPr>
+          <p:cNvCxnSpPr>
+            <a:cxnSpLocks/>
+          </p:cNvCxnSpPr>
+          <p:nvPr/>
+        </p:nvCxnSpPr>
+        <p:spPr>
+          <a:xfrm flipV="1">
+            <a:off x="10430294" y="6574219"/>
+            <a:ext cx="1177455" cy="1"/>
+          </a:xfrm>
+          <a:prstGeom prst="line">
+            <a:avLst/>
+          </a:prstGeom>
+          <a:ln>
+            <a:solidFill>
+              <a:schemeClr val="accent3"/>
+            </a:solidFill>
+          </a:ln>
+        </p:spPr>
+        <p:style>
+          <a:lnRef idx="1">
+            <a:schemeClr val="accent1"/>
+          </a:lnRef>
+          <a:fillRef idx="0">
+            <a:schemeClr val="accent1"/>
+          </a:fillRef>
+          <a:effectRef idx="0">
+            <a:schemeClr val="accent1"/>
+          </a:effectRef>
+          <a:fontRef idx="minor">
+            <a:schemeClr val="tx1"/>
+          </a:fontRef>
+        </p:style>
+      </p:cxnSp>
+      <p:grpSp>
+        <p:nvGrpSpPr>
+          <p:cNvPr id="4" name="群組 3">
+            <a:extLst>
+              <a:ext uri="{FF2B5EF4-FFF2-40B4-BE49-F238E27FC236}">
+                <a16:creationId xmlns:a16="http://schemas.microsoft.com/office/drawing/2014/main" id="{41A7E255-B053-A8AA-273A-8D5B91FFBF66}"/>
+              </a:ext>
+            </a:extLst>
+          </p:cNvPr>
+          <p:cNvGrpSpPr/>
+          <p:nvPr/>
+        </p:nvGrpSpPr>
+        <p:grpSpPr>
+          <a:xfrm>
+            <a:off x="243333" y="260399"/>
+            <a:ext cx="2790779" cy="1936892"/>
+            <a:chOff x="591351" y="308165"/>
+            <a:chExt cx="4090635" cy="2839035"/>
+          </a:xfrm>
+        </p:grpSpPr>
+        <p:grpSp>
+          <p:nvGrpSpPr>
+            <p:cNvPr id="43" name="群組 42">
+              <a:extLst>
+                <a:ext uri="{FF2B5EF4-FFF2-40B4-BE49-F238E27FC236}">
+                  <a16:creationId xmlns:a16="http://schemas.microsoft.com/office/drawing/2014/main" id="{520EBE1C-11DF-EF97-097D-55925C20857C}"/>
+                </a:ext>
+              </a:extLst>
+            </p:cNvPr>
+            <p:cNvGrpSpPr/>
+            <p:nvPr/>
+          </p:nvGrpSpPr>
+          <p:grpSpPr>
+            <a:xfrm>
+              <a:off x="1404681" y="1093736"/>
+              <a:ext cx="1613902" cy="1613902"/>
+              <a:chOff x="1276314" y="759880"/>
+              <a:chExt cx="3106616" cy="3106616"/>
+            </a:xfrm>
+          </p:grpSpPr>
+          <p:grpSp>
+            <p:nvGrpSpPr>
+              <p:cNvPr id="45" name="群組 44">
+                <a:extLst>
+                  <a:ext uri="{FF2B5EF4-FFF2-40B4-BE49-F238E27FC236}">
+                    <a16:creationId xmlns:a16="http://schemas.microsoft.com/office/drawing/2014/main" id="{3B827767-4FDB-21CD-9974-B7F17C1DCF64}"/>
+                  </a:ext>
+                </a:extLst>
+              </p:cNvPr>
+              <p:cNvGrpSpPr/>
+              <p:nvPr/>
+            </p:nvGrpSpPr>
+            <p:grpSpPr>
+              <a:xfrm>
+                <a:off x="1276314" y="759880"/>
+                <a:ext cx="3106616" cy="3106616"/>
+                <a:chOff x="1514103" y="938728"/>
+                <a:chExt cx="2467708" cy="2467708"/>
+              </a:xfrm>
+            </p:grpSpPr>
+            <p:sp>
+              <p:nvSpPr>
+                <p:cNvPr id="47" name="弧形 46">
+                  <a:extLst>
+                    <a:ext uri="{FF2B5EF4-FFF2-40B4-BE49-F238E27FC236}">
+                      <a16:creationId xmlns:a16="http://schemas.microsoft.com/office/drawing/2014/main" id="{72367E5D-B6AD-28BF-ABCA-A02638C77F4C}"/>
+                    </a:ext>
+                  </a:extLst>
+                </p:cNvPr>
+                <p:cNvSpPr/>
+                <p:nvPr/>
+              </p:nvSpPr>
+              <p:spPr>
+                <a:xfrm rot="17787797">
+                  <a:off x="1514103" y="938728"/>
+                  <a:ext cx="2467708" cy="2467708"/>
+                </a:xfrm>
+                <a:prstGeom prst="arc">
+                  <a:avLst>
+                    <a:gd name="adj1" fmla="val 16200000"/>
+                    <a:gd name="adj2" fmla="val 13045664"/>
+                  </a:avLst>
+                </a:prstGeom>
+                <a:ln w="9525">
+                  <a:solidFill>
+                    <a:schemeClr val="tx1">
+                      <a:lumMod val="65000"/>
+                      <a:lumOff val="35000"/>
+                    </a:schemeClr>
+                  </a:solidFill>
+                </a:ln>
+              </p:spPr>
+              <p:style>
+                <a:lnRef idx="3">
+                  <a:schemeClr val="accent3"/>
+                </a:lnRef>
+                <a:fillRef idx="0">
+                  <a:schemeClr val="accent3"/>
+                </a:fillRef>
+                <a:effectRef idx="2">
+                  <a:schemeClr val="accent3"/>
+                </a:effectRef>
+                <a:fontRef idx="minor">
+                  <a:schemeClr val="tx1"/>
+                </a:fontRef>
+              </p:style>
+              <p:txBody>
+                <a:bodyPr rtlCol="0" anchor="ctr"/>
+                <a:lstStyle/>
+                <a:p>
+                  <a:pPr algn="ctr"/>
+                  <a:endParaRPr lang="zh-TW" altLang="en-US" dirty="0"/>
+                </a:p>
+              </p:txBody>
+            </p:sp>
+            <p:sp>
+              <p:nvSpPr>
+                <p:cNvPr id="48" name="橢圓 47">
+                  <a:extLst>
+                    <a:ext uri="{FF2B5EF4-FFF2-40B4-BE49-F238E27FC236}">
+                      <a16:creationId xmlns:a16="http://schemas.microsoft.com/office/drawing/2014/main" id="{476300C1-3641-B258-AF45-B88BF1432929}"/>
+                    </a:ext>
+                  </a:extLst>
+                </p:cNvPr>
+                <p:cNvSpPr/>
+                <p:nvPr/>
+              </p:nvSpPr>
+              <p:spPr>
+                <a:xfrm>
+                  <a:off x="1618836" y="1590103"/>
+                  <a:ext cx="55052" cy="55052"/>
+                </a:xfrm>
+                <a:prstGeom prst="ellipse">
+                  <a:avLst/>
+                </a:prstGeom>
+                <a:solidFill>
+                  <a:schemeClr val="bg2">
+                    <a:lumMod val="50000"/>
+                  </a:schemeClr>
+                </a:solidFill>
+                <a:ln>
+                  <a:noFill/>
+                </a:ln>
+              </p:spPr>
+              <p:style>
+                <a:lnRef idx="2">
+                  <a:schemeClr val="accent1">
+                    <a:shade val="15000"/>
+                  </a:schemeClr>
+                </a:lnRef>
+                <a:fillRef idx="1">
+                  <a:schemeClr val="accent1"/>
+                </a:fillRef>
+                <a:effectRef idx="0">
+                  <a:schemeClr val="accent1"/>
+                </a:effectRef>
+                <a:fontRef idx="minor">
+                  <a:schemeClr val="lt1"/>
+                </a:fontRef>
+              </p:style>
+              <p:txBody>
+                <a:bodyPr rtlCol="0" anchor="ctr"/>
+                <a:lstStyle/>
+                <a:p>
+                  <a:pPr algn="ctr"/>
+                  <a:endParaRPr lang="zh-TW" altLang="en-US"/>
+                </a:p>
+              </p:txBody>
+            </p:sp>
+          </p:grpSp>
+          <p:sp>
+            <p:nvSpPr>
+              <p:cNvPr id="46" name="橢圓 45">
+                <a:extLst>
+                  <a:ext uri="{FF2B5EF4-FFF2-40B4-BE49-F238E27FC236}">
+                    <a16:creationId xmlns:a16="http://schemas.microsoft.com/office/drawing/2014/main" id="{D44440B1-5476-BD7B-FB8E-71296221D9E1}"/>
+                  </a:ext>
+                </a:extLst>
+              </p:cNvPr>
+              <p:cNvSpPr/>
+              <p:nvPr/>
+            </p:nvSpPr>
+            <p:spPr>
+              <a:xfrm>
+                <a:off x="1408162" y="2953264"/>
+                <a:ext cx="69305" cy="69305"/>
+              </a:xfrm>
+              <a:prstGeom prst="ellipse">
+                <a:avLst/>
+              </a:prstGeom>
+              <a:solidFill>
+                <a:schemeClr val="bg2">
+                  <a:lumMod val="50000"/>
+                </a:schemeClr>
+              </a:solidFill>
+              <a:ln>
+                <a:noFill/>
+              </a:ln>
+            </p:spPr>
+            <p:style>
+              <a:lnRef idx="2">
+                <a:schemeClr val="accent1">
+                  <a:shade val="15000"/>
+                </a:schemeClr>
+              </a:lnRef>
+              <a:fillRef idx="1">
+                <a:schemeClr val="accent1"/>
+              </a:fillRef>
+              <a:effectRef idx="0">
+                <a:schemeClr val="accent1"/>
+              </a:effectRef>
+              <a:fontRef idx="minor">
+                <a:schemeClr val="lt1"/>
+              </a:fontRef>
+            </p:style>
+            <p:txBody>
+              <a:bodyPr rtlCol="0" anchor="ctr"/>
+              <a:lstStyle/>
+              <a:p>
+                <a:pPr algn="ctr"/>
+                <a:endParaRPr lang="zh-TW" altLang="en-US" dirty="0"/>
+              </a:p>
+            </p:txBody>
+          </p:sp>
+        </p:grpSp>
+        <p:grpSp>
+          <p:nvGrpSpPr>
+            <p:cNvPr id="15" name="群組 14">
+              <a:extLst>
+                <a:ext uri="{FF2B5EF4-FFF2-40B4-BE49-F238E27FC236}">
+                  <a16:creationId xmlns:a16="http://schemas.microsoft.com/office/drawing/2014/main" id="{E02A1AEE-05A1-3C1A-C076-052707EA7CB3}"/>
+                </a:ext>
+              </a:extLst>
+            </p:cNvPr>
+            <p:cNvGrpSpPr/>
+            <p:nvPr/>
+          </p:nvGrpSpPr>
+          <p:grpSpPr>
+            <a:xfrm>
+              <a:off x="591351" y="308165"/>
+              <a:ext cx="2380727" cy="2611820"/>
+              <a:chOff x="2270326" y="1361858"/>
+              <a:chExt cx="3576074" cy="3923197"/>
+            </a:xfrm>
+          </p:grpSpPr>
+          <p:sp>
+            <p:nvSpPr>
+              <p:cNvPr id="36" name="橢圓 35">
+                <a:extLst>
+                  <a:ext uri="{FF2B5EF4-FFF2-40B4-BE49-F238E27FC236}">
+                    <a16:creationId xmlns:a16="http://schemas.microsoft.com/office/drawing/2014/main" id="{33F097D9-4B7B-78B5-E1A3-145F1C075D0B}"/>
+                  </a:ext>
+                </a:extLst>
+              </p:cNvPr>
+              <p:cNvSpPr/>
+              <p:nvPr/>
+            </p:nvSpPr>
+            <p:spPr>
+              <a:xfrm>
+                <a:off x="3387969" y="2638641"/>
+                <a:ext cx="281353" cy="281353"/>
+              </a:xfrm>
+              <a:prstGeom prst="ellipse">
+                <a:avLst/>
+              </a:prstGeom>
+              <a:solidFill>
+                <a:schemeClr val="accent1">
+                  <a:lumMod val="20000"/>
+                  <a:lumOff val="80000"/>
+                </a:schemeClr>
+              </a:solidFill>
+              <a:ln>
+                <a:noFill/>
+              </a:ln>
+            </p:spPr>
+            <p:style>
+              <a:lnRef idx="2">
+                <a:schemeClr val="accent1">
+                  <a:shade val="15000"/>
+                </a:schemeClr>
+              </a:lnRef>
+              <a:fillRef idx="1">
+                <a:schemeClr val="accent1"/>
+              </a:fillRef>
+              <a:effectRef idx="0">
+                <a:schemeClr val="accent1"/>
+              </a:effectRef>
+              <a:fontRef idx="minor">
+                <a:schemeClr val="lt1"/>
+              </a:fontRef>
+            </p:style>
+            <p:txBody>
+              <a:bodyPr rtlCol="0" anchor="ctr"/>
+              <a:lstStyle/>
+              <a:p>
+                <a:pPr algn="ctr"/>
+                <a:endParaRPr lang="zh-TW" altLang="en-US"/>
+              </a:p>
+            </p:txBody>
+          </p:sp>
+          <p:sp>
+            <p:nvSpPr>
+              <p:cNvPr id="37" name="橢圓 36">
+                <a:extLst>
+                  <a:ext uri="{FF2B5EF4-FFF2-40B4-BE49-F238E27FC236}">
+                    <a16:creationId xmlns:a16="http://schemas.microsoft.com/office/drawing/2014/main" id="{A5B4E23C-CC0A-DD8D-8FE5-E4245805527C}"/>
+                  </a:ext>
+                </a:extLst>
+              </p:cNvPr>
+              <p:cNvSpPr/>
+              <p:nvPr/>
+            </p:nvSpPr>
+            <p:spPr>
+              <a:xfrm>
+                <a:off x="2824610" y="1361858"/>
+                <a:ext cx="746313" cy="746313"/>
+              </a:xfrm>
+              <a:prstGeom prst="ellipse">
+                <a:avLst/>
+              </a:prstGeom>
+              <a:solidFill>
+                <a:schemeClr val="tx1">
+                  <a:lumMod val="65000"/>
+                  <a:lumOff val="35000"/>
+                </a:schemeClr>
+              </a:solidFill>
+              <a:ln>
+                <a:noFill/>
+              </a:ln>
+            </p:spPr>
+            <p:style>
+              <a:lnRef idx="2">
+                <a:schemeClr val="accent1">
+                  <a:shade val="15000"/>
+                </a:schemeClr>
+              </a:lnRef>
+              <a:fillRef idx="1">
+                <a:schemeClr val="accent1"/>
+              </a:fillRef>
+              <a:effectRef idx="0">
+                <a:schemeClr val="accent1"/>
+              </a:effectRef>
+              <a:fontRef idx="minor">
+                <a:schemeClr val="lt1"/>
+              </a:fontRef>
+            </p:style>
+            <p:txBody>
+              <a:bodyPr rtlCol="0" anchor="ctr"/>
+              <a:lstStyle/>
+              <a:p>
+                <a:pPr algn="ctr"/>
+                <a:endParaRPr lang="zh-TW" altLang="en-US"/>
+              </a:p>
+            </p:txBody>
+          </p:sp>
+          <p:sp>
+            <p:nvSpPr>
+              <p:cNvPr id="38" name="橢圓 37">
+                <a:extLst>
+                  <a:ext uri="{FF2B5EF4-FFF2-40B4-BE49-F238E27FC236}">
+                    <a16:creationId xmlns:a16="http://schemas.microsoft.com/office/drawing/2014/main" id="{EF4706A5-C9D1-4F60-6814-6EF85C16B556}"/>
+                  </a:ext>
+                </a:extLst>
+              </p:cNvPr>
+              <p:cNvSpPr/>
+              <p:nvPr/>
+            </p:nvSpPr>
+            <p:spPr>
+              <a:xfrm>
+                <a:off x="5321302" y="2058377"/>
+                <a:ext cx="70339" cy="70339"/>
+              </a:xfrm>
+              <a:prstGeom prst="ellipse">
+                <a:avLst/>
+              </a:prstGeom>
+              <a:solidFill>
+                <a:schemeClr val="bg2">
+                  <a:lumMod val="75000"/>
+                </a:schemeClr>
+              </a:solidFill>
+              <a:ln>
+                <a:noFill/>
+              </a:ln>
+            </p:spPr>
+            <p:style>
+              <a:lnRef idx="2">
+                <a:schemeClr val="accent1">
+                  <a:shade val="15000"/>
+                </a:schemeClr>
+              </a:lnRef>
+              <a:fillRef idx="1">
+                <a:schemeClr val="accent1"/>
+              </a:fillRef>
+              <a:effectRef idx="0">
+                <a:schemeClr val="accent1"/>
+              </a:effectRef>
+              <a:fontRef idx="minor">
+                <a:schemeClr val="lt1"/>
+              </a:fontRef>
+            </p:style>
+            <p:txBody>
+              <a:bodyPr rtlCol="0" anchor="ctr"/>
+              <a:lstStyle/>
+              <a:p>
+                <a:pPr algn="ctr"/>
+                <a:endParaRPr lang="zh-TW" altLang="en-US"/>
+              </a:p>
+            </p:txBody>
+          </p:sp>
+          <p:sp>
+            <p:nvSpPr>
+              <p:cNvPr id="39" name="橢圓 38">
+                <a:extLst>
+                  <a:ext uri="{FF2B5EF4-FFF2-40B4-BE49-F238E27FC236}">
+                    <a16:creationId xmlns:a16="http://schemas.microsoft.com/office/drawing/2014/main" id="{D5E5E82E-D8F9-CF64-56D2-7CA4DE848CE9}"/>
+                  </a:ext>
+                </a:extLst>
+              </p:cNvPr>
+              <p:cNvSpPr/>
+              <p:nvPr/>
+            </p:nvSpPr>
+            <p:spPr>
+              <a:xfrm>
+                <a:off x="3594911" y="2628229"/>
+                <a:ext cx="2251489" cy="2251489"/>
+              </a:xfrm>
+              <a:prstGeom prst="ellipse">
+                <a:avLst/>
+              </a:prstGeom>
+              <a:solidFill>
+                <a:schemeClr val="tx2">
+                  <a:lumMod val="40000"/>
+                  <a:lumOff val="60000"/>
+                  <a:alpha val="41000"/>
+                </a:schemeClr>
+              </a:solidFill>
+              <a:ln>
+                <a:noFill/>
+              </a:ln>
+            </p:spPr>
+            <p:style>
+              <a:lnRef idx="2">
+                <a:schemeClr val="accent1">
+                  <a:shade val="15000"/>
+                </a:schemeClr>
+              </a:lnRef>
+              <a:fillRef idx="1">
+                <a:schemeClr val="accent1"/>
+              </a:fillRef>
+              <a:effectRef idx="0">
+                <a:schemeClr val="accent1"/>
+              </a:effectRef>
+              <a:fontRef idx="minor">
+                <a:schemeClr val="lt1"/>
+              </a:fontRef>
+            </p:style>
+            <p:txBody>
+              <a:bodyPr rtlCol="0" anchor="ctr"/>
+              <a:lstStyle/>
+              <a:p>
+                <a:pPr algn="ctr"/>
+                <a:endParaRPr lang="zh-TW" altLang="en-US" dirty="0"/>
+              </a:p>
+            </p:txBody>
+          </p:sp>
+          <p:sp>
+            <p:nvSpPr>
+              <p:cNvPr id="40" name="橢圓 39">
+                <a:extLst>
+                  <a:ext uri="{FF2B5EF4-FFF2-40B4-BE49-F238E27FC236}">
+                    <a16:creationId xmlns:a16="http://schemas.microsoft.com/office/drawing/2014/main" id="{8B87B70F-FD7A-ED0B-43CE-42C27F4D67C6}"/>
+                  </a:ext>
+                </a:extLst>
+              </p:cNvPr>
+              <p:cNvSpPr/>
+              <p:nvPr/>
+            </p:nvSpPr>
+            <p:spPr>
+              <a:xfrm>
+                <a:off x="3057090" y="4411827"/>
+                <a:ext cx="171084" cy="171084"/>
+              </a:xfrm>
+              <a:prstGeom prst="ellipse">
+                <a:avLst/>
+              </a:prstGeom>
+              <a:solidFill>
+                <a:schemeClr val="tx1">
+                  <a:lumMod val="85000"/>
+                  <a:lumOff val="15000"/>
+                </a:schemeClr>
+              </a:solidFill>
+              <a:ln>
+                <a:noFill/>
+              </a:ln>
+            </p:spPr>
+            <p:style>
+              <a:lnRef idx="2">
+                <a:schemeClr val="accent1">
+                  <a:shade val="15000"/>
+                </a:schemeClr>
+              </a:lnRef>
+              <a:fillRef idx="1">
+                <a:schemeClr val="accent1"/>
+              </a:fillRef>
+              <a:effectRef idx="0">
+                <a:schemeClr val="accent1"/>
+              </a:effectRef>
+              <a:fontRef idx="minor">
+                <a:schemeClr val="lt1"/>
+              </a:fontRef>
+            </p:style>
+            <p:txBody>
+              <a:bodyPr rtlCol="0" anchor="ctr"/>
+              <a:lstStyle/>
+              <a:p>
+                <a:pPr algn="ctr"/>
+                <a:endParaRPr lang="zh-TW" altLang="en-US"/>
+              </a:p>
+            </p:txBody>
+          </p:sp>
+          <p:sp>
+            <p:nvSpPr>
+              <p:cNvPr id="41" name="橢圓 40">
+                <a:extLst>
+                  <a:ext uri="{FF2B5EF4-FFF2-40B4-BE49-F238E27FC236}">
+                    <a16:creationId xmlns:a16="http://schemas.microsoft.com/office/drawing/2014/main" id="{E6A3AB82-6E87-FE06-5F2E-AA99AF350D57}"/>
+                  </a:ext>
+                </a:extLst>
+              </p:cNvPr>
+              <p:cNvSpPr/>
+              <p:nvPr/>
+            </p:nvSpPr>
+            <p:spPr>
+              <a:xfrm>
+                <a:off x="2707073" y="5012792"/>
+                <a:ext cx="272263" cy="272263"/>
+              </a:xfrm>
+              <a:prstGeom prst="ellipse">
+                <a:avLst/>
+              </a:prstGeom>
+              <a:solidFill>
+                <a:schemeClr val="bg1">
+                  <a:lumMod val="85000"/>
+                </a:schemeClr>
+              </a:solidFill>
+              <a:ln>
+                <a:noFill/>
+              </a:ln>
+            </p:spPr>
+            <p:style>
+              <a:lnRef idx="2">
+                <a:schemeClr val="accent1">
+                  <a:shade val="15000"/>
+                </a:schemeClr>
+              </a:lnRef>
+              <a:fillRef idx="1">
+                <a:schemeClr val="accent1"/>
+              </a:fillRef>
+              <a:effectRef idx="0">
+                <a:schemeClr val="accent1"/>
+              </a:effectRef>
+              <a:fontRef idx="minor">
+                <a:schemeClr val="lt1"/>
+              </a:fontRef>
+            </p:style>
+            <p:txBody>
+              <a:bodyPr rtlCol="0" anchor="ctr"/>
+              <a:lstStyle/>
+              <a:p>
+                <a:pPr algn="ctr"/>
+                <a:endParaRPr lang="zh-TW" altLang="en-US"/>
+              </a:p>
+            </p:txBody>
+          </p:sp>
+          <p:sp>
+            <p:nvSpPr>
+              <p:cNvPr id="42" name="橢圓 41">
+                <a:extLst>
+                  <a:ext uri="{FF2B5EF4-FFF2-40B4-BE49-F238E27FC236}">
+                    <a16:creationId xmlns:a16="http://schemas.microsoft.com/office/drawing/2014/main" id="{F0958A05-B844-5251-3354-A947D8CB6681}"/>
+                  </a:ext>
+                </a:extLst>
+              </p:cNvPr>
+              <p:cNvSpPr/>
+              <p:nvPr/>
+            </p:nvSpPr>
+            <p:spPr>
+              <a:xfrm>
+                <a:off x="2270326" y="2352973"/>
+                <a:ext cx="377772" cy="377772"/>
+              </a:xfrm>
+              <a:prstGeom prst="ellipse">
+                <a:avLst/>
+              </a:prstGeom>
+              <a:solidFill>
+                <a:schemeClr val="tx1">
+                  <a:lumMod val="50000"/>
+                  <a:lumOff val="50000"/>
+                </a:schemeClr>
+              </a:solidFill>
+              <a:ln>
+                <a:noFill/>
+              </a:ln>
+            </p:spPr>
+            <p:style>
+              <a:lnRef idx="2">
+                <a:schemeClr val="accent1">
+                  <a:shade val="15000"/>
+                </a:schemeClr>
+              </a:lnRef>
+              <a:fillRef idx="1">
+                <a:schemeClr val="accent1"/>
+              </a:fillRef>
+              <a:effectRef idx="0">
+                <a:schemeClr val="accent1"/>
+              </a:effectRef>
+              <a:fontRef idx="minor">
+                <a:schemeClr val="lt1"/>
+              </a:fontRef>
+            </p:style>
+            <p:txBody>
+              <a:bodyPr rtlCol="0" anchor="ctr"/>
+              <a:lstStyle/>
+              <a:p>
+                <a:pPr algn="ctr"/>
+                <a:endParaRPr lang="zh-TW" altLang="en-US"/>
+              </a:p>
+            </p:txBody>
+          </p:sp>
+        </p:grpSp>
+        <p:cxnSp>
+          <p:nvCxnSpPr>
+            <p:cNvPr id="21" name="直線接點 20">
+              <a:extLst>
+                <a:ext uri="{FF2B5EF4-FFF2-40B4-BE49-F238E27FC236}">
+                  <a16:creationId xmlns:a16="http://schemas.microsoft.com/office/drawing/2014/main" id="{2145E8E4-CFBF-11E6-DD11-1E6CB03379FB}"/>
+                </a:ext>
+              </a:extLst>
+            </p:cNvPr>
+            <p:cNvCxnSpPr>
+              <a:cxnSpLocks/>
+            </p:cNvCxnSpPr>
+            <p:nvPr/>
+          </p:nvCxnSpPr>
+          <p:spPr>
+            <a:xfrm>
+              <a:off x="2701343" y="1265866"/>
+              <a:ext cx="1901033" cy="0"/>
+            </a:xfrm>
+            <a:prstGeom prst="line">
+              <a:avLst/>
+            </a:prstGeom>
+            <a:ln>
+              <a:solidFill>
+                <a:schemeClr val="accent3"/>
+              </a:solidFill>
+            </a:ln>
+          </p:spPr>
+          <p:style>
+            <a:lnRef idx="1">
+              <a:schemeClr val="accent1"/>
+            </a:lnRef>
+            <a:fillRef idx="0">
+              <a:schemeClr val="accent1"/>
+            </a:fillRef>
+            <a:effectRef idx="0">
+              <a:schemeClr val="accent1"/>
+            </a:effectRef>
+            <a:fontRef idx="minor">
+              <a:schemeClr val="tx1"/>
+            </a:fontRef>
+          </p:style>
+        </p:cxnSp>
+        <p:sp>
+          <p:nvSpPr>
+            <p:cNvPr id="22" name="橢圓 21">
+              <a:extLst>
+                <a:ext uri="{FF2B5EF4-FFF2-40B4-BE49-F238E27FC236}">
+                  <a16:creationId xmlns:a16="http://schemas.microsoft.com/office/drawing/2014/main" id="{68EA2866-E574-A66E-306D-F9FCFDCE83D2}"/>
+                </a:ext>
+              </a:extLst>
+            </p:cNvPr>
+            <p:cNvSpPr/>
+            <p:nvPr/>
+          </p:nvSpPr>
+          <p:spPr>
+            <a:xfrm>
+              <a:off x="4522767" y="1186257"/>
+              <a:ext cx="159219" cy="159219"/>
+            </a:xfrm>
+            <a:prstGeom prst="ellipse">
+              <a:avLst/>
+            </a:prstGeom>
+            <a:solidFill>
+              <a:schemeClr val="accent3"/>
+            </a:solidFill>
+            <a:ln>
+              <a:noFill/>
+            </a:ln>
+          </p:spPr>
+          <p:style>
+            <a:lnRef idx="2">
+              <a:schemeClr val="accent1">
+                <a:shade val="15000"/>
+              </a:schemeClr>
+            </a:lnRef>
+            <a:fillRef idx="1">
+              <a:schemeClr val="accent1"/>
+            </a:fillRef>
+            <a:effectRef idx="0">
+              <a:schemeClr val="accent1"/>
+            </a:effectRef>
+            <a:fontRef idx="minor">
+              <a:schemeClr val="lt1"/>
+            </a:fontRef>
+          </p:style>
+          <p:txBody>
+            <a:bodyPr rtlCol="0" anchor="ctr"/>
+            <a:lstStyle/>
+            <a:p>
+              <a:pPr algn="ctr"/>
+              <a:endParaRPr lang="zh-TW" altLang="en-US" dirty="0"/>
+            </a:p>
+          </p:txBody>
+        </p:sp>
+        <p:sp>
+          <p:nvSpPr>
+            <p:cNvPr id="2" name="橢圓 1">
+              <a:extLst>
+                <a:ext uri="{FF2B5EF4-FFF2-40B4-BE49-F238E27FC236}">
+                  <a16:creationId xmlns:a16="http://schemas.microsoft.com/office/drawing/2014/main" id="{C6443E66-320E-9429-4B43-27F7561BCB60}"/>
+                </a:ext>
+              </a:extLst>
+            </p:cNvPr>
+            <p:cNvSpPr/>
+            <p:nvPr/>
+          </p:nvSpPr>
+          <p:spPr>
+            <a:xfrm>
+              <a:off x="3129111" y="2818166"/>
+              <a:ext cx="329034" cy="329034"/>
+            </a:xfrm>
+            <a:prstGeom prst="ellipse">
+              <a:avLst/>
+            </a:prstGeom>
+            <a:solidFill>
+              <a:schemeClr val="tx2">
+                <a:lumMod val="40000"/>
+                <a:lumOff val="60000"/>
+                <a:alpha val="57000"/>
+              </a:schemeClr>
+            </a:solidFill>
+            <a:ln>
+              <a:noFill/>
+            </a:ln>
+          </p:spPr>
+          <p:style>
+            <a:lnRef idx="2">
+              <a:schemeClr val="accent1">
+                <a:shade val="15000"/>
+              </a:schemeClr>
+            </a:lnRef>
+            <a:fillRef idx="1">
+              <a:schemeClr val="accent1"/>
+            </a:fillRef>
+            <a:effectRef idx="0">
+              <a:schemeClr val="accent1"/>
+            </a:effectRef>
+            <a:fontRef idx="minor">
+              <a:schemeClr val="lt1"/>
+            </a:fontRef>
+          </p:style>
+          <p:txBody>
+            <a:bodyPr rtlCol="0" anchor="ctr"/>
+            <a:lstStyle/>
+            <a:p>
+              <a:pPr algn="ctr"/>
+              <a:endParaRPr lang="zh-TW" altLang="en-US" dirty="0"/>
+            </a:p>
+          </p:txBody>
+        </p:sp>
+        <p:sp>
+          <p:nvSpPr>
+            <p:cNvPr id="3" name="橢圓 2">
+              <a:extLst>
+                <a:ext uri="{FF2B5EF4-FFF2-40B4-BE49-F238E27FC236}">
+                  <a16:creationId xmlns:a16="http://schemas.microsoft.com/office/drawing/2014/main" id="{15C92FD1-5285-A907-4D3F-13574418D3AC}"/>
+                </a:ext>
+              </a:extLst>
+            </p:cNvPr>
+            <p:cNvSpPr/>
+            <p:nvPr/>
+          </p:nvSpPr>
+          <p:spPr>
+            <a:xfrm>
+              <a:off x="2491589" y="2320554"/>
+              <a:ext cx="444213" cy="444213"/>
+            </a:xfrm>
+            <a:prstGeom prst="ellipse">
+              <a:avLst/>
+            </a:prstGeom>
+            <a:solidFill>
+              <a:schemeClr val="tx2">
+                <a:lumMod val="40000"/>
+                <a:lumOff val="60000"/>
+                <a:alpha val="57000"/>
+              </a:schemeClr>
+            </a:solidFill>
+            <a:ln>
+              <a:noFill/>
+            </a:ln>
+          </p:spPr>
+          <p:style>
+            <a:lnRef idx="2">
+              <a:schemeClr val="accent1">
+                <a:shade val="15000"/>
+              </a:schemeClr>
+            </a:lnRef>
+            <a:fillRef idx="1">
+              <a:schemeClr val="accent1"/>
+            </a:fillRef>
+            <a:effectRef idx="0">
+              <a:schemeClr val="accent1"/>
+            </a:effectRef>
+            <a:fontRef idx="minor">
+              <a:schemeClr val="lt1"/>
+            </a:fontRef>
+          </p:style>
+          <p:txBody>
+            <a:bodyPr rtlCol="0" anchor="ctr"/>
+            <a:lstStyle/>
+            <a:p>
+              <a:pPr algn="ctr"/>
+              <a:endParaRPr lang="zh-TW" altLang="en-US" dirty="0"/>
+            </a:p>
+          </p:txBody>
+        </p:sp>
+        <p:sp>
+          <p:nvSpPr>
+            <p:cNvPr id="20" name="橢圓 19">
+              <a:hlinkClick r:id="rId2" action="ppaction://hlinksldjump"/>
+              <a:extLst>
+                <a:ext uri="{FF2B5EF4-FFF2-40B4-BE49-F238E27FC236}">
+                  <a16:creationId xmlns:a16="http://schemas.microsoft.com/office/drawing/2014/main" id="{28FBE5F2-A886-8EAD-67B0-5C36460B8C3D}"/>
+                </a:ext>
+              </a:extLst>
+            </p:cNvPr>
+            <p:cNvSpPr/>
+            <p:nvPr/>
+          </p:nvSpPr>
+          <p:spPr>
+            <a:xfrm>
+              <a:off x="1646950" y="1362991"/>
+              <a:ext cx="430331" cy="430331"/>
+            </a:xfrm>
+            <a:prstGeom prst="ellipse">
+              <a:avLst/>
+            </a:prstGeom>
+            <a:solidFill>
+              <a:schemeClr val="tx2">
+                <a:lumMod val="75000"/>
+              </a:schemeClr>
+            </a:solidFill>
+            <a:ln>
+              <a:noFill/>
+            </a:ln>
+            <a:effectLst>
+              <a:outerShdw blurRad="50800" dist="38100" dir="2700000" algn="tl" rotWithShape="0">
+                <a:prstClr val="black">
+                  <a:alpha val="40000"/>
+                </a:prstClr>
+              </a:outerShdw>
+            </a:effectLst>
+          </p:spPr>
+          <p:style>
+            <a:lnRef idx="2">
+              <a:schemeClr val="accent1">
+                <a:shade val="15000"/>
+              </a:schemeClr>
+            </a:lnRef>
+            <a:fillRef idx="1">
+              <a:schemeClr val="accent1"/>
+            </a:fillRef>
+            <a:effectRef idx="0">
+              <a:schemeClr val="accent1"/>
+            </a:effectRef>
+            <a:fontRef idx="minor">
+              <a:schemeClr val="lt1"/>
+            </a:fontRef>
+          </p:style>
+          <p:txBody>
+            <a:bodyPr rtlCol="0" anchor="ctr"/>
+            <a:lstStyle/>
+            <a:p>
+              <a:pPr algn="ctr"/>
+              <a:endParaRPr lang="zh-TW" altLang="en-US" u="sng" dirty="0">
+                <a:latin typeface="臺灣道路體 1.0 Regular" panose="020B0506020000000000" pitchFamily="34" charset="-120"/>
+                <a:ea typeface="臺灣道路體 1.0 Regular" panose="020B0506020000000000" pitchFamily="34" charset="-120"/>
+              </a:endParaRPr>
+            </a:p>
+          </p:txBody>
+        </p:sp>
+      </p:grpSp>
+      <p:pic>
+        <p:nvPicPr>
+          <p:cNvPr id="9" name="圖片 8">
+            <a:extLst>
+              <a:ext uri="{FF2B5EF4-FFF2-40B4-BE49-F238E27FC236}">
+                <a16:creationId xmlns:a16="http://schemas.microsoft.com/office/drawing/2014/main" id="{136E7D61-1695-E992-A860-0DF632004313}"/>
+              </a:ext>
+            </a:extLst>
+          </p:cNvPr>
+          <p:cNvPicPr>
+            <a:picLocks noChangeAspect="1"/>
+          </p:cNvPicPr>
+          <p:nvPr/>
+        </p:nvPicPr>
+        <p:blipFill>
+          <a:blip r:embed="rId3">
+            <a:extLst>
+              <a:ext uri="{28A0092B-C50C-407E-A947-70E740481C1C}">
+                <a14:useLocalDpi xmlns:a14="http://schemas.microsoft.com/office/drawing/2010/main" val="0"/>
+              </a:ext>
+            </a:extLst>
+          </a:blip>
+          <a:stretch>
+            <a:fillRect/>
+          </a:stretch>
+        </p:blipFill>
+        <p:spPr>
+          <a:xfrm>
+            <a:off x="6411295" y="2449648"/>
+            <a:ext cx="5411619" cy="3399447"/>
+          </a:xfrm>
+          <a:prstGeom prst="rect">
+            <a:avLst/>
+          </a:prstGeom>
+        </p:spPr>
+      </p:pic>
+      <p:pic>
+        <p:nvPicPr>
+          <p:cNvPr id="10" name="圖片 9">
+            <a:extLst>
+              <a:ext uri="{FF2B5EF4-FFF2-40B4-BE49-F238E27FC236}">
+                <a16:creationId xmlns:a16="http://schemas.microsoft.com/office/drawing/2014/main" id="{3573DCCB-895E-5BC5-83B4-DC674949AF6A}"/>
+              </a:ext>
+            </a:extLst>
+          </p:cNvPr>
+          <p:cNvPicPr>
+            <a:picLocks noChangeAspect="1"/>
+          </p:cNvPicPr>
+          <p:nvPr/>
+        </p:nvPicPr>
+        <p:blipFill>
+          <a:blip r:embed="rId4">
+            <a:extLst>
+              <a:ext uri="{28A0092B-C50C-407E-A947-70E740481C1C}">
+                <a14:useLocalDpi xmlns:a14="http://schemas.microsoft.com/office/drawing/2010/main" val="0"/>
+              </a:ext>
+            </a:extLst>
+          </a:blip>
+          <a:stretch>
+            <a:fillRect/>
+          </a:stretch>
+        </p:blipFill>
+        <p:spPr>
+          <a:xfrm>
+            <a:off x="718043" y="2466833"/>
+            <a:ext cx="5411619" cy="3382262"/>
+          </a:xfrm>
+          <a:prstGeom prst="rect">
+            <a:avLst/>
+          </a:prstGeom>
+        </p:spPr>
+      </p:pic>
+      <p:sp>
+        <p:nvSpPr>
+          <p:cNvPr id="11" name="文字方塊 10">
+            <a:extLst>
+              <a:ext uri="{FF2B5EF4-FFF2-40B4-BE49-F238E27FC236}">
+                <a16:creationId xmlns:a16="http://schemas.microsoft.com/office/drawing/2014/main" id="{C5F77B63-57A0-E280-01C1-380A976B3B64}"/>
+              </a:ext>
+            </a:extLst>
+          </p:cNvPr>
+          <p:cNvSpPr txBox="1"/>
+          <p:nvPr/>
+        </p:nvSpPr>
+        <p:spPr>
+          <a:xfrm>
+            <a:off x="3047432" y="710554"/>
+            <a:ext cx="6097136" cy="461665"/>
+          </a:xfrm>
+          <a:prstGeom prst="rect">
+            <a:avLst/>
+          </a:prstGeom>
+          <a:noFill/>
+        </p:spPr>
+        <p:txBody>
+          <a:bodyPr wrap="square">
+            <a:spAutoFit/>
+          </a:bodyPr>
+          <a:lstStyle/>
+          <a:p>
+            <a:r>
+              <a:rPr lang="zh-TW" altLang="en-US" sz="2400" dirty="0">
+                <a:latin typeface="臺灣道路體 1.0 Regular" panose="020B0506020000000000" pitchFamily="34" charset="-120"/>
+                <a:ea typeface="臺灣道路體 1.0 Regular" panose="020B0506020000000000" pitchFamily="34" charset="-120"/>
+              </a:rPr>
+              <a:t>常態分佈圖</a:t>
+            </a:r>
+            <a:endParaRPr lang="en-US" altLang="zh-TW" sz="2400" dirty="0">
+              <a:latin typeface="臺灣道路體 1.0 Regular" panose="020B0506020000000000" pitchFamily="34" charset="-120"/>
+              <a:ea typeface="臺灣道路體 1.0 Regular" panose="020B0506020000000000" pitchFamily="34" charset="-120"/>
+            </a:endParaRPr>
+          </a:p>
+        </p:txBody>
+      </p:sp>
+    </p:spTree>
+    <p:extLst>
+      <p:ext uri="{BB962C8B-B14F-4D97-AF65-F5344CB8AC3E}">
+        <p14:creationId xmlns:p14="http://schemas.microsoft.com/office/powerpoint/2010/main" val="2487096523"/>
+      </p:ext>
+    </p:extLst>
+  </p:cSld>
+  <p:clrMapOvr>
+    <a:masterClrMapping/>
+  </p:clrMapOvr>
+</p:sld>
+</file>
+
+<file path=ppt/slides/slide8.xml><?xml version="1.0" encoding="utf-8"?>
+<p:sld xmlns:a="http://schemas.openxmlformats.org/drawingml/2006/main" xmlns:r="http://schemas.openxmlformats.org/officeDocument/2006/relationships" xmlns:p="http://schemas.openxmlformats.org/presentationml/2006/main">
+  <p:cSld>
+    <p:spTree>
+      <p:nvGrpSpPr>
+        <p:cNvPr id="1" name=""/>
+        <p:cNvGrpSpPr/>
+        <p:nvPr/>
+      </p:nvGrpSpPr>
+      <p:grpSpPr>
+        <a:xfrm>
+          <a:off x="0" y="0"/>
+          <a:ext cx="0" cy="0"/>
+          <a:chOff x="0" y="0"/>
+          <a:chExt cx="0" cy="0"/>
+        </a:xfrm>
+      </p:grpSpPr>
+      <p:sp>
+        <p:nvSpPr>
+          <p:cNvPr id="56" name="橢圓 55">
+            <a:hlinkClick r:id="rId2" action="ppaction://hlinksldjump"/>
+            <a:extLst>
+              <a:ext uri="{FF2B5EF4-FFF2-40B4-BE49-F238E27FC236}">
+                <a16:creationId xmlns:a16="http://schemas.microsoft.com/office/drawing/2014/main" id="{7F72BE2B-E7E7-B027-131B-9B344B76268F}"/>
+              </a:ext>
+            </a:extLst>
+          </p:cNvPr>
+          <p:cNvSpPr/>
+          <p:nvPr/>
+        </p:nvSpPr>
+        <p:spPr>
+          <a:xfrm>
+            <a:off x="11607749" y="6359054"/>
+            <a:ext cx="430331" cy="430331"/>
+          </a:xfrm>
+          <a:prstGeom prst="ellipse">
+            <a:avLst/>
+          </a:prstGeom>
+          <a:solidFill>
+            <a:schemeClr val="tx2">
+              <a:lumMod val="75000"/>
+            </a:schemeClr>
+          </a:solidFill>
+          <a:ln>
+            <a:noFill/>
+          </a:ln>
+          <a:effectLst>
+            <a:outerShdw blurRad="50800" dist="38100" dir="2700000" algn="tl" rotWithShape="0">
+              <a:prstClr val="black">
+                <a:alpha val="40000"/>
+              </a:prstClr>
+            </a:outerShdw>
+          </a:effectLst>
+        </p:spPr>
+        <p:style>
+          <a:lnRef idx="2">
+            <a:schemeClr val="accent1">
+              <a:shade val="15000"/>
+            </a:schemeClr>
+          </a:lnRef>
+          <a:fillRef idx="1">
+            <a:schemeClr val="accent1"/>
+          </a:fillRef>
+          <a:effectRef idx="0">
+            <a:schemeClr val="accent1"/>
+          </a:effectRef>
+          <a:fontRef idx="minor">
+            <a:schemeClr val="lt1"/>
+          </a:fontRef>
+        </p:style>
+        <p:txBody>
+          <a:bodyPr rtlCol="0" anchor="ctr"/>
+          <a:lstStyle/>
+          <a:p>
+            <a:pPr algn="ctr"/>
+            <a:r>
+              <a:rPr lang="en-US" altLang="zh-TW" sz="1200" dirty="0">
+                <a:latin typeface="臺灣道路體 1.0 Regular" panose="020B0506020000000000" pitchFamily="34" charset="-120"/>
+                <a:ea typeface="臺灣道路體 1.0 Regular" panose="020B0506020000000000" pitchFamily="34" charset="-120"/>
+              </a:rPr>
+              <a:t>07</a:t>
             </a:r>
             <a:endParaRPr lang="zh-TW" altLang="en-US" sz="1200" dirty="0">
               <a:latin typeface="臺灣道路體 1.0 Regular" panose="020B0506020000000000" pitchFamily="34" charset="-120"/>
@@ -17896,7 +23863,7 @@
       </p:sp>
       <p:sp>
         <p:nvSpPr>
-          <p:cNvPr id="7" name="矩形: 圓角 6">
+          <p:cNvPr id="11" name="矩形: 圓角 10">
             <a:extLst>
               <a:ext uri="{FF2B5EF4-FFF2-40B4-BE49-F238E27FC236}">
                 <a16:creationId xmlns:a16="http://schemas.microsoft.com/office/drawing/2014/main" id="{4CE6C39B-8B16-BAE3-2532-B974460612E4}"/>
@@ -17950,7 +23917,7 @@
       </p:sp>
       <p:sp>
         <p:nvSpPr>
-          <p:cNvPr id="8" name="矩形: 圓角 7">
+          <p:cNvPr id="12" name="矩形: 圓角 11">
             <a:extLst>
               <a:ext uri="{FF2B5EF4-FFF2-40B4-BE49-F238E27FC236}">
                 <a16:creationId xmlns:a16="http://schemas.microsoft.com/office/drawing/2014/main" id="{C2E636AE-5E98-04EE-3329-5EB0F6C6DD97}"/>
@@ -18005,7 +23972,7 @@
     </p:spTree>
     <p:extLst>
       <p:ext uri="{BB962C8B-B14F-4D97-AF65-F5344CB8AC3E}">
-        <p14:creationId xmlns:p14="http://schemas.microsoft.com/office/powerpoint/2010/main" val="2487096523"/>
+        <p14:creationId xmlns:p14="http://schemas.microsoft.com/office/powerpoint/2010/main" val="12666163"/>
       </p:ext>
     </p:extLst>
   </p:cSld>
@@ -18015,7 +23982,7 @@
 </p:sld>
 </file>
 
-<file path=ppt/slides/slide8.xml><?xml version="1.0" encoding="utf-8"?>
+<file path=ppt/slides/slide9.xml><?xml version="1.0" encoding="utf-8"?>
 <p:sld xmlns:a="http://schemas.openxmlformats.org/drawingml/2006/main" xmlns:r="http://schemas.openxmlformats.org/officeDocument/2006/relationships" xmlns:p="http://schemas.openxmlformats.org/presentationml/2006/main">
   <p:cSld>
     <p:spTree>
@@ -18095,7 +24062,7 @@
                 <a:latin typeface="臺灣道路體 1.0 Regular" panose="020B0506020000000000" pitchFamily="34" charset="-120"/>
                 <a:ea typeface="臺灣道路體 1.0 Regular" panose="020B0506020000000000" pitchFamily="34" charset="-120"/>
               </a:rPr>
-              <a:t>07</a:t>
+              <a:t>08</a:t>
             </a:r>
             <a:endParaRPr lang="zh-TW" altLang="en-US" sz="1200" dirty="0">
               <a:latin typeface="臺灣道路體 1.0 Regular" panose="020B0506020000000000" pitchFamily="34" charset="-120"/>
@@ -19322,1352 +25289,6 @@
     </p:spTree>
     <p:extLst>
       <p:ext uri="{BB962C8B-B14F-4D97-AF65-F5344CB8AC3E}">
-        <p14:creationId xmlns:p14="http://schemas.microsoft.com/office/powerpoint/2010/main" val="12666163"/>
-      </p:ext>
-    </p:extLst>
-  </p:cSld>
-  <p:clrMapOvr>
-    <a:masterClrMapping/>
-  </p:clrMapOvr>
-</p:sld>
-</file>
-
-<file path=ppt/slides/slide9.xml><?xml version="1.0" encoding="utf-8"?>
-<p:sld xmlns:a="http://schemas.openxmlformats.org/drawingml/2006/main" xmlns:r="http://schemas.openxmlformats.org/officeDocument/2006/relationships" xmlns:p="http://schemas.openxmlformats.org/presentationml/2006/main">
-  <p:cSld>
-    <p:spTree>
-      <p:nvGrpSpPr>
-        <p:cNvPr id="1" name=""/>
-        <p:cNvGrpSpPr/>
-        <p:nvPr/>
-      </p:nvGrpSpPr>
-      <p:grpSpPr>
-        <a:xfrm>
-          <a:off x="0" y="0"/>
-          <a:ext cx="0" cy="0"/>
-          <a:chOff x="0" y="0"/>
-          <a:chExt cx="0" cy="0"/>
-        </a:xfrm>
-      </p:grpSpPr>
-      <p:sp>
-        <p:nvSpPr>
-          <p:cNvPr id="56" name="橢圓 55">
-            <a:hlinkClick r:id="rId2" action="ppaction://hlinksldjump"/>
-            <a:extLst>
-              <a:ext uri="{FF2B5EF4-FFF2-40B4-BE49-F238E27FC236}">
-                <a16:creationId xmlns:a16="http://schemas.microsoft.com/office/drawing/2014/main" id="{7F72BE2B-E7E7-B027-131B-9B344B76268F}"/>
-              </a:ext>
-            </a:extLst>
-          </p:cNvPr>
-          <p:cNvSpPr/>
-          <p:nvPr/>
-        </p:nvSpPr>
-        <p:spPr>
-          <a:xfrm>
-            <a:off x="11607749" y="6359054"/>
-            <a:ext cx="430331" cy="430331"/>
-          </a:xfrm>
-          <a:prstGeom prst="ellipse">
-            <a:avLst/>
-          </a:prstGeom>
-          <a:solidFill>
-            <a:schemeClr val="tx2">
-              <a:lumMod val="75000"/>
-            </a:schemeClr>
-          </a:solidFill>
-          <a:ln>
-            <a:noFill/>
-          </a:ln>
-          <a:effectLst>
-            <a:outerShdw blurRad="50800" dist="38100" dir="2700000" algn="tl" rotWithShape="0">
-              <a:prstClr val="black">
-                <a:alpha val="40000"/>
-              </a:prstClr>
-            </a:outerShdw>
-          </a:effectLst>
-        </p:spPr>
-        <p:style>
-          <a:lnRef idx="2">
-            <a:schemeClr val="accent1">
-              <a:shade val="15000"/>
-            </a:schemeClr>
-          </a:lnRef>
-          <a:fillRef idx="1">
-            <a:schemeClr val="accent1"/>
-          </a:fillRef>
-          <a:effectRef idx="0">
-            <a:schemeClr val="accent1"/>
-          </a:effectRef>
-          <a:fontRef idx="minor">
-            <a:schemeClr val="lt1"/>
-          </a:fontRef>
-        </p:style>
-        <p:txBody>
-          <a:bodyPr rtlCol="0" anchor="ctr"/>
-          <a:lstStyle/>
-          <a:p>
-            <a:pPr algn="ctr"/>
-            <a:r>
-              <a:rPr lang="en-US" altLang="zh-TW" sz="1200" dirty="0">
-                <a:latin typeface="臺灣道路體 1.0 Regular" panose="020B0506020000000000" pitchFamily="34" charset="-120"/>
-                <a:ea typeface="臺灣道路體 1.0 Regular" panose="020B0506020000000000" pitchFamily="34" charset="-120"/>
-              </a:rPr>
-              <a:t>08</a:t>
-            </a:r>
-            <a:endParaRPr lang="zh-TW" altLang="en-US" sz="1200" dirty="0">
-              <a:latin typeface="臺灣道路體 1.0 Regular" panose="020B0506020000000000" pitchFamily="34" charset="-120"/>
-              <a:ea typeface="臺灣道路體 1.0 Regular" panose="020B0506020000000000" pitchFamily="34" charset="-120"/>
-            </a:endParaRPr>
-          </a:p>
-        </p:txBody>
-      </p:sp>
-      <p:cxnSp>
-        <p:nvCxnSpPr>
-          <p:cNvPr id="57" name="直線接點 56">
-            <a:extLst>
-              <a:ext uri="{FF2B5EF4-FFF2-40B4-BE49-F238E27FC236}">
-                <a16:creationId xmlns:a16="http://schemas.microsoft.com/office/drawing/2014/main" id="{7BC92922-FACD-26F8-1F9A-2A32832F0D3F}"/>
-              </a:ext>
-            </a:extLst>
-          </p:cNvPr>
-          <p:cNvCxnSpPr>
-            <a:cxnSpLocks/>
-          </p:cNvCxnSpPr>
-          <p:nvPr/>
-        </p:nvCxnSpPr>
-        <p:spPr>
-          <a:xfrm flipV="1">
-            <a:off x="10430294" y="6574219"/>
-            <a:ext cx="1177455" cy="1"/>
-          </a:xfrm>
-          <a:prstGeom prst="line">
-            <a:avLst/>
-          </a:prstGeom>
-          <a:ln>
-            <a:solidFill>
-              <a:schemeClr val="accent3"/>
-            </a:solidFill>
-          </a:ln>
-        </p:spPr>
-        <p:style>
-          <a:lnRef idx="1">
-            <a:schemeClr val="accent1"/>
-          </a:lnRef>
-          <a:fillRef idx="0">
-            <a:schemeClr val="accent1"/>
-          </a:fillRef>
-          <a:effectRef idx="0">
-            <a:schemeClr val="accent1"/>
-          </a:effectRef>
-          <a:fontRef idx="minor">
-            <a:schemeClr val="tx1"/>
-          </a:fontRef>
-        </p:style>
-      </p:cxnSp>
-      <p:grpSp>
-        <p:nvGrpSpPr>
-          <p:cNvPr id="4" name="群組 3">
-            <a:extLst>
-              <a:ext uri="{FF2B5EF4-FFF2-40B4-BE49-F238E27FC236}">
-                <a16:creationId xmlns:a16="http://schemas.microsoft.com/office/drawing/2014/main" id="{41A7E255-B053-A8AA-273A-8D5B91FFBF66}"/>
-              </a:ext>
-            </a:extLst>
-          </p:cNvPr>
-          <p:cNvGrpSpPr/>
-          <p:nvPr/>
-        </p:nvGrpSpPr>
-        <p:grpSpPr>
-          <a:xfrm>
-            <a:off x="243333" y="260399"/>
-            <a:ext cx="2790779" cy="1936892"/>
-            <a:chOff x="591351" y="308165"/>
-            <a:chExt cx="4090635" cy="2839035"/>
-          </a:xfrm>
-        </p:grpSpPr>
-        <p:grpSp>
-          <p:nvGrpSpPr>
-            <p:cNvPr id="43" name="群組 42">
-              <a:extLst>
-                <a:ext uri="{FF2B5EF4-FFF2-40B4-BE49-F238E27FC236}">
-                  <a16:creationId xmlns:a16="http://schemas.microsoft.com/office/drawing/2014/main" id="{520EBE1C-11DF-EF97-097D-55925C20857C}"/>
-                </a:ext>
-              </a:extLst>
-            </p:cNvPr>
-            <p:cNvGrpSpPr/>
-            <p:nvPr/>
-          </p:nvGrpSpPr>
-          <p:grpSpPr>
-            <a:xfrm>
-              <a:off x="1404681" y="1093736"/>
-              <a:ext cx="1613902" cy="1613902"/>
-              <a:chOff x="1276314" y="759880"/>
-              <a:chExt cx="3106616" cy="3106616"/>
-            </a:xfrm>
-          </p:grpSpPr>
-          <p:grpSp>
-            <p:nvGrpSpPr>
-              <p:cNvPr id="45" name="群組 44">
-                <a:extLst>
-                  <a:ext uri="{FF2B5EF4-FFF2-40B4-BE49-F238E27FC236}">
-                    <a16:creationId xmlns:a16="http://schemas.microsoft.com/office/drawing/2014/main" id="{3B827767-4FDB-21CD-9974-B7F17C1DCF64}"/>
-                  </a:ext>
-                </a:extLst>
-              </p:cNvPr>
-              <p:cNvGrpSpPr/>
-              <p:nvPr/>
-            </p:nvGrpSpPr>
-            <p:grpSpPr>
-              <a:xfrm>
-                <a:off x="1276314" y="759880"/>
-                <a:ext cx="3106616" cy="3106616"/>
-                <a:chOff x="1514103" y="938728"/>
-                <a:chExt cx="2467708" cy="2467708"/>
-              </a:xfrm>
-            </p:grpSpPr>
-            <p:sp>
-              <p:nvSpPr>
-                <p:cNvPr id="47" name="弧形 46">
-                  <a:extLst>
-                    <a:ext uri="{FF2B5EF4-FFF2-40B4-BE49-F238E27FC236}">
-                      <a16:creationId xmlns:a16="http://schemas.microsoft.com/office/drawing/2014/main" id="{72367E5D-B6AD-28BF-ABCA-A02638C77F4C}"/>
-                    </a:ext>
-                  </a:extLst>
-                </p:cNvPr>
-                <p:cNvSpPr/>
-                <p:nvPr/>
-              </p:nvSpPr>
-              <p:spPr>
-                <a:xfrm rot="17787797">
-                  <a:off x="1514103" y="938728"/>
-                  <a:ext cx="2467708" cy="2467708"/>
-                </a:xfrm>
-                <a:prstGeom prst="arc">
-                  <a:avLst>
-                    <a:gd name="adj1" fmla="val 16200000"/>
-                    <a:gd name="adj2" fmla="val 13045664"/>
-                  </a:avLst>
-                </a:prstGeom>
-                <a:ln w="9525">
-                  <a:solidFill>
-                    <a:schemeClr val="tx1">
-                      <a:lumMod val="65000"/>
-                      <a:lumOff val="35000"/>
-                    </a:schemeClr>
-                  </a:solidFill>
-                </a:ln>
-              </p:spPr>
-              <p:style>
-                <a:lnRef idx="3">
-                  <a:schemeClr val="accent3"/>
-                </a:lnRef>
-                <a:fillRef idx="0">
-                  <a:schemeClr val="accent3"/>
-                </a:fillRef>
-                <a:effectRef idx="2">
-                  <a:schemeClr val="accent3"/>
-                </a:effectRef>
-                <a:fontRef idx="minor">
-                  <a:schemeClr val="tx1"/>
-                </a:fontRef>
-              </p:style>
-              <p:txBody>
-                <a:bodyPr rtlCol="0" anchor="ctr"/>
-                <a:lstStyle/>
-                <a:p>
-                  <a:pPr algn="ctr"/>
-                  <a:endParaRPr lang="zh-TW" altLang="en-US" dirty="0"/>
-                </a:p>
-              </p:txBody>
-            </p:sp>
-            <p:sp>
-              <p:nvSpPr>
-                <p:cNvPr id="48" name="橢圓 47">
-                  <a:extLst>
-                    <a:ext uri="{FF2B5EF4-FFF2-40B4-BE49-F238E27FC236}">
-                      <a16:creationId xmlns:a16="http://schemas.microsoft.com/office/drawing/2014/main" id="{476300C1-3641-B258-AF45-B88BF1432929}"/>
-                    </a:ext>
-                  </a:extLst>
-                </p:cNvPr>
-                <p:cNvSpPr/>
-                <p:nvPr/>
-              </p:nvSpPr>
-              <p:spPr>
-                <a:xfrm>
-                  <a:off x="1618836" y="1590103"/>
-                  <a:ext cx="55052" cy="55052"/>
-                </a:xfrm>
-                <a:prstGeom prst="ellipse">
-                  <a:avLst/>
-                </a:prstGeom>
-                <a:solidFill>
-                  <a:schemeClr val="bg2">
-                    <a:lumMod val="50000"/>
-                  </a:schemeClr>
-                </a:solidFill>
-                <a:ln>
-                  <a:noFill/>
-                </a:ln>
-              </p:spPr>
-              <p:style>
-                <a:lnRef idx="2">
-                  <a:schemeClr val="accent1">
-                    <a:shade val="15000"/>
-                  </a:schemeClr>
-                </a:lnRef>
-                <a:fillRef idx="1">
-                  <a:schemeClr val="accent1"/>
-                </a:fillRef>
-                <a:effectRef idx="0">
-                  <a:schemeClr val="accent1"/>
-                </a:effectRef>
-                <a:fontRef idx="minor">
-                  <a:schemeClr val="lt1"/>
-                </a:fontRef>
-              </p:style>
-              <p:txBody>
-                <a:bodyPr rtlCol="0" anchor="ctr"/>
-                <a:lstStyle/>
-                <a:p>
-                  <a:pPr algn="ctr"/>
-                  <a:endParaRPr lang="zh-TW" altLang="en-US"/>
-                </a:p>
-              </p:txBody>
-            </p:sp>
-          </p:grpSp>
-          <p:sp>
-            <p:nvSpPr>
-              <p:cNvPr id="46" name="橢圓 45">
-                <a:extLst>
-                  <a:ext uri="{FF2B5EF4-FFF2-40B4-BE49-F238E27FC236}">
-                    <a16:creationId xmlns:a16="http://schemas.microsoft.com/office/drawing/2014/main" id="{D44440B1-5476-BD7B-FB8E-71296221D9E1}"/>
-                  </a:ext>
-                </a:extLst>
-              </p:cNvPr>
-              <p:cNvSpPr/>
-              <p:nvPr/>
-            </p:nvSpPr>
-            <p:spPr>
-              <a:xfrm>
-                <a:off x="1408162" y="2953264"/>
-                <a:ext cx="69305" cy="69305"/>
-              </a:xfrm>
-              <a:prstGeom prst="ellipse">
-                <a:avLst/>
-              </a:prstGeom>
-              <a:solidFill>
-                <a:schemeClr val="bg2">
-                  <a:lumMod val="50000"/>
-                </a:schemeClr>
-              </a:solidFill>
-              <a:ln>
-                <a:noFill/>
-              </a:ln>
-            </p:spPr>
-            <p:style>
-              <a:lnRef idx="2">
-                <a:schemeClr val="accent1">
-                  <a:shade val="15000"/>
-                </a:schemeClr>
-              </a:lnRef>
-              <a:fillRef idx="1">
-                <a:schemeClr val="accent1"/>
-              </a:fillRef>
-              <a:effectRef idx="0">
-                <a:schemeClr val="accent1"/>
-              </a:effectRef>
-              <a:fontRef idx="minor">
-                <a:schemeClr val="lt1"/>
-              </a:fontRef>
-            </p:style>
-            <p:txBody>
-              <a:bodyPr rtlCol="0" anchor="ctr"/>
-              <a:lstStyle/>
-              <a:p>
-                <a:pPr algn="ctr"/>
-                <a:endParaRPr lang="zh-TW" altLang="en-US" dirty="0"/>
-              </a:p>
-            </p:txBody>
-          </p:sp>
-        </p:grpSp>
-        <p:grpSp>
-          <p:nvGrpSpPr>
-            <p:cNvPr id="15" name="群組 14">
-              <a:extLst>
-                <a:ext uri="{FF2B5EF4-FFF2-40B4-BE49-F238E27FC236}">
-                  <a16:creationId xmlns:a16="http://schemas.microsoft.com/office/drawing/2014/main" id="{E02A1AEE-05A1-3C1A-C076-052707EA7CB3}"/>
-                </a:ext>
-              </a:extLst>
-            </p:cNvPr>
-            <p:cNvGrpSpPr/>
-            <p:nvPr/>
-          </p:nvGrpSpPr>
-          <p:grpSpPr>
-            <a:xfrm>
-              <a:off x="591351" y="308165"/>
-              <a:ext cx="2380727" cy="2611820"/>
-              <a:chOff x="2270326" y="1361858"/>
-              <a:chExt cx="3576074" cy="3923197"/>
-            </a:xfrm>
-          </p:grpSpPr>
-          <p:sp>
-            <p:nvSpPr>
-              <p:cNvPr id="36" name="橢圓 35">
-                <a:extLst>
-                  <a:ext uri="{FF2B5EF4-FFF2-40B4-BE49-F238E27FC236}">
-                    <a16:creationId xmlns:a16="http://schemas.microsoft.com/office/drawing/2014/main" id="{33F097D9-4B7B-78B5-E1A3-145F1C075D0B}"/>
-                  </a:ext>
-                </a:extLst>
-              </p:cNvPr>
-              <p:cNvSpPr/>
-              <p:nvPr/>
-            </p:nvSpPr>
-            <p:spPr>
-              <a:xfrm>
-                <a:off x="3387969" y="2638641"/>
-                <a:ext cx="281353" cy="281353"/>
-              </a:xfrm>
-              <a:prstGeom prst="ellipse">
-                <a:avLst/>
-              </a:prstGeom>
-              <a:solidFill>
-                <a:schemeClr val="accent1">
-                  <a:lumMod val="20000"/>
-                  <a:lumOff val="80000"/>
-                </a:schemeClr>
-              </a:solidFill>
-              <a:ln>
-                <a:noFill/>
-              </a:ln>
-            </p:spPr>
-            <p:style>
-              <a:lnRef idx="2">
-                <a:schemeClr val="accent1">
-                  <a:shade val="15000"/>
-                </a:schemeClr>
-              </a:lnRef>
-              <a:fillRef idx="1">
-                <a:schemeClr val="accent1"/>
-              </a:fillRef>
-              <a:effectRef idx="0">
-                <a:schemeClr val="accent1"/>
-              </a:effectRef>
-              <a:fontRef idx="minor">
-                <a:schemeClr val="lt1"/>
-              </a:fontRef>
-            </p:style>
-            <p:txBody>
-              <a:bodyPr rtlCol="0" anchor="ctr"/>
-              <a:lstStyle/>
-              <a:p>
-                <a:pPr algn="ctr"/>
-                <a:endParaRPr lang="zh-TW" altLang="en-US"/>
-              </a:p>
-            </p:txBody>
-          </p:sp>
-          <p:sp>
-            <p:nvSpPr>
-              <p:cNvPr id="37" name="橢圓 36">
-                <a:extLst>
-                  <a:ext uri="{FF2B5EF4-FFF2-40B4-BE49-F238E27FC236}">
-                    <a16:creationId xmlns:a16="http://schemas.microsoft.com/office/drawing/2014/main" id="{A5B4E23C-CC0A-DD8D-8FE5-E4245805527C}"/>
-                  </a:ext>
-                </a:extLst>
-              </p:cNvPr>
-              <p:cNvSpPr/>
-              <p:nvPr/>
-            </p:nvSpPr>
-            <p:spPr>
-              <a:xfrm>
-                <a:off x="2824610" y="1361858"/>
-                <a:ext cx="746313" cy="746313"/>
-              </a:xfrm>
-              <a:prstGeom prst="ellipse">
-                <a:avLst/>
-              </a:prstGeom>
-              <a:solidFill>
-                <a:schemeClr val="tx1">
-                  <a:lumMod val="65000"/>
-                  <a:lumOff val="35000"/>
-                </a:schemeClr>
-              </a:solidFill>
-              <a:ln>
-                <a:noFill/>
-              </a:ln>
-            </p:spPr>
-            <p:style>
-              <a:lnRef idx="2">
-                <a:schemeClr val="accent1">
-                  <a:shade val="15000"/>
-                </a:schemeClr>
-              </a:lnRef>
-              <a:fillRef idx="1">
-                <a:schemeClr val="accent1"/>
-              </a:fillRef>
-              <a:effectRef idx="0">
-                <a:schemeClr val="accent1"/>
-              </a:effectRef>
-              <a:fontRef idx="minor">
-                <a:schemeClr val="lt1"/>
-              </a:fontRef>
-            </p:style>
-            <p:txBody>
-              <a:bodyPr rtlCol="0" anchor="ctr"/>
-              <a:lstStyle/>
-              <a:p>
-                <a:pPr algn="ctr"/>
-                <a:endParaRPr lang="zh-TW" altLang="en-US"/>
-              </a:p>
-            </p:txBody>
-          </p:sp>
-          <p:sp>
-            <p:nvSpPr>
-              <p:cNvPr id="38" name="橢圓 37">
-                <a:extLst>
-                  <a:ext uri="{FF2B5EF4-FFF2-40B4-BE49-F238E27FC236}">
-                    <a16:creationId xmlns:a16="http://schemas.microsoft.com/office/drawing/2014/main" id="{EF4706A5-C9D1-4F60-6814-6EF85C16B556}"/>
-                  </a:ext>
-                </a:extLst>
-              </p:cNvPr>
-              <p:cNvSpPr/>
-              <p:nvPr/>
-            </p:nvSpPr>
-            <p:spPr>
-              <a:xfrm>
-                <a:off x="5321302" y="2058377"/>
-                <a:ext cx="70339" cy="70339"/>
-              </a:xfrm>
-              <a:prstGeom prst="ellipse">
-                <a:avLst/>
-              </a:prstGeom>
-              <a:solidFill>
-                <a:schemeClr val="bg2">
-                  <a:lumMod val="75000"/>
-                </a:schemeClr>
-              </a:solidFill>
-              <a:ln>
-                <a:noFill/>
-              </a:ln>
-            </p:spPr>
-            <p:style>
-              <a:lnRef idx="2">
-                <a:schemeClr val="accent1">
-                  <a:shade val="15000"/>
-                </a:schemeClr>
-              </a:lnRef>
-              <a:fillRef idx="1">
-                <a:schemeClr val="accent1"/>
-              </a:fillRef>
-              <a:effectRef idx="0">
-                <a:schemeClr val="accent1"/>
-              </a:effectRef>
-              <a:fontRef idx="minor">
-                <a:schemeClr val="lt1"/>
-              </a:fontRef>
-            </p:style>
-            <p:txBody>
-              <a:bodyPr rtlCol="0" anchor="ctr"/>
-              <a:lstStyle/>
-              <a:p>
-                <a:pPr algn="ctr"/>
-                <a:endParaRPr lang="zh-TW" altLang="en-US"/>
-              </a:p>
-            </p:txBody>
-          </p:sp>
-          <p:sp>
-            <p:nvSpPr>
-              <p:cNvPr id="39" name="橢圓 38">
-                <a:extLst>
-                  <a:ext uri="{FF2B5EF4-FFF2-40B4-BE49-F238E27FC236}">
-                    <a16:creationId xmlns:a16="http://schemas.microsoft.com/office/drawing/2014/main" id="{D5E5E82E-D8F9-CF64-56D2-7CA4DE848CE9}"/>
-                  </a:ext>
-                </a:extLst>
-              </p:cNvPr>
-              <p:cNvSpPr/>
-              <p:nvPr/>
-            </p:nvSpPr>
-            <p:spPr>
-              <a:xfrm>
-                <a:off x="3594911" y="2628229"/>
-                <a:ext cx="2251489" cy="2251489"/>
-              </a:xfrm>
-              <a:prstGeom prst="ellipse">
-                <a:avLst/>
-              </a:prstGeom>
-              <a:solidFill>
-                <a:schemeClr val="tx2">
-                  <a:lumMod val="40000"/>
-                  <a:lumOff val="60000"/>
-                  <a:alpha val="41000"/>
-                </a:schemeClr>
-              </a:solidFill>
-              <a:ln>
-                <a:noFill/>
-              </a:ln>
-            </p:spPr>
-            <p:style>
-              <a:lnRef idx="2">
-                <a:schemeClr val="accent1">
-                  <a:shade val="15000"/>
-                </a:schemeClr>
-              </a:lnRef>
-              <a:fillRef idx="1">
-                <a:schemeClr val="accent1"/>
-              </a:fillRef>
-              <a:effectRef idx="0">
-                <a:schemeClr val="accent1"/>
-              </a:effectRef>
-              <a:fontRef idx="minor">
-                <a:schemeClr val="lt1"/>
-              </a:fontRef>
-            </p:style>
-            <p:txBody>
-              <a:bodyPr rtlCol="0" anchor="ctr"/>
-              <a:lstStyle/>
-              <a:p>
-                <a:pPr algn="ctr"/>
-                <a:endParaRPr lang="zh-TW" altLang="en-US" dirty="0"/>
-              </a:p>
-            </p:txBody>
-          </p:sp>
-          <p:sp>
-            <p:nvSpPr>
-              <p:cNvPr id="40" name="橢圓 39">
-                <a:extLst>
-                  <a:ext uri="{FF2B5EF4-FFF2-40B4-BE49-F238E27FC236}">
-                    <a16:creationId xmlns:a16="http://schemas.microsoft.com/office/drawing/2014/main" id="{8B87B70F-FD7A-ED0B-43CE-42C27F4D67C6}"/>
-                  </a:ext>
-                </a:extLst>
-              </p:cNvPr>
-              <p:cNvSpPr/>
-              <p:nvPr/>
-            </p:nvSpPr>
-            <p:spPr>
-              <a:xfrm>
-                <a:off x="3057090" y="4411827"/>
-                <a:ext cx="171084" cy="171084"/>
-              </a:xfrm>
-              <a:prstGeom prst="ellipse">
-                <a:avLst/>
-              </a:prstGeom>
-              <a:solidFill>
-                <a:schemeClr val="tx1">
-                  <a:lumMod val="85000"/>
-                  <a:lumOff val="15000"/>
-                </a:schemeClr>
-              </a:solidFill>
-              <a:ln>
-                <a:noFill/>
-              </a:ln>
-            </p:spPr>
-            <p:style>
-              <a:lnRef idx="2">
-                <a:schemeClr val="accent1">
-                  <a:shade val="15000"/>
-                </a:schemeClr>
-              </a:lnRef>
-              <a:fillRef idx="1">
-                <a:schemeClr val="accent1"/>
-              </a:fillRef>
-              <a:effectRef idx="0">
-                <a:schemeClr val="accent1"/>
-              </a:effectRef>
-              <a:fontRef idx="minor">
-                <a:schemeClr val="lt1"/>
-              </a:fontRef>
-            </p:style>
-            <p:txBody>
-              <a:bodyPr rtlCol="0" anchor="ctr"/>
-              <a:lstStyle/>
-              <a:p>
-                <a:pPr algn="ctr"/>
-                <a:endParaRPr lang="zh-TW" altLang="en-US"/>
-              </a:p>
-            </p:txBody>
-          </p:sp>
-          <p:sp>
-            <p:nvSpPr>
-              <p:cNvPr id="41" name="橢圓 40">
-                <a:extLst>
-                  <a:ext uri="{FF2B5EF4-FFF2-40B4-BE49-F238E27FC236}">
-                    <a16:creationId xmlns:a16="http://schemas.microsoft.com/office/drawing/2014/main" id="{E6A3AB82-6E87-FE06-5F2E-AA99AF350D57}"/>
-                  </a:ext>
-                </a:extLst>
-              </p:cNvPr>
-              <p:cNvSpPr/>
-              <p:nvPr/>
-            </p:nvSpPr>
-            <p:spPr>
-              <a:xfrm>
-                <a:off x="2707073" y="5012792"/>
-                <a:ext cx="272263" cy="272263"/>
-              </a:xfrm>
-              <a:prstGeom prst="ellipse">
-                <a:avLst/>
-              </a:prstGeom>
-              <a:solidFill>
-                <a:schemeClr val="bg1">
-                  <a:lumMod val="85000"/>
-                </a:schemeClr>
-              </a:solidFill>
-              <a:ln>
-                <a:noFill/>
-              </a:ln>
-            </p:spPr>
-            <p:style>
-              <a:lnRef idx="2">
-                <a:schemeClr val="accent1">
-                  <a:shade val="15000"/>
-                </a:schemeClr>
-              </a:lnRef>
-              <a:fillRef idx="1">
-                <a:schemeClr val="accent1"/>
-              </a:fillRef>
-              <a:effectRef idx="0">
-                <a:schemeClr val="accent1"/>
-              </a:effectRef>
-              <a:fontRef idx="minor">
-                <a:schemeClr val="lt1"/>
-              </a:fontRef>
-            </p:style>
-            <p:txBody>
-              <a:bodyPr rtlCol="0" anchor="ctr"/>
-              <a:lstStyle/>
-              <a:p>
-                <a:pPr algn="ctr"/>
-                <a:endParaRPr lang="zh-TW" altLang="en-US"/>
-              </a:p>
-            </p:txBody>
-          </p:sp>
-          <p:sp>
-            <p:nvSpPr>
-              <p:cNvPr id="42" name="橢圓 41">
-                <a:extLst>
-                  <a:ext uri="{FF2B5EF4-FFF2-40B4-BE49-F238E27FC236}">
-                    <a16:creationId xmlns:a16="http://schemas.microsoft.com/office/drawing/2014/main" id="{F0958A05-B844-5251-3354-A947D8CB6681}"/>
-                  </a:ext>
-                </a:extLst>
-              </p:cNvPr>
-              <p:cNvSpPr/>
-              <p:nvPr/>
-            </p:nvSpPr>
-            <p:spPr>
-              <a:xfrm>
-                <a:off x="2270326" y="2352973"/>
-                <a:ext cx="377772" cy="377772"/>
-              </a:xfrm>
-              <a:prstGeom prst="ellipse">
-                <a:avLst/>
-              </a:prstGeom>
-              <a:solidFill>
-                <a:schemeClr val="tx1">
-                  <a:lumMod val="50000"/>
-                  <a:lumOff val="50000"/>
-                </a:schemeClr>
-              </a:solidFill>
-              <a:ln>
-                <a:noFill/>
-              </a:ln>
-            </p:spPr>
-            <p:style>
-              <a:lnRef idx="2">
-                <a:schemeClr val="accent1">
-                  <a:shade val="15000"/>
-                </a:schemeClr>
-              </a:lnRef>
-              <a:fillRef idx="1">
-                <a:schemeClr val="accent1"/>
-              </a:fillRef>
-              <a:effectRef idx="0">
-                <a:schemeClr val="accent1"/>
-              </a:effectRef>
-              <a:fontRef idx="minor">
-                <a:schemeClr val="lt1"/>
-              </a:fontRef>
-            </p:style>
-            <p:txBody>
-              <a:bodyPr rtlCol="0" anchor="ctr"/>
-              <a:lstStyle/>
-              <a:p>
-                <a:pPr algn="ctr"/>
-                <a:endParaRPr lang="zh-TW" altLang="en-US"/>
-              </a:p>
-            </p:txBody>
-          </p:sp>
-        </p:grpSp>
-        <p:cxnSp>
-          <p:nvCxnSpPr>
-            <p:cNvPr id="21" name="直線接點 20">
-              <a:extLst>
-                <a:ext uri="{FF2B5EF4-FFF2-40B4-BE49-F238E27FC236}">
-                  <a16:creationId xmlns:a16="http://schemas.microsoft.com/office/drawing/2014/main" id="{2145E8E4-CFBF-11E6-DD11-1E6CB03379FB}"/>
-                </a:ext>
-              </a:extLst>
-            </p:cNvPr>
-            <p:cNvCxnSpPr>
-              <a:cxnSpLocks/>
-            </p:cNvCxnSpPr>
-            <p:nvPr/>
-          </p:nvCxnSpPr>
-          <p:spPr>
-            <a:xfrm>
-              <a:off x="2701343" y="1265866"/>
-              <a:ext cx="1901033" cy="0"/>
-            </a:xfrm>
-            <a:prstGeom prst="line">
-              <a:avLst/>
-            </a:prstGeom>
-            <a:ln>
-              <a:solidFill>
-                <a:schemeClr val="accent3"/>
-              </a:solidFill>
-            </a:ln>
-          </p:spPr>
-          <p:style>
-            <a:lnRef idx="1">
-              <a:schemeClr val="accent1"/>
-            </a:lnRef>
-            <a:fillRef idx="0">
-              <a:schemeClr val="accent1"/>
-            </a:fillRef>
-            <a:effectRef idx="0">
-              <a:schemeClr val="accent1"/>
-            </a:effectRef>
-            <a:fontRef idx="minor">
-              <a:schemeClr val="tx1"/>
-            </a:fontRef>
-          </p:style>
-        </p:cxnSp>
-        <p:sp>
-          <p:nvSpPr>
-            <p:cNvPr id="22" name="橢圓 21">
-              <a:extLst>
-                <a:ext uri="{FF2B5EF4-FFF2-40B4-BE49-F238E27FC236}">
-                  <a16:creationId xmlns:a16="http://schemas.microsoft.com/office/drawing/2014/main" id="{68EA2866-E574-A66E-306D-F9FCFDCE83D2}"/>
-                </a:ext>
-              </a:extLst>
-            </p:cNvPr>
-            <p:cNvSpPr/>
-            <p:nvPr/>
-          </p:nvSpPr>
-          <p:spPr>
-            <a:xfrm>
-              <a:off x="4522767" y="1186257"/>
-              <a:ext cx="159219" cy="159219"/>
-            </a:xfrm>
-            <a:prstGeom prst="ellipse">
-              <a:avLst/>
-            </a:prstGeom>
-            <a:solidFill>
-              <a:schemeClr val="accent3"/>
-            </a:solidFill>
-            <a:ln>
-              <a:noFill/>
-            </a:ln>
-          </p:spPr>
-          <p:style>
-            <a:lnRef idx="2">
-              <a:schemeClr val="accent1">
-                <a:shade val="15000"/>
-              </a:schemeClr>
-            </a:lnRef>
-            <a:fillRef idx="1">
-              <a:schemeClr val="accent1"/>
-            </a:fillRef>
-            <a:effectRef idx="0">
-              <a:schemeClr val="accent1"/>
-            </a:effectRef>
-            <a:fontRef idx="minor">
-              <a:schemeClr val="lt1"/>
-            </a:fontRef>
-          </p:style>
-          <p:txBody>
-            <a:bodyPr rtlCol="0" anchor="ctr"/>
-            <a:lstStyle/>
-            <a:p>
-              <a:pPr algn="ctr"/>
-              <a:endParaRPr lang="zh-TW" altLang="en-US" dirty="0"/>
-            </a:p>
-          </p:txBody>
-        </p:sp>
-        <p:sp>
-          <p:nvSpPr>
-            <p:cNvPr id="2" name="橢圓 1">
-              <a:extLst>
-                <a:ext uri="{FF2B5EF4-FFF2-40B4-BE49-F238E27FC236}">
-                  <a16:creationId xmlns:a16="http://schemas.microsoft.com/office/drawing/2014/main" id="{C6443E66-320E-9429-4B43-27F7561BCB60}"/>
-                </a:ext>
-              </a:extLst>
-            </p:cNvPr>
-            <p:cNvSpPr/>
-            <p:nvPr/>
-          </p:nvSpPr>
-          <p:spPr>
-            <a:xfrm>
-              <a:off x="3129111" y="2818166"/>
-              <a:ext cx="329034" cy="329034"/>
-            </a:xfrm>
-            <a:prstGeom prst="ellipse">
-              <a:avLst/>
-            </a:prstGeom>
-            <a:solidFill>
-              <a:schemeClr val="tx2">
-                <a:lumMod val="40000"/>
-                <a:lumOff val="60000"/>
-                <a:alpha val="57000"/>
-              </a:schemeClr>
-            </a:solidFill>
-            <a:ln>
-              <a:noFill/>
-            </a:ln>
-          </p:spPr>
-          <p:style>
-            <a:lnRef idx="2">
-              <a:schemeClr val="accent1">
-                <a:shade val="15000"/>
-              </a:schemeClr>
-            </a:lnRef>
-            <a:fillRef idx="1">
-              <a:schemeClr val="accent1"/>
-            </a:fillRef>
-            <a:effectRef idx="0">
-              <a:schemeClr val="accent1"/>
-            </a:effectRef>
-            <a:fontRef idx="minor">
-              <a:schemeClr val="lt1"/>
-            </a:fontRef>
-          </p:style>
-          <p:txBody>
-            <a:bodyPr rtlCol="0" anchor="ctr"/>
-            <a:lstStyle/>
-            <a:p>
-              <a:pPr algn="ctr"/>
-              <a:endParaRPr lang="zh-TW" altLang="en-US" dirty="0"/>
-            </a:p>
-          </p:txBody>
-        </p:sp>
-        <p:sp>
-          <p:nvSpPr>
-            <p:cNvPr id="3" name="橢圓 2">
-              <a:extLst>
-                <a:ext uri="{FF2B5EF4-FFF2-40B4-BE49-F238E27FC236}">
-                  <a16:creationId xmlns:a16="http://schemas.microsoft.com/office/drawing/2014/main" id="{15C92FD1-5285-A907-4D3F-13574418D3AC}"/>
-                </a:ext>
-              </a:extLst>
-            </p:cNvPr>
-            <p:cNvSpPr/>
-            <p:nvPr/>
-          </p:nvSpPr>
-          <p:spPr>
-            <a:xfrm>
-              <a:off x="2491589" y="2320554"/>
-              <a:ext cx="444213" cy="444213"/>
-            </a:xfrm>
-            <a:prstGeom prst="ellipse">
-              <a:avLst/>
-            </a:prstGeom>
-            <a:solidFill>
-              <a:schemeClr val="tx2">
-                <a:lumMod val="40000"/>
-                <a:lumOff val="60000"/>
-                <a:alpha val="57000"/>
-              </a:schemeClr>
-            </a:solidFill>
-            <a:ln>
-              <a:noFill/>
-            </a:ln>
-          </p:spPr>
-          <p:style>
-            <a:lnRef idx="2">
-              <a:schemeClr val="accent1">
-                <a:shade val="15000"/>
-              </a:schemeClr>
-            </a:lnRef>
-            <a:fillRef idx="1">
-              <a:schemeClr val="accent1"/>
-            </a:fillRef>
-            <a:effectRef idx="0">
-              <a:schemeClr val="accent1"/>
-            </a:effectRef>
-            <a:fontRef idx="minor">
-              <a:schemeClr val="lt1"/>
-            </a:fontRef>
-          </p:style>
-          <p:txBody>
-            <a:bodyPr rtlCol="0" anchor="ctr"/>
-            <a:lstStyle/>
-            <a:p>
-              <a:pPr algn="ctr"/>
-              <a:endParaRPr lang="zh-TW" altLang="en-US" dirty="0"/>
-            </a:p>
-          </p:txBody>
-        </p:sp>
-        <p:sp>
-          <p:nvSpPr>
-            <p:cNvPr id="20" name="橢圓 19">
-              <a:hlinkClick r:id="rId2" action="ppaction://hlinksldjump"/>
-              <a:extLst>
-                <a:ext uri="{FF2B5EF4-FFF2-40B4-BE49-F238E27FC236}">
-                  <a16:creationId xmlns:a16="http://schemas.microsoft.com/office/drawing/2014/main" id="{28FBE5F2-A886-8EAD-67B0-5C36460B8C3D}"/>
-                </a:ext>
-              </a:extLst>
-            </p:cNvPr>
-            <p:cNvSpPr/>
-            <p:nvPr/>
-          </p:nvSpPr>
-          <p:spPr>
-            <a:xfrm>
-              <a:off x="1646950" y="1362991"/>
-              <a:ext cx="430331" cy="430331"/>
-            </a:xfrm>
-            <a:prstGeom prst="ellipse">
-              <a:avLst/>
-            </a:prstGeom>
-            <a:solidFill>
-              <a:schemeClr val="tx2">
-                <a:lumMod val="75000"/>
-              </a:schemeClr>
-            </a:solidFill>
-            <a:ln>
-              <a:noFill/>
-            </a:ln>
-            <a:effectLst>
-              <a:outerShdw blurRad="50800" dist="38100" dir="2700000" algn="tl" rotWithShape="0">
-                <a:prstClr val="black">
-                  <a:alpha val="40000"/>
-                </a:prstClr>
-              </a:outerShdw>
-            </a:effectLst>
-          </p:spPr>
-          <p:style>
-            <a:lnRef idx="2">
-              <a:schemeClr val="accent1">
-                <a:shade val="15000"/>
-              </a:schemeClr>
-            </a:lnRef>
-            <a:fillRef idx="1">
-              <a:schemeClr val="accent1"/>
-            </a:fillRef>
-            <a:effectRef idx="0">
-              <a:schemeClr val="accent1"/>
-            </a:effectRef>
-            <a:fontRef idx="minor">
-              <a:schemeClr val="lt1"/>
-            </a:fontRef>
-          </p:style>
-          <p:txBody>
-            <a:bodyPr rtlCol="0" anchor="ctr"/>
-            <a:lstStyle/>
-            <a:p>
-              <a:pPr algn="ctr"/>
-              <a:endParaRPr lang="zh-TW" altLang="en-US" u="sng" dirty="0">
-                <a:latin typeface="臺灣道路體 1.0 Regular" panose="020B0506020000000000" pitchFamily="34" charset="-120"/>
-                <a:ea typeface="臺灣道路體 1.0 Regular" panose="020B0506020000000000" pitchFamily="34" charset="-120"/>
-              </a:endParaRPr>
-            </a:p>
-          </p:txBody>
-        </p:sp>
-      </p:grpSp>
-      <p:pic>
-        <p:nvPicPr>
-          <p:cNvPr id="24" name="圖片 23">
-            <a:extLst>
-              <a:ext uri="{FF2B5EF4-FFF2-40B4-BE49-F238E27FC236}">
-                <a16:creationId xmlns:a16="http://schemas.microsoft.com/office/drawing/2014/main" id="{C48B40E8-B6C8-AAD2-97B2-4ABA2BB1FD17}"/>
-              </a:ext>
-            </a:extLst>
-          </p:cNvPr>
-          <p:cNvPicPr>
-            <a:picLocks noChangeAspect="1"/>
-          </p:cNvPicPr>
-          <p:nvPr/>
-        </p:nvPicPr>
-        <p:blipFill>
-          <a:blip r:embed="rId3">
-            <a:extLst>
-              <a:ext uri="{28A0092B-C50C-407E-A947-70E740481C1C}">
-                <a14:useLocalDpi xmlns:a14="http://schemas.microsoft.com/office/drawing/2010/main" val="0"/>
-              </a:ext>
-            </a:extLst>
-          </a:blip>
-          <a:stretch>
-            <a:fillRect/>
-          </a:stretch>
-        </p:blipFill>
-        <p:spPr>
-          <a:xfrm>
-            <a:off x="3881168" y="1273626"/>
-            <a:ext cx="5221234" cy="4133096"/>
-          </a:xfrm>
-          <a:prstGeom prst="rect">
-            <a:avLst/>
-          </a:prstGeom>
-        </p:spPr>
-      </p:pic>
-      <p:sp>
-        <p:nvSpPr>
-          <p:cNvPr id="5" name="文字方塊 4">
-            <a:extLst>
-              <a:ext uri="{FF2B5EF4-FFF2-40B4-BE49-F238E27FC236}">
-                <a16:creationId xmlns:a16="http://schemas.microsoft.com/office/drawing/2014/main" id="{8152CE11-2251-F8AF-90EA-2D74605C3D2F}"/>
-              </a:ext>
-            </a:extLst>
-          </p:cNvPr>
-          <p:cNvSpPr txBox="1"/>
-          <p:nvPr/>
-        </p:nvSpPr>
-        <p:spPr>
-          <a:xfrm>
-            <a:off x="3047432" y="710554"/>
-            <a:ext cx="6097136" cy="461665"/>
-          </a:xfrm>
-          <a:prstGeom prst="rect">
-            <a:avLst/>
-          </a:prstGeom>
-          <a:noFill/>
-        </p:spPr>
-        <p:txBody>
-          <a:bodyPr wrap="square">
-            <a:spAutoFit/>
-          </a:bodyPr>
-          <a:lstStyle/>
-          <a:p>
-            <a:r>
-              <a:rPr lang="zh-TW" altLang="en-US" sz="2400" dirty="0">
-                <a:latin typeface="臺灣道路體 1.0 Regular" panose="020B0506020000000000" pitchFamily="34" charset="-120"/>
-                <a:ea typeface="臺灣道路體 1.0 Regular" panose="020B0506020000000000" pitchFamily="34" charset="-120"/>
-              </a:rPr>
-              <a:t>線性回歸預測圖</a:t>
-            </a:r>
-            <a:endParaRPr lang="en-US" altLang="zh-TW" sz="2400" dirty="0">
-              <a:latin typeface="臺灣道路體 1.0 Regular" panose="020B0506020000000000" pitchFamily="34" charset="-120"/>
-              <a:ea typeface="臺灣道路體 1.0 Regular" panose="020B0506020000000000" pitchFamily="34" charset="-120"/>
-            </a:endParaRPr>
-          </a:p>
-        </p:txBody>
-      </p:sp>
-      <p:sp>
-        <p:nvSpPr>
-          <p:cNvPr id="6" name="矩形: 圓角 5">
-            <a:extLst>
-              <a:ext uri="{FF2B5EF4-FFF2-40B4-BE49-F238E27FC236}">
-                <a16:creationId xmlns:a16="http://schemas.microsoft.com/office/drawing/2014/main" id="{22847864-D103-E8B1-9FCF-FA43455DD53C}"/>
-              </a:ext>
-            </a:extLst>
-          </p:cNvPr>
-          <p:cNvSpPr/>
-          <p:nvPr/>
-        </p:nvSpPr>
-        <p:spPr>
-          <a:xfrm>
-            <a:off x="9330120" y="1501119"/>
-            <a:ext cx="1908811" cy="958655"/>
-          </a:xfrm>
-          <a:prstGeom prst="roundRect">
-            <a:avLst/>
-          </a:prstGeom>
-          <a:solidFill>
-            <a:schemeClr val="tx1">
-              <a:lumMod val="95000"/>
-              <a:lumOff val="5000"/>
-              <a:alpha val="62000"/>
-            </a:schemeClr>
-          </a:solidFill>
-          <a:ln>
-            <a:noFill/>
-          </a:ln>
-        </p:spPr>
-        <p:style>
-          <a:lnRef idx="2">
-            <a:schemeClr val="accent1">
-              <a:shade val="15000"/>
-            </a:schemeClr>
-          </a:lnRef>
-          <a:fillRef idx="1">
-            <a:schemeClr val="accent1"/>
-          </a:fillRef>
-          <a:effectRef idx="0">
-            <a:schemeClr val="accent1"/>
-          </a:effectRef>
-          <a:fontRef idx="minor">
-            <a:schemeClr val="lt1"/>
-          </a:fontRef>
-        </p:style>
-        <p:txBody>
-          <a:bodyPr rtlCol="0" anchor="ctr"/>
-          <a:lstStyle/>
-          <a:p>
-            <a:pPr algn="just"/>
-            <a:r>
-              <a:rPr lang="en-US" altLang="zh-TW" sz="1400" dirty="0">
-                <a:latin typeface="臺灣道路體 1.0 Regular" panose="020B0506020000000000" pitchFamily="34" charset="-120"/>
-                <a:ea typeface="臺灣道路體 1.0 Regular" panose="020B0506020000000000" pitchFamily="34" charset="-120"/>
-              </a:rPr>
-              <a:t>2010-2015</a:t>
-            </a:r>
-            <a:r>
-              <a:rPr lang="zh-TW" altLang="en-US" sz="1400" dirty="0">
-                <a:latin typeface="臺灣道路體 1.0 Regular" panose="020B0506020000000000" pitchFamily="34" charset="-120"/>
-                <a:ea typeface="臺灣道路體 1.0 Regular" panose="020B0506020000000000" pitchFamily="34" charset="-120"/>
-              </a:rPr>
-              <a:t>區間無論日射量及日照時數均為低點，</a:t>
-            </a:r>
-            <a:r>
-              <a:rPr lang="en-US" altLang="zh-TW" sz="1400" dirty="0">
-                <a:latin typeface="臺灣道路體 1.0 Regular" panose="020B0506020000000000" pitchFamily="34" charset="-120"/>
-                <a:ea typeface="臺灣道路體 1.0 Regular" panose="020B0506020000000000" pitchFamily="34" charset="-120"/>
-              </a:rPr>
-              <a:t>2020-</a:t>
-            </a:r>
-            <a:r>
-              <a:rPr lang="zh-TW" altLang="en-US" sz="1400" dirty="0">
-                <a:latin typeface="臺灣道路體 1.0 Regular" panose="020B0506020000000000" pitchFamily="34" charset="-120"/>
-                <a:ea typeface="臺灣道路體 1.0 Regular" panose="020B0506020000000000" pitchFamily="34" charset="-120"/>
-              </a:rPr>
-              <a:t>至今區間大幅度上升，上下值有非常顯著的區間</a:t>
-            </a:r>
-            <a:r>
-              <a:rPr lang="en-US" altLang="zh-TW" sz="1400" dirty="0">
-                <a:latin typeface="臺灣道路體 1.0 Regular" panose="020B0506020000000000" pitchFamily="34" charset="-120"/>
-                <a:ea typeface="臺灣道路體 1.0 Regular" panose="020B0506020000000000" pitchFamily="34" charset="-120"/>
-              </a:rPr>
-              <a:t>(</a:t>
-            </a:r>
-            <a:r>
-              <a:rPr lang="zh-TW" altLang="en-US" sz="1400" dirty="0">
-                <a:latin typeface="臺灣道路體 1.0 Regular" panose="020B0506020000000000" pitchFamily="34" charset="-120"/>
-                <a:ea typeface="臺灣道路體 1.0 Regular" panose="020B0506020000000000" pitchFamily="34" charset="-120"/>
-              </a:rPr>
-              <a:t>離散</a:t>
-            </a:r>
-            <a:r>
-              <a:rPr lang="en-US" altLang="zh-TW" sz="1400" dirty="0">
-                <a:latin typeface="臺灣道路體 1.0 Regular" panose="020B0506020000000000" pitchFamily="34" charset="-120"/>
-                <a:ea typeface="臺灣道路體 1.0 Regular" panose="020B0506020000000000" pitchFamily="34" charset="-120"/>
-              </a:rPr>
-              <a:t>)</a:t>
-            </a:r>
-            <a:r>
-              <a:rPr lang="zh-TW" altLang="en-US" sz="1400" dirty="0">
-                <a:latin typeface="臺灣道路體 1.0 Regular" panose="020B0506020000000000" pitchFamily="34" charset="-120"/>
-                <a:ea typeface="臺灣道路體 1.0 Regular" panose="020B0506020000000000" pitchFamily="34" charset="-120"/>
-              </a:rPr>
-              <a:t>，由折線圖及盒鬚圖標示可看出。</a:t>
-            </a:r>
-          </a:p>
-        </p:txBody>
-      </p:sp>
-      <p:sp>
-        <p:nvSpPr>
-          <p:cNvPr id="11" name="矩形: 圓角 10">
-            <a:extLst>
-              <a:ext uri="{FF2B5EF4-FFF2-40B4-BE49-F238E27FC236}">
-                <a16:creationId xmlns:a16="http://schemas.microsoft.com/office/drawing/2014/main" id="{EB8812A5-C668-21AA-7BF5-D7A571EACB92}"/>
-              </a:ext>
-            </a:extLst>
-          </p:cNvPr>
-          <p:cNvSpPr/>
-          <p:nvPr/>
-        </p:nvSpPr>
-        <p:spPr>
-          <a:xfrm>
-            <a:off x="9330120" y="2654031"/>
-            <a:ext cx="1908811" cy="655552"/>
-          </a:xfrm>
-          <a:prstGeom prst="roundRect">
-            <a:avLst/>
-          </a:prstGeom>
-          <a:solidFill>
-            <a:srgbClr val="C00000">
-              <a:alpha val="62000"/>
-            </a:srgbClr>
-          </a:solidFill>
-          <a:ln>
-            <a:noFill/>
-          </a:ln>
-        </p:spPr>
-        <p:style>
-          <a:lnRef idx="2">
-            <a:schemeClr val="accent1">
-              <a:shade val="15000"/>
-            </a:schemeClr>
-          </a:lnRef>
-          <a:fillRef idx="1">
-            <a:schemeClr val="accent1"/>
-          </a:fillRef>
-          <a:effectRef idx="0">
-            <a:schemeClr val="accent1"/>
-          </a:effectRef>
-          <a:fontRef idx="minor">
-            <a:schemeClr val="lt1"/>
-          </a:fontRef>
-        </p:style>
-        <p:txBody>
-          <a:bodyPr rtlCol="0" anchor="ctr"/>
-          <a:lstStyle/>
-          <a:p>
-            <a:r>
-              <a:rPr lang="zh-TW" altLang="en-US" sz="1400" dirty="0">
-                <a:latin typeface="臺灣道路體 1.0 Regular" panose="020B0506020000000000" pitchFamily="34" charset="-120"/>
-                <a:ea typeface="臺灣道路體 1.0 Regular" panose="020B0506020000000000" pitchFamily="34" charset="-120"/>
-              </a:rPr>
-              <a:t>故雖然</a:t>
-            </a:r>
-            <a:r>
-              <a:rPr lang="en-US" altLang="zh-TW" sz="1400" dirty="0">
-                <a:latin typeface="臺灣道路體 1.0 Regular" panose="020B0506020000000000" pitchFamily="34" charset="-120"/>
-                <a:ea typeface="臺灣道路體 1.0 Regular" panose="020B0506020000000000" pitchFamily="34" charset="-120"/>
-              </a:rPr>
-              <a:t>R</a:t>
-            </a:r>
-            <a:r>
-              <a:rPr lang="en-US" altLang="zh-TW" sz="1400" baseline="30000" dirty="0">
-                <a:latin typeface="臺灣道路體 1.0 Regular" panose="020B0506020000000000" pitchFamily="34" charset="-120"/>
-                <a:ea typeface="臺灣道路體 1.0 Regular" panose="020B0506020000000000" pitchFamily="34" charset="-120"/>
-              </a:rPr>
-              <a:t>2</a:t>
-            </a:r>
-            <a:r>
-              <a:rPr lang="zh-TW" altLang="en-US" sz="1400" dirty="0">
-                <a:latin typeface="臺灣道路體 1.0 Regular" panose="020B0506020000000000" pitchFamily="34" charset="-120"/>
-                <a:ea typeface="臺灣道路體 1.0 Regular" panose="020B0506020000000000" pitchFamily="34" charset="-120"/>
-              </a:rPr>
-              <a:t>預測值為</a:t>
-            </a:r>
-            <a:r>
-              <a:rPr lang="en-US" altLang="zh-TW" sz="1400" dirty="0">
-                <a:latin typeface="臺灣道路體 1.0 Regular" panose="020B0506020000000000" pitchFamily="34" charset="-120"/>
-                <a:ea typeface="臺灣道路體 1.0 Regular" panose="020B0506020000000000" pitchFamily="34" charset="-120"/>
-              </a:rPr>
-              <a:t>0.71</a:t>
-            </a:r>
-            <a:r>
-              <a:rPr lang="zh-TW" altLang="en-US" sz="1400" dirty="0">
-                <a:latin typeface="臺灣道路體 1.0 Regular" panose="020B0506020000000000" pitchFamily="34" charset="-120"/>
-                <a:ea typeface="臺灣道路體 1.0 Regular" panose="020B0506020000000000" pitchFamily="34" charset="-120"/>
-              </a:rPr>
-              <a:t>相當有可信度，但因上下值離散造成</a:t>
-            </a:r>
-            <a:r>
-              <a:rPr lang="en-US" altLang="zh-TW" sz="1400" dirty="0">
-                <a:latin typeface="臺灣道路體 1.0 Regular" panose="020B0506020000000000" pitchFamily="34" charset="-120"/>
-                <a:ea typeface="臺灣道路體 1.0 Regular" panose="020B0506020000000000" pitchFamily="34" charset="-120"/>
-              </a:rPr>
-              <a:t>MSE</a:t>
-            </a:r>
-            <a:r>
-              <a:rPr lang="zh-TW" altLang="en-US" sz="1400" dirty="0">
-                <a:latin typeface="臺灣道路體 1.0 Regular" panose="020B0506020000000000" pitchFamily="34" charset="-120"/>
-                <a:ea typeface="臺灣道路體 1.0 Regular" panose="020B0506020000000000" pitchFamily="34" charset="-120"/>
-              </a:rPr>
-              <a:t>數值極高。</a:t>
-            </a:r>
-            <a:endParaRPr lang="zh-TW" altLang="en-US" sz="1400" dirty="0"/>
-          </a:p>
-        </p:txBody>
-      </p:sp>
-    </p:spTree>
-    <p:extLst>
-      <p:ext uri="{BB962C8B-B14F-4D97-AF65-F5344CB8AC3E}">
         <p14:creationId xmlns:p14="http://schemas.microsoft.com/office/powerpoint/2010/main" val="4079667276"/>
       </p:ext>
     </p:extLst>

--- a/temp_solar/簡報.pptx
+++ b/temp_solar/簡報.pptx
@@ -17,6 +17,7 @@
     <p:sldId id="265" r:id="rId11"/>
     <p:sldId id="266" r:id="rId12"/>
     <p:sldId id="267" r:id="rId13"/>
+    <p:sldId id="268" r:id="rId14"/>
   </p:sldIdLst>
   <p:sldSz cx="12192000" cy="6858000"/>
   <p:notesSz cx="6858000" cy="9144000"/>
@@ -2600,7 +2601,7 @@
           <a:p>
             <a:fld id="{228269B4-B284-4486-BF77-50EB79566787}" type="datetimeFigureOut">
               <a:rPr lang="zh-TW" altLang="en-US" smtClean="0"/>
-              <a:t>2024/7/26</a:t>
+              <a:t>2024/7/27</a:t>
             </a:fld>
             <a:endParaRPr lang="zh-TW" altLang="en-US"/>
           </a:p>
@@ -2798,7 +2799,7 @@
           <a:p>
             <a:fld id="{228269B4-B284-4486-BF77-50EB79566787}" type="datetimeFigureOut">
               <a:rPr lang="zh-TW" altLang="en-US" smtClean="0"/>
-              <a:t>2024/7/26</a:t>
+              <a:t>2024/7/27</a:t>
             </a:fld>
             <a:endParaRPr lang="zh-TW" altLang="en-US"/>
           </a:p>
@@ -3006,7 +3007,7 @@
           <a:p>
             <a:fld id="{228269B4-B284-4486-BF77-50EB79566787}" type="datetimeFigureOut">
               <a:rPr lang="zh-TW" altLang="en-US" smtClean="0"/>
-              <a:t>2024/7/26</a:t>
+              <a:t>2024/7/27</a:t>
             </a:fld>
             <a:endParaRPr lang="zh-TW" altLang="en-US"/>
           </a:p>
@@ -3204,7 +3205,7 @@
           <a:p>
             <a:fld id="{228269B4-B284-4486-BF77-50EB79566787}" type="datetimeFigureOut">
               <a:rPr lang="zh-TW" altLang="en-US" smtClean="0"/>
-              <a:t>2024/7/26</a:t>
+              <a:t>2024/7/27</a:t>
             </a:fld>
             <a:endParaRPr lang="zh-TW" altLang="en-US"/>
           </a:p>
@@ -3479,7 +3480,7 @@
           <a:p>
             <a:fld id="{228269B4-B284-4486-BF77-50EB79566787}" type="datetimeFigureOut">
               <a:rPr lang="zh-TW" altLang="en-US" smtClean="0"/>
-              <a:t>2024/7/26</a:t>
+              <a:t>2024/7/27</a:t>
             </a:fld>
             <a:endParaRPr lang="zh-TW" altLang="en-US"/>
           </a:p>
@@ -3744,7 +3745,7 @@
           <a:p>
             <a:fld id="{228269B4-B284-4486-BF77-50EB79566787}" type="datetimeFigureOut">
               <a:rPr lang="zh-TW" altLang="en-US" smtClean="0"/>
-              <a:t>2024/7/26</a:t>
+              <a:t>2024/7/27</a:t>
             </a:fld>
             <a:endParaRPr lang="zh-TW" altLang="en-US"/>
           </a:p>
@@ -4156,7 +4157,7 @@
           <a:p>
             <a:fld id="{228269B4-B284-4486-BF77-50EB79566787}" type="datetimeFigureOut">
               <a:rPr lang="zh-TW" altLang="en-US" smtClean="0"/>
-              <a:t>2024/7/26</a:t>
+              <a:t>2024/7/27</a:t>
             </a:fld>
             <a:endParaRPr lang="zh-TW" altLang="en-US"/>
           </a:p>
@@ -4297,7 +4298,7 @@
           <a:p>
             <a:fld id="{228269B4-B284-4486-BF77-50EB79566787}" type="datetimeFigureOut">
               <a:rPr lang="zh-TW" altLang="en-US" smtClean="0"/>
-              <a:t>2024/7/26</a:t>
+              <a:t>2024/7/27</a:t>
             </a:fld>
             <a:endParaRPr lang="zh-TW" altLang="en-US"/>
           </a:p>
@@ -4410,7 +4411,7 @@
           <a:p>
             <a:fld id="{228269B4-B284-4486-BF77-50EB79566787}" type="datetimeFigureOut">
               <a:rPr lang="zh-TW" altLang="en-US" smtClean="0"/>
-              <a:t>2024/7/26</a:t>
+              <a:t>2024/7/27</a:t>
             </a:fld>
             <a:endParaRPr lang="zh-TW" altLang="en-US"/>
           </a:p>
@@ -4721,7 +4722,7 @@
           <a:p>
             <a:fld id="{228269B4-B284-4486-BF77-50EB79566787}" type="datetimeFigureOut">
               <a:rPr lang="zh-TW" altLang="en-US" smtClean="0"/>
-              <a:t>2024/7/26</a:t>
+              <a:t>2024/7/27</a:t>
             </a:fld>
             <a:endParaRPr lang="zh-TW" altLang="en-US"/>
           </a:p>
@@ -5009,7 +5010,7 @@
           <a:p>
             <a:fld id="{228269B4-B284-4486-BF77-50EB79566787}" type="datetimeFigureOut">
               <a:rPr lang="zh-TW" altLang="en-US" smtClean="0"/>
-              <a:t>2024/7/26</a:t>
+              <a:t>2024/7/27</a:t>
             </a:fld>
             <a:endParaRPr lang="zh-TW" altLang="en-US"/>
           </a:p>
@@ -5250,7 +5251,7 @@
           <a:p>
             <a:fld id="{228269B4-B284-4486-BF77-50EB79566787}" type="datetimeFigureOut">
               <a:rPr lang="zh-TW" altLang="en-US" smtClean="0"/>
-              <a:t>2024/7/26</a:t>
+              <a:t>2024/7/27</a:t>
             </a:fld>
             <a:endParaRPr lang="zh-TW" altLang="en-US"/>
           </a:p>
@@ -8731,8 +8732,8 @@
         </p:nvSpPr>
         <p:spPr>
           <a:xfrm>
-            <a:off x="2340844" y="5496411"/>
-            <a:ext cx="1322798" cy="307777"/>
+            <a:off x="2971353" y="5378243"/>
+            <a:ext cx="1491114" cy="338554"/>
           </a:xfrm>
           <a:prstGeom prst="rect">
             <a:avLst/>
@@ -8747,28 +8748,28 @@
           <a:p>
             <a:pPr algn="just"/>
             <a:r>
-              <a:rPr lang="en-US" altLang="zh-TW" sz="1400" dirty="0">
+              <a:rPr lang="en-US" altLang="zh-TW" sz="1600" dirty="0">
                 <a:latin typeface="臺灣道路體 1.0 Regular" panose="020B0506020000000000" pitchFamily="34" charset="-120"/>
                 <a:ea typeface="臺灣道路體 1.0 Regular" panose="020B0506020000000000" pitchFamily="34" charset="-120"/>
               </a:rPr>
               <a:t>2024</a:t>
             </a:r>
             <a:r>
-              <a:rPr lang="zh-TW" altLang="en-US" sz="1400" dirty="0">
+              <a:rPr lang="zh-TW" altLang="en-US" sz="1600" dirty="0">
                 <a:latin typeface="臺灣道路體 1.0 Regular" panose="020B0506020000000000" pitchFamily="34" charset="-120"/>
                 <a:ea typeface="臺灣道路體 1.0 Regular" panose="020B0506020000000000" pitchFamily="34" charset="-120"/>
               </a:rPr>
               <a:t> </a:t>
             </a:r>
             <a:r>
-              <a:rPr lang="en-US" altLang="zh-TW" sz="1400" dirty="0">
+              <a:rPr lang="en-US" altLang="zh-TW" sz="1600" dirty="0">
                 <a:latin typeface="臺灣道路體 1.0 Regular" panose="020B0506020000000000" pitchFamily="34" charset="-120"/>
                 <a:ea typeface="臺灣道路體 1.0 Regular" panose="020B0506020000000000" pitchFamily="34" charset="-120"/>
               </a:rPr>
               <a:t>TVDI</a:t>
             </a:r>
             <a:r>
-              <a:rPr lang="zh-TW" altLang="en-US" sz="1400" dirty="0">
+              <a:rPr lang="zh-TW" altLang="en-US" sz="1600" dirty="0">
                 <a:latin typeface="臺灣道路體 1.0 Regular" panose="020B0506020000000000" pitchFamily="34" charset="-120"/>
                 <a:ea typeface="臺灣道路體 1.0 Regular" panose="020B0506020000000000" pitchFamily="34" charset="-120"/>
               </a:rPr>
@@ -11405,8 +11406,8 @@
         </p:nvSpPr>
         <p:spPr>
           <a:xfrm>
-            <a:off x="7274257" y="5263063"/>
-            <a:ext cx="4189861" cy="735239"/>
+            <a:off x="7274258" y="5263063"/>
+            <a:ext cx="3886162" cy="735239"/>
           </a:xfrm>
           <a:prstGeom prst="roundRect">
             <a:avLst/>
@@ -11448,7 +11449,7 @@
                 <a:latin typeface="臺灣道路體 1.0 Regular" panose="020B0506020000000000" pitchFamily="34" charset="-120"/>
                 <a:ea typeface="臺灣道路體 1.0 Regular" panose="020B0506020000000000" pitchFamily="34" charset="-120"/>
               </a:rPr>
-              <a:t>詳細說明請參閱：</a:t>
+              <a:t>更詳細說明請參閱：</a:t>
             </a:r>
             <a:endParaRPr lang="en-US" altLang="zh-TW" dirty="0">
               <a:solidFill>
@@ -11460,6 +11461,70 @@
           </a:p>
           <a:p>
             <a:r>
+              <a:rPr lang="zh-TW" altLang="en-US" sz="1600" dirty="0">
+                <a:solidFill>
+                  <a:schemeClr val="accent1">
+                    <a:lumMod val="75000"/>
+                  </a:schemeClr>
+                </a:solidFill>
+                <a:latin typeface="臺灣道路體 1.0 Regular" panose="020B0506020000000000" pitchFamily="34" charset="-120"/>
+                <a:ea typeface="臺灣道路體 1.0 Regular" panose="020B0506020000000000" pitchFamily="34" charset="-120"/>
+              </a:rPr>
+              <a:t>https://github.com/LanvisWei/MLproject_Solar_Irradiance</a:t>
+            </a:r>
+          </a:p>
+        </p:txBody>
+      </p:sp>
+      <p:sp>
+        <p:nvSpPr>
+          <p:cNvPr id="2" name="矩形: 圓角 1">
+            <a:extLst>
+              <a:ext uri="{FF2B5EF4-FFF2-40B4-BE49-F238E27FC236}">
+                <a16:creationId xmlns:a16="http://schemas.microsoft.com/office/drawing/2014/main" id="{AC17AD33-4C78-D70E-CDEC-D7AB8A58C6B8}"/>
+              </a:ext>
+            </a:extLst>
+          </p:cNvPr>
+          <p:cNvSpPr/>
+          <p:nvPr/>
+        </p:nvSpPr>
+        <p:spPr>
+          <a:xfrm>
+            <a:off x="4581327" y="2142679"/>
+            <a:ext cx="2304949" cy="941616"/>
+          </a:xfrm>
+          <a:prstGeom prst="roundRect">
+            <a:avLst/>
+          </a:prstGeom>
+          <a:solidFill>
+            <a:schemeClr val="tx1">
+              <a:alpha val="34000"/>
+            </a:schemeClr>
+          </a:solidFill>
+          <a:ln>
+            <a:noFill/>
+          </a:ln>
+        </p:spPr>
+        <p:style>
+          <a:lnRef idx="2">
+            <a:schemeClr val="accent1">
+              <a:shade val="15000"/>
+            </a:schemeClr>
+          </a:lnRef>
+          <a:fillRef idx="1">
+            <a:schemeClr val="accent1"/>
+          </a:fillRef>
+          <a:effectRef idx="0">
+            <a:schemeClr val="accent1"/>
+          </a:effectRef>
+          <a:fontRef idx="minor">
+            <a:schemeClr val="lt1"/>
+          </a:fontRef>
+        </p:style>
+        <p:txBody>
+          <a:bodyPr rtlCol="0" anchor="ctr"/>
+          <a:lstStyle/>
+          <a:p>
+            <a:r>
               <a:rPr lang="zh-TW" altLang="en-US" dirty="0">
                 <a:solidFill>
                   <a:schemeClr val="bg1"/>
@@ -11467,8 +11532,117 @@
                 <a:latin typeface="臺灣道路體 1.0 Regular" panose="020B0506020000000000" pitchFamily="34" charset="-120"/>
                 <a:ea typeface="臺灣道路體 1.0 Regular" panose="020B0506020000000000" pitchFamily="34" charset="-120"/>
               </a:rPr>
-              <a:t>https://github.com/LanvisWei/MLproject_Solar_Irradiance</a:t>
+              <a:t>台電資料</a:t>
             </a:r>
+            <a:r>
+              <a:rPr lang="zh-TW" altLang="en-US" dirty="0">
+                <a:solidFill>
+                  <a:schemeClr val="accent1">
+                    <a:lumMod val="75000"/>
+                  </a:schemeClr>
+                </a:solidFill>
+                <a:latin typeface="臺灣道路體 1.0 Regular" panose="020B0506020000000000" pitchFamily="34" charset="-120"/>
+                <a:ea typeface="臺灣道路體 1.0 Regular" panose="020B0506020000000000" pitchFamily="34" charset="-120"/>
+              </a:rPr>
+              <a:t>每月平均用電量為</a:t>
+            </a:r>
+            <a:r>
+              <a:rPr lang="en-US" altLang="zh-TW" dirty="0">
+                <a:solidFill>
+                  <a:schemeClr val="accent1">
+                    <a:lumMod val="75000"/>
+                  </a:schemeClr>
+                </a:solidFill>
+                <a:latin typeface="臺灣道路體 1.0 Regular" panose="020B0506020000000000" pitchFamily="34" charset="-120"/>
+                <a:ea typeface="臺灣道路體 1.0 Regular" panose="020B0506020000000000" pitchFamily="34" charset="-120"/>
+              </a:rPr>
+              <a:t>300-400</a:t>
+            </a:r>
+            <a:r>
+              <a:rPr lang="zh-TW" altLang="en-US" dirty="0">
+                <a:solidFill>
+                  <a:schemeClr val="accent1">
+                    <a:lumMod val="75000"/>
+                  </a:schemeClr>
+                </a:solidFill>
+                <a:latin typeface="臺灣道路體 1.0 Regular" panose="020B0506020000000000" pitchFamily="34" charset="-120"/>
+                <a:ea typeface="臺灣道路體 1.0 Regular" panose="020B0506020000000000" pitchFamily="34" charset="-120"/>
+              </a:rPr>
+              <a:t>度</a:t>
+            </a:r>
+            <a:r>
+              <a:rPr lang="zh-TW" altLang="en-US" dirty="0">
+                <a:solidFill>
+                  <a:schemeClr val="bg1"/>
+                </a:solidFill>
+                <a:latin typeface="臺灣道路體 1.0 Regular" panose="020B0506020000000000" pitchFamily="34" charset="-120"/>
+                <a:ea typeface="臺灣道路體 1.0 Regular" panose="020B0506020000000000" pitchFamily="34" charset="-120"/>
+              </a:rPr>
+              <a:t>。月平均</a:t>
+            </a:r>
+            <a:r>
+              <a:rPr lang="en-US" altLang="zh-TW" dirty="0">
+                <a:solidFill>
+                  <a:schemeClr val="bg1"/>
+                </a:solidFill>
+                <a:latin typeface="臺灣道路體 1.0 Regular" panose="020B0506020000000000" pitchFamily="34" charset="-120"/>
+                <a:ea typeface="臺灣道路體 1.0 Regular" panose="020B0506020000000000" pitchFamily="34" charset="-120"/>
+              </a:rPr>
+              <a:t>350</a:t>
+            </a:r>
+            <a:r>
+              <a:rPr lang="zh-TW" altLang="en-US" dirty="0">
+                <a:solidFill>
+                  <a:schemeClr val="bg1"/>
+                </a:solidFill>
+                <a:latin typeface="臺灣道路體 1.0 Regular" panose="020B0506020000000000" pitchFamily="34" charset="-120"/>
+                <a:ea typeface="臺灣道路體 1.0 Regular" panose="020B0506020000000000" pitchFamily="34" charset="-120"/>
+              </a:rPr>
+              <a:t>度換算為每日用電量為</a:t>
+            </a:r>
+            <a:r>
+              <a:rPr lang="en-US" altLang="zh-TW" dirty="0">
+                <a:solidFill>
+                  <a:schemeClr val="accent1">
+                    <a:lumMod val="75000"/>
+                  </a:schemeClr>
+                </a:solidFill>
+                <a:latin typeface="臺灣道路體 1.0 Regular" panose="020B0506020000000000" pitchFamily="34" charset="-120"/>
+                <a:ea typeface="臺灣道路體 1.0 Regular" panose="020B0506020000000000" pitchFamily="34" charset="-120"/>
+              </a:rPr>
+              <a:t>11.5</a:t>
+            </a:r>
+            <a:r>
+              <a:rPr lang="zh-TW" altLang="en-US" dirty="0">
+                <a:solidFill>
+                  <a:schemeClr val="accent1">
+                    <a:lumMod val="75000"/>
+                  </a:schemeClr>
+                </a:solidFill>
+                <a:latin typeface="臺灣道路體 1.0 Regular" panose="020B0506020000000000" pitchFamily="34" charset="-120"/>
+                <a:ea typeface="臺灣道路體 1.0 Regular" panose="020B0506020000000000" pitchFamily="34" charset="-120"/>
+              </a:rPr>
+              <a:t>度</a:t>
+            </a:r>
+            <a:r>
+              <a:rPr lang="zh-TW" altLang="en-US" dirty="0">
+                <a:solidFill>
+                  <a:schemeClr val="bg1"/>
+                </a:solidFill>
+                <a:latin typeface="臺灣道路體 1.0 Regular" panose="020B0506020000000000" pitchFamily="34" charset="-120"/>
+                <a:ea typeface="臺灣道路體 1.0 Regular" panose="020B0506020000000000" pitchFamily="34" charset="-120"/>
+              </a:rPr>
+              <a:t>，預估發電量超過則建議安裝。</a:t>
+            </a:r>
+            <a:endParaRPr lang="zh-TW" altLang="en-US" sz="1600" dirty="0">
+              <a:solidFill>
+                <a:schemeClr val="accent1">
+                  <a:lumMod val="75000"/>
+                </a:schemeClr>
+              </a:solidFill>
+              <a:latin typeface="臺灣道路體 1.0 Regular" panose="020B0506020000000000" pitchFamily="34" charset="-120"/>
+              <a:ea typeface="臺灣道路體 1.0 Regular" panose="020B0506020000000000" pitchFamily="34" charset="-120"/>
+            </a:endParaRPr>
           </a:p>
         </p:txBody>
       </p:sp>
@@ -12576,8 +12750,8 @@
         </p:nvSpPr>
         <p:spPr>
           <a:xfrm>
-            <a:off x="3563279" y="1972812"/>
-            <a:ext cx="5825338" cy="3439641"/>
+            <a:off x="4024096" y="2342963"/>
+            <a:ext cx="6257615" cy="2433332"/>
           </a:xfrm>
           <a:prstGeom prst="roundRect">
             <a:avLst>
@@ -12617,22 +12791,13 @@
               <a:buAutoNum type="arabicPeriod"/>
             </a:pPr>
             <a:r>
-              <a:rPr lang="zh-TW" altLang="en-US" dirty="0">
+              <a:rPr lang="zh-TW" altLang="en-US" sz="2400" dirty="0">
                 <a:latin typeface="臺灣道路體 1.0 Regular" panose="020B0506020000000000" pitchFamily="34" charset="-120"/>
                 <a:ea typeface="臺灣道路體 1.0 Regular" panose="020B0506020000000000" pitchFamily="34" charset="-120"/>
               </a:rPr>
-              <a:t>未來會越來越熱。</a:t>
+              <a:t>未來會越來越熱，故依預測日射量會逐年增長。</a:t>
             </a:r>
-            <a:endParaRPr lang="en-US" altLang="zh-TW" dirty="0">
-              <a:latin typeface="臺灣道路體 1.0 Regular" panose="020B0506020000000000" pitchFamily="34" charset="-120"/>
-              <a:ea typeface="臺灣道路體 1.0 Regular" panose="020B0506020000000000" pitchFamily="34" charset="-120"/>
-            </a:endParaRPr>
-          </a:p>
-          <a:p>
-            <a:pPr marL="342900" indent="-342900">
-              <a:buAutoNum type="arabicPeriod"/>
-            </a:pPr>
-            <a:endParaRPr lang="en-US" altLang="zh-TW" dirty="0">
+            <a:endParaRPr lang="en-US" altLang="zh-TW" sz="2400" dirty="0">
               <a:latin typeface="臺灣道路體 1.0 Regular" panose="020B0506020000000000" pitchFamily="34" charset="-120"/>
               <a:ea typeface="臺灣道路體 1.0 Regular" panose="020B0506020000000000" pitchFamily="34" charset="-120"/>
             </a:endParaRPr>
@@ -12642,22 +12807,13 @@
               <a:buAutoNum type="arabicPeriod"/>
             </a:pPr>
             <a:r>
-              <a:rPr lang="zh-TW" altLang="en-US" dirty="0">
+              <a:rPr lang="zh-TW" altLang="en-US" sz="2400" dirty="0">
                 <a:latin typeface="臺灣道路體 1.0 Regular" panose="020B0506020000000000" pitchFamily="34" charset="-120"/>
                 <a:ea typeface="臺灣道路體 1.0 Regular" panose="020B0506020000000000" pitchFamily="34" charset="-120"/>
               </a:rPr>
               <a:t>在台灣，是否安裝太陽能系統，考量的部分反而是可支配樓地或屋頂面積。</a:t>
             </a:r>
-            <a:endParaRPr lang="en-US" altLang="zh-TW" dirty="0">
-              <a:latin typeface="臺灣道路體 1.0 Regular" panose="020B0506020000000000" pitchFamily="34" charset="-120"/>
-              <a:ea typeface="臺灣道路體 1.0 Regular" panose="020B0506020000000000" pitchFamily="34" charset="-120"/>
-            </a:endParaRPr>
-          </a:p>
-          <a:p>
-            <a:pPr marL="342900" indent="-342900">
-              <a:buAutoNum type="arabicPeriod"/>
-            </a:pPr>
-            <a:endParaRPr lang="en-US" altLang="zh-TW" dirty="0">
+            <a:endParaRPr lang="en-US" altLang="zh-TW" sz="2400" dirty="0">
               <a:latin typeface="臺灣道路體 1.0 Regular" panose="020B0506020000000000" pitchFamily="34" charset="-120"/>
               <a:ea typeface="臺灣道路體 1.0 Regular" panose="020B0506020000000000" pitchFamily="34" charset="-120"/>
             </a:endParaRPr>
@@ -12667,22 +12823,13 @@
               <a:buAutoNum type="arabicPeriod"/>
             </a:pPr>
             <a:r>
-              <a:rPr lang="zh-TW" altLang="en-US" dirty="0">
+              <a:rPr lang="zh-TW" altLang="en-US" sz="2400" dirty="0">
                 <a:latin typeface="臺灣道路體 1.0 Regular" panose="020B0506020000000000" pitchFamily="34" charset="-120"/>
                 <a:ea typeface="臺灣道路體 1.0 Regular" panose="020B0506020000000000" pitchFamily="34" charset="-120"/>
               </a:rPr>
               <a:t>樓地面積足夠時，安裝可自給自足並有多餘度數出售台電。</a:t>
             </a:r>
-            <a:endParaRPr lang="en-US" altLang="zh-TW" dirty="0">
-              <a:latin typeface="臺灣道路體 1.0 Regular" panose="020B0506020000000000" pitchFamily="34" charset="-120"/>
-              <a:ea typeface="臺灣道路體 1.0 Regular" panose="020B0506020000000000" pitchFamily="34" charset="-120"/>
-            </a:endParaRPr>
-          </a:p>
-          <a:p>
-            <a:pPr marL="342900" indent="-342900">
-              <a:buAutoNum type="arabicPeriod"/>
-            </a:pPr>
-            <a:endParaRPr lang="en-US" altLang="zh-TW" dirty="0">
+            <a:endParaRPr lang="en-US" altLang="zh-TW" sz="2400" dirty="0">
               <a:latin typeface="臺灣道路體 1.0 Regular" panose="020B0506020000000000" pitchFamily="34" charset="-120"/>
               <a:ea typeface="臺灣道路體 1.0 Regular" panose="020B0506020000000000" pitchFamily="34" charset="-120"/>
             </a:endParaRPr>
@@ -12692,35 +12839,35 @@
               <a:buAutoNum type="arabicPeriod"/>
             </a:pPr>
             <a:r>
-              <a:rPr lang="zh-TW" altLang="en-US" dirty="0">
+              <a:rPr lang="zh-TW" altLang="en-US" sz="2400" dirty="0">
                 <a:latin typeface="臺灣道路體 1.0 Regular" panose="020B0506020000000000" pitchFamily="34" charset="-120"/>
                 <a:ea typeface="臺灣道路體 1.0 Regular" panose="020B0506020000000000" pitchFamily="34" charset="-120"/>
               </a:rPr>
               <a:t>綠能很美好，但建置費用目前仍高，並申請私人電廠手續繁瑣，台電收購電價目前約</a:t>
             </a:r>
             <a:r>
-              <a:rPr lang="en-US" altLang="zh-TW" dirty="0">
+              <a:rPr lang="en-US" altLang="zh-TW" sz="2400" dirty="0">
                 <a:latin typeface="臺灣道路體 1.0 Regular" panose="020B0506020000000000" pitchFamily="34" charset="-120"/>
                 <a:ea typeface="臺灣道路體 1.0 Regular" panose="020B0506020000000000" pitchFamily="34" charset="-120"/>
               </a:rPr>
               <a:t>6</a:t>
             </a:r>
             <a:r>
-              <a:rPr lang="zh-TW" altLang="en-US" dirty="0">
+              <a:rPr lang="zh-TW" altLang="en-US" sz="2400" dirty="0">
                 <a:latin typeface="臺灣道路體 1.0 Regular" panose="020B0506020000000000" pitchFamily="34" charset="-120"/>
                 <a:ea typeface="臺灣道路體 1.0 Regular" panose="020B0506020000000000" pitchFamily="34" charset="-120"/>
               </a:rPr>
               <a:t>元上下。約</a:t>
             </a:r>
             <a:r>
-              <a:rPr lang="en-US" altLang="zh-TW" dirty="0">
+              <a:rPr lang="en-US" altLang="zh-TW" sz="2400" dirty="0">
                 <a:latin typeface="臺灣道路體 1.0 Regular" panose="020B0506020000000000" pitchFamily="34" charset="-120"/>
                 <a:ea typeface="臺灣道路體 1.0 Regular" panose="020B0506020000000000" pitchFamily="34" charset="-120"/>
               </a:rPr>
               <a:t>20</a:t>
             </a:r>
             <a:r>
-              <a:rPr lang="zh-TW" altLang="en-US" dirty="0">
+              <a:rPr lang="zh-TW" altLang="en-US" sz="2400" dirty="0">
                 <a:latin typeface="臺灣道路體 1.0 Regular" panose="020B0506020000000000" pitchFamily="34" charset="-120"/>
                 <a:ea typeface="臺灣道路體 1.0 Regular" panose="020B0506020000000000" pitchFamily="34" charset="-120"/>
               </a:rPr>
@@ -12733,6 +12880,1708 @@
     <p:extLst>
       <p:ext uri="{BB962C8B-B14F-4D97-AF65-F5344CB8AC3E}">
         <p14:creationId xmlns:p14="http://schemas.microsoft.com/office/powerpoint/2010/main" val="4003829335"/>
+      </p:ext>
+    </p:extLst>
+  </p:cSld>
+  <p:clrMapOvr>
+    <a:masterClrMapping/>
+  </p:clrMapOvr>
+</p:sld>
+</file>
+
+<file path=ppt/slides/slide13.xml><?xml version="1.0" encoding="utf-8"?>
+<p:sld xmlns:a="http://schemas.openxmlformats.org/drawingml/2006/main" xmlns:r="http://schemas.openxmlformats.org/officeDocument/2006/relationships" xmlns:p="http://schemas.openxmlformats.org/presentationml/2006/main">
+  <p:cSld>
+    <p:spTree>
+      <p:nvGrpSpPr>
+        <p:cNvPr id="1" name=""/>
+        <p:cNvGrpSpPr/>
+        <p:nvPr/>
+      </p:nvGrpSpPr>
+      <p:grpSpPr>
+        <a:xfrm>
+          <a:off x="0" y="0"/>
+          <a:ext cx="0" cy="0"/>
+          <a:chOff x="0" y="0"/>
+          <a:chExt cx="0" cy="0"/>
+        </a:xfrm>
+      </p:grpSpPr>
+      <p:sp>
+        <p:nvSpPr>
+          <p:cNvPr id="56" name="橢圓 55">
+            <a:hlinkClick r:id="rId2" action="ppaction://hlinksldjump"/>
+            <a:extLst>
+              <a:ext uri="{FF2B5EF4-FFF2-40B4-BE49-F238E27FC236}">
+                <a16:creationId xmlns:a16="http://schemas.microsoft.com/office/drawing/2014/main" id="{7F72BE2B-E7E7-B027-131B-9B344B76268F}"/>
+              </a:ext>
+            </a:extLst>
+          </p:cNvPr>
+          <p:cNvSpPr/>
+          <p:nvPr/>
+        </p:nvSpPr>
+        <p:spPr>
+          <a:xfrm>
+            <a:off x="11607749" y="6359054"/>
+            <a:ext cx="430331" cy="430331"/>
+          </a:xfrm>
+          <a:prstGeom prst="ellipse">
+            <a:avLst/>
+          </a:prstGeom>
+          <a:solidFill>
+            <a:schemeClr val="tx2">
+              <a:lumMod val="75000"/>
+            </a:schemeClr>
+          </a:solidFill>
+          <a:ln>
+            <a:noFill/>
+          </a:ln>
+          <a:effectLst>
+            <a:outerShdw blurRad="50800" dist="38100" dir="2700000" algn="tl" rotWithShape="0">
+              <a:prstClr val="black">
+                <a:alpha val="40000"/>
+              </a:prstClr>
+            </a:outerShdw>
+          </a:effectLst>
+        </p:spPr>
+        <p:style>
+          <a:lnRef idx="2">
+            <a:schemeClr val="accent1">
+              <a:shade val="15000"/>
+            </a:schemeClr>
+          </a:lnRef>
+          <a:fillRef idx="1">
+            <a:schemeClr val="accent1"/>
+          </a:fillRef>
+          <a:effectRef idx="0">
+            <a:schemeClr val="accent1"/>
+          </a:effectRef>
+          <a:fontRef idx="minor">
+            <a:schemeClr val="lt1"/>
+          </a:fontRef>
+        </p:style>
+        <p:txBody>
+          <a:bodyPr rtlCol="0" anchor="ctr"/>
+          <a:lstStyle/>
+          <a:p>
+            <a:pPr algn="ctr"/>
+            <a:r>
+              <a:rPr lang="en-US" altLang="zh-TW" sz="1200" dirty="0">
+                <a:latin typeface="臺灣道路體 1.0 Regular" panose="020B0506020000000000" pitchFamily="34" charset="-120"/>
+                <a:ea typeface="臺灣道路體 1.0 Regular" panose="020B0506020000000000" pitchFamily="34" charset="-120"/>
+              </a:rPr>
+              <a:t>11</a:t>
+            </a:r>
+            <a:endParaRPr lang="zh-TW" altLang="en-US" sz="1200" dirty="0">
+              <a:latin typeface="臺灣道路體 1.0 Regular" panose="020B0506020000000000" pitchFamily="34" charset="-120"/>
+              <a:ea typeface="臺灣道路體 1.0 Regular" panose="020B0506020000000000" pitchFamily="34" charset="-120"/>
+            </a:endParaRPr>
+          </a:p>
+        </p:txBody>
+      </p:sp>
+      <p:cxnSp>
+        <p:nvCxnSpPr>
+          <p:cNvPr id="57" name="直線接點 56">
+            <a:extLst>
+              <a:ext uri="{FF2B5EF4-FFF2-40B4-BE49-F238E27FC236}">
+                <a16:creationId xmlns:a16="http://schemas.microsoft.com/office/drawing/2014/main" id="{7BC92922-FACD-26F8-1F9A-2A32832F0D3F}"/>
+              </a:ext>
+            </a:extLst>
+          </p:cNvPr>
+          <p:cNvCxnSpPr>
+            <a:cxnSpLocks/>
+          </p:cNvCxnSpPr>
+          <p:nvPr/>
+        </p:nvCxnSpPr>
+        <p:spPr>
+          <a:xfrm flipV="1">
+            <a:off x="10430294" y="6574219"/>
+            <a:ext cx="1177455" cy="1"/>
+          </a:xfrm>
+          <a:prstGeom prst="line">
+            <a:avLst/>
+          </a:prstGeom>
+          <a:ln>
+            <a:solidFill>
+              <a:schemeClr val="accent3"/>
+            </a:solidFill>
+          </a:ln>
+        </p:spPr>
+        <p:style>
+          <a:lnRef idx="1">
+            <a:schemeClr val="accent1"/>
+          </a:lnRef>
+          <a:fillRef idx="0">
+            <a:schemeClr val="accent1"/>
+          </a:fillRef>
+          <a:effectRef idx="0">
+            <a:schemeClr val="accent1"/>
+          </a:effectRef>
+          <a:fontRef idx="minor">
+            <a:schemeClr val="tx1"/>
+          </a:fontRef>
+        </p:style>
+      </p:cxnSp>
+      <p:grpSp>
+        <p:nvGrpSpPr>
+          <p:cNvPr id="4" name="群組 3">
+            <a:extLst>
+              <a:ext uri="{FF2B5EF4-FFF2-40B4-BE49-F238E27FC236}">
+                <a16:creationId xmlns:a16="http://schemas.microsoft.com/office/drawing/2014/main" id="{41A7E255-B053-A8AA-273A-8D5B91FFBF66}"/>
+              </a:ext>
+            </a:extLst>
+          </p:cNvPr>
+          <p:cNvGrpSpPr/>
+          <p:nvPr/>
+        </p:nvGrpSpPr>
+        <p:grpSpPr>
+          <a:xfrm>
+            <a:off x="243333" y="260399"/>
+            <a:ext cx="2790779" cy="1936892"/>
+            <a:chOff x="591351" y="308165"/>
+            <a:chExt cx="4090635" cy="2839035"/>
+          </a:xfrm>
+        </p:grpSpPr>
+        <p:grpSp>
+          <p:nvGrpSpPr>
+            <p:cNvPr id="43" name="群組 42">
+              <a:extLst>
+                <a:ext uri="{FF2B5EF4-FFF2-40B4-BE49-F238E27FC236}">
+                  <a16:creationId xmlns:a16="http://schemas.microsoft.com/office/drawing/2014/main" id="{520EBE1C-11DF-EF97-097D-55925C20857C}"/>
+                </a:ext>
+              </a:extLst>
+            </p:cNvPr>
+            <p:cNvGrpSpPr/>
+            <p:nvPr/>
+          </p:nvGrpSpPr>
+          <p:grpSpPr>
+            <a:xfrm>
+              <a:off x="1404681" y="1093736"/>
+              <a:ext cx="1613902" cy="1613902"/>
+              <a:chOff x="1276314" y="759880"/>
+              <a:chExt cx="3106616" cy="3106616"/>
+            </a:xfrm>
+          </p:grpSpPr>
+          <p:grpSp>
+            <p:nvGrpSpPr>
+              <p:cNvPr id="45" name="群組 44">
+                <a:extLst>
+                  <a:ext uri="{FF2B5EF4-FFF2-40B4-BE49-F238E27FC236}">
+                    <a16:creationId xmlns:a16="http://schemas.microsoft.com/office/drawing/2014/main" id="{3B827767-4FDB-21CD-9974-B7F17C1DCF64}"/>
+                  </a:ext>
+                </a:extLst>
+              </p:cNvPr>
+              <p:cNvGrpSpPr/>
+              <p:nvPr/>
+            </p:nvGrpSpPr>
+            <p:grpSpPr>
+              <a:xfrm>
+                <a:off x="1276314" y="759880"/>
+                <a:ext cx="3106616" cy="3106616"/>
+                <a:chOff x="1514103" y="938728"/>
+                <a:chExt cx="2467708" cy="2467708"/>
+              </a:xfrm>
+            </p:grpSpPr>
+            <p:sp>
+              <p:nvSpPr>
+                <p:cNvPr id="47" name="弧形 46">
+                  <a:extLst>
+                    <a:ext uri="{FF2B5EF4-FFF2-40B4-BE49-F238E27FC236}">
+                      <a16:creationId xmlns:a16="http://schemas.microsoft.com/office/drawing/2014/main" id="{72367E5D-B6AD-28BF-ABCA-A02638C77F4C}"/>
+                    </a:ext>
+                  </a:extLst>
+                </p:cNvPr>
+                <p:cNvSpPr/>
+                <p:nvPr/>
+              </p:nvSpPr>
+              <p:spPr>
+                <a:xfrm rot="17787797">
+                  <a:off x="1514103" y="938728"/>
+                  <a:ext cx="2467708" cy="2467708"/>
+                </a:xfrm>
+                <a:prstGeom prst="arc">
+                  <a:avLst>
+                    <a:gd name="adj1" fmla="val 16200000"/>
+                    <a:gd name="adj2" fmla="val 13045664"/>
+                  </a:avLst>
+                </a:prstGeom>
+                <a:ln w="9525">
+                  <a:solidFill>
+                    <a:schemeClr val="tx1">
+                      <a:lumMod val="65000"/>
+                      <a:lumOff val="35000"/>
+                    </a:schemeClr>
+                  </a:solidFill>
+                </a:ln>
+              </p:spPr>
+              <p:style>
+                <a:lnRef idx="3">
+                  <a:schemeClr val="accent3"/>
+                </a:lnRef>
+                <a:fillRef idx="0">
+                  <a:schemeClr val="accent3"/>
+                </a:fillRef>
+                <a:effectRef idx="2">
+                  <a:schemeClr val="accent3"/>
+                </a:effectRef>
+                <a:fontRef idx="minor">
+                  <a:schemeClr val="tx1"/>
+                </a:fontRef>
+              </p:style>
+              <p:txBody>
+                <a:bodyPr rtlCol="0" anchor="ctr"/>
+                <a:lstStyle/>
+                <a:p>
+                  <a:pPr algn="ctr"/>
+                  <a:endParaRPr lang="zh-TW" altLang="en-US" dirty="0"/>
+                </a:p>
+              </p:txBody>
+            </p:sp>
+            <p:sp>
+              <p:nvSpPr>
+                <p:cNvPr id="48" name="橢圓 47">
+                  <a:extLst>
+                    <a:ext uri="{FF2B5EF4-FFF2-40B4-BE49-F238E27FC236}">
+                      <a16:creationId xmlns:a16="http://schemas.microsoft.com/office/drawing/2014/main" id="{476300C1-3641-B258-AF45-B88BF1432929}"/>
+                    </a:ext>
+                  </a:extLst>
+                </p:cNvPr>
+                <p:cNvSpPr/>
+                <p:nvPr/>
+              </p:nvSpPr>
+              <p:spPr>
+                <a:xfrm>
+                  <a:off x="1618836" y="1590103"/>
+                  <a:ext cx="55052" cy="55052"/>
+                </a:xfrm>
+                <a:prstGeom prst="ellipse">
+                  <a:avLst/>
+                </a:prstGeom>
+                <a:solidFill>
+                  <a:schemeClr val="bg2">
+                    <a:lumMod val="50000"/>
+                  </a:schemeClr>
+                </a:solidFill>
+                <a:ln>
+                  <a:noFill/>
+                </a:ln>
+              </p:spPr>
+              <p:style>
+                <a:lnRef idx="2">
+                  <a:schemeClr val="accent1">
+                    <a:shade val="15000"/>
+                  </a:schemeClr>
+                </a:lnRef>
+                <a:fillRef idx="1">
+                  <a:schemeClr val="accent1"/>
+                </a:fillRef>
+                <a:effectRef idx="0">
+                  <a:schemeClr val="accent1"/>
+                </a:effectRef>
+                <a:fontRef idx="minor">
+                  <a:schemeClr val="lt1"/>
+                </a:fontRef>
+              </p:style>
+              <p:txBody>
+                <a:bodyPr rtlCol="0" anchor="ctr"/>
+                <a:lstStyle/>
+                <a:p>
+                  <a:pPr algn="ctr"/>
+                  <a:endParaRPr lang="zh-TW" altLang="en-US"/>
+                </a:p>
+              </p:txBody>
+            </p:sp>
+          </p:grpSp>
+          <p:sp>
+            <p:nvSpPr>
+              <p:cNvPr id="46" name="橢圓 45">
+                <a:extLst>
+                  <a:ext uri="{FF2B5EF4-FFF2-40B4-BE49-F238E27FC236}">
+                    <a16:creationId xmlns:a16="http://schemas.microsoft.com/office/drawing/2014/main" id="{D44440B1-5476-BD7B-FB8E-71296221D9E1}"/>
+                  </a:ext>
+                </a:extLst>
+              </p:cNvPr>
+              <p:cNvSpPr/>
+              <p:nvPr/>
+            </p:nvSpPr>
+            <p:spPr>
+              <a:xfrm>
+                <a:off x="1408162" y="2953264"/>
+                <a:ext cx="69305" cy="69305"/>
+              </a:xfrm>
+              <a:prstGeom prst="ellipse">
+                <a:avLst/>
+              </a:prstGeom>
+              <a:solidFill>
+                <a:schemeClr val="bg2">
+                  <a:lumMod val="50000"/>
+                </a:schemeClr>
+              </a:solidFill>
+              <a:ln>
+                <a:noFill/>
+              </a:ln>
+            </p:spPr>
+            <p:style>
+              <a:lnRef idx="2">
+                <a:schemeClr val="accent1">
+                  <a:shade val="15000"/>
+                </a:schemeClr>
+              </a:lnRef>
+              <a:fillRef idx="1">
+                <a:schemeClr val="accent1"/>
+              </a:fillRef>
+              <a:effectRef idx="0">
+                <a:schemeClr val="accent1"/>
+              </a:effectRef>
+              <a:fontRef idx="minor">
+                <a:schemeClr val="lt1"/>
+              </a:fontRef>
+            </p:style>
+            <p:txBody>
+              <a:bodyPr rtlCol="0" anchor="ctr"/>
+              <a:lstStyle/>
+              <a:p>
+                <a:pPr algn="ctr"/>
+                <a:endParaRPr lang="zh-TW" altLang="en-US" dirty="0"/>
+              </a:p>
+            </p:txBody>
+          </p:sp>
+        </p:grpSp>
+        <p:grpSp>
+          <p:nvGrpSpPr>
+            <p:cNvPr id="15" name="群組 14">
+              <a:extLst>
+                <a:ext uri="{FF2B5EF4-FFF2-40B4-BE49-F238E27FC236}">
+                  <a16:creationId xmlns:a16="http://schemas.microsoft.com/office/drawing/2014/main" id="{E02A1AEE-05A1-3C1A-C076-052707EA7CB3}"/>
+                </a:ext>
+              </a:extLst>
+            </p:cNvPr>
+            <p:cNvGrpSpPr/>
+            <p:nvPr/>
+          </p:nvGrpSpPr>
+          <p:grpSpPr>
+            <a:xfrm>
+              <a:off x="591351" y="308165"/>
+              <a:ext cx="2380727" cy="2611820"/>
+              <a:chOff x="2270326" y="1361858"/>
+              <a:chExt cx="3576074" cy="3923197"/>
+            </a:xfrm>
+          </p:grpSpPr>
+          <p:sp>
+            <p:nvSpPr>
+              <p:cNvPr id="36" name="橢圓 35">
+                <a:extLst>
+                  <a:ext uri="{FF2B5EF4-FFF2-40B4-BE49-F238E27FC236}">
+                    <a16:creationId xmlns:a16="http://schemas.microsoft.com/office/drawing/2014/main" id="{33F097D9-4B7B-78B5-E1A3-145F1C075D0B}"/>
+                  </a:ext>
+                </a:extLst>
+              </p:cNvPr>
+              <p:cNvSpPr/>
+              <p:nvPr/>
+            </p:nvSpPr>
+            <p:spPr>
+              <a:xfrm>
+                <a:off x="3387969" y="2638641"/>
+                <a:ext cx="281353" cy="281353"/>
+              </a:xfrm>
+              <a:prstGeom prst="ellipse">
+                <a:avLst/>
+              </a:prstGeom>
+              <a:solidFill>
+                <a:schemeClr val="accent1">
+                  <a:lumMod val="20000"/>
+                  <a:lumOff val="80000"/>
+                </a:schemeClr>
+              </a:solidFill>
+              <a:ln>
+                <a:noFill/>
+              </a:ln>
+            </p:spPr>
+            <p:style>
+              <a:lnRef idx="2">
+                <a:schemeClr val="accent1">
+                  <a:shade val="15000"/>
+                </a:schemeClr>
+              </a:lnRef>
+              <a:fillRef idx="1">
+                <a:schemeClr val="accent1"/>
+              </a:fillRef>
+              <a:effectRef idx="0">
+                <a:schemeClr val="accent1"/>
+              </a:effectRef>
+              <a:fontRef idx="minor">
+                <a:schemeClr val="lt1"/>
+              </a:fontRef>
+            </p:style>
+            <p:txBody>
+              <a:bodyPr rtlCol="0" anchor="ctr"/>
+              <a:lstStyle/>
+              <a:p>
+                <a:pPr algn="ctr"/>
+                <a:endParaRPr lang="zh-TW" altLang="en-US"/>
+              </a:p>
+            </p:txBody>
+          </p:sp>
+          <p:sp>
+            <p:nvSpPr>
+              <p:cNvPr id="37" name="橢圓 36">
+                <a:extLst>
+                  <a:ext uri="{FF2B5EF4-FFF2-40B4-BE49-F238E27FC236}">
+                    <a16:creationId xmlns:a16="http://schemas.microsoft.com/office/drawing/2014/main" id="{A5B4E23C-CC0A-DD8D-8FE5-E4245805527C}"/>
+                  </a:ext>
+                </a:extLst>
+              </p:cNvPr>
+              <p:cNvSpPr/>
+              <p:nvPr/>
+            </p:nvSpPr>
+            <p:spPr>
+              <a:xfrm>
+                <a:off x="2824610" y="1361858"/>
+                <a:ext cx="746313" cy="746313"/>
+              </a:xfrm>
+              <a:prstGeom prst="ellipse">
+                <a:avLst/>
+              </a:prstGeom>
+              <a:solidFill>
+                <a:schemeClr val="tx1">
+                  <a:lumMod val="65000"/>
+                  <a:lumOff val="35000"/>
+                </a:schemeClr>
+              </a:solidFill>
+              <a:ln>
+                <a:noFill/>
+              </a:ln>
+            </p:spPr>
+            <p:style>
+              <a:lnRef idx="2">
+                <a:schemeClr val="accent1">
+                  <a:shade val="15000"/>
+                </a:schemeClr>
+              </a:lnRef>
+              <a:fillRef idx="1">
+                <a:schemeClr val="accent1"/>
+              </a:fillRef>
+              <a:effectRef idx="0">
+                <a:schemeClr val="accent1"/>
+              </a:effectRef>
+              <a:fontRef idx="minor">
+                <a:schemeClr val="lt1"/>
+              </a:fontRef>
+            </p:style>
+            <p:txBody>
+              <a:bodyPr rtlCol="0" anchor="ctr"/>
+              <a:lstStyle/>
+              <a:p>
+                <a:pPr algn="ctr"/>
+                <a:endParaRPr lang="zh-TW" altLang="en-US"/>
+              </a:p>
+            </p:txBody>
+          </p:sp>
+          <p:sp>
+            <p:nvSpPr>
+              <p:cNvPr id="38" name="橢圓 37">
+                <a:extLst>
+                  <a:ext uri="{FF2B5EF4-FFF2-40B4-BE49-F238E27FC236}">
+                    <a16:creationId xmlns:a16="http://schemas.microsoft.com/office/drawing/2014/main" id="{EF4706A5-C9D1-4F60-6814-6EF85C16B556}"/>
+                  </a:ext>
+                </a:extLst>
+              </p:cNvPr>
+              <p:cNvSpPr/>
+              <p:nvPr/>
+            </p:nvSpPr>
+            <p:spPr>
+              <a:xfrm>
+                <a:off x="5321302" y="2058377"/>
+                <a:ext cx="70339" cy="70339"/>
+              </a:xfrm>
+              <a:prstGeom prst="ellipse">
+                <a:avLst/>
+              </a:prstGeom>
+              <a:solidFill>
+                <a:schemeClr val="bg2">
+                  <a:lumMod val="75000"/>
+                </a:schemeClr>
+              </a:solidFill>
+              <a:ln>
+                <a:noFill/>
+              </a:ln>
+            </p:spPr>
+            <p:style>
+              <a:lnRef idx="2">
+                <a:schemeClr val="accent1">
+                  <a:shade val="15000"/>
+                </a:schemeClr>
+              </a:lnRef>
+              <a:fillRef idx="1">
+                <a:schemeClr val="accent1"/>
+              </a:fillRef>
+              <a:effectRef idx="0">
+                <a:schemeClr val="accent1"/>
+              </a:effectRef>
+              <a:fontRef idx="minor">
+                <a:schemeClr val="lt1"/>
+              </a:fontRef>
+            </p:style>
+            <p:txBody>
+              <a:bodyPr rtlCol="0" anchor="ctr"/>
+              <a:lstStyle/>
+              <a:p>
+                <a:pPr algn="ctr"/>
+                <a:endParaRPr lang="zh-TW" altLang="en-US"/>
+              </a:p>
+            </p:txBody>
+          </p:sp>
+          <p:sp>
+            <p:nvSpPr>
+              <p:cNvPr id="39" name="橢圓 38">
+                <a:extLst>
+                  <a:ext uri="{FF2B5EF4-FFF2-40B4-BE49-F238E27FC236}">
+                    <a16:creationId xmlns:a16="http://schemas.microsoft.com/office/drawing/2014/main" id="{D5E5E82E-D8F9-CF64-56D2-7CA4DE848CE9}"/>
+                  </a:ext>
+                </a:extLst>
+              </p:cNvPr>
+              <p:cNvSpPr/>
+              <p:nvPr/>
+            </p:nvSpPr>
+            <p:spPr>
+              <a:xfrm>
+                <a:off x="3594911" y="2628229"/>
+                <a:ext cx="2251489" cy="2251489"/>
+              </a:xfrm>
+              <a:prstGeom prst="ellipse">
+                <a:avLst/>
+              </a:prstGeom>
+              <a:solidFill>
+                <a:schemeClr val="tx2">
+                  <a:lumMod val="40000"/>
+                  <a:lumOff val="60000"/>
+                  <a:alpha val="41000"/>
+                </a:schemeClr>
+              </a:solidFill>
+              <a:ln>
+                <a:noFill/>
+              </a:ln>
+            </p:spPr>
+            <p:style>
+              <a:lnRef idx="2">
+                <a:schemeClr val="accent1">
+                  <a:shade val="15000"/>
+                </a:schemeClr>
+              </a:lnRef>
+              <a:fillRef idx="1">
+                <a:schemeClr val="accent1"/>
+              </a:fillRef>
+              <a:effectRef idx="0">
+                <a:schemeClr val="accent1"/>
+              </a:effectRef>
+              <a:fontRef idx="minor">
+                <a:schemeClr val="lt1"/>
+              </a:fontRef>
+            </p:style>
+            <p:txBody>
+              <a:bodyPr rtlCol="0" anchor="ctr"/>
+              <a:lstStyle/>
+              <a:p>
+                <a:pPr algn="ctr"/>
+                <a:endParaRPr lang="zh-TW" altLang="en-US" dirty="0"/>
+              </a:p>
+            </p:txBody>
+          </p:sp>
+          <p:sp>
+            <p:nvSpPr>
+              <p:cNvPr id="40" name="橢圓 39">
+                <a:extLst>
+                  <a:ext uri="{FF2B5EF4-FFF2-40B4-BE49-F238E27FC236}">
+                    <a16:creationId xmlns:a16="http://schemas.microsoft.com/office/drawing/2014/main" id="{8B87B70F-FD7A-ED0B-43CE-42C27F4D67C6}"/>
+                  </a:ext>
+                </a:extLst>
+              </p:cNvPr>
+              <p:cNvSpPr/>
+              <p:nvPr/>
+            </p:nvSpPr>
+            <p:spPr>
+              <a:xfrm>
+                <a:off x="3057090" y="4411827"/>
+                <a:ext cx="171084" cy="171084"/>
+              </a:xfrm>
+              <a:prstGeom prst="ellipse">
+                <a:avLst/>
+              </a:prstGeom>
+              <a:solidFill>
+                <a:schemeClr val="tx1">
+                  <a:lumMod val="85000"/>
+                  <a:lumOff val="15000"/>
+                </a:schemeClr>
+              </a:solidFill>
+              <a:ln>
+                <a:noFill/>
+              </a:ln>
+            </p:spPr>
+            <p:style>
+              <a:lnRef idx="2">
+                <a:schemeClr val="accent1">
+                  <a:shade val="15000"/>
+                </a:schemeClr>
+              </a:lnRef>
+              <a:fillRef idx="1">
+                <a:schemeClr val="accent1"/>
+              </a:fillRef>
+              <a:effectRef idx="0">
+                <a:schemeClr val="accent1"/>
+              </a:effectRef>
+              <a:fontRef idx="minor">
+                <a:schemeClr val="lt1"/>
+              </a:fontRef>
+            </p:style>
+            <p:txBody>
+              <a:bodyPr rtlCol="0" anchor="ctr"/>
+              <a:lstStyle/>
+              <a:p>
+                <a:pPr algn="ctr"/>
+                <a:endParaRPr lang="zh-TW" altLang="en-US"/>
+              </a:p>
+            </p:txBody>
+          </p:sp>
+          <p:sp>
+            <p:nvSpPr>
+              <p:cNvPr id="41" name="橢圓 40">
+                <a:extLst>
+                  <a:ext uri="{FF2B5EF4-FFF2-40B4-BE49-F238E27FC236}">
+                    <a16:creationId xmlns:a16="http://schemas.microsoft.com/office/drawing/2014/main" id="{E6A3AB82-6E87-FE06-5F2E-AA99AF350D57}"/>
+                  </a:ext>
+                </a:extLst>
+              </p:cNvPr>
+              <p:cNvSpPr/>
+              <p:nvPr/>
+            </p:nvSpPr>
+            <p:spPr>
+              <a:xfrm>
+                <a:off x="2707073" y="5012792"/>
+                <a:ext cx="272263" cy="272263"/>
+              </a:xfrm>
+              <a:prstGeom prst="ellipse">
+                <a:avLst/>
+              </a:prstGeom>
+              <a:solidFill>
+                <a:schemeClr val="bg1">
+                  <a:lumMod val="85000"/>
+                </a:schemeClr>
+              </a:solidFill>
+              <a:ln>
+                <a:noFill/>
+              </a:ln>
+            </p:spPr>
+            <p:style>
+              <a:lnRef idx="2">
+                <a:schemeClr val="accent1">
+                  <a:shade val="15000"/>
+                </a:schemeClr>
+              </a:lnRef>
+              <a:fillRef idx="1">
+                <a:schemeClr val="accent1"/>
+              </a:fillRef>
+              <a:effectRef idx="0">
+                <a:schemeClr val="accent1"/>
+              </a:effectRef>
+              <a:fontRef idx="minor">
+                <a:schemeClr val="lt1"/>
+              </a:fontRef>
+            </p:style>
+            <p:txBody>
+              <a:bodyPr rtlCol="0" anchor="ctr"/>
+              <a:lstStyle/>
+              <a:p>
+                <a:pPr algn="ctr"/>
+                <a:endParaRPr lang="zh-TW" altLang="en-US"/>
+              </a:p>
+            </p:txBody>
+          </p:sp>
+          <p:sp>
+            <p:nvSpPr>
+              <p:cNvPr id="42" name="橢圓 41">
+                <a:extLst>
+                  <a:ext uri="{FF2B5EF4-FFF2-40B4-BE49-F238E27FC236}">
+                    <a16:creationId xmlns:a16="http://schemas.microsoft.com/office/drawing/2014/main" id="{F0958A05-B844-5251-3354-A947D8CB6681}"/>
+                  </a:ext>
+                </a:extLst>
+              </p:cNvPr>
+              <p:cNvSpPr/>
+              <p:nvPr/>
+            </p:nvSpPr>
+            <p:spPr>
+              <a:xfrm>
+                <a:off x="2270326" y="2352973"/>
+                <a:ext cx="377772" cy="377772"/>
+              </a:xfrm>
+              <a:prstGeom prst="ellipse">
+                <a:avLst/>
+              </a:prstGeom>
+              <a:solidFill>
+                <a:schemeClr val="tx1">
+                  <a:lumMod val="50000"/>
+                  <a:lumOff val="50000"/>
+                </a:schemeClr>
+              </a:solidFill>
+              <a:ln>
+                <a:noFill/>
+              </a:ln>
+            </p:spPr>
+            <p:style>
+              <a:lnRef idx="2">
+                <a:schemeClr val="accent1">
+                  <a:shade val="15000"/>
+                </a:schemeClr>
+              </a:lnRef>
+              <a:fillRef idx="1">
+                <a:schemeClr val="accent1"/>
+              </a:fillRef>
+              <a:effectRef idx="0">
+                <a:schemeClr val="accent1"/>
+              </a:effectRef>
+              <a:fontRef idx="minor">
+                <a:schemeClr val="lt1"/>
+              </a:fontRef>
+            </p:style>
+            <p:txBody>
+              <a:bodyPr rtlCol="0" anchor="ctr"/>
+              <a:lstStyle/>
+              <a:p>
+                <a:pPr algn="ctr"/>
+                <a:endParaRPr lang="zh-TW" altLang="en-US"/>
+              </a:p>
+            </p:txBody>
+          </p:sp>
+        </p:grpSp>
+        <p:cxnSp>
+          <p:nvCxnSpPr>
+            <p:cNvPr id="21" name="直線接點 20">
+              <a:extLst>
+                <a:ext uri="{FF2B5EF4-FFF2-40B4-BE49-F238E27FC236}">
+                  <a16:creationId xmlns:a16="http://schemas.microsoft.com/office/drawing/2014/main" id="{2145E8E4-CFBF-11E6-DD11-1E6CB03379FB}"/>
+                </a:ext>
+              </a:extLst>
+            </p:cNvPr>
+            <p:cNvCxnSpPr>
+              <a:cxnSpLocks/>
+            </p:cNvCxnSpPr>
+            <p:nvPr/>
+          </p:nvCxnSpPr>
+          <p:spPr>
+            <a:xfrm>
+              <a:off x="2701343" y="1265866"/>
+              <a:ext cx="1901033" cy="0"/>
+            </a:xfrm>
+            <a:prstGeom prst="line">
+              <a:avLst/>
+            </a:prstGeom>
+            <a:ln>
+              <a:solidFill>
+                <a:schemeClr val="accent3"/>
+              </a:solidFill>
+            </a:ln>
+          </p:spPr>
+          <p:style>
+            <a:lnRef idx="1">
+              <a:schemeClr val="accent1"/>
+            </a:lnRef>
+            <a:fillRef idx="0">
+              <a:schemeClr val="accent1"/>
+            </a:fillRef>
+            <a:effectRef idx="0">
+              <a:schemeClr val="accent1"/>
+            </a:effectRef>
+            <a:fontRef idx="minor">
+              <a:schemeClr val="tx1"/>
+            </a:fontRef>
+          </p:style>
+        </p:cxnSp>
+        <p:sp>
+          <p:nvSpPr>
+            <p:cNvPr id="22" name="橢圓 21">
+              <a:extLst>
+                <a:ext uri="{FF2B5EF4-FFF2-40B4-BE49-F238E27FC236}">
+                  <a16:creationId xmlns:a16="http://schemas.microsoft.com/office/drawing/2014/main" id="{68EA2866-E574-A66E-306D-F9FCFDCE83D2}"/>
+                </a:ext>
+              </a:extLst>
+            </p:cNvPr>
+            <p:cNvSpPr/>
+            <p:nvPr/>
+          </p:nvSpPr>
+          <p:spPr>
+            <a:xfrm>
+              <a:off x="4522767" y="1186257"/>
+              <a:ext cx="159219" cy="159219"/>
+            </a:xfrm>
+            <a:prstGeom prst="ellipse">
+              <a:avLst/>
+            </a:prstGeom>
+            <a:solidFill>
+              <a:schemeClr val="accent3"/>
+            </a:solidFill>
+            <a:ln>
+              <a:noFill/>
+            </a:ln>
+          </p:spPr>
+          <p:style>
+            <a:lnRef idx="2">
+              <a:schemeClr val="accent1">
+                <a:shade val="15000"/>
+              </a:schemeClr>
+            </a:lnRef>
+            <a:fillRef idx="1">
+              <a:schemeClr val="accent1"/>
+            </a:fillRef>
+            <a:effectRef idx="0">
+              <a:schemeClr val="accent1"/>
+            </a:effectRef>
+            <a:fontRef idx="minor">
+              <a:schemeClr val="lt1"/>
+            </a:fontRef>
+          </p:style>
+          <p:txBody>
+            <a:bodyPr rtlCol="0" anchor="ctr"/>
+            <a:lstStyle/>
+            <a:p>
+              <a:pPr algn="ctr"/>
+              <a:endParaRPr lang="zh-TW" altLang="en-US" dirty="0"/>
+            </a:p>
+          </p:txBody>
+        </p:sp>
+        <p:sp>
+          <p:nvSpPr>
+            <p:cNvPr id="2" name="橢圓 1">
+              <a:extLst>
+                <a:ext uri="{FF2B5EF4-FFF2-40B4-BE49-F238E27FC236}">
+                  <a16:creationId xmlns:a16="http://schemas.microsoft.com/office/drawing/2014/main" id="{C6443E66-320E-9429-4B43-27F7561BCB60}"/>
+                </a:ext>
+              </a:extLst>
+            </p:cNvPr>
+            <p:cNvSpPr/>
+            <p:nvPr/>
+          </p:nvSpPr>
+          <p:spPr>
+            <a:xfrm>
+              <a:off x="3129111" y="2818166"/>
+              <a:ext cx="329034" cy="329034"/>
+            </a:xfrm>
+            <a:prstGeom prst="ellipse">
+              <a:avLst/>
+            </a:prstGeom>
+            <a:solidFill>
+              <a:schemeClr val="tx2">
+                <a:lumMod val="40000"/>
+                <a:lumOff val="60000"/>
+                <a:alpha val="57000"/>
+              </a:schemeClr>
+            </a:solidFill>
+            <a:ln>
+              <a:noFill/>
+            </a:ln>
+          </p:spPr>
+          <p:style>
+            <a:lnRef idx="2">
+              <a:schemeClr val="accent1">
+                <a:shade val="15000"/>
+              </a:schemeClr>
+            </a:lnRef>
+            <a:fillRef idx="1">
+              <a:schemeClr val="accent1"/>
+            </a:fillRef>
+            <a:effectRef idx="0">
+              <a:schemeClr val="accent1"/>
+            </a:effectRef>
+            <a:fontRef idx="minor">
+              <a:schemeClr val="lt1"/>
+            </a:fontRef>
+          </p:style>
+          <p:txBody>
+            <a:bodyPr rtlCol="0" anchor="ctr"/>
+            <a:lstStyle/>
+            <a:p>
+              <a:pPr algn="ctr"/>
+              <a:endParaRPr lang="zh-TW" altLang="en-US" dirty="0"/>
+            </a:p>
+          </p:txBody>
+        </p:sp>
+        <p:sp>
+          <p:nvSpPr>
+            <p:cNvPr id="3" name="橢圓 2">
+              <a:extLst>
+                <a:ext uri="{FF2B5EF4-FFF2-40B4-BE49-F238E27FC236}">
+                  <a16:creationId xmlns:a16="http://schemas.microsoft.com/office/drawing/2014/main" id="{15C92FD1-5285-A907-4D3F-13574418D3AC}"/>
+                </a:ext>
+              </a:extLst>
+            </p:cNvPr>
+            <p:cNvSpPr/>
+            <p:nvPr/>
+          </p:nvSpPr>
+          <p:spPr>
+            <a:xfrm>
+              <a:off x="2491589" y="2320554"/>
+              <a:ext cx="444213" cy="444213"/>
+            </a:xfrm>
+            <a:prstGeom prst="ellipse">
+              <a:avLst/>
+            </a:prstGeom>
+            <a:solidFill>
+              <a:schemeClr val="tx2">
+                <a:lumMod val="40000"/>
+                <a:lumOff val="60000"/>
+                <a:alpha val="57000"/>
+              </a:schemeClr>
+            </a:solidFill>
+            <a:ln>
+              <a:noFill/>
+            </a:ln>
+          </p:spPr>
+          <p:style>
+            <a:lnRef idx="2">
+              <a:schemeClr val="accent1">
+                <a:shade val="15000"/>
+              </a:schemeClr>
+            </a:lnRef>
+            <a:fillRef idx="1">
+              <a:schemeClr val="accent1"/>
+            </a:fillRef>
+            <a:effectRef idx="0">
+              <a:schemeClr val="accent1"/>
+            </a:effectRef>
+            <a:fontRef idx="minor">
+              <a:schemeClr val="lt1"/>
+            </a:fontRef>
+          </p:style>
+          <p:txBody>
+            <a:bodyPr rtlCol="0" anchor="ctr"/>
+            <a:lstStyle/>
+            <a:p>
+              <a:pPr algn="ctr"/>
+              <a:endParaRPr lang="zh-TW" altLang="en-US" dirty="0"/>
+            </a:p>
+          </p:txBody>
+        </p:sp>
+        <p:sp>
+          <p:nvSpPr>
+            <p:cNvPr id="20" name="橢圓 19">
+              <a:hlinkClick r:id="rId2" action="ppaction://hlinksldjump"/>
+              <a:extLst>
+                <a:ext uri="{FF2B5EF4-FFF2-40B4-BE49-F238E27FC236}">
+                  <a16:creationId xmlns:a16="http://schemas.microsoft.com/office/drawing/2014/main" id="{28FBE5F2-A886-8EAD-67B0-5C36460B8C3D}"/>
+                </a:ext>
+              </a:extLst>
+            </p:cNvPr>
+            <p:cNvSpPr/>
+            <p:nvPr/>
+          </p:nvSpPr>
+          <p:spPr>
+            <a:xfrm>
+              <a:off x="1646950" y="1362991"/>
+              <a:ext cx="430331" cy="430331"/>
+            </a:xfrm>
+            <a:prstGeom prst="ellipse">
+              <a:avLst/>
+            </a:prstGeom>
+            <a:solidFill>
+              <a:schemeClr val="tx2">
+                <a:lumMod val="75000"/>
+              </a:schemeClr>
+            </a:solidFill>
+            <a:ln>
+              <a:noFill/>
+            </a:ln>
+            <a:effectLst>
+              <a:outerShdw blurRad="50800" dist="38100" dir="2700000" algn="tl" rotWithShape="0">
+                <a:prstClr val="black">
+                  <a:alpha val="40000"/>
+                </a:prstClr>
+              </a:outerShdw>
+            </a:effectLst>
+          </p:spPr>
+          <p:style>
+            <a:lnRef idx="2">
+              <a:schemeClr val="accent1">
+                <a:shade val="15000"/>
+              </a:schemeClr>
+            </a:lnRef>
+            <a:fillRef idx="1">
+              <a:schemeClr val="accent1"/>
+            </a:fillRef>
+            <a:effectRef idx="0">
+              <a:schemeClr val="accent1"/>
+            </a:effectRef>
+            <a:fontRef idx="minor">
+              <a:schemeClr val="lt1"/>
+            </a:fontRef>
+          </p:style>
+          <p:txBody>
+            <a:bodyPr rtlCol="0" anchor="ctr"/>
+            <a:lstStyle/>
+            <a:p>
+              <a:pPr algn="ctr"/>
+              <a:endParaRPr lang="zh-TW" altLang="en-US" u="sng" dirty="0">
+                <a:latin typeface="臺灣道路體 1.0 Regular" panose="020B0506020000000000" pitchFamily="34" charset="-120"/>
+                <a:ea typeface="臺灣道路體 1.0 Regular" panose="020B0506020000000000" pitchFamily="34" charset="-120"/>
+              </a:endParaRPr>
+            </a:p>
+          </p:txBody>
+        </p:sp>
+      </p:grpSp>
+      <p:sp>
+        <p:nvSpPr>
+          <p:cNvPr id="7" name="文字方塊 6">
+            <a:extLst>
+              <a:ext uri="{FF2B5EF4-FFF2-40B4-BE49-F238E27FC236}">
+                <a16:creationId xmlns:a16="http://schemas.microsoft.com/office/drawing/2014/main" id="{E5F047AE-4DDA-07D6-ABE1-BE1166055DDE}"/>
+              </a:ext>
+            </a:extLst>
+          </p:cNvPr>
+          <p:cNvSpPr txBox="1"/>
+          <p:nvPr/>
+        </p:nvSpPr>
+        <p:spPr>
+          <a:xfrm>
+            <a:off x="3047432" y="710554"/>
+            <a:ext cx="6097136" cy="461665"/>
+          </a:xfrm>
+          <a:prstGeom prst="rect">
+            <a:avLst/>
+          </a:prstGeom>
+          <a:noFill/>
+        </p:spPr>
+        <p:txBody>
+          <a:bodyPr wrap="square">
+            <a:spAutoFit/>
+          </a:bodyPr>
+          <a:lstStyle/>
+          <a:p>
+            <a:r>
+              <a:rPr lang="zh-TW" altLang="en-US" sz="2400" dirty="0">
+                <a:latin typeface="臺灣道路體 1.0 Regular" panose="020B0506020000000000" pitchFamily="34" charset="-120"/>
+                <a:ea typeface="臺灣道路體 1.0 Regular" panose="020B0506020000000000" pitchFamily="34" charset="-120"/>
+              </a:rPr>
+              <a:t>附錄及引用網址</a:t>
+            </a:r>
+            <a:endParaRPr lang="en-US" altLang="zh-TW" sz="2400" dirty="0">
+              <a:latin typeface="臺灣道路體 1.0 Regular" panose="020B0506020000000000" pitchFamily="34" charset="-120"/>
+              <a:ea typeface="臺灣道路體 1.0 Regular" panose="020B0506020000000000" pitchFamily="34" charset="-120"/>
+            </a:endParaRPr>
+          </a:p>
+        </p:txBody>
+      </p:sp>
+      <p:sp>
+        <p:nvSpPr>
+          <p:cNvPr id="10" name="文字方塊 9">
+            <a:extLst>
+              <a:ext uri="{FF2B5EF4-FFF2-40B4-BE49-F238E27FC236}">
+                <a16:creationId xmlns:a16="http://schemas.microsoft.com/office/drawing/2014/main" id="{8F345FB3-4E8E-2A69-006E-8CC1618390FA}"/>
+              </a:ext>
+            </a:extLst>
+          </p:cNvPr>
+          <p:cNvSpPr txBox="1"/>
+          <p:nvPr/>
+        </p:nvSpPr>
+        <p:spPr>
+          <a:xfrm>
+            <a:off x="4488955" y="1784852"/>
+            <a:ext cx="5728360" cy="3970318"/>
+          </a:xfrm>
+          <a:prstGeom prst="rect">
+            <a:avLst/>
+          </a:prstGeom>
+          <a:noFill/>
+        </p:spPr>
+        <p:txBody>
+          <a:bodyPr wrap="square">
+            <a:spAutoFit/>
+          </a:bodyPr>
+          <a:lstStyle/>
+          <a:p>
+            <a:r>
+              <a:rPr lang="zh-TW" altLang="en-US" sz="1200" dirty="0">
+                <a:latin typeface="臺灣道路體 1.0 Regular" panose="020B0506020000000000" pitchFamily="34" charset="-120"/>
+                <a:ea typeface="臺灣道路體 1.0 Regular" panose="020B0506020000000000" pitchFamily="34" charset="-120"/>
+              </a:rPr>
+              <a:t>太陽能計算：</a:t>
+            </a:r>
+            <a:endParaRPr lang="en-US" altLang="zh-TW" sz="1200" dirty="0">
+              <a:latin typeface="臺灣道路體 1.0 Regular" panose="020B0506020000000000" pitchFamily="34" charset="-120"/>
+              <a:ea typeface="臺灣道路體 1.0 Regular" panose="020B0506020000000000" pitchFamily="34" charset="-120"/>
+            </a:endParaRPr>
+          </a:p>
+          <a:p>
+            <a:r>
+              <a:rPr lang="en-US" altLang="zh-TW" sz="1200" dirty="0">
+                <a:latin typeface="臺灣道路體 1.0 Regular" panose="020B0506020000000000" pitchFamily="34" charset="-120"/>
+                <a:ea typeface="臺灣道路體 1.0 Regular" panose="020B0506020000000000" pitchFamily="34" charset="-120"/>
+              </a:rPr>
+              <a:t>[</a:t>
+            </a:r>
+            <a:r>
+              <a:rPr lang="zh-TW" altLang="en-US" sz="1200" dirty="0">
+                <a:latin typeface="臺灣道路體 1.0 Regular" panose="020B0506020000000000" pitchFamily="34" charset="-120"/>
+                <a:ea typeface="臺灣道路體 1.0 Regular" panose="020B0506020000000000" pitchFamily="34" charset="-120"/>
+              </a:rPr>
+              <a:t>Solarmazd​</a:t>
+            </a:r>
+            <a:r>
+              <a:rPr lang="en-US" altLang="zh-TW" sz="1200" dirty="0">
+                <a:latin typeface="臺灣道路體 1.0 Regular" panose="020B0506020000000000" pitchFamily="34" charset="-120"/>
+                <a:ea typeface="臺灣道路體 1.0 Regular" panose="020B0506020000000000" pitchFamily="34" charset="-120"/>
+              </a:rPr>
+              <a:t>]</a:t>
+            </a:r>
+            <a:r>
+              <a:rPr lang="zh-TW" altLang="en-US" sz="1200" dirty="0">
+                <a:latin typeface="臺灣道路體 1.0 Regular" panose="020B0506020000000000" pitchFamily="34" charset="-120"/>
+                <a:ea typeface="臺灣道路體 1.0 Regular" panose="020B0506020000000000" pitchFamily="34" charset="-120"/>
+              </a:rPr>
+              <a:t>(</a:t>
+            </a:r>
+            <a:r>
+              <a:rPr lang="zh-TW" altLang="en-US" sz="1200" dirty="0">
+                <a:latin typeface="臺灣道路體 1.0 Regular" panose="020B0506020000000000" pitchFamily="34" charset="-120"/>
+                <a:ea typeface="臺灣道路體 1.0 Regular" panose="020B0506020000000000" pitchFamily="34" charset="-120"/>
+                <a:hlinkClick r:id="rId3"/>
+              </a:rPr>
+              <a:t>https://solarmazd.com/peak-sun-hours-psh-what-does-it-mean-and-how-to-estimate-it/</a:t>
+            </a:r>
+            <a:r>
+              <a:rPr lang="zh-TW" altLang="en-US" sz="1200" dirty="0">
+                <a:latin typeface="臺灣道路體 1.0 Regular" panose="020B0506020000000000" pitchFamily="34" charset="-120"/>
+                <a:ea typeface="臺灣道路體 1.0 Regular" panose="020B0506020000000000" pitchFamily="34" charset="-120"/>
+              </a:rPr>
+              <a:t>)</a:t>
+            </a:r>
+            <a:endParaRPr lang="en-US" altLang="zh-TW" sz="1200" dirty="0">
+              <a:latin typeface="臺灣道路體 1.0 Regular" panose="020B0506020000000000" pitchFamily="34" charset="-120"/>
+              <a:ea typeface="臺灣道路體 1.0 Regular" panose="020B0506020000000000" pitchFamily="34" charset="-120"/>
+            </a:endParaRPr>
+          </a:p>
+          <a:p>
+            <a:r>
+              <a:rPr lang="en-US" altLang="zh-TW" sz="1200" dirty="0">
+                <a:latin typeface="臺灣道路體 1.0 Regular" panose="020B0506020000000000" pitchFamily="34" charset="-120"/>
+                <a:ea typeface="臺灣道路體 1.0 Regular" panose="020B0506020000000000" pitchFamily="34" charset="-120"/>
+              </a:rPr>
+              <a:t>[</a:t>
+            </a:r>
+            <a:r>
+              <a:rPr lang="zh-TW" altLang="en-US" sz="1200" dirty="0">
+                <a:latin typeface="臺灣道路體 1.0 Regular" panose="020B0506020000000000" pitchFamily="34" charset="-120"/>
+                <a:ea typeface="臺灣道路體 1.0 Regular" panose="020B0506020000000000" pitchFamily="34" charset="-120"/>
+              </a:rPr>
+              <a:t>RenewableWise​</a:t>
+            </a:r>
+            <a:r>
+              <a:rPr lang="en-US" altLang="zh-TW" sz="1200" dirty="0">
+                <a:latin typeface="臺灣道路體 1.0 Regular" panose="020B0506020000000000" pitchFamily="34" charset="-120"/>
+                <a:ea typeface="臺灣道路體 1.0 Regular" panose="020B0506020000000000" pitchFamily="34" charset="-120"/>
+              </a:rPr>
+              <a:t>]</a:t>
+            </a:r>
+            <a:r>
+              <a:rPr lang="zh-TW" altLang="en-US" sz="1200" dirty="0">
+                <a:latin typeface="臺灣道路體 1.0 Regular" panose="020B0506020000000000" pitchFamily="34" charset="-120"/>
+                <a:ea typeface="臺灣道路體 1.0 Regular" panose="020B0506020000000000" pitchFamily="34" charset="-120"/>
+              </a:rPr>
+              <a:t>(</a:t>
+            </a:r>
+            <a:r>
+              <a:rPr lang="zh-TW" altLang="en-US" sz="1200" dirty="0">
+                <a:latin typeface="臺灣道路體 1.0 Regular" panose="020B0506020000000000" pitchFamily="34" charset="-120"/>
+                <a:ea typeface="臺灣道路體 1.0 Regular" panose="020B0506020000000000" pitchFamily="34" charset="-120"/>
+                <a:hlinkClick r:id="rId4"/>
+              </a:rPr>
+              <a:t>https://www.renewablewise.com/peak-sun-hours-calculator/</a:t>
+            </a:r>
+            <a:r>
+              <a:rPr lang="zh-TW" altLang="en-US" sz="1200" dirty="0">
+                <a:latin typeface="臺灣道路體 1.0 Regular" panose="020B0506020000000000" pitchFamily="34" charset="-120"/>
+                <a:ea typeface="臺灣道路體 1.0 Regular" panose="020B0506020000000000" pitchFamily="34" charset="-120"/>
+              </a:rPr>
+              <a:t>)</a:t>
+            </a:r>
+            <a:endParaRPr lang="en-US" altLang="zh-TW" sz="1200" dirty="0">
+              <a:latin typeface="臺灣道路體 1.0 Regular" panose="020B0506020000000000" pitchFamily="34" charset="-120"/>
+              <a:ea typeface="臺灣道路體 1.0 Regular" panose="020B0506020000000000" pitchFamily="34" charset="-120"/>
+            </a:endParaRPr>
+          </a:p>
+          <a:p>
+            <a:r>
+              <a:rPr lang="en-US" altLang="zh-TW" sz="1200" dirty="0">
+                <a:latin typeface="臺灣道路體 1.0 Regular" panose="020B0506020000000000" pitchFamily="34" charset="-120"/>
+                <a:ea typeface="臺灣道路體 1.0 Regular" panose="020B0506020000000000" pitchFamily="34" charset="-120"/>
+              </a:rPr>
+              <a:t>[</a:t>
+            </a:r>
+            <a:r>
+              <a:rPr lang="zh-TW" altLang="en-US" sz="1200" dirty="0">
+                <a:latin typeface="臺灣道路體 1.0 Regular" panose="020B0506020000000000" pitchFamily="34" charset="-120"/>
+                <a:ea typeface="臺灣道路體 1.0 Regular" panose="020B0506020000000000" pitchFamily="34" charset="-120"/>
+              </a:rPr>
+              <a:t>Palmetto​</a:t>
+            </a:r>
+            <a:r>
+              <a:rPr lang="en-US" altLang="zh-TW" sz="1200" dirty="0">
+                <a:latin typeface="臺灣道路體 1.0 Regular" panose="020B0506020000000000" pitchFamily="34" charset="-120"/>
+                <a:ea typeface="臺灣道路體 1.0 Regular" panose="020B0506020000000000" pitchFamily="34" charset="-120"/>
+              </a:rPr>
+              <a:t>]</a:t>
+            </a:r>
+            <a:r>
+              <a:rPr lang="zh-TW" altLang="en-US" sz="1200" dirty="0">
+                <a:latin typeface="臺灣道路體 1.0 Regular" panose="020B0506020000000000" pitchFamily="34" charset="-120"/>
+                <a:ea typeface="臺灣道路體 1.0 Regular" panose="020B0506020000000000" pitchFamily="34" charset="-120"/>
+              </a:rPr>
+              <a:t>(</a:t>
+            </a:r>
+            <a:r>
+              <a:rPr lang="zh-TW" altLang="en-US" sz="1200" dirty="0">
+                <a:latin typeface="臺灣道路體 1.0 Regular" panose="020B0506020000000000" pitchFamily="34" charset="-120"/>
+                <a:ea typeface="臺灣道路體 1.0 Regular" panose="020B0506020000000000" pitchFamily="34" charset="-120"/>
+                <a:hlinkClick r:id="rId5"/>
+              </a:rPr>
+              <a:t>https://palmetto.com/solar/what-are-peak-sun-hours</a:t>
+            </a:r>
+            <a:r>
+              <a:rPr lang="zh-TW" altLang="en-US" sz="1200" dirty="0">
+                <a:latin typeface="臺灣道路體 1.0 Regular" panose="020B0506020000000000" pitchFamily="34" charset="-120"/>
+                <a:ea typeface="臺灣道路體 1.0 Regular" panose="020B0506020000000000" pitchFamily="34" charset="-120"/>
+              </a:rPr>
+              <a:t>)</a:t>
+            </a:r>
+            <a:endParaRPr lang="en-US" altLang="zh-TW" sz="1200" dirty="0">
+              <a:latin typeface="臺灣道路體 1.0 Regular" panose="020B0506020000000000" pitchFamily="34" charset="-120"/>
+              <a:ea typeface="臺灣道路體 1.0 Regular" panose="020B0506020000000000" pitchFamily="34" charset="-120"/>
+            </a:endParaRPr>
+          </a:p>
+          <a:p>
+            <a:r>
+              <a:rPr lang="en-US" altLang="zh-TW" sz="1200" dirty="0">
+                <a:latin typeface="臺灣道路體 1.0 Regular" panose="020B0506020000000000" pitchFamily="34" charset="-120"/>
+                <a:ea typeface="臺灣道路體 1.0 Regular" panose="020B0506020000000000" pitchFamily="34" charset="-120"/>
+              </a:rPr>
+              <a:t>[</a:t>
+            </a:r>
+            <a:r>
+              <a:rPr lang="zh-TW" altLang="en-US" sz="1200" dirty="0">
+                <a:latin typeface="臺灣道路體 1.0 Regular" panose="020B0506020000000000" pitchFamily="34" charset="-120"/>
+                <a:ea typeface="臺灣道路體 1.0 Regular" panose="020B0506020000000000" pitchFamily="34" charset="-120"/>
+              </a:rPr>
+              <a:t>Dot Watts​</a:t>
+            </a:r>
+            <a:r>
+              <a:rPr lang="en-US" altLang="zh-TW" sz="1200" dirty="0">
+                <a:latin typeface="臺灣道路體 1.0 Regular" panose="020B0506020000000000" pitchFamily="34" charset="-120"/>
+                <a:ea typeface="臺灣道路體 1.0 Regular" panose="020B0506020000000000" pitchFamily="34" charset="-120"/>
+              </a:rPr>
+              <a:t>]</a:t>
+            </a:r>
+            <a:r>
+              <a:rPr lang="zh-TW" altLang="en-US" sz="1200" dirty="0">
+                <a:latin typeface="臺灣道路體 1.0 Regular" panose="020B0506020000000000" pitchFamily="34" charset="-120"/>
+                <a:ea typeface="臺灣道路體 1.0 Regular" panose="020B0506020000000000" pitchFamily="34" charset="-120"/>
+              </a:rPr>
+              <a:t>(</a:t>
+            </a:r>
+            <a:r>
+              <a:rPr lang="zh-TW" altLang="en-US" sz="1200" dirty="0">
+                <a:latin typeface="臺灣道路體 1.0 Regular" panose="020B0506020000000000" pitchFamily="34" charset="-120"/>
+                <a:ea typeface="臺灣道路體 1.0 Regular" panose="020B0506020000000000" pitchFamily="34" charset="-120"/>
+                <a:hlinkClick r:id="rId6"/>
+              </a:rPr>
+              <a:t>https://palmetto.com/solar/what-are-peak-sun-hours)</a:t>
+            </a:r>
+            <a:endParaRPr lang="en-US" altLang="zh-TW" sz="1200" dirty="0">
+              <a:latin typeface="臺灣道路體 1.0 Regular" panose="020B0506020000000000" pitchFamily="34" charset="-120"/>
+              <a:ea typeface="臺灣道路體 1.0 Regular" panose="020B0506020000000000" pitchFamily="34" charset="-120"/>
+            </a:endParaRPr>
+          </a:p>
+          <a:p>
+            <a:endParaRPr lang="en-US" altLang="zh-TW" sz="1200" dirty="0">
+              <a:latin typeface="臺灣道路體 1.0 Regular" panose="020B0506020000000000" pitchFamily="34" charset="-120"/>
+              <a:ea typeface="臺灣道路體 1.0 Regular" panose="020B0506020000000000" pitchFamily="34" charset="-120"/>
+            </a:endParaRPr>
+          </a:p>
+          <a:p>
+            <a:r>
+              <a:rPr lang="zh-TW" altLang="en-US" sz="1200" dirty="0">
+                <a:latin typeface="臺灣道路體 1.0 Regular" panose="020B0506020000000000" pitchFamily="34" charset="-120"/>
+                <a:ea typeface="臺灣道路體 1.0 Regular" panose="020B0506020000000000" pitchFamily="34" charset="-120"/>
+              </a:rPr>
+              <a:t>數據來源：</a:t>
+            </a:r>
+            <a:endParaRPr lang="en-US" altLang="zh-TW" sz="1200" dirty="0">
+              <a:latin typeface="臺灣道路體 1.0 Regular" panose="020B0506020000000000" pitchFamily="34" charset="-120"/>
+              <a:ea typeface="臺灣道路體 1.0 Regular" panose="020B0506020000000000" pitchFamily="34" charset="-120"/>
+            </a:endParaRPr>
+          </a:p>
+          <a:p>
+            <a:r>
+              <a:rPr lang="zh-TW" altLang="en-US" sz="1200" dirty="0">
+                <a:latin typeface="臺灣道路體 1.0 Regular" panose="020B0506020000000000" pitchFamily="34" charset="-120"/>
+                <a:ea typeface="臺灣道路體 1.0 Regular" panose="020B0506020000000000" pitchFamily="34" charset="-120"/>
+              </a:rPr>
+              <a:t>交通部中央氣象署 首頁</a:t>
+            </a:r>
+            <a:r>
+              <a:rPr lang="en-US" altLang="zh-TW" sz="1200" dirty="0">
+                <a:latin typeface="臺灣道路體 1.0 Regular" panose="020B0506020000000000" pitchFamily="34" charset="-120"/>
+                <a:ea typeface="臺灣道路體 1.0 Regular" panose="020B0506020000000000" pitchFamily="34" charset="-120"/>
+              </a:rPr>
+              <a:t>&gt;</a:t>
+            </a:r>
+            <a:r>
+              <a:rPr lang="zh-TW" altLang="en-US" sz="1200" dirty="0">
+                <a:latin typeface="臺灣道路體 1.0 Regular" panose="020B0506020000000000" pitchFamily="34" charset="-120"/>
+                <a:ea typeface="臺灣道路體 1.0 Regular" panose="020B0506020000000000" pitchFamily="34" charset="-120"/>
+              </a:rPr>
+              <a:t>生活</a:t>
+            </a:r>
+            <a:r>
+              <a:rPr lang="en-US" altLang="zh-TW" sz="1200" dirty="0">
+                <a:latin typeface="臺灣道路體 1.0 Regular" panose="020B0506020000000000" pitchFamily="34" charset="-120"/>
+                <a:ea typeface="臺灣道路體 1.0 Regular" panose="020B0506020000000000" pitchFamily="34" charset="-120"/>
+              </a:rPr>
+              <a:t>&gt;</a:t>
+            </a:r>
+            <a:r>
+              <a:rPr lang="zh-TW" altLang="en-US" sz="1200" dirty="0">
+                <a:latin typeface="臺灣道路體 1.0 Regular" panose="020B0506020000000000" pitchFamily="34" charset="-120"/>
+                <a:ea typeface="臺灣道路體 1.0 Regular" panose="020B0506020000000000" pitchFamily="34" charset="-120"/>
+              </a:rPr>
+              <a:t>農業</a:t>
+            </a:r>
+            <a:r>
+              <a:rPr lang="en-US" altLang="zh-TW" sz="1200" dirty="0">
+                <a:latin typeface="臺灣道路體 1.0 Regular" panose="020B0506020000000000" pitchFamily="34" charset="-120"/>
+                <a:ea typeface="臺灣道路體 1.0 Regular" panose="020B0506020000000000" pitchFamily="34" charset="-120"/>
+              </a:rPr>
+              <a:t>&gt;</a:t>
+            </a:r>
+            <a:r>
+              <a:rPr lang="zh-TW" altLang="en-US" sz="1200" dirty="0">
+                <a:latin typeface="臺灣道路體 1.0 Regular" panose="020B0506020000000000" pitchFamily="34" charset="-120"/>
+                <a:ea typeface="臺灣道路體 1.0 Regular" panose="020B0506020000000000" pitchFamily="34" charset="-120"/>
+              </a:rPr>
+              <a:t>農業觀測</a:t>
+            </a:r>
+            <a:r>
+              <a:rPr lang="en-US" altLang="zh-TW" sz="1200" dirty="0">
+                <a:latin typeface="臺灣道路體 1.0 Regular" panose="020B0506020000000000" pitchFamily="34" charset="-120"/>
+                <a:ea typeface="臺灣道路體 1.0 Regular" panose="020B0506020000000000" pitchFamily="34" charset="-120"/>
+              </a:rPr>
+              <a:t>&gt;</a:t>
+            </a:r>
+            <a:r>
+              <a:rPr lang="zh-TW" altLang="en-US" sz="1200" dirty="0">
+                <a:latin typeface="臺灣道路體 1.0 Regular" panose="020B0506020000000000" pitchFamily="34" charset="-120"/>
+                <a:ea typeface="臺灣道路體 1.0 Regular" panose="020B0506020000000000" pitchFamily="34" charset="-120"/>
+              </a:rPr>
+              <a:t>全部觀測網月資料</a:t>
+            </a:r>
+            <a:r>
+              <a:rPr lang="en-US" altLang="zh-TW" sz="1200" dirty="0">
+                <a:latin typeface="臺灣道路體 1.0 Regular" panose="020B0506020000000000" pitchFamily="34" charset="-120"/>
+                <a:ea typeface="臺灣道路體 1.0 Regular" panose="020B0506020000000000" pitchFamily="34" charset="-120"/>
+              </a:rPr>
+              <a:t>(</a:t>
+            </a:r>
+            <a:r>
+              <a:rPr lang="en-US" altLang="zh-TW" sz="1200" dirty="0">
+                <a:latin typeface="臺灣道路體 1.0 Regular" panose="020B0506020000000000" pitchFamily="34" charset="-120"/>
+                <a:ea typeface="臺灣道路體 1.0 Regular" panose="020B0506020000000000" pitchFamily="34" charset="-120"/>
+                <a:hlinkClick r:id="rId7"/>
+              </a:rPr>
+              <a:t>https://www.cwa.gov.tw/V8/C/L/Agri/Agri_month_All.html</a:t>
+            </a:r>
+            <a:r>
+              <a:rPr lang="en-US" altLang="zh-TW" sz="1200" dirty="0">
+                <a:latin typeface="臺灣道路體 1.0 Regular" panose="020B0506020000000000" pitchFamily="34" charset="-120"/>
+                <a:ea typeface="臺灣道路體 1.0 Regular" panose="020B0506020000000000" pitchFamily="34" charset="-120"/>
+              </a:rPr>
+              <a:t>)</a:t>
+            </a:r>
+          </a:p>
+          <a:p>
+            <a:endParaRPr lang="en-US" altLang="zh-TW" sz="1200" dirty="0">
+              <a:latin typeface="臺灣道路體 1.0 Regular" panose="020B0506020000000000" pitchFamily="34" charset="-120"/>
+              <a:ea typeface="臺灣道路體 1.0 Regular" panose="020B0506020000000000" pitchFamily="34" charset="-120"/>
+            </a:endParaRPr>
+          </a:p>
+          <a:p>
+            <a:r>
+              <a:rPr lang="zh-TW" altLang="en-US" sz="1200" dirty="0">
+                <a:latin typeface="臺灣道路體 1.0 Regular" panose="020B0506020000000000" pitchFamily="34" charset="-120"/>
+                <a:ea typeface="臺灣道路體 1.0 Regular" panose="020B0506020000000000" pitchFamily="34" charset="-120"/>
+              </a:rPr>
+              <a:t>系統建置費用：</a:t>
+            </a:r>
+            <a:endParaRPr lang="en-US" altLang="zh-TW" sz="1200" dirty="0">
+              <a:latin typeface="臺灣道路體 1.0 Regular" panose="020B0506020000000000" pitchFamily="34" charset="-120"/>
+              <a:ea typeface="臺灣道路體 1.0 Regular" panose="020B0506020000000000" pitchFamily="34" charset="-120"/>
+            </a:endParaRPr>
+          </a:p>
+          <a:p>
+            <a:r>
+              <a:rPr lang="en-US" altLang="zh-TW" sz="1200" dirty="0">
+                <a:latin typeface="臺灣道路體 1.0 Regular" panose="020B0506020000000000" pitchFamily="34" charset="-120"/>
+                <a:ea typeface="臺灣道路體 1.0 Regular" panose="020B0506020000000000" pitchFamily="34" charset="-120"/>
+              </a:rPr>
+              <a:t>[Solar](</a:t>
+            </a:r>
+            <a:r>
+              <a:rPr lang="en-US" altLang="zh-TW" sz="1200" dirty="0">
+                <a:latin typeface="臺灣道路體 1.0 Regular" panose="020B0506020000000000" pitchFamily="34" charset="-120"/>
+                <a:ea typeface="臺灣道路體 1.0 Regular" panose="020B0506020000000000" pitchFamily="34" charset="-120"/>
+                <a:hlinkClick r:id="rId8"/>
+              </a:rPr>
+              <a:t>https://www.solar.com/learn/solar-panel-cost/</a:t>
+            </a:r>
+            <a:r>
+              <a:rPr lang="en-US" altLang="zh-TW" sz="1200" dirty="0">
+                <a:latin typeface="臺灣道路體 1.0 Regular" panose="020B0506020000000000" pitchFamily="34" charset="-120"/>
+                <a:ea typeface="臺灣道路體 1.0 Regular" panose="020B0506020000000000" pitchFamily="34" charset="-120"/>
+              </a:rPr>
+              <a:t>)</a:t>
+            </a:r>
+          </a:p>
+          <a:p>
+            <a:r>
+              <a:rPr lang="en-US" altLang="zh-TW" sz="1200" dirty="0">
+                <a:latin typeface="臺灣道路體 1.0 Regular" panose="020B0506020000000000" pitchFamily="34" charset="-120"/>
+                <a:ea typeface="臺灣道路體 1.0 Regular" panose="020B0506020000000000" pitchFamily="34" charset="-120"/>
+              </a:rPr>
+              <a:t>[GoGreenSolar.com](</a:t>
+            </a:r>
+            <a:r>
+              <a:rPr lang="en-US" altLang="zh-TW" sz="1200" dirty="0">
+                <a:latin typeface="臺灣道路體 1.0 Regular" panose="020B0506020000000000" pitchFamily="34" charset="-120"/>
+                <a:ea typeface="臺灣道路體 1.0 Regular" panose="020B0506020000000000" pitchFamily="34" charset="-120"/>
+                <a:hlinkClick r:id="rId9"/>
+              </a:rPr>
+              <a:t>https://www.gogreensolar.com/pages/solar-components-101</a:t>
+            </a:r>
+            <a:r>
+              <a:rPr lang="en-US" altLang="zh-TW" sz="1200" dirty="0">
+                <a:latin typeface="臺灣道路體 1.0 Regular" panose="020B0506020000000000" pitchFamily="34" charset="-120"/>
+                <a:ea typeface="臺灣道路體 1.0 Regular" panose="020B0506020000000000" pitchFamily="34" charset="-120"/>
+              </a:rPr>
+              <a:t>)</a:t>
+            </a:r>
+          </a:p>
+          <a:p>
+            <a:r>
+              <a:rPr lang="it-IT" altLang="zh-TW" sz="1200" dirty="0">
+                <a:latin typeface="臺灣道路體 1.0 Regular" panose="020B0506020000000000" pitchFamily="34" charset="-120"/>
+                <a:ea typeface="臺灣道路體 1.0 Regular" panose="020B0506020000000000" pitchFamily="34" charset="-120"/>
+              </a:rPr>
+              <a:t>[Fenice Energy](</a:t>
+            </a:r>
+            <a:r>
+              <a:rPr lang="it-IT" altLang="zh-TW" sz="1200" dirty="0">
+                <a:latin typeface="臺灣道路體 1.0 Regular" panose="020B0506020000000000" pitchFamily="34" charset="-120"/>
+                <a:ea typeface="臺灣道路體 1.0 Regular" panose="020B0506020000000000" pitchFamily="34" charset="-120"/>
+                <a:hlinkClick r:id="rId10"/>
+              </a:rPr>
+              <a:t>https://blog.feniceenergy.com/building-a-complete-solar-electric-system-components-and-setup/</a:t>
+            </a:r>
+            <a:r>
+              <a:rPr lang="it-IT" altLang="zh-TW" sz="1200" dirty="0">
+                <a:latin typeface="臺灣道路體 1.0 Regular" panose="020B0506020000000000" pitchFamily="34" charset="-120"/>
+                <a:ea typeface="臺灣道路體 1.0 Regular" panose="020B0506020000000000" pitchFamily="34" charset="-120"/>
+              </a:rPr>
+              <a:t>)</a:t>
+            </a:r>
+          </a:p>
+          <a:p>
+            <a:r>
+              <a:rPr lang="en-US" altLang="zh-TW" sz="1200" dirty="0">
+                <a:latin typeface="臺灣道路體 1.0 Regular" panose="020B0506020000000000" pitchFamily="34" charset="-120"/>
+                <a:ea typeface="臺灣道路體 1.0 Regular" panose="020B0506020000000000" pitchFamily="34" charset="-120"/>
+              </a:rPr>
+              <a:t>[</a:t>
+            </a:r>
+            <a:r>
+              <a:rPr lang="en-US" altLang="zh-TW" sz="1200" dirty="0" err="1">
+                <a:latin typeface="臺灣道路體 1.0 Regular" panose="020B0506020000000000" pitchFamily="34" charset="-120"/>
+                <a:ea typeface="臺灣道路體 1.0 Regular" panose="020B0506020000000000" pitchFamily="34" charset="-120"/>
+              </a:rPr>
+              <a:t>EnergySage</a:t>
+            </a:r>
+            <a:r>
+              <a:rPr lang="en-US" altLang="zh-TW" sz="1200" dirty="0">
+                <a:latin typeface="臺灣道路體 1.0 Regular" panose="020B0506020000000000" pitchFamily="34" charset="-120"/>
+                <a:ea typeface="臺灣道路體 1.0 Regular" panose="020B0506020000000000" pitchFamily="34" charset="-120"/>
+              </a:rPr>
+              <a:t>](</a:t>
+            </a:r>
+            <a:r>
+              <a:rPr lang="en-US" altLang="zh-TW" sz="1200" dirty="0">
+                <a:latin typeface="臺灣道路體 1.0 Regular" panose="020B0506020000000000" pitchFamily="34" charset="-120"/>
+                <a:ea typeface="臺灣道路體 1.0 Regular" panose="020B0506020000000000" pitchFamily="34" charset="-120"/>
+                <a:hlinkClick r:id="rId11"/>
+              </a:rPr>
+              <a:t>https://www.energysage.com/solar/solar-panel-setup-what-you-need-to-know/</a:t>
+            </a:r>
+            <a:r>
+              <a:rPr lang="en-US" altLang="zh-TW" sz="1200" dirty="0">
+                <a:latin typeface="臺灣道路體 1.0 Regular" panose="020B0506020000000000" pitchFamily="34" charset="-120"/>
+                <a:ea typeface="臺灣道路體 1.0 Regular" panose="020B0506020000000000" pitchFamily="34" charset="-120"/>
+              </a:rPr>
+              <a:t>)</a:t>
+            </a:r>
+            <a:endParaRPr lang="it-IT" altLang="zh-TW" sz="1200" dirty="0">
+              <a:latin typeface="臺灣道路體 1.0 Regular" panose="020B0506020000000000" pitchFamily="34" charset="-120"/>
+              <a:ea typeface="臺灣道路體 1.0 Regular" panose="020B0506020000000000" pitchFamily="34" charset="-120"/>
+            </a:endParaRPr>
+          </a:p>
+          <a:p>
+            <a:r>
+              <a:rPr lang="en-US" altLang="zh-TW" sz="1200" dirty="0">
+                <a:latin typeface="臺灣道路體 1.0 Regular" panose="020B0506020000000000" pitchFamily="34" charset="-120"/>
+                <a:ea typeface="臺灣道路體 1.0 Regular" panose="020B0506020000000000" pitchFamily="34" charset="-120"/>
+              </a:rPr>
+              <a:t>[ShopSolar.com](</a:t>
+            </a:r>
+            <a:r>
+              <a:rPr lang="en-US" altLang="zh-TW" sz="1200" dirty="0">
+                <a:latin typeface="臺灣道路體 1.0 Regular" panose="020B0506020000000000" pitchFamily="34" charset="-120"/>
+                <a:ea typeface="臺灣道路體 1.0 Regular" panose="020B0506020000000000" pitchFamily="34" charset="-120"/>
+                <a:hlinkClick r:id="rId12"/>
+              </a:rPr>
+              <a:t>https://shopsolarkits.com/blogs/learning-center/solar-panel-system-equipment</a:t>
+            </a:r>
+            <a:r>
+              <a:rPr lang="en-US" altLang="zh-TW" sz="1200" dirty="0">
+                <a:latin typeface="臺灣道路體 1.0 Regular" panose="020B0506020000000000" pitchFamily="34" charset="-120"/>
+                <a:ea typeface="臺灣道路體 1.0 Regular" panose="020B0506020000000000" pitchFamily="34" charset="-120"/>
+              </a:rPr>
+              <a:t>)</a:t>
+            </a:r>
+          </a:p>
+          <a:p>
+            <a:endParaRPr lang="en-US" altLang="zh-TW" sz="1200" dirty="0">
+              <a:latin typeface="臺灣道路體 1.0 Regular" panose="020B0506020000000000" pitchFamily="34" charset="-120"/>
+              <a:ea typeface="臺灣道路體 1.0 Regular" panose="020B0506020000000000" pitchFamily="34" charset="-120"/>
+            </a:endParaRPr>
+          </a:p>
+          <a:p>
+            <a:r>
+              <a:rPr lang="zh-TW" altLang="en-US" sz="1200" dirty="0">
+                <a:latin typeface="臺灣道路體 1.0 Regular" panose="020B0506020000000000" pitchFamily="34" charset="-120"/>
+                <a:ea typeface="臺灣道路體 1.0 Regular" panose="020B0506020000000000" pitchFamily="34" charset="-120"/>
+              </a:rPr>
+              <a:t>家庭平均用電量：</a:t>
+            </a:r>
+            <a:endParaRPr lang="en-US" altLang="zh-TW" sz="1200" dirty="0">
+              <a:latin typeface="臺灣道路體 1.0 Regular" panose="020B0506020000000000" pitchFamily="34" charset="-120"/>
+              <a:ea typeface="臺灣道路體 1.0 Regular" panose="020B0506020000000000" pitchFamily="34" charset="-120"/>
+            </a:endParaRPr>
+          </a:p>
+          <a:p>
+            <a:r>
+              <a:rPr lang="zh-TW" altLang="en-US" sz="1200" dirty="0">
+                <a:latin typeface="臺灣道路體 1.0 Regular" panose="020B0506020000000000" pitchFamily="34" charset="-120"/>
+                <a:ea typeface="臺灣道路體 1.0 Regular" panose="020B0506020000000000" pitchFamily="34" charset="-120"/>
+              </a:rPr>
+              <a:t>台電</a:t>
+            </a:r>
+            <a:r>
+              <a:rPr lang="en-US" altLang="zh-TW" sz="1200" dirty="0">
+                <a:latin typeface="臺灣道路體 1.0 Regular" panose="020B0506020000000000" pitchFamily="34" charset="-120"/>
+                <a:ea typeface="臺灣道路體 1.0 Regular" panose="020B0506020000000000" pitchFamily="34" charset="-120"/>
+              </a:rPr>
+              <a:t>(</a:t>
+            </a:r>
+            <a:r>
+              <a:rPr lang="en-US" altLang="zh-TW" sz="1200" dirty="0">
+                <a:latin typeface="臺灣道路體 1.0 Regular" panose="020B0506020000000000" pitchFamily="34" charset="-120"/>
+                <a:ea typeface="臺灣道路體 1.0 Regular" panose="020B0506020000000000" pitchFamily="34" charset="-120"/>
+                <a:hlinkClick r:id="rId13"/>
+              </a:rPr>
+              <a:t>https://data.gov.tw/dataset/6064</a:t>
+            </a:r>
+            <a:r>
+              <a:rPr lang="en-US" altLang="zh-TW" sz="1200" dirty="0">
+                <a:latin typeface="臺灣道路體 1.0 Regular" panose="020B0506020000000000" pitchFamily="34" charset="-120"/>
+                <a:ea typeface="臺灣道路體 1.0 Regular" panose="020B0506020000000000" pitchFamily="34" charset="-120"/>
+              </a:rPr>
+              <a:t>)</a:t>
+            </a:r>
+          </a:p>
+          <a:p>
+            <a:r>
+              <a:rPr lang="zh-TW" altLang="en-US" sz="1200" dirty="0">
+                <a:latin typeface="臺灣道路體 1.0 Regular" panose="020B0506020000000000" pitchFamily="34" charset="-120"/>
+                <a:ea typeface="臺灣道路體 1.0 Regular" panose="020B0506020000000000" pitchFamily="34" charset="-120"/>
+              </a:rPr>
+              <a:t>經濟部</a:t>
+            </a:r>
+            <a:r>
+              <a:rPr lang="en-US" altLang="zh-TW" sz="1200" dirty="0">
+                <a:latin typeface="臺灣道路體 1.0 Regular" panose="020B0506020000000000" pitchFamily="34" charset="-120"/>
+                <a:ea typeface="臺灣道路體 1.0 Regular" panose="020B0506020000000000" pitchFamily="34" charset="-120"/>
+              </a:rPr>
+              <a:t>(</a:t>
+            </a:r>
+            <a:r>
+              <a:rPr lang="en-US" altLang="zh-TW" sz="1200" dirty="0">
+                <a:latin typeface="臺灣道路體 1.0 Regular" panose="020B0506020000000000" pitchFamily="34" charset="-120"/>
+                <a:ea typeface="臺灣道路體 1.0 Regular" panose="020B0506020000000000" pitchFamily="34" charset="-120"/>
+                <a:hlinkClick r:id="rId14"/>
+              </a:rPr>
+              <a:t>https://www.moea.gov.tw/MNS/populace/news/News.aspx?kind=1&amp;menu_id=40&amp;news_id=100218</a:t>
+            </a:r>
+            <a:r>
+              <a:rPr lang="en-US" altLang="zh-TW" sz="1200" dirty="0">
+                <a:latin typeface="臺灣道路體 1.0 Regular" panose="020B0506020000000000" pitchFamily="34" charset="-120"/>
+                <a:ea typeface="臺灣道路體 1.0 Regular" panose="020B0506020000000000" pitchFamily="34" charset="-120"/>
+              </a:rPr>
+              <a:t>)</a:t>
+            </a:r>
+          </a:p>
+          <a:p>
+            <a:r>
+              <a:rPr lang="zh-TW" altLang="en-US" sz="1200" dirty="0">
+                <a:latin typeface="臺灣道路體 1.0 Regular" panose="020B0506020000000000" pitchFamily="34" charset="-120"/>
+                <a:ea typeface="臺灣道路體 1.0 Regular" panose="020B0506020000000000" pitchFamily="34" charset="-120"/>
+              </a:rPr>
+              <a:t>中央社新聞</a:t>
+            </a:r>
+            <a:r>
+              <a:rPr lang="en-US" altLang="zh-TW" sz="1200" dirty="0">
+                <a:latin typeface="臺灣道路體 1.0 Regular" panose="020B0506020000000000" pitchFamily="34" charset="-120"/>
+                <a:ea typeface="臺灣道路體 1.0 Regular" panose="020B0506020000000000" pitchFamily="34" charset="-120"/>
+              </a:rPr>
+              <a:t>(</a:t>
+            </a:r>
+            <a:r>
+              <a:rPr lang="en-US" altLang="zh-TW" sz="1200" dirty="0">
+                <a:latin typeface="臺灣道路體 1.0 Regular" panose="020B0506020000000000" pitchFamily="34" charset="-120"/>
+                <a:ea typeface="臺灣道路體 1.0 Regular" panose="020B0506020000000000" pitchFamily="34" charset="-120"/>
+                <a:hlinkClick r:id="rId15"/>
+              </a:rPr>
+              <a:t>https://www.cna.com.tw/news/ahel/202305140014.aspx</a:t>
+            </a:r>
+            <a:r>
+              <a:rPr lang="en-US" altLang="zh-TW" sz="1200" dirty="0">
+                <a:latin typeface="臺灣道路體 1.0 Regular" panose="020B0506020000000000" pitchFamily="34" charset="-120"/>
+                <a:ea typeface="臺灣道路體 1.0 Regular" panose="020B0506020000000000" pitchFamily="34" charset="-120"/>
+              </a:rPr>
+              <a:t>)</a:t>
+            </a:r>
+          </a:p>
+          <a:p>
+            <a:endParaRPr lang="en-US" altLang="zh-TW" sz="1200" dirty="0">
+              <a:latin typeface="臺灣道路體 1.0 Regular" panose="020B0506020000000000" pitchFamily="34" charset="-120"/>
+              <a:ea typeface="臺灣道路體 1.0 Regular" panose="020B0506020000000000" pitchFamily="34" charset="-120"/>
+            </a:endParaRPr>
+          </a:p>
+        </p:txBody>
+      </p:sp>
+    </p:spTree>
+    <p:extLst>
+      <p:ext uri="{BB962C8B-B14F-4D97-AF65-F5344CB8AC3E}">
+        <p14:creationId xmlns:p14="http://schemas.microsoft.com/office/powerpoint/2010/main" val="2922932231"/>
       </p:ext>
     </p:extLst>
   </p:cSld>
@@ -12809,7 +14658,7 @@
                 <a:latin typeface="臺灣道路體 1.0 Regular" panose="020B0506020000000000" pitchFamily="34" charset="-120"/>
                 <a:ea typeface="臺灣道路體 1.0 Regular" panose="020B0506020000000000" pitchFamily="34" charset="-120"/>
               </a:rPr>
-              <a:t>評估日射量</a:t>
+              <a:t>評估溫度與日照量級日射量的相關性</a:t>
             </a:r>
             <a:endParaRPr lang="en-US" altLang="zh-TW" sz="2400" dirty="0">
               <a:latin typeface="臺灣道路體 1.0 Regular" panose="020B0506020000000000" pitchFamily="34" charset="-120"/>
@@ -12826,7 +14675,7 @@
                 <a:latin typeface="臺灣道路體 1.0 Regular" panose="020B0506020000000000" pitchFamily="34" charset="-120"/>
                 <a:ea typeface="臺灣道路體 1.0 Regular" panose="020B0506020000000000" pitchFamily="34" charset="-120"/>
               </a:rPr>
-              <a:t>預測溫度變化</a:t>
+              <a:t>溫度變化及日射量預測</a:t>
             </a:r>
             <a:endParaRPr lang="en-US" altLang="zh-TW" sz="2400" dirty="0">
               <a:latin typeface="臺灣道路體 1.0 Regular" panose="020B0506020000000000" pitchFamily="34" charset="-120"/>
@@ -15734,7 +17583,6 @@
           <a:bodyPr rtlCol="0" anchor="ctr"/>
           <a:lstStyle/>
           <a:p>
-            <a:pPr algn="just"/>
             <a:r>
               <a:rPr lang="zh-TW" altLang="en-US" sz="1600" dirty="0">
                 <a:solidFill>
@@ -15818,7 +17666,6 @@
             </a:r>
           </a:p>
           <a:p>
-            <a:pPr algn="just"/>
             <a:endParaRPr lang="en-US" altLang="zh-TW" sz="1600" dirty="0">
               <a:solidFill>
                 <a:schemeClr val="bg1"/>
@@ -15828,7 +17675,6 @@
             </a:endParaRPr>
           </a:p>
           <a:p>
-            <a:pPr algn="just"/>
             <a:r>
               <a:rPr lang="zh-TW" altLang="en-US" sz="1600" dirty="0">
                 <a:solidFill>
@@ -18588,7 +20434,7 @@
         </p:nvSpPr>
         <p:spPr>
           <a:xfrm>
-            <a:off x="3047432" y="710554"/>
+            <a:off x="3075488" y="710554"/>
             <a:ext cx="6097136" cy="461665"/>
           </a:xfrm>
           <a:prstGeom prst="rect">
@@ -18614,10 +20460,10 @@
       </p:sp>
       <p:grpSp>
         <p:nvGrpSpPr>
-          <p:cNvPr id="66" name="群組 65">
+          <p:cNvPr id="131" name="群組 130">
             <a:extLst>
               <a:ext uri="{FF2B5EF4-FFF2-40B4-BE49-F238E27FC236}">
-                <a16:creationId xmlns:a16="http://schemas.microsoft.com/office/drawing/2014/main" id="{786B20FD-8B43-6D78-8208-9EF95C3BFAAD}"/>
+                <a16:creationId xmlns:a16="http://schemas.microsoft.com/office/drawing/2014/main" id="{495A34FD-2B14-9C3C-B04B-95BA92AECDB5}"/>
               </a:ext>
             </a:extLst>
           </p:cNvPr>
@@ -18626,12 +20472,68 @@
         </p:nvGrpSpPr>
         <p:grpSpPr>
           <a:xfrm>
-            <a:off x="2113293" y="2499338"/>
-            <a:ext cx="1813879" cy="368722"/>
-            <a:chOff x="519465" y="4176357"/>
-            <a:chExt cx="1813879" cy="368722"/>
+            <a:off x="2446639" y="1784852"/>
+            <a:ext cx="9026610" cy="4300887"/>
+            <a:chOff x="2446639" y="1784852"/>
+            <a:chExt cx="9026610" cy="4300887"/>
           </a:xfrm>
         </p:grpSpPr>
+        <p:sp>
+          <p:nvSpPr>
+            <p:cNvPr id="64" name="矩形: 圓角 63">
+              <a:extLst>
+                <a:ext uri="{FF2B5EF4-FFF2-40B4-BE49-F238E27FC236}">
+                  <a16:creationId xmlns:a16="http://schemas.microsoft.com/office/drawing/2014/main" id="{48083BC7-DF4D-7810-F90D-53A7C1243818}"/>
+                </a:ext>
+              </a:extLst>
+            </p:cNvPr>
+            <p:cNvSpPr/>
+            <p:nvPr/>
+          </p:nvSpPr>
+          <p:spPr>
+            <a:xfrm>
+              <a:off x="2446639" y="1784852"/>
+              <a:ext cx="9026610" cy="4300887"/>
+            </a:xfrm>
+            <a:prstGeom prst="roundRect">
+              <a:avLst>
+                <a:gd name="adj" fmla="val 8186"/>
+              </a:avLst>
+            </a:prstGeom>
+            <a:solidFill>
+              <a:srgbClr val="CC0000">
+                <a:alpha val="5000"/>
+              </a:srgbClr>
+            </a:solidFill>
+            <a:ln>
+              <a:noFill/>
+            </a:ln>
+          </p:spPr>
+          <p:style>
+            <a:lnRef idx="2">
+              <a:schemeClr val="accent1">
+                <a:shade val="15000"/>
+              </a:schemeClr>
+            </a:lnRef>
+            <a:fillRef idx="1">
+              <a:schemeClr val="accent1"/>
+            </a:fillRef>
+            <a:effectRef idx="0">
+              <a:schemeClr val="accent1"/>
+            </a:effectRef>
+            <a:fontRef idx="minor">
+              <a:schemeClr val="lt1"/>
+            </a:fontRef>
+          </p:style>
+          <p:txBody>
+            <a:bodyPr rtlCol="0" anchor="ctr"/>
+            <a:lstStyle/>
+            <a:p>
+              <a:pPr algn="ctr"/>
+              <a:endParaRPr lang="zh-TW" altLang="en-US" dirty="0"/>
+            </a:p>
+          </p:txBody>
+        </p:sp>
         <p:pic>
           <p:nvPicPr>
             <p:cNvPr id="12" name="圖形 11">
@@ -18660,7 +20562,7 @@
           </p:blipFill>
           <p:spPr>
             <a:xfrm>
-              <a:off x="519465" y="4185079"/>
+              <a:off x="3101859" y="2089166"/>
               <a:ext cx="360000" cy="360000"/>
             </a:xfrm>
             <a:prstGeom prst="rect">
@@ -18682,7 +20584,7 @@
           </p:nvSpPr>
           <p:spPr>
             <a:xfrm>
-              <a:off x="533344" y="4176357"/>
+              <a:off x="3093407" y="2091240"/>
               <a:ext cx="1800000" cy="360000"/>
             </a:xfrm>
             <a:prstGeom prst="roundRect">
@@ -18740,27 +20642,6 @@
             </a:p>
           </p:txBody>
         </p:sp>
-      </p:grpSp>
-      <p:grpSp>
-        <p:nvGrpSpPr>
-          <p:cNvPr id="67" name="群組 66">
-            <a:extLst>
-              <a:ext uri="{FF2B5EF4-FFF2-40B4-BE49-F238E27FC236}">
-                <a16:creationId xmlns:a16="http://schemas.microsoft.com/office/drawing/2014/main" id="{C0A0228C-DF3A-BAEF-697F-700E9E6F9621}"/>
-              </a:ext>
-            </a:extLst>
-          </p:cNvPr>
-          <p:cNvGrpSpPr/>
-          <p:nvPr/>
-        </p:nvGrpSpPr>
-        <p:grpSpPr>
-          <a:xfrm>
-            <a:off x="2127172" y="3090505"/>
-            <a:ext cx="1800000" cy="360000"/>
-            <a:chOff x="2418233" y="4784711"/>
-            <a:chExt cx="1800000" cy="360000"/>
-          </a:xfrm>
-        </p:grpSpPr>
         <p:pic>
           <p:nvPicPr>
             <p:cNvPr id="14" name="圖片 13">
@@ -18789,7 +20670,7 @@
           </p:blipFill>
           <p:spPr>
             <a:xfrm>
-              <a:off x="2425751" y="4784711"/>
+              <a:off x="3093407" y="2672231"/>
               <a:ext cx="360000" cy="360000"/>
             </a:xfrm>
             <a:prstGeom prst="rect">
@@ -18811,7 +20692,7 @@
           </p:nvSpPr>
           <p:spPr>
             <a:xfrm>
-              <a:off x="2418233" y="4784711"/>
+              <a:off x="3098178" y="2676308"/>
               <a:ext cx="1800000" cy="360000"/>
             </a:xfrm>
             <a:prstGeom prst="roundRect">
@@ -18869,27 +20750,6 @@
             </a:p>
           </p:txBody>
         </p:sp>
-      </p:grpSp>
-      <p:grpSp>
-        <p:nvGrpSpPr>
-          <p:cNvPr id="68" name="群組 67">
-            <a:extLst>
-              <a:ext uri="{FF2B5EF4-FFF2-40B4-BE49-F238E27FC236}">
-                <a16:creationId xmlns:a16="http://schemas.microsoft.com/office/drawing/2014/main" id="{34C386B1-5169-3148-7723-9562B19F9BEB}"/>
-              </a:ext>
-            </a:extLst>
-          </p:cNvPr>
-          <p:cNvGrpSpPr/>
-          <p:nvPr/>
-        </p:nvGrpSpPr>
-        <p:grpSpPr>
-          <a:xfrm>
-            <a:off x="2116250" y="3741727"/>
-            <a:ext cx="1810922" cy="360000"/>
-            <a:chOff x="4781510" y="4164749"/>
-            <a:chExt cx="1810922" cy="360000"/>
-          </a:xfrm>
-        </p:grpSpPr>
         <p:pic>
           <p:nvPicPr>
             <p:cNvPr id="17" name="圖片 16">
@@ -18918,7 +20778,7 @@
           </p:blipFill>
           <p:spPr>
             <a:xfrm>
-              <a:off x="4781510" y="4164749"/>
+              <a:off x="3093408" y="3267385"/>
               <a:ext cx="360000" cy="360000"/>
             </a:xfrm>
             <a:prstGeom prst="rect">
@@ -18940,7 +20800,7 @@
           </p:nvSpPr>
           <p:spPr>
             <a:xfrm>
-              <a:off x="4792432" y="4164749"/>
+              <a:off x="3098178" y="3271788"/>
               <a:ext cx="1800000" cy="360000"/>
             </a:xfrm>
             <a:prstGeom prst="roundRect">
@@ -18998,414 +20858,393 @@
             </a:p>
           </p:txBody>
         </p:sp>
-      </p:grpSp>
-      <p:grpSp>
-        <p:nvGrpSpPr>
-          <p:cNvPr id="69" name="群組 68">
-            <a:extLst>
-              <a:ext uri="{FF2B5EF4-FFF2-40B4-BE49-F238E27FC236}">
-                <a16:creationId xmlns:a16="http://schemas.microsoft.com/office/drawing/2014/main" id="{D1F96C13-1840-D660-7378-5DD1D6540459}"/>
-              </a:ext>
-            </a:extLst>
-          </p:cNvPr>
-          <p:cNvGrpSpPr/>
-          <p:nvPr/>
-        </p:nvGrpSpPr>
-        <p:grpSpPr>
-          <a:xfrm>
-            <a:off x="4460233" y="4118726"/>
-            <a:ext cx="1800000" cy="370025"/>
-            <a:chOff x="5652257" y="2934378"/>
-            <a:chExt cx="1800000" cy="370025"/>
-          </a:xfrm>
-        </p:grpSpPr>
-        <p:pic>
-          <p:nvPicPr>
-            <p:cNvPr id="24" name="圖片 23">
+        <p:grpSp>
+          <p:nvGrpSpPr>
+            <p:cNvPr id="69" name="群組 68">
               <a:extLst>
                 <a:ext uri="{FF2B5EF4-FFF2-40B4-BE49-F238E27FC236}">
-                  <a16:creationId xmlns:a16="http://schemas.microsoft.com/office/drawing/2014/main" id="{AB70CB63-565F-8E0F-CE96-2BB6363CE6F9}"/>
+                  <a16:creationId xmlns:a16="http://schemas.microsoft.com/office/drawing/2014/main" id="{D1F96C13-1840-D660-7378-5DD1D6540459}"/>
                 </a:ext>
               </a:extLst>
             </p:cNvPr>
-            <p:cNvPicPr>
-              <a:picLocks noChangeAspect="1"/>
-            </p:cNvPicPr>
+            <p:cNvGrpSpPr/>
             <p:nvPr/>
-          </p:nvPicPr>
-          <p:blipFill>
-            <a:blip r:embed="rId7">
-              <a:extLst>
-                <a:ext uri="{28A0092B-C50C-407E-A947-70E740481C1C}">
-                  <a14:useLocalDpi xmlns:a14="http://schemas.microsoft.com/office/drawing/2010/main" val="0"/>
-                </a:ext>
-              </a:extLst>
-            </a:blip>
-            <a:stretch>
-              <a:fillRect/>
-            </a:stretch>
-          </p:blipFill>
-          <p:spPr>
+          </p:nvGrpSpPr>
+          <p:grpSpPr>
             <a:xfrm>
-              <a:off x="5653357" y="2944403"/>
-              <a:ext cx="360000" cy="360000"/>
+              <a:off x="5767327" y="3704439"/>
+              <a:ext cx="1800000" cy="370025"/>
+              <a:chOff x="5652257" y="2934378"/>
+              <a:chExt cx="1800000" cy="370025"/>
             </a:xfrm>
-            <a:prstGeom prst="rect">
-              <a:avLst/>
-            </a:prstGeom>
-          </p:spPr>
-        </p:pic>
-        <p:sp>
-          <p:nvSpPr>
-            <p:cNvPr id="52" name="矩形: 圓角 51">
-              <a:extLst>
-                <a:ext uri="{FF2B5EF4-FFF2-40B4-BE49-F238E27FC236}">
-                  <a16:creationId xmlns:a16="http://schemas.microsoft.com/office/drawing/2014/main" id="{8F95A5C8-DE63-A78F-1E6D-ADACA5217F66}"/>
-                </a:ext>
-              </a:extLst>
-            </p:cNvPr>
-            <p:cNvSpPr/>
-            <p:nvPr/>
-          </p:nvSpPr>
-          <p:spPr>
-            <a:xfrm>
-              <a:off x="5652257" y="2934378"/>
-              <a:ext cx="1800000" cy="360000"/>
-            </a:xfrm>
-            <a:prstGeom prst="roundRect">
-              <a:avLst>
-                <a:gd name="adj" fmla="val 7313"/>
-              </a:avLst>
-            </a:prstGeom>
-            <a:solidFill>
-              <a:schemeClr val="tx1">
-                <a:alpha val="34000"/>
-              </a:schemeClr>
-            </a:solidFill>
-            <a:ln>
-              <a:noFill/>
-            </a:ln>
-          </p:spPr>
-          <p:style>
-            <a:lnRef idx="2">
-              <a:schemeClr val="accent1">
-                <a:shade val="15000"/>
-              </a:schemeClr>
-            </a:lnRef>
-            <a:fillRef idx="1">
-              <a:schemeClr val="accent1"/>
-            </a:fillRef>
-            <a:effectRef idx="0">
-              <a:schemeClr val="accent1"/>
-            </a:effectRef>
-            <a:fontRef idx="minor">
-              <a:schemeClr val="lt1"/>
-            </a:fontRef>
-          </p:style>
-          <p:txBody>
-            <a:bodyPr rtlCol="0" anchor="ctr"/>
-            <a:lstStyle/>
-            <a:p>
-              <a:pPr algn="r"/>
-              <a:r>
-                <a:rPr lang="en-US" altLang="zh-TW" sz="1600" dirty="0">
+          </p:grpSpPr>
+          <p:pic>
+            <p:nvPicPr>
+              <p:cNvPr id="24" name="圖片 23">
+                <a:extLst>
+                  <a:ext uri="{FF2B5EF4-FFF2-40B4-BE49-F238E27FC236}">
+                    <a16:creationId xmlns:a16="http://schemas.microsoft.com/office/drawing/2014/main" id="{AB70CB63-565F-8E0F-CE96-2BB6363CE6F9}"/>
+                  </a:ext>
+                </a:extLst>
+              </p:cNvPr>
+              <p:cNvPicPr>
+                <a:picLocks noChangeAspect="1"/>
+              </p:cNvPicPr>
+              <p:nvPr/>
+            </p:nvPicPr>
+            <p:blipFill>
+              <a:blip r:embed="rId7">
+                <a:extLst>
+                  <a:ext uri="{28A0092B-C50C-407E-A947-70E740481C1C}">
+                    <a14:useLocalDpi xmlns:a14="http://schemas.microsoft.com/office/drawing/2010/main" val="0"/>
+                  </a:ext>
+                </a:extLst>
+              </a:blip>
+              <a:stretch>
+                <a:fillRect/>
+              </a:stretch>
+            </p:blipFill>
+            <p:spPr>
+              <a:xfrm>
+                <a:off x="5653357" y="2944403"/>
+                <a:ext cx="360000" cy="360000"/>
+              </a:xfrm>
+              <a:prstGeom prst="rect">
+                <a:avLst/>
+              </a:prstGeom>
+            </p:spPr>
+          </p:pic>
+          <p:sp>
+            <p:nvSpPr>
+              <p:cNvPr id="52" name="矩形: 圓角 51">
+                <a:extLst>
+                  <a:ext uri="{FF2B5EF4-FFF2-40B4-BE49-F238E27FC236}">
+                    <a16:creationId xmlns:a16="http://schemas.microsoft.com/office/drawing/2014/main" id="{8F95A5C8-DE63-A78F-1E6D-ADACA5217F66}"/>
+                  </a:ext>
+                </a:extLst>
+              </p:cNvPr>
+              <p:cNvSpPr/>
+              <p:nvPr/>
+            </p:nvSpPr>
+            <p:spPr>
+              <a:xfrm>
+                <a:off x="5652257" y="2934378"/>
+                <a:ext cx="1800000" cy="360000"/>
+              </a:xfrm>
+              <a:prstGeom prst="roundRect">
+                <a:avLst>
+                  <a:gd name="adj" fmla="val 7313"/>
+                </a:avLst>
+              </a:prstGeom>
+              <a:solidFill>
+                <a:schemeClr val="tx1">
+                  <a:alpha val="34000"/>
+                </a:schemeClr>
+              </a:solidFill>
+              <a:ln>
+                <a:noFill/>
+              </a:ln>
+            </p:spPr>
+            <p:style>
+              <a:lnRef idx="2">
+                <a:schemeClr val="accent1">
+                  <a:shade val="15000"/>
+                </a:schemeClr>
+              </a:lnRef>
+              <a:fillRef idx="1">
+                <a:schemeClr val="accent1"/>
+              </a:fillRef>
+              <a:effectRef idx="0">
+                <a:schemeClr val="accent1"/>
+              </a:effectRef>
+              <a:fontRef idx="minor">
+                <a:schemeClr val="lt1"/>
+              </a:fontRef>
+            </p:style>
+            <p:txBody>
+              <a:bodyPr rtlCol="0" anchor="ctr"/>
+              <a:lstStyle/>
+              <a:p>
+                <a:pPr algn="r"/>
+                <a:r>
+                  <a:rPr lang="en-US" altLang="zh-TW" sz="1600" dirty="0">
+                    <a:solidFill>
+                      <a:schemeClr val="bg1"/>
+                    </a:solidFill>
+                    <a:latin typeface="臺灣道路體 1.0 Regular" panose="020B0506020000000000" pitchFamily="34" charset="-120"/>
+                    <a:ea typeface="臺灣道路體 1.0 Regular" panose="020B0506020000000000" pitchFamily="34" charset="-120"/>
+                  </a:rPr>
+                  <a:t>Training Data</a:t>
+                </a:r>
+                <a:endParaRPr lang="zh-TW" altLang="en-US" sz="1600" dirty="0">
                   <a:solidFill>
                     <a:schemeClr val="bg1"/>
                   </a:solidFill>
                   <a:latin typeface="臺灣道路體 1.0 Regular" panose="020B0506020000000000" pitchFamily="34" charset="-120"/>
                   <a:ea typeface="臺灣道路體 1.0 Regular" panose="020B0506020000000000" pitchFamily="34" charset="-120"/>
-                </a:rPr>
-                <a:t>Training Data</a:t>
-              </a:r>
-              <a:endParaRPr lang="zh-TW" altLang="en-US" sz="1600" dirty="0">
-                <a:solidFill>
-                  <a:schemeClr val="bg1"/>
-                </a:solidFill>
-                <a:latin typeface="臺灣道路體 1.0 Regular" panose="020B0506020000000000" pitchFamily="34" charset="-120"/>
-                <a:ea typeface="臺灣道路體 1.0 Regular" panose="020B0506020000000000" pitchFamily="34" charset="-120"/>
-              </a:endParaRPr>
-            </a:p>
-          </p:txBody>
-        </p:sp>
-      </p:grpSp>
-      <p:grpSp>
-        <p:nvGrpSpPr>
-          <p:cNvPr id="70" name="群組 69">
-            <a:extLst>
-              <a:ext uri="{FF2B5EF4-FFF2-40B4-BE49-F238E27FC236}">
-                <a16:creationId xmlns:a16="http://schemas.microsoft.com/office/drawing/2014/main" id="{6BB4D6B1-B910-2C55-E6F5-75420A49E5EB}"/>
-              </a:ext>
-            </a:extLst>
-          </p:cNvPr>
-          <p:cNvGrpSpPr/>
-          <p:nvPr/>
-        </p:nvGrpSpPr>
-        <p:grpSpPr>
-          <a:xfrm>
-            <a:off x="4460842" y="4526827"/>
-            <a:ext cx="1800000" cy="370025"/>
-            <a:chOff x="5652257" y="3418975"/>
-            <a:chExt cx="1800000" cy="370025"/>
-          </a:xfrm>
-        </p:grpSpPr>
-        <p:pic>
-          <p:nvPicPr>
-            <p:cNvPr id="19" name="圖片 18">
+                </a:endParaRPr>
+              </a:p>
+            </p:txBody>
+          </p:sp>
+        </p:grpSp>
+        <p:grpSp>
+          <p:nvGrpSpPr>
+            <p:cNvPr id="70" name="群組 69">
               <a:extLst>
                 <a:ext uri="{FF2B5EF4-FFF2-40B4-BE49-F238E27FC236}">
-                  <a16:creationId xmlns:a16="http://schemas.microsoft.com/office/drawing/2014/main" id="{CDEFD09B-0D1A-C2A8-9A60-637C4BCAAC63}"/>
+                  <a16:creationId xmlns:a16="http://schemas.microsoft.com/office/drawing/2014/main" id="{6BB4D6B1-B910-2C55-E6F5-75420A49E5EB}"/>
                 </a:ext>
               </a:extLst>
             </p:cNvPr>
-            <p:cNvPicPr>
-              <a:picLocks noChangeAspect="1"/>
-            </p:cNvPicPr>
+            <p:cNvGrpSpPr/>
             <p:nvPr/>
-          </p:nvPicPr>
-          <p:blipFill>
-            <a:blip r:embed="rId8">
-              <a:extLst>
-                <a:ext uri="{28A0092B-C50C-407E-A947-70E740481C1C}">
-                  <a14:useLocalDpi xmlns:a14="http://schemas.microsoft.com/office/drawing/2010/main" val="0"/>
-                </a:ext>
-              </a:extLst>
-            </a:blip>
-            <a:stretch>
-              <a:fillRect/>
-            </a:stretch>
-          </p:blipFill>
-          <p:spPr>
+          </p:nvGrpSpPr>
+          <p:grpSpPr>
             <a:xfrm>
-              <a:off x="5652257" y="3429000"/>
-              <a:ext cx="360000" cy="360000"/>
+              <a:off x="5767936" y="4112540"/>
+              <a:ext cx="1800000" cy="370025"/>
+              <a:chOff x="5652257" y="3418975"/>
+              <a:chExt cx="1800000" cy="370025"/>
             </a:xfrm>
-            <a:prstGeom prst="rect">
-              <a:avLst/>
-            </a:prstGeom>
-          </p:spPr>
-        </p:pic>
-        <p:sp>
-          <p:nvSpPr>
-            <p:cNvPr id="63" name="矩形: 圓角 62">
-              <a:extLst>
-                <a:ext uri="{FF2B5EF4-FFF2-40B4-BE49-F238E27FC236}">
-                  <a16:creationId xmlns:a16="http://schemas.microsoft.com/office/drawing/2014/main" id="{16ABC231-1CAE-3B09-553D-024E77A1C3E0}"/>
-                </a:ext>
-              </a:extLst>
-            </p:cNvPr>
-            <p:cNvSpPr/>
-            <p:nvPr/>
-          </p:nvSpPr>
-          <p:spPr>
-            <a:xfrm>
-              <a:off x="5652257" y="3418975"/>
-              <a:ext cx="1800000" cy="360000"/>
-            </a:xfrm>
-            <a:prstGeom prst="roundRect">
-              <a:avLst>
-                <a:gd name="adj" fmla="val 7313"/>
-              </a:avLst>
-            </a:prstGeom>
-            <a:solidFill>
-              <a:schemeClr val="tx1">
-                <a:alpha val="34000"/>
-              </a:schemeClr>
-            </a:solidFill>
-            <a:ln>
-              <a:noFill/>
-            </a:ln>
-          </p:spPr>
-          <p:style>
-            <a:lnRef idx="2">
-              <a:schemeClr val="accent1">
-                <a:shade val="15000"/>
-              </a:schemeClr>
-            </a:lnRef>
-            <a:fillRef idx="1">
-              <a:schemeClr val="accent1"/>
-            </a:fillRef>
-            <a:effectRef idx="0">
-              <a:schemeClr val="accent1"/>
-            </a:effectRef>
-            <a:fontRef idx="minor">
-              <a:schemeClr val="lt1"/>
-            </a:fontRef>
-          </p:style>
-          <p:txBody>
-            <a:bodyPr rtlCol="0" anchor="ctr"/>
-            <a:lstStyle/>
-            <a:p>
-              <a:pPr algn="r"/>
-              <a:r>
-                <a:rPr lang="en-US" altLang="zh-TW" sz="1600" dirty="0">
+          </p:grpSpPr>
+          <p:pic>
+            <p:nvPicPr>
+              <p:cNvPr id="19" name="圖片 18">
+                <a:extLst>
+                  <a:ext uri="{FF2B5EF4-FFF2-40B4-BE49-F238E27FC236}">
+                    <a16:creationId xmlns:a16="http://schemas.microsoft.com/office/drawing/2014/main" id="{CDEFD09B-0D1A-C2A8-9A60-637C4BCAAC63}"/>
+                  </a:ext>
+                </a:extLst>
+              </p:cNvPr>
+              <p:cNvPicPr>
+                <a:picLocks noChangeAspect="1"/>
+              </p:cNvPicPr>
+              <p:nvPr/>
+            </p:nvPicPr>
+            <p:blipFill>
+              <a:blip r:embed="rId8">
+                <a:extLst>
+                  <a:ext uri="{28A0092B-C50C-407E-A947-70E740481C1C}">
+                    <a14:useLocalDpi xmlns:a14="http://schemas.microsoft.com/office/drawing/2010/main" val="0"/>
+                  </a:ext>
+                </a:extLst>
+              </a:blip>
+              <a:stretch>
+                <a:fillRect/>
+              </a:stretch>
+            </p:blipFill>
+            <p:spPr>
+              <a:xfrm>
+                <a:off x="5652257" y="3429000"/>
+                <a:ext cx="360000" cy="360000"/>
+              </a:xfrm>
+              <a:prstGeom prst="rect">
+                <a:avLst/>
+              </a:prstGeom>
+            </p:spPr>
+          </p:pic>
+          <p:sp>
+            <p:nvSpPr>
+              <p:cNvPr id="63" name="矩形: 圓角 62">
+                <a:extLst>
+                  <a:ext uri="{FF2B5EF4-FFF2-40B4-BE49-F238E27FC236}">
+                    <a16:creationId xmlns:a16="http://schemas.microsoft.com/office/drawing/2014/main" id="{16ABC231-1CAE-3B09-553D-024E77A1C3E0}"/>
+                  </a:ext>
+                </a:extLst>
+              </p:cNvPr>
+              <p:cNvSpPr/>
+              <p:nvPr/>
+            </p:nvSpPr>
+            <p:spPr>
+              <a:xfrm>
+                <a:off x="5652257" y="3418975"/>
+                <a:ext cx="1800000" cy="360000"/>
+              </a:xfrm>
+              <a:prstGeom prst="roundRect">
+                <a:avLst>
+                  <a:gd name="adj" fmla="val 7313"/>
+                </a:avLst>
+              </a:prstGeom>
+              <a:solidFill>
+                <a:schemeClr val="tx1">
+                  <a:alpha val="34000"/>
+                </a:schemeClr>
+              </a:solidFill>
+              <a:ln>
+                <a:noFill/>
+              </a:ln>
+            </p:spPr>
+            <p:style>
+              <a:lnRef idx="2">
+                <a:schemeClr val="accent1">
+                  <a:shade val="15000"/>
+                </a:schemeClr>
+              </a:lnRef>
+              <a:fillRef idx="1">
+                <a:schemeClr val="accent1"/>
+              </a:fillRef>
+              <a:effectRef idx="0">
+                <a:schemeClr val="accent1"/>
+              </a:effectRef>
+              <a:fontRef idx="minor">
+                <a:schemeClr val="lt1"/>
+              </a:fontRef>
+            </p:style>
+            <p:txBody>
+              <a:bodyPr rtlCol="0" anchor="ctr"/>
+              <a:lstStyle/>
+              <a:p>
+                <a:pPr algn="r"/>
+                <a:r>
+                  <a:rPr lang="en-US" altLang="zh-TW" sz="1600" dirty="0">
+                    <a:solidFill>
+                      <a:schemeClr val="bg1"/>
+                    </a:solidFill>
+                    <a:latin typeface="臺灣道路體 1.0 Regular" panose="020B0506020000000000" pitchFamily="34" charset="-120"/>
+                    <a:ea typeface="臺灣道路體 1.0 Regular" panose="020B0506020000000000" pitchFamily="34" charset="-120"/>
+                  </a:rPr>
+                  <a:t>Test Data</a:t>
+                </a:r>
+                <a:endParaRPr lang="zh-TW" altLang="en-US" sz="1600" dirty="0">
                   <a:solidFill>
                     <a:schemeClr val="bg1"/>
                   </a:solidFill>
                   <a:latin typeface="臺灣道路體 1.0 Regular" panose="020B0506020000000000" pitchFamily="34" charset="-120"/>
                   <a:ea typeface="臺灣道路體 1.0 Regular" panose="020B0506020000000000" pitchFamily="34" charset="-120"/>
-                </a:rPr>
-                <a:t>Test Data</a:t>
-              </a:r>
-              <a:endParaRPr lang="zh-TW" altLang="en-US" sz="1600" dirty="0">
-                <a:solidFill>
-                  <a:schemeClr val="bg1"/>
-                </a:solidFill>
-                <a:latin typeface="臺灣道路體 1.0 Regular" panose="020B0506020000000000" pitchFamily="34" charset="-120"/>
-                <a:ea typeface="臺灣道路體 1.0 Regular" panose="020B0506020000000000" pitchFamily="34" charset="-120"/>
-              </a:endParaRPr>
-            </a:p>
-          </p:txBody>
-        </p:sp>
-      </p:grpSp>
-      <p:grpSp>
-        <p:nvGrpSpPr>
-          <p:cNvPr id="86" name="群組 85">
-            <a:extLst>
-              <a:ext uri="{FF2B5EF4-FFF2-40B4-BE49-F238E27FC236}">
-                <a16:creationId xmlns:a16="http://schemas.microsoft.com/office/drawing/2014/main" id="{F6BED08B-9772-2F70-1BED-A5DE05C8B639}"/>
-              </a:ext>
-            </a:extLst>
-          </p:cNvPr>
-          <p:cNvGrpSpPr/>
-          <p:nvPr/>
-        </p:nvGrpSpPr>
-        <p:grpSpPr>
-          <a:xfrm>
-            <a:off x="5356943" y="3034570"/>
-            <a:ext cx="1070063" cy="360000"/>
-            <a:chOff x="6812651" y="4054162"/>
-            <a:chExt cx="1070063" cy="360000"/>
-          </a:xfrm>
-        </p:grpSpPr>
-        <p:pic>
-          <p:nvPicPr>
-            <p:cNvPr id="26" name="圖片 25">
+                </a:endParaRPr>
+              </a:p>
+            </p:txBody>
+          </p:sp>
+        </p:grpSp>
+        <p:grpSp>
+          <p:nvGrpSpPr>
+            <p:cNvPr id="86" name="群組 85">
               <a:extLst>
                 <a:ext uri="{FF2B5EF4-FFF2-40B4-BE49-F238E27FC236}">
-                  <a16:creationId xmlns:a16="http://schemas.microsoft.com/office/drawing/2014/main" id="{F0BD3574-8AF9-FB67-8DC9-44EA6D3CA52C}"/>
+                  <a16:creationId xmlns:a16="http://schemas.microsoft.com/office/drawing/2014/main" id="{F6BED08B-9772-2F70-1BED-A5DE05C8B639}"/>
                 </a:ext>
               </a:extLst>
             </p:cNvPr>
-            <p:cNvPicPr>
-              <a:picLocks noChangeAspect="1"/>
-            </p:cNvPicPr>
+            <p:cNvGrpSpPr/>
             <p:nvPr/>
-          </p:nvPicPr>
-          <p:blipFill>
-            <a:blip r:embed="rId9">
-              <a:extLst>
-                <a:ext uri="{28A0092B-C50C-407E-A947-70E740481C1C}">
-                  <a14:useLocalDpi xmlns:a14="http://schemas.microsoft.com/office/drawing/2010/main" val="0"/>
-                </a:ext>
-              </a:extLst>
-            </a:blip>
-            <a:stretch>
-              <a:fillRect/>
-            </a:stretch>
-          </p:blipFill>
-          <p:spPr>
+          </p:nvGrpSpPr>
+          <p:grpSpPr>
             <a:xfrm>
-              <a:off x="6812651" y="4054162"/>
-              <a:ext cx="360000" cy="360000"/>
+              <a:off x="6664037" y="2966761"/>
+              <a:ext cx="1070063" cy="360000"/>
+              <a:chOff x="6812651" y="4054162"/>
+              <a:chExt cx="1070063" cy="360000"/>
             </a:xfrm>
-            <a:prstGeom prst="rect">
-              <a:avLst/>
-            </a:prstGeom>
-          </p:spPr>
-        </p:pic>
-        <p:sp>
-          <p:nvSpPr>
-            <p:cNvPr id="79" name="矩形: 圓角 78">
-              <a:extLst>
-                <a:ext uri="{FF2B5EF4-FFF2-40B4-BE49-F238E27FC236}">
-                  <a16:creationId xmlns:a16="http://schemas.microsoft.com/office/drawing/2014/main" id="{00EC7D42-7E62-3BE0-0C48-35B61079B5BA}"/>
-                </a:ext>
-              </a:extLst>
-            </p:cNvPr>
-            <p:cNvSpPr/>
-            <p:nvPr/>
-          </p:nvSpPr>
-          <p:spPr>
-            <a:xfrm>
-              <a:off x="6812651" y="4054162"/>
-              <a:ext cx="1070063" cy="360000"/>
-            </a:xfrm>
-            <a:prstGeom prst="roundRect">
-              <a:avLst>
-                <a:gd name="adj" fmla="val 7313"/>
-              </a:avLst>
-            </a:prstGeom>
-            <a:solidFill>
-              <a:schemeClr val="accent2">
-                <a:alpha val="34000"/>
-              </a:schemeClr>
-            </a:solidFill>
-            <a:ln>
-              <a:noFill/>
-            </a:ln>
-          </p:spPr>
-          <p:style>
-            <a:lnRef idx="2">
-              <a:schemeClr val="accent1">
-                <a:shade val="15000"/>
-              </a:schemeClr>
-            </a:lnRef>
-            <a:fillRef idx="1">
-              <a:schemeClr val="accent1"/>
-            </a:fillRef>
-            <a:effectRef idx="0">
-              <a:schemeClr val="accent1"/>
-            </a:effectRef>
-            <a:fontRef idx="minor">
-              <a:schemeClr val="lt1"/>
-            </a:fontRef>
-          </p:style>
-          <p:txBody>
-            <a:bodyPr rtlCol="0" anchor="ctr"/>
-            <a:lstStyle/>
-            <a:p>
-              <a:pPr algn="r"/>
-              <a:r>
-                <a:rPr lang="en-US" altLang="zh-TW" sz="1600" dirty="0">
+          </p:grpSpPr>
+          <p:pic>
+            <p:nvPicPr>
+              <p:cNvPr id="26" name="圖片 25">
+                <a:extLst>
+                  <a:ext uri="{FF2B5EF4-FFF2-40B4-BE49-F238E27FC236}">
+                    <a16:creationId xmlns:a16="http://schemas.microsoft.com/office/drawing/2014/main" id="{F0BD3574-8AF9-FB67-8DC9-44EA6D3CA52C}"/>
+                  </a:ext>
+                </a:extLst>
+              </p:cNvPr>
+              <p:cNvPicPr>
+                <a:picLocks noChangeAspect="1"/>
+              </p:cNvPicPr>
+              <p:nvPr/>
+            </p:nvPicPr>
+            <p:blipFill>
+              <a:blip r:embed="rId9">
+                <a:extLst>
+                  <a:ext uri="{28A0092B-C50C-407E-A947-70E740481C1C}">
+                    <a14:useLocalDpi xmlns:a14="http://schemas.microsoft.com/office/drawing/2010/main" val="0"/>
+                  </a:ext>
+                </a:extLst>
+              </a:blip>
+              <a:stretch>
+                <a:fillRect/>
+              </a:stretch>
+            </p:blipFill>
+            <p:spPr>
+              <a:xfrm>
+                <a:off x="6812651" y="4054162"/>
+                <a:ext cx="360000" cy="360000"/>
+              </a:xfrm>
+              <a:prstGeom prst="rect">
+                <a:avLst/>
+              </a:prstGeom>
+            </p:spPr>
+          </p:pic>
+          <p:sp>
+            <p:nvSpPr>
+              <p:cNvPr id="79" name="矩形: 圓角 78">
+                <a:extLst>
+                  <a:ext uri="{FF2B5EF4-FFF2-40B4-BE49-F238E27FC236}">
+                    <a16:creationId xmlns:a16="http://schemas.microsoft.com/office/drawing/2014/main" id="{00EC7D42-7E62-3BE0-0C48-35B61079B5BA}"/>
+                  </a:ext>
+                </a:extLst>
+              </p:cNvPr>
+              <p:cNvSpPr/>
+              <p:nvPr/>
+            </p:nvSpPr>
+            <p:spPr>
+              <a:xfrm>
+                <a:off x="6812651" y="4054162"/>
+                <a:ext cx="1070063" cy="360000"/>
+              </a:xfrm>
+              <a:prstGeom prst="roundRect">
+                <a:avLst>
+                  <a:gd name="adj" fmla="val 7313"/>
+                </a:avLst>
+              </a:prstGeom>
+              <a:solidFill>
+                <a:schemeClr val="accent2">
+                  <a:alpha val="34000"/>
+                </a:schemeClr>
+              </a:solidFill>
+              <a:ln>
+                <a:noFill/>
+              </a:ln>
+            </p:spPr>
+            <p:style>
+              <a:lnRef idx="2">
+                <a:schemeClr val="accent1">
+                  <a:shade val="15000"/>
+                </a:schemeClr>
+              </a:lnRef>
+              <a:fillRef idx="1">
+                <a:schemeClr val="accent1"/>
+              </a:fillRef>
+              <a:effectRef idx="0">
+                <a:schemeClr val="accent1"/>
+              </a:effectRef>
+              <a:fontRef idx="minor">
+                <a:schemeClr val="lt1"/>
+              </a:fontRef>
+            </p:style>
+            <p:txBody>
+              <a:bodyPr rtlCol="0" anchor="ctr"/>
+              <a:lstStyle/>
+              <a:p>
+                <a:pPr algn="r"/>
+                <a:r>
+                  <a:rPr lang="en-US" altLang="zh-TW" sz="1600" dirty="0">
+                    <a:solidFill>
+                      <a:schemeClr val="bg1"/>
+                    </a:solidFill>
+                    <a:latin typeface="臺灣道路體 1.0 Regular" panose="020B0506020000000000" pitchFamily="34" charset="-120"/>
+                    <a:ea typeface="臺灣道路體 1.0 Regular" panose="020B0506020000000000" pitchFamily="34" charset="-120"/>
+                  </a:rPr>
+                  <a:t>Algorithm</a:t>
+                </a:r>
+                <a:endParaRPr lang="zh-TW" altLang="en-US" sz="1600" dirty="0">
                   <a:solidFill>
                     <a:schemeClr val="bg1"/>
                   </a:solidFill>
                   <a:latin typeface="臺灣道路體 1.0 Regular" panose="020B0506020000000000" pitchFamily="34" charset="-120"/>
                   <a:ea typeface="臺灣道路體 1.0 Regular" panose="020B0506020000000000" pitchFamily="34" charset="-120"/>
-                </a:rPr>
-                <a:t>Algorithm</a:t>
-              </a:r>
-              <a:endParaRPr lang="zh-TW" altLang="en-US" sz="1600" dirty="0">
-                <a:solidFill>
-                  <a:schemeClr val="bg1"/>
-                </a:solidFill>
-                <a:latin typeface="臺灣道路體 1.0 Regular" panose="020B0506020000000000" pitchFamily="34" charset="-120"/>
-                <a:ea typeface="臺灣道路體 1.0 Regular" panose="020B0506020000000000" pitchFamily="34" charset="-120"/>
-              </a:endParaRPr>
-            </a:p>
-          </p:txBody>
-        </p:sp>
-      </p:grpSp>
-      <p:grpSp>
-        <p:nvGrpSpPr>
-          <p:cNvPr id="85" name="群組 84">
-            <a:extLst>
-              <a:ext uri="{FF2B5EF4-FFF2-40B4-BE49-F238E27FC236}">
-                <a16:creationId xmlns:a16="http://schemas.microsoft.com/office/drawing/2014/main" id="{455A60E6-944F-B761-6782-97838E86034E}"/>
-              </a:ext>
-            </a:extLst>
-          </p:cNvPr>
-          <p:cNvGrpSpPr/>
-          <p:nvPr/>
-        </p:nvGrpSpPr>
-        <p:grpSpPr>
-          <a:xfrm>
-            <a:off x="2127172" y="4314479"/>
-            <a:ext cx="1800000" cy="369693"/>
-            <a:chOff x="2127172" y="3777897"/>
-            <a:chExt cx="1800000" cy="369693"/>
-          </a:xfrm>
-        </p:grpSpPr>
+                </a:endParaRPr>
+              </a:p>
+            </p:txBody>
+          </p:sp>
+        </p:grpSp>
         <p:sp>
           <p:nvSpPr>
             <p:cNvPr id="49" name="矩形: 圓角 48">
@@ -19420,7 +21259,7 @@
           </p:nvSpPr>
           <p:spPr>
             <a:xfrm>
-              <a:off x="2127172" y="3787590"/>
+              <a:off x="3098178" y="3909885"/>
               <a:ext cx="1800000" cy="360000"/>
             </a:xfrm>
             <a:prstGeom prst="roundRect">
@@ -19506,7 +21345,7 @@
           </p:blipFill>
           <p:spPr>
             <a:xfrm>
-              <a:off x="2134111" y="3777897"/>
+              <a:off x="3101859" y="3900192"/>
               <a:ext cx="360000" cy="360000"/>
             </a:xfrm>
             <a:prstGeom prst="rect">
@@ -19514,243 +21353,1082 @@
             </a:prstGeom>
           </p:spPr>
         </p:pic>
-      </p:grpSp>
-      <p:cxnSp>
-        <p:nvCxnSpPr>
-          <p:cNvPr id="88" name="直線單箭頭接點 87">
-            <a:extLst>
-              <a:ext uri="{FF2B5EF4-FFF2-40B4-BE49-F238E27FC236}">
-                <a16:creationId xmlns:a16="http://schemas.microsoft.com/office/drawing/2014/main" id="{6DC0D594-E8DC-D107-0655-D672FD7ECD05}"/>
-              </a:ext>
-            </a:extLst>
-          </p:cNvPr>
-          <p:cNvCxnSpPr>
-            <a:stCxn id="28" idx="2"/>
-            <a:endCxn id="30" idx="0"/>
-          </p:cNvCxnSpPr>
-          <p:nvPr/>
-        </p:nvCxnSpPr>
-        <p:spPr>
-          <a:xfrm>
-            <a:off x="3027172" y="2859338"/>
-            <a:ext cx="0" cy="231167"/>
-          </a:xfrm>
-          <a:prstGeom prst="straightConnector1">
-            <a:avLst/>
-          </a:prstGeom>
-          <a:ln>
-            <a:tailEnd type="triangle"/>
-          </a:ln>
-        </p:spPr>
-        <p:style>
-          <a:lnRef idx="1">
-            <a:schemeClr val="accent1"/>
-          </a:lnRef>
-          <a:fillRef idx="0">
-            <a:schemeClr val="accent1"/>
-          </a:fillRef>
-          <a:effectRef idx="0">
-            <a:schemeClr val="accent1"/>
-          </a:effectRef>
-          <a:fontRef idx="minor">
-            <a:schemeClr val="tx1"/>
-          </a:fontRef>
-        </p:style>
-      </p:cxnSp>
-      <p:cxnSp>
-        <p:nvCxnSpPr>
-          <p:cNvPr id="90" name="直線單箭頭接點 89">
-            <a:extLst>
-              <a:ext uri="{FF2B5EF4-FFF2-40B4-BE49-F238E27FC236}">
-                <a16:creationId xmlns:a16="http://schemas.microsoft.com/office/drawing/2014/main" id="{5ED36B2E-E7EB-5C48-FF78-8F96A049611C}"/>
-              </a:ext>
-            </a:extLst>
-          </p:cNvPr>
-          <p:cNvCxnSpPr>
-            <a:stCxn id="30" idx="2"/>
-            <a:endCxn id="31" idx="0"/>
-          </p:cNvCxnSpPr>
-          <p:nvPr/>
-        </p:nvCxnSpPr>
-        <p:spPr>
-          <a:xfrm>
-            <a:off x="3027172" y="3450505"/>
-            <a:ext cx="0" cy="291222"/>
-          </a:xfrm>
-          <a:prstGeom prst="straightConnector1">
-            <a:avLst/>
-          </a:prstGeom>
-          <a:ln>
-            <a:tailEnd type="triangle"/>
-          </a:ln>
-        </p:spPr>
-        <p:style>
-          <a:lnRef idx="1">
-            <a:schemeClr val="accent1"/>
-          </a:lnRef>
-          <a:fillRef idx="0">
-            <a:schemeClr val="accent1"/>
-          </a:fillRef>
-          <a:effectRef idx="0">
-            <a:schemeClr val="accent1"/>
-          </a:effectRef>
-          <a:fontRef idx="minor">
-            <a:schemeClr val="tx1"/>
-          </a:fontRef>
-        </p:style>
-      </p:cxnSp>
-      <p:cxnSp>
-        <p:nvCxnSpPr>
-          <p:cNvPr id="92" name="直線單箭頭接點 91">
-            <a:extLst>
-              <a:ext uri="{FF2B5EF4-FFF2-40B4-BE49-F238E27FC236}">
-                <a16:creationId xmlns:a16="http://schemas.microsoft.com/office/drawing/2014/main" id="{AF03ED9A-1110-68F5-2895-250A1213DB32}"/>
-              </a:ext>
-            </a:extLst>
-          </p:cNvPr>
-          <p:cNvCxnSpPr>
-            <a:stCxn id="31" idx="2"/>
-            <a:endCxn id="49" idx="0"/>
-          </p:cNvCxnSpPr>
-          <p:nvPr/>
-        </p:nvCxnSpPr>
-        <p:spPr>
-          <a:xfrm>
-            <a:off x="3027172" y="4101727"/>
-            <a:ext cx="0" cy="222445"/>
-          </a:xfrm>
-          <a:prstGeom prst="straightConnector1">
-            <a:avLst/>
-          </a:prstGeom>
-          <a:ln>
-            <a:tailEnd type="triangle"/>
-          </a:ln>
-        </p:spPr>
-        <p:style>
-          <a:lnRef idx="1">
-            <a:schemeClr val="accent1"/>
-          </a:lnRef>
-          <a:fillRef idx="0">
-            <a:schemeClr val="accent1"/>
-          </a:fillRef>
-          <a:effectRef idx="0">
-            <a:schemeClr val="accent1"/>
-          </a:effectRef>
-          <a:fontRef idx="minor">
-            <a:schemeClr val="tx1"/>
-          </a:fontRef>
-        </p:style>
-      </p:cxnSp>
-      <p:cxnSp>
-        <p:nvCxnSpPr>
-          <p:cNvPr id="96" name="直線單箭頭接點 95">
-            <a:extLst>
-              <a:ext uri="{FF2B5EF4-FFF2-40B4-BE49-F238E27FC236}">
-                <a16:creationId xmlns:a16="http://schemas.microsoft.com/office/drawing/2014/main" id="{8E5C8D1A-E45D-E018-B85A-DB39FC44B87B}"/>
-              </a:ext>
-            </a:extLst>
-          </p:cNvPr>
-          <p:cNvCxnSpPr>
-            <a:stCxn id="49" idx="3"/>
-            <a:endCxn id="52" idx="1"/>
-          </p:cNvCxnSpPr>
-          <p:nvPr/>
-        </p:nvCxnSpPr>
-        <p:spPr>
-          <a:xfrm flipV="1">
-            <a:off x="3927172" y="4298726"/>
-            <a:ext cx="533061" cy="205446"/>
-          </a:xfrm>
-          <a:prstGeom prst="straightConnector1">
-            <a:avLst/>
-          </a:prstGeom>
-          <a:ln>
-            <a:tailEnd type="triangle"/>
-          </a:ln>
-        </p:spPr>
-        <p:style>
-          <a:lnRef idx="1">
-            <a:schemeClr val="accent1"/>
-          </a:lnRef>
-          <a:fillRef idx="0">
-            <a:schemeClr val="accent1"/>
-          </a:fillRef>
-          <a:effectRef idx="0">
-            <a:schemeClr val="accent1"/>
-          </a:effectRef>
-          <a:fontRef idx="minor">
-            <a:schemeClr val="tx1"/>
-          </a:fontRef>
-        </p:style>
-      </p:cxnSp>
-      <p:cxnSp>
-        <p:nvCxnSpPr>
-          <p:cNvPr id="98" name="直線單箭頭接點 97">
-            <a:extLst>
-              <a:ext uri="{FF2B5EF4-FFF2-40B4-BE49-F238E27FC236}">
-                <a16:creationId xmlns:a16="http://schemas.microsoft.com/office/drawing/2014/main" id="{5E1C615F-3C42-DE8E-CB9B-D1176F204942}"/>
-              </a:ext>
-            </a:extLst>
-          </p:cNvPr>
-          <p:cNvCxnSpPr>
-            <a:stCxn id="49" idx="3"/>
-            <a:endCxn id="63" idx="1"/>
-          </p:cNvCxnSpPr>
-          <p:nvPr/>
-        </p:nvCxnSpPr>
-        <p:spPr>
-          <a:xfrm>
-            <a:off x="3927172" y="4504172"/>
-            <a:ext cx="533670" cy="202655"/>
-          </a:xfrm>
-          <a:prstGeom prst="straightConnector1">
-            <a:avLst/>
-          </a:prstGeom>
-          <a:ln>
-            <a:tailEnd type="triangle"/>
-          </a:ln>
-        </p:spPr>
-        <p:style>
-          <a:lnRef idx="1">
-            <a:schemeClr val="accent1"/>
-          </a:lnRef>
-          <a:fillRef idx="0">
-            <a:schemeClr val="accent1"/>
-          </a:fillRef>
-          <a:effectRef idx="0">
-            <a:schemeClr val="accent1"/>
-          </a:effectRef>
-          <a:fontRef idx="minor">
-            <a:schemeClr val="tx1"/>
-          </a:fontRef>
-        </p:style>
-      </p:cxnSp>
-      <p:grpSp>
-        <p:nvGrpSpPr>
-          <p:cNvPr id="101" name="群組 100">
-            <a:extLst>
-              <a:ext uri="{FF2B5EF4-FFF2-40B4-BE49-F238E27FC236}">
-                <a16:creationId xmlns:a16="http://schemas.microsoft.com/office/drawing/2014/main" id="{20751770-396F-46B5-B957-EC2BFFFA6730}"/>
-              </a:ext>
-            </a:extLst>
-          </p:cNvPr>
-          <p:cNvGrpSpPr/>
-          <p:nvPr/>
-        </p:nvGrpSpPr>
-        <p:grpSpPr>
-          <a:xfrm>
-            <a:off x="4458262" y="1771362"/>
-            <a:ext cx="1801971" cy="360000"/>
-            <a:chOff x="7988937" y="2948689"/>
-            <a:chExt cx="1801971" cy="360000"/>
-          </a:xfrm>
-        </p:grpSpPr>
+        <p:cxnSp>
+          <p:nvCxnSpPr>
+            <p:cNvPr id="88" name="直線單箭頭接點 87">
+              <a:extLst>
+                <a:ext uri="{FF2B5EF4-FFF2-40B4-BE49-F238E27FC236}">
+                  <a16:creationId xmlns:a16="http://schemas.microsoft.com/office/drawing/2014/main" id="{6DC0D594-E8DC-D107-0655-D672FD7ECD05}"/>
+                </a:ext>
+              </a:extLst>
+            </p:cNvPr>
+            <p:cNvCxnSpPr>
+              <a:stCxn id="28" idx="2"/>
+              <a:endCxn id="30" idx="0"/>
+            </p:cNvCxnSpPr>
+            <p:nvPr/>
+          </p:nvCxnSpPr>
+          <p:spPr>
+            <a:xfrm>
+              <a:off x="3993407" y="2451240"/>
+              <a:ext cx="4771" cy="225068"/>
+            </a:xfrm>
+            <a:prstGeom prst="straightConnector1">
+              <a:avLst/>
+            </a:prstGeom>
+            <a:ln>
+              <a:tailEnd type="triangle"/>
+            </a:ln>
+          </p:spPr>
+          <p:style>
+            <a:lnRef idx="1">
+              <a:schemeClr val="accent1"/>
+            </a:lnRef>
+            <a:fillRef idx="0">
+              <a:schemeClr val="accent1"/>
+            </a:fillRef>
+            <a:effectRef idx="0">
+              <a:schemeClr val="accent1"/>
+            </a:effectRef>
+            <a:fontRef idx="minor">
+              <a:schemeClr val="tx1"/>
+            </a:fontRef>
+          </p:style>
+        </p:cxnSp>
+        <p:cxnSp>
+          <p:nvCxnSpPr>
+            <p:cNvPr id="90" name="直線單箭頭接點 89">
+              <a:extLst>
+                <a:ext uri="{FF2B5EF4-FFF2-40B4-BE49-F238E27FC236}">
+                  <a16:creationId xmlns:a16="http://schemas.microsoft.com/office/drawing/2014/main" id="{5ED36B2E-E7EB-5C48-FF78-8F96A049611C}"/>
+                </a:ext>
+              </a:extLst>
+            </p:cNvPr>
+            <p:cNvCxnSpPr>
+              <a:stCxn id="30" idx="2"/>
+              <a:endCxn id="31" idx="0"/>
+            </p:cNvCxnSpPr>
+            <p:nvPr/>
+          </p:nvCxnSpPr>
+          <p:spPr>
+            <a:xfrm>
+              <a:off x="3998178" y="3036308"/>
+              <a:ext cx="0" cy="235480"/>
+            </a:xfrm>
+            <a:prstGeom prst="straightConnector1">
+              <a:avLst/>
+            </a:prstGeom>
+            <a:ln>
+              <a:tailEnd type="triangle"/>
+            </a:ln>
+          </p:spPr>
+          <p:style>
+            <a:lnRef idx="1">
+              <a:schemeClr val="accent1"/>
+            </a:lnRef>
+            <a:fillRef idx="0">
+              <a:schemeClr val="accent1"/>
+            </a:fillRef>
+            <a:effectRef idx="0">
+              <a:schemeClr val="accent1"/>
+            </a:effectRef>
+            <a:fontRef idx="minor">
+              <a:schemeClr val="tx1"/>
+            </a:fontRef>
+          </p:style>
+        </p:cxnSp>
+        <p:cxnSp>
+          <p:nvCxnSpPr>
+            <p:cNvPr id="92" name="直線單箭頭接點 91">
+              <a:extLst>
+                <a:ext uri="{FF2B5EF4-FFF2-40B4-BE49-F238E27FC236}">
+                  <a16:creationId xmlns:a16="http://schemas.microsoft.com/office/drawing/2014/main" id="{AF03ED9A-1110-68F5-2895-250A1213DB32}"/>
+                </a:ext>
+              </a:extLst>
+            </p:cNvPr>
+            <p:cNvCxnSpPr>
+              <a:stCxn id="31" idx="2"/>
+              <a:endCxn id="49" idx="0"/>
+            </p:cNvCxnSpPr>
+            <p:nvPr/>
+          </p:nvCxnSpPr>
+          <p:spPr>
+            <a:xfrm>
+              <a:off x="3998178" y="3631788"/>
+              <a:ext cx="0" cy="278097"/>
+            </a:xfrm>
+            <a:prstGeom prst="straightConnector1">
+              <a:avLst/>
+            </a:prstGeom>
+            <a:ln>
+              <a:tailEnd type="triangle"/>
+            </a:ln>
+          </p:spPr>
+          <p:style>
+            <a:lnRef idx="1">
+              <a:schemeClr val="accent1"/>
+            </a:lnRef>
+            <a:fillRef idx="0">
+              <a:schemeClr val="accent1"/>
+            </a:fillRef>
+            <a:effectRef idx="0">
+              <a:schemeClr val="accent1"/>
+            </a:effectRef>
+            <a:fontRef idx="minor">
+              <a:schemeClr val="tx1"/>
+            </a:fontRef>
+          </p:style>
+        </p:cxnSp>
+        <p:cxnSp>
+          <p:nvCxnSpPr>
+            <p:cNvPr id="96" name="直線單箭頭接點 95">
+              <a:extLst>
+                <a:ext uri="{FF2B5EF4-FFF2-40B4-BE49-F238E27FC236}">
+                  <a16:creationId xmlns:a16="http://schemas.microsoft.com/office/drawing/2014/main" id="{8E5C8D1A-E45D-E018-B85A-DB39FC44B87B}"/>
+                </a:ext>
+              </a:extLst>
+            </p:cNvPr>
+            <p:cNvCxnSpPr>
+              <a:stCxn id="49" idx="3"/>
+              <a:endCxn id="52" idx="1"/>
+            </p:cNvCxnSpPr>
+            <p:nvPr/>
+          </p:nvCxnSpPr>
+          <p:spPr>
+            <a:xfrm flipV="1">
+              <a:off x="4898178" y="3884439"/>
+              <a:ext cx="869149" cy="205446"/>
+            </a:xfrm>
+            <a:prstGeom prst="straightConnector1">
+              <a:avLst/>
+            </a:prstGeom>
+            <a:ln>
+              <a:tailEnd type="triangle"/>
+            </a:ln>
+          </p:spPr>
+          <p:style>
+            <a:lnRef idx="1">
+              <a:schemeClr val="accent1"/>
+            </a:lnRef>
+            <a:fillRef idx="0">
+              <a:schemeClr val="accent1"/>
+            </a:fillRef>
+            <a:effectRef idx="0">
+              <a:schemeClr val="accent1"/>
+            </a:effectRef>
+            <a:fontRef idx="minor">
+              <a:schemeClr val="tx1"/>
+            </a:fontRef>
+          </p:style>
+        </p:cxnSp>
+        <p:cxnSp>
+          <p:nvCxnSpPr>
+            <p:cNvPr id="98" name="直線單箭頭接點 97">
+              <a:extLst>
+                <a:ext uri="{FF2B5EF4-FFF2-40B4-BE49-F238E27FC236}">
+                  <a16:creationId xmlns:a16="http://schemas.microsoft.com/office/drawing/2014/main" id="{5E1C615F-3C42-DE8E-CB9B-D1176F204942}"/>
+                </a:ext>
+              </a:extLst>
+            </p:cNvPr>
+            <p:cNvCxnSpPr>
+              <a:stCxn id="49" idx="3"/>
+              <a:endCxn id="63" idx="1"/>
+            </p:cNvCxnSpPr>
+            <p:nvPr/>
+          </p:nvCxnSpPr>
+          <p:spPr>
+            <a:xfrm>
+              <a:off x="4898178" y="4089885"/>
+              <a:ext cx="869758" cy="202655"/>
+            </a:xfrm>
+            <a:prstGeom prst="straightConnector1">
+              <a:avLst/>
+            </a:prstGeom>
+            <a:ln>
+              <a:tailEnd type="triangle"/>
+            </a:ln>
+          </p:spPr>
+          <p:style>
+            <a:lnRef idx="1">
+              <a:schemeClr val="accent1"/>
+            </a:lnRef>
+            <a:fillRef idx="0">
+              <a:schemeClr val="accent1"/>
+            </a:fillRef>
+            <a:effectRef idx="0">
+              <a:schemeClr val="accent1"/>
+            </a:effectRef>
+            <a:fontRef idx="minor">
+              <a:schemeClr val="tx1"/>
+            </a:fontRef>
+          </p:style>
+        </p:cxnSp>
+        <p:grpSp>
+          <p:nvGrpSpPr>
+            <p:cNvPr id="101" name="群組 100">
+              <a:extLst>
+                <a:ext uri="{FF2B5EF4-FFF2-40B4-BE49-F238E27FC236}">
+                  <a16:creationId xmlns:a16="http://schemas.microsoft.com/office/drawing/2014/main" id="{20751770-396F-46B5-B957-EC2BFFFA6730}"/>
+                </a:ext>
+              </a:extLst>
+            </p:cNvPr>
+            <p:cNvGrpSpPr/>
+            <p:nvPr/>
+          </p:nvGrpSpPr>
+          <p:grpSpPr>
+            <a:xfrm>
+              <a:off x="5765356" y="2093773"/>
+              <a:ext cx="1800000" cy="360000"/>
+              <a:chOff x="7988937" y="2948689"/>
+              <a:chExt cx="1801971" cy="360000"/>
+            </a:xfrm>
+          </p:grpSpPr>
+          <p:sp>
+            <p:nvSpPr>
+              <p:cNvPr id="81" name="矩形: 圓角 80">
+                <a:extLst>
+                  <a:ext uri="{FF2B5EF4-FFF2-40B4-BE49-F238E27FC236}">
+                    <a16:creationId xmlns:a16="http://schemas.microsoft.com/office/drawing/2014/main" id="{2F45F74F-B1FE-97B7-11A6-9930453AE981}"/>
+                  </a:ext>
+                </a:extLst>
+              </p:cNvPr>
+              <p:cNvSpPr/>
+              <p:nvPr/>
+            </p:nvSpPr>
+            <p:spPr>
+              <a:xfrm>
+                <a:off x="7990908" y="2948689"/>
+                <a:ext cx="1800000" cy="360000"/>
+              </a:xfrm>
+              <a:prstGeom prst="roundRect">
+                <a:avLst>
+                  <a:gd name="adj" fmla="val 7313"/>
+                </a:avLst>
+              </a:prstGeom>
+              <a:solidFill>
+                <a:schemeClr val="tx1">
+                  <a:alpha val="34000"/>
+                </a:schemeClr>
+              </a:solidFill>
+              <a:ln>
+                <a:noFill/>
+              </a:ln>
+            </p:spPr>
+            <p:style>
+              <a:lnRef idx="2">
+                <a:schemeClr val="accent1">
+                  <a:shade val="15000"/>
+                </a:schemeClr>
+              </a:lnRef>
+              <a:fillRef idx="1">
+                <a:schemeClr val="accent1"/>
+              </a:fillRef>
+              <a:effectRef idx="0">
+                <a:schemeClr val="accent1"/>
+              </a:effectRef>
+              <a:fontRef idx="minor">
+                <a:schemeClr val="lt1"/>
+              </a:fontRef>
+            </p:style>
+            <p:txBody>
+              <a:bodyPr rtlCol="0" anchor="ctr"/>
+              <a:lstStyle/>
+              <a:p>
+                <a:pPr algn="r"/>
+                <a:r>
+                  <a:rPr lang="en-US" altLang="zh-TW" sz="1600" dirty="0">
+                    <a:solidFill>
+                      <a:schemeClr val="bg1"/>
+                    </a:solidFill>
+                    <a:latin typeface="臺灣道路體 1.0 Regular" panose="020B0506020000000000" pitchFamily="34" charset="-120"/>
+                    <a:ea typeface="臺灣道路體 1.0 Regular" panose="020B0506020000000000" pitchFamily="34" charset="-120"/>
+                  </a:rPr>
+                  <a:t>Model Training</a:t>
+                </a:r>
+              </a:p>
+            </p:txBody>
+          </p:sp>
+          <p:pic>
+            <p:nvPicPr>
+              <p:cNvPr id="100" name="圖形 99">
+                <a:extLst>
+                  <a:ext uri="{FF2B5EF4-FFF2-40B4-BE49-F238E27FC236}">
+                    <a16:creationId xmlns:a16="http://schemas.microsoft.com/office/drawing/2014/main" id="{95E59A15-F491-252B-F4FA-ED0BF68D8D5A}"/>
+                  </a:ext>
+                </a:extLst>
+              </p:cNvPr>
+              <p:cNvPicPr>
+                <a:picLocks noChangeAspect="1"/>
+              </p:cNvPicPr>
+              <p:nvPr/>
+            </p:nvPicPr>
+            <p:blipFill>
+              <a:blip r:embed="rId12">
+                <a:extLst>
+                  <a:ext uri="{96DAC541-7B7A-43D3-8B79-37D633B846F1}">
+                    <asvg:svgBlip xmlns:asvg="http://schemas.microsoft.com/office/drawing/2016/SVG/main" r:embed="rId13"/>
+                  </a:ext>
+                </a:extLst>
+              </a:blip>
+              <a:stretch>
+                <a:fillRect/>
+              </a:stretch>
+            </p:blipFill>
+            <p:spPr>
+              <a:xfrm>
+                <a:off x="7988937" y="2948689"/>
+                <a:ext cx="360000" cy="360000"/>
+              </a:xfrm>
+              <a:prstGeom prst="rect">
+                <a:avLst/>
+              </a:prstGeom>
+            </p:spPr>
+          </p:pic>
+        </p:grpSp>
+        <p:cxnSp>
+          <p:nvCxnSpPr>
+            <p:cNvPr id="103" name="直線單箭頭接點 102">
+              <a:extLst>
+                <a:ext uri="{FF2B5EF4-FFF2-40B4-BE49-F238E27FC236}">
+                  <a16:creationId xmlns:a16="http://schemas.microsoft.com/office/drawing/2014/main" id="{596F8C8E-57E6-F5E8-B35C-6A2F3485416A}"/>
+                </a:ext>
+              </a:extLst>
+            </p:cNvPr>
+            <p:cNvCxnSpPr>
+              <a:cxnSpLocks/>
+              <a:stCxn id="52" idx="0"/>
+              <a:endCxn id="81" idx="2"/>
+            </p:cNvCxnSpPr>
+            <p:nvPr/>
+          </p:nvCxnSpPr>
+          <p:spPr>
+            <a:xfrm flipH="1" flipV="1">
+              <a:off x="6666341" y="2453773"/>
+              <a:ext cx="986" cy="1250666"/>
+            </a:xfrm>
+            <a:prstGeom prst="straightConnector1">
+              <a:avLst/>
+            </a:prstGeom>
+            <a:ln>
+              <a:tailEnd type="triangle"/>
+            </a:ln>
+          </p:spPr>
+          <p:style>
+            <a:lnRef idx="1">
+              <a:schemeClr val="accent1"/>
+            </a:lnRef>
+            <a:fillRef idx="0">
+              <a:schemeClr val="accent1"/>
+            </a:fillRef>
+            <a:effectRef idx="0">
+              <a:schemeClr val="accent1"/>
+            </a:effectRef>
+            <a:fontRef idx="minor">
+              <a:schemeClr val="tx1"/>
+            </a:fontRef>
+          </p:style>
+        </p:cxnSp>
+        <p:grpSp>
+          <p:nvGrpSpPr>
+            <p:cNvPr id="113" name="群組 112">
+              <a:extLst>
+                <a:ext uri="{FF2B5EF4-FFF2-40B4-BE49-F238E27FC236}">
+                  <a16:creationId xmlns:a16="http://schemas.microsoft.com/office/drawing/2014/main" id="{C4B89AFC-D5F6-DFC7-97BF-122C0F95D66D}"/>
+                </a:ext>
+              </a:extLst>
+            </p:cNvPr>
+            <p:cNvGrpSpPr/>
+            <p:nvPr/>
+          </p:nvGrpSpPr>
+          <p:grpSpPr>
+            <a:xfrm>
+              <a:off x="5765356" y="5050068"/>
+              <a:ext cx="1800000" cy="360000"/>
+              <a:chOff x="4450420" y="5427883"/>
+              <a:chExt cx="1806523" cy="363100"/>
+            </a:xfrm>
+          </p:grpSpPr>
+          <p:sp>
+            <p:nvSpPr>
+              <p:cNvPr id="106" name="矩形: 圓角 105">
+                <a:extLst>
+                  <a:ext uri="{FF2B5EF4-FFF2-40B4-BE49-F238E27FC236}">
+                    <a16:creationId xmlns:a16="http://schemas.microsoft.com/office/drawing/2014/main" id="{7286D1A9-374A-F4FB-DED2-0715F3302248}"/>
+                  </a:ext>
+                </a:extLst>
+              </p:cNvPr>
+              <p:cNvSpPr/>
+              <p:nvPr/>
+            </p:nvSpPr>
+            <p:spPr>
+              <a:xfrm>
+                <a:off x="4456943" y="5430983"/>
+                <a:ext cx="1800000" cy="360000"/>
+              </a:xfrm>
+              <a:prstGeom prst="roundRect">
+                <a:avLst>
+                  <a:gd name="adj" fmla="val 7313"/>
+                </a:avLst>
+              </a:prstGeom>
+              <a:solidFill>
+                <a:schemeClr val="tx1">
+                  <a:alpha val="34000"/>
+                </a:schemeClr>
+              </a:solidFill>
+              <a:ln>
+                <a:noFill/>
+              </a:ln>
+            </p:spPr>
+            <p:style>
+              <a:lnRef idx="2">
+                <a:schemeClr val="accent1">
+                  <a:shade val="15000"/>
+                </a:schemeClr>
+              </a:lnRef>
+              <a:fillRef idx="1">
+                <a:schemeClr val="accent1"/>
+              </a:fillRef>
+              <a:effectRef idx="0">
+                <a:schemeClr val="accent1"/>
+              </a:effectRef>
+              <a:fontRef idx="minor">
+                <a:schemeClr val="lt1"/>
+              </a:fontRef>
+            </p:style>
+            <p:txBody>
+              <a:bodyPr rtlCol="0" anchor="ctr"/>
+              <a:lstStyle/>
+              <a:p>
+                <a:pPr algn="r"/>
+                <a:r>
+                  <a:rPr lang="en-US" altLang="zh-TW" sz="1600" dirty="0">
+                    <a:solidFill>
+                      <a:schemeClr val="bg1"/>
+                    </a:solidFill>
+                    <a:latin typeface="臺灣道路體 1.0 Regular" panose="020B0506020000000000" pitchFamily="34" charset="-120"/>
+                    <a:ea typeface="臺灣道路體 1.0 Regular" panose="020B0506020000000000" pitchFamily="34" charset="-120"/>
+                  </a:rPr>
+                  <a:t>Model Scoring</a:t>
+                </a:r>
+                <a:endParaRPr lang="zh-TW" altLang="en-US" sz="1600" dirty="0">
+                  <a:solidFill>
+                    <a:schemeClr val="bg1"/>
+                  </a:solidFill>
+                  <a:latin typeface="臺灣道路體 1.0 Regular" panose="020B0506020000000000" pitchFamily="34" charset="-120"/>
+                  <a:ea typeface="臺灣道路體 1.0 Regular" panose="020B0506020000000000" pitchFamily="34" charset="-120"/>
+                </a:endParaRPr>
+              </a:p>
+            </p:txBody>
+          </p:sp>
+          <p:pic>
+            <p:nvPicPr>
+              <p:cNvPr id="108" name="圖形 107">
+                <a:extLst>
+                  <a:ext uri="{FF2B5EF4-FFF2-40B4-BE49-F238E27FC236}">
+                    <a16:creationId xmlns:a16="http://schemas.microsoft.com/office/drawing/2014/main" id="{10C482E1-91EB-3F43-2981-F5024A838A46}"/>
+                  </a:ext>
+                </a:extLst>
+              </p:cNvPr>
+              <p:cNvPicPr>
+                <a:picLocks noChangeAspect="1"/>
+              </p:cNvPicPr>
+              <p:nvPr/>
+            </p:nvPicPr>
+            <p:blipFill>
+              <a:blip r:embed="rId14">
+                <a:extLst>
+                  <a:ext uri="{96DAC541-7B7A-43D3-8B79-37D633B846F1}">
+                    <asvg:svgBlip xmlns:asvg="http://schemas.microsoft.com/office/drawing/2016/SVG/main" r:embed="rId15"/>
+                  </a:ext>
+                </a:extLst>
+              </a:blip>
+              <a:stretch>
+                <a:fillRect/>
+              </a:stretch>
+            </p:blipFill>
+            <p:spPr>
+              <a:xfrm>
+                <a:off x="4450420" y="5427883"/>
+                <a:ext cx="360000" cy="360000"/>
+              </a:xfrm>
+              <a:prstGeom prst="rect">
+                <a:avLst/>
+              </a:prstGeom>
+            </p:spPr>
+          </p:pic>
+        </p:grpSp>
+        <p:grpSp>
+          <p:nvGrpSpPr>
+            <p:cNvPr id="114" name="群組 113">
+              <a:extLst>
+                <a:ext uri="{FF2B5EF4-FFF2-40B4-BE49-F238E27FC236}">
+                  <a16:creationId xmlns:a16="http://schemas.microsoft.com/office/drawing/2014/main" id="{1C601C18-4850-58B5-E6F4-B72880487B6F}"/>
+                </a:ext>
+              </a:extLst>
+            </p:cNvPr>
+            <p:cNvGrpSpPr/>
+            <p:nvPr/>
+          </p:nvGrpSpPr>
+          <p:grpSpPr>
+            <a:xfrm>
+              <a:off x="8564363" y="5053142"/>
+              <a:ext cx="1800000" cy="360000"/>
+              <a:chOff x="6921920" y="5430983"/>
+              <a:chExt cx="1800000" cy="370279"/>
+            </a:xfrm>
+          </p:grpSpPr>
+          <p:sp>
+            <p:nvSpPr>
+              <p:cNvPr id="82" name="矩形: 圓角 81">
+                <a:extLst>
+                  <a:ext uri="{FF2B5EF4-FFF2-40B4-BE49-F238E27FC236}">
+                    <a16:creationId xmlns:a16="http://schemas.microsoft.com/office/drawing/2014/main" id="{17BC8F2A-4865-FD1C-18BC-D6E4B8BE238B}"/>
+                  </a:ext>
+                </a:extLst>
+              </p:cNvPr>
+              <p:cNvSpPr/>
+              <p:nvPr/>
+            </p:nvSpPr>
+            <p:spPr>
+              <a:xfrm>
+                <a:off x="6921920" y="5430983"/>
+                <a:ext cx="1800000" cy="370279"/>
+              </a:xfrm>
+              <a:prstGeom prst="roundRect">
+                <a:avLst>
+                  <a:gd name="adj" fmla="val 7313"/>
+                </a:avLst>
+              </a:prstGeom>
+              <a:solidFill>
+                <a:schemeClr val="tx1">
+                  <a:alpha val="34000"/>
+                </a:schemeClr>
+              </a:solidFill>
+              <a:ln>
+                <a:noFill/>
+              </a:ln>
+            </p:spPr>
+            <p:style>
+              <a:lnRef idx="2">
+                <a:schemeClr val="accent1">
+                  <a:shade val="15000"/>
+                </a:schemeClr>
+              </a:lnRef>
+              <a:fillRef idx="1">
+                <a:schemeClr val="accent1"/>
+              </a:fillRef>
+              <a:effectRef idx="0">
+                <a:schemeClr val="accent1"/>
+              </a:effectRef>
+              <a:fontRef idx="minor">
+                <a:schemeClr val="lt1"/>
+              </a:fontRef>
+            </p:style>
+            <p:txBody>
+              <a:bodyPr rtlCol="0" anchor="ctr"/>
+              <a:lstStyle/>
+              <a:p>
+                <a:pPr algn="r"/>
+                <a:r>
+                  <a:rPr lang="en-US" altLang="zh-TW" sz="1600" dirty="0">
+                    <a:solidFill>
+                      <a:schemeClr val="bg1"/>
+                    </a:solidFill>
+                    <a:latin typeface="臺灣道路體 1.0 Regular" panose="020B0506020000000000" pitchFamily="34" charset="-120"/>
+                    <a:ea typeface="臺灣道路體 1.0 Regular" panose="020B0506020000000000" pitchFamily="34" charset="-120"/>
+                  </a:rPr>
+                  <a:t>Model Validation</a:t>
+                </a:r>
+                <a:endParaRPr lang="zh-TW" altLang="en-US" sz="1600" dirty="0">
+                  <a:solidFill>
+                    <a:schemeClr val="bg1"/>
+                  </a:solidFill>
+                  <a:latin typeface="臺灣道路體 1.0 Regular" panose="020B0506020000000000" pitchFamily="34" charset="-120"/>
+                  <a:ea typeface="臺灣道路體 1.0 Regular" panose="020B0506020000000000" pitchFamily="34" charset="-120"/>
+                </a:endParaRPr>
+              </a:p>
+            </p:txBody>
+          </p:sp>
+          <p:pic>
+            <p:nvPicPr>
+              <p:cNvPr id="112" name="圖形 111">
+                <a:extLst>
+                  <a:ext uri="{FF2B5EF4-FFF2-40B4-BE49-F238E27FC236}">
+                    <a16:creationId xmlns:a16="http://schemas.microsoft.com/office/drawing/2014/main" id="{0B3CDB50-FD58-CAAC-30F9-DE8494DB03CF}"/>
+                  </a:ext>
+                </a:extLst>
+              </p:cNvPr>
+              <p:cNvPicPr>
+                <a:picLocks noChangeAspect="1"/>
+              </p:cNvPicPr>
+              <p:nvPr/>
+            </p:nvPicPr>
+            <p:blipFill>
+              <a:blip r:embed="rId16">
+                <a:extLst>
+                  <a:ext uri="{96DAC541-7B7A-43D3-8B79-37D633B846F1}">
+                    <asvg:svgBlip xmlns:asvg="http://schemas.microsoft.com/office/drawing/2016/SVG/main" r:embed="rId17"/>
+                  </a:ext>
+                </a:extLst>
+              </a:blip>
+              <a:stretch>
+                <a:fillRect/>
+              </a:stretch>
+            </p:blipFill>
+            <p:spPr>
+              <a:xfrm>
+                <a:off x="6946414" y="5441262"/>
+                <a:ext cx="360000" cy="360000"/>
+              </a:xfrm>
+              <a:prstGeom prst="rect">
+                <a:avLst/>
+              </a:prstGeom>
+            </p:spPr>
+          </p:pic>
+        </p:grpSp>
+        <p:cxnSp>
+          <p:nvCxnSpPr>
+            <p:cNvPr id="6" name="直線單箭頭接點 5">
+              <a:extLst>
+                <a:ext uri="{FF2B5EF4-FFF2-40B4-BE49-F238E27FC236}">
+                  <a16:creationId xmlns:a16="http://schemas.microsoft.com/office/drawing/2014/main" id="{10A1C0F8-3493-D68F-86D0-51F3C5794355}"/>
+                </a:ext>
+              </a:extLst>
+            </p:cNvPr>
+            <p:cNvCxnSpPr>
+              <a:stCxn id="63" idx="2"/>
+              <a:endCxn id="106" idx="0"/>
+            </p:cNvCxnSpPr>
+            <p:nvPr/>
+          </p:nvCxnSpPr>
+          <p:spPr>
+            <a:xfrm>
+              <a:off x="6667936" y="4472540"/>
+              <a:ext cx="670" cy="580602"/>
+            </a:xfrm>
+            <a:prstGeom prst="straightConnector1">
+              <a:avLst/>
+            </a:prstGeom>
+            <a:ln>
+              <a:tailEnd type="triangle"/>
+            </a:ln>
+          </p:spPr>
+          <p:style>
+            <a:lnRef idx="1">
+              <a:schemeClr val="accent1"/>
+            </a:lnRef>
+            <a:fillRef idx="0">
+              <a:schemeClr val="accent1"/>
+            </a:fillRef>
+            <a:effectRef idx="0">
+              <a:schemeClr val="accent1"/>
+            </a:effectRef>
+            <a:fontRef idx="minor">
+              <a:schemeClr val="tx1"/>
+            </a:fontRef>
+          </p:style>
+        </p:cxnSp>
+        <p:grpSp>
+          <p:nvGrpSpPr>
+            <p:cNvPr id="33" name="群組 32">
+              <a:extLst>
+                <a:ext uri="{FF2B5EF4-FFF2-40B4-BE49-F238E27FC236}">
+                  <a16:creationId xmlns:a16="http://schemas.microsoft.com/office/drawing/2014/main" id="{88F6591E-725B-8A30-98A4-0828E4AF9467}"/>
+                </a:ext>
+              </a:extLst>
+            </p:cNvPr>
+            <p:cNvGrpSpPr/>
+            <p:nvPr/>
+          </p:nvGrpSpPr>
+          <p:grpSpPr>
+            <a:xfrm>
+              <a:off x="8557001" y="4110210"/>
+              <a:ext cx="1800000" cy="364660"/>
+              <a:chOff x="9440404" y="5439711"/>
+              <a:chExt cx="1800000" cy="364660"/>
+            </a:xfrm>
+          </p:grpSpPr>
+          <p:sp>
+            <p:nvSpPr>
+              <p:cNvPr id="16" name="矩形: 圓角 15">
+                <a:extLst>
+                  <a:ext uri="{FF2B5EF4-FFF2-40B4-BE49-F238E27FC236}">
+                    <a16:creationId xmlns:a16="http://schemas.microsoft.com/office/drawing/2014/main" id="{303E0F53-385D-45D7-B8CF-780728E857EF}"/>
+                  </a:ext>
+                </a:extLst>
+              </p:cNvPr>
+              <p:cNvSpPr/>
+              <p:nvPr/>
+            </p:nvSpPr>
+            <p:spPr>
+              <a:xfrm>
+                <a:off x="9440404" y="5439711"/>
+                <a:ext cx="1800000" cy="360000"/>
+              </a:xfrm>
+              <a:prstGeom prst="roundRect">
+                <a:avLst>
+                  <a:gd name="adj" fmla="val 7313"/>
+                </a:avLst>
+              </a:prstGeom>
+              <a:solidFill>
+                <a:schemeClr val="tx1">
+                  <a:alpha val="34000"/>
+                </a:schemeClr>
+              </a:solidFill>
+              <a:ln>
+                <a:noFill/>
+              </a:ln>
+            </p:spPr>
+            <p:style>
+              <a:lnRef idx="2">
+                <a:schemeClr val="accent1">
+                  <a:shade val="15000"/>
+                </a:schemeClr>
+              </a:lnRef>
+              <a:fillRef idx="1">
+                <a:schemeClr val="accent1"/>
+              </a:fillRef>
+              <a:effectRef idx="0">
+                <a:schemeClr val="accent1"/>
+              </a:effectRef>
+              <a:fontRef idx="minor">
+                <a:schemeClr val="lt1"/>
+              </a:fontRef>
+            </p:style>
+            <p:txBody>
+              <a:bodyPr rtlCol="0" anchor="ctr"/>
+              <a:lstStyle/>
+              <a:p>
+                <a:pPr algn="r"/>
+                <a:r>
+                  <a:rPr lang="en-US" altLang="zh-TW" sz="1600" dirty="0">
+                    <a:solidFill>
+                      <a:schemeClr val="accent1">
+                        <a:lumMod val="75000"/>
+                      </a:schemeClr>
+                    </a:solidFill>
+                    <a:latin typeface="臺灣道路體 1.0 Regular" panose="020B0506020000000000" pitchFamily="34" charset="-120"/>
+                    <a:ea typeface="臺灣道路體 1.0 Regular" panose="020B0506020000000000" pitchFamily="34" charset="-120"/>
+                  </a:rPr>
+                  <a:t>Model</a:t>
+                </a:r>
+                <a:endParaRPr lang="zh-TW" altLang="en-US" sz="1600" dirty="0">
+                  <a:solidFill>
+                    <a:schemeClr val="accent1">
+                      <a:lumMod val="75000"/>
+                    </a:schemeClr>
+                  </a:solidFill>
+                  <a:latin typeface="臺灣道路體 1.0 Regular" panose="020B0506020000000000" pitchFamily="34" charset="-120"/>
+                  <a:ea typeface="臺灣道路體 1.0 Regular" panose="020B0506020000000000" pitchFamily="34" charset="-120"/>
+                </a:endParaRPr>
+              </a:p>
+            </p:txBody>
+          </p:sp>
+          <p:pic>
+            <p:nvPicPr>
+              <p:cNvPr id="32" name="圖形 31">
+                <a:extLst>
+                  <a:ext uri="{FF2B5EF4-FFF2-40B4-BE49-F238E27FC236}">
+                    <a16:creationId xmlns:a16="http://schemas.microsoft.com/office/drawing/2014/main" id="{2DD8075D-74E9-0920-7833-4874E9B8865F}"/>
+                  </a:ext>
+                </a:extLst>
+              </p:cNvPr>
+              <p:cNvPicPr>
+                <a:picLocks noChangeAspect="1"/>
+              </p:cNvPicPr>
+              <p:nvPr/>
+            </p:nvPicPr>
+            <p:blipFill>
+              <a:blip r:embed="rId18">
+                <a:extLst>
+                  <a:ext uri="{96DAC541-7B7A-43D3-8B79-37D633B846F1}">
+                    <asvg:svgBlip xmlns:asvg="http://schemas.microsoft.com/office/drawing/2016/SVG/main" r:embed="rId19"/>
+                  </a:ext>
+                </a:extLst>
+              </a:blip>
+              <a:stretch>
+                <a:fillRect/>
+              </a:stretch>
+            </p:blipFill>
+            <p:spPr>
+              <a:xfrm>
+                <a:off x="9447766" y="5444371"/>
+                <a:ext cx="360000" cy="360000"/>
+              </a:xfrm>
+              <a:prstGeom prst="rect">
+                <a:avLst/>
+              </a:prstGeom>
+            </p:spPr>
+          </p:pic>
+        </p:grpSp>
+        <p:grpSp>
+          <p:nvGrpSpPr>
+            <p:cNvPr id="61" name="群組 60">
+              <a:extLst>
+                <a:ext uri="{FF2B5EF4-FFF2-40B4-BE49-F238E27FC236}">
+                  <a16:creationId xmlns:a16="http://schemas.microsoft.com/office/drawing/2014/main" id="{4A41551F-7760-2C54-69AF-975DAD1892A8}"/>
+                </a:ext>
+              </a:extLst>
+            </p:cNvPr>
+            <p:cNvGrpSpPr/>
+            <p:nvPr/>
+          </p:nvGrpSpPr>
+          <p:grpSpPr>
+            <a:xfrm>
+              <a:off x="8557001" y="2977788"/>
+              <a:ext cx="1800000" cy="360000"/>
+              <a:chOff x="9428047" y="3460784"/>
+              <a:chExt cx="1800000" cy="360000"/>
+            </a:xfrm>
+          </p:grpSpPr>
+          <p:sp>
+            <p:nvSpPr>
+              <p:cNvPr id="10" name="矩形: 圓角 9">
+                <a:extLst>
+                  <a:ext uri="{FF2B5EF4-FFF2-40B4-BE49-F238E27FC236}">
+                    <a16:creationId xmlns:a16="http://schemas.microsoft.com/office/drawing/2014/main" id="{2304D2BE-2001-C03D-C8AB-0ADCDF2FF03D}"/>
+                  </a:ext>
+                </a:extLst>
+              </p:cNvPr>
+              <p:cNvSpPr/>
+              <p:nvPr/>
+            </p:nvSpPr>
+            <p:spPr>
+              <a:xfrm>
+                <a:off x="9428047" y="3460784"/>
+                <a:ext cx="1800000" cy="360000"/>
+              </a:xfrm>
+              <a:prstGeom prst="roundRect">
+                <a:avLst>
+                  <a:gd name="adj" fmla="val 7313"/>
+                </a:avLst>
+              </a:prstGeom>
+              <a:solidFill>
+                <a:schemeClr val="tx1">
+                  <a:alpha val="34000"/>
+                </a:schemeClr>
+              </a:solidFill>
+              <a:ln>
+                <a:noFill/>
+              </a:ln>
+            </p:spPr>
+            <p:style>
+              <a:lnRef idx="2">
+                <a:schemeClr val="accent1">
+                  <a:shade val="15000"/>
+                </a:schemeClr>
+              </a:lnRef>
+              <a:fillRef idx="1">
+                <a:schemeClr val="accent1"/>
+              </a:fillRef>
+              <a:effectRef idx="0">
+                <a:schemeClr val="accent1"/>
+              </a:effectRef>
+              <a:fontRef idx="minor">
+                <a:schemeClr val="lt1"/>
+              </a:fontRef>
+            </p:style>
+            <p:txBody>
+              <a:bodyPr rtlCol="0" anchor="ctr"/>
+              <a:lstStyle/>
+              <a:p>
+                <a:pPr algn="r"/>
+                <a:r>
+                  <a:rPr lang="en-US" altLang="zh-TW" sz="1600" dirty="0">
+                    <a:solidFill>
+                      <a:schemeClr val="accent1">
+                        <a:lumMod val="75000"/>
+                      </a:schemeClr>
+                    </a:solidFill>
+                    <a:latin typeface="臺灣道路體 1.0 Regular" panose="020B0506020000000000" pitchFamily="34" charset="-120"/>
+                    <a:ea typeface="臺灣道路體 1.0 Regular" panose="020B0506020000000000" pitchFamily="34" charset="-120"/>
+                  </a:rPr>
+                  <a:t>Predict</a:t>
+                </a:r>
+                <a:endParaRPr lang="zh-TW" altLang="en-US" sz="1600" dirty="0">
+                  <a:solidFill>
+                    <a:schemeClr val="accent1">
+                      <a:lumMod val="75000"/>
+                    </a:schemeClr>
+                  </a:solidFill>
+                  <a:latin typeface="臺灣道路體 1.0 Regular" panose="020B0506020000000000" pitchFamily="34" charset="-120"/>
+                  <a:ea typeface="臺灣道路體 1.0 Regular" panose="020B0506020000000000" pitchFamily="34" charset="-120"/>
+                </a:endParaRPr>
+              </a:p>
+            </p:txBody>
+          </p:sp>
+          <p:pic>
+            <p:nvPicPr>
+              <p:cNvPr id="35" name="圖形 34">
+                <a:extLst>
+                  <a:ext uri="{FF2B5EF4-FFF2-40B4-BE49-F238E27FC236}">
+                    <a16:creationId xmlns:a16="http://schemas.microsoft.com/office/drawing/2014/main" id="{AB7126D7-F5EE-9CC9-DEB2-818FCAA30B93}"/>
+                  </a:ext>
+                </a:extLst>
+              </p:cNvPr>
+              <p:cNvPicPr>
+                <a:picLocks noChangeAspect="1"/>
+              </p:cNvPicPr>
+              <p:nvPr/>
+            </p:nvPicPr>
+            <p:blipFill>
+              <a:blip r:embed="rId20">
+                <a:extLst>
+                  <a:ext uri="{96DAC541-7B7A-43D3-8B79-37D633B846F1}">
+                    <asvg:svgBlip xmlns:asvg="http://schemas.microsoft.com/office/drawing/2016/SVG/main" r:embed="rId21"/>
+                  </a:ext>
+                </a:extLst>
+              </a:blip>
+              <a:stretch>
+                <a:fillRect/>
+              </a:stretch>
+            </p:blipFill>
+            <p:spPr>
+              <a:xfrm>
+                <a:off x="9428047" y="3460784"/>
+                <a:ext cx="360000" cy="360000"/>
+              </a:xfrm>
+              <a:prstGeom prst="rect">
+                <a:avLst/>
+              </a:prstGeom>
+            </p:spPr>
+          </p:pic>
+        </p:grpSp>
+        <p:cxnSp>
+          <p:nvCxnSpPr>
+            <p:cNvPr id="50" name="接點: 肘形 49">
+              <a:extLst>
+                <a:ext uri="{FF2B5EF4-FFF2-40B4-BE49-F238E27FC236}">
+                  <a16:creationId xmlns:a16="http://schemas.microsoft.com/office/drawing/2014/main" id="{5F6F96FF-7B51-62A6-969D-76B677B21C76}"/>
+                </a:ext>
+              </a:extLst>
+            </p:cNvPr>
+            <p:cNvCxnSpPr>
+              <a:stCxn id="16" idx="3"/>
+              <a:endCxn id="10" idx="3"/>
+            </p:cNvCxnSpPr>
+            <p:nvPr/>
+          </p:nvCxnSpPr>
+          <p:spPr>
+            <a:xfrm flipV="1">
+              <a:off x="10357001" y="3157788"/>
+              <a:ext cx="12700" cy="1132422"/>
+            </a:xfrm>
+            <a:prstGeom prst="bentConnector3">
+              <a:avLst>
+                <a:gd name="adj1" fmla="val 1800000"/>
+              </a:avLst>
+            </a:prstGeom>
+            <a:ln>
+              <a:tailEnd type="triangle"/>
+            </a:ln>
+          </p:spPr>
+          <p:style>
+            <a:lnRef idx="1">
+              <a:schemeClr val="accent1"/>
+            </a:lnRef>
+            <a:fillRef idx="0">
+              <a:schemeClr val="accent1"/>
+            </a:fillRef>
+            <a:effectRef idx="0">
+              <a:schemeClr val="accent1"/>
+            </a:effectRef>
+            <a:fontRef idx="minor">
+              <a:schemeClr val="tx1"/>
+            </a:fontRef>
+          </p:style>
+        </p:cxnSp>
+        <p:cxnSp>
+          <p:nvCxnSpPr>
+            <p:cNvPr id="53" name="直線單箭頭接點 52">
+              <a:extLst>
+                <a:ext uri="{FF2B5EF4-FFF2-40B4-BE49-F238E27FC236}">
+                  <a16:creationId xmlns:a16="http://schemas.microsoft.com/office/drawing/2014/main" id="{DCC7635F-4378-0C61-4694-D8399E4E89D6}"/>
+                </a:ext>
+              </a:extLst>
+            </p:cNvPr>
+            <p:cNvCxnSpPr>
+              <a:cxnSpLocks/>
+              <a:stCxn id="106" idx="3"/>
+              <a:endCxn id="82" idx="1"/>
+            </p:cNvCxnSpPr>
+            <p:nvPr/>
+          </p:nvCxnSpPr>
+          <p:spPr>
+            <a:xfrm>
+              <a:off x="7565356" y="5231605"/>
+              <a:ext cx="999007" cy="1537"/>
+            </a:xfrm>
+            <a:prstGeom prst="straightConnector1">
+              <a:avLst/>
+            </a:prstGeom>
+            <a:ln>
+              <a:tailEnd type="triangle"/>
+            </a:ln>
+          </p:spPr>
+          <p:style>
+            <a:lnRef idx="1">
+              <a:schemeClr val="accent1"/>
+            </a:lnRef>
+            <a:fillRef idx="0">
+              <a:schemeClr val="accent1"/>
+            </a:fillRef>
+            <a:effectRef idx="0">
+              <a:schemeClr val="accent1"/>
+            </a:effectRef>
+            <a:fontRef idx="minor">
+              <a:schemeClr val="tx1"/>
+            </a:fontRef>
+          </p:style>
+        </p:cxnSp>
+        <p:cxnSp>
+          <p:nvCxnSpPr>
+            <p:cNvPr id="58" name="直線單箭頭接點 57">
+              <a:extLst>
+                <a:ext uri="{FF2B5EF4-FFF2-40B4-BE49-F238E27FC236}">
+                  <a16:creationId xmlns:a16="http://schemas.microsoft.com/office/drawing/2014/main" id="{ACACC9B0-6100-2FCF-A94A-CF049F000FE0}"/>
+                </a:ext>
+              </a:extLst>
+            </p:cNvPr>
+            <p:cNvCxnSpPr>
+              <a:stCxn id="82" idx="0"/>
+              <a:endCxn id="16" idx="2"/>
+            </p:cNvCxnSpPr>
+            <p:nvPr/>
+          </p:nvCxnSpPr>
+          <p:spPr>
+            <a:xfrm flipH="1" flipV="1">
+              <a:off x="9457001" y="4470210"/>
+              <a:ext cx="7362" cy="582932"/>
+            </a:xfrm>
+            <a:prstGeom prst="straightConnector1">
+              <a:avLst/>
+            </a:prstGeom>
+            <a:ln>
+              <a:tailEnd type="triangle"/>
+            </a:ln>
+          </p:spPr>
+          <p:style>
+            <a:lnRef idx="1">
+              <a:schemeClr val="accent1"/>
+            </a:lnRef>
+            <a:fillRef idx="0">
+              <a:schemeClr val="accent1"/>
+            </a:fillRef>
+            <a:effectRef idx="0">
+              <a:schemeClr val="accent1"/>
+            </a:effectRef>
+            <a:fontRef idx="minor">
+              <a:schemeClr val="tx1"/>
+            </a:fontRef>
+          </p:style>
+        </p:cxnSp>
         <p:sp>
           <p:nvSpPr>
-            <p:cNvPr id="81" name="矩形: 圓角 80">
+            <p:cNvPr id="71" name="橢圓 70">
               <a:extLst>
                 <a:ext uri="{FF2B5EF4-FFF2-40B4-BE49-F238E27FC236}">
-                  <a16:creationId xmlns:a16="http://schemas.microsoft.com/office/drawing/2014/main" id="{2F45F74F-B1FE-97B7-11A6-9930453AE981}"/>
+                  <a16:creationId xmlns:a16="http://schemas.microsoft.com/office/drawing/2014/main" id="{D969933B-3319-18EA-40FB-2179F878A660}"/>
                 </a:ext>
               </a:extLst>
             </p:cNvPr>
@@ -19759,17 +22437,16 @@
           </p:nvSpPr>
           <p:spPr>
             <a:xfrm>
-              <a:off x="7990908" y="2948689"/>
-              <a:ext cx="1800000" cy="360000"/>
+              <a:off x="4902949" y="2005648"/>
+              <a:ext cx="524107" cy="524107"/>
             </a:xfrm>
-            <a:prstGeom prst="roundRect">
-              <a:avLst>
-                <a:gd name="adj" fmla="val 7313"/>
-              </a:avLst>
+            <a:prstGeom prst="ellipse">
+              <a:avLst/>
             </a:prstGeom>
             <a:solidFill>
-              <a:schemeClr val="tx1">
-                <a:alpha val="34000"/>
+              <a:schemeClr val="accent1">
+                <a:lumMod val="75000"/>
+                <a:alpha val="51000"/>
               </a:schemeClr>
             </a:solidFill>
             <a:ln>
@@ -19796,126 +22473,23 @@
             <a:bodyPr rtlCol="0" anchor="ctr"/>
             <a:lstStyle/>
             <a:p>
-              <a:pPr algn="r"/>
+              <a:pPr algn="ctr"/>
               <a:r>
-                <a:rPr lang="en-US" altLang="zh-TW" sz="1600" dirty="0">
-                  <a:solidFill>
-                    <a:schemeClr val="bg1"/>
-                  </a:solidFill>
+                <a:rPr lang="zh-TW" altLang="en-US" sz="1400" dirty="0">
                   <a:latin typeface="臺灣道路體 1.0 Regular" panose="020B0506020000000000" pitchFamily="34" charset="-120"/>
                   <a:ea typeface="臺灣道路體 1.0 Regular" panose="020B0506020000000000" pitchFamily="34" charset="-120"/>
                 </a:rPr>
-                <a:t>Model Training</a:t>
+                <a:t>資料</a:t>
               </a:r>
             </a:p>
           </p:txBody>
         </p:sp>
-        <p:pic>
-          <p:nvPicPr>
-            <p:cNvPr id="100" name="圖形 99">
+        <p:sp>
+          <p:nvSpPr>
+            <p:cNvPr id="72" name="橢圓 71">
               <a:extLst>
                 <a:ext uri="{FF2B5EF4-FFF2-40B4-BE49-F238E27FC236}">
-                  <a16:creationId xmlns:a16="http://schemas.microsoft.com/office/drawing/2014/main" id="{95E59A15-F491-252B-F4FA-ED0BF68D8D5A}"/>
-                </a:ext>
-              </a:extLst>
-            </p:cNvPr>
-            <p:cNvPicPr>
-              <a:picLocks noChangeAspect="1"/>
-            </p:cNvPicPr>
-            <p:nvPr/>
-          </p:nvPicPr>
-          <p:blipFill>
-            <a:blip r:embed="rId12">
-              <a:extLst>
-                <a:ext uri="{96DAC541-7B7A-43D3-8B79-37D633B846F1}">
-                  <asvg:svgBlip xmlns:asvg="http://schemas.microsoft.com/office/drawing/2016/SVG/main" r:embed="rId13"/>
-                </a:ext>
-              </a:extLst>
-            </a:blip>
-            <a:stretch>
-              <a:fillRect/>
-            </a:stretch>
-          </p:blipFill>
-          <p:spPr>
-            <a:xfrm>
-              <a:off x="7988937" y="2948689"/>
-              <a:ext cx="360000" cy="360000"/>
-            </a:xfrm>
-            <a:prstGeom prst="rect">
-              <a:avLst/>
-            </a:prstGeom>
-          </p:spPr>
-        </p:pic>
-      </p:grpSp>
-      <p:cxnSp>
-        <p:nvCxnSpPr>
-          <p:cNvPr id="103" name="直線單箭頭接點 102">
-            <a:extLst>
-              <a:ext uri="{FF2B5EF4-FFF2-40B4-BE49-F238E27FC236}">
-                <a16:creationId xmlns:a16="http://schemas.microsoft.com/office/drawing/2014/main" id="{596F8C8E-57E6-F5E8-B35C-6A2F3485416A}"/>
-              </a:ext>
-            </a:extLst>
-          </p:cNvPr>
-          <p:cNvCxnSpPr>
-            <a:cxnSpLocks/>
-            <a:stCxn id="52" idx="0"/>
-            <a:endCxn id="81" idx="2"/>
-          </p:cNvCxnSpPr>
-          <p:nvPr/>
-        </p:nvCxnSpPr>
-        <p:spPr>
-          <a:xfrm flipV="1">
-            <a:off x="5360233" y="2131362"/>
-            <a:ext cx="0" cy="1987364"/>
-          </a:xfrm>
-          <a:prstGeom prst="straightConnector1">
-            <a:avLst/>
-          </a:prstGeom>
-          <a:ln>
-            <a:tailEnd type="triangle"/>
-          </a:ln>
-        </p:spPr>
-        <p:style>
-          <a:lnRef idx="1">
-            <a:schemeClr val="accent1"/>
-          </a:lnRef>
-          <a:fillRef idx="0">
-            <a:schemeClr val="accent1"/>
-          </a:fillRef>
-          <a:effectRef idx="0">
-            <a:schemeClr val="accent1"/>
-          </a:effectRef>
-          <a:fontRef idx="minor">
-            <a:schemeClr val="tx1"/>
-          </a:fontRef>
-        </p:style>
-      </p:cxnSp>
-      <p:grpSp>
-        <p:nvGrpSpPr>
-          <p:cNvPr id="113" name="群組 112">
-            <a:extLst>
-              <a:ext uri="{FF2B5EF4-FFF2-40B4-BE49-F238E27FC236}">
-                <a16:creationId xmlns:a16="http://schemas.microsoft.com/office/drawing/2014/main" id="{C4B89AFC-D5F6-DFC7-97BF-122C0F95D66D}"/>
-              </a:ext>
-            </a:extLst>
-          </p:cNvPr>
-          <p:cNvGrpSpPr/>
-          <p:nvPr/>
-        </p:nvGrpSpPr>
-        <p:grpSpPr>
-          <a:xfrm>
-            <a:off x="4450420" y="5427883"/>
-            <a:ext cx="1806523" cy="363100"/>
-            <a:chOff x="4450420" y="5427883"/>
-            <a:chExt cx="1806523" cy="363100"/>
-          </a:xfrm>
-        </p:grpSpPr>
-        <p:sp>
-          <p:nvSpPr>
-            <p:cNvPr id="106" name="矩形: 圓角 105">
-              <a:extLst>
-                <a:ext uri="{FF2B5EF4-FFF2-40B4-BE49-F238E27FC236}">
-                  <a16:creationId xmlns:a16="http://schemas.microsoft.com/office/drawing/2014/main" id="{7286D1A9-374A-F4FB-DED2-0715F3302248}"/>
+                  <a16:creationId xmlns:a16="http://schemas.microsoft.com/office/drawing/2014/main" id="{4DBB3340-70D3-E72A-C035-B6E17A55EE31}"/>
                 </a:ext>
               </a:extLst>
             </p:cNvPr>
@@ -19924,17 +22498,16 @@
           </p:nvSpPr>
           <p:spPr>
             <a:xfrm>
-              <a:off x="4456943" y="5430983"/>
-              <a:ext cx="1800000" cy="360000"/>
+              <a:off x="4902949" y="2590178"/>
+              <a:ext cx="524107" cy="524107"/>
             </a:xfrm>
-            <a:prstGeom prst="roundRect">
-              <a:avLst>
-                <a:gd name="adj" fmla="val 7313"/>
-              </a:avLst>
+            <a:prstGeom prst="ellipse">
+              <a:avLst/>
             </a:prstGeom>
             <a:solidFill>
-              <a:schemeClr val="tx1">
-                <a:alpha val="34000"/>
+              <a:schemeClr val="accent1">
+                <a:lumMod val="75000"/>
+                <a:alpha val="51000"/>
               </a:schemeClr>
             </a:solidFill>
             <a:ln>
@@ -19961,90 +22534,37 @@
             <a:bodyPr rtlCol="0" anchor="ctr"/>
             <a:lstStyle/>
             <a:p>
-              <a:pPr algn="r"/>
+              <a:pPr algn="ctr"/>
               <a:r>
-                <a:rPr lang="en-US" altLang="zh-TW" sz="1600" dirty="0">
-                  <a:solidFill>
-                    <a:schemeClr val="bg1"/>
-                  </a:solidFill>
+                <a:rPr lang="zh-TW" altLang="en-US" sz="1400" dirty="0">
                   <a:latin typeface="臺灣道路體 1.0 Regular" panose="020B0506020000000000" pitchFamily="34" charset="-120"/>
                   <a:ea typeface="臺灣道路體 1.0 Regular" panose="020B0506020000000000" pitchFamily="34" charset="-120"/>
                 </a:rPr>
-                <a:t>Model Scoring</a:t>
+                <a:t>資料</a:t>
               </a:r>
-              <a:endParaRPr lang="zh-TW" altLang="en-US" sz="1600" dirty="0">
-                <a:solidFill>
-                  <a:schemeClr val="bg1"/>
-                </a:solidFill>
+              <a:endParaRPr lang="en-US" altLang="zh-TW" sz="1400" dirty="0">
                 <a:latin typeface="臺灣道路體 1.0 Regular" panose="020B0506020000000000" pitchFamily="34" charset="-120"/>
                 <a:ea typeface="臺灣道路體 1.0 Regular" panose="020B0506020000000000" pitchFamily="34" charset="-120"/>
               </a:endParaRPr>
             </a:p>
+            <a:p>
+              <a:pPr algn="ctr"/>
+              <a:r>
+                <a:rPr lang="zh-TW" altLang="en-US" sz="1400" dirty="0">
+                  <a:latin typeface="臺灣道路體 1.0 Regular" panose="020B0506020000000000" pitchFamily="34" charset="-120"/>
+                  <a:ea typeface="臺灣道路體 1.0 Regular" panose="020B0506020000000000" pitchFamily="34" charset="-120"/>
+                </a:rPr>
+                <a:t>清理</a:t>
+              </a:r>
+            </a:p>
           </p:txBody>
         </p:sp>
-        <p:pic>
-          <p:nvPicPr>
-            <p:cNvPr id="108" name="圖形 107">
+        <p:sp>
+          <p:nvSpPr>
+            <p:cNvPr id="73" name="橢圓 72">
               <a:extLst>
                 <a:ext uri="{FF2B5EF4-FFF2-40B4-BE49-F238E27FC236}">
-                  <a16:creationId xmlns:a16="http://schemas.microsoft.com/office/drawing/2014/main" id="{10C482E1-91EB-3F43-2981-F5024A838A46}"/>
-                </a:ext>
-              </a:extLst>
-            </p:cNvPr>
-            <p:cNvPicPr>
-              <a:picLocks noChangeAspect="1"/>
-            </p:cNvPicPr>
-            <p:nvPr/>
-          </p:nvPicPr>
-          <p:blipFill>
-            <a:blip r:embed="rId14">
-              <a:extLst>
-                <a:ext uri="{96DAC541-7B7A-43D3-8B79-37D633B846F1}">
-                  <asvg:svgBlip xmlns:asvg="http://schemas.microsoft.com/office/drawing/2016/SVG/main" r:embed="rId15"/>
-                </a:ext>
-              </a:extLst>
-            </a:blip>
-            <a:stretch>
-              <a:fillRect/>
-            </a:stretch>
-          </p:blipFill>
-          <p:spPr>
-            <a:xfrm>
-              <a:off x="4450420" y="5427883"/>
-              <a:ext cx="360000" cy="360000"/>
-            </a:xfrm>
-            <a:prstGeom prst="rect">
-              <a:avLst/>
-            </a:prstGeom>
-          </p:spPr>
-        </p:pic>
-      </p:grpSp>
-      <p:grpSp>
-        <p:nvGrpSpPr>
-          <p:cNvPr id="114" name="群組 113">
-            <a:extLst>
-              <a:ext uri="{FF2B5EF4-FFF2-40B4-BE49-F238E27FC236}">
-                <a16:creationId xmlns:a16="http://schemas.microsoft.com/office/drawing/2014/main" id="{1C601C18-4850-58B5-E6F4-B72880487B6F}"/>
-              </a:ext>
-            </a:extLst>
-          </p:cNvPr>
-          <p:cNvGrpSpPr/>
-          <p:nvPr/>
-        </p:nvGrpSpPr>
-        <p:grpSpPr>
-          <a:xfrm>
-            <a:off x="6921920" y="5420704"/>
-            <a:ext cx="1800000" cy="370279"/>
-            <a:chOff x="6921920" y="5420704"/>
-            <a:chExt cx="1800000" cy="370279"/>
-          </a:xfrm>
-        </p:grpSpPr>
-        <p:sp>
-          <p:nvSpPr>
-            <p:cNvPr id="82" name="矩形: 圓角 81">
-              <a:extLst>
-                <a:ext uri="{FF2B5EF4-FFF2-40B4-BE49-F238E27FC236}">
-                  <a16:creationId xmlns:a16="http://schemas.microsoft.com/office/drawing/2014/main" id="{17BC8F2A-4865-FD1C-18BC-D6E4B8BE238B}"/>
+                  <a16:creationId xmlns:a16="http://schemas.microsoft.com/office/drawing/2014/main" id="{08C98DAA-D773-A249-FD38-B592D929A082}"/>
                 </a:ext>
               </a:extLst>
             </p:cNvPr>
@@ -20053,17 +22573,16 @@
           </p:nvSpPr>
           <p:spPr>
             <a:xfrm>
-              <a:off x="6921920" y="5430983"/>
-              <a:ext cx="1800000" cy="360000"/>
+              <a:off x="4901272" y="3244256"/>
+              <a:ext cx="524107" cy="524107"/>
             </a:xfrm>
-            <a:prstGeom prst="roundRect">
-              <a:avLst>
-                <a:gd name="adj" fmla="val 7313"/>
-              </a:avLst>
+            <a:prstGeom prst="ellipse">
+              <a:avLst/>
             </a:prstGeom>
             <a:solidFill>
-              <a:schemeClr val="tx1">
-                <a:alpha val="34000"/>
+              <a:schemeClr val="accent1">
+                <a:lumMod val="75000"/>
+                <a:alpha val="51000"/>
               </a:schemeClr>
             </a:solidFill>
             <a:ln>
@@ -20090,63 +22609,693 @@
             <a:bodyPr rtlCol="0" anchor="ctr"/>
             <a:lstStyle/>
             <a:p>
-              <a:pPr algn="r"/>
+              <a:pPr algn="ctr"/>
               <a:r>
-                <a:rPr lang="en-US" altLang="zh-TW" sz="1600" dirty="0">
+                <a:rPr lang="zh-TW" altLang="en-US" sz="1400" dirty="0">
+                  <a:latin typeface="臺灣道路體 1.0 Regular" panose="020B0506020000000000" pitchFamily="34" charset="-120"/>
+                  <a:ea typeface="臺灣道路體 1.0 Regular" panose="020B0506020000000000" pitchFamily="34" charset="-120"/>
+                </a:rPr>
+                <a:t>特徵工程</a:t>
+              </a:r>
+            </a:p>
+          </p:txBody>
+        </p:sp>
+        <p:sp>
+          <p:nvSpPr>
+            <p:cNvPr id="74" name="橢圓 73">
+              <a:extLst>
+                <a:ext uri="{FF2B5EF4-FFF2-40B4-BE49-F238E27FC236}">
+                  <a16:creationId xmlns:a16="http://schemas.microsoft.com/office/drawing/2014/main" id="{75DBF37C-619C-D574-A966-C1BD102A987A}"/>
+                </a:ext>
+              </a:extLst>
+            </p:cNvPr>
+            <p:cNvSpPr/>
+            <p:nvPr/>
+          </p:nvSpPr>
+          <p:spPr>
+            <a:xfrm>
+              <a:off x="4378336" y="4286079"/>
+              <a:ext cx="524107" cy="524107"/>
+            </a:xfrm>
+            <a:prstGeom prst="ellipse">
+              <a:avLst/>
+            </a:prstGeom>
+            <a:solidFill>
+              <a:schemeClr val="accent1">
+                <a:lumMod val="75000"/>
+                <a:alpha val="51000"/>
+              </a:schemeClr>
+            </a:solidFill>
+            <a:ln>
+              <a:noFill/>
+            </a:ln>
+          </p:spPr>
+          <p:style>
+            <a:lnRef idx="2">
+              <a:schemeClr val="accent1">
+                <a:shade val="15000"/>
+              </a:schemeClr>
+            </a:lnRef>
+            <a:fillRef idx="1">
+              <a:schemeClr val="accent1"/>
+            </a:fillRef>
+            <a:effectRef idx="0">
+              <a:schemeClr val="accent1"/>
+            </a:effectRef>
+            <a:fontRef idx="minor">
+              <a:schemeClr val="lt1"/>
+            </a:fontRef>
+          </p:style>
+          <p:txBody>
+            <a:bodyPr rtlCol="0" anchor="ctr"/>
+            <a:lstStyle/>
+            <a:p>
+              <a:pPr algn="ctr"/>
+              <a:r>
+                <a:rPr lang="zh-TW" altLang="en-US" sz="1400" dirty="0">
+                  <a:latin typeface="臺灣道路體 1.0 Regular" panose="020B0506020000000000" pitchFamily="34" charset="-120"/>
+                  <a:ea typeface="臺灣道路體 1.0 Regular" panose="020B0506020000000000" pitchFamily="34" charset="-120"/>
+                </a:rPr>
+                <a:t>資料分割</a:t>
+              </a:r>
+            </a:p>
+          </p:txBody>
+        </p:sp>
+        <p:sp>
+          <p:nvSpPr>
+            <p:cNvPr id="75" name="橢圓 74">
+              <a:extLst>
+                <a:ext uri="{FF2B5EF4-FFF2-40B4-BE49-F238E27FC236}">
+                  <a16:creationId xmlns:a16="http://schemas.microsoft.com/office/drawing/2014/main" id="{8C417C06-2DF5-D492-7B84-25CD4058F460}"/>
+                </a:ext>
+              </a:extLst>
+            </p:cNvPr>
+            <p:cNvSpPr/>
+            <p:nvPr/>
+          </p:nvSpPr>
+          <p:spPr>
+            <a:xfrm>
+              <a:off x="7568025" y="3619416"/>
+              <a:ext cx="524107" cy="524107"/>
+            </a:xfrm>
+            <a:prstGeom prst="ellipse">
+              <a:avLst/>
+            </a:prstGeom>
+            <a:solidFill>
+              <a:schemeClr val="accent1">
+                <a:lumMod val="75000"/>
+                <a:alpha val="51000"/>
+              </a:schemeClr>
+            </a:solidFill>
+            <a:ln>
+              <a:noFill/>
+            </a:ln>
+          </p:spPr>
+          <p:style>
+            <a:lnRef idx="2">
+              <a:schemeClr val="accent1">
+                <a:shade val="15000"/>
+              </a:schemeClr>
+            </a:lnRef>
+            <a:fillRef idx="1">
+              <a:schemeClr val="accent1"/>
+            </a:fillRef>
+            <a:effectRef idx="0">
+              <a:schemeClr val="accent1"/>
+            </a:effectRef>
+            <a:fontRef idx="minor">
+              <a:schemeClr val="lt1"/>
+            </a:fontRef>
+          </p:style>
+          <p:txBody>
+            <a:bodyPr rtlCol="0" anchor="ctr"/>
+            <a:lstStyle/>
+            <a:p>
+              <a:pPr algn="ctr"/>
+              <a:r>
+                <a:rPr lang="zh-TW" altLang="en-US" sz="1400" dirty="0">
+                  <a:latin typeface="臺灣道路體 1.0 Regular" panose="020B0506020000000000" pitchFamily="34" charset="-120"/>
+                  <a:ea typeface="臺灣道路體 1.0 Regular" panose="020B0506020000000000" pitchFamily="34" charset="-120"/>
+                </a:rPr>
+                <a:t>訓練資料</a:t>
+              </a:r>
+            </a:p>
+          </p:txBody>
+        </p:sp>
+        <p:sp>
+          <p:nvSpPr>
+            <p:cNvPr id="76" name="橢圓 75">
+              <a:extLst>
+                <a:ext uri="{FF2B5EF4-FFF2-40B4-BE49-F238E27FC236}">
+                  <a16:creationId xmlns:a16="http://schemas.microsoft.com/office/drawing/2014/main" id="{B627BD94-FE86-9D83-8808-454DB0988B06}"/>
+                </a:ext>
+              </a:extLst>
+            </p:cNvPr>
+            <p:cNvSpPr/>
+            <p:nvPr/>
+          </p:nvSpPr>
+          <p:spPr>
+            <a:xfrm>
+              <a:off x="7040292" y="4470210"/>
+              <a:ext cx="524107" cy="524107"/>
+            </a:xfrm>
+            <a:prstGeom prst="ellipse">
+              <a:avLst/>
+            </a:prstGeom>
+            <a:solidFill>
+              <a:schemeClr val="accent1">
+                <a:lumMod val="75000"/>
+                <a:alpha val="51000"/>
+              </a:schemeClr>
+            </a:solidFill>
+            <a:ln>
+              <a:noFill/>
+            </a:ln>
+          </p:spPr>
+          <p:style>
+            <a:lnRef idx="2">
+              <a:schemeClr val="accent1">
+                <a:shade val="15000"/>
+              </a:schemeClr>
+            </a:lnRef>
+            <a:fillRef idx="1">
+              <a:schemeClr val="accent1"/>
+            </a:fillRef>
+            <a:effectRef idx="0">
+              <a:schemeClr val="accent1"/>
+            </a:effectRef>
+            <a:fontRef idx="minor">
+              <a:schemeClr val="lt1"/>
+            </a:fontRef>
+          </p:style>
+          <p:txBody>
+            <a:bodyPr rtlCol="0" anchor="ctr"/>
+            <a:lstStyle/>
+            <a:p>
+              <a:pPr algn="ctr"/>
+              <a:r>
+                <a:rPr lang="zh-TW" altLang="en-US" sz="1400" dirty="0">
+                  <a:latin typeface="臺灣道路體 1.0 Regular" panose="020B0506020000000000" pitchFamily="34" charset="-120"/>
+                  <a:ea typeface="臺灣道路體 1.0 Regular" panose="020B0506020000000000" pitchFamily="34" charset="-120"/>
+                </a:rPr>
+                <a:t>測試資料</a:t>
+              </a:r>
+            </a:p>
+          </p:txBody>
+        </p:sp>
+        <p:sp>
+          <p:nvSpPr>
+            <p:cNvPr id="77" name="橢圓 76">
+              <a:extLst>
+                <a:ext uri="{FF2B5EF4-FFF2-40B4-BE49-F238E27FC236}">
+                  <a16:creationId xmlns:a16="http://schemas.microsoft.com/office/drawing/2014/main" id="{38DDC09B-89B6-97A6-0894-64E064E84F57}"/>
+                </a:ext>
+              </a:extLst>
+            </p:cNvPr>
+            <p:cNvSpPr/>
+            <p:nvPr/>
+          </p:nvSpPr>
+          <p:spPr>
+            <a:xfrm>
+              <a:off x="7596931" y="2482676"/>
+              <a:ext cx="524107" cy="524107"/>
+            </a:xfrm>
+            <a:prstGeom prst="ellipse">
+              <a:avLst/>
+            </a:prstGeom>
+            <a:solidFill>
+              <a:schemeClr val="accent2">
+                <a:alpha val="51000"/>
+              </a:schemeClr>
+            </a:solidFill>
+            <a:ln>
+              <a:noFill/>
+            </a:ln>
+          </p:spPr>
+          <p:style>
+            <a:lnRef idx="2">
+              <a:schemeClr val="accent1">
+                <a:shade val="15000"/>
+              </a:schemeClr>
+            </a:lnRef>
+            <a:fillRef idx="1">
+              <a:schemeClr val="accent1"/>
+            </a:fillRef>
+            <a:effectRef idx="0">
+              <a:schemeClr val="accent1"/>
+            </a:effectRef>
+            <a:fontRef idx="minor">
+              <a:schemeClr val="lt1"/>
+            </a:fontRef>
+          </p:style>
+          <p:txBody>
+            <a:bodyPr rtlCol="0" anchor="ctr"/>
+            <a:lstStyle/>
+            <a:p>
+              <a:pPr algn="ctr"/>
+              <a:r>
+                <a:rPr lang="zh-TW" altLang="en-US" sz="1400" dirty="0">
+                  <a:latin typeface="臺灣道路體 1.0 Regular" panose="020B0506020000000000" pitchFamily="34" charset="-120"/>
+                  <a:ea typeface="臺灣道路體 1.0 Regular" panose="020B0506020000000000" pitchFamily="34" charset="-120"/>
+                </a:rPr>
+                <a:t>演算法</a:t>
+              </a:r>
+            </a:p>
+          </p:txBody>
+        </p:sp>
+        <p:sp>
+          <p:nvSpPr>
+            <p:cNvPr id="78" name="橢圓 77">
+              <a:extLst>
+                <a:ext uri="{FF2B5EF4-FFF2-40B4-BE49-F238E27FC236}">
+                  <a16:creationId xmlns:a16="http://schemas.microsoft.com/office/drawing/2014/main" id="{912E563D-CF1C-409D-A66D-14EFDECBA95F}"/>
+                </a:ext>
+              </a:extLst>
+            </p:cNvPr>
+            <p:cNvSpPr/>
+            <p:nvPr/>
+          </p:nvSpPr>
+          <p:spPr>
+            <a:xfrm>
+              <a:off x="7568025" y="1851699"/>
+              <a:ext cx="524107" cy="524107"/>
+            </a:xfrm>
+            <a:prstGeom prst="ellipse">
+              <a:avLst/>
+            </a:prstGeom>
+            <a:solidFill>
+              <a:schemeClr val="accent1">
+                <a:lumMod val="75000"/>
+                <a:alpha val="51000"/>
+              </a:schemeClr>
+            </a:solidFill>
+            <a:ln>
+              <a:noFill/>
+            </a:ln>
+          </p:spPr>
+          <p:style>
+            <a:lnRef idx="2">
+              <a:schemeClr val="accent1">
+                <a:shade val="15000"/>
+              </a:schemeClr>
+            </a:lnRef>
+            <a:fillRef idx="1">
+              <a:schemeClr val="accent1"/>
+            </a:fillRef>
+            <a:effectRef idx="0">
+              <a:schemeClr val="accent1"/>
+            </a:effectRef>
+            <a:fontRef idx="minor">
+              <a:schemeClr val="lt1"/>
+            </a:fontRef>
+          </p:style>
+          <p:txBody>
+            <a:bodyPr rtlCol="0" anchor="ctr"/>
+            <a:lstStyle/>
+            <a:p>
+              <a:pPr algn="ctr"/>
+              <a:r>
+                <a:rPr lang="zh-TW" altLang="en-US" sz="1400" dirty="0">
+                  <a:latin typeface="臺灣道路體 1.0 Regular" panose="020B0506020000000000" pitchFamily="34" charset="-120"/>
+                  <a:ea typeface="臺灣道路體 1.0 Regular" panose="020B0506020000000000" pitchFamily="34" charset="-120"/>
+                </a:rPr>
+                <a:t>模型訓練</a:t>
+              </a:r>
+            </a:p>
+          </p:txBody>
+        </p:sp>
+        <p:sp>
+          <p:nvSpPr>
+            <p:cNvPr id="80" name="橢圓 79">
+              <a:extLst>
+                <a:ext uri="{FF2B5EF4-FFF2-40B4-BE49-F238E27FC236}">
+                  <a16:creationId xmlns:a16="http://schemas.microsoft.com/office/drawing/2014/main" id="{7462FB37-2257-4FFA-82C5-C65BED1C7717}"/>
+                </a:ext>
+              </a:extLst>
+            </p:cNvPr>
+            <p:cNvSpPr/>
+            <p:nvPr/>
+          </p:nvSpPr>
+          <p:spPr>
+            <a:xfrm>
+              <a:off x="7040291" y="5413303"/>
+              <a:ext cx="524107" cy="524107"/>
+            </a:xfrm>
+            <a:prstGeom prst="ellipse">
+              <a:avLst/>
+            </a:prstGeom>
+            <a:solidFill>
+              <a:schemeClr val="accent1">
+                <a:lumMod val="75000"/>
+                <a:alpha val="51000"/>
+              </a:schemeClr>
+            </a:solidFill>
+            <a:ln>
+              <a:noFill/>
+            </a:ln>
+          </p:spPr>
+          <p:style>
+            <a:lnRef idx="2">
+              <a:schemeClr val="accent1">
+                <a:shade val="15000"/>
+              </a:schemeClr>
+            </a:lnRef>
+            <a:fillRef idx="1">
+              <a:schemeClr val="accent1"/>
+            </a:fillRef>
+            <a:effectRef idx="0">
+              <a:schemeClr val="accent1"/>
+            </a:effectRef>
+            <a:fontRef idx="minor">
+              <a:schemeClr val="lt1"/>
+            </a:fontRef>
+          </p:style>
+          <p:txBody>
+            <a:bodyPr rtlCol="0" anchor="ctr"/>
+            <a:lstStyle/>
+            <a:p>
+              <a:pPr algn="ctr"/>
+              <a:r>
+                <a:rPr lang="zh-TW" altLang="en-US" sz="1400" dirty="0">
+                  <a:latin typeface="臺灣道路體 1.0 Regular" panose="020B0506020000000000" pitchFamily="34" charset="-120"/>
+                  <a:ea typeface="臺灣道路體 1.0 Regular" panose="020B0506020000000000" pitchFamily="34" charset="-120"/>
+                </a:rPr>
+                <a:t>模型評分</a:t>
+              </a:r>
+            </a:p>
+          </p:txBody>
+        </p:sp>
+        <p:sp>
+          <p:nvSpPr>
+            <p:cNvPr id="97" name="橢圓 96">
+              <a:extLst>
+                <a:ext uri="{FF2B5EF4-FFF2-40B4-BE49-F238E27FC236}">
+                  <a16:creationId xmlns:a16="http://schemas.microsoft.com/office/drawing/2014/main" id="{85C407D7-78C7-A466-C443-BC3B64193B93}"/>
+                </a:ext>
+              </a:extLst>
+            </p:cNvPr>
+            <p:cNvSpPr/>
+            <p:nvPr/>
+          </p:nvSpPr>
+          <p:spPr>
+            <a:xfrm>
+              <a:off x="9833461" y="5413302"/>
+              <a:ext cx="524107" cy="524107"/>
+            </a:xfrm>
+            <a:prstGeom prst="ellipse">
+              <a:avLst/>
+            </a:prstGeom>
+            <a:solidFill>
+              <a:schemeClr val="accent1">
+                <a:lumMod val="75000"/>
+                <a:alpha val="51000"/>
+              </a:schemeClr>
+            </a:solidFill>
+            <a:ln>
+              <a:noFill/>
+            </a:ln>
+          </p:spPr>
+          <p:style>
+            <a:lnRef idx="2">
+              <a:schemeClr val="accent1">
+                <a:shade val="15000"/>
+              </a:schemeClr>
+            </a:lnRef>
+            <a:fillRef idx="1">
+              <a:schemeClr val="accent1"/>
+            </a:fillRef>
+            <a:effectRef idx="0">
+              <a:schemeClr val="accent1"/>
+            </a:effectRef>
+            <a:fontRef idx="minor">
+              <a:schemeClr val="lt1"/>
+            </a:fontRef>
+          </p:style>
+          <p:txBody>
+            <a:bodyPr rtlCol="0" anchor="ctr"/>
+            <a:lstStyle/>
+            <a:p>
+              <a:pPr algn="ctr"/>
+              <a:r>
+                <a:rPr lang="zh-TW" altLang="en-US" sz="1400" dirty="0">
+                  <a:latin typeface="臺灣道路體 1.0 Regular" panose="020B0506020000000000" pitchFamily="34" charset="-120"/>
+                  <a:ea typeface="臺灣道路體 1.0 Regular" panose="020B0506020000000000" pitchFamily="34" charset="-120"/>
+                </a:rPr>
+                <a:t>模型評估</a:t>
+              </a:r>
+            </a:p>
+          </p:txBody>
+        </p:sp>
+        <p:grpSp>
+          <p:nvGrpSpPr>
+            <p:cNvPr id="99" name="群組 98">
+              <a:extLst>
+                <a:ext uri="{FF2B5EF4-FFF2-40B4-BE49-F238E27FC236}">
+                  <a16:creationId xmlns:a16="http://schemas.microsoft.com/office/drawing/2014/main" id="{6C3F1694-41E4-6030-2B15-CF429F2E02C3}"/>
+                </a:ext>
+              </a:extLst>
+            </p:cNvPr>
+            <p:cNvGrpSpPr/>
+            <p:nvPr/>
+          </p:nvGrpSpPr>
+          <p:grpSpPr>
+            <a:xfrm>
+              <a:off x="9516319" y="3549885"/>
+              <a:ext cx="1070063" cy="360000"/>
+              <a:chOff x="6812651" y="4054162"/>
+              <a:chExt cx="1070063" cy="360000"/>
+            </a:xfrm>
+          </p:grpSpPr>
+          <p:pic>
+            <p:nvPicPr>
+              <p:cNvPr id="102" name="圖片 101">
+                <a:extLst>
+                  <a:ext uri="{FF2B5EF4-FFF2-40B4-BE49-F238E27FC236}">
+                    <a16:creationId xmlns:a16="http://schemas.microsoft.com/office/drawing/2014/main" id="{3480048D-24A9-2CEC-EC16-AEFDA1F06C1B}"/>
+                  </a:ext>
+                </a:extLst>
+              </p:cNvPr>
+              <p:cNvPicPr>
+                <a:picLocks noChangeAspect="1"/>
+              </p:cNvPicPr>
+              <p:nvPr/>
+            </p:nvPicPr>
+            <p:blipFill>
+              <a:blip r:embed="rId9">
+                <a:extLst>
+                  <a:ext uri="{28A0092B-C50C-407E-A947-70E740481C1C}">
+                    <a14:useLocalDpi xmlns:a14="http://schemas.microsoft.com/office/drawing/2010/main" val="0"/>
+                  </a:ext>
+                </a:extLst>
+              </a:blip>
+              <a:stretch>
+                <a:fillRect/>
+              </a:stretch>
+            </p:blipFill>
+            <p:spPr>
+              <a:xfrm>
+                <a:off x="6812651" y="4054162"/>
+                <a:ext cx="360000" cy="360000"/>
+              </a:xfrm>
+              <a:prstGeom prst="rect">
+                <a:avLst/>
+              </a:prstGeom>
+            </p:spPr>
+          </p:pic>
+          <p:sp>
+            <p:nvSpPr>
+              <p:cNvPr id="104" name="矩形: 圓角 103">
+                <a:extLst>
+                  <a:ext uri="{FF2B5EF4-FFF2-40B4-BE49-F238E27FC236}">
+                    <a16:creationId xmlns:a16="http://schemas.microsoft.com/office/drawing/2014/main" id="{FC34F612-9E63-3FCD-42A6-0E58951F71F9}"/>
+                  </a:ext>
+                </a:extLst>
+              </p:cNvPr>
+              <p:cNvSpPr/>
+              <p:nvPr/>
+            </p:nvSpPr>
+            <p:spPr>
+              <a:xfrm>
+                <a:off x="6812651" y="4054162"/>
+                <a:ext cx="1070063" cy="360000"/>
+              </a:xfrm>
+              <a:prstGeom prst="roundRect">
+                <a:avLst>
+                  <a:gd name="adj" fmla="val 7313"/>
+                </a:avLst>
+              </a:prstGeom>
+              <a:solidFill>
+                <a:schemeClr val="accent2">
+                  <a:alpha val="34000"/>
+                </a:schemeClr>
+              </a:solidFill>
+              <a:ln>
+                <a:noFill/>
+              </a:ln>
+            </p:spPr>
+            <p:style>
+              <a:lnRef idx="2">
+                <a:schemeClr val="accent1">
+                  <a:shade val="15000"/>
+                </a:schemeClr>
+              </a:lnRef>
+              <a:fillRef idx="1">
+                <a:schemeClr val="accent1"/>
+              </a:fillRef>
+              <a:effectRef idx="0">
+                <a:schemeClr val="accent1"/>
+              </a:effectRef>
+              <a:fontRef idx="minor">
+                <a:schemeClr val="lt1"/>
+              </a:fontRef>
+            </p:style>
+            <p:txBody>
+              <a:bodyPr rtlCol="0" anchor="ctr"/>
+              <a:lstStyle/>
+              <a:p>
+                <a:pPr algn="r"/>
+                <a:r>
+                  <a:rPr lang="en-US" altLang="zh-TW" sz="1600" dirty="0">
+                    <a:solidFill>
+                      <a:schemeClr val="bg1"/>
+                    </a:solidFill>
+                    <a:latin typeface="臺灣道路體 1.0 Regular" panose="020B0506020000000000" pitchFamily="34" charset="-120"/>
+                    <a:ea typeface="臺灣道路體 1.0 Regular" panose="020B0506020000000000" pitchFamily="34" charset="-120"/>
+                  </a:rPr>
+                  <a:t>Deploy</a:t>
+                </a:r>
+                <a:endParaRPr lang="zh-TW" altLang="en-US" sz="1600" dirty="0">
                   <a:solidFill>
                     <a:schemeClr val="bg1"/>
                   </a:solidFill>
                   <a:latin typeface="臺灣道路體 1.0 Regular" panose="020B0506020000000000" pitchFamily="34" charset="-120"/>
                   <a:ea typeface="臺灣道路體 1.0 Regular" panose="020B0506020000000000" pitchFamily="34" charset="-120"/>
+                </a:endParaRPr>
+              </a:p>
+            </p:txBody>
+          </p:sp>
+        </p:grpSp>
+        <p:sp>
+          <p:nvSpPr>
+            <p:cNvPr id="109" name="橢圓 108">
+              <a:extLst>
+                <a:ext uri="{FF2B5EF4-FFF2-40B4-BE49-F238E27FC236}">
+                  <a16:creationId xmlns:a16="http://schemas.microsoft.com/office/drawing/2014/main" id="{9EF27040-4951-469B-2418-B0E98CD8D7CF}"/>
+                </a:ext>
+              </a:extLst>
+            </p:cNvPr>
+            <p:cNvSpPr/>
+            <p:nvPr/>
+          </p:nvSpPr>
+          <p:spPr>
+            <a:xfrm>
+              <a:off x="10588329" y="3452410"/>
+              <a:ext cx="524107" cy="524107"/>
+            </a:xfrm>
+            <a:prstGeom prst="ellipse">
+              <a:avLst/>
+            </a:prstGeom>
+            <a:solidFill>
+              <a:schemeClr val="accent2">
+                <a:alpha val="51000"/>
+              </a:schemeClr>
+            </a:solidFill>
+            <a:ln>
+              <a:noFill/>
+            </a:ln>
+          </p:spPr>
+          <p:style>
+            <a:lnRef idx="2">
+              <a:schemeClr val="accent1">
+                <a:shade val="15000"/>
+              </a:schemeClr>
+            </a:lnRef>
+            <a:fillRef idx="1">
+              <a:schemeClr val="accent1"/>
+            </a:fillRef>
+            <a:effectRef idx="0">
+              <a:schemeClr val="accent1"/>
+            </a:effectRef>
+            <a:fontRef idx="minor">
+              <a:schemeClr val="lt1"/>
+            </a:fontRef>
+          </p:style>
+          <p:txBody>
+            <a:bodyPr rtlCol="0" anchor="ctr"/>
+            <a:lstStyle/>
+            <a:p>
+              <a:pPr algn="ctr"/>
+              <a:r>
+                <a:rPr lang="zh-TW" altLang="en-US" sz="1400" dirty="0">
+                  <a:latin typeface="臺灣道路體 1.0 Regular" panose="020B0506020000000000" pitchFamily="34" charset="-120"/>
+                  <a:ea typeface="臺灣道路體 1.0 Regular" panose="020B0506020000000000" pitchFamily="34" charset="-120"/>
                 </a:rPr>
-                <a:t>Model Validation</a:t>
+                <a:t>部屬</a:t>
               </a:r>
-              <a:endParaRPr lang="zh-TW" altLang="en-US" sz="1600" dirty="0">
-                <a:solidFill>
-                  <a:schemeClr val="bg1"/>
-                </a:solidFill>
-                <a:latin typeface="臺灣道路體 1.0 Regular" panose="020B0506020000000000" pitchFamily="34" charset="-120"/>
-                <a:ea typeface="臺灣道路體 1.0 Regular" panose="020B0506020000000000" pitchFamily="34" charset="-120"/>
-              </a:endParaRPr>
             </a:p>
           </p:txBody>
         </p:sp>
-        <p:pic>
-          <p:nvPicPr>
-            <p:cNvPr id="112" name="圖形 111">
+        <p:sp>
+          <p:nvSpPr>
+            <p:cNvPr id="110" name="橢圓 109">
               <a:extLst>
                 <a:ext uri="{FF2B5EF4-FFF2-40B4-BE49-F238E27FC236}">
-                  <a16:creationId xmlns:a16="http://schemas.microsoft.com/office/drawing/2014/main" id="{0B3CDB50-FD58-CAAC-30F9-DE8494DB03CF}"/>
+                  <a16:creationId xmlns:a16="http://schemas.microsoft.com/office/drawing/2014/main" id="{73194A4F-BF60-B12A-CA68-61896785E0BC}"/>
                 </a:ext>
               </a:extLst>
             </p:cNvPr>
-            <p:cNvPicPr>
-              <a:picLocks noChangeAspect="1"/>
-            </p:cNvPicPr>
+            <p:cNvSpPr/>
             <p:nvPr/>
-          </p:nvPicPr>
-          <p:blipFill>
-            <a:blip r:embed="rId16">
-              <a:extLst>
-                <a:ext uri="{96DAC541-7B7A-43D3-8B79-37D633B846F1}">
-                  <asvg:svgBlip xmlns:asvg="http://schemas.microsoft.com/office/drawing/2016/SVG/main" r:embed="rId17"/>
-                </a:ext>
-              </a:extLst>
-            </a:blip>
-            <a:stretch>
-              <a:fillRect/>
-            </a:stretch>
-          </p:blipFill>
+          </p:nvSpPr>
           <p:spPr>
             <a:xfrm>
-              <a:off x="6921920" y="5420704"/>
-              <a:ext cx="360000" cy="360000"/>
+              <a:off x="10129738" y="2093225"/>
+              <a:ext cx="879903" cy="879903"/>
             </a:xfrm>
-            <a:prstGeom prst="rect">
+            <a:prstGeom prst="ellipse">
               <a:avLst/>
             </a:prstGeom>
+            <a:solidFill>
+              <a:schemeClr val="accent1">
+                <a:lumMod val="75000"/>
+                <a:alpha val="70000"/>
+              </a:schemeClr>
+            </a:solidFill>
+            <a:ln>
+              <a:noFill/>
+            </a:ln>
           </p:spPr>
-        </p:pic>
+          <p:style>
+            <a:lnRef idx="2">
+              <a:schemeClr val="accent1">
+                <a:shade val="15000"/>
+              </a:schemeClr>
+            </a:lnRef>
+            <a:fillRef idx="1">
+              <a:schemeClr val="accent1"/>
+            </a:fillRef>
+            <a:effectRef idx="0">
+              <a:schemeClr val="accent1"/>
+            </a:effectRef>
+            <a:fontRef idx="minor">
+              <a:schemeClr val="lt1"/>
+            </a:fontRef>
+          </p:style>
+          <p:txBody>
+            <a:bodyPr rtlCol="0" anchor="ctr"/>
+            <a:lstStyle/>
+            <a:p>
+              <a:pPr algn="ctr"/>
+              <a:r>
+                <a:rPr lang="zh-TW" altLang="en-US" sz="1400" dirty="0">
+                  <a:latin typeface="臺灣道路體 1.0 Regular" panose="020B0506020000000000" pitchFamily="34" charset="-120"/>
+                  <a:ea typeface="臺灣道路體 1.0 Regular" panose="020B0506020000000000" pitchFamily="34" charset="-120"/>
+                </a:rPr>
+                <a:t>預測</a:t>
+              </a:r>
+            </a:p>
+          </p:txBody>
+        </p:sp>
       </p:grpSp>
     </p:spTree>
     <p:extLst>
@@ -23875,8 +27024,8 @@
         </p:nvSpPr>
         <p:spPr>
           <a:xfrm>
-            <a:off x="9212239" y="1364776"/>
-            <a:ext cx="1296537" cy="3695406"/>
+            <a:off x="9212239" y="1436914"/>
+            <a:ext cx="1233641" cy="3135086"/>
           </a:xfrm>
           <a:prstGeom prst="roundRect">
             <a:avLst/>
@@ -23929,8 +27078,8 @@
         </p:nvSpPr>
         <p:spPr>
           <a:xfrm>
-            <a:off x="6889082" y="2533934"/>
-            <a:ext cx="1296537" cy="3695406"/>
+            <a:off x="6889083" y="2315688"/>
+            <a:ext cx="1233640" cy="3695406"/>
           </a:xfrm>
           <a:prstGeom prst="roundRect">
             <a:avLst/>
@@ -25192,8 +28341,8 @@
         </p:nvSpPr>
         <p:spPr>
           <a:xfrm>
-            <a:off x="9212239" y="1364776"/>
-            <a:ext cx="1296537" cy="3695406"/>
+            <a:off x="9212240" y="1472540"/>
+            <a:ext cx="1246288" cy="2125683"/>
           </a:xfrm>
           <a:prstGeom prst="roundRect">
             <a:avLst/>
@@ -25246,8 +28395,8 @@
         </p:nvSpPr>
         <p:spPr>
           <a:xfrm>
-            <a:off x="6889082" y="2533934"/>
-            <a:ext cx="1296537" cy="3695406"/>
+            <a:off x="6917999" y="2582882"/>
+            <a:ext cx="1246288" cy="3372593"/>
           </a:xfrm>
           <a:prstGeom prst="roundRect">
             <a:avLst/>
